--- a/slides/13_bayes_nets.pptx
+++ b/slides/13_bayes_nets.pptx
@@ -6076,7 +6076,7 @@
             <a:fld id="{71CA99E0-E95C-4F1B-B0F2-4565A2B40149}" type="datetimeFigureOut">
               <a:rPr lang="en-US" smtClean="0"/>
               <a:pPr/>
-              <a:t>4/27/2021</a:t>
+              <a:t>9/1/2021</a:t>
             </a:fld>
             <a:endParaRPr lang="en-US"/>
           </a:p>
@@ -12302,7 +12302,7 @@
         </p:nvSpPr>
         <p:spPr>
           <a:xfrm>
-            <a:off x="358485" y="1122363"/>
+            <a:off x="304800" y="1066800"/>
             <a:ext cx="2689515" cy="3204134"/>
           </a:xfrm>
         </p:spPr>
@@ -12427,7 +12427,19 @@
                 </a:effectLst>
               </a:rPr>
             </a:br>
-            <a:endParaRPr lang="en-US" sz="2400" b="1" dirty="0">
+            <a:r>
+              <a:rPr lang="en-US" sz="2000" dirty="0">
+                <a:effectLst>
+                  <a:outerShdw blurRad="38100" dist="38100" dir="2700000" algn="tl">
+                    <a:srgbClr val="000000">
+                      <a:alpha val="43137"/>
+                    </a:srgbClr>
+                  </a:outerShdw>
+                </a:effectLst>
+              </a:rPr>
+              <a:t>AIMA Chapter 13</a:t>
+            </a:r>
+            <a:endParaRPr lang="en-US" sz="2400" dirty="0">
               <a:effectLst>
                 <a:outerShdw blurRad="38100" dist="38100" dir="2700000" algn="tl">
                   <a:srgbClr val="000000">
@@ -12457,7 +12469,7 @@
         </p:nvSpPr>
         <p:spPr>
           <a:xfrm>
-            <a:off x="358485" y="4872922"/>
+            <a:off x="304800" y="4817359"/>
             <a:ext cx="3017519" cy="1208141"/>
           </a:xfrm>
         </p:spPr>
@@ -12469,35 +12481,8 @@
           <a:p>
             <a:pPr algn="l"/>
             <a:r>
-              <a:rPr lang="en-US" b="1" dirty="0">
-                <a:effectLst>
-                  <a:outerShdw blurRad="38100" dist="38100" dir="2700000" algn="tl">
-                    <a:srgbClr val="000000">
-                      <a:alpha val="43137"/>
-                    </a:srgbClr>
-                  </a:outerShdw>
-                </a:effectLst>
-              </a:rPr>
-              <a:t>AIMA Chapter 13</a:t>
-            </a:r>
-          </a:p>
-          <a:p>
-            <a:pPr algn="l"/>
-            <a:endParaRPr lang="en-US" sz="1400" dirty="0"/>
-          </a:p>
-          <a:p>
-            <a:pPr algn="l"/>
-            <a:r>
               <a:rPr lang="en-US" sz="1400" dirty="0"/>
-              <a:t>Slides by Michael </a:t>
-            </a:r>
-            <a:r>
-              <a:rPr lang="en-US" sz="1400" dirty="0" err="1"/>
-              <a:t>Hahsler</a:t>
-            </a:r>
-            <a:r>
-              <a:rPr lang="en-US" sz="1400" dirty="0"/>
-              <a:t> </a:t>
+              <a:t>Slides by Michael Hahsler </a:t>
             </a:r>
             <a:br>
               <a:rPr lang="en-US" sz="1400" dirty="0"/>
@@ -12510,7 +12495,13 @@
               <a:rPr lang="en-US" sz="1400" dirty="0" err="1"/>
               <a:t>Lazepnik</a:t>
             </a:r>
-            <a:endParaRPr lang="en-US" sz="1400" dirty="0"/>
+            <a:br>
+              <a:rPr lang="en-US" sz="1400" dirty="0"/>
+            </a:br>
+            <a:r>
+              <a:rPr lang="en-US" sz="1400" dirty="0"/>
+              <a:t>with figures from the AIMA textbook</a:t>
+            </a:r>
           </a:p>
         </p:txBody>
       </p:sp>
@@ -12920,72 +12911,8 @@
                                   </p:childTnLst>
                                 </p:cTn>
                               </p:par>
-                            </p:childTnLst>
-                          </p:cTn>
-                        </p:par>
-                      </p:childTnLst>
-                    </p:cTn>
-                  </p:par>
-                  <p:par>
-                    <p:cTn id="8" fill="hold">
-                      <p:stCondLst>
-                        <p:cond delay="indefinite"/>
-                      </p:stCondLst>
-                      <p:childTnLst>
-                        <p:par>
-                          <p:cTn id="9" fill="hold">
-                            <p:stCondLst>
-                              <p:cond delay="0"/>
-                            </p:stCondLst>
-                            <p:childTnLst>
                               <p:par>
-                                <p:cTn id="10" presetID="10" presetClass="entr" presetSubtype="0" fill="hold" grpId="0" nodeType="clickEffect">
-                                  <p:stCondLst>
-                                    <p:cond delay="2000"/>
-                                  </p:stCondLst>
-                                  <p:iterate type="lt">
-                                    <p:tmPct val="10000"/>
-                                  </p:iterate>
-                                  <p:childTnLst>
-                                    <p:set>
-                                      <p:cBhvr>
-                                        <p:cTn id="11" dur="1" fill="hold">
-                                          <p:stCondLst>
-                                            <p:cond delay="0"/>
-                                          </p:stCondLst>
-                                        </p:cTn>
-                                        <p:tgtEl>
-                                          <p:spTgt spid="5">
-                                            <p:txEl>
-                                              <p:pRg st="2" end="2"/>
-                                            </p:txEl>
-                                          </p:spTgt>
-                                        </p:tgtEl>
-                                        <p:attrNameLst>
-                                          <p:attrName>style.visibility</p:attrName>
-                                        </p:attrNameLst>
-                                      </p:cBhvr>
-                                      <p:to>
-                                        <p:strVal val="visible"/>
-                                      </p:to>
-                                    </p:set>
-                                    <p:animEffect transition="in" filter="fade">
-                                      <p:cBhvr>
-                                        <p:cTn id="12" dur="400"/>
-                                        <p:tgtEl>
-                                          <p:spTgt spid="5">
-                                            <p:txEl>
-                                              <p:pRg st="2" end="2"/>
-                                            </p:txEl>
-                                          </p:spTgt>
-                                        </p:tgtEl>
-                                      </p:cBhvr>
-                                    </p:animEffect>
-                                  </p:childTnLst>
-                                </p:cTn>
-                              </p:par>
-                              <p:par>
-                                <p:cTn id="13" presetID="10" presetClass="entr" presetSubtype="0" fill="hold" grpId="0" nodeType="withEffect">
+                                <p:cTn id="8" presetID="10" presetClass="entr" presetSubtype="0" fill="hold" grpId="0" nodeType="withEffect">
                                   <p:stCondLst>
                                     <p:cond delay="1000"/>
                                   </p:stCondLst>
@@ -12995,7 +12922,7 @@
                                   <p:childTnLst>
                                     <p:set>
                                       <p:cBhvr>
-                                        <p:cTn id="14" dur="1" fill="hold">
+                                        <p:cTn id="9" dur="1" fill="hold">
                                           <p:stCondLst>
                                             <p:cond delay="0"/>
                                           </p:stCondLst>
@@ -13013,7 +12940,7 @@
                                     </p:set>
                                     <p:animEffect transition="in" filter="fade">
                                       <p:cBhvr>
-                                        <p:cTn id="15" dur="400"/>
+                                        <p:cTn id="10" dur="400"/>
                                         <p:tgtEl>
                                           <p:spTgt spid="4"/>
                                         </p:tgtEl>
@@ -13023,7 +12950,7 @@
                                 </p:cTn>
                               </p:par>
                               <p:par>
-                                <p:cTn id="16" presetID="10" presetClass="entr" presetSubtype="0" fill="hold" nodeType="withEffect">
+                                <p:cTn id="11" presetID="10" presetClass="entr" presetSubtype="0" fill="hold" nodeType="withEffect">
                                   <p:stCondLst>
                                     <p:cond delay="0"/>
                                   </p:stCondLst>
@@ -13033,7 +12960,7 @@
                                   <p:childTnLst>
                                     <p:set>
                                       <p:cBhvr>
-                                        <p:cTn id="17" dur="1" fill="hold">
+                                        <p:cTn id="12" dur="1" fill="hold">
                                           <p:stCondLst>
                                             <p:cond delay="0"/>
                                           </p:stCondLst>
@@ -13051,7 +12978,7 @@
                                     </p:set>
                                     <p:animEffect transition="in" filter="fade">
                                       <p:cBhvr>
-                                        <p:cTn id="18" dur="700"/>
+                                        <p:cTn id="13" dur="700"/>
                                         <p:tgtEl>
                                           <p:spTgt spid="100354"/>
                                         </p:tgtEl>
@@ -18147,14 +18074,14 @@
           </a:ln>
           <a:extLst>
             <a:ext uri="{909E8E84-426E-40dd-AFC4-6F175D3DCCD1}">
-              <a14:hiddenFill xmlns:a14="http://schemas.microsoft.com/office/drawing/2010/main" xmlns="">
+              <a14:hiddenFill xmlns="" xmlns:a14="http://schemas.microsoft.com/office/drawing/2010/main">
                 <a:solidFill>
                   <a:srgbClr val="FFFFFF"/>
                 </a:solidFill>
               </a14:hiddenFill>
             </a:ext>
             <a:ext uri="{91240B29-F687-4f45-9708-019B960494DF}">
-              <a14:hiddenLine xmlns:a14="http://schemas.microsoft.com/office/drawing/2010/main" xmlns="" w="9525">
+              <a14:hiddenLine xmlns="" xmlns:a14="http://schemas.microsoft.com/office/drawing/2010/main" w="9525">
                 <a:solidFill>
                   <a:srgbClr val="000000"/>
                 </a:solidFill>
@@ -18205,14 +18132,14 @@
           </a:ln>
           <a:extLst>
             <a:ext uri="{909E8E84-426E-40dd-AFC4-6F175D3DCCD1}">
-              <a14:hiddenFill xmlns:a14="http://schemas.microsoft.com/office/drawing/2010/main" xmlns="">
+              <a14:hiddenFill xmlns="" xmlns:a14="http://schemas.microsoft.com/office/drawing/2010/main">
                 <a:solidFill>
                   <a:srgbClr val="FFFFFF"/>
                 </a:solidFill>
               </a14:hiddenFill>
             </a:ext>
             <a:ext uri="{91240B29-F687-4f45-9708-019B960494DF}">
-              <a14:hiddenLine xmlns:a14="http://schemas.microsoft.com/office/drawing/2010/main" xmlns="" w="9525">
+              <a14:hiddenLine xmlns="" xmlns:a14="http://schemas.microsoft.com/office/drawing/2010/main" w="9525">
                 <a:solidFill>
                   <a:srgbClr val="000000"/>
                 </a:solidFill>
@@ -18263,14 +18190,14 @@
           </a:ln>
           <a:extLst>
             <a:ext uri="{909E8E84-426E-40dd-AFC4-6F175D3DCCD1}">
-              <a14:hiddenFill xmlns:a14="http://schemas.microsoft.com/office/drawing/2010/main" xmlns="">
+              <a14:hiddenFill xmlns="" xmlns:a14="http://schemas.microsoft.com/office/drawing/2010/main">
                 <a:solidFill>
                   <a:srgbClr val="FFFFFF"/>
                 </a:solidFill>
               </a14:hiddenFill>
             </a:ext>
             <a:ext uri="{91240B29-F687-4f45-9708-019B960494DF}">
-              <a14:hiddenLine xmlns:a14="http://schemas.microsoft.com/office/drawing/2010/main" xmlns="" w="9525">
+              <a14:hiddenLine xmlns="" xmlns:a14="http://schemas.microsoft.com/office/drawing/2010/main" w="9525">
                 <a:solidFill>
                   <a:srgbClr val="000000"/>
                 </a:solidFill>
@@ -18321,14 +18248,14 @@
           </a:ln>
           <a:extLst>
             <a:ext uri="{909E8E84-426E-40dd-AFC4-6F175D3DCCD1}">
-              <a14:hiddenFill xmlns:a14="http://schemas.microsoft.com/office/drawing/2010/main" xmlns="">
+              <a14:hiddenFill xmlns="" xmlns:a14="http://schemas.microsoft.com/office/drawing/2010/main">
                 <a:solidFill>
                   <a:srgbClr val="FFFFFF"/>
                 </a:solidFill>
               </a14:hiddenFill>
             </a:ext>
             <a:ext uri="{91240B29-F687-4f45-9708-019B960494DF}">
-              <a14:hiddenLine xmlns:a14="http://schemas.microsoft.com/office/drawing/2010/main" xmlns="" w="9525">
+              <a14:hiddenLine xmlns="" xmlns:a14="http://schemas.microsoft.com/office/drawing/2010/main" w="9525">
                 <a:solidFill>
                   <a:srgbClr val="000000"/>
                 </a:solidFill>
@@ -18379,14 +18306,14 @@
           </a:ln>
           <a:extLst>
             <a:ext uri="{909E8E84-426E-40dd-AFC4-6F175D3DCCD1}">
-              <a14:hiddenFill xmlns:a14="http://schemas.microsoft.com/office/drawing/2010/main" xmlns="">
+              <a14:hiddenFill xmlns="" xmlns:a14="http://schemas.microsoft.com/office/drawing/2010/main">
                 <a:solidFill>
                   <a:srgbClr val="FFFFFF"/>
                 </a:solidFill>
               </a14:hiddenFill>
             </a:ext>
             <a:ext uri="{91240B29-F687-4f45-9708-019B960494DF}">
-              <a14:hiddenLine xmlns:a14="http://schemas.microsoft.com/office/drawing/2010/main" xmlns="" w="9525">
+              <a14:hiddenLine xmlns="" xmlns:a14="http://schemas.microsoft.com/office/drawing/2010/main" w="9525">
                 <a:solidFill>
                   <a:srgbClr val="000000"/>
                 </a:solidFill>
@@ -18441,14 +18368,14 @@
           <a:effectLst/>
           <a:extLst>
             <a:ext uri="{909E8E84-426E-40dd-AFC4-6F175D3DCCD1}">
-              <a14:hiddenFill xmlns:a14="http://schemas.microsoft.com/office/drawing/2010/main" xmlns="">
+              <a14:hiddenFill xmlns="" xmlns:a14="http://schemas.microsoft.com/office/drawing/2010/main">
                 <a:solidFill>
                   <a:srgbClr val="FFFFFF"/>
                 </a:solidFill>
               </a14:hiddenFill>
             </a:ext>
             <a:ext uri="{91240B29-F687-4f45-9708-019B960494DF}">
-              <a14:hiddenLine xmlns:a14="http://schemas.microsoft.com/office/drawing/2010/main" xmlns="" w="9525" cap="flat" cmpd="sng" algn="ctr">
+              <a14:hiddenLine xmlns="" xmlns:a14="http://schemas.microsoft.com/office/drawing/2010/main" w="9525" cap="flat" cmpd="sng" algn="ctr">
                 <a:solidFill>
                   <a:schemeClr val="tx1"/>
                 </a:solidFill>
@@ -18459,7 +18386,7 @@
               </a14:hiddenLine>
             </a:ext>
             <a:ext uri="{AF507438-7753-43e0-B8FC-AC1667EBCBE1}">
-              <a14:hiddenEffects xmlns:a14="http://schemas.microsoft.com/office/drawing/2010/main" xmlns="">
+              <a14:hiddenEffects xmlns="" xmlns:a14="http://schemas.microsoft.com/office/drawing/2010/main">
                 <a:effectLst>
                   <a:outerShdw blurRad="63500" dist="37357" dir="2700000" rotWithShape="0">
                     <a:scrgbClr r="0" g="0" b="0"/>
@@ -18468,7 +18395,7 @@
               </a14:hiddenEffects>
             </a:ext>
             <a:ext uri="{31F19639-BCED-4a60-ADC4-E9642A236FB7}">
-              <a14:hiddenScene3d xmlns:a14="http://schemas.microsoft.com/office/drawing/2010/main" xmlns="">
+              <a14:hiddenScene3d xmlns="" xmlns:a14="http://schemas.microsoft.com/office/drawing/2010/main">
                 <a:camera prst="orthographicFront">
                   <a:rot lat="0" lon="0" rev="0"/>
                 </a:camera>
@@ -18478,14 +18405,14 @@
               </a14:hiddenScene3d>
             </a:ext>
             <a:ext uri="{E45631CC-5BF2-4c18-A39C-3461C7D3F71A}">
-              <a14:hiddenSp3d xmlns:a14="http://schemas.microsoft.com/office/drawing/2010/main" xmlns="" extrusionH="457200">
+              <a14:hiddenSp3d xmlns="" xmlns:a14="http://schemas.microsoft.com/office/drawing/2010/main" extrusionH="457200">
                 <a:contourClr>
                   <a:srgbClr val="000000"/>
                 </a:contourClr>
               </a14:hiddenSp3d>
             </a:ext>
             <a:ext uri="{53640926-AAD7-44d8-BBD7-CCE9431645EC}">
-              <a14:shadowObscured xmlns:a14="http://schemas.microsoft.com/office/drawing/2010/main" xmlns=""/>
+              <a14:shadowObscured xmlns="" xmlns:a14="http://schemas.microsoft.com/office/drawing/2010/main"/>
             </a:ext>
           </a:extLst>
         </p:spPr>
@@ -28894,8 +28821,8 @@
           </a:p>
         </p:txBody>
       </p:sp>
-      <mc:AlternateContent xmlns:mc="http://schemas.openxmlformats.org/markup-compatibility/2006">
-        <mc:Choice xmlns:a14="http://schemas.microsoft.com/office/drawing/2010/main" Requires="a14">
+      <mc:AlternateContent xmlns:mc="http://schemas.openxmlformats.org/markup-compatibility/2006" xmlns:a14="http://schemas.microsoft.com/office/drawing/2010/main">
+        <mc:Choice Requires="a14">
           <p:sp>
             <p:nvSpPr>
               <p:cNvPr id="3" name="Content Placeholder 2"/>
@@ -29648,7 +29575,7 @@
             </p:txBody>
           </p:sp>
         </mc:Choice>
-        <mc:Fallback>
+        <mc:Fallback xmlns="">
           <p:sp>
             <p:nvSpPr>
               <p:cNvPr id="3" name="Content Placeholder 2"/>
@@ -29745,8 +29672,8 @@
           </a:p>
         </p:txBody>
       </p:sp>
-      <mc:AlternateContent xmlns:mc="http://schemas.openxmlformats.org/markup-compatibility/2006">
-        <mc:Choice xmlns:a14="http://schemas.microsoft.com/office/drawing/2010/main" Requires="a14">
+      <mc:AlternateContent xmlns:mc="http://schemas.openxmlformats.org/markup-compatibility/2006" xmlns:a14="http://schemas.microsoft.com/office/drawing/2010/main">
+        <mc:Choice Requires="a14">
           <p:sp>
             <p:nvSpPr>
               <p:cNvPr id="3" name="Content Placeholder 2"/>
@@ -30095,7 +30022,7 @@
             </p:txBody>
           </p:sp>
         </mc:Choice>
-        <mc:Fallback>
+        <mc:Fallback xmlns="">
           <p:sp>
             <p:nvSpPr>
               <p:cNvPr id="3" name="Content Placeholder 2"/>
@@ -30348,8 +30275,8 @@
           </a:p>
         </p:txBody>
       </p:sp>
-      <mc:AlternateContent xmlns:mc="http://schemas.openxmlformats.org/markup-compatibility/2006">
-        <mc:Choice xmlns:a14="http://schemas.microsoft.com/office/drawing/2010/main" Requires="a14">
+      <mc:AlternateContent xmlns:mc="http://schemas.openxmlformats.org/markup-compatibility/2006" xmlns:a14="http://schemas.microsoft.com/office/drawing/2010/main">
+        <mc:Choice Requires="a14">
           <p:sp>
             <p:nvSpPr>
               <p:cNvPr id="3" name="Content Placeholder 2"/>
@@ -30820,7 +30747,7 @@
             </p:txBody>
           </p:sp>
         </mc:Choice>
-        <mc:Fallback>
+        <mc:Fallback xmlns="">
           <p:sp>
             <p:nvSpPr>
               <p:cNvPr id="3" name="Content Placeholder 2"/>

--- a/slides/13_bayes_nets.pptx
+++ b/slides/13_bayes_nets.pptx
@@ -6076,7 +6076,7 @@
             <a:fld id="{71CA99E0-E95C-4F1B-B0F2-4565A2B40149}" type="datetimeFigureOut">
               <a:rPr lang="en-US" smtClean="0"/>
               <a:pPr/>
-              <a:t>9/1/2021</a:t>
+              <a:t>11/15/2021</a:t>
             </a:fld>
             <a:endParaRPr lang="en-US"/>
           </a:p>
@@ -13885,7 +13885,7 @@
                 <a:ext cx="7886700" cy="4879975"/>
               </a:xfrm>
               <a:blipFill>
-                <a:blip r:embed="rId3"/>
+                <a:blip r:embed="rId4"/>
                 <a:stretch>
                   <a:fillRect l="-1005" t="-2372"/>
                 </a:stretch>
@@ -13928,12 +13928,12 @@
           <a:graphicData uri="http://schemas.openxmlformats.org/presentationml/2006/ole">
             <mc:AlternateContent xmlns:mc="http://schemas.openxmlformats.org/markup-compatibility/2006">
               <mc:Choice xmlns:v="urn:schemas-microsoft-com:vml" Requires="v">
-                <p:oleObj name="Equation" r:id="rId4" imgW="3898800" imgH="431640" progId="Equation.3">
+                <p:oleObj spid="_x0000_s1027" name="Equation" r:id="rId5" imgW="3898800" imgH="431640" progId="Equation.3">
                   <p:embed/>
                 </p:oleObj>
               </mc:Choice>
               <mc:Fallback>
-                <p:oleObj name="Equation" r:id="rId4" imgW="3898800" imgH="431640" progId="Equation.3">
+                <p:oleObj name="Equation" r:id="rId5" imgW="3898800" imgH="431640" progId="Equation.3">
                   <p:embed/>
                   <p:pic>
                     <p:nvPicPr>
@@ -13944,7 +13944,7 @@
                       <p:nvPr/>
                     </p:nvPicPr>
                     <p:blipFill>
-                      <a:blip r:embed="rId5">
+                      <a:blip r:embed="rId6">
                         <a:extLst>
                           <a:ext uri="{28A0092B-C50C-407E-A947-70E740481C1C}">
                             <a14:useLocalDpi xmlns:a14="http://schemas.microsoft.com/office/drawing/2010/main" val="0"/>
@@ -13991,7 +13991,7 @@
           <p:nvPr/>
         </p:nvPicPr>
         <p:blipFill>
-          <a:blip r:embed="rId6" cstate="print"/>
+          <a:blip r:embed="rId7" cstate="print"/>
           <a:srcRect/>
           <a:stretch>
             <a:fillRect/>
@@ -14131,13 +14131,13 @@
           <a:p>
             <a:r>
               <a:rPr lang="en-US" dirty="0"/>
-              <a:t>Conditional independence</a:t>
+              <a:t>Dependence</a:t>
             </a:r>
           </a:p>
         </p:txBody>
       </p:sp>
-      <mc:AlternateContent xmlns:mc="http://schemas.openxmlformats.org/markup-compatibility/2006" xmlns:a14="http://schemas.microsoft.com/office/drawing/2010/main">
-        <mc:Choice Requires="a14">
+      <mc:AlternateContent xmlns:mc="http://schemas.openxmlformats.org/markup-compatibility/2006">
+        <mc:Choice xmlns:a14="http://schemas.microsoft.com/office/drawing/2010/main" Requires="a14">
           <p:sp>
             <p:nvSpPr>
               <p:cNvPr id="5123" name="Rectangle 3"/>
@@ -14156,27 +14156,9 @@
             </p:spPr>
             <p:txBody>
               <a:bodyPr>
-                <a:normAutofit lnSpcReduction="10000"/>
+                <a:normAutofit/>
               </a:bodyPr>
               <a:lstStyle/>
-              <a:p>
-                <a:r>
-                  <a:rPr lang="en-US" sz="2400" dirty="0"/>
-                  <a:t>Key assumption: X is conditionally independent of every </a:t>
-                </a:r>
-                <a:r>
-                  <a:rPr lang="en-US" sz="2400" b="1" i="1" dirty="0"/>
-                  <a:t>non-descendant node</a:t>
-                </a:r>
-                <a:r>
-                  <a:rPr lang="en-US" sz="2400" b="1" dirty="0"/>
-                  <a:t> </a:t>
-                </a:r>
-                <a:r>
-                  <a:rPr lang="en-US" sz="2400" dirty="0"/>
-                  <a:t>given its parents</a:t>
-                </a:r>
-              </a:p>
               <a:p>
                 <a:r>
                   <a:rPr lang="en-US" sz="2400" dirty="0"/>
@@ -14207,6 +14189,9 @@
                   <a:rPr lang="en-US" sz="2400" dirty="0"/>
                   <a:t>Are X and Z independent?</a:t>
                 </a:r>
+              </a:p>
+              <a:p>
+                <a:endParaRPr lang="en-US" sz="2400" dirty="0"/>
               </a:p>
               <a:p>
                 <a:pPr marL="0" indent="0">
@@ -14656,7 +14641,7 @@
             </p:txBody>
           </p:sp>
         </mc:Choice>
-        <mc:Fallback xmlns="">
+        <mc:Fallback>
           <p:sp>
             <p:nvSpPr>
               <p:cNvPr id="5123" name="Rectangle 3"/>
@@ -14675,7 +14660,7 @@
               <a:blipFill>
                 <a:blip r:embed="rId3"/>
                 <a:stretch>
-                  <a:fillRect l="-1005" t="-2452"/>
+                  <a:fillRect l="-1005" t="-1806"/>
                 </a:stretch>
               </a:blipFill>
             </p:spPr>
@@ -14711,7 +14696,7 @@
         </p:blipFill>
         <p:spPr bwMode="auto">
           <a:xfrm>
-            <a:off x="2881312" y="2971800"/>
+            <a:off x="1897856" y="2188354"/>
             <a:ext cx="5348288" cy="1124398"/>
           </a:xfrm>
           <a:prstGeom prst="rect">
@@ -14726,8 +14711,8 @@
           </a:ln>
         </p:spPr>
       </p:pic>
-      <mc:AlternateContent xmlns:mc="http://schemas.openxmlformats.org/markup-compatibility/2006" xmlns:a14="http://schemas.microsoft.com/office/drawing/2010/main">
-        <mc:Choice Requires="a14">
+      <mc:AlternateContent xmlns:mc="http://schemas.openxmlformats.org/markup-compatibility/2006">
+        <mc:Choice xmlns:a14="http://schemas.microsoft.com/office/drawing/2010/main" Requires="a14">
           <p:sp>
             <p:nvSpPr>
               <p:cNvPr id="4" name="Rectangle 3">
@@ -14742,7 +14727,7 @@
             </p:nvSpPr>
             <p:spPr>
               <a:xfrm>
-                <a:off x="3429000" y="5791200"/>
+                <a:off x="3521866" y="5817874"/>
                 <a:ext cx="1589089" cy="400110"/>
               </a:xfrm>
               <a:prstGeom prst="rect">
@@ -14824,7 +14809,7 @@
             </p:txBody>
           </p:sp>
         </mc:Choice>
-        <mc:Fallback xmlns="">
+        <mc:Fallback>
           <p:sp>
             <p:nvSpPr>
               <p:cNvPr id="4" name="Rectangle 3">
@@ -14841,7 +14826,7 @@
             </p:nvSpPr>
             <p:spPr>
               <a:xfrm>
-                <a:off x="3429000" y="5791200"/>
+                <a:off x="3521866" y="5817874"/>
                 <a:ext cx="1589089" cy="400110"/>
               </a:xfrm>
               <a:prstGeom prst="rect">
@@ -14850,7 +14835,7 @@
               <a:blipFill>
                 <a:blip r:embed="rId5"/>
                 <a:stretch>
-                  <a:fillRect b="-13636"/>
+                  <a:fillRect b="-15152"/>
                 </a:stretch>
               </a:blipFill>
             </p:spPr>
@@ -14883,7 +14868,7 @@
         </p:nvSpPr>
         <p:spPr>
           <a:xfrm>
-            <a:off x="6400800" y="4266074"/>
+            <a:off x="6335242" y="4264198"/>
             <a:ext cx="1383712" cy="369332"/>
           </a:xfrm>
           <a:prstGeom prst="rect">
@@ -14918,7 +14903,7 @@
         </p:nvSpPr>
         <p:spPr>
           <a:xfrm>
-            <a:off x="6457065" y="4947971"/>
+            <a:off x="6335242" y="4861562"/>
             <a:ext cx="1271182" cy="646331"/>
           </a:xfrm>
           <a:prstGeom prst="rect">
@@ -14960,7 +14945,7 @@
         </p:nvSpPr>
         <p:spPr>
           <a:xfrm>
-            <a:off x="5338943" y="5658252"/>
+            <a:off x="5516503" y="5646003"/>
             <a:ext cx="2180149" cy="830997"/>
           </a:xfrm>
           <a:prstGeom prst="rect">
@@ -14976,22 +14961,38 @@
           <a:p>
             <a:pPr algn="ctr"/>
             <a:r>
+              <a:rPr lang="en-US" sz="2400" dirty="0">
+                <a:solidFill>
+                  <a:srgbClr val="FF0000"/>
+                </a:solidFill>
+              </a:rPr>
+              <a:t>X and Z are </a:t>
+            </a:r>
+            <a:r>
               <a:rPr lang="en-US" sz="2400" b="1" dirty="0">
                 <a:solidFill>
                   <a:srgbClr val="FF0000"/>
                 </a:solidFill>
               </a:rPr>
-              <a:t>X and Z are not </a:t>
+              <a:t>not</a:t>
+            </a:r>
+            <a:r>
+              <a:rPr lang="en-US" sz="2400" dirty="0">
+                <a:solidFill>
+                  <a:srgbClr val="FF0000"/>
+                </a:solidFill>
+              </a:rPr>
+              <a:t> </a:t>
             </a:r>
             <a:br>
-              <a:rPr lang="en-US" sz="2400" b="1" dirty="0">
+              <a:rPr lang="en-US" sz="2400" dirty="0">
                 <a:solidFill>
                   <a:srgbClr val="FF0000"/>
                 </a:solidFill>
               </a:rPr>
             </a:br>
             <a:r>
-              <a:rPr lang="en-US" sz="2400" b="1" dirty="0">
+              <a:rPr lang="en-US" sz="2400" dirty="0">
                 <a:solidFill>
                   <a:srgbClr val="FF0000"/>
                 </a:solidFill>
@@ -15015,7 +15016,7 @@
         </p:nvSpPr>
         <p:spPr>
           <a:xfrm>
-            <a:off x="4953000" y="5887757"/>
+            <a:off x="5140594" y="5858713"/>
             <a:ext cx="315911" cy="284443"/>
           </a:xfrm>
           <a:prstGeom prst="rightArrow">
@@ -15113,20 +15114,6 @@
           <a:p>
             <a:r>
               <a:rPr lang="en-US" sz="2400" dirty="0"/>
-              <a:t>Key assumption: X is conditionally independent of every </a:t>
-            </a:r>
-            <a:r>
-              <a:rPr lang="en-US" sz="2400" i="1" dirty="0"/>
-              <a:t>non-descendant node</a:t>
-            </a:r>
-            <a:r>
-              <a:rPr lang="en-US" sz="2400" dirty="0"/>
-              <a:t> given its parents</a:t>
-            </a:r>
-          </a:p>
-          <a:p>
-            <a:r>
-              <a:rPr lang="en-US" sz="2400" dirty="0"/>
               <a:t>Example: </a:t>
             </a:r>
             <a:r>
@@ -15168,7 +15155,7 @@
         </p:blipFill>
         <p:spPr bwMode="auto">
           <a:xfrm>
-            <a:off x="2881312" y="3066602"/>
+            <a:off x="2057400" y="2328763"/>
             <a:ext cx="5348288" cy="1124398"/>
           </a:xfrm>
           <a:prstGeom prst="rect">
@@ -15183,8 +15170,8 @@
           </a:ln>
         </p:spPr>
       </p:pic>
-      <mc:AlternateContent xmlns:mc="http://schemas.openxmlformats.org/markup-compatibility/2006" xmlns:a14="http://schemas.microsoft.com/office/drawing/2010/main">
-        <mc:Choice Requires="a14">
+      <mc:AlternateContent xmlns:mc="http://schemas.openxmlformats.org/markup-compatibility/2006">
+        <mc:Choice xmlns:a14="http://schemas.microsoft.com/office/drawing/2010/main" Requires="a14">
           <p:sp>
             <p:nvSpPr>
               <p:cNvPr id="3" name="TextBox 2">
@@ -15199,7 +15186,7 @@
             </p:nvSpPr>
             <p:spPr>
               <a:xfrm>
-                <a:off x="990600" y="4874920"/>
+                <a:off x="762000" y="4343400"/>
                 <a:ext cx="4572000" cy="1678280"/>
               </a:xfrm>
               <a:prstGeom prst="rect">
@@ -15889,7 +15876,7 @@
             </p:txBody>
           </p:sp>
         </mc:Choice>
-        <mc:Fallback xmlns="">
+        <mc:Fallback>
           <p:sp>
             <p:nvSpPr>
               <p:cNvPr id="3" name="TextBox 2">
@@ -15906,7 +15893,7 @@
             </p:nvSpPr>
             <p:spPr>
               <a:xfrm>
-                <a:off x="990600" y="4874920"/>
+                <a:off x="762000" y="4343400"/>
                 <a:ext cx="4572000" cy="1678280"/>
               </a:xfrm>
               <a:prstGeom prst="rect">
@@ -15915,7 +15902,7 @@
               <a:blipFill>
                 <a:blip r:embed="rId4"/>
                 <a:stretch>
-                  <a:fillRect b="-5091"/>
+                  <a:fillRect b="-4727"/>
                 </a:stretch>
               </a:blipFill>
             </p:spPr>
@@ -15948,7 +15935,7 @@
         </p:nvSpPr>
         <p:spPr>
           <a:xfrm>
-            <a:off x="2552700" y="6211714"/>
+            <a:off x="2324100" y="5680194"/>
             <a:ext cx="4038600" cy="369332"/>
           </a:xfrm>
           <a:prstGeom prst="rect">
@@ -15983,7 +15970,7 @@
         </p:nvSpPr>
         <p:spPr>
           <a:xfrm>
-            <a:off x="6019800" y="5062645"/>
+            <a:off x="5791200" y="4531125"/>
             <a:ext cx="2133600" cy="369332"/>
           </a:xfrm>
           <a:prstGeom prst="rect">
@@ -16018,7 +16005,7 @@
         </p:nvSpPr>
         <p:spPr>
           <a:xfrm>
-            <a:off x="6019800" y="5619804"/>
+            <a:off x="5791200" y="5088284"/>
             <a:ext cx="2133600" cy="369332"/>
           </a:xfrm>
           <a:prstGeom prst="rect">
@@ -16053,7 +16040,7 @@
         </p:nvSpPr>
         <p:spPr>
           <a:xfrm>
-            <a:off x="6477000" y="6059269"/>
+            <a:off x="6324600" y="5527749"/>
             <a:ext cx="2743200" cy="646331"/>
           </a:xfrm>
           <a:prstGeom prst="rect">
@@ -16069,7 +16056,7 @@
           <a:p>
             <a:pPr algn="ctr"/>
             <a:r>
-              <a:rPr lang="en-US" sz="1800" b="1" dirty="0">
+              <a:rPr lang="en-US" sz="1800" dirty="0">
                 <a:solidFill>
                   <a:srgbClr val="FF0000"/>
                 </a:solidFill>
@@ -16077,7 +16064,7 @@
               <a:t>X and Z are </a:t>
             </a:r>
             <a:r>
-              <a:rPr lang="en-US" b="1" dirty="0">
+              <a:rPr lang="en-US" dirty="0">
                 <a:solidFill>
                   <a:srgbClr val="FF0000"/>
                 </a:solidFill>
@@ -16085,7 +16072,7 @@
               <a:t>conditionally</a:t>
             </a:r>
             <a:r>
-              <a:rPr lang="en-US" sz="1800" b="1" dirty="0">
+              <a:rPr lang="en-US" sz="1800" dirty="0">
                 <a:solidFill>
                   <a:srgbClr val="FF0000"/>
                 </a:solidFill>
@@ -16093,14 +16080,14 @@
               <a:t> </a:t>
             </a:r>
             <a:br>
-              <a:rPr lang="en-US" sz="1800" b="1" dirty="0">
+              <a:rPr lang="en-US" sz="1800" dirty="0">
                 <a:solidFill>
                   <a:srgbClr val="FF0000"/>
                 </a:solidFill>
               </a:rPr>
             </a:br>
             <a:r>
-              <a:rPr lang="en-US" sz="1800" b="1" dirty="0">
+              <a:rPr lang="en-US" sz="1800" dirty="0">
                 <a:solidFill>
                   <a:srgbClr val="FF0000"/>
                 </a:solidFill>
@@ -16124,7 +16111,7 @@
         </p:nvSpPr>
         <p:spPr>
           <a:xfrm>
-            <a:off x="6389689" y="6268757"/>
+            <a:off x="6161089" y="5737237"/>
             <a:ext cx="315911" cy="284443"/>
           </a:xfrm>
           <a:prstGeom prst="rightArrow">
@@ -17359,7 +17346,7 @@
 </file>
 
 <file path=ppt/slides/slide18.xml><?xml version="1.0" encoding="utf-8"?>
-<p:sld xmlns:a="http://schemas.openxmlformats.org/drawingml/2006/main" xmlns:r="http://schemas.openxmlformats.org/officeDocument/2006/relationships" xmlns:p="http://schemas.openxmlformats.org/presentationml/2006/main">
+<p:sld xmlns:a="http://schemas.openxmlformats.org/drawingml/2006/main" xmlns:r="http://schemas.openxmlformats.org/officeDocument/2006/relationships" xmlns:p="http://schemas.openxmlformats.org/presentationml/2006/main" show="0">
   <p:cSld>
     <p:spTree>
       <p:nvGrpSpPr>
@@ -18074,14 +18061,14 @@
           </a:ln>
           <a:extLst>
             <a:ext uri="{909E8E84-426E-40dd-AFC4-6F175D3DCCD1}">
-              <a14:hiddenFill xmlns="" xmlns:a14="http://schemas.microsoft.com/office/drawing/2010/main">
+              <a14:hiddenFill xmlns:a14="http://schemas.microsoft.com/office/drawing/2010/main" xmlns="">
                 <a:solidFill>
                   <a:srgbClr val="FFFFFF"/>
                 </a:solidFill>
               </a14:hiddenFill>
             </a:ext>
             <a:ext uri="{91240B29-F687-4f45-9708-019B960494DF}">
-              <a14:hiddenLine xmlns="" xmlns:a14="http://schemas.microsoft.com/office/drawing/2010/main" w="9525">
+              <a14:hiddenLine xmlns:a14="http://schemas.microsoft.com/office/drawing/2010/main" xmlns="" w="9525">
                 <a:solidFill>
                   <a:srgbClr val="000000"/>
                 </a:solidFill>
@@ -18132,14 +18119,14 @@
           </a:ln>
           <a:extLst>
             <a:ext uri="{909E8E84-426E-40dd-AFC4-6F175D3DCCD1}">
-              <a14:hiddenFill xmlns="" xmlns:a14="http://schemas.microsoft.com/office/drawing/2010/main">
+              <a14:hiddenFill xmlns:a14="http://schemas.microsoft.com/office/drawing/2010/main" xmlns="">
                 <a:solidFill>
                   <a:srgbClr val="FFFFFF"/>
                 </a:solidFill>
               </a14:hiddenFill>
             </a:ext>
             <a:ext uri="{91240B29-F687-4f45-9708-019B960494DF}">
-              <a14:hiddenLine xmlns="" xmlns:a14="http://schemas.microsoft.com/office/drawing/2010/main" w="9525">
+              <a14:hiddenLine xmlns:a14="http://schemas.microsoft.com/office/drawing/2010/main" xmlns="" w="9525">
                 <a:solidFill>
                   <a:srgbClr val="000000"/>
                 </a:solidFill>
@@ -18190,14 +18177,14 @@
           </a:ln>
           <a:extLst>
             <a:ext uri="{909E8E84-426E-40dd-AFC4-6F175D3DCCD1}">
-              <a14:hiddenFill xmlns="" xmlns:a14="http://schemas.microsoft.com/office/drawing/2010/main">
+              <a14:hiddenFill xmlns:a14="http://schemas.microsoft.com/office/drawing/2010/main" xmlns="">
                 <a:solidFill>
                   <a:srgbClr val="FFFFFF"/>
                 </a:solidFill>
               </a14:hiddenFill>
             </a:ext>
             <a:ext uri="{91240B29-F687-4f45-9708-019B960494DF}">
-              <a14:hiddenLine xmlns="" xmlns:a14="http://schemas.microsoft.com/office/drawing/2010/main" w="9525">
+              <a14:hiddenLine xmlns:a14="http://schemas.microsoft.com/office/drawing/2010/main" xmlns="" w="9525">
                 <a:solidFill>
                   <a:srgbClr val="000000"/>
                 </a:solidFill>
@@ -18248,14 +18235,14 @@
           </a:ln>
           <a:extLst>
             <a:ext uri="{909E8E84-426E-40dd-AFC4-6F175D3DCCD1}">
-              <a14:hiddenFill xmlns="" xmlns:a14="http://schemas.microsoft.com/office/drawing/2010/main">
+              <a14:hiddenFill xmlns:a14="http://schemas.microsoft.com/office/drawing/2010/main" xmlns="">
                 <a:solidFill>
                   <a:srgbClr val="FFFFFF"/>
                 </a:solidFill>
               </a14:hiddenFill>
             </a:ext>
             <a:ext uri="{91240B29-F687-4f45-9708-019B960494DF}">
-              <a14:hiddenLine xmlns="" xmlns:a14="http://schemas.microsoft.com/office/drawing/2010/main" w="9525">
+              <a14:hiddenLine xmlns:a14="http://schemas.microsoft.com/office/drawing/2010/main" xmlns="" w="9525">
                 <a:solidFill>
                   <a:srgbClr val="000000"/>
                 </a:solidFill>
@@ -18306,14 +18293,14 @@
           </a:ln>
           <a:extLst>
             <a:ext uri="{909E8E84-426E-40dd-AFC4-6F175D3DCCD1}">
-              <a14:hiddenFill xmlns="" xmlns:a14="http://schemas.microsoft.com/office/drawing/2010/main">
+              <a14:hiddenFill xmlns:a14="http://schemas.microsoft.com/office/drawing/2010/main" xmlns="">
                 <a:solidFill>
                   <a:srgbClr val="FFFFFF"/>
                 </a:solidFill>
               </a14:hiddenFill>
             </a:ext>
             <a:ext uri="{91240B29-F687-4f45-9708-019B960494DF}">
-              <a14:hiddenLine xmlns="" xmlns:a14="http://schemas.microsoft.com/office/drawing/2010/main" w="9525">
+              <a14:hiddenLine xmlns:a14="http://schemas.microsoft.com/office/drawing/2010/main" xmlns="" w="9525">
                 <a:solidFill>
                   <a:srgbClr val="000000"/>
                 </a:solidFill>
@@ -18368,14 +18355,14 @@
           <a:effectLst/>
           <a:extLst>
             <a:ext uri="{909E8E84-426E-40dd-AFC4-6F175D3DCCD1}">
-              <a14:hiddenFill xmlns="" xmlns:a14="http://schemas.microsoft.com/office/drawing/2010/main">
+              <a14:hiddenFill xmlns:a14="http://schemas.microsoft.com/office/drawing/2010/main" xmlns="">
                 <a:solidFill>
                   <a:srgbClr val="FFFFFF"/>
                 </a:solidFill>
               </a14:hiddenFill>
             </a:ext>
             <a:ext uri="{91240B29-F687-4f45-9708-019B960494DF}">
-              <a14:hiddenLine xmlns="" xmlns:a14="http://schemas.microsoft.com/office/drawing/2010/main" w="9525" cap="flat" cmpd="sng" algn="ctr">
+              <a14:hiddenLine xmlns:a14="http://schemas.microsoft.com/office/drawing/2010/main" xmlns="" w="9525" cap="flat" cmpd="sng" algn="ctr">
                 <a:solidFill>
                   <a:schemeClr val="tx1"/>
                 </a:solidFill>
@@ -18386,7 +18373,7 @@
               </a14:hiddenLine>
             </a:ext>
             <a:ext uri="{AF507438-7753-43e0-B8FC-AC1667EBCBE1}">
-              <a14:hiddenEffects xmlns="" xmlns:a14="http://schemas.microsoft.com/office/drawing/2010/main">
+              <a14:hiddenEffects xmlns:a14="http://schemas.microsoft.com/office/drawing/2010/main" xmlns="">
                 <a:effectLst>
                   <a:outerShdw blurRad="63500" dist="37357" dir="2700000" rotWithShape="0">
                     <a:scrgbClr r="0" g="0" b="0"/>
@@ -18395,7 +18382,7 @@
               </a14:hiddenEffects>
             </a:ext>
             <a:ext uri="{31F19639-BCED-4a60-ADC4-E9642A236FB7}">
-              <a14:hiddenScene3d xmlns="" xmlns:a14="http://schemas.microsoft.com/office/drawing/2010/main">
+              <a14:hiddenScene3d xmlns:a14="http://schemas.microsoft.com/office/drawing/2010/main" xmlns="">
                 <a:camera prst="orthographicFront">
                   <a:rot lat="0" lon="0" rev="0"/>
                 </a:camera>
@@ -18405,14 +18392,14 @@
               </a14:hiddenScene3d>
             </a:ext>
             <a:ext uri="{E45631CC-5BF2-4c18-A39C-3461C7D3F71A}">
-              <a14:hiddenSp3d xmlns="" xmlns:a14="http://schemas.microsoft.com/office/drawing/2010/main" extrusionH="457200">
+              <a14:hiddenSp3d xmlns:a14="http://schemas.microsoft.com/office/drawing/2010/main" xmlns="" extrusionH="457200">
                 <a:contourClr>
                   <a:srgbClr val="000000"/>
                 </a:contourClr>
               </a14:hiddenSp3d>
             </a:ext>
             <a:ext uri="{53640926-AAD7-44d8-BBD7-CCE9431645EC}">
-              <a14:shadowObscured xmlns="" xmlns:a14="http://schemas.microsoft.com/office/drawing/2010/main"/>
+              <a14:shadowObscured xmlns:a14="http://schemas.microsoft.com/office/drawing/2010/main" xmlns=""/>
             </a:ext>
           </a:extLst>
         </p:spPr>
@@ -19449,8 +19436,8 @@
         </p:nvSpPr>
         <p:spPr>
           <a:xfrm>
-            <a:off x="5894784" y="4716472"/>
-            <a:ext cx="2620566" cy="1017896"/>
+            <a:off x="639800" y="5685231"/>
+            <a:ext cx="7346331" cy="570018"/>
           </a:xfrm>
         </p:spPr>
         <p:txBody>
@@ -19465,42 +19452,12 @@
               </a:spcBef>
             </a:pPr>
             <a:r>
-              <a:rPr lang="en-US" sz="2200" b="1">
+              <a:rPr lang="en-US" sz="2200" b="1" dirty="0">
                 <a:solidFill>
                   <a:schemeClr val="bg1"/>
                 </a:solidFill>
               </a:rPr>
-              <a:t>Calculate the </a:t>
-            </a:r>
-            <a:br>
-              <a:rPr lang="en-US" sz="2200" b="1">
-                <a:solidFill>
-                  <a:schemeClr val="bg1"/>
-                </a:solidFill>
-              </a:rPr>
-            </a:br>
-            <a:r>
-              <a:rPr lang="en-US" sz="2200" b="1">
-                <a:solidFill>
-                  <a:schemeClr val="bg1"/>
-                </a:solidFill>
-              </a:rPr>
-              <a:t>posterior probability </a:t>
-            </a:r>
-            <a:br>
-              <a:rPr lang="en-US" sz="2200" b="1">
-                <a:solidFill>
-                  <a:schemeClr val="bg1"/>
-                </a:solidFill>
-              </a:rPr>
-            </a:br>
-            <a:r>
-              <a:rPr lang="en-US" sz="2200" b="1">
-                <a:solidFill>
-                  <a:schemeClr val="bg1"/>
-                </a:solidFill>
-              </a:rPr>
-              <a:t>given evidence</a:t>
+              <a:t>Calculate the posterior probability given evidence</a:t>
             </a:r>
           </a:p>
         </p:txBody>
@@ -24178,13 +24135,13 @@
         </p:nvSpPr>
         <p:spPr>
           <a:xfrm>
-            <a:off x="628650" y="2895599"/>
+            <a:off x="628650" y="2895600"/>
             <a:ext cx="7886700" cy="3281363"/>
           </a:xfrm>
         </p:spPr>
         <p:txBody>
           <a:bodyPr>
-            <a:normAutofit fontScale="92500" lnSpcReduction="20000"/>
+            <a:normAutofit fontScale="85000" lnSpcReduction="20000"/>
           </a:bodyPr>
           <a:lstStyle/>
           <a:p>
@@ -24252,11 +24209,7 @@
               <a:t>This summation is called </a:t>
             </a:r>
             <a:r>
-              <a:rPr lang="en-US" sz="2400" b="1" dirty="0">
-                <a:solidFill>
-                  <a:srgbClr val="FF0000"/>
-                </a:solidFill>
-              </a:rPr>
+              <a:rPr lang="en-US" sz="2400" b="1" dirty="0"/>
               <a:t>exact inference by enumeration</a:t>
             </a:r>
             <a:r>
@@ -24266,15 +24219,18 @@
             <a:br>
               <a:rPr lang="en-US" sz="2400" dirty="0"/>
             </a:br>
-            <a:br>
-              <a:rPr lang="en-US" sz="2400" dirty="0"/>
-            </a:br>
-            <a:r>
-              <a:rPr lang="en-US" sz="2400" dirty="0"/>
+            <a:endParaRPr lang="en-US" sz="2400" dirty="0"/>
+          </a:p>
+          <a:p>
+            <a:pPr marL="0" indent="0">
+              <a:buNone/>
+            </a:pPr>
+            <a:r>
+              <a:rPr lang="en-US" sz="2700" dirty="0"/>
               <a:t>In praxis </a:t>
             </a:r>
             <a:r>
-              <a:rPr lang="en-US" sz="2400" b="1" dirty="0">
+              <a:rPr lang="en-US" sz="2700" b="1" dirty="0">
                 <a:solidFill>
                   <a:srgbClr val="FF0000"/>
                 </a:solidFill>
@@ -24282,113 +24238,9 @@
               <a:t>approximate inference by sampling </a:t>
             </a:r>
             <a:r>
-              <a:rPr lang="en-US" sz="2400" dirty="0"/>
+              <a:rPr lang="en-US" sz="2700" dirty="0"/>
               <a:t>is used. </a:t>
             </a:r>
-          </a:p>
-        </p:txBody>
-      </p:sp>
-      <p:sp>
-        <p:nvSpPr>
-          <p:cNvPr id="9" name="Oval 8">
-            <a:extLst>
-              <a:ext uri="{FF2B5EF4-FFF2-40B4-BE49-F238E27FC236}">
-                <a16:creationId xmlns:a16="http://schemas.microsoft.com/office/drawing/2014/main" id="{71A6D776-804E-4AAC-BF48-A05EC2ECEBBB}"/>
-              </a:ext>
-            </a:extLst>
-          </p:cNvPr>
-          <p:cNvSpPr/>
-          <p:nvPr/>
-        </p:nvSpPr>
-        <p:spPr>
-          <a:xfrm>
-            <a:off x="4953000" y="1600200"/>
-            <a:ext cx="685800" cy="927098"/>
-          </a:xfrm>
-          <a:prstGeom prst="ellipse">
-            <a:avLst/>
-          </a:prstGeom>
-          <a:noFill/>
-          <a:ln w="28575">
-            <a:solidFill>
-              <a:srgbClr val="FF0000"/>
-            </a:solidFill>
-          </a:ln>
-        </p:spPr>
-        <p:style>
-          <a:lnRef idx="2">
-            <a:schemeClr val="accent1">
-              <a:shade val="50000"/>
-            </a:schemeClr>
-          </a:lnRef>
-          <a:fillRef idx="1">
-            <a:schemeClr val="accent1"/>
-          </a:fillRef>
-          <a:effectRef idx="0">
-            <a:schemeClr val="accent1"/>
-          </a:effectRef>
-          <a:fontRef idx="minor">
-            <a:schemeClr val="lt1"/>
-          </a:fontRef>
-        </p:style>
-        <p:txBody>
-          <a:bodyPr rtlCol="0" anchor="ctr"/>
-          <a:lstStyle/>
-          <a:p>
-            <a:pPr algn="ctr"/>
-            <a:endParaRPr lang="en-US"/>
-          </a:p>
-        </p:txBody>
-      </p:sp>
-      <p:sp>
-        <p:nvSpPr>
-          <p:cNvPr id="10" name="Oval 9">
-            <a:extLst>
-              <a:ext uri="{FF2B5EF4-FFF2-40B4-BE49-F238E27FC236}">
-                <a16:creationId xmlns:a16="http://schemas.microsoft.com/office/drawing/2014/main" id="{63B69626-5DD2-449C-B0D9-4ACB980720B8}"/>
-              </a:ext>
-            </a:extLst>
-          </p:cNvPr>
-          <p:cNvSpPr/>
-          <p:nvPr/>
-        </p:nvSpPr>
-        <p:spPr>
-          <a:xfrm>
-            <a:off x="5505450" y="1676400"/>
-            <a:ext cx="1428750" cy="762000"/>
-          </a:xfrm>
-          <a:prstGeom prst="ellipse">
-            <a:avLst/>
-          </a:prstGeom>
-          <a:noFill/>
-          <a:ln w="28575">
-            <a:solidFill>
-              <a:srgbClr val="FF0000"/>
-            </a:solidFill>
-          </a:ln>
-        </p:spPr>
-        <p:style>
-          <a:lnRef idx="2">
-            <a:schemeClr val="accent1">
-              <a:shade val="50000"/>
-            </a:schemeClr>
-          </a:lnRef>
-          <a:fillRef idx="1">
-            <a:schemeClr val="accent1"/>
-          </a:fillRef>
-          <a:effectRef idx="0">
-            <a:schemeClr val="accent1"/>
-          </a:effectRef>
-          <a:fontRef idx="minor">
-            <a:schemeClr val="lt1"/>
-          </a:fontRef>
-        </p:style>
-        <p:txBody>
-          <a:bodyPr rtlCol="0" anchor="ctr"/>
-          <a:lstStyle/>
-          <a:p>
-            <a:pPr algn="ctr"/>
-            <a:endParaRPr lang="en-US"/>
           </a:p>
         </p:txBody>
       </p:sp>
@@ -24769,6 +24621,108 @@
           </p:sp>
         </mc:Fallback>
       </mc:AlternateContent>
+      <p:sp>
+        <p:nvSpPr>
+          <p:cNvPr id="5" name="Callout: Line 4">
+            <a:extLst>
+              <a:ext uri="{FF2B5EF4-FFF2-40B4-BE49-F238E27FC236}">
+                <a16:creationId xmlns:a16="http://schemas.microsoft.com/office/drawing/2014/main" id="{6B71B714-0488-4D3F-AD9D-11F28F4E93D2}"/>
+              </a:ext>
+            </a:extLst>
+          </p:cNvPr>
+          <p:cNvSpPr/>
+          <p:nvPr/>
+        </p:nvSpPr>
+        <p:spPr>
+          <a:xfrm>
+            <a:off x="5495228" y="1857379"/>
+            <a:ext cx="1295400" cy="428621"/>
+          </a:xfrm>
+          <a:prstGeom prst="borderCallout1">
+            <a:avLst>
+              <a:gd name="adj1" fmla="val 101677"/>
+              <a:gd name="adj2" fmla="val 39012"/>
+              <a:gd name="adj3" fmla="val 307947"/>
+              <a:gd name="adj4" fmla="val -27142"/>
+            </a:avLst>
+          </a:prstGeom>
+          <a:noFill/>
+          <a:ln w="28575"/>
+        </p:spPr>
+        <p:style>
+          <a:lnRef idx="2">
+            <a:schemeClr val="accent2"/>
+          </a:lnRef>
+          <a:fillRef idx="1">
+            <a:schemeClr val="lt1"/>
+          </a:fillRef>
+          <a:effectRef idx="0">
+            <a:schemeClr val="accent2"/>
+          </a:effectRef>
+          <a:fontRef idx="minor">
+            <a:schemeClr val="dk1"/>
+          </a:fontRef>
+        </p:style>
+        <p:txBody>
+          <a:bodyPr rtlCol="0" anchor="ctr"/>
+          <a:lstStyle/>
+          <a:p>
+            <a:pPr algn="ctr"/>
+            <a:endParaRPr lang="en-US"/>
+          </a:p>
+        </p:txBody>
+      </p:sp>
+      <p:sp>
+        <p:nvSpPr>
+          <p:cNvPr id="11" name="Callout: Line 10">
+            <a:extLst>
+              <a:ext uri="{FF2B5EF4-FFF2-40B4-BE49-F238E27FC236}">
+                <a16:creationId xmlns:a16="http://schemas.microsoft.com/office/drawing/2014/main" id="{E9DE9D9B-761A-46B4-AE1C-07DBD532E2BF}"/>
+              </a:ext>
+            </a:extLst>
+          </p:cNvPr>
+          <p:cNvSpPr/>
+          <p:nvPr/>
+        </p:nvSpPr>
+        <p:spPr>
+          <a:xfrm>
+            <a:off x="5029200" y="1578053"/>
+            <a:ext cx="457200" cy="1150857"/>
+          </a:xfrm>
+          <a:prstGeom prst="borderCallout1">
+            <a:avLst>
+              <a:gd name="adj1" fmla="val 101677"/>
+              <a:gd name="adj2" fmla="val 39012"/>
+              <a:gd name="adj3" fmla="val 256069"/>
+              <a:gd name="adj4" fmla="val -313799"/>
+            </a:avLst>
+          </a:prstGeom>
+          <a:noFill/>
+          <a:ln w="28575"/>
+        </p:spPr>
+        <p:style>
+          <a:lnRef idx="2">
+            <a:schemeClr val="accent6"/>
+          </a:lnRef>
+          <a:fillRef idx="1">
+            <a:schemeClr val="lt1"/>
+          </a:fillRef>
+          <a:effectRef idx="0">
+            <a:schemeClr val="accent6"/>
+          </a:effectRef>
+          <a:fontRef idx="minor">
+            <a:schemeClr val="dk1"/>
+          </a:fontRef>
+        </p:style>
+        <p:txBody>
+          <a:bodyPr rtlCol="0" anchor="ctr"/>
+          <a:lstStyle/>
+          <a:p>
+            <a:pPr algn="ctr"/>
+            <a:endParaRPr lang="en-US"/>
+          </a:p>
+        </p:txBody>
+      </p:sp>
     </p:spTree>
   </p:cSld>
   <p:clrMapOvr>
@@ -26141,6 +26095,56 @@
           </a:prstGeom>
         </p:spPr>
       </p:pic>
+      <p:sp>
+        <p:nvSpPr>
+          <p:cNvPr id="4" name="Speech Bubble: Rectangle 3">
+            <a:extLst>
+              <a:ext uri="{FF2B5EF4-FFF2-40B4-BE49-F238E27FC236}">
+                <a16:creationId xmlns:a16="http://schemas.microsoft.com/office/drawing/2014/main" id="{88482842-7CD8-4C45-992A-D4DFA439E5A2}"/>
+              </a:ext>
+            </a:extLst>
+          </p:cNvPr>
+          <p:cNvSpPr/>
+          <p:nvPr/>
+        </p:nvSpPr>
+        <p:spPr>
+          <a:xfrm>
+            <a:off x="7286625" y="4650581"/>
+            <a:ext cx="1676400" cy="1063160"/>
+          </a:xfrm>
+          <a:prstGeom prst="wedgeRectCallout">
+            <a:avLst>
+              <a:gd name="adj1" fmla="val -72052"/>
+              <a:gd name="adj2" fmla="val -41339"/>
+            </a:avLst>
+          </a:prstGeom>
+        </p:spPr>
+        <p:style>
+          <a:lnRef idx="3">
+            <a:schemeClr val="lt1"/>
+          </a:lnRef>
+          <a:fillRef idx="1">
+            <a:schemeClr val="accent6"/>
+          </a:fillRef>
+          <a:effectRef idx="1">
+            <a:schemeClr val="accent6"/>
+          </a:effectRef>
+          <a:fontRef idx="minor">
+            <a:schemeClr val="lt1"/>
+          </a:fontRef>
+        </p:style>
+        <p:txBody>
+          <a:bodyPr rtlCol="0" anchor="ctr"/>
+          <a:lstStyle/>
+          <a:p>
+            <a:pPr algn="ctr"/>
+            <a:r>
+              <a:rPr lang="en-US" sz="1600" dirty="0"/>
+              <a:t>Full joint probability and marginalize over E and A</a:t>
+            </a:r>
+          </a:p>
+        </p:txBody>
+      </p:sp>
     </p:spTree>
   </p:cSld>
   <p:clrMapOvr>
@@ -32260,15 +32264,7 @@
           <a:p>
             <a:r>
               <a:rPr lang="en-US" dirty="0"/>
-              <a:t>Example: Naïve </a:t>
-            </a:r>
-            <a:r>
-              <a:rPr lang="en-US" dirty="0" err="1"/>
-              <a:t>Bayes</a:t>
-            </a:r>
-            <a:r>
-              <a:rPr lang="en-US" dirty="0"/>
-              <a:t> spam filter</a:t>
+              <a:t>Example: Naïve Bayes spam filter</a:t>
             </a:r>
           </a:p>
         </p:txBody>

--- a/slides/13_bayes_nets.pptx
+++ b/slides/13_bayes_nets.pptx
@@ -6076,7 +6076,7 @@
             <a:fld id="{71CA99E0-E95C-4F1B-B0F2-4565A2B40149}" type="datetimeFigureOut">
               <a:rPr lang="en-US" smtClean="0"/>
               <a:pPr/>
-              <a:t>11/15/2021</a:t>
+              <a:t>11/13/2023</a:t>
             </a:fld>
             <a:endParaRPr lang="en-US"/>
           </a:p>
@@ -13928,7 +13928,7 @@
           <a:graphicData uri="http://schemas.openxmlformats.org/presentationml/2006/ole">
             <mc:AlternateContent xmlns:mc="http://schemas.openxmlformats.org/markup-compatibility/2006">
               <mc:Choice xmlns:v="urn:schemas-microsoft-com:vml" Requires="v">
-                <p:oleObj spid="_x0000_s1027" name="Equation" r:id="rId5" imgW="3898800" imgH="431640" progId="Equation.3">
+                <p:oleObj name="Equation" r:id="rId5" imgW="3898800" imgH="431640" progId="Equation.3">
                   <p:embed/>
                 </p:oleObj>
               </mc:Choice>
@@ -14136,8 +14136,8 @@
           </a:p>
         </p:txBody>
       </p:sp>
-      <mc:AlternateContent xmlns:mc="http://schemas.openxmlformats.org/markup-compatibility/2006">
-        <mc:Choice xmlns:a14="http://schemas.microsoft.com/office/drawing/2010/main" Requires="a14">
+      <mc:AlternateContent xmlns:mc="http://schemas.openxmlformats.org/markup-compatibility/2006" xmlns:a14="http://schemas.microsoft.com/office/drawing/2010/main">
+        <mc:Choice Requires="a14">
           <p:sp>
             <p:nvSpPr>
               <p:cNvPr id="5123" name="Rectangle 3"/>
@@ -14641,7 +14641,7 @@
             </p:txBody>
           </p:sp>
         </mc:Choice>
-        <mc:Fallback>
+        <mc:Fallback xmlns="">
           <p:sp>
             <p:nvSpPr>
               <p:cNvPr id="5123" name="Rectangle 3"/>
@@ -14711,8 +14711,8 @@
           </a:ln>
         </p:spPr>
       </p:pic>
-      <mc:AlternateContent xmlns:mc="http://schemas.openxmlformats.org/markup-compatibility/2006">
-        <mc:Choice xmlns:a14="http://schemas.microsoft.com/office/drawing/2010/main" Requires="a14">
+      <mc:AlternateContent xmlns:mc="http://schemas.openxmlformats.org/markup-compatibility/2006" xmlns:a14="http://schemas.microsoft.com/office/drawing/2010/main">
+        <mc:Choice Requires="a14">
           <p:sp>
             <p:nvSpPr>
               <p:cNvPr id="4" name="Rectangle 3">
@@ -14809,7 +14809,7 @@
             </p:txBody>
           </p:sp>
         </mc:Choice>
-        <mc:Fallback>
+        <mc:Fallback xmlns="">
           <p:sp>
             <p:nvSpPr>
               <p:cNvPr id="4" name="Rectangle 3">
@@ -15170,8 +15170,8 @@
           </a:ln>
         </p:spPr>
       </p:pic>
-      <mc:AlternateContent xmlns:mc="http://schemas.openxmlformats.org/markup-compatibility/2006">
-        <mc:Choice xmlns:a14="http://schemas.microsoft.com/office/drawing/2010/main" Requires="a14">
+      <mc:AlternateContent xmlns:mc="http://schemas.openxmlformats.org/markup-compatibility/2006" xmlns:a14="http://schemas.microsoft.com/office/drawing/2010/main">
+        <mc:Choice Requires="a14">
           <p:sp>
             <p:nvSpPr>
               <p:cNvPr id="3" name="TextBox 2">
@@ -15876,7 +15876,7 @@
             </p:txBody>
           </p:sp>
         </mc:Choice>
-        <mc:Fallback>
+        <mc:Fallback xmlns="">
           <p:sp>
             <p:nvSpPr>
               <p:cNvPr id="3" name="TextBox 2">
@@ -16767,10 +16767,14 @@
             </a:r>
             <a:r>
               <a:rPr lang="en-US" sz="2400" dirty="0"/>
-              <a:t>, … , X</a:t>
-            </a:r>
-            <a:r>
-              <a:rPr lang="en-US" sz="2400" baseline="-25000" dirty="0"/>
+              <a:t>, … , </a:t>
+            </a:r>
+            <a:r>
+              <a:rPr lang="en-US" sz="2400" dirty="0" err="1"/>
+              <a:t>X</a:t>
+            </a:r>
+            <a:r>
+              <a:rPr lang="en-US" sz="2400" baseline="-25000" dirty="0" err="1"/>
               <a:t>n</a:t>
             </a:r>
             <a:endParaRPr lang="en-US" sz="2400" dirty="0"/>
@@ -16834,7 +16838,7 @@
               <a:rPr lang="en-US" sz="2400" dirty="0"/>
             </a:br>
             <a:r>
-              <a:rPr lang="fr-FR" sz="2400" dirty="0">
+              <a:rPr lang="en-US" sz="2400" dirty="0">
                 <a:solidFill>
                   <a:srgbClr val="0066FF"/>
                 </a:solidFill>
@@ -16842,7 +16846,7 @@
               <a:t>P(X</a:t>
             </a:r>
             <a:r>
-              <a:rPr lang="fr-FR" sz="2400" baseline="-25000" dirty="0">
+              <a:rPr lang="en-US" sz="2400" baseline="-25000" dirty="0">
                 <a:solidFill>
                   <a:srgbClr val="0066FF"/>
                 </a:solidFill>
@@ -16850,7 +16854,7 @@
               <a:t>i</a:t>
             </a:r>
             <a:r>
-              <a:rPr lang="fr-FR" sz="2400" dirty="0">
+              <a:rPr lang="en-US" sz="2400" dirty="0">
                 <a:solidFill>
                   <a:srgbClr val="0066FF"/>
                 </a:solidFill>
@@ -16858,7 +16862,7 @@
               <a:t> | Parents(X</a:t>
             </a:r>
             <a:r>
-              <a:rPr lang="fr-FR" sz="2400" baseline="-25000" dirty="0">
+              <a:rPr lang="en-US" sz="2400" baseline="-25000" dirty="0">
                 <a:solidFill>
                   <a:srgbClr val="0066FF"/>
                 </a:solidFill>
@@ -16866,7 +16870,7 @@
               <a:t>i</a:t>
             </a:r>
             <a:r>
-              <a:rPr lang="fr-FR" sz="2400" dirty="0">
+              <a:rPr lang="en-US" sz="2400" dirty="0">
                 <a:solidFill>
                   <a:srgbClr val="0066FF"/>
                 </a:solidFill>
@@ -16874,7 +16878,7 @@
               <a:t>)) = P(X</a:t>
             </a:r>
             <a:r>
-              <a:rPr lang="fr-FR" sz="2400" baseline="-25000" dirty="0">
+              <a:rPr lang="en-US" sz="2400" baseline="-25000" dirty="0">
                 <a:solidFill>
                   <a:srgbClr val="0066FF"/>
                 </a:solidFill>
@@ -16882,7 +16886,7 @@
               <a:t>i</a:t>
             </a:r>
             <a:r>
-              <a:rPr lang="fr-FR" sz="2400" dirty="0">
+              <a:rPr lang="en-US" sz="2400" dirty="0">
                 <a:solidFill>
                   <a:srgbClr val="0066FF"/>
                 </a:solidFill>
@@ -16890,7 +16894,7 @@
               <a:t> | X</a:t>
             </a:r>
             <a:r>
-              <a:rPr lang="fr-FR" sz="2400" baseline="-25000" dirty="0">
+              <a:rPr lang="en-US" sz="2400" baseline="-25000" dirty="0">
                 <a:solidFill>
                   <a:srgbClr val="0066FF"/>
                 </a:solidFill>
@@ -16898,7 +16902,7 @@
               <a:t>1</a:t>
             </a:r>
             <a:r>
-              <a:rPr lang="fr-FR" sz="2400" dirty="0">
+              <a:rPr lang="en-US" sz="2400" dirty="0">
                 <a:solidFill>
                   <a:srgbClr val="0066FF"/>
                 </a:solidFill>
@@ -16906,7 +16910,7 @@
               <a:t>, ... X</a:t>
             </a:r>
             <a:r>
-              <a:rPr lang="fr-FR" sz="2400" baseline="-25000" dirty="0">
+              <a:rPr lang="en-US" sz="2400" baseline="-25000" dirty="0">
                 <a:solidFill>
                   <a:srgbClr val="0066FF"/>
                 </a:solidFill>
@@ -16914,7 +16918,7 @@
               <a:t>i-1</a:t>
             </a:r>
             <a:r>
-              <a:rPr lang="fr-FR" sz="2400" dirty="0">
+              <a:rPr lang="en-US" sz="2400" dirty="0">
                 <a:solidFill>
                   <a:srgbClr val="0066FF"/>
                 </a:solidFill>
@@ -16924,7 +16928,7 @@
           </a:p>
           <a:p>
             <a:pPr marL="914400" lvl="1" indent="-457200"/>
-            <a:endParaRPr lang="fr-FR" sz="2400" dirty="0">
+            <a:endParaRPr lang="en-US" sz="2400" dirty="0">
               <a:solidFill>
                 <a:srgbClr val="0066FF"/>
               </a:solidFill>
@@ -16934,67 +16938,19 @@
             <a:pPr marL="114300" indent="0">
               <a:buNone/>
             </a:pPr>
-            <a:endParaRPr lang="fr-FR" b="1" dirty="0"/>
+            <a:endParaRPr lang="en-US" b="1" dirty="0"/>
           </a:p>
           <a:p>
             <a:pPr marL="114300" indent="0">
               <a:buNone/>
             </a:pPr>
             <a:r>
-              <a:rPr lang="fr-FR" b="1" dirty="0"/>
+              <a:rPr lang="en-US" b="1" dirty="0"/>
               <a:t>Note</a:t>
             </a:r>
             <a:r>
-              <a:rPr lang="fr-FR" dirty="0"/>
-              <a:t>: Networks are </a:t>
-            </a:r>
-            <a:r>
-              <a:rPr lang="fr-FR" dirty="0" err="1"/>
-              <a:t>typically</a:t>
-            </a:r>
-            <a:r>
-              <a:rPr lang="fr-FR" dirty="0"/>
-              <a:t> </a:t>
-            </a:r>
-            <a:r>
-              <a:rPr lang="fr-FR" dirty="0" err="1"/>
-              <a:t>constructed</a:t>
-            </a:r>
-            <a:r>
-              <a:rPr lang="fr-FR" dirty="0"/>
-              <a:t> by </a:t>
-            </a:r>
-            <a:r>
-              <a:rPr lang="fr-FR" dirty="0" err="1"/>
-              <a:t>domain</a:t>
-            </a:r>
-            <a:r>
-              <a:rPr lang="fr-FR" dirty="0"/>
-              <a:t> experts </a:t>
-            </a:r>
-            <a:r>
-              <a:rPr lang="fr-FR" dirty="0" err="1"/>
-              <a:t>with</a:t>
-            </a:r>
-            <a:r>
-              <a:rPr lang="fr-FR" dirty="0"/>
-              <a:t> </a:t>
-            </a:r>
-            <a:r>
-              <a:rPr lang="fr-FR" dirty="0" err="1"/>
-              <a:t>causality</a:t>
-            </a:r>
-            <a:r>
-              <a:rPr lang="fr-FR" dirty="0"/>
-              <a:t> in </a:t>
-            </a:r>
-            <a:r>
-              <a:rPr lang="fr-FR" dirty="0" err="1"/>
-              <a:t>mind</a:t>
-            </a:r>
-            <a:r>
-              <a:rPr lang="fr-FR" dirty="0"/>
-              <a:t>. E.g., X causes Y:</a:t>
+              <a:rPr lang="en-US" dirty="0"/>
+              <a:t>: Networks are typically constructed by domain experts with causality in mind. E.g., X causes Y:</a:t>
             </a:r>
           </a:p>
         </p:txBody>
@@ -17497,16 +17453,21 @@
             <p:ph idx="1"/>
           </p:nvPr>
         </p:nvSpPr>
-        <p:spPr/>
+        <p:spPr>
+          <a:xfrm>
+            <a:off x="628650" y="1825625"/>
+            <a:ext cx="7886700" cy="3660775"/>
+          </a:xfrm>
+        </p:spPr>
         <p:txBody>
           <a:bodyPr>
-            <a:normAutofit/>
+            <a:normAutofit lnSpcReduction="10000"/>
           </a:bodyPr>
           <a:lstStyle/>
           <a:p>
             <a:r>
               <a:rPr lang="en-US" sz="2400" dirty="0"/>
-              <a:t>Bayesian networks provide a natural representation for joint probabilities.</a:t>
+              <a:t>Bayesian networks provide a natural representation for joint probabilities used to calculated conditional probabilities used in inference.</a:t>
             </a:r>
           </a:p>
           <a:p>
@@ -18061,14 +18022,14 @@
           </a:ln>
           <a:extLst>
             <a:ext uri="{909E8E84-426E-40dd-AFC4-6F175D3DCCD1}">
-              <a14:hiddenFill xmlns:a14="http://schemas.microsoft.com/office/drawing/2010/main" xmlns="">
+              <a14:hiddenFill xmlns="" xmlns:a14="http://schemas.microsoft.com/office/drawing/2010/main">
                 <a:solidFill>
                   <a:srgbClr val="FFFFFF"/>
                 </a:solidFill>
               </a14:hiddenFill>
             </a:ext>
             <a:ext uri="{91240B29-F687-4f45-9708-019B960494DF}">
-              <a14:hiddenLine xmlns:a14="http://schemas.microsoft.com/office/drawing/2010/main" xmlns="" w="9525">
+              <a14:hiddenLine xmlns="" xmlns:a14="http://schemas.microsoft.com/office/drawing/2010/main" w="9525">
                 <a:solidFill>
                   <a:srgbClr val="000000"/>
                 </a:solidFill>
@@ -18119,14 +18080,14 @@
           </a:ln>
           <a:extLst>
             <a:ext uri="{909E8E84-426E-40dd-AFC4-6F175D3DCCD1}">
-              <a14:hiddenFill xmlns:a14="http://schemas.microsoft.com/office/drawing/2010/main" xmlns="">
+              <a14:hiddenFill xmlns="" xmlns:a14="http://schemas.microsoft.com/office/drawing/2010/main">
                 <a:solidFill>
                   <a:srgbClr val="FFFFFF"/>
                 </a:solidFill>
               </a14:hiddenFill>
             </a:ext>
             <a:ext uri="{91240B29-F687-4f45-9708-019B960494DF}">
-              <a14:hiddenLine xmlns:a14="http://schemas.microsoft.com/office/drawing/2010/main" xmlns="" w="9525">
+              <a14:hiddenLine xmlns="" xmlns:a14="http://schemas.microsoft.com/office/drawing/2010/main" w="9525">
                 <a:solidFill>
                   <a:srgbClr val="000000"/>
                 </a:solidFill>
@@ -18177,14 +18138,14 @@
           </a:ln>
           <a:extLst>
             <a:ext uri="{909E8E84-426E-40dd-AFC4-6F175D3DCCD1}">
-              <a14:hiddenFill xmlns:a14="http://schemas.microsoft.com/office/drawing/2010/main" xmlns="">
+              <a14:hiddenFill xmlns="" xmlns:a14="http://schemas.microsoft.com/office/drawing/2010/main">
                 <a:solidFill>
                   <a:srgbClr val="FFFFFF"/>
                 </a:solidFill>
               </a14:hiddenFill>
             </a:ext>
             <a:ext uri="{91240B29-F687-4f45-9708-019B960494DF}">
-              <a14:hiddenLine xmlns:a14="http://schemas.microsoft.com/office/drawing/2010/main" xmlns="" w="9525">
+              <a14:hiddenLine xmlns="" xmlns:a14="http://schemas.microsoft.com/office/drawing/2010/main" w="9525">
                 <a:solidFill>
                   <a:srgbClr val="000000"/>
                 </a:solidFill>
@@ -18235,14 +18196,14 @@
           </a:ln>
           <a:extLst>
             <a:ext uri="{909E8E84-426E-40dd-AFC4-6F175D3DCCD1}">
-              <a14:hiddenFill xmlns:a14="http://schemas.microsoft.com/office/drawing/2010/main" xmlns="">
+              <a14:hiddenFill xmlns="" xmlns:a14="http://schemas.microsoft.com/office/drawing/2010/main">
                 <a:solidFill>
                   <a:srgbClr val="FFFFFF"/>
                 </a:solidFill>
               </a14:hiddenFill>
             </a:ext>
             <a:ext uri="{91240B29-F687-4f45-9708-019B960494DF}">
-              <a14:hiddenLine xmlns:a14="http://schemas.microsoft.com/office/drawing/2010/main" xmlns="" w="9525">
+              <a14:hiddenLine xmlns="" xmlns:a14="http://schemas.microsoft.com/office/drawing/2010/main" w="9525">
                 <a:solidFill>
                   <a:srgbClr val="000000"/>
                 </a:solidFill>
@@ -18293,14 +18254,14 @@
           </a:ln>
           <a:extLst>
             <a:ext uri="{909E8E84-426E-40dd-AFC4-6F175D3DCCD1}">
-              <a14:hiddenFill xmlns:a14="http://schemas.microsoft.com/office/drawing/2010/main" xmlns="">
+              <a14:hiddenFill xmlns="" xmlns:a14="http://schemas.microsoft.com/office/drawing/2010/main">
                 <a:solidFill>
                   <a:srgbClr val="FFFFFF"/>
                 </a:solidFill>
               </a14:hiddenFill>
             </a:ext>
             <a:ext uri="{91240B29-F687-4f45-9708-019B960494DF}">
-              <a14:hiddenLine xmlns:a14="http://schemas.microsoft.com/office/drawing/2010/main" xmlns="" w="9525">
+              <a14:hiddenLine xmlns="" xmlns:a14="http://schemas.microsoft.com/office/drawing/2010/main" w="9525">
                 <a:solidFill>
                   <a:srgbClr val="000000"/>
                 </a:solidFill>
@@ -18355,14 +18316,14 @@
           <a:effectLst/>
           <a:extLst>
             <a:ext uri="{909E8E84-426E-40dd-AFC4-6F175D3DCCD1}">
-              <a14:hiddenFill xmlns:a14="http://schemas.microsoft.com/office/drawing/2010/main" xmlns="">
+              <a14:hiddenFill xmlns="" xmlns:a14="http://schemas.microsoft.com/office/drawing/2010/main">
                 <a:solidFill>
                   <a:srgbClr val="FFFFFF"/>
                 </a:solidFill>
               </a14:hiddenFill>
             </a:ext>
             <a:ext uri="{91240B29-F687-4f45-9708-019B960494DF}">
-              <a14:hiddenLine xmlns:a14="http://schemas.microsoft.com/office/drawing/2010/main" xmlns="" w="9525" cap="flat" cmpd="sng" algn="ctr">
+              <a14:hiddenLine xmlns="" xmlns:a14="http://schemas.microsoft.com/office/drawing/2010/main" w="9525" cap="flat" cmpd="sng" algn="ctr">
                 <a:solidFill>
                   <a:schemeClr val="tx1"/>
                 </a:solidFill>
@@ -18373,7 +18334,7 @@
               </a14:hiddenLine>
             </a:ext>
             <a:ext uri="{AF507438-7753-43e0-B8FC-AC1667EBCBE1}">
-              <a14:hiddenEffects xmlns:a14="http://schemas.microsoft.com/office/drawing/2010/main" xmlns="">
+              <a14:hiddenEffects xmlns="" xmlns:a14="http://schemas.microsoft.com/office/drawing/2010/main">
                 <a:effectLst>
                   <a:outerShdw blurRad="63500" dist="37357" dir="2700000" rotWithShape="0">
                     <a:scrgbClr r="0" g="0" b="0"/>
@@ -18382,7 +18343,7 @@
               </a14:hiddenEffects>
             </a:ext>
             <a:ext uri="{31F19639-BCED-4a60-ADC4-E9642A236FB7}">
-              <a14:hiddenScene3d xmlns:a14="http://schemas.microsoft.com/office/drawing/2010/main" xmlns="">
+              <a14:hiddenScene3d xmlns="" xmlns:a14="http://schemas.microsoft.com/office/drawing/2010/main">
                 <a:camera prst="orthographicFront">
                   <a:rot lat="0" lon="0" rev="0"/>
                 </a:camera>
@@ -18392,14 +18353,14 @@
               </a14:hiddenScene3d>
             </a:ext>
             <a:ext uri="{E45631CC-5BF2-4c18-A39C-3461C7D3F71A}">
-              <a14:hiddenSp3d xmlns:a14="http://schemas.microsoft.com/office/drawing/2010/main" xmlns="" extrusionH="457200">
+              <a14:hiddenSp3d xmlns="" xmlns:a14="http://schemas.microsoft.com/office/drawing/2010/main" extrusionH="457200">
                 <a:contourClr>
                   <a:srgbClr val="000000"/>
                 </a:contourClr>
               </a14:hiddenSp3d>
             </a:ext>
             <a:ext uri="{53640926-AAD7-44d8-BBD7-CCE9431645EC}">
-              <a14:shadowObscured xmlns:a14="http://schemas.microsoft.com/office/drawing/2010/main" xmlns=""/>
+              <a14:shadowObscured xmlns="" xmlns:a14="http://schemas.microsoft.com/office/drawing/2010/main"/>
             </a:ext>
           </a:extLst>
         </p:spPr>
@@ -24227,7 +24188,7 @@
             </a:pPr>
             <a:r>
               <a:rPr lang="en-US" sz="2700" dirty="0"/>
-              <a:t>In praxis </a:t>
+              <a:t>In praxis, </a:t>
             </a:r>
             <a:r>
               <a:rPr lang="en-US" sz="2700" b="1" dirty="0">
@@ -31102,7 +31063,7 @@
           <a:p>
             <a:r>
               <a:rPr lang="en-US" dirty="0"/>
-              <a:t>Creates new states by making random changes to the current state which forms a Markov Chain and its stationary distribution turns out to be the posteriori distribution of the non-evidence variables.</a:t>
+              <a:t>Creates new states by making random changes to the current state which forms a Markov Chain and its stationary distribution turns out to be the posterior distribution of the non-evidence variables.</a:t>
             </a:r>
           </a:p>
           <a:p>
@@ -31155,7 +31116,7 @@
             </a:pPr>
             <a:r>
               <a:rPr lang="en-US" i="1" dirty="0"/>
-              <a:t>Note: Simulated annealing is also a MCMC algorithm.</a:t>
+              <a:t>Note: Simulated annealing is closely related to MCMC algorithms.</a:t>
             </a:r>
           </a:p>
         </p:txBody>
@@ -31729,10 +31690,15 @@
             <p:ph idx="1"/>
           </p:nvPr>
         </p:nvSpPr>
-        <p:spPr/>
+        <p:spPr>
+          <a:xfrm>
+            <a:off x="628650" y="1981200"/>
+            <a:ext cx="7886700" cy="4351338"/>
+          </a:xfrm>
+        </p:spPr>
         <p:txBody>
           <a:bodyPr>
-            <a:normAutofit lnSpcReduction="10000"/>
+            <a:normAutofit fontScale="92500" lnSpcReduction="20000"/>
           </a:bodyPr>
           <a:lstStyle/>
           <a:p>
@@ -31901,6 +31867,31 @@
             <a:r>
               <a:rPr lang="en-US" sz="2400" dirty="0"/>
               <a:t> graph (DAG)</a:t>
+            </a:r>
+          </a:p>
+          <a:p>
+            <a:pPr lvl="1">
+              <a:lnSpc>
+                <a:spcPct val="90000"/>
+              </a:lnSpc>
+            </a:pPr>
+            <a:endParaRPr lang="en-US" sz="2400" dirty="0"/>
+          </a:p>
+          <a:p>
+            <a:pPr marL="0" indent="0">
+              <a:buNone/>
+            </a:pPr>
+            <a:r>
+              <a:rPr lang="en-US" sz="2700" dirty="0"/>
+              <a:t>A network with all random variables assigned represents a </a:t>
+            </a:r>
+            <a:r>
+              <a:rPr lang="en-US" sz="2700" b="1" dirty="0"/>
+              <a:t>state of the system</a:t>
+            </a:r>
+            <a:r>
+              <a:rPr lang="en-US" sz="2700" dirty="0"/>
+              <a:t>.</a:t>
             </a:r>
           </a:p>
         </p:txBody>
@@ -31922,7 +31913,7 @@
         </p:blipFill>
         <p:spPr bwMode="auto">
           <a:xfrm>
-            <a:off x="5257800" y="1583969"/>
+            <a:off x="4876800" y="1431569"/>
             <a:ext cx="3581400" cy="1768831"/>
           </a:xfrm>
           <a:prstGeom prst="rect">
@@ -32338,10 +32329,18 @@
                   <a:srgbClr val="0066FF"/>
                 </a:solidFill>
               </a:rPr>
-              <a:t>, …, W</a:t>
-            </a:r>
-            <a:r>
-              <a:rPr lang="en-US" baseline="-25000" dirty="0">
+              <a:t>, …, </a:t>
+            </a:r>
+            <a:r>
+              <a:rPr lang="en-US" dirty="0" err="1">
+                <a:solidFill>
+                  <a:srgbClr val="0066FF"/>
+                </a:solidFill>
+              </a:rPr>
+              <a:t>W</a:t>
+            </a:r>
+            <a:r>
+              <a:rPr lang="en-US" baseline="-25000" dirty="0" err="1">
                 <a:solidFill>
                   <a:srgbClr val="0066FF"/>
                 </a:solidFill>
@@ -32946,483 +32945,6 @@
   <p:clrMapOvr>
     <a:masterClrMapping/>
   </p:clrMapOvr>
-  <p:timing>
-    <p:tnLst>
-      <p:par>
-        <p:cTn id="1" dur="indefinite" restart="never" nodeType="tmRoot">
-          <p:childTnLst>
-            <p:seq concurrent="1" nextAc="seek">
-              <p:cTn id="2" dur="indefinite" nodeType="mainSeq">
-                <p:childTnLst>
-                  <p:par>
-                    <p:cTn id="3" fill="hold">
-                      <p:stCondLst>
-                        <p:cond delay="indefinite"/>
-                        <p:cond evt="onBegin" delay="0">
-                          <p:tn val="2"/>
-                        </p:cond>
-                      </p:stCondLst>
-                      <p:childTnLst>
-                        <p:par>
-                          <p:cTn id="4" fill="hold">
-                            <p:stCondLst>
-                              <p:cond delay="0"/>
-                            </p:stCondLst>
-                            <p:childTnLst>
-                              <p:par>
-                                <p:cTn id="5" presetID="1" presetClass="entr" presetSubtype="0" fill="hold" grpId="0" nodeType="withEffect">
-                                  <p:stCondLst>
-                                    <p:cond delay="0"/>
-                                  </p:stCondLst>
-                                  <p:childTnLst>
-                                    <p:set>
-                                      <p:cBhvr>
-                                        <p:cTn id="6" dur="1" fill="hold">
-                                          <p:stCondLst>
-                                            <p:cond delay="0"/>
-                                          </p:stCondLst>
-                                        </p:cTn>
-                                        <p:tgtEl>
-                                          <p:spTgt spid="7171">
-                                            <p:txEl>
-                                              <p:pRg st="0" end="0"/>
-                                            </p:txEl>
-                                          </p:spTgt>
-                                        </p:tgtEl>
-                                        <p:attrNameLst>
-                                          <p:attrName>style.visibility</p:attrName>
-                                        </p:attrNameLst>
-                                      </p:cBhvr>
-                                      <p:to>
-                                        <p:strVal val="visible"/>
-                                      </p:to>
-                                    </p:set>
-                                  </p:childTnLst>
-                                </p:cTn>
-                              </p:par>
-                            </p:childTnLst>
-                          </p:cTn>
-                        </p:par>
-                      </p:childTnLst>
-                    </p:cTn>
-                  </p:par>
-                  <p:par>
-                    <p:cTn id="7" fill="hold">
-                      <p:stCondLst>
-                        <p:cond delay="indefinite"/>
-                      </p:stCondLst>
-                      <p:childTnLst>
-                        <p:par>
-                          <p:cTn id="8" fill="hold">
-                            <p:stCondLst>
-                              <p:cond delay="0"/>
-                            </p:stCondLst>
-                            <p:childTnLst>
-                              <p:par>
-                                <p:cTn id="9" presetID="1" presetClass="entr" presetSubtype="0" fill="hold" grpId="0" nodeType="clickEffect">
-                                  <p:stCondLst>
-                                    <p:cond delay="0"/>
-                                  </p:stCondLst>
-                                  <p:childTnLst>
-                                    <p:set>
-                                      <p:cBhvr>
-                                        <p:cTn id="10" dur="1" fill="hold">
-                                          <p:stCondLst>
-                                            <p:cond delay="0"/>
-                                          </p:stCondLst>
-                                        </p:cTn>
-                                        <p:tgtEl>
-                                          <p:spTgt spid="7171">
-                                            <p:txEl>
-                                              <p:pRg st="1" end="1"/>
-                                            </p:txEl>
-                                          </p:spTgt>
-                                        </p:tgtEl>
-                                        <p:attrNameLst>
-                                          <p:attrName>style.visibility</p:attrName>
-                                        </p:attrNameLst>
-                                      </p:cBhvr>
-                                      <p:to>
-                                        <p:strVal val="visible"/>
-                                      </p:to>
-                                    </p:set>
-                                  </p:childTnLst>
-                                </p:cTn>
-                              </p:par>
-                            </p:childTnLst>
-                          </p:cTn>
-                        </p:par>
-                      </p:childTnLst>
-                    </p:cTn>
-                  </p:par>
-                  <p:par>
-                    <p:cTn id="11" fill="hold">
-                      <p:stCondLst>
-                        <p:cond delay="indefinite"/>
-                      </p:stCondLst>
-                      <p:childTnLst>
-                        <p:par>
-                          <p:cTn id="12" fill="hold">
-                            <p:stCondLst>
-                              <p:cond delay="0"/>
-                            </p:stCondLst>
-                            <p:childTnLst>
-                              <p:par>
-                                <p:cTn id="13" presetID="1" presetClass="entr" presetSubtype="0" fill="hold" grpId="0" nodeType="clickEffect">
-                                  <p:stCondLst>
-                                    <p:cond delay="0"/>
-                                  </p:stCondLst>
-                                  <p:childTnLst>
-                                    <p:set>
-                                      <p:cBhvr>
-                                        <p:cTn id="14" dur="1" fill="hold">
-                                          <p:stCondLst>
-                                            <p:cond delay="0"/>
-                                          </p:stCondLst>
-                                        </p:cTn>
-                                        <p:tgtEl>
-                                          <p:spTgt spid="7171">
-                                            <p:txEl>
-                                              <p:pRg st="3" end="3"/>
-                                            </p:txEl>
-                                          </p:spTgt>
-                                        </p:tgtEl>
-                                        <p:attrNameLst>
-                                          <p:attrName>style.visibility</p:attrName>
-                                        </p:attrNameLst>
-                                      </p:cBhvr>
-                                      <p:to>
-                                        <p:strVal val="visible"/>
-                                      </p:to>
-                                    </p:set>
-                                  </p:childTnLst>
-                                </p:cTn>
-                              </p:par>
-                            </p:childTnLst>
-                          </p:cTn>
-                        </p:par>
-                      </p:childTnLst>
-                    </p:cTn>
-                  </p:par>
-                  <p:par>
-                    <p:cTn id="15" fill="hold">
-                      <p:stCondLst>
-                        <p:cond delay="indefinite"/>
-                      </p:stCondLst>
-                      <p:childTnLst>
-                        <p:par>
-                          <p:cTn id="16" fill="hold">
-                            <p:stCondLst>
-                              <p:cond delay="0"/>
-                            </p:stCondLst>
-                            <p:childTnLst>
-                              <p:par>
-                                <p:cTn id="17" presetID="1" presetClass="entr" presetSubtype="0" fill="hold" grpId="0" nodeType="clickEffect">
-                                  <p:stCondLst>
-                                    <p:cond delay="0"/>
-                                  </p:stCondLst>
-                                  <p:childTnLst>
-                                    <p:set>
-                                      <p:cBhvr>
-                                        <p:cTn id="18" dur="1" fill="hold">
-                                          <p:stCondLst>
-                                            <p:cond delay="0"/>
-                                          </p:stCondLst>
-                                        </p:cTn>
-                                        <p:tgtEl>
-                                          <p:spTgt spid="7171">
-                                            <p:txEl>
-                                              <p:pRg st="4" end="4"/>
-                                            </p:txEl>
-                                          </p:spTgt>
-                                        </p:tgtEl>
-                                        <p:attrNameLst>
-                                          <p:attrName>style.visibility</p:attrName>
-                                        </p:attrNameLst>
-                                      </p:cBhvr>
-                                      <p:to>
-                                        <p:strVal val="visible"/>
-                                      </p:to>
-                                    </p:set>
-                                  </p:childTnLst>
-                                </p:cTn>
-                              </p:par>
-                            </p:childTnLst>
-                          </p:cTn>
-                        </p:par>
-                      </p:childTnLst>
-                    </p:cTn>
-                  </p:par>
-                  <p:par>
-                    <p:cTn id="19" fill="hold">
-                      <p:stCondLst>
-                        <p:cond delay="indefinite"/>
-                      </p:stCondLst>
-                      <p:childTnLst>
-                        <p:par>
-                          <p:cTn id="20" fill="hold">
-                            <p:stCondLst>
-                              <p:cond delay="0"/>
-                            </p:stCondLst>
-                            <p:childTnLst>
-                              <p:par>
-                                <p:cTn id="21" presetID="1" presetClass="entr" presetSubtype="0" fill="hold" grpId="0" nodeType="clickEffect">
-                                  <p:stCondLst>
-                                    <p:cond delay="0"/>
-                                  </p:stCondLst>
-                                  <p:childTnLst>
-                                    <p:set>
-                                      <p:cBhvr>
-                                        <p:cTn id="22" dur="1" fill="hold">
-                                          <p:stCondLst>
-                                            <p:cond delay="0"/>
-                                          </p:stCondLst>
-                                        </p:cTn>
-                                        <p:tgtEl>
-                                          <p:spTgt spid="7171">
-                                            <p:txEl>
-                                              <p:pRg st="6" end="6"/>
-                                            </p:txEl>
-                                          </p:spTgt>
-                                        </p:tgtEl>
-                                        <p:attrNameLst>
-                                          <p:attrName>style.visibility</p:attrName>
-                                        </p:attrNameLst>
-                                      </p:cBhvr>
-                                      <p:to>
-                                        <p:strVal val="visible"/>
-                                      </p:to>
-                                    </p:set>
-                                  </p:childTnLst>
-                                </p:cTn>
-                              </p:par>
-                            </p:childTnLst>
-                          </p:cTn>
-                        </p:par>
-                      </p:childTnLst>
-                    </p:cTn>
-                  </p:par>
-                  <p:par>
-                    <p:cTn id="23" fill="hold">
-                      <p:stCondLst>
-                        <p:cond delay="indefinite"/>
-                      </p:stCondLst>
-                      <p:childTnLst>
-                        <p:par>
-                          <p:cTn id="24" fill="hold">
-                            <p:stCondLst>
-                              <p:cond delay="0"/>
-                            </p:stCondLst>
-                            <p:childTnLst>
-                              <p:par>
-                                <p:cTn id="25" presetID="1" presetClass="entr" presetSubtype="0" fill="hold" grpId="0" nodeType="clickEffect">
-                                  <p:stCondLst>
-                                    <p:cond delay="0"/>
-                                  </p:stCondLst>
-                                  <p:childTnLst>
-                                    <p:set>
-                                      <p:cBhvr>
-                                        <p:cTn id="26" dur="1" fill="hold">
-                                          <p:stCondLst>
-                                            <p:cond delay="0"/>
-                                          </p:stCondLst>
-                                        </p:cTn>
-                                        <p:tgtEl>
-                                          <p:spTgt spid="7171">
-                                            <p:txEl>
-                                              <p:pRg st="7" end="7"/>
-                                            </p:txEl>
-                                          </p:spTgt>
-                                        </p:tgtEl>
-                                        <p:attrNameLst>
-                                          <p:attrName>style.visibility</p:attrName>
-                                        </p:attrNameLst>
-                                      </p:cBhvr>
-                                      <p:to>
-                                        <p:strVal val="visible"/>
-                                      </p:to>
-                                    </p:set>
-                                  </p:childTnLst>
-                                </p:cTn>
-                              </p:par>
-                            </p:childTnLst>
-                          </p:cTn>
-                        </p:par>
-                      </p:childTnLst>
-                    </p:cTn>
-                  </p:par>
-                  <p:par>
-                    <p:cTn id="27" fill="hold">
-                      <p:stCondLst>
-                        <p:cond delay="indefinite"/>
-                      </p:stCondLst>
-                      <p:childTnLst>
-                        <p:par>
-                          <p:cTn id="28" fill="hold">
-                            <p:stCondLst>
-                              <p:cond delay="0"/>
-                            </p:stCondLst>
-                            <p:childTnLst>
-                              <p:par>
-                                <p:cTn id="29" presetID="1" presetClass="entr" presetSubtype="0" fill="hold" grpId="0" nodeType="clickEffect">
-                                  <p:stCondLst>
-                                    <p:cond delay="0"/>
-                                  </p:stCondLst>
-                                  <p:childTnLst>
-                                    <p:set>
-                                      <p:cBhvr>
-                                        <p:cTn id="30" dur="1" fill="hold">
-                                          <p:stCondLst>
-                                            <p:cond delay="0"/>
-                                          </p:stCondLst>
-                                        </p:cTn>
-                                        <p:tgtEl>
-                                          <p:spTgt spid="7171">
-                                            <p:txEl>
-                                              <p:pRg st="8" end="8"/>
-                                            </p:txEl>
-                                          </p:spTgt>
-                                        </p:tgtEl>
-                                        <p:attrNameLst>
-                                          <p:attrName>style.visibility</p:attrName>
-                                        </p:attrNameLst>
-                                      </p:cBhvr>
-                                      <p:to>
-                                        <p:strVal val="visible"/>
-                                      </p:to>
-                                    </p:set>
-                                  </p:childTnLst>
-                                </p:cTn>
-                              </p:par>
-                            </p:childTnLst>
-                          </p:cTn>
-                        </p:par>
-                      </p:childTnLst>
-                    </p:cTn>
-                  </p:par>
-                  <p:par>
-                    <p:cTn id="31" fill="hold">
-                      <p:stCondLst>
-                        <p:cond delay="indefinite"/>
-                      </p:stCondLst>
-                      <p:childTnLst>
-                        <p:par>
-                          <p:cTn id="32" fill="hold">
-                            <p:stCondLst>
-                              <p:cond delay="0"/>
-                            </p:stCondLst>
-                            <p:childTnLst>
-                              <p:par>
-                                <p:cTn id="33" presetID="1" presetClass="entr" presetSubtype="0" fill="hold" grpId="0" nodeType="clickEffect">
-                                  <p:stCondLst>
-                                    <p:cond delay="0"/>
-                                  </p:stCondLst>
-                                  <p:childTnLst>
-                                    <p:set>
-                                      <p:cBhvr>
-                                        <p:cTn id="34" dur="1" fill="hold">
-                                          <p:stCondLst>
-                                            <p:cond delay="0"/>
-                                          </p:stCondLst>
-                                        </p:cTn>
-                                        <p:tgtEl>
-                                          <p:spTgt spid="7171">
-                                            <p:txEl>
-                                              <p:pRg st="9" end="9"/>
-                                            </p:txEl>
-                                          </p:spTgt>
-                                        </p:tgtEl>
-                                        <p:attrNameLst>
-                                          <p:attrName>style.visibility</p:attrName>
-                                        </p:attrNameLst>
-                                      </p:cBhvr>
-                                      <p:to>
-                                        <p:strVal val="visible"/>
-                                      </p:to>
-                                    </p:set>
-                                  </p:childTnLst>
-                                </p:cTn>
-                              </p:par>
-                            </p:childTnLst>
-                          </p:cTn>
-                        </p:par>
-                      </p:childTnLst>
-                    </p:cTn>
-                  </p:par>
-                  <p:par>
-                    <p:cTn id="35" fill="hold">
-                      <p:stCondLst>
-                        <p:cond delay="indefinite"/>
-                      </p:stCondLst>
-                      <p:childTnLst>
-                        <p:par>
-                          <p:cTn id="36" fill="hold">
-                            <p:stCondLst>
-                              <p:cond delay="0"/>
-                            </p:stCondLst>
-                            <p:childTnLst>
-                              <p:par>
-                                <p:cTn id="37" presetID="1" presetClass="entr" presetSubtype="0" fill="hold" grpId="0" nodeType="clickEffect">
-                                  <p:stCondLst>
-                                    <p:cond delay="0"/>
-                                  </p:stCondLst>
-                                  <p:childTnLst>
-                                    <p:set>
-                                      <p:cBhvr>
-                                        <p:cTn id="38" dur="1" fill="hold">
-                                          <p:stCondLst>
-                                            <p:cond delay="0"/>
-                                          </p:stCondLst>
-                                        </p:cTn>
-                                        <p:tgtEl>
-                                          <p:spTgt spid="7171">
-                                            <p:txEl>
-                                              <p:pRg st="10" end="10"/>
-                                            </p:txEl>
-                                          </p:spTgt>
-                                        </p:tgtEl>
-                                        <p:attrNameLst>
-                                          <p:attrName>style.visibility</p:attrName>
-                                        </p:attrNameLst>
-                                      </p:cBhvr>
-                                      <p:to>
-                                        <p:strVal val="visible"/>
-                                      </p:to>
-                                    </p:set>
-                                  </p:childTnLst>
-                                </p:cTn>
-                              </p:par>
-                            </p:childTnLst>
-                          </p:cTn>
-                        </p:par>
-                      </p:childTnLst>
-                    </p:cTn>
-                  </p:par>
-                </p:childTnLst>
-              </p:cTn>
-              <p:prevCondLst>
-                <p:cond evt="onPrev" delay="0">
-                  <p:tgtEl>
-                    <p:sldTgt/>
-                  </p:tgtEl>
-                </p:cond>
-              </p:prevCondLst>
-              <p:nextCondLst>
-                <p:cond evt="onNext" delay="0">
-                  <p:tgtEl>
-                    <p:sldTgt/>
-                  </p:tgtEl>
-                </p:cond>
-              </p:nextCondLst>
-            </p:seq>
-          </p:childTnLst>
-        </p:cTn>
-      </p:par>
-    </p:tnLst>
-    <p:bldLst>
-      <p:bldP spid="7171" grpId="0" uiExpand="1" build="p"/>
-    </p:bldLst>
-  </p:timing>
 </p:sld>
 </file>
 
@@ -33890,7 +33412,7 @@
         </p:nvSpPr>
         <p:spPr>
           <a:xfrm>
-            <a:off x="2534409" y="3810000"/>
+            <a:off x="1143000" y="3810000"/>
             <a:ext cx="533400" cy="533400"/>
           </a:xfrm>
           <a:prstGeom prst="ellipse">
@@ -33951,7 +33473,7 @@
         </p:nvSpPr>
         <p:spPr>
           <a:xfrm>
-            <a:off x="3601209" y="3810000"/>
+            <a:off x="2209800" y="3810000"/>
             <a:ext cx="533400" cy="533400"/>
           </a:xfrm>
           <a:prstGeom prst="ellipse">
@@ -34012,7 +33534,7 @@
         </p:nvSpPr>
         <p:spPr>
           <a:xfrm>
-            <a:off x="5201409" y="3810000"/>
+            <a:off x="3810000" y="3810000"/>
             <a:ext cx="533400" cy="533400"/>
           </a:xfrm>
           <a:prstGeom prst="ellipse">
@@ -34076,7 +33598,7 @@
         </p:nvCxnSpPr>
         <p:spPr>
           <a:xfrm rot="16200000" flipH="1">
-            <a:off x="2782059" y="4362449"/>
+            <a:off x="1390650" y="4362449"/>
             <a:ext cx="1221115" cy="1183015"/>
           </a:xfrm>
           <a:prstGeom prst="straightConnector1">
@@ -34115,7 +33637,7 @@
         </p:nvCxnSpPr>
         <p:spPr>
           <a:xfrm rot="16200000" flipH="1">
-            <a:off x="3448809" y="4762500"/>
+            <a:off x="2057400" y="4762500"/>
             <a:ext cx="1143000" cy="304800"/>
           </a:xfrm>
           <a:prstGeom prst="straightConnector1">
@@ -34154,7 +33676,7 @@
         </p:nvCxnSpPr>
         <p:spPr>
           <a:xfrm rot="5400000">
-            <a:off x="4304145" y="4400550"/>
+            <a:off x="2912736" y="4400550"/>
             <a:ext cx="1221115" cy="1106815"/>
           </a:xfrm>
           <a:prstGeom prst="straightConnector1">
@@ -34190,7 +33712,7 @@
         </p:nvSpPr>
         <p:spPr>
           <a:xfrm>
-            <a:off x="3906009" y="5486400"/>
+            <a:off x="2514600" y="5486400"/>
             <a:ext cx="533400" cy="533400"/>
           </a:xfrm>
           <a:prstGeom prst="ellipse">
@@ -34244,7 +33766,7 @@
         </p:nvSpPr>
         <p:spPr>
           <a:xfrm>
-            <a:off x="4352126" y="3505200"/>
+            <a:off x="2960717" y="3505200"/>
             <a:ext cx="748923" cy="769441"/>
           </a:xfrm>
           <a:prstGeom prst="rect">
@@ -34272,7 +33794,7 @@
         </p:nvSpPr>
         <p:spPr>
           <a:xfrm>
-            <a:off x="3984124" y="5575238"/>
+            <a:off x="2592715" y="5575238"/>
             <a:ext cx="2645275" cy="430887"/>
           </a:xfrm>
           <a:prstGeom prst="rect">

--- a/slides/13_bayes_nets.pptx
+++ b/slides/13_bayes_nets.pptx
@@ -6076,7 +6076,7 @@
             <a:fld id="{71CA99E0-E95C-4F1B-B0F2-4565A2B40149}" type="datetimeFigureOut">
               <a:rPr lang="en-US" smtClean="0"/>
               <a:pPr/>
-              <a:t>11/13/2023</a:t>
+              <a:t>4/17/2024</a:t>
             </a:fld>
             <a:endParaRPr lang="en-US"/>
           </a:p>
@@ -12842,183 +12842,6 @@
   <p:clrMapOvr>
     <a:overrideClrMapping bg1="dk1" tx1="lt1" bg2="dk2" tx2="lt2" accent1="accent1" accent2="accent2" accent3="accent3" accent4="accent4" accent5="accent5" accent6="accent6" hlink="hlink" folHlink="folHlink"/>
   </p:clrMapOvr>
-  <p:timing>
-    <p:tnLst>
-      <p:par>
-        <p:cTn id="1" dur="indefinite" restart="never" nodeType="tmRoot">
-          <p:childTnLst>
-            <p:seq concurrent="1" nextAc="seek">
-              <p:cTn id="2" dur="indefinite" nodeType="mainSeq">
-                <p:childTnLst>
-                  <p:par>
-                    <p:cTn id="3" fill="hold">
-                      <p:stCondLst>
-                        <p:cond delay="indefinite"/>
-                        <p:cond evt="onBegin" delay="0">
-                          <p:tn val="2"/>
-                        </p:cond>
-                      </p:stCondLst>
-                      <p:childTnLst>
-                        <p:par>
-                          <p:cTn id="4" fill="hold">
-                            <p:stCondLst>
-                              <p:cond delay="0"/>
-                            </p:stCondLst>
-                            <p:childTnLst>
-                              <p:par>
-                                <p:cTn id="5" presetID="10" presetClass="entr" presetSubtype="0" fill="hold" grpId="0" nodeType="withEffect">
-                                  <p:stCondLst>
-                                    <p:cond delay="2000"/>
-                                  </p:stCondLst>
-                                  <p:iterate type="lt">
-                                    <p:tmPct val="10000"/>
-                                  </p:iterate>
-                                  <p:childTnLst>
-                                    <p:set>
-                                      <p:cBhvr>
-                                        <p:cTn id="6" dur="1" fill="hold">
-                                          <p:stCondLst>
-                                            <p:cond delay="0"/>
-                                          </p:stCondLst>
-                                        </p:cTn>
-                                        <p:tgtEl>
-                                          <p:spTgt spid="5">
-                                            <p:txEl>
-                                              <p:pRg st="0" end="0"/>
-                                            </p:txEl>
-                                          </p:spTgt>
-                                        </p:tgtEl>
-                                        <p:attrNameLst>
-                                          <p:attrName>style.visibility</p:attrName>
-                                        </p:attrNameLst>
-                                      </p:cBhvr>
-                                      <p:to>
-                                        <p:strVal val="visible"/>
-                                      </p:to>
-                                    </p:set>
-                                    <p:animEffect transition="in" filter="fade">
-                                      <p:cBhvr>
-                                        <p:cTn id="7" dur="400"/>
-                                        <p:tgtEl>
-                                          <p:spTgt spid="5">
-                                            <p:txEl>
-                                              <p:pRg st="0" end="0"/>
-                                            </p:txEl>
-                                          </p:spTgt>
-                                        </p:tgtEl>
-                                      </p:cBhvr>
-                                    </p:animEffect>
-                                  </p:childTnLst>
-                                </p:cTn>
-                              </p:par>
-                              <p:par>
-                                <p:cTn id="8" presetID="10" presetClass="entr" presetSubtype="0" fill="hold" grpId="0" nodeType="withEffect">
-                                  <p:stCondLst>
-                                    <p:cond delay="1000"/>
-                                  </p:stCondLst>
-                                  <p:iterate type="lt">
-                                    <p:tmPct val="10000"/>
-                                  </p:iterate>
-                                  <p:childTnLst>
-                                    <p:set>
-                                      <p:cBhvr>
-                                        <p:cTn id="9" dur="1" fill="hold">
-                                          <p:stCondLst>
-                                            <p:cond delay="0"/>
-                                          </p:stCondLst>
-                                        </p:cTn>
-                                        <p:tgtEl>
-                                          <p:spTgt spid="4"/>
-                                        </p:tgtEl>
-                                        <p:attrNameLst>
-                                          <p:attrName>style.visibility</p:attrName>
-                                        </p:attrNameLst>
-                                      </p:cBhvr>
-                                      <p:to>
-                                        <p:strVal val="visible"/>
-                                      </p:to>
-                                    </p:set>
-                                    <p:animEffect transition="in" filter="fade">
-                                      <p:cBhvr>
-                                        <p:cTn id="10" dur="400"/>
-                                        <p:tgtEl>
-                                          <p:spTgt spid="4"/>
-                                        </p:tgtEl>
-                                      </p:cBhvr>
-                                    </p:animEffect>
-                                  </p:childTnLst>
-                                </p:cTn>
-                              </p:par>
-                              <p:par>
-                                <p:cTn id="11" presetID="10" presetClass="entr" presetSubtype="0" fill="hold" nodeType="withEffect">
-                                  <p:stCondLst>
-                                    <p:cond delay="0"/>
-                                  </p:stCondLst>
-                                  <p:iterate>
-                                    <p:tmPct val="10000"/>
-                                  </p:iterate>
-                                  <p:childTnLst>
-                                    <p:set>
-                                      <p:cBhvr>
-                                        <p:cTn id="12" dur="1" fill="hold">
-                                          <p:stCondLst>
-                                            <p:cond delay="0"/>
-                                          </p:stCondLst>
-                                        </p:cTn>
-                                        <p:tgtEl>
-                                          <p:spTgt spid="100354"/>
-                                        </p:tgtEl>
-                                        <p:attrNameLst>
-                                          <p:attrName>style.visibility</p:attrName>
-                                        </p:attrNameLst>
-                                      </p:cBhvr>
-                                      <p:to>
-                                        <p:strVal val="visible"/>
-                                      </p:to>
-                                    </p:set>
-                                    <p:animEffect transition="in" filter="fade">
-                                      <p:cBhvr>
-                                        <p:cTn id="13" dur="700"/>
-                                        <p:tgtEl>
-                                          <p:spTgt spid="100354"/>
-                                        </p:tgtEl>
-                                      </p:cBhvr>
-                                    </p:animEffect>
-                                  </p:childTnLst>
-                                </p:cTn>
-                              </p:par>
-                            </p:childTnLst>
-                          </p:cTn>
-                        </p:par>
-                      </p:childTnLst>
-                    </p:cTn>
-                  </p:par>
-                </p:childTnLst>
-              </p:cTn>
-              <p:prevCondLst>
-                <p:cond evt="onPrev" delay="0">
-                  <p:tgtEl>
-                    <p:sldTgt/>
-                  </p:tgtEl>
-                </p:cond>
-              </p:prevCondLst>
-              <p:nextCondLst>
-                <p:cond evt="onNext" delay="0">
-                  <p:tgtEl>
-                    <p:sldTgt/>
-                  </p:tgtEl>
-                </p:cond>
-              </p:nextCondLst>
-            </p:seq>
-          </p:childTnLst>
-        </p:cTn>
-      </p:par>
-    </p:tnLst>
-    <p:bldLst>
-      <p:bldP spid="4" grpId="0"/>
-      <p:bldP spid="5" grpId="0" build="p"/>
-    </p:bldLst>
-  </p:timing>
 </p:sld>
 </file>
 
@@ -18022,14 +17845,14 @@
           </a:ln>
           <a:extLst>
             <a:ext uri="{909E8E84-426E-40dd-AFC4-6F175D3DCCD1}">
-              <a14:hiddenFill xmlns="" xmlns:a14="http://schemas.microsoft.com/office/drawing/2010/main">
+              <a14:hiddenFill xmlns:a14="http://schemas.microsoft.com/office/drawing/2010/main" xmlns="">
                 <a:solidFill>
                   <a:srgbClr val="FFFFFF"/>
                 </a:solidFill>
               </a14:hiddenFill>
             </a:ext>
             <a:ext uri="{91240B29-F687-4f45-9708-019B960494DF}">
-              <a14:hiddenLine xmlns="" xmlns:a14="http://schemas.microsoft.com/office/drawing/2010/main" w="9525">
+              <a14:hiddenLine xmlns:a14="http://schemas.microsoft.com/office/drawing/2010/main" xmlns="" w="9525">
                 <a:solidFill>
                   <a:srgbClr val="000000"/>
                 </a:solidFill>
@@ -18080,14 +17903,14 @@
           </a:ln>
           <a:extLst>
             <a:ext uri="{909E8E84-426E-40dd-AFC4-6F175D3DCCD1}">
-              <a14:hiddenFill xmlns="" xmlns:a14="http://schemas.microsoft.com/office/drawing/2010/main">
+              <a14:hiddenFill xmlns:a14="http://schemas.microsoft.com/office/drawing/2010/main" xmlns="">
                 <a:solidFill>
                   <a:srgbClr val="FFFFFF"/>
                 </a:solidFill>
               </a14:hiddenFill>
             </a:ext>
             <a:ext uri="{91240B29-F687-4f45-9708-019B960494DF}">
-              <a14:hiddenLine xmlns="" xmlns:a14="http://schemas.microsoft.com/office/drawing/2010/main" w="9525">
+              <a14:hiddenLine xmlns:a14="http://schemas.microsoft.com/office/drawing/2010/main" xmlns="" w="9525">
                 <a:solidFill>
                   <a:srgbClr val="000000"/>
                 </a:solidFill>
@@ -18138,14 +17961,14 @@
           </a:ln>
           <a:extLst>
             <a:ext uri="{909E8E84-426E-40dd-AFC4-6F175D3DCCD1}">
-              <a14:hiddenFill xmlns="" xmlns:a14="http://schemas.microsoft.com/office/drawing/2010/main">
+              <a14:hiddenFill xmlns:a14="http://schemas.microsoft.com/office/drawing/2010/main" xmlns="">
                 <a:solidFill>
                   <a:srgbClr val="FFFFFF"/>
                 </a:solidFill>
               </a14:hiddenFill>
             </a:ext>
             <a:ext uri="{91240B29-F687-4f45-9708-019B960494DF}">
-              <a14:hiddenLine xmlns="" xmlns:a14="http://schemas.microsoft.com/office/drawing/2010/main" w="9525">
+              <a14:hiddenLine xmlns:a14="http://schemas.microsoft.com/office/drawing/2010/main" xmlns="" w="9525">
                 <a:solidFill>
                   <a:srgbClr val="000000"/>
                 </a:solidFill>
@@ -18196,14 +18019,14 @@
           </a:ln>
           <a:extLst>
             <a:ext uri="{909E8E84-426E-40dd-AFC4-6F175D3DCCD1}">
-              <a14:hiddenFill xmlns="" xmlns:a14="http://schemas.microsoft.com/office/drawing/2010/main">
+              <a14:hiddenFill xmlns:a14="http://schemas.microsoft.com/office/drawing/2010/main" xmlns="">
                 <a:solidFill>
                   <a:srgbClr val="FFFFFF"/>
                 </a:solidFill>
               </a14:hiddenFill>
             </a:ext>
             <a:ext uri="{91240B29-F687-4f45-9708-019B960494DF}">
-              <a14:hiddenLine xmlns="" xmlns:a14="http://schemas.microsoft.com/office/drawing/2010/main" w="9525">
+              <a14:hiddenLine xmlns:a14="http://schemas.microsoft.com/office/drawing/2010/main" xmlns="" w="9525">
                 <a:solidFill>
                   <a:srgbClr val="000000"/>
                 </a:solidFill>
@@ -18254,14 +18077,14 @@
           </a:ln>
           <a:extLst>
             <a:ext uri="{909E8E84-426E-40dd-AFC4-6F175D3DCCD1}">
-              <a14:hiddenFill xmlns="" xmlns:a14="http://schemas.microsoft.com/office/drawing/2010/main">
+              <a14:hiddenFill xmlns:a14="http://schemas.microsoft.com/office/drawing/2010/main" xmlns="">
                 <a:solidFill>
                   <a:srgbClr val="FFFFFF"/>
                 </a:solidFill>
               </a14:hiddenFill>
             </a:ext>
             <a:ext uri="{91240B29-F687-4f45-9708-019B960494DF}">
-              <a14:hiddenLine xmlns="" xmlns:a14="http://schemas.microsoft.com/office/drawing/2010/main" w="9525">
+              <a14:hiddenLine xmlns:a14="http://schemas.microsoft.com/office/drawing/2010/main" xmlns="" w="9525">
                 <a:solidFill>
                   <a:srgbClr val="000000"/>
                 </a:solidFill>
@@ -18316,14 +18139,14 @@
           <a:effectLst/>
           <a:extLst>
             <a:ext uri="{909E8E84-426E-40dd-AFC4-6F175D3DCCD1}">
-              <a14:hiddenFill xmlns="" xmlns:a14="http://schemas.microsoft.com/office/drawing/2010/main">
+              <a14:hiddenFill xmlns:a14="http://schemas.microsoft.com/office/drawing/2010/main" xmlns="">
                 <a:solidFill>
                   <a:srgbClr val="FFFFFF"/>
                 </a:solidFill>
               </a14:hiddenFill>
             </a:ext>
             <a:ext uri="{91240B29-F687-4f45-9708-019B960494DF}">
-              <a14:hiddenLine xmlns="" xmlns:a14="http://schemas.microsoft.com/office/drawing/2010/main" w="9525" cap="flat" cmpd="sng" algn="ctr">
+              <a14:hiddenLine xmlns:a14="http://schemas.microsoft.com/office/drawing/2010/main" xmlns="" w="9525" cap="flat" cmpd="sng" algn="ctr">
                 <a:solidFill>
                   <a:schemeClr val="tx1"/>
                 </a:solidFill>
@@ -18334,7 +18157,7 @@
               </a14:hiddenLine>
             </a:ext>
             <a:ext uri="{AF507438-7753-43e0-B8FC-AC1667EBCBE1}">
-              <a14:hiddenEffects xmlns="" xmlns:a14="http://schemas.microsoft.com/office/drawing/2010/main">
+              <a14:hiddenEffects xmlns:a14="http://schemas.microsoft.com/office/drawing/2010/main" xmlns="">
                 <a:effectLst>
                   <a:outerShdw blurRad="63500" dist="37357" dir="2700000" rotWithShape="0">
                     <a:scrgbClr r="0" g="0" b="0"/>
@@ -18343,7 +18166,7 @@
               </a14:hiddenEffects>
             </a:ext>
             <a:ext uri="{31F19639-BCED-4a60-ADC4-E9642A236FB7}">
-              <a14:hiddenScene3d xmlns="" xmlns:a14="http://schemas.microsoft.com/office/drawing/2010/main">
+              <a14:hiddenScene3d xmlns:a14="http://schemas.microsoft.com/office/drawing/2010/main" xmlns="">
                 <a:camera prst="orthographicFront">
                   <a:rot lat="0" lon="0" rev="0"/>
                 </a:camera>
@@ -18353,14 +18176,14 @@
               </a14:hiddenScene3d>
             </a:ext>
             <a:ext uri="{E45631CC-5BF2-4c18-A39C-3461C7D3F71A}">
-              <a14:hiddenSp3d xmlns="" xmlns:a14="http://schemas.microsoft.com/office/drawing/2010/main" extrusionH="457200">
+              <a14:hiddenSp3d xmlns:a14="http://schemas.microsoft.com/office/drawing/2010/main" xmlns="" extrusionH="457200">
                 <a:contourClr>
                   <a:srgbClr val="000000"/>
                 </a:contourClr>
               </a14:hiddenSp3d>
             </a:ext>
             <a:ext uri="{53640926-AAD7-44d8-BBD7-CCE9431645EC}">
-              <a14:shadowObscured xmlns="" xmlns:a14="http://schemas.microsoft.com/office/drawing/2010/main"/>
+              <a14:shadowObscured xmlns:a14="http://schemas.microsoft.com/office/drawing/2010/main" xmlns=""/>
             </a:ext>
           </a:extLst>
         </p:spPr>
@@ -18700,551 +18523,6 @@
   <p:clrMapOvr>
     <a:masterClrMapping/>
   </p:clrMapOvr>
-  <p:timing>
-    <p:tnLst>
-      <p:par>
-        <p:cTn id="1" dur="indefinite" restart="never" nodeType="tmRoot">
-          <p:childTnLst>
-            <p:seq concurrent="1" nextAc="seek">
-              <p:cTn id="2" dur="indefinite" nodeType="mainSeq">
-                <p:childTnLst>
-                  <p:par>
-                    <p:cTn id="3" fill="hold">
-                      <p:stCondLst>
-                        <p:cond delay="indefinite"/>
-                      </p:stCondLst>
-                      <p:childTnLst>
-                        <p:par>
-                          <p:cTn id="4" fill="hold">
-                            <p:stCondLst>
-                              <p:cond delay="0"/>
-                            </p:stCondLst>
-                            <p:childTnLst>
-                              <p:par>
-                                <p:cTn id="5" presetID="1" presetClass="entr" presetSubtype="0" fill="hold" nodeType="clickEffect">
-                                  <p:stCondLst>
-                                    <p:cond delay="0"/>
-                                  </p:stCondLst>
-                                  <p:childTnLst>
-                                    <p:set>
-                                      <p:cBhvr>
-                                        <p:cTn id="6" dur="1" fill="hold">
-                                          <p:stCondLst>
-                                            <p:cond delay="0"/>
-                                          </p:stCondLst>
-                                        </p:cTn>
-                                        <p:tgtEl>
-                                          <p:spTgt spid="30722">
-                                            <p:txEl>
-                                              <p:pRg st="0" end="0"/>
-                                            </p:txEl>
-                                          </p:spTgt>
-                                        </p:tgtEl>
-                                        <p:attrNameLst>
-                                          <p:attrName>style.visibility</p:attrName>
-                                        </p:attrNameLst>
-                                      </p:cBhvr>
-                                      <p:to>
-                                        <p:strVal val="visible"/>
-                                      </p:to>
-                                    </p:set>
-                                  </p:childTnLst>
-                                </p:cTn>
-                              </p:par>
-                            </p:childTnLst>
-                          </p:cTn>
-                        </p:par>
-                      </p:childTnLst>
-                    </p:cTn>
-                  </p:par>
-                  <p:par>
-                    <p:cTn id="7" fill="hold">
-                      <p:stCondLst>
-                        <p:cond delay="indefinite"/>
-                      </p:stCondLst>
-                      <p:childTnLst>
-                        <p:par>
-                          <p:cTn id="8" fill="hold">
-                            <p:stCondLst>
-                              <p:cond delay="0"/>
-                            </p:stCondLst>
-                            <p:childTnLst>
-                              <p:par>
-                                <p:cTn id="9" presetID="1" presetClass="entr" presetSubtype="0" fill="hold" nodeType="clickEffect">
-                                  <p:stCondLst>
-                                    <p:cond delay="0"/>
-                                  </p:stCondLst>
-                                  <p:childTnLst>
-                                    <p:set>
-                                      <p:cBhvr>
-                                        <p:cTn id="10" dur="1" fill="hold">
-                                          <p:stCondLst>
-                                            <p:cond delay="0"/>
-                                          </p:stCondLst>
-                                        </p:cTn>
-                                        <p:tgtEl>
-                                          <p:spTgt spid="17412"/>
-                                        </p:tgtEl>
-                                        <p:attrNameLst>
-                                          <p:attrName>style.visibility</p:attrName>
-                                        </p:attrNameLst>
-                                      </p:cBhvr>
-                                      <p:to>
-                                        <p:strVal val="visible"/>
-                                      </p:to>
-                                    </p:set>
-                                  </p:childTnLst>
-                                </p:cTn>
-                              </p:par>
-                            </p:childTnLst>
-                          </p:cTn>
-                        </p:par>
-                      </p:childTnLst>
-                    </p:cTn>
-                  </p:par>
-                  <p:par>
-                    <p:cTn id="11" fill="hold">
-                      <p:stCondLst>
-                        <p:cond delay="indefinite"/>
-                      </p:stCondLst>
-                      <p:childTnLst>
-                        <p:par>
-                          <p:cTn id="12" fill="hold">
-                            <p:stCondLst>
-                              <p:cond delay="0"/>
-                            </p:stCondLst>
-                            <p:childTnLst>
-                              <p:par>
-                                <p:cTn id="13" presetID="1" presetClass="entr" presetSubtype="0" fill="hold" nodeType="clickEffect">
-                                  <p:stCondLst>
-                                    <p:cond delay="0"/>
-                                  </p:stCondLst>
-                                  <p:childTnLst>
-                                    <p:set>
-                                      <p:cBhvr>
-                                        <p:cTn id="14" dur="1" fill="hold">
-                                          <p:stCondLst>
-                                            <p:cond delay="0"/>
-                                          </p:stCondLst>
-                                        </p:cTn>
-                                        <p:tgtEl>
-                                          <p:spTgt spid="30722">
-                                            <p:txEl>
-                                              <p:pRg st="2" end="2"/>
-                                            </p:txEl>
-                                          </p:spTgt>
-                                        </p:tgtEl>
-                                        <p:attrNameLst>
-                                          <p:attrName>style.visibility</p:attrName>
-                                        </p:attrNameLst>
-                                      </p:cBhvr>
-                                      <p:to>
-                                        <p:strVal val="visible"/>
-                                      </p:to>
-                                    </p:set>
-                                  </p:childTnLst>
-                                </p:cTn>
-                              </p:par>
-                            </p:childTnLst>
-                          </p:cTn>
-                        </p:par>
-                      </p:childTnLst>
-                    </p:cTn>
-                  </p:par>
-                  <p:par>
-                    <p:cTn id="15" fill="hold">
-                      <p:stCondLst>
-                        <p:cond delay="indefinite"/>
-                      </p:stCondLst>
-                      <p:childTnLst>
-                        <p:par>
-                          <p:cTn id="16" fill="hold">
-                            <p:stCondLst>
-                              <p:cond delay="0"/>
-                            </p:stCondLst>
-                            <p:childTnLst>
-                              <p:par>
-                                <p:cTn id="17" presetID="1" presetClass="entr" presetSubtype="0" fill="hold" nodeType="clickEffect">
-                                  <p:stCondLst>
-                                    <p:cond delay="0"/>
-                                  </p:stCondLst>
-                                  <p:childTnLst>
-                                    <p:set>
-                                      <p:cBhvr>
-                                        <p:cTn id="18" dur="1" fill="hold">
-                                          <p:stCondLst>
-                                            <p:cond delay="0"/>
-                                          </p:stCondLst>
-                                        </p:cTn>
-                                        <p:tgtEl>
-                                          <p:spTgt spid="17413"/>
-                                        </p:tgtEl>
-                                        <p:attrNameLst>
-                                          <p:attrName>style.visibility</p:attrName>
-                                        </p:attrNameLst>
-                                      </p:cBhvr>
-                                      <p:to>
-                                        <p:strVal val="visible"/>
-                                      </p:to>
-                                    </p:set>
-                                  </p:childTnLst>
-                                </p:cTn>
-                              </p:par>
-                            </p:childTnLst>
-                          </p:cTn>
-                        </p:par>
-                      </p:childTnLst>
-                    </p:cTn>
-                  </p:par>
-                  <p:par>
-                    <p:cTn id="19" fill="hold">
-                      <p:stCondLst>
-                        <p:cond delay="indefinite"/>
-                      </p:stCondLst>
-                      <p:childTnLst>
-                        <p:par>
-                          <p:cTn id="20" fill="hold">
-                            <p:stCondLst>
-                              <p:cond delay="0"/>
-                            </p:stCondLst>
-                            <p:childTnLst>
-                              <p:par>
-                                <p:cTn id="21" presetID="1" presetClass="entr" presetSubtype="0" fill="hold" nodeType="clickEffect">
-                                  <p:stCondLst>
-                                    <p:cond delay="0"/>
-                                  </p:stCondLst>
-                                  <p:childTnLst>
-                                    <p:set>
-                                      <p:cBhvr>
-                                        <p:cTn id="22" dur="1" fill="hold">
-                                          <p:stCondLst>
-                                            <p:cond delay="0"/>
-                                          </p:stCondLst>
-                                        </p:cTn>
-                                        <p:tgtEl>
-                                          <p:spTgt spid="30722">
-                                            <p:txEl>
-                                              <p:pRg st="4" end="4"/>
-                                            </p:txEl>
-                                          </p:spTgt>
-                                        </p:tgtEl>
-                                        <p:attrNameLst>
-                                          <p:attrName>style.visibility</p:attrName>
-                                        </p:attrNameLst>
-                                      </p:cBhvr>
-                                      <p:to>
-                                        <p:strVal val="visible"/>
-                                      </p:to>
-                                    </p:set>
-                                  </p:childTnLst>
-                                </p:cTn>
-                              </p:par>
-                            </p:childTnLst>
-                          </p:cTn>
-                        </p:par>
-                      </p:childTnLst>
-                    </p:cTn>
-                  </p:par>
-                  <p:par>
-                    <p:cTn id="23" fill="hold">
-                      <p:stCondLst>
-                        <p:cond delay="indefinite"/>
-                      </p:stCondLst>
-                      <p:childTnLst>
-                        <p:par>
-                          <p:cTn id="24" fill="hold">
-                            <p:stCondLst>
-                              <p:cond delay="0"/>
-                            </p:stCondLst>
-                            <p:childTnLst>
-                              <p:par>
-                                <p:cTn id="25" presetID="1" presetClass="entr" presetSubtype="0" fill="hold" nodeType="clickEffect">
-                                  <p:stCondLst>
-                                    <p:cond delay="0"/>
-                                  </p:stCondLst>
-                                  <p:childTnLst>
-                                    <p:set>
-                                      <p:cBhvr>
-                                        <p:cTn id="26" dur="1" fill="hold">
-                                          <p:stCondLst>
-                                            <p:cond delay="0"/>
-                                          </p:stCondLst>
-                                        </p:cTn>
-                                        <p:tgtEl>
-                                          <p:spTgt spid="2"/>
-                                        </p:tgtEl>
-                                        <p:attrNameLst>
-                                          <p:attrName>style.visibility</p:attrName>
-                                        </p:attrNameLst>
-                                      </p:cBhvr>
-                                      <p:to>
-                                        <p:strVal val="visible"/>
-                                      </p:to>
-                                    </p:set>
-                                  </p:childTnLst>
-                                </p:cTn>
-                              </p:par>
-                            </p:childTnLst>
-                          </p:cTn>
-                        </p:par>
-                      </p:childTnLst>
-                    </p:cTn>
-                  </p:par>
-                  <p:par>
-                    <p:cTn id="27" fill="hold">
-                      <p:stCondLst>
-                        <p:cond delay="indefinite"/>
-                      </p:stCondLst>
-                      <p:childTnLst>
-                        <p:par>
-                          <p:cTn id="28" fill="hold">
-                            <p:stCondLst>
-                              <p:cond delay="0"/>
-                            </p:stCondLst>
-                            <p:childTnLst>
-                              <p:par>
-                                <p:cTn id="29" presetID="1" presetClass="entr" presetSubtype="0" fill="hold" nodeType="clickEffect">
-                                  <p:stCondLst>
-                                    <p:cond delay="0"/>
-                                  </p:stCondLst>
-                                  <p:childTnLst>
-                                    <p:set>
-                                      <p:cBhvr>
-                                        <p:cTn id="30" dur="1" fill="hold">
-                                          <p:stCondLst>
-                                            <p:cond delay="0"/>
-                                          </p:stCondLst>
-                                        </p:cTn>
-                                        <p:tgtEl>
-                                          <p:spTgt spid="30722">
-                                            <p:txEl>
-                                              <p:pRg st="8" end="8"/>
-                                            </p:txEl>
-                                          </p:spTgt>
-                                        </p:tgtEl>
-                                        <p:attrNameLst>
-                                          <p:attrName>style.visibility</p:attrName>
-                                        </p:attrNameLst>
-                                      </p:cBhvr>
-                                      <p:to>
-                                        <p:strVal val="visible"/>
-                                      </p:to>
-                                    </p:set>
-                                  </p:childTnLst>
-                                </p:cTn>
-                              </p:par>
-                            </p:childTnLst>
-                          </p:cTn>
-                        </p:par>
-                      </p:childTnLst>
-                    </p:cTn>
-                  </p:par>
-                  <p:par>
-                    <p:cTn id="31" fill="hold">
-                      <p:stCondLst>
-                        <p:cond delay="indefinite"/>
-                      </p:stCondLst>
-                      <p:childTnLst>
-                        <p:par>
-                          <p:cTn id="32" fill="hold">
-                            <p:stCondLst>
-                              <p:cond delay="0"/>
-                            </p:stCondLst>
-                            <p:childTnLst>
-                              <p:par>
-                                <p:cTn id="33" presetID="1" presetClass="entr" presetSubtype="0" fill="hold" nodeType="clickEffect">
-                                  <p:stCondLst>
-                                    <p:cond delay="0"/>
-                                  </p:stCondLst>
-                                  <p:childTnLst>
-                                    <p:set>
-                                      <p:cBhvr>
-                                        <p:cTn id="34" dur="1" fill="hold">
-                                          <p:stCondLst>
-                                            <p:cond delay="0"/>
-                                          </p:stCondLst>
-                                        </p:cTn>
-                                        <p:tgtEl>
-                                          <p:spTgt spid="17414"/>
-                                        </p:tgtEl>
-                                        <p:attrNameLst>
-                                          <p:attrName>style.visibility</p:attrName>
-                                        </p:attrNameLst>
-                                      </p:cBhvr>
-                                      <p:to>
-                                        <p:strVal val="visible"/>
-                                      </p:to>
-                                    </p:set>
-                                  </p:childTnLst>
-                                </p:cTn>
-                              </p:par>
-                            </p:childTnLst>
-                          </p:cTn>
-                        </p:par>
-                      </p:childTnLst>
-                    </p:cTn>
-                  </p:par>
-                  <p:par>
-                    <p:cTn id="35" fill="hold">
-                      <p:stCondLst>
-                        <p:cond delay="indefinite"/>
-                      </p:stCondLst>
-                      <p:childTnLst>
-                        <p:par>
-                          <p:cTn id="36" fill="hold">
-                            <p:stCondLst>
-                              <p:cond delay="0"/>
-                            </p:stCondLst>
-                            <p:childTnLst>
-                              <p:par>
-                                <p:cTn id="37" presetID="1" presetClass="entr" presetSubtype="0" fill="hold" nodeType="clickEffect">
-                                  <p:stCondLst>
-                                    <p:cond delay="0"/>
-                                  </p:stCondLst>
-                                  <p:childTnLst>
-                                    <p:set>
-                                      <p:cBhvr>
-                                        <p:cTn id="38" dur="1" fill="hold">
-                                          <p:stCondLst>
-                                            <p:cond delay="0"/>
-                                          </p:stCondLst>
-                                        </p:cTn>
-                                        <p:tgtEl>
-                                          <p:spTgt spid="30722">
-                                            <p:txEl>
-                                              <p:pRg st="10" end="10"/>
-                                            </p:txEl>
-                                          </p:spTgt>
-                                        </p:tgtEl>
-                                        <p:attrNameLst>
-                                          <p:attrName>style.visibility</p:attrName>
-                                        </p:attrNameLst>
-                                      </p:cBhvr>
-                                      <p:to>
-                                        <p:strVal val="visible"/>
-                                      </p:to>
-                                    </p:set>
-                                  </p:childTnLst>
-                                </p:cTn>
-                              </p:par>
-                            </p:childTnLst>
-                          </p:cTn>
-                        </p:par>
-                      </p:childTnLst>
-                    </p:cTn>
-                  </p:par>
-                  <p:par>
-                    <p:cTn id="39" fill="hold">
-                      <p:stCondLst>
-                        <p:cond delay="indefinite"/>
-                      </p:stCondLst>
-                      <p:childTnLst>
-                        <p:par>
-                          <p:cTn id="40" fill="hold">
-                            <p:stCondLst>
-                              <p:cond delay="0"/>
-                            </p:stCondLst>
-                            <p:childTnLst>
-                              <p:par>
-                                <p:cTn id="41" presetID="1" presetClass="entr" presetSubtype="0" fill="hold" nodeType="clickEffect">
-                                  <p:stCondLst>
-                                    <p:cond delay="0"/>
-                                  </p:stCondLst>
-                                  <p:childTnLst>
-                                    <p:set>
-                                      <p:cBhvr>
-                                        <p:cTn id="42" dur="1" fill="hold">
-                                          <p:stCondLst>
-                                            <p:cond delay="0"/>
-                                          </p:stCondLst>
-                                        </p:cTn>
-                                        <p:tgtEl>
-                                          <p:spTgt spid="17415"/>
-                                        </p:tgtEl>
-                                        <p:attrNameLst>
-                                          <p:attrName>style.visibility</p:attrName>
-                                        </p:attrNameLst>
-                                      </p:cBhvr>
-                                      <p:to>
-                                        <p:strVal val="visible"/>
-                                      </p:to>
-                                    </p:set>
-                                  </p:childTnLst>
-                                </p:cTn>
-                              </p:par>
-                            </p:childTnLst>
-                          </p:cTn>
-                        </p:par>
-                      </p:childTnLst>
-                    </p:cTn>
-                  </p:par>
-                  <p:par>
-                    <p:cTn id="43" fill="hold">
-                      <p:stCondLst>
-                        <p:cond delay="indefinite"/>
-                      </p:stCondLst>
-                      <p:childTnLst>
-                        <p:par>
-                          <p:cTn id="44" fill="hold">
-                            <p:stCondLst>
-                              <p:cond delay="0"/>
-                            </p:stCondLst>
-                            <p:childTnLst>
-                              <p:par>
-                                <p:cTn id="45" presetID="1" presetClass="entr" presetSubtype="0" fill="hold" nodeType="clickEffect">
-                                  <p:stCondLst>
-                                    <p:cond delay="0"/>
-                                  </p:stCondLst>
-                                  <p:childTnLst>
-                                    <p:set>
-                                      <p:cBhvr>
-                                        <p:cTn id="46" dur="1" fill="hold">
-                                          <p:stCondLst>
-                                            <p:cond delay="0"/>
-                                          </p:stCondLst>
-                                        </p:cTn>
-                                        <p:tgtEl>
-                                          <p:spTgt spid="17416"/>
-                                        </p:tgtEl>
-                                        <p:attrNameLst>
-                                          <p:attrName>style.visibility</p:attrName>
-                                        </p:attrNameLst>
-                                      </p:cBhvr>
-                                      <p:to>
-                                        <p:strVal val="visible"/>
-                                      </p:to>
-                                    </p:set>
-                                  </p:childTnLst>
-                                </p:cTn>
-                              </p:par>
-                            </p:childTnLst>
-                          </p:cTn>
-                        </p:par>
-                      </p:childTnLst>
-                    </p:cTn>
-                  </p:par>
-                </p:childTnLst>
-              </p:cTn>
-              <p:prevCondLst>
-                <p:cond evt="onPrev" delay="0">
-                  <p:tgtEl>
-                    <p:sldTgt/>
-                  </p:tgtEl>
-                </p:cond>
-              </p:prevCondLst>
-              <p:nextCondLst>
-                <p:cond evt="onNext" delay="0">
-                  <p:tgtEl>
-                    <p:sldTgt/>
-                  </p:tgtEl>
-                </p:cond>
-              </p:nextCondLst>
-            </p:seq>
-          </p:childTnLst>
-        </p:cTn>
-      </p:par>
-    </p:tnLst>
-  </p:timing>
 </p:sld>
 </file>
 
@@ -33257,7 +32535,7 @@
         </p:nvSpPr>
         <p:spPr>
           <a:xfrm>
-            <a:off x="2514600" y="6262041"/>
+            <a:off x="2438400" y="6172200"/>
             <a:ext cx="4608576" cy="461665"/>
           </a:xfrm>
           <a:prstGeom prst="rect">

--- a/slides/13_bayes_nets.pptx
+++ b/slides/13_bayes_nets.pptx
@@ -5,7 +5,7 @@
     <p:sldMasterId id="2147483672" r:id="rId1"/>
   </p:sldMasterIdLst>
   <p:notesMasterIdLst>
-    <p:notesMasterId r:id="rId41"/>
+    <p:notesMasterId r:id="rId42"/>
   </p:notesMasterIdLst>
   <p:sldIdLst>
     <p:sldId id="294" r:id="rId2"/>
@@ -46,7 +46,8 @@
     <p:sldId id="319" r:id="rId37"/>
     <p:sldId id="320" r:id="rId38"/>
     <p:sldId id="321" r:id="rId39"/>
-    <p:sldId id="322" r:id="rId40"/>
+    <p:sldId id="409" r:id="rId40"/>
+    <p:sldId id="322" r:id="rId41"/>
   </p:sldIdLst>
   <p:sldSz cx="9144000" cy="6858000" type="screen4x3"/>
   <p:notesSz cx="7315200" cy="9601200"/>
@@ -1086,7 +1087,7 @@
 </file>
 
 <file path=ppt/diagrams/colors2.xml><?xml version="1.0" encoding="utf-8"?>
-<dgm:colorsDef xmlns:dgm="http://schemas.openxmlformats.org/drawingml/2006/diagram" xmlns:a="http://schemas.openxmlformats.org/drawingml/2006/main" uniqueId="urn:microsoft.com/office/officeart/2018/5/colors/Iconchunking_neutralbg_colorful5">
+<dgm:colorsDef xmlns:dgm="http://schemas.openxmlformats.org/drawingml/2006/diagram" xmlns:a="http://schemas.openxmlformats.org/drawingml/2006/main" uniqueId="urn:microsoft.com/office/officeart/2005/8/colors/colorful5">
   <dgm:title val=""/>
   <dgm:desc val=""/>
   <dgm:catLst>
@@ -1110,9 +1111,7 @@
       <a:schemeClr val="accent6"/>
     </dgm:fillClrLst>
     <dgm:linClrLst meth="repeat">
-      <a:schemeClr val="lt1">
-        <a:alpha val="0"/>
-      </a:schemeClr>
+      <a:schemeClr val="lt1"/>
     </dgm:linClrLst>
     <dgm:effectClrLst/>
     <dgm:txLinClrLst/>
@@ -1785,8 +1784,8 @@
   </dgm:styleLbl>
   <dgm:styleLbl name="bgShp">
     <dgm:fillClrLst meth="repeat">
-      <a:schemeClr val="bg1">
-        <a:lumMod val="95000"/>
+      <a:schemeClr val="accent5">
+        <a:tint val="40000"/>
       </a:schemeClr>
     </dgm:fillClrLst>
     <dgm:linClrLst meth="repeat">
@@ -2196,7 +2195,7 @@
 <dgm:dataModel xmlns:dgm="http://schemas.openxmlformats.org/drawingml/2006/diagram" xmlns:a="http://schemas.openxmlformats.org/drawingml/2006/main">
   <dgm:ptLst>
     <dgm:pt modelId="{C4C2D6F9-3B50-4566-9D82-FB59F11698EA}" type="doc">
-      <dgm:prSet loTypeId="urn:microsoft.com/office/officeart/2018/2/layout/IconVerticalSolidList" loCatId="icon" qsTypeId="urn:microsoft.com/office/officeart/2005/8/quickstyle/simple1" qsCatId="simple" csTypeId="urn:microsoft.com/office/officeart/2018/5/colors/Iconchunking_neutralbg_colorful5" csCatId="colorful" phldr="1"/>
+      <dgm:prSet loTypeId="urn:microsoft.com/office/officeart/2018/2/layout/IconVerticalSolidList" loCatId="icon" qsTypeId="urn:microsoft.com/office/officeart/2005/8/quickstyle/simple4" qsCatId="simple" csTypeId="urn:microsoft.com/office/officeart/2005/8/colors/colorful5" csCatId="colorful" phldr="1"/>
       <dgm:spPr/>
       <dgm:t>
         <a:bodyPr/>
@@ -2223,10 +2222,10 @@
             <a:t>Bayesian networks can be used as </a:t>
           </a:r>
           <a:r>
-            <a:rPr lang="en-US" i="1" dirty="0"/>
-            <a:t>generative models</a:t>
+            <a:rPr lang="en-US" b="1" i="1" dirty="0"/>
+            <a:t>generative models.</a:t>
           </a:r>
-          <a:endParaRPr lang="en-US" dirty="0"/>
+          <a:endParaRPr lang="en-US" b="1" dirty="0"/>
         </a:p>
       </dgm:t>
     </dgm:pt>
@@ -2265,8 +2264,8 @@
             </a:lnSpc>
           </a:pPr>
           <a:r>
-            <a:rPr lang="en-US"/>
-            <a:t>Allows us to efficiently generate samples from the joint distribution</a:t>
+            <a:rPr lang="en-US" dirty="0"/>
+            <a:t>Allows us to efficiently generate samples from the joint distribution.</a:t>
           </a:r>
         </a:p>
       </dgm:t>
@@ -2311,7 +2310,7 @@
           </a:r>
           <a:r>
             <a:rPr lang="en-US" dirty="0"/>
-            <a:t>: Sample from the network to estimate joint and conditional probability distributions.</a:t>
+            <a:t>: Generate samples from the network to estimate joint and conditional probability distributions.</a:t>
           </a:r>
         </a:p>
       </dgm:t>
@@ -2352,34 +2351,29 @@
       <dgm:spPr/>
     </dgm:pt>
     <dgm:pt modelId="{D1456FFD-0FDC-4352-8C80-3FFD8BDC8ED2}" type="pres">
-      <dgm:prSet presAssocID="{BA07DD25-6B41-4815-8285-46CEFC1961DC}" presName="bgRect" presStyleLbl="bgShp" presStyleIdx="0" presStyleCnt="2"/>
+      <dgm:prSet presAssocID="{BA07DD25-6B41-4815-8285-46CEFC1961DC}" presName="bgRect" presStyleLbl="bgShp" presStyleIdx="0" presStyleCnt="3"/>
       <dgm:spPr/>
     </dgm:pt>
     <dgm:pt modelId="{EB385380-F5A2-4F9D-8341-BB8FC34CBF03}" type="pres">
-      <dgm:prSet presAssocID="{BA07DD25-6B41-4815-8285-46CEFC1961DC}" presName="iconRect" presStyleLbl="node1" presStyleIdx="0" presStyleCnt="2"/>
+      <dgm:prSet presAssocID="{BA07DD25-6B41-4815-8285-46CEFC1961DC}" presName="iconRect" presStyleLbl="node1" presStyleIdx="0" presStyleCnt="3"/>
       <dgm:spPr>
         <a:blipFill>
           <a:blip xmlns:r="http://schemas.openxmlformats.org/officeDocument/2006/relationships" r:embed="rId1">
             <a:extLst>
-              <a:ext uri="{28A0092B-C50C-407E-A947-70E740481C1C}">
-                <a14:useLocalDpi xmlns:a14="http://schemas.microsoft.com/office/drawing/2010/main" val="0"/>
-              </a:ext>
               <a:ext uri="{96DAC541-7B7A-43D3-8B79-37D633B846F1}">
                 <asvg:svgBlip xmlns:asvg="http://schemas.microsoft.com/office/drawing/2016/SVG/main" r:embed="rId2"/>
               </a:ext>
             </a:extLst>
           </a:blip>
+          <a:srcRect/>
           <a:stretch>
             <a:fillRect/>
           </a:stretch>
         </a:blipFill>
-        <a:ln>
-          <a:noFill/>
-        </a:ln>
       </dgm:spPr>
       <dgm:extLst>
         <a:ext uri="{E40237B7-FDA0-4F09-8148-C483321AD2D9}">
-          <dgm14:cNvPr xmlns:dgm14="http://schemas.microsoft.com/office/drawing/2010/diagram" id="0" name="" descr="Database"/>
+          <dgm14:cNvPr xmlns:dgm14="http://schemas.microsoft.com/office/drawing/2010/diagram" id="0" name="" descr="Gears with solid fill"/>
         </a:ext>
       </dgm:extLst>
     </dgm:pt>
@@ -2396,26 +2390,20 @@
       </dgm:prSet>
       <dgm:spPr/>
     </dgm:pt>
-    <dgm:pt modelId="{AC842FDF-8EBF-4078-A90C-CB0386658F64}" type="pres">
-      <dgm:prSet presAssocID="{BA07DD25-6B41-4815-8285-46CEFC1961DC}" presName="desTx" presStyleLbl="revTx" presStyleIdx="1" presStyleCnt="3">
-        <dgm:presLayoutVars/>
-      </dgm:prSet>
-      <dgm:spPr/>
-    </dgm:pt>
     <dgm:pt modelId="{D8319854-69B5-4B0A-9ADE-F69DC032FFB6}" type="pres">
       <dgm:prSet presAssocID="{BEB9DBF3-0509-41E1-9C8D-1AEF4A86A1DC}" presName="sibTrans" presStyleCnt="0"/>
       <dgm:spPr/>
     </dgm:pt>
-    <dgm:pt modelId="{A2A65907-97B5-41E8-AD08-F92947BDB0F0}" type="pres">
-      <dgm:prSet presAssocID="{7B916CB2-B2C5-49CB-8811-078227C5C988}" presName="compNode" presStyleCnt="0"/>
+    <dgm:pt modelId="{A5AC7210-3388-49FF-A18C-E4C64EE038FD}" type="pres">
+      <dgm:prSet presAssocID="{15BB9DEC-26A2-471B-95D2-314D9EAD4FAC}" presName="compNode" presStyleCnt="0"/>
       <dgm:spPr/>
     </dgm:pt>
-    <dgm:pt modelId="{90FFD553-F667-404F-A32D-08C7D4D267A5}" type="pres">
-      <dgm:prSet presAssocID="{7B916CB2-B2C5-49CB-8811-078227C5C988}" presName="bgRect" presStyleLbl="bgShp" presStyleIdx="1" presStyleCnt="2"/>
+    <dgm:pt modelId="{9B63B372-FF8E-44B0-B2C4-4A2AF7C2FDA6}" type="pres">
+      <dgm:prSet presAssocID="{15BB9DEC-26A2-471B-95D2-314D9EAD4FAC}" presName="bgRect" presStyleLbl="bgShp" presStyleIdx="1" presStyleCnt="3"/>
       <dgm:spPr/>
     </dgm:pt>
-    <dgm:pt modelId="{36BDB621-CCD0-4AB1-A23F-A7CE9C62DDDA}" type="pres">
-      <dgm:prSet presAssocID="{7B916CB2-B2C5-49CB-8811-078227C5C988}" presName="iconRect" presStyleLbl="node1" presStyleIdx="1" presStyleCnt="2"/>
+    <dgm:pt modelId="{6419C0D5-991F-4B15-BE0F-EB13647C22E8}" type="pres">
+      <dgm:prSet presAssocID="{15BB9DEC-26A2-471B-95D2-314D9EAD4FAC}" presName="iconRect" presStyleLbl="node1" presStyleIdx="1" presStyleCnt="3"/>
       <dgm:spPr>
         <a:blipFill>
           <a:blip xmlns:r="http://schemas.openxmlformats.org/officeDocument/2006/relationships" r:embed="rId3">
@@ -2428,13 +2416,61 @@
               </a:ext>
             </a:extLst>
           </a:blip>
+          <a:srcRect/>
           <a:stretch>
             <a:fillRect/>
           </a:stretch>
         </a:blipFill>
-        <a:ln>
-          <a:noFill/>
-        </a:ln>
+      </dgm:spPr>
+      <dgm:extLst>
+        <a:ext uri="{E40237B7-FDA0-4F09-8148-C483321AD2D9}">
+          <dgm14:cNvPr xmlns:dgm14="http://schemas.microsoft.com/office/drawing/2010/diagram" id="0" name="" descr="Normal Distribution with solid fill"/>
+        </a:ext>
+      </dgm:extLst>
+    </dgm:pt>
+    <dgm:pt modelId="{62AC61FA-EAF1-40A7-A5F3-C149911B2911}" type="pres">
+      <dgm:prSet presAssocID="{15BB9DEC-26A2-471B-95D2-314D9EAD4FAC}" presName="spaceRect" presStyleCnt="0"/>
+      <dgm:spPr/>
+    </dgm:pt>
+    <dgm:pt modelId="{467E01B1-CE6D-4897-90F7-A46D217BA406}" type="pres">
+      <dgm:prSet presAssocID="{15BB9DEC-26A2-471B-95D2-314D9EAD4FAC}" presName="parTx" presStyleLbl="revTx" presStyleIdx="1" presStyleCnt="3">
+        <dgm:presLayoutVars>
+          <dgm:chMax val="0"/>
+          <dgm:chPref val="0"/>
+        </dgm:presLayoutVars>
+      </dgm:prSet>
+      <dgm:spPr/>
+    </dgm:pt>
+    <dgm:pt modelId="{475A44AA-6798-4947-BA58-C9BB4E16DB81}" type="pres">
+      <dgm:prSet presAssocID="{33480288-41C3-40A1-B163-06F6B3804E22}" presName="sibTrans" presStyleCnt="0"/>
+      <dgm:spPr/>
+    </dgm:pt>
+    <dgm:pt modelId="{A2A65907-97B5-41E8-AD08-F92947BDB0F0}" type="pres">
+      <dgm:prSet presAssocID="{7B916CB2-B2C5-49CB-8811-078227C5C988}" presName="compNode" presStyleCnt="0"/>
+      <dgm:spPr/>
+    </dgm:pt>
+    <dgm:pt modelId="{90FFD553-F667-404F-A32D-08C7D4D267A5}" type="pres">
+      <dgm:prSet presAssocID="{7B916CB2-B2C5-49CB-8811-078227C5C988}" presName="bgRect" presStyleLbl="bgShp" presStyleIdx="2" presStyleCnt="3"/>
+      <dgm:spPr/>
+    </dgm:pt>
+    <dgm:pt modelId="{36BDB621-CCD0-4AB1-A23F-A7CE9C62DDDA}" type="pres">
+      <dgm:prSet presAssocID="{7B916CB2-B2C5-49CB-8811-078227C5C988}" presName="iconRect" presStyleLbl="node1" presStyleIdx="2" presStyleCnt="3"/>
+      <dgm:spPr>
+        <a:blipFill>
+          <a:blip xmlns:r="http://schemas.openxmlformats.org/officeDocument/2006/relationships" r:embed="rId5">
+            <a:extLst>
+              <a:ext uri="{28A0092B-C50C-407E-A947-70E740481C1C}">
+                <a14:useLocalDpi xmlns:a14="http://schemas.microsoft.com/office/drawing/2010/main" val="0"/>
+              </a:ext>
+              <a:ext uri="{96DAC541-7B7A-43D3-8B79-37D633B846F1}">
+                <asvg:svgBlip xmlns:asvg="http://schemas.microsoft.com/office/drawing/2016/SVG/main" r:embed="rId6"/>
+              </a:ext>
+            </a:extLst>
+          </a:blip>
+          <a:stretch>
+            <a:fillRect/>
+          </a:stretch>
+        </a:blipFill>
       </dgm:spPr>
       <dgm:extLst>
         <a:ext uri="{E40237B7-FDA0-4F09-8148-C483321AD2D9}">
@@ -2459,19 +2495,24 @@
   <dgm:cxnLst>
     <dgm:cxn modelId="{41DFC00A-5030-44CB-A2F1-C21D5B3B45FF}" srcId="{C4C2D6F9-3B50-4566-9D82-FB59F11698EA}" destId="{BA07DD25-6B41-4815-8285-46CEFC1961DC}" srcOrd="0" destOrd="0" parTransId="{ECAE7950-64C3-406E-B8C8-9CDD958F7EBC}" sibTransId="{BEB9DBF3-0509-41E1-9C8D-1AEF4A86A1DC}"/>
     <dgm:cxn modelId="{49ADC90F-A293-4452-88AB-ED9A4B1FA470}" type="presOf" srcId="{7B916CB2-B2C5-49CB-8811-078227C5C988}" destId="{3F04134C-F1E8-4ACC-819C-40362DCA7270}" srcOrd="0" destOrd="0" presId="urn:microsoft.com/office/officeart/2018/2/layout/IconVerticalSolidList"/>
-    <dgm:cxn modelId="{4E664C11-0460-4FA9-96B8-74C99C365793}" type="presOf" srcId="{15BB9DEC-26A2-471B-95D2-314D9EAD4FAC}" destId="{AC842FDF-8EBF-4078-A90C-CB0386658F64}" srcOrd="0" destOrd="0" presId="urn:microsoft.com/office/officeart/2018/2/layout/IconVerticalSolidList"/>
     <dgm:cxn modelId="{2EFAC318-F156-4756-A4B9-665B468BD785}" type="presOf" srcId="{C4C2D6F9-3B50-4566-9D82-FB59F11698EA}" destId="{C574D6CF-9B1C-4C61-A297-A7A64D7300DD}" srcOrd="0" destOrd="0" presId="urn:microsoft.com/office/officeart/2018/2/layout/IconVerticalSolidList"/>
-    <dgm:cxn modelId="{E01DAE64-ED6A-41C5-A83E-F276497959F7}" srcId="{C4C2D6F9-3B50-4566-9D82-FB59F11698EA}" destId="{7B916CB2-B2C5-49CB-8811-078227C5C988}" srcOrd="1" destOrd="0" parTransId="{AFFABDEC-79C8-4868-A39C-1AC20DE7FE9D}" sibTransId="{5070A0AA-0EFC-4A8F-A6BA-4E5D722D6E79}"/>
+    <dgm:cxn modelId="{E01DAE64-ED6A-41C5-A83E-F276497959F7}" srcId="{C4C2D6F9-3B50-4566-9D82-FB59F11698EA}" destId="{7B916CB2-B2C5-49CB-8811-078227C5C988}" srcOrd="2" destOrd="0" parTransId="{AFFABDEC-79C8-4868-A39C-1AC20DE7FE9D}" sibTransId="{5070A0AA-0EFC-4A8F-A6BA-4E5D722D6E79}"/>
+    <dgm:cxn modelId="{4263F346-2A53-4461-BCF8-5E2E93D723ED}" type="presOf" srcId="{15BB9DEC-26A2-471B-95D2-314D9EAD4FAC}" destId="{467E01B1-CE6D-4897-90F7-A46D217BA406}" srcOrd="0" destOrd="0" presId="urn:microsoft.com/office/officeart/2018/2/layout/IconVerticalSolidList"/>
     <dgm:cxn modelId="{7BE9ABA9-5636-4EFF-9457-ED66D8DB6761}" type="presOf" srcId="{BA07DD25-6B41-4815-8285-46CEFC1961DC}" destId="{383B3F5D-8F05-43AF-B0FF-ACCE9B04FD4C}" srcOrd="0" destOrd="0" presId="urn:microsoft.com/office/officeart/2018/2/layout/IconVerticalSolidList"/>
-    <dgm:cxn modelId="{0B6889FA-26FE-4759-84CD-3D0684632241}" srcId="{BA07DD25-6B41-4815-8285-46CEFC1961DC}" destId="{15BB9DEC-26A2-471B-95D2-314D9EAD4FAC}" srcOrd="0" destOrd="0" parTransId="{7F53AE12-F048-4F21-91FF-ED569443E299}" sibTransId="{33480288-41C3-40A1-B163-06F6B3804E22}"/>
+    <dgm:cxn modelId="{0B6889FA-26FE-4759-84CD-3D0684632241}" srcId="{C4C2D6F9-3B50-4566-9D82-FB59F11698EA}" destId="{15BB9DEC-26A2-471B-95D2-314D9EAD4FAC}" srcOrd="1" destOrd="0" parTransId="{7F53AE12-F048-4F21-91FF-ED569443E299}" sibTransId="{33480288-41C3-40A1-B163-06F6B3804E22}"/>
     <dgm:cxn modelId="{BB37E156-0EF2-4141-8017-14F7D247E6E0}" type="presParOf" srcId="{C574D6CF-9B1C-4C61-A297-A7A64D7300DD}" destId="{D56AED84-77B8-4F37-9FE5-8F82B225115C}" srcOrd="0" destOrd="0" presId="urn:microsoft.com/office/officeart/2018/2/layout/IconVerticalSolidList"/>
     <dgm:cxn modelId="{66D2472E-7F29-4A91-BC7E-2A978CE6032B}" type="presParOf" srcId="{D56AED84-77B8-4F37-9FE5-8F82B225115C}" destId="{D1456FFD-0FDC-4352-8C80-3FFD8BDC8ED2}" srcOrd="0" destOrd="0" presId="urn:microsoft.com/office/officeart/2018/2/layout/IconVerticalSolidList"/>
     <dgm:cxn modelId="{202DB32B-2CFD-44DD-9E1F-9358EC051112}" type="presParOf" srcId="{D56AED84-77B8-4F37-9FE5-8F82B225115C}" destId="{EB385380-F5A2-4F9D-8341-BB8FC34CBF03}" srcOrd="1" destOrd="0" presId="urn:microsoft.com/office/officeart/2018/2/layout/IconVerticalSolidList"/>
     <dgm:cxn modelId="{6076F664-16BC-4AAE-8E32-D2849077C64C}" type="presParOf" srcId="{D56AED84-77B8-4F37-9FE5-8F82B225115C}" destId="{E9A52CE0-A4CC-4A11-9BE6-A31E4133400B}" srcOrd="2" destOrd="0" presId="urn:microsoft.com/office/officeart/2018/2/layout/IconVerticalSolidList"/>
     <dgm:cxn modelId="{1F279452-D195-4564-9408-E395A92235C5}" type="presParOf" srcId="{D56AED84-77B8-4F37-9FE5-8F82B225115C}" destId="{383B3F5D-8F05-43AF-B0FF-ACCE9B04FD4C}" srcOrd="3" destOrd="0" presId="urn:microsoft.com/office/officeart/2018/2/layout/IconVerticalSolidList"/>
-    <dgm:cxn modelId="{8789A161-6BE2-47D2-ACBF-AECABF6B4F00}" type="presParOf" srcId="{D56AED84-77B8-4F37-9FE5-8F82B225115C}" destId="{AC842FDF-8EBF-4078-A90C-CB0386658F64}" srcOrd="4" destOrd="0" presId="urn:microsoft.com/office/officeart/2018/2/layout/IconVerticalSolidList"/>
     <dgm:cxn modelId="{C87E2729-9060-4792-AE27-B0F1B5E056F3}" type="presParOf" srcId="{C574D6CF-9B1C-4C61-A297-A7A64D7300DD}" destId="{D8319854-69B5-4B0A-9ADE-F69DC032FFB6}" srcOrd="1" destOrd="0" presId="urn:microsoft.com/office/officeart/2018/2/layout/IconVerticalSolidList"/>
-    <dgm:cxn modelId="{86D1E576-D126-4001-9019-3DFCAA4C86A1}" type="presParOf" srcId="{C574D6CF-9B1C-4C61-A297-A7A64D7300DD}" destId="{A2A65907-97B5-41E8-AD08-F92947BDB0F0}" srcOrd="2" destOrd="0" presId="urn:microsoft.com/office/officeart/2018/2/layout/IconVerticalSolidList"/>
+    <dgm:cxn modelId="{7370AD57-7EEA-4C95-8307-88E26123CA4E}" type="presParOf" srcId="{C574D6CF-9B1C-4C61-A297-A7A64D7300DD}" destId="{A5AC7210-3388-49FF-A18C-E4C64EE038FD}" srcOrd="2" destOrd="0" presId="urn:microsoft.com/office/officeart/2018/2/layout/IconVerticalSolidList"/>
+    <dgm:cxn modelId="{8CF9FFE4-46D2-406F-94A6-3E699FA8E26A}" type="presParOf" srcId="{A5AC7210-3388-49FF-A18C-E4C64EE038FD}" destId="{9B63B372-FF8E-44B0-B2C4-4A2AF7C2FDA6}" srcOrd="0" destOrd="0" presId="urn:microsoft.com/office/officeart/2018/2/layout/IconVerticalSolidList"/>
+    <dgm:cxn modelId="{64B0F03A-C8EB-406E-BC18-44F259628C40}" type="presParOf" srcId="{A5AC7210-3388-49FF-A18C-E4C64EE038FD}" destId="{6419C0D5-991F-4B15-BE0F-EB13647C22E8}" srcOrd="1" destOrd="0" presId="urn:microsoft.com/office/officeart/2018/2/layout/IconVerticalSolidList"/>
+    <dgm:cxn modelId="{8D6BAA71-86AD-481F-B87B-A9470A544087}" type="presParOf" srcId="{A5AC7210-3388-49FF-A18C-E4C64EE038FD}" destId="{62AC61FA-EAF1-40A7-A5F3-C149911B2911}" srcOrd="2" destOrd="0" presId="urn:microsoft.com/office/officeart/2018/2/layout/IconVerticalSolidList"/>
+    <dgm:cxn modelId="{F1FBB513-52C5-486B-8641-31338430CBC3}" type="presParOf" srcId="{A5AC7210-3388-49FF-A18C-E4C64EE038FD}" destId="{467E01B1-CE6D-4897-90F7-A46D217BA406}" srcOrd="3" destOrd="0" presId="urn:microsoft.com/office/officeart/2018/2/layout/IconVerticalSolidList"/>
+    <dgm:cxn modelId="{09574515-B4DC-43FD-864E-3EBC2C1A6BD0}" type="presParOf" srcId="{C574D6CF-9B1C-4C61-A297-A7A64D7300DD}" destId="{475A44AA-6798-4947-BA58-C9BB4E16DB81}" srcOrd="3" destOrd="0" presId="urn:microsoft.com/office/officeart/2018/2/layout/IconVerticalSolidList"/>
+    <dgm:cxn modelId="{86D1E576-D126-4001-9019-3DFCAA4C86A1}" type="presParOf" srcId="{C574D6CF-9B1C-4C61-A297-A7A64D7300DD}" destId="{A2A65907-97B5-41E8-AD08-F92947BDB0F0}" srcOrd="4" destOrd="0" presId="urn:microsoft.com/office/officeart/2018/2/layout/IconVerticalSolidList"/>
     <dgm:cxn modelId="{A875A903-0EA4-4EED-ABD2-3EF6AA43CC08}" type="presParOf" srcId="{A2A65907-97B5-41E8-AD08-F92947BDB0F0}" destId="{90FFD553-F667-404F-A32D-08C7D4D267A5}" srcOrd="0" destOrd="0" presId="urn:microsoft.com/office/officeart/2018/2/layout/IconVerticalSolidList"/>
     <dgm:cxn modelId="{70F5E332-6F92-4687-B10A-6AE75C8CD422}" type="presParOf" srcId="{A2A65907-97B5-41E8-AD08-F92947BDB0F0}" destId="{36BDB621-CCD0-4AB1-A23F-A7CE9C62DDDA}" srcOrd="1" destOrd="0" presId="urn:microsoft.com/office/officeart/2018/2/layout/IconVerticalSolidList"/>
     <dgm:cxn modelId="{1DE384FE-9E65-41A5-8307-69DAE68F7B7D}" type="presParOf" srcId="{A2A65907-97B5-41E8-AD08-F92947BDB0F0}" destId="{7E611F18-468D-402F-99CE-A69524A77FCA}" srcOrd="2" destOrd="0" presId="urn:microsoft.com/office/officeart/2018/2/layout/IconVerticalSolidList"/>
@@ -2967,8 +3008,8 @@
       </dsp:nvSpPr>
       <dsp:spPr>
         <a:xfrm>
-          <a:off x="0" y="707288"/>
-          <a:ext cx="7886700" cy="1305763"/>
+          <a:off x="0" y="531"/>
+          <a:ext cx="7886700" cy="1243280"/>
         </a:xfrm>
         <a:prstGeom prst="roundRect">
           <a:avLst>
@@ -2976,8 +3017,8 @@
           </a:avLst>
         </a:prstGeom>
         <a:solidFill>
-          <a:schemeClr val="bg1">
-            <a:lumMod val="95000"/>
+          <a:schemeClr val="accent5">
+            <a:tint val="40000"/>
             <a:hueOff val="0"/>
             <a:satOff val="0"/>
             <a:lumOff val="0"/>
@@ -2996,7 +3037,7 @@
         <a:fillRef idx="1">
           <a:scrgbClr r="0" g="0" b="0"/>
         </a:fillRef>
-        <a:effectRef idx="0">
+        <a:effectRef idx="2">
           <a:scrgbClr r="0" g="0" b="0"/>
         </a:effectRef>
         <a:fontRef idx="minor"/>
@@ -3009,8 +3050,8 @@
       </dsp:nvSpPr>
       <dsp:spPr>
         <a:xfrm>
-          <a:off x="394993" y="1001085"/>
-          <a:ext cx="718169" cy="718169"/>
+          <a:off x="376092" y="280269"/>
+          <a:ext cx="683804" cy="683804"/>
         </a:xfrm>
         <a:prstGeom prst="rect">
           <a:avLst/>
@@ -3018,33 +3059,29 @@
         <a:blipFill>
           <a:blip xmlns:r="http://schemas.openxmlformats.org/officeDocument/2006/relationships" r:embed="rId1">
             <a:extLst>
-              <a:ext uri="{28A0092B-C50C-407E-A947-70E740481C1C}">
-                <a14:useLocalDpi xmlns:a14="http://schemas.microsoft.com/office/drawing/2010/main" val="0"/>
-              </a:ext>
               <a:ext uri="{96DAC541-7B7A-43D3-8B79-37D633B846F1}">
                 <asvg:svgBlip xmlns:asvg="http://schemas.microsoft.com/office/drawing/2016/SVG/main" r:embed="rId2"/>
               </a:ext>
             </a:extLst>
           </a:blip>
+          <a:srcRect/>
           <a:stretch>
             <a:fillRect/>
           </a:stretch>
         </a:blipFill>
-        <a:ln w="12700" cap="flat" cmpd="sng" algn="ctr">
+        <a:ln>
           <a:noFill/>
-          <a:prstDash val="solid"/>
-          <a:miter lim="800000"/>
         </a:ln>
         <a:effectLst/>
       </dsp:spPr>
       <dsp:style>
-        <a:lnRef idx="2">
+        <a:lnRef idx="0">
           <a:scrgbClr r="0" g="0" b="0"/>
         </a:lnRef>
-        <a:fillRef idx="1">
+        <a:fillRef idx="3">
           <a:scrgbClr r="0" g="0" b="0"/>
         </a:fillRef>
-        <a:effectRef idx="0">
+        <a:effectRef idx="2">
           <a:scrgbClr r="0" g="0" b="0"/>
         </a:effectRef>
         <a:fontRef idx="minor">
@@ -3059,8 +3096,8 @@
       </dsp:nvSpPr>
       <dsp:spPr>
         <a:xfrm>
-          <a:off x="1508156" y="707288"/>
-          <a:ext cx="3549015" cy="1305763"/>
+          <a:off x="1435988" y="531"/>
+          <a:ext cx="6450711" cy="1243280"/>
         </a:xfrm>
         <a:prstGeom prst="rect">
           <a:avLst/>
@@ -3084,12 +3121,12 @@
         <a:fontRef idx="minor"/>
       </dsp:style>
       <dsp:txBody>
-        <a:bodyPr spcFirstLastPara="0" vert="horz" wrap="square" lIns="138193" tIns="138193" rIns="138193" bIns="138193" numCol="1" spcCol="1270" anchor="ctr" anchorCtr="0">
+        <a:bodyPr spcFirstLastPara="0" vert="horz" wrap="square" lIns="131581" tIns="131581" rIns="131581" bIns="131581" numCol="1" spcCol="1270" anchor="ctr" anchorCtr="0">
           <a:noAutofit/>
         </a:bodyPr>
         <a:lstStyle/>
         <a:p>
-          <a:pPr marL="0" lvl="0" indent="0" algn="l" defTabSz="1066800">
+          <a:pPr marL="0" lvl="0" indent="0" algn="l" defTabSz="977900">
             <a:lnSpc>
               <a:spcPct val="100000"/>
             </a:lnSpc>
@@ -3102,30 +3139,121 @@
             <a:buNone/>
           </a:pPr>
           <a:r>
-            <a:rPr lang="en-US" sz="2400" kern="1200" dirty="0"/>
+            <a:rPr lang="en-US" sz="2200" kern="1200" dirty="0"/>
             <a:t>Bayesian networks can be used as </a:t>
           </a:r>
           <a:r>
-            <a:rPr lang="en-US" sz="2400" i="1" kern="1200" dirty="0"/>
-            <a:t>generative models</a:t>
+            <a:rPr lang="en-US" sz="2200" b="1" i="1" kern="1200" dirty="0"/>
+            <a:t>generative models.</a:t>
           </a:r>
-          <a:endParaRPr lang="en-US" sz="2400" kern="1200" dirty="0"/>
+          <a:endParaRPr lang="en-US" sz="2200" b="1" kern="1200" dirty="0"/>
         </a:p>
       </dsp:txBody>
       <dsp:txXfrm>
-        <a:off x="1508156" y="707288"/>
-        <a:ext cx="3549015" cy="1305763"/>
+        <a:off x="1435988" y="531"/>
+        <a:ext cx="6450711" cy="1243280"/>
       </dsp:txXfrm>
     </dsp:sp>
-    <dsp:sp modelId="{AC842FDF-8EBF-4078-A90C-CB0386658F64}">
+    <dsp:sp modelId="{9B63B372-FF8E-44B0-B2C4-4A2AF7C2FDA6}">
       <dsp:nvSpPr>
         <dsp:cNvPr id="0" name=""/>
         <dsp:cNvSpPr/>
       </dsp:nvSpPr>
       <dsp:spPr>
         <a:xfrm>
-          <a:off x="5057171" y="707288"/>
-          <a:ext cx="2829528" cy="1305763"/>
+          <a:off x="0" y="1554631"/>
+          <a:ext cx="7886700" cy="1243280"/>
+        </a:xfrm>
+        <a:prstGeom prst="roundRect">
+          <a:avLst>
+            <a:gd name="adj" fmla="val 10000"/>
+          </a:avLst>
+        </a:prstGeom>
+        <a:solidFill>
+          <a:schemeClr val="accent5">
+            <a:tint val="40000"/>
+            <a:hueOff val="0"/>
+            <a:satOff val="0"/>
+            <a:lumOff val="0"/>
+            <a:alphaOff val="0"/>
+          </a:schemeClr>
+        </a:solidFill>
+        <a:ln>
+          <a:noFill/>
+        </a:ln>
+        <a:effectLst/>
+      </dsp:spPr>
+      <dsp:style>
+        <a:lnRef idx="0">
+          <a:scrgbClr r="0" g="0" b="0"/>
+        </a:lnRef>
+        <a:fillRef idx="1">
+          <a:scrgbClr r="0" g="0" b="0"/>
+        </a:fillRef>
+        <a:effectRef idx="2">
+          <a:scrgbClr r="0" g="0" b="0"/>
+        </a:effectRef>
+        <a:fontRef idx="minor"/>
+      </dsp:style>
+    </dsp:sp>
+    <dsp:sp modelId="{6419C0D5-991F-4B15-BE0F-EB13647C22E8}">
+      <dsp:nvSpPr>
+        <dsp:cNvPr id="0" name=""/>
+        <dsp:cNvSpPr/>
+      </dsp:nvSpPr>
+      <dsp:spPr>
+        <a:xfrm>
+          <a:off x="376092" y="1834369"/>
+          <a:ext cx="683804" cy="683804"/>
+        </a:xfrm>
+        <a:prstGeom prst="rect">
+          <a:avLst/>
+        </a:prstGeom>
+        <a:blipFill>
+          <a:blip xmlns:r="http://schemas.openxmlformats.org/officeDocument/2006/relationships" r:embed="rId3">
+            <a:extLst>
+              <a:ext uri="{28A0092B-C50C-407E-A947-70E740481C1C}">
+                <a14:useLocalDpi xmlns:a14="http://schemas.microsoft.com/office/drawing/2010/main" val="0"/>
+              </a:ext>
+              <a:ext uri="{96DAC541-7B7A-43D3-8B79-37D633B846F1}">
+                <asvg:svgBlip xmlns:asvg="http://schemas.microsoft.com/office/drawing/2016/SVG/main" r:embed="rId4"/>
+              </a:ext>
+            </a:extLst>
+          </a:blip>
+          <a:srcRect/>
+          <a:stretch>
+            <a:fillRect/>
+          </a:stretch>
+        </a:blipFill>
+        <a:ln>
+          <a:noFill/>
+        </a:ln>
+        <a:effectLst/>
+      </dsp:spPr>
+      <dsp:style>
+        <a:lnRef idx="0">
+          <a:scrgbClr r="0" g="0" b="0"/>
+        </a:lnRef>
+        <a:fillRef idx="3">
+          <a:scrgbClr r="0" g="0" b="0"/>
+        </a:fillRef>
+        <a:effectRef idx="2">
+          <a:scrgbClr r="0" g="0" b="0"/>
+        </a:effectRef>
+        <a:fontRef idx="minor">
+          <a:schemeClr val="lt1"/>
+        </a:fontRef>
+      </dsp:style>
+    </dsp:sp>
+    <dsp:sp modelId="{467E01B1-CE6D-4897-90F7-A46D217BA406}">
+      <dsp:nvSpPr>
+        <dsp:cNvPr id="0" name=""/>
+        <dsp:cNvSpPr/>
+      </dsp:nvSpPr>
+      <dsp:spPr>
+        <a:xfrm>
+          <a:off x="1435988" y="1554631"/>
+          <a:ext cx="6450711" cy="1243280"/>
         </a:xfrm>
         <a:prstGeom prst="rect">
           <a:avLst/>
@@ -3149,12 +3277,12 @@
         <a:fontRef idx="minor"/>
       </dsp:style>
       <dsp:txBody>
-        <a:bodyPr spcFirstLastPara="0" vert="horz" wrap="square" lIns="138193" tIns="138193" rIns="138193" bIns="138193" numCol="1" spcCol="1270" anchor="ctr" anchorCtr="0">
+        <a:bodyPr spcFirstLastPara="0" vert="horz" wrap="square" lIns="131581" tIns="131581" rIns="131581" bIns="131581" numCol="1" spcCol="1270" anchor="ctr" anchorCtr="0">
           <a:noAutofit/>
         </a:bodyPr>
         <a:lstStyle/>
         <a:p>
-          <a:pPr marL="0" lvl="0" indent="0" algn="l" defTabSz="800100">
+          <a:pPr marL="0" lvl="0" indent="0" algn="l" defTabSz="977900">
             <a:lnSpc>
               <a:spcPct val="100000"/>
             </a:lnSpc>
@@ -3167,14 +3295,14 @@
             <a:buNone/>
           </a:pPr>
           <a:r>
-            <a:rPr lang="en-US" sz="1800" kern="1200"/>
-            <a:t>Allows us to efficiently generate samples from the joint distribution</a:t>
+            <a:rPr lang="en-US" sz="2200" kern="1200" dirty="0"/>
+            <a:t>Allows us to efficiently generate samples from the joint distribution.</a:t>
           </a:r>
         </a:p>
       </dsp:txBody>
       <dsp:txXfrm>
-        <a:off x="5057171" y="707288"/>
-        <a:ext cx="2829528" cy="1305763"/>
+        <a:off x="1435988" y="1554631"/>
+        <a:ext cx="6450711" cy="1243280"/>
       </dsp:txXfrm>
     </dsp:sp>
     <dsp:sp modelId="{90FFD553-F667-404F-A32D-08C7D4D267A5}">
@@ -3184,8 +3312,8 @@
       </dsp:nvSpPr>
       <dsp:spPr>
         <a:xfrm>
-          <a:off x="0" y="2339492"/>
-          <a:ext cx="7886700" cy="1305763"/>
+          <a:off x="0" y="3108732"/>
+          <a:ext cx="7886700" cy="1243280"/>
         </a:xfrm>
         <a:prstGeom prst="roundRect">
           <a:avLst>
@@ -3193,8 +3321,8 @@
           </a:avLst>
         </a:prstGeom>
         <a:solidFill>
-          <a:schemeClr val="bg1">
-            <a:lumMod val="95000"/>
+          <a:schemeClr val="accent5">
+            <a:tint val="40000"/>
             <a:hueOff val="0"/>
             <a:satOff val="0"/>
             <a:lumOff val="0"/>
@@ -3213,7 +3341,7 @@
         <a:fillRef idx="1">
           <a:scrgbClr r="0" g="0" b="0"/>
         </a:fillRef>
-        <a:effectRef idx="0">
+        <a:effectRef idx="2">
           <a:scrgbClr r="0" g="0" b="0"/>
         </a:effectRef>
         <a:fontRef idx="minor"/>
@@ -3226,20 +3354,20 @@
       </dsp:nvSpPr>
       <dsp:spPr>
         <a:xfrm>
-          <a:off x="394993" y="2633289"/>
-          <a:ext cx="718169" cy="718169"/>
+          <a:off x="376092" y="3388470"/>
+          <a:ext cx="683804" cy="683804"/>
         </a:xfrm>
         <a:prstGeom prst="rect">
           <a:avLst/>
         </a:prstGeom>
         <a:blipFill>
-          <a:blip xmlns:r="http://schemas.openxmlformats.org/officeDocument/2006/relationships" r:embed="rId3">
+          <a:blip xmlns:r="http://schemas.openxmlformats.org/officeDocument/2006/relationships" r:embed="rId5">
             <a:extLst>
               <a:ext uri="{28A0092B-C50C-407E-A947-70E740481C1C}">
                 <a14:useLocalDpi xmlns:a14="http://schemas.microsoft.com/office/drawing/2010/main" val="0"/>
               </a:ext>
               <a:ext uri="{96DAC541-7B7A-43D3-8B79-37D633B846F1}">
-                <asvg:svgBlip xmlns:asvg="http://schemas.microsoft.com/office/drawing/2016/SVG/main" r:embed="rId4"/>
+                <asvg:svgBlip xmlns:asvg="http://schemas.microsoft.com/office/drawing/2016/SVG/main" r:embed="rId6"/>
               </a:ext>
             </a:extLst>
           </a:blip>
@@ -3247,21 +3375,19 @@
             <a:fillRect/>
           </a:stretch>
         </a:blipFill>
-        <a:ln w="12700" cap="flat" cmpd="sng" algn="ctr">
+        <a:ln>
           <a:noFill/>
-          <a:prstDash val="solid"/>
-          <a:miter lim="800000"/>
         </a:ln>
         <a:effectLst/>
       </dsp:spPr>
       <dsp:style>
-        <a:lnRef idx="2">
+        <a:lnRef idx="0">
           <a:scrgbClr r="0" g="0" b="0"/>
         </a:lnRef>
-        <a:fillRef idx="1">
+        <a:fillRef idx="3">
           <a:scrgbClr r="0" g="0" b="0"/>
         </a:fillRef>
-        <a:effectRef idx="0">
+        <a:effectRef idx="2">
           <a:scrgbClr r="0" g="0" b="0"/>
         </a:effectRef>
         <a:fontRef idx="minor">
@@ -3276,8 +3402,8 @@
       </dsp:nvSpPr>
       <dsp:spPr>
         <a:xfrm>
-          <a:off x="1508156" y="2339492"/>
-          <a:ext cx="6378543" cy="1305763"/>
+          <a:off x="1435988" y="3108732"/>
+          <a:ext cx="6450711" cy="1243280"/>
         </a:xfrm>
         <a:prstGeom prst="rect">
           <a:avLst/>
@@ -3301,12 +3427,12 @@
         <a:fontRef idx="minor"/>
       </dsp:style>
       <dsp:txBody>
-        <a:bodyPr spcFirstLastPara="0" vert="horz" wrap="square" lIns="138193" tIns="138193" rIns="138193" bIns="138193" numCol="1" spcCol="1270" anchor="ctr" anchorCtr="0">
+        <a:bodyPr spcFirstLastPara="0" vert="horz" wrap="square" lIns="131581" tIns="131581" rIns="131581" bIns="131581" numCol="1" spcCol="1270" anchor="ctr" anchorCtr="0">
           <a:noAutofit/>
         </a:bodyPr>
         <a:lstStyle/>
         <a:p>
-          <a:pPr marL="0" lvl="0" indent="0" algn="l" defTabSz="1066800">
+          <a:pPr marL="0" lvl="0" indent="0" algn="l" defTabSz="977900">
             <a:lnSpc>
               <a:spcPct val="100000"/>
             </a:lnSpc>
@@ -3319,18 +3445,18 @@
             <a:buNone/>
           </a:pPr>
           <a:r>
-            <a:rPr lang="en-US" sz="2400" b="1" kern="1200" dirty="0"/>
+            <a:rPr lang="en-US" sz="2200" b="1" kern="1200" dirty="0"/>
             <a:t>Idea</a:t>
           </a:r>
           <a:r>
-            <a:rPr lang="en-US" sz="2400" kern="1200" dirty="0"/>
-            <a:t>: Sample from the network to estimate joint and conditional probability distributions.</a:t>
+            <a:rPr lang="en-US" sz="2200" kern="1200" dirty="0"/>
+            <a:t>: Generate samples from the network to estimate joint and conditional probability distributions.</a:t>
           </a:r>
         </a:p>
       </dsp:txBody>
       <dsp:txXfrm>
-        <a:off x="1508156" y="2339492"/>
-        <a:ext cx="6378543" cy="1305763"/>
+        <a:off x="1435988" y="3108732"/>
+        <a:ext cx="6450711" cy="1243280"/>
       </dsp:txXfrm>
     </dsp:sp>
   </dsp:spTree>
@@ -4960,11 +5086,11 @@
 </file>
 
 <file path=ppt/diagrams/quickStyle2.xml><?xml version="1.0" encoding="utf-8"?>
-<dgm:styleDef xmlns:dgm="http://schemas.openxmlformats.org/drawingml/2006/diagram" xmlns:a="http://schemas.openxmlformats.org/drawingml/2006/main" uniqueId="urn:microsoft.com/office/officeart/2005/8/quickstyle/simple1">
+<dgm:styleDef xmlns:dgm="http://schemas.openxmlformats.org/drawingml/2006/diagram" xmlns:a="http://schemas.openxmlformats.org/drawingml/2006/main" uniqueId="urn:microsoft.com/office/officeart/2005/8/quickstyle/simple4">
   <dgm:title val=""/>
   <dgm:desc val=""/>
   <dgm:catLst>
-    <dgm:cat type="simple" pri="10100"/>
+    <dgm:cat type="simple" pri="10400"/>
   </dgm:catLst>
   <dgm:scene3d>
     <a:camera prst="orthographicFront"/>
@@ -4978,13 +5104,13 @@
     <dgm:sp3d/>
     <dgm:txPr/>
     <dgm:style>
-      <a:lnRef idx="2">
+      <a:lnRef idx="0">
         <a:scrgbClr r="0" g="0" b="0"/>
       </a:lnRef>
-      <a:fillRef idx="1">
+      <a:fillRef idx="3">
         <a:scrgbClr r="0" g="0" b="0"/>
       </a:fillRef>
-      <a:effectRef idx="0">
+      <a:effectRef idx="2">
         <a:scrgbClr r="0" g="0" b="0"/>
       </a:effectRef>
       <a:fontRef idx="minor">
@@ -5000,13 +5126,13 @@
     <dgm:sp3d/>
     <dgm:txPr/>
     <dgm:style>
-      <a:lnRef idx="2">
+      <a:lnRef idx="1">
         <a:scrgbClr r="0" g="0" b="0"/>
       </a:lnRef>
-      <a:fillRef idx="1">
+      <a:fillRef idx="3">
         <a:scrgbClr r="0" g="0" b="0"/>
       </a:fillRef>
-      <a:effectRef idx="0">
+      <a:effectRef idx="2">
         <a:scrgbClr r="0" g="0" b="0"/>
       </a:effectRef>
       <a:fontRef idx="minor">
@@ -5022,10 +5148,10 @@
     <dgm:sp3d/>
     <dgm:txPr/>
     <dgm:style>
-      <a:lnRef idx="2">
+      <a:lnRef idx="0">
         <a:scrgbClr r="0" g="0" b="0"/>
       </a:lnRef>
-      <a:fillRef idx="1">
+      <a:fillRef idx="3">
         <a:scrgbClr r="0" g="0" b="0"/>
       </a:fillRef>
       <a:effectRef idx="0">
@@ -5044,13 +5170,13 @@
     <dgm:sp3d/>
     <dgm:txPr/>
     <dgm:style>
-      <a:lnRef idx="2">
+      <a:lnRef idx="1">
         <a:scrgbClr r="0" g="0" b="0"/>
       </a:lnRef>
-      <a:fillRef idx="1">
+      <a:fillRef idx="3">
         <a:scrgbClr r="0" g="0" b="0"/>
       </a:fillRef>
-      <a:effectRef idx="0">
+      <a:effectRef idx="2">
         <a:scrgbClr r="0" g="0" b="0"/>
       </a:effectRef>
       <a:fontRef idx="minor">
@@ -5066,13 +5192,13 @@
     <dgm:sp3d/>
     <dgm:txPr/>
     <dgm:style>
-      <a:lnRef idx="2">
+      <a:lnRef idx="0">
         <a:scrgbClr r="0" g="0" b="0"/>
       </a:lnRef>
-      <a:fillRef idx="1">
+      <a:fillRef idx="3">
         <a:scrgbClr r="0" g="0" b="0"/>
       </a:fillRef>
-      <a:effectRef idx="0">
+      <a:effectRef idx="2">
         <a:scrgbClr r="0" g="0" b="0"/>
       </a:effectRef>
       <a:fontRef idx="minor">
@@ -5088,13 +5214,13 @@
     <dgm:sp3d/>
     <dgm:txPr/>
     <dgm:style>
-      <a:lnRef idx="2">
+      <a:lnRef idx="0">
         <a:scrgbClr r="0" g="0" b="0"/>
       </a:lnRef>
-      <a:fillRef idx="1">
+      <a:fillRef idx="3">
         <a:scrgbClr r="0" g="0" b="0"/>
       </a:fillRef>
-      <a:effectRef idx="0">
+      <a:effectRef idx="2">
         <a:scrgbClr r="0" g="0" b="0"/>
       </a:effectRef>
       <a:fontRef idx="minor">
@@ -5110,13 +5236,13 @@
     <dgm:sp3d/>
     <dgm:txPr/>
     <dgm:style>
-      <a:lnRef idx="2">
+      <a:lnRef idx="0">
         <a:scrgbClr r="0" g="0" b="0"/>
       </a:lnRef>
-      <a:fillRef idx="1">
+      <a:fillRef idx="3">
         <a:scrgbClr r="0" g="0" b="0"/>
       </a:fillRef>
-      <a:effectRef idx="0">
+      <a:effectRef idx="2">
         <a:scrgbClr r="0" g="0" b="0"/>
       </a:effectRef>
       <a:fontRef idx="minor">
@@ -5132,13 +5258,13 @@
     <dgm:sp3d/>
     <dgm:txPr/>
     <dgm:style>
-      <a:lnRef idx="2">
+      <a:lnRef idx="0">
         <a:scrgbClr r="0" g="0" b="0"/>
       </a:lnRef>
-      <a:fillRef idx="1">
+      <a:fillRef idx="3">
         <a:scrgbClr r="0" g="0" b="0"/>
       </a:fillRef>
-      <a:effectRef idx="0">
+      <a:effectRef idx="2">
         <a:scrgbClr r="0" g="0" b="0"/>
       </a:effectRef>
       <a:fontRef idx="minor">
@@ -5154,13 +5280,13 @@
     <dgm:sp3d/>
     <dgm:txPr/>
     <dgm:style>
-      <a:lnRef idx="2">
+      <a:lnRef idx="0">
         <a:scrgbClr r="0" g="0" b="0"/>
       </a:lnRef>
       <a:fillRef idx="1">
         <a:scrgbClr r="0" g="0" b="0"/>
       </a:fillRef>
-      <a:effectRef idx="0">
+      <a:effectRef idx="2">
         <a:scrgbClr r="0" g="0" b="0"/>
       </a:effectRef>
       <a:fontRef idx="minor"/>
@@ -5174,13 +5300,13 @@
     <dgm:sp3d/>
     <dgm:txPr/>
     <dgm:style>
-      <a:lnRef idx="2">
+      <a:lnRef idx="0">
         <a:scrgbClr r="0" g="0" b="0"/>
       </a:lnRef>
       <a:fillRef idx="1">
         <a:scrgbClr r="0" g="0" b="0"/>
       </a:fillRef>
-      <a:effectRef idx="0">
+      <a:effectRef idx="2">
         <a:scrgbClr r="0" g="0" b="0"/>
       </a:effectRef>
       <a:fontRef idx="minor"/>
@@ -5194,13 +5320,13 @@
     <dgm:sp3d/>
     <dgm:txPr/>
     <dgm:style>
-      <a:lnRef idx="2">
+      <a:lnRef idx="0">
         <a:scrgbClr r="0" g="0" b="0"/>
       </a:lnRef>
       <a:fillRef idx="1">
         <a:scrgbClr r="0" g="0" b="0"/>
       </a:fillRef>
-      <a:effectRef idx="0">
+      <a:effectRef idx="2">
         <a:scrgbClr r="0" g="0" b="0"/>
       </a:effectRef>
       <a:fontRef idx="minor"/>
@@ -5217,10 +5343,10 @@
       <a:lnRef idx="0">
         <a:scrgbClr r="0" g="0" b="0"/>
       </a:lnRef>
-      <a:fillRef idx="1">
+      <a:fillRef idx="3">
         <a:scrgbClr r="0" g="0" b="0"/>
       </a:fillRef>
-      <a:effectRef idx="0">
+      <a:effectRef idx="2">
         <a:scrgbClr r="0" g="0" b="0"/>
       </a:effectRef>
       <a:fontRef idx="minor">
@@ -5239,10 +5365,10 @@
       <a:lnRef idx="0">
         <a:scrgbClr r="0" g="0" b="0"/>
       </a:lnRef>
-      <a:fillRef idx="1">
+      <a:fillRef idx="3">
         <a:scrgbClr r="0" g="0" b="0"/>
       </a:fillRef>
-      <a:effectRef idx="0">
+      <a:effectRef idx="2">
         <a:scrgbClr r="0" g="0" b="0"/>
       </a:effectRef>
       <a:fontRef idx="minor">
@@ -5261,10 +5387,10 @@
       <a:lnRef idx="0">
         <a:scrgbClr r="0" g="0" b="0"/>
       </a:lnRef>
-      <a:fillRef idx="1">
+      <a:fillRef idx="3">
         <a:scrgbClr r="0" g="0" b="0"/>
       </a:fillRef>
-      <a:effectRef idx="0">
+      <a:effectRef idx="2">
         <a:scrgbClr r="0" g="0" b="0"/>
       </a:effectRef>
       <a:fontRef idx="minor">
@@ -5306,7 +5432,7 @@
       <a:fillRef idx="1">
         <a:scrgbClr r="0" g="0" b="0"/>
       </a:fillRef>
-      <a:effectRef idx="0">
+      <a:effectRef idx="1">
         <a:scrgbClr r="0" g="0" b="0"/>
       </a:effectRef>
       <a:fontRef idx="minor"/>
@@ -5320,13 +5446,13 @@
     <dgm:sp3d/>
     <dgm:txPr/>
     <dgm:style>
-      <a:lnRef idx="2">
+      <a:lnRef idx="0">
         <a:scrgbClr r="0" g="0" b="0"/>
       </a:lnRef>
-      <a:fillRef idx="1">
+      <a:fillRef idx="3">
         <a:scrgbClr r="0" g="0" b="0"/>
       </a:fillRef>
-      <a:effectRef idx="0">
+      <a:effectRef idx="2">
         <a:scrgbClr r="0" g="0" b="0"/>
       </a:effectRef>
       <a:fontRef idx="minor">
@@ -5342,13 +5468,13 @@
     <dgm:sp3d/>
     <dgm:txPr/>
     <dgm:style>
-      <a:lnRef idx="2">
+      <a:lnRef idx="0">
         <a:scrgbClr r="0" g="0" b="0"/>
       </a:lnRef>
-      <a:fillRef idx="1">
+      <a:fillRef idx="3">
         <a:scrgbClr r="0" g="0" b="0"/>
       </a:fillRef>
-      <a:effectRef idx="0">
+      <a:effectRef idx="2">
         <a:scrgbClr r="0" g="0" b="0"/>
       </a:effectRef>
       <a:fontRef idx="minor">
@@ -5364,13 +5490,13 @@
     <dgm:sp3d/>
     <dgm:txPr/>
     <dgm:style>
-      <a:lnRef idx="2">
+      <a:lnRef idx="0">
         <a:scrgbClr r="0" g="0" b="0"/>
       </a:lnRef>
-      <a:fillRef idx="1">
+      <a:fillRef idx="3">
         <a:scrgbClr r="0" g="0" b="0"/>
       </a:fillRef>
-      <a:effectRef idx="0">
+      <a:effectRef idx="2">
         <a:scrgbClr r="0" g="0" b="0"/>
       </a:effectRef>
       <a:fontRef idx="minor">
@@ -5386,13 +5512,13 @@
     <dgm:sp3d/>
     <dgm:txPr/>
     <dgm:style>
-      <a:lnRef idx="2">
+      <a:lnRef idx="0">
         <a:scrgbClr r="0" g="0" b="0"/>
       </a:lnRef>
-      <a:fillRef idx="1">
+      <a:fillRef idx="3">
         <a:scrgbClr r="0" g="0" b="0"/>
       </a:fillRef>
-      <a:effectRef idx="0">
+      <a:effectRef idx="2">
         <a:scrgbClr r="0" g="0" b="0"/>
       </a:effectRef>
       <a:fontRef idx="minor">
@@ -5408,13 +5534,13 @@
     <dgm:sp3d/>
     <dgm:txPr/>
     <dgm:style>
-      <a:lnRef idx="2">
+      <a:lnRef idx="0">
         <a:scrgbClr r="0" g="0" b="0"/>
       </a:lnRef>
-      <a:fillRef idx="1">
+      <a:fillRef idx="3">
         <a:scrgbClr r="0" g="0" b="0"/>
       </a:fillRef>
-      <a:effectRef idx="0">
+      <a:effectRef idx="2">
         <a:scrgbClr r="0" g="0" b="0"/>
       </a:effectRef>
       <a:fontRef idx="minor">
@@ -5430,13 +5556,13 @@
     <dgm:sp3d/>
     <dgm:txPr/>
     <dgm:style>
-      <a:lnRef idx="2">
+      <a:lnRef idx="0">
         <a:scrgbClr r="0" g="0" b="0"/>
       </a:lnRef>
-      <a:fillRef idx="1">
+      <a:fillRef idx="3">
         <a:scrgbClr r="0" g="0" b="0"/>
       </a:fillRef>
-      <a:effectRef idx="0">
+      <a:effectRef idx="2">
         <a:scrgbClr r="0" g="0" b="0"/>
       </a:effectRef>
       <a:fontRef idx="minor">
@@ -5452,13 +5578,13 @@
     <dgm:sp3d/>
     <dgm:txPr/>
     <dgm:style>
-      <a:lnRef idx="2">
+      <a:lnRef idx="0">
         <a:scrgbClr r="0" g="0" b="0"/>
       </a:lnRef>
-      <a:fillRef idx="1">
+      <a:fillRef idx="3">
         <a:scrgbClr r="0" g="0" b="0"/>
       </a:fillRef>
-      <a:effectRef idx="0">
+      <a:effectRef idx="2">
         <a:scrgbClr r="0" g="0" b="0"/>
       </a:effectRef>
       <a:fontRef idx="minor">
@@ -5474,13 +5600,13 @@
     <dgm:sp3d/>
     <dgm:txPr/>
     <dgm:style>
-      <a:lnRef idx="2">
+      <a:lnRef idx="1">
         <a:scrgbClr r="0" g="0" b="0"/>
       </a:lnRef>
-      <a:fillRef idx="1">
+      <a:fillRef idx="3">
         <a:scrgbClr r="0" g="0" b="0"/>
       </a:fillRef>
-      <a:effectRef idx="0">
+      <a:effectRef idx="2">
         <a:scrgbClr r="0" g="0" b="0"/>
       </a:effectRef>
       <a:fontRef idx="minor">
@@ -5496,13 +5622,13 @@
     <dgm:sp3d/>
     <dgm:txPr/>
     <dgm:style>
-      <a:lnRef idx="2">
+      <a:lnRef idx="1">
         <a:scrgbClr r="0" g="0" b="0"/>
       </a:lnRef>
-      <a:fillRef idx="1">
+      <a:fillRef idx="3">
         <a:scrgbClr r="0" g="0" b="0"/>
       </a:fillRef>
-      <a:effectRef idx="0">
+      <a:effectRef idx="2">
         <a:scrgbClr r="0" g="0" b="0"/>
       </a:effectRef>
       <a:fontRef idx="minor">
@@ -5518,7 +5644,7 @@
     <dgm:sp3d/>
     <dgm:txPr/>
     <dgm:style>
-      <a:lnRef idx="2">
+      <a:lnRef idx="1">
         <a:scrgbClr r="0" g="0" b="0"/>
       </a:lnRef>
       <a:fillRef idx="0">
@@ -5538,7 +5664,7 @@
     <dgm:sp3d/>
     <dgm:txPr/>
     <dgm:style>
-      <a:lnRef idx="2">
+      <a:lnRef idx="1">
         <a:scrgbClr r="0" g="0" b="0"/>
       </a:lnRef>
       <a:fillRef idx="0">
@@ -5558,7 +5684,7 @@
     <dgm:sp3d/>
     <dgm:txPr/>
     <dgm:style>
-      <a:lnRef idx="2">
+      <a:lnRef idx="1">
         <a:scrgbClr r="0" g="0" b="0"/>
       </a:lnRef>
       <a:fillRef idx="0">
@@ -5578,7 +5704,7 @@
     <dgm:sp3d/>
     <dgm:txPr/>
     <dgm:style>
-      <a:lnRef idx="2">
+      <a:lnRef idx="1">
         <a:scrgbClr r="0" g="0" b="0"/>
       </a:lnRef>
       <a:fillRef idx="0">
@@ -5598,7 +5724,7 @@
     <dgm:sp3d/>
     <dgm:txPr/>
     <dgm:style>
-      <a:lnRef idx="2">
+      <a:lnRef idx="1">
         <a:scrgbClr r="0" g="0" b="0"/>
       </a:lnRef>
       <a:fillRef idx="1">
@@ -5618,7 +5744,7 @@
     <dgm:sp3d/>
     <dgm:txPr/>
     <dgm:style>
-      <a:lnRef idx="2">
+      <a:lnRef idx="1">
         <a:scrgbClr r="0" g="0" b="0"/>
       </a:lnRef>
       <a:fillRef idx="1">
@@ -5638,7 +5764,7 @@
     <dgm:sp3d/>
     <dgm:txPr/>
     <dgm:style>
-      <a:lnRef idx="2">
+      <a:lnRef idx="1">
         <a:scrgbClr r="0" g="0" b="0"/>
       </a:lnRef>
       <a:fillRef idx="1">
@@ -5678,7 +5804,7 @@
     <dgm:sp3d/>
     <dgm:txPr/>
     <dgm:style>
-      <a:lnRef idx="2">
+      <a:lnRef idx="1">
         <a:scrgbClr r="0" g="0" b="0"/>
       </a:lnRef>
       <a:fillRef idx="1">
@@ -5698,7 +5824,7 @@
     <dgm:sp3d/>
     <dgm:txPr/>
     <dgm:style>
-      <a:lnRef idx="2">
+      <a:lnRef idx="1">
         <a:scrgbClr r="0" g="0" b="0"/>
       </a:lnRef>
       <a:fillRef idx="1">
@@ -5718,7 +5844,7 @@
     <dgm:sp3d/>
     <dgm:txPr/>
     <dgm:style>
-      <a:lnRef idx="2">
+      <a:lnRef idx="1">
         <a:scrgbClr r="0" g="0" b="0"/>
       </a:lnRef>
       <a:fillRef idx="1">
@@ -5738,7 +5864,7 @@
     <dgm:sp3d/>
     <dgm:txPr/>
     <dgm:style>
-      <a:lnRef idx="2">
+      <a:lnRef idx="1">
         <a:scrgbClr r="0" g="0" b="0"/>
       </a:lnRef>
       <a:fillRef idx="1">
@@ -5758,7 +5884,7 @@
     <dgm:sp3d/>
     <dgm:txPr/>
     <dgm:style>
-      <a:lnRef idx="2">
+      <a:lnRef idx="1">
         <a:scrgbClr r="0" g="0" b="0"/>
       </a:lnRef>
       <a:fillRef idx="1">
@@ -5778,7 +5904,7 @@
     <dgm:sp3d/>
     <dgm:txPr/>
     <dgm:style>
-      <a:lnRef idx="2">
+      <a:lnRef idx="1">
         <a:scrgbClr r="0" g="0" b="0"/>
       </a:lnRef>
       <a:fillRef idx="1">
@@ -5798,7 +5924,7 @@
     <dgm:sp3d/>
     <dgm:txPr/>
     <dgm:style>
-      <a:lnRef idx="2">
+      <a:lnRef idx="1">
         <a:scrgbClr r="0" g="0" b="0"/>
       </a:lnRef>
       <a:fillRef idx="1">
@@ -5818,7 +5944,7 @@
     <dgm:sp3d/>
     <dgm:txPr/>
     <dgm:style>
-      <a:lnRef idx="2">
+      <a:lnRef idx="1">
         <a:scrgbClr r="0" g="0" b="0"/>
       </a:lnRef>
       <a:fillRef idx="1">
@@ -5838,7 +5964,7 @@
     <dgm:sp3d/>
     <dgm:txPr/>
     <dgm:style>
-      <a:lnRef idx="2">
+      <a:lnRef idx="1">
         <a:scrgbClr r="0" g="0" b="0"/>
       </a:lnRef>
       <a:fillRef idx="1">
@@ -5858,7 +5984,7 @@
     <dgm:sp3d/>
     <dgm:txPr/>
     <dgm:style>
-      <a:lnRef idx="2">
+      <a:lnRef idx="1">
         <a:scrgbClr r="0" g="0" b="0"/>
       </a:lnRef>
       <a:fillRef idx="1">
@@ -5878,7 +6004,7 @@
     <dgm:sp3d/>
     <dgm:txPr/>
     <dgm:style>
-      <a:lnRef idx="2">
+      <a:lnRef idx="1">
         <a:scrgbClr r="0" g="0" b="0"/>
       </a:lnRef>
       <a:fillRef idx="1">
@@ -5904,7 +6030,7 @@
       <a:fillRef idx="1">
         <a:scrgbClr r="0" g="0" b="0"/>
       </a:fillRef>
-      <a:effectRef idx="0">
+      <a:effectRef idx="2">
         <a:scrgbClr r="0" g="0" b="0"/>
       </a:effectRef>
       <a:fontRef idx="minor"/>
@@ -5924,7 +6050,7 @@
       <a:fillRef idx="1">
         <a:scrgbClr r="0" g="0" b="0"/>
       </a:fillRef>
-      <a:effectRef idx="0">
+      <a:effectRef idx="2">
         <a:scrgbClr r="0" g="0" b="0"/>
       </a:effectRef>
       <a:fontRef idx="minor"/>
@@ -5958,13 +6084,13 @@
     <dgm:sp3d/>
     <dgm:txPr/>
     <dgm:style>
-      <a:lnRef idx="2">
+      <a:lnRef idx="0">
         <a:scrgbClr r="0" g="0" b="0"/>
       </a:lnRef>
-      <a:fillRef idx="1">
+      <a:fillRef idx="3">
         <a:scrgbClr r="0" g="0" b="0"/>
       </a:fillRef>
-      <a:effectRef idx="0">
+      <a:effectRef idx="2">
         <a:scrgbClr r="0" g="0" b="0"/>
       </a:effectRef>
       <a:fontRef idx="minor"/>
@@ -6076,7 +6202,7 @@
             <a:fld id="{71CA99E0-E95C-4F1B-B0F2-4565A2B40149}" type="datetimeFigureOut">
               <a:rPr lang="en-US" smtClean="0"/>
               <a:pPr/>
-              <a:t>4/17/2024</a:t>
+              <a:t>5/18/2024</a:t>
             </a:fld>
             <a:endParaRPr lang="en-US"/>
           </a:p>
@@ -17845,14 +17971,14 @@
           </a:ln>
           <a:extLst>
             <a:ext uri="{909E8E84-426E-40dd-AFC4-6F175D3DCCD1}">
-              <a14:hiddenFill xmlns:a14="http://schemas.microsoft.com/office/drawing/2010/main" xmlns="">
+              <a14:hiddenFill xmlns="" xmlns:a14="http://schemas.microsoft.com/office/drawing/2010/main">
                 <a:solidFill>
                   <a:srgbClr val="FFFFFF"/>
                 </a:solidFill>
               </a14:hiddenFill>
             </a:ext>
             <a:ext uri="{91240B29-F687-4f45-9708-019B960494DF}">
-              <a14:hiddenLine xmlns:a14="http://schemas.microsoft.com/office/drawing/2010/main" xmlns="" w="9525">
+              <a14:hiddenLine xmlns="" xmlns:a14="http://schemas.microsoft.com/office/drawing/2010/main" w="9525">
                 <a:solidFill>
                   <a:srgbClr val="000000"/>
                 </a:solidFill>
@@ -17903,14 +18029,14 @@
           </a:ln>
           <a:extLst>
             <a:ext uri="{909E8E84-426E-40dd-AFC4-6F175D3DCCD1}">
-              <a14:hiddenFill xmlns:a14="http://schemas.microsoft.com/office/drawing/2010/main" xmlns="">
+              <a14:hiddenFill xmlns="" xmlns:a14="http://schemas.microsoft.com/office/drawing/2010/main">
                 <a:solidFill>
                   <a:srgbClr val="FFFFFF"/>
                 </a:solidFill>
               </a14:hiddenFill>
             </a:ext>
             <a:ext uri="{91240B29-F687-4f45-9708-019B960494DF}">
-              <a14:hiddenLine xmlns:a14="http://schemas.microsoft.com/office/drawing/2010/main" xmlns="" w="9525">
+              <a14:hiddenLine xmlns="" xmlns:a14="http://schemas.microsoft.com/office/drawing/2010/main" w="9525">
                 <a:solidFill>
                   <a:srgbClr val="000000"/>
                 </a:solidFill>
@@ -17961,14 +18087,14 @@
           </a:ln>
           <a:extLst>
             <a:ext uri="{909E8E84-426E-40dd-AFC4-6F175D3DCCD1}">
-              <a14:hiddenFill xmlns:a14="http://schemas.microsoft.com/office/drawing/2010/main" xmlns="">
+              <a14:hiddenFill xmlns="" xmlns:a14="http://schemas.microsoft.com/office/drawing/2010/main">
                 <a:solidFill>
                   <a:srgbClr val="FFFFFF"/>
                 </a:solidFill>
               </a14:hiddenFill>
             </a:ext>
             <a:ext uri="{91240B29-F687-4f45-9708-019B960494DF}">
-              <a14:hiddenLine xmlns:a14="http://schemas.microsoft.com/office/drawing/2010/main" xmlns="" w="9525">
+              <a14:hiddenLine xmlns="" xmlns:a14="http://schemas.microsoft.com/office/drawing/2010/main" w="9525">
                 <a:solidFill>
                   <a:srgbClr val="000000"/>
                 </a:solidFill>
@@ -18019,14 +18145,14 @@
           </a:ln>
           <a:extLst>
             <a:ext uri="{909E8E84-426E-40dd-AFC4-6F175D3DCCD1}">
-              <a14:hiddenFill xmlns:a14="http://schemas.microsoft.com/office/drawing/2010/main" xmlns="">
+              <a14:hiddenFill xmlns="" xmlns:a14="http://schemas.microsoft.com/office/drawing/2010/main">
                 <a:solidFill>
                   <a:srgbClr val="FFFFFF"/>
                 </a:solidFill>
               </a14:hiddenFill>
             </a:ext>
             <a:ext uri="{91240B29-F687-4f45-9708-019B960494DF}">
-              <a14:hiddenLine xmlns:a14="http://schemas.microsoft.com/office/drawing/2010/main" xmlns="" w="9525">
+              <a14:hiddenLine xmlns="" xmlns:a14="http://schemas.microsoft.com/office/drawing/2010/main" w="9525">
                 <a:solidFill>
                   <a:srgbClr val="000000"/>
                 </a:solidFill>
@@ -18077,14 +18203,14 @@
           </a:ln>
           <a:extLst>
             <a:ext uri="{909E8E84-426E-40dd-AFC4-6F175D3DCCD1}">
-              <a14:hiddenFill xmlns:a14="http://schemas.microsoft.com/office/drawing/2010/main" xmlns="">
+              <a14:hiddenFill xmlns="" xmlns:a14="http://schemas.microsoft.com/office/drawing/2010/main">
                 <a:solidFill>
                   <a:srgbClr val="FFFFFF"/>
                 </a:solidFill>
               </a14:hiddenFill>
             </a:ext>
             <a:ext uri="{91240B29-F687-4f45-9708-019B960494DF}">
-              <a14:hiddenLine xmlns:a14="http://schemas.microsoft.com/office/drawing/2010/main" xmlns="" w="9525">
+              <a14:hiddenLine xmlns="" xmlns:a14="http://schemas.microsoft.com/office/drawing/2010/main" w="9525">
                 <a:solidFill>
                   <a:srgbClr val="000000"/>
                 </a:solidFill>
@@ -18139,14 +18265,14 @@
           <a:effectLst/>
           <a:extLst>
             <a:ext uri="{909E8E84-426E-40dd-AFC4-6F175D3DCCD1}">
-              <a14:hiddenFill xmlns:a14="http://schemas.microsoft.com/office/drawing/2010/main" xmlns="">
+              <a14:hiddenFill xmlns="" xmlns:a14="http://schemas.microsoft.com/office/drawing/2010/main">
                 <a:solidFill>
                   <a:srgbClr val="FFFFFF"/>
                 </a:solidFill>
               </a14:hiddenFill>
             </a:ext>
             <a:ext uri="{91240B29-F687-4f45-9708-019B960494DF}">
-              <a14:hiddenLine xmlns:a14="http://schemas.microsoft.com/office/drawing/2010/main" xmlns="" w="9525" cap="flat" cmpd="sng" algn="ctr">
+              <a14:hiddenLine xmlns="" xmlns:a14="http://schemas.microsoft.com/office/drawing/2010/main" w="9525" cap="flat" cmpd="sng" algn="ctr">
                 <a:solidFill>
                   <a:schemeClr val="tx1"/>
                 </a:solidFill>
@@ -18157,7 +18283,7 @@
               </a14:hiddenLine>
             </a:ext>
             <a:ext uri="{AF507438-7753-43e0-B8FC-AC1667EBCBE1}">
-              <a14:hiddenEffects xmlns:a14="http://schemas.microsoft.com/office/drawing/2010/main" xmlns="">
+              <a14:hiddenEffects xmlns="" xmlns:a14="http://schemas.microsoft.com/office/drawing/2010/main">
                 <a:effectLst>
                   <a:outerShdw blurRad="63500" dist="37357" dir="2700000" rotWithShape="0">
                     <a:scrgbClr r="0" g="0" b="0"/>
@@ -18166,7 +18292,7 @@
               </a14:hiddenEffects>
             </a:ext>
             <a:ext uri="{31F19639-BCED-4a60-ADC4-E9642A236FB7}">
-              <a14:hiddenScene3d xmlns:a14="http://schemas.microsoft.com/office/drawing/2010/main" xmlns="">
+              <a14:hiddenScene3d xmlns="" xmlns:a14="http://schemas.microsoft.com/office/drawing/2010/main">
                 <a:camera prst="orthographicFront">
                   <a:rot lat="0" lon="0" rev="0"/>
                 </a:camera>
@@ -18176,14 +18302,14 @@
               </a14:hiddenScene3d>
             </a:ext>
             <a:ext uri="{E45631CC-5BF2-4c18-A39C-3461C7D3F71A}">
-              <a14:hiddenSp3d xmlns:a14="http://schemas.microsoft.com/office/drawing/2010/main" xmlns="" extrusionH="457200">
+              <a14:hiddenSp3d xmlns="" xmlns:a14="http://schemas.microsoft.com/office/drawing/2010/main" extrusionH="457200">
                 <a:contourClr>
                   <a:srgbClr val="000000"/>
                 </a:contourClr>
               </a14:hiddenSp3d>
             </a:ext>
             <a:ext uri="{53640926-AAD7-44d8-BBD7-CCE9431645EC}">
-              <a14:shadowObscured xmlns:a14="http://schemas.microsoft.com/office/drawing/2010/main" xmlns=""/>
+              <a14:shadowObscured xmlns="" xmlns:a14="http://schemas.microsoft.com/office/drawing/2010/main"/>
             </a:ext>
           </a:extLst>
         </p:spPr>
@@ -26423,7 +26549,7 @@
             <p:ph idx="1"/>
             <p:extLst>
               <p:ext uri="{D42A27DB-BD31-4B8C-83A1-F6EECF244321}">
-                <p14:modId xmlns:p14="http://schemas.microsoft.com/office/powerpoint/2010/main" val="2824869635"/>
+                <p14:modId xmlns:p14="http://schemas.microsoft.com/office/powerpoint/2010/main" val="2443702630"/>
               </p:ext>
             </p:extLst>
           </p:nvPr>
@@ -29518,8 +29644,8 @@
           </a:p>
         </p:txBody>
       </p:sp>
-      <mc:AlternateContent xmlns:mc="http://schemas.openxmlformats.org/markup-compatibility/2006" xmlns:a14="http://schemas.microsoft.com/office/drawing/2010/main">
-        <mc:Choice Requires="a14">
+      <mc:AlternateContent xmlns:mc="http://schemas.openxmlformats.org/markup-compatibility/2006">
+        <mc:Choice xmlns:a14="http://schemas.microsoft.com/office/drawing/2010/main" Requires="a14">
           <p:sp>
             <p:nvSpPr>
               <p:cNvPr id="3" name="Content Placeholder 2"/>
@@ -29538,9 +29664,24 @@
             </p:spPr>
             <p:txBody>
               <a:bodyPr>
-                <a:normAutofit fontScale="92500"/>
+                <a:normAutofit fontScale="85000" lnSpcReduction="20000"/>
               </a:bodyPr>
               <a:lstStyle/>
+              <a:p>
+                <a:pPr marL="0" indent="0">
+                  <a:buNone/>
+                </a:pPr>
+                <a:r>
+                  <a:rPr lang="en-US" sz="2400" dirty="0"/>
+                  <a:t>Avoid the need to throw out samples.</a:t>
+                </a:r>
+              </a:p>
+              <a:p>
+                <a:pPr marL="0" indent="0">
+                  <a:buNone/>
+                </a:pPr>
+                <a:endParaRPr lang="en-US" sz="2400" dirty="0"/>
+              </a:p>
               <a:p>
                 <a:pPr marL="0" indent="0">
                   <a:buNone/>
@@ -29551,7 +29692,7 @@
                       <a:srgbClr val="FF0000"/>
                     </a:solidFill>
                   </a:rPr>
-                  <a:t>Fix the evidence </a:t>
+                  <a:t>1. Fix the evidence </a:t>
                 </a:r>
                 <a14:m>
                   <m:oMath xmlns:m="http://schemas.openxmlformats.org/officeDocument/2006/math">
@@ -29671,7 +29812,7 @@
                       <a:srgbClr val="FF0000"/>
                     </a:solidFill>
                   </a:rPr>
-                  <a:t>Correct the probabilities </a:t>
+                  <a:t>2. Correct the probabilities </a:t>
                 </a:r>
                 <a:r>
                   <a:rPr lang="en-US" sz="2400" dirty="0"/>
@@ -29990,7 +30131,7 @@
             </p:txBody>
           </p:sp>
         </mc:Choice>
-        <mc:Fallback xmlns="">
+        <mc:Fallback>
           <p:sp>
             <p:nvSpPr>
               <p:cNvPr id="3" name="Content Placeholder 2"/>
@@ -30009,7 +30150,7 @@
               <a:blipFill>
                 <a:blip r:embed="rId3"/>
                 <a:stretch>
-                  <a:fillRect l="-1557" t="-1541"/>
+                  <a:fillRect l="-1198" t="-2521" r="-479"/>
                 </a:stretch>
               </a:blipFill>
             </p:spPr>
@@ -30108,7 +30249,7 @@
         <p:spPr>
           <a:xfrm>
             <a:off x="7924800" y="4191000"/>
-            <a:ext cx="1365406" cy="369332"/>
+            <a:ext cx="1295400" cy="646331"/>
           </a:xfrm>
           <a:prstGeom prst="rect">
             <a:avLst/>
@@ -30121,13 +30262,14 @@
           </a:bodyPr>
           <a:lstStyle/>
           <a:p>
+            <a:pPr algn="ctr"/>
             <a:r>
               <a:rPr lang="en-US" b="1" dirty="0">
                 <a:solidFill>
                   <a:srgbClr val="FF0000"/>
                 </a:solidFill>
               </a:rPr>
-              <a:t>Fix as true</a:t>
+              <a:t>1. Fix as true</a:t>
             </a:r>
           </a:p>
         </p:txBody>
@@ -30237,6 +30379,176 @@
           </p:style>
         </p:cxnSp>
       </p:grpSp>
+      <p:sp>
+        <p:nvSpPr>
+          <p:cNvPr id="7" name="TextBox 6">
+            <a:extLst>
+              <a:ext uri="{FF2B5EF4-FFF2-40B4-BE49-F238E27FC236}">
+                <a16:creationId xmlns:a16="http://schemas.microsoft.com/office/drawing/2014/main" id="{53DBF01D-F5E2-8F8B-2924-ACDCC6B3BD7E}"/>
+              </a:ext>
+            </a:extLst>
+          </p:cNvPr>
+          <p:cNvSpPr txBox="1"/>
+          <p:nvPr/>
+        </p:nvSpPr>
+        <p:spPr>
+          <a:xfrm>
+            <a:off x="5638800" y="4662413"/>
+            <a:ext cx="1371600" cy="923330"/>
+          </a:xfrm>
+          <a:prstGeom prst="rect">
+            <a:avLst/>
+          </a:prstGeom>
+          <a:noFill/>
+        </p:spPr>
+        <p:txBody>
+          <a:bodyPr wrap="square" rtlCol="0">
+            <a:spAutoFit/>
+          </a:bodyPr>
+          <a:lstStyle/>
+          <a:p>
+            <a:pPr algn="ctr"/>
+            <a:r>
+              <a:rPr lang="en-US" b="1" dirty="0">
+                <a:solidFill>
+                  <a:srgbClr val="FF0000"/>
+                </a:solidFill>
+              </a:rPr>
+              <a:t>2. Correct sampled probabilities</a:t>
+            </a:r>
+          </a:p>
+        </p:txBody>
+      </p:sp>
+      <p:cxnSp>
+        <p:nvCxnSpPr>
+          <p:cNvPr id="11" name="Straight Arrow Connector 10">
+            <a:extLst>
+              <a:ext uri="{FF2B5EF4-FFF2-40B4-BE49-F238E27FC236}">
+                <a16:creationId xmlns:a16="http://schemas.microsoft.com/office/drawing/2014/main" id="{5B25C69B-83BF-1C83-9285-52D50E707DAA}"/>
+              </a:ext>
+            </a:extLst>
+          </p:cNvPr>
+          <p:cNvCxnSpPr/>
+          <p:nvPr/>
+        </p:nvCxnSpPr>
+        <p:spPr>
+          <a:xfrm flipV="1">
+            <a:off x="6477000" y="4001294"/>
+            <a:ext cx="76200" cy="723106"/>
+          </a:xfrm>
+          <a:prstGeom prst="straightConnector1">
+            <a:avLst/>
+          </a:prstGeom>
+          <a:ln w="28575">
+            <a:solidFill>
+              <a:srgbClr val="FF0000"/>
+            </a:solidFill>
+            <a:tailEnd type="triangle"/>
+          </a:ln>
+        </p:spPr>
+        <p:style>
+          <a:lnRef idx="1">
+            <a:schemeClr val="accent1"/>
+          </a:lnRef>
+          <a:fillRef idx="0">
+            <a:schemeClr val="accent1"/>
+          </a:fillRef>
+          <a:effectRef idx="0">
+            <a:schemeClr val="accent1"/>
+          </a:effectRef>
+          <a:fontRef idx="minor">
+            <a:schemeClr val="tx1"/>
+          </a:fontRef>
+        </p:style>
+      </p:cxnSp>
+      <p:cxnSp>
+        <p:nvCxnSpPr>
+          <p:cNvPr id="13" name="Straight Arrow Connector 12">
+            <a:extLst>
+              <a:ext uri="{FF2B5EF4-FFF2-40B4-BE49-F238E27FC236}">
+                <a16:creationId xmlns:a16="http://schemas.microsoft.com/office/drawing/2014/main" id="{FF9E3278-5A6B-5E90-8657-A0D3F0BBF3AF}"/>
+              </a:ext>
+            </a:extLst>
+          </p:cNvPr>
+          <p:cNvCxnSpPr>
+            <a:cxnSpLocks/>
+          </p:cNvCxnSpPr>
+          <p:nvPr/>
+        </p:nvCxnSpPr>
+        <p:spPr>
+          <a:xfrm>
+            <a:off x="6858000" y="5085691"/>
+            <a:ext cx="463394" cy="0"/>
+          </a:xfrm>
+          <a:prstGeom prst="straightConnector1">
+            <a:avLst/>
+          </a:prstGeom>
+          <a:ln w="28575">
+            <a:solidFill>
+              <a:srgbClr val="FF0000"/>
+            </a:solidFill>
+            <a:tailEnd type="triangle"/>
+          </a:ln>
+        </p:spPr>
+        <p:style>
+          <a:lnRef idx="1">
+            <a:schemeClr val="accent1"/>
+          </a:lnRef>
+          <a:fillRef idx="0">
+            <a:schemeClr val="accent1"/>
+          </a:fillRef>
+          <a:effectRef idx="0">
+            <a:schemeClr val="accent1"/>
+          </a:effectRef>
+          <a:fontRef idx="minor">
+            <a:schemeClr val="tx1"/>
+          </a:fontRef>
+        </p:style>
+      </p:cxnSp>
+      <p:cxnSp>
+        <p:nvCxnSpPr>
+          <p:cNvPr id="16" name="Straight Arrow Connector 15">
+            <a:extLst>
+              <a:ext uri="{FF2B5EF4-FFF2-40B4-BE49-F238E27FC236}">
+                <a16:creationId xmlns:a16="http://schemas.microsoft.com/office/drawing/2014/main" id="{3FA26214-7041-1EE3-466F-C487523288E5}"/>
+              </a:ext>
+            </a:extLst>
+          </p:cNvPr>
+          <p:cNvCxnSpPr>
+            <a:cxnSpLocks/>
+          </p:cNvCxnSpPr>
+          <p:nvPr/>
+        </p:nvCxnSpPr>
+        <p:spPr>
+          <a:xfrm flipV="1">
+            <a:off x="6667500" y="2667000"/>
+            <a:ext cx="653894" cy="2057400"/>
+          </a:xfrm>
+          <a:prstGeom prst="straightConnector1">
+            <a:avLst/>
+          </a:prstGeom>
+          <a:ln w="28575">
+            <a:solidFill>
+              <a:srgbClr val="FF0000"/>
+            </a:solidFill>
+            <a:tailEnd type="triangle"/>
+          </a:ln>
+        </p:spPr>
+        <p:style>
+          <a:lnRef idx="1">
+            <a:schemeClr val="accent1"/>
+          </a:lnRef>
+          <a:fillRef idx="0">
+            <a:schemeClr val="accent1"/>
+          </a:fillRef>
+          <a:effectRef idx="0">
+            <a:schemeClr val="accent1"/>
+          </a:effectRef>
+          <a:fontRef idx="minor">
+            <a:schemeClr val="tx1"/>
+          </a:fontRef>
+        </p:style>
+      </p:cxnSp>
     </p:spTree>
     <p:extLst>
       <p:ext uri="{BB962C8B-B14F-4D97-AF65-F5344CB8AC3E}">
@@ -30321,7 +30633,7 @@
         <p:spPr/>
         <p:txBody>
           <a:bodyPr>
-            <a:normAutofit lnSpcReduction="10000"/>
+            <a:normAutofit fontScale="92500" lnSpcReduction="10000"/>
           </a:bodyPr>
           <a:lstStyle/>
           <a:p>
@@ -30341,13 +30653,35 @@
           <a:p>
             <a:r>
               <a:rPr lang="en-US" dirty="0"/>
-              <a:t>Creates new states by making random changes to the current state which forms a Markov Chain and its stationary distribution turns out to be the posterior distribution of the non-evidence variables.</a:t>
-            </a:r>
-          </a:p>
-          <a:p>
+              <a:t>Create a state by making random changes to the current state. The sequence of states forms a random process called a </a:t>
+            </a:r>
+            <a:r>
+              <a:rPr lang="en-US" b="1" dirty="0"/>
+              <a:t>Markov Chain </a:t>
+            </a:r>
             <a:r>
               <a:rPr lang="en-US" dirty="0"/>
-              <a:t>Count how often each state is reached and normalize to obtain probability estimates.</a:t>
+              <a:t>(MC).</a:t>
+            </a:r>
+          </a:p>
+          <a:p>
+            <a:r>
+              <a:rPr lang="en-US" dirty="0"/>
+              <a:t> The MCs stationary distribution turns out to be the posterior distribution of the non-evidence variables.</a:t>
+            </a:r>
+          </a:p>
+          <a:p>
+            <a:r>
+              <a:rPr lang="en-US" dirty="0"/>
+              <a:t>Estimate the stationary distribution using </a:t>
+            </a:r>
+            <a:r>
+              <a:rPr lang="en-US" b="1" dirty="0"/>
+              <a:t>Monte Carlo </a:t>
+            </a:r>
+            <a:r>
+              <a:rPr lang="en-US" dirty="0"/>
+              <a:t>simulation by counting how often each state is reached and normalize to obtain probability estimates.</a:t>
             </a:r>
           </a:p>
           <a:p>
@@ -30363,7 +30697,7 @@
             </a:pPr>
             <a:r>
               <a:rPr lang="en-US" dirty="0"/>
-              <a:t>Gibbs sampling</a:t>
+              <a:t>Gibbs sampling (works well for BNs)</a:t>
             </a:r>
           </a:p>
           <a:p>
@@ -30394,7 +30728,7 @@
             </a:pPr>
             <a:r>
               <a:rPr lang="en-US" i="1" dirty="0"/>
-              <a:t>Note: Simulated annealing is closely related to MCMC algorithms.</a:t>
+              <a:t>Note: Simulated annealing belongs to the family of MCMC algorithms.</a:t>
             </a:r>
           </a:p>
         </p:txBody>
@@ -30452,13 +30786,13 @@
           <a:p>
             <a:r>
               <a:rPr lang="en-US" dirty="0"/>
-              <a:t>Gibbs sampling: One variable at a time</a:t>
+              <a:t>Gibbs sampling in Bayes Networks</a:t>
             </a:r>
           </a:p>
         </p:txBody>
       </p:sp>
-      <mc:AlternateContent xmlns:mc="http://schemas.openxmlformats.org/markup-compatibility/2006" xmlns:a14="http://schemas.microsoft.com/office/drawing/2010/main">
-        <mc:Choice Requires="a14">
+      <mc:AlternateContent xmlns:mc="http://schemas.openxmlformats.org/markup-compatibility/2006">
+        <mc:Choice xmlns:a14="http://schemas.microsoft.com/office/drawing/2010/main" Requires="a14">
           <p:sp>
             <p:nvSpPr>
               <p:cNvPr id="3" name="Content Placeholder 2">
@@ -30569,52 +30903,402 @@
                 </a14:m>
                 <a:r>
                   <a:rPr lang="en-US" dirty="0"/>
-                  <a:t> using the CPTs of </a:t>
-                </a:r>
-                <a14:m>
-                  <m:oMath xmlns:m="http://schemas.openxmlformats.org/officeDocument/2006/math">
-                    <m:sSub>
-                      <m:sSubPr>
-                        <m:ctrlPr>
-                          <a:rPr lang="en-US" b="0" i="1" smtClean="0">
-                            <a:latin typeface="Cambria Math" panose="02040503050406030204" pitchFamily="18" charset="0"/>
-                          </a:rPr>
-                        </m:ctrlPr>
-                      </m:sSubPr>
-                      <m:e>
-                        <m:r>
-                          <a:rPr lang="en-US" b="0" i="1" smtClean="0">
-                            <a:latin typeface="Cambria Math" panose="02040503050406030204" pitchFamily="18" charset="0"/>
-                          </a:rPr>
-                          <m:t>𝑍</m:t>
-                        </m:r>
-                      </m:e>
-                      <m:sub>
-                        <m:r>
-                          <a:rPr lang="en-US" b="0" i="1" smtClean="0">
-                            <a:latin typeface="Cambria Math" panose="02040503050406030204" pitchFamily="18" charset="0"/>
-                          </a:rPr>
-                          <m:t>𝑖</m:t>
-                        </m:r>
-                      </m:sub>
-                    </m:sSub>
-                  </m:oMath>
-                </a14:m>
-                <a:r>
-                  <a:rPr lang="en-US" dirty="0"/>
-                  <a:t> and its children.</a:t>
+                  <a:t> (all variables it can be dependent of, i.e., parents, children and parents of children).</a:t>
                 </a:r>
               </a:p>
               <a:p>
-                <a:r>
-                  <a:rPr lang="en-US" dirty="0"/>
-                  <a:t>The Markov chain converges to a stationary distribution which is the asked for conditional probability.  </a:t>
-                </a:r>
+                <a:pPr marL="0" indent="0">
+                  <a:buNone/>
+                </a:pPr>
+                <a:endParaRPr lang="en-US" sz="1800" b="0" i="1" dirty="0">
+                  <a:latin typeface="Cambria Math" panose="02040503050406030204" pitchFamily="18" charset="0"/>
+                </a:endParaRPr>
+              </a:p>
+              <a:p>
+                <a:pPr marL="0" indent="0">
+                  <a:buNone/>
+                </a:pPr>
+                <a14:m>
+                  <m:oMathPara xmlns:m="http://schemas.openxmlformats.org/officeDocument/2006/math">
+                    <m:oMathParaPr>
+                      <m:jc m:val="centerGroup"/>
+                    </m:oMathParaPr>
+                    <m:oMath xmlns:m="http://schemas.openxmlformats.org/officeDocument/2006/math">
+                      <m:r>
+                        <a:rPr lang="en-US" sz="1800" b="0" i="1" smtClean="0">
+                          <a:latin typeface="Cambria Math" panose="02040503050406030204" pitchFamily="18" charset="0"/>
+                        </a:rPr>
+                        <m:t>𝑃</m:t>
+                      </m:r>
+                      <m:d>
+                        <m:dPr>
+                          <m:ctrlPr>
+                            <a:rPr lang="en-US" sz="1800" b="0" i="1" smtClean="0">
+                              <a:latin typeface="Cambria Math" panose="02040503050406030204" pitchFamily="18" charset="0"/>
+                            </a:rPr>
+                          </m:ctrlPr>
+                        </m:dPr>
+                        <m:e>
+                          <m:sSub>
+                            <m:sSubPr>
+                              <m:ctrlPr>
+                                <a:rPr lang="en-US" sz="1800" b="0" i="1" smtClean="0">
+                                  <a:latin typeface="Cambria Math" panose="02040503050406030204" pitchFamily="18" charset="0"/>
+                                </a:rPr>
+                              </m:ctrlPr>
+                            </m:sSubPr>
+                            <m:e>
+                              <m:r>
+                                <a:rPr lang="en-US" sz="1800" b="0" i="1" smtClean="0">
+                                  <a:latin typeface="Cambria Math" panose="02040503050406030204" pitchFamily="18" charset="0"/>
+                                </a:rPr>
+                                <m:t>𝑧</m:t>
+                              </m:r>
+                            </m:e>
+                            <m:sub>
+                              <m:r>
+                                <a:rPr lang="en-US" sz="1800" b="0" i="1" smtClean="0">
+                                  <a:latin typeface="Cambria Math" panose="02040503050406030204" pitchFamily="18" charset="0"/>
+                                </a:rPr>
+                                <m:t>𝑖</m:t>
+                              </m:r>
+                            </m:sub>
+                          </m:sSub>
+                        </m:e>
+                        <m:e>
+                          <m:r>
+                            <a:rPr lang="en-US" sz="1800" b="0" i="1" smtClean="0">
+                              <a:latin typeface="Cambria Math" panose="02040503050406030204" pitchFamily="18" charset="0"/>
+                            </a:rPr>
+                            <m:t>𝑚𝑏</m:t>
+                          </m:r>
+                          <m:d>
+                            <m:dPr>
+                              <m:ctrlPr>
+                                <a:rPr lang="en-US" sz="1800" b="0" i="1" smtClean="0">
+                                  <a:latin typeface="Cambria Math" panose="02040503050406030204" pitchFamily="18" charset="0"/>
+                                </a:rPr>
+                              </m:ctrlPr>
+                            </m:dPr>
+                            <m:e>
+                              <m:sSub>
+                                <m:sSubPr>
+                                  <m:ctrlPr>
+                                    <a:rPr lang="en-US" sz="1800" b="0" i="1" smtClean="0">
+                                      <a:latin typeface="Cambria Math" panose="02040503050406030204" pitchFamily="18" charset="0"/>
+                                    </a:rPr>
+                                  </m:ctrlPr>
+                                </m:sSubPr>
+                                <m:e>
+                                  <m:r>
+                                    <a:rPr lang="en-US" sz="1800" b="0" i="1" smtClean="0">
+                                      <a:latin typeface="Cambria Math" panose="02040503050406030204" pitchFamily="18" charset="0"/>
+                                    </a:rPr>
+                                    <m:t>𝑍</m:t>
+                                  </m:r>
+                                </m:e>
+                                <m:sub>
+                                  <m:r>
+                                    <a:rPr lang="en-US" sz="1800" b="0" i="1" smtClean="0">
+                                      <a:latin typeface="Cambria Math" panose="02040503050406030204" pitchFamily="18" charset="0"/>
+                                    </a:rPr>
+                                    <m:t>𝑖</m:t>
+                                  </m:r>
+                                </m:sub>
+                              </m:sSub>
+                            </m:e>
+                          </m:d>
+                        </m:e>
+                      </m:d>
+                      <m:r>
+                        <a:rPr lang="en-US" sz="1800" b="0" i="1" smtClean="0">
+                          <a:latin typeface="Cambria Math" panose="02040503050406030204" pitchFamily="18" charset="0"/>
+                        </a:rPr>
+                        <m:t>=</m:t>
+                      </m:r>
+                      <m:r>
+                        <a:rPr lang="en-US" sz="1800" b="0" i="1" smtClean="0">
+                          <a:latin typeface="Cambria Math" panose="02040503050406030204" pitchFamily="18" charset="0"/>
+                        </a:rPr>
+                        <m:t>𝛼</m:t>
+                      </m:r>
+                      <m:r>
+                        <a:rPr lang="en-US" sz="1800" b="0" i="1" smtClean="0">
+                          <a:latin typeface="Cambria Math" panose="02040503050406030204" pitchFamily="18" charset="0"/>
+                        </a:rPr>
+                        <m:t>𝑃</m:t>
+                      </m:r>
+                      <m:d>
+                        <m:dPr>
+                          <m:endChr m:val="|"/>
+                          <m:ctrlPr>
+                            <a:rPr lang="en-US" sz="1800" b="0" i="1" smtClean="0">
+                              <a:latin typeface="Cambria Math" panose="02040503050406030204" pitchFamily="18" charset="0"/>
+                            </a:rPr>
+                          </m:ctrlPr>
+                        </m:dPr>
+                        <m:e>
+                          <m:sSub>
+                            <m:sSubPr>
+                              <m:ctrlPr>
+                                <a:rPr lang="en-US" sz="1800" b="0" i="1" smtClean="0">
+                                  <a:latin typeface="Cambria Math" panose="02040503050406030204" pitchFamily="18" charset="0"/>
+                                </a:rPr>
+                              </m:ctrlPr>
+                            </m:sSubPr>
+                            <m:e>
+                              <m:r>
+                                <a:rPr lang="en-US" sz="1800" b="0" i="1" smtClean="0">
+                                  <a:latin typeface="Cambria Math" panose="02040503050406030204" pitchFamily="18" charset="0"/>
+                                </a:rPr>
+                                <m:t>𝑧</m:t>
+                              </m:r>
+                            </m:e>
+                            <m:sub>
+                              <m:r>
+                                <a:rPr lang="en-US" sz="1800" b="0" i="1" smtClean="0">
+                                  <a:latin typeface="Cambria Math" panose="02040503050406030204" pitchFamily="18" charset="0"/>
+                                </a:rPr>
+                                <m:t>𝑖</m:t>
+                              </m:r>
+                            </m:sub>
+                          </m:sSub>
+                        </m:e>
+                      </m:d>
+                      <m:r>
+                        <a:rPr lang="en-US" sz="1800" b="0" i="1" smtClean="0">
+                          <a:latin typeface="Cambria Math" panose="02040503050406030204" pitchFamily="18" charset="0"/>
+                        </a:rPr>
+                        <m:t>𝑝𝑎𝑟𝑒𝑛𝑡𝑠</m:t>
+                      </m:r>
+                      <m:r>
+                        <a:rPr lang="en-US" sz="1800" b="0" i="1" smtClean="0">
+                          <a:latin typeface="Cambria Math" panose="02040503050406030204" pitchFamily="18" charset="0"/>
+                        </a:rPr>
+                        <m:t>(</m:t>
+                      </m:r>
+                      <m:sSub>
+                        <m:sSubPr>
+                          <m:ctrlPr>
+                            <a:rPr lang="en-US" sz="1800" b="0" i="1" smtClean="0">
+                              <a:latin typeface="Cambria Math" panose="02040503050406030204" pitchFamily="18" charset="0"/>
+                            </a:rPr>
+                          </m:ctrlPr>
+                        </m:sSubPr>
+                        <m:e>
+                          <m:r>
+                            <a:rPr lang="en-US" sz="1800" b="0" i="1" smtClean="0">
+                              <a:latin typeface="Cambria Math" panose="02040503050406030204" pitchFamily="18" charset="0"/>
+                            </a:rPr>
+                            <m:t>𝑍</m:t>
+                          </m:r>
+                        </m:e>
+                        <m:sub>
+                          <m:r>
+                            <a:rPr lang="en-US" sz="1800" b="0" i="1" smtClean="0">
+                              <a:latin typeface="Cambria Math" panose="02040503050406030204" pitchFamily="18" charset="0"/>
+                            </a:rPr>
+                            <m:t>𝑖</m:t>
+                          </m:r>
+                        </m:sub>
+                      </m:sSub>
+                      <m:r>
+                        <a:rPr lang="en-US" sz="1800" b="0" i="1" smtClean="0">
+                          <a:latin typeface="Cambria Math" panose="02040503050406030204" pitchFamily="18" charset="0"/>
+                        </a:rPr>
+                        <m:t>)) </m:t>
+                      </m:r>
+                      <m:nary>
+                        <m:naryPr>
+                          <m:chr m:val="∏"/>
+                          <m:supHide m:val="on"/>
+                          <m:ctrlPr>
+                            <a:rPr lang="en-US" sz="1800" b="0" i="1" smtClean="0">
+                              <a:latin typeface="Cambria Math" panose="02040503050406030204" pitchFamily="18" charset="0"/>
+                            </a:rPr>
+                          </m:ctrlPr>
+                        </m:naryPr>
+                        <m:sub>
+                          <m:sSub>
+                            <m:sSubPr>
+                              <m:ctrlPr>
+                                <a:rPr lang="en-US" sz="1800" b="0" i="1" smtClean="0">
+                                  <a:latin typeface="Cambria Math" panose="02040503050406030204" pitchFamily="18" charset="0"/>
+                                </a:rPr>
+                              </m:ctrlPr>
+                            </m:sSubPr>
+                            <m:e>
+                              <m:r>
+                                <m:rPr>
+                                  <m:brk m:alnAt="7"/>
+                                </m:rPr>
+                                <a:rPr lang="en-US" sz="1800" b="0" i="1" smtClean="0">
+                                  <a:latin typeface="Cambria Math" panose="02040503050406030204" pitchFamily="18" charset="0"/>
+                                </a:rPr>
+                                <m:t>𝑌</m:t>
+                              </m:r>
+                            </m:e>
+                            <m:sub>
+                              <m:r>
+                                <m:rPr>
+                                  <m:brk m:alnAt="7"/>
+                                </m:rPr>
+                                <a:rPr lang="en-US" sz="1800" b="0" i="1" smtClean="0">
+                                  <a:latin typeface="Cambria Math" panose="02040503050406030204" pitchFamily="18" charset="0"/>
+                                </a:rPr>
+                                <m:t>𝑖</m:t>
+                              </m:r>
+                            </m:sub>
+                          </m:sSub>
+                          <m:r>
+                            <a:rPr lang="en-US" sz="1800" b="0" i="1" smtClean="0">
+                              <a:latin typeface="Cambria Math" panose="02040503050406030204" pitchFamily="18" charset="0"/>
+                            </a:rPr>
+                            <m:t>∈</m:t>
+                          </m:r>
+                          <m:r>
+                            <a:rPr lang="en-US" sz="1800" b="0" i="1" smtClean="0">
+                              <a:latin typeface="Cambria Math" panose="02040503050406030204" pitchFamily="18" charset="0"/>
+                            </a:rPr>
+                            <m:t>𝑐h𝑖𝑙𝑑𝑟𝑒𝑛</m:t>
+                          </m:r>
+                          <m:r>
+                            <a:rPr lang="en-US" sz="1800" b="0" i="1" smtClean="0">
+                              <a:latin typeface="Cambria Math" panose="02040503050406030204" pitchFamily="18" charset="0"/>
+                            </a:rPr>
+                            <m:t>(</m:t>
+                          </m:r>
+                          <m:sSub>
+                            <m:sSubPr>
+                              <m:ctrlPr>
+                                <a:rPr lang="en-US" sz="1800" b="0" i="1" smtClean="0">
+                                  <a:latin typeface="Cambria Math" panose="02040503050406030204" pitchFamily="18" charset="0"/>
+                                </a:rPr>
+                              </m:ctrlPr>
+                            </m:sSubPr>
+                            <m:e>
+                              <m:r>
+                                <a:rPr lang="en-US" sz="1800" b="0" i="1" smtClean="0">
+                                  <a:latin typeface="Cambria Math" panose="02040503050406030204" pitchFamily="18" charset="0"/>
+                                </a:rPr>
+                                <m:t>𝑋</m:t>
+                              </m:r>
+                            </m:e>
+                            <m:sub>
+                              <m:r>
+                                <a:rPr lang="en-US" sz="1800" b="0" i="1" smtClean="0">
+                                  <a:latin typeface="Cambria Math" panose="02040503050406030204" pitchFamily="18" charset="0"/>
+                                </a:rPr>
+                                <m:t>𝑖</m:t>
+                              </m:r>
+                            </m:sub>
+                          </m:sSub>
+                          <m:r>
+                            <a:rPr lang="en-US" sz="1800" b="0" i="1" smtClean="0">
+                              <a:latin typeface="Cambria Math" panose="02040503050406030204" pitchFamily="18" charset="0"/>
+                            </a:rPr>
+                            <m:t>)</m:t>
+                          </m:r>
+                        </m:sub>
+                        <m:sup/>
+                        <m:e>
+                          <m:r>
+                            <a:rPr lang="en-US" sz="1800" b="0" i="1" smtClean="0">
+                              <a:latin typeface="Cambria Math" panose="02040503050406030204" pitchFamily="18" charset="0"/>
+                            </a:rPr>
+                            <m:t>𝑃</m:t>
+                          </m:r>
+                          <m:d>
+                            <m:dPr>
+                              <m:ctrlPr>
+                                <a:rPr lang="en-US" sz="1800" b="0" i="1" smtClean="0">
+                                  <a:latin typeface="Cambria Math" panose="02040503050406030204" pitchFamily="18" charset="0"/>
+                                </a:rPr>
+                              </m:ctrlPr>
+                            </m:dPr>
+                            <m:e>
+                              <m:sSub>
+                                <m:sSubPr>
+                                  <m:ctrlPr>
+                                    <a:rPr lang="en-US" sz="1800" b="0" i="1" smtClean="0">
+                                      <a:latin typeface="Cambria Math" panose="02040503050406030204" pitchFamily="18" charset="0"/>
+                                    </a:rPr>
+                                  </m:ctrlPr>
+                                </m:sSubPr>
+                                <m:e>
+                                  <m:r>
+                                    <a:rPr lang="en-US" sz="1800" b="0" i="1" smtClean="0">
+                                      <a:latin typeface="Cambria Math" panose="02040503050406030204" pitchFamily="18" charset="0"/>
+                                    </a:rPr>
+                                    <m:t>𝑦</m:t>
+                                  </m:r>
+                                </m:e>
+                                <m:sub>
+                                  <m:r>
+                                    <a:rPr lang="en-US" sz="1800" b="0" i="1" smtClean="0">
+                                      <a:latin typeface="Cambria Math" panose="02040503050406030204" pitchFamily="18" charset="0"/>
+                                    </a:rPr>
+                                    <m:t>𝑖</m:t>
+                                  </m:r>
+                                </m:sub>
+                              </m:sSub>
+                            </m:e>
+                            <m:e>
+                              <m:r>
+                                <a:rPr lang="en-US" sz="1800" b="0" i="1" smtClean="0">
+                                  <a:latin typeface="Cambria Math" panose="02040503050406030204" pitchFamily="18" charset="0"/>
+                                </a:rPr>
+                                <m:t>𝑝𝑎𝑟𝑒𝑛𝑡𝑠</m:t>
+                              </m:r>
+                              <m:d>
+                                <m:dPr>
+                                  <m:ctrlPr>
+                                    <a:rPr lang="en-US" sz="1800" b="0" i="1" smtClean="0">
+                                      <a:latin typeface="Cambria Math" panose="02040503050406030204" pitchFamily="18" charset="0"/>
+                                    </a:rPr>
+                                  </m:ctrlPr>
+                                </m:dPr>
+                                <m:e>
+                                  <m:sSub>
+                                    <m:sSubPr>
+                                      <m:ctrlPr>
+                                        <a:rPr lang="en-US" sz="1800" b="0" i="1" smtClean="0">
+                                          <a:latin typeface="Cambria Math" panose="02040503050406030204" pitchFamily="18" charset="0"/>
+                                        </a:rPr>
+                                      </m:ctrlPr>
+                                    </m:sSubPr>
+                                    <m:e>
+                                      <m:r>
+                                        <a:rPr lang="en-US" sz="1800" b="0" i="1" smtClean="0">
+                                          <a:latin typeface="Cambria Math" panose="02040503050406030204" pitchFamily="18" charset="0"/>
+                                        </a:rPr>
+                                        <m:t>𝑌</m:t>
+                                      </m:r>
+                                    </m:e>
+                                    <m:sub>
+                                      <m:r>
+                                        <a:rPr lang="en-US" sz="1800" b="0" i="1" smtClean="0">
+                                          <a:latin typeface="Cambria Math" panose="02040503050406030204" pitchFamily="18" charset="0"/>
+                                        </a:rPr>
+                                        <m:t>𝑗</m:t>
+                                      </m:r>
+                                    </m:sub>
+                                  </m:sSub>
+                                </m:e>
+                              </m:d>
+                            </m:e>
+                          </m:d>
+                        </m:e>
+                      </m:nary>
+                    </m:oMath>
+                  </m:oMathPara>
+                </a14:m>
+                <a:endParaRPr lang="en-US" sz="1800" dirty="0"/>
               </a:p>
             </p:txBody>
           </p:sp>
         </mc:Choice>
-        <mc:Fallback xmlns="">
+        <mc:Fallback>
           <p:sp>
             <p:nvSpPr>
               <p:cNvPr id="3" name="Content Placeholder 2">
@@ -30639,7 +31323,7 @@
               <a:blipFill>
                 <a:blip r:embed="rId2"/>
                 <a:stretch>
-                  <a:fillRect l="-786" t="-4138" r="-1336"/>
+                  <a:fillRect l="-786" t="-5517" r="-236" b="-68621"/>
                 </a:stretch>
               </a:blipFill>
             </p:spPr>
@@ -30679,8 +31363,8 @@
         </p:blipFill>
         <p:spPr>
           <a:xfrm>
-            <a:off x="781050" y="1447800"/>
-            <a:ext cx="7372350" cy="3324225"/>
+            <a:off x="656359" y="1371600"/>
+            <a:ext cx="6833679" cy="3081336"/>
           </a:xfrm>
           <a:prstGeom prst="rect">
             <a:avLst/>
@@ -30695,6 +31379,162 @@
           </a:ln>
         </p:spPr>
       </p:pic>
+      <p:sp>
+        <p:nvSpPr>
+          <p:cNvPr id="6" name="Speech Bubble: Rectangle 5">
+            <a:extLst>
+              <a:ext uri="{FF2B5EF4-FFF2-40B4-BE49-F238E27FC236}">
+                <a16:creationId xmlns:a16="http://schemas.microsoft.com/office/drawing/2014/main" id="{7A5CADE8-4884-896D-90D5-A3214D8B7A60}"/>
+              </a:ext>
+            </a:extLst>
+          </p:cNvPr>
+          <p:cNvSpPr/>
+          <p:nvPr/>
+        </p:nvSpPr>
+        <p:spPr>
+          <a:xfrm>
+            <a:off x="7580092" y="2100430"/>
+            <a:ext cx="1397653" cy="642770"/>
+          </a:xfrm>
+          <a:prstGeom prst="wedgeRectCallout">
+            <a:avLst>
+              <a:gd name="adj1" fmla="val -173406"/>
+              <a:gd name="adj2" fmla="val 51183"/>
+            </a:avLst>
+          </a:prstGeom>
+        </p:spPr>
+        <p:style>
+          <a:lnRef idx="2">
+            <a:schemeClr val="accent1">
+              <a:shade val="15000"/>
+            </a:schemeClr>
+          </a:lnRef>
+          <a:fillRef idx="1">
+            <a:schemeClr val="accent1"/>
+          </a:fillRef>
+          <a:effectRef idx="0">
+            <a:schemeClr val="accent1"/>
+          </a:effectRef>
+          <a:fontRef idx="minor">
+            <a:schemeClr val="lt1"/>
+          </a:fontRef>
+        </p:style>
+        <p:txBody>
+          <a:bodyPr rtlCol="0" anchor="ctr"/>
+          <a:lstStyle/>
+          <a:p>
+            <a:pPr algn="ctr"/>
+            <a:r>
+              <a:rPr lang="en-US" dirty="0"/>
+              <a:t>Random State</a:t>
+            </a:r>
+          </a:p>
+        </p:txBody>
+      </p:sp>
+      <p:sp>
+        <p:nvSpPr>
+          <p:cNvPr id="7" name="Speech Bubble: Rectangle 6">
+            <a:extLst>
+              <a:ext uri="{FF2B5EF4-FFF2-40B4-BE49-F238E27FC236}">
+                <a16:creationId xmlns:a16="http://schemas.microsoft.com/office/drawing/2014/main" id="{15313963-AD83-3BC5-2EF4-C768599C8F2E}"/>
+              </a:ext>
+            </a:extLst>
+          </p:cNvPr>
+          <p:cNvSpPr/>
+          <p:nvPr/>
+        </p:nvSpPr>
+        <p:spPr>
+          <a:xfrm>
+            <a:off x="7580092" y="2916548"/>
+            <a:ext cx="1397653" cy="642770"/>
+          </a:xfrm>
+          <a:prstGeom prst="wedgeRectCallout">
+            <a:avLst>
+              <a:gd name="adj1" fmla="val -128055"/>
+              <a:gd name="adj2" fmla="val 56033"/>
+            </a:avLst>
+          </a:prstGeom>
+        </p:spPr>
+        <p:style>
+          <a:lnRef idx="2">
+            <a:schemeClr val="accent1">
+              <a:shade val="15000"/>
+            </a:schemeClr>
+          </a:lnRef>
+          <a:fillRef idx="1">
+            <a:schemeClr val="accent1"/>
+          </a:fillRef>
+          <a:effectRef idx="0">
+            <a:schemeClr val="accent1"/>
+          </a:effectRef>
+          <a:fontRef idx="minor">
+            <a:schemeClr val="lt1"/>
+          </a:fontRef>
+        </p:style>
+        <p:txBody>
+          <a:bodyPr rtlCol="0" anchor="ctr"/>
+          <a:lstStyle/>
+          <a:p>
+            <a:pPr algn="ctr"/>
+            <a:r>
+              <a:rPr lang="en-US" dirty="0"/>
+              <a:t>Change one variable</a:t>
+            </a:r>
+          </a:p>
+        </p:txBody>
+      </p:sp>
+      <p:sp>
+        <p:nvSpPr>
+          <p:cNvPr id="8" name="Speech Bubble: Rectangle 7">
+            <a:extLst>
+              <a:ext uri="{FF2B5EF4-FFF2-40B4-BE49-F238E27FC236}">
+                <a16:creationId xmlns:a16="http://schemas.microsoft.com/office/drawing/2014/main" id="{F2A0BE17-3845-8279-2B94-FB7B00D1DB18}"/>
+              </a:ext>
+            </a:extLst>
+          </p:cNvPr>
+          <p:cNvSpPr/>
+          <p:nvPr/>
+        </p:nvSpPr>
+        <p:spPr>
+          <a:xfrm>
+            <a:off x="7580092" y="3725174"/>
+            <a:ext cx="1397653" cy="642770"/>
+          </a:xfrm>
+          <a:prstGeom prst="wedgeRectCallout">
+            <a:avLst>
+              <a:gd name="adj1" fmla="val -185301"/>
+              <a:gd name="adj2" fmla="val -28029"/>
+            </a:avLst>
+          </a:prstGeom>
+        </p:spPr>
+        <p:style>
+          <a:lnRef idx="2">
+            <a:schemeClr val="accent1">
+              <a:shade val="15000"/>
+            </a:schemeClr>
+          </a:lnRef>
+          <a:fillRef idx="1">
+            <a:schemeClr val="accent1"/>
+          </a:fillRef>
+          <a:effectRef idx="0">
+            <a:schemeClr val="accent1"/>
+          </a:effectRef>
+          <a:fontRef idx="minor">
+            <a:schemeClr val="lt1"/>
+          </a:fontRef>
+        </p:style>
+        <p:txBody>
+          <a:bodyPr rtlCol="0" anchor="ctr"/>
+          <a:lstStyle/>
+          <a:p>
+            <a:pPr algn="ctr"/>
+            <a:r>
+              <a:rPr lang="en-US" dirty="0"/>
+              <a:t>Count</a:t>
+            </a:r>
+          </a:p>
+        </p:txBody>
+      </p:sp>
     </p:spTree>
     <p:extLst>
       <p:ext uri="{BB962C8B-B14F-4D97-AF65-F5344CB8AC3E}">
@@ -30709,6 +31549,1785 @@
 </file>
 
 <file path=ppt/slides/slide39.xml><?xml version="1.0" encoding="utf-8"?>
+<p:sld xmlns:a="http://schemas.openxmlformats.org/drawingml/2006/main" xmlns:r="http://schemas.openxmlformats.org/officeDocument/2006/relationships" xmlns:p="http://schemas.openxmlformats.org/presentationml/2006/main">
+  <p:cSld>
+    <p:spTree>
+      <p:nvGrpSpPr>
+        <p:cNvPr id="1" name=""/>
+        <p:cNvGrpSpPr/>
+        <p:nvPr/>
+      </p:nvGrpSpPr>
+      <p:grpSpPr>
+        <a:xfrm>
+          <a:off x="0" y="0"/>
+          <a:ext cx="0" cy="0"/>
+          <a:chOff x="0" y="0"/>
+          <a:chExt cx="0" cy="0"/>
+        </a:xfrm>
+      </p:grpSpPr>
+      <p:sp>
+        <p:nvSpPr>
+          <p:cNvPr id="2" name="Title 1">
+            <a:extLst>
+              <a:ext uri="{FF2B5EF4-FFF2-40B4-BE49-F238E27FC236}">
+                <a16:creationId xmlns:a16="http://schemas.microsoft.com/office/drawing/2014/main" id="{E63D6E3A-1871-1F75-49D5-6234833246DC}"/>
+              </a:ext>
+            </a:extLst>
+          </p:cNvPr>
+          <p:cNvSpPr>
+            <a:spLocks noGrp="1"/>
+          </p:cNvSpPr>
+          <p:nvPr>
+            <p:ph type="title"/>
+          </p:nvPr>
+        </p:nvSpPr>
+        <p:spPr>
+          <a:xfrm>
+            <a:off x="628650" y="365127"/>
+            <a:ext cx="7886700" cy="753710"/>
+          </a:xfrm>
+        </p:spPr>
+        <p:txBody>
+          <a:bodyPr/>
+          <a:lstStyle/>
+          <a:p>
+            <a:r>
+              <a:rPr lang="en-US" dirty="0"/>
+              <a:t>Gibbs Sampling: Example</a:t>
+            </a:r>
+          </a:p>
+        </p:txBody>
+      </p:sp>
+      <mc:AlternateContent xmlns:mc="http://schemas.openxmlformats.org/markup-compatibility/2006">
+        <mc:Choice xmlns:a14="http://schemas.microsoft.com/office/drawing/2010/main" Requires="a14">
+          <p:sp>
+            <p:nvSpPr>
+              <p:cNvPr id="3" name="Content Placeholder 2">
+                <a:extLst>
+                  <a:ext uri="{FF2B5EF4-FFF2-40B4-BE49-F238E27FC236}">
+                    <a16:creationId xmlns:a16="http://schemas.microsoft.com/office/drawing/2014/main" id="{DAD80BEA-0364-DE6A-CC0A-9316A1DB96FB}"/>
+                  </a:ext>
+                </a:extLst>
+              </p:cNvPr>
+              <p:cNvSpPr>
+                <a:spLocks noGrp="1"/>
+              </p:cNvSpPr>
+              <p:nvPr>
+                <p:ph idx="1"/>
+              </p:nvPr>
+            </p:nvSpPr>
+            <p:spPr>
+              <a:xfrm>
+                <a:off x="786244" y="1253330"/>
+                <a:ext cx="4699463" cy="5147469"/>
+              </a:xfrm>
+            </p:spPr>
+            <p:txBody>
+              <a:bodyPr>
+                <a:normAutofit fontScale="92500" lnSpcReduction="10000"/>
+              </a:bodyPr>
+              <a:lstStyle/>
+              <a:p>
+                <a:pPr marL="0" indent="0">
+                  <a:buNone/>
+                </a:pPr>
+                <a:r>
+                  <a:rPr lang="en-US" sz="1700" dirty="0"/>
+                  <a:t>Find</a:t>
+                </a:r>
+              </a:p>
+              <a:p>
+                <a:pPr marL="0" indent="0">
+                  <a:buNone/>
+                </a:pPr>
+                <a14:m>
+                  <m:oMathPara xmlns:m="http://schemas.openxmlformats.org/officeDocument/2006/math">
+                    <m:oMathParaPr>
+                      <m:jc m:val="centerGroup"/>
+                    </m:oMathParaPr>
+                    <m:oMath xmlns:m="http://schemas.openxmlformats.org/officeDocument/2006/math">
+                      <m:r>
+                        <a:rPr lang="en-US" sz="1700" i="1" dirty="0" smtClean="0">
+                          <a:latin typeface="Cambria Math" panose="02040503050406030204" pitchFamily="18" charset="0"/>
+                        </a:rPr>
+                        <m:t>𝑃</m:t>
+                      </m:r>
+                      <m:r>
+                        <a:rPr lang="en-US" sz="1700" i="1" dirty="0" smtClean="0">
+                          <a:latin typeface="Cambria Math" panose="02040503050406030204" pitchFamily="18" charset="0"/>
+                        </a:rPr>
+                        <m:t>(</m:t>
+                      </m:r>
+                      <m:r>
+                        <a:rPr lang="en-US" sz="1700" i="1" dirty="0" smtClean="0">
+                          <a:latin typeface="Cambria Math" panose="02040503050406030204" pitchFamily="18" charset="0"/>
+                        </a:rPr>
+                        <m:t>𝑅𝑎𝑖𝑛</m:t>
+                      </m:r>
+                      <m:r>
+                        <a:rPr lang="en-US" sz="1700" i="1" dirty="0" smtClean="0">
+                          <a:latin typeface="Cambria Math" panose="02040503050406030204" pitchFamily="18" charset="0"/>
+                        </a:rPr>
+                        <m:t> |</m:t>
+                      </m:r>
+                      <m:r>
+                        <a:rPr lang="en-US" sz="1700" i="1" dirty="0" smtClean="0">
+                          <a:latin typeface="Cambria Math" panose="02040503050406030204" pitchFamily="18" charset="0"/>
+                        </a:rPr>
+                        <m:t>𝑆𝑝𝑟𝑖𝑛𝑘𝑙𝑒𝑟</m:t>
+                      </m:r>
+                      <m:r>
+                        <a:rPr lang="en-US" sz="1700" i="1" dirty="0" smtClean="0">
+                          <a:latin typeface="Cambria Math" panose="02040503050406030204" pitchFamily="18" charset="0"/>
+                        </a:rPr>
+                        <m:t> =</m:t>
+                      </m:r>
+                      <m:r>
+                        <a:rPr lang="en-US" sz="1700" i="1" dirty="0" err="1" smtClean="0">
+                          <a:latin typeface="Cambria Math" panose="02040503050406030204" pitchFamily="18" charset="0"/>
+                        </a:rPr>
+                        <m:t>𝑡𝑟𝑢𝑒</m:t>
+                      </m:r>
+                      <m:r>
+                        <a:rPr lang="en-US" sz="1700" i="1" dirty="0" err="1" smtClean="0">
+                          <a:latin typeface="Cambria Math" panose="02040503050406030204" pitchFamily="18" charset="0"/>
+                        </a:rPr>
+                        <m:t>,</m:t>
+                      </m:r>
+                      <m:r>
+                        <a:rPr lang="en-US" sz="1700" i="1" dirty="0" err="1" smtClean="0">
+                          <a:latin typeface="Cambria Math" panose="02040503050406030204" pitchFamily="18" charset="0"/>
+                        </a:rPr>
+                        <m:t>𝑊𝑒𝑡𝐺𝑟𝑎𝑠𝑠</m:t>
+                      </m:r>
+                      <m:r>
+                        <a:rPr lang="en-US" sz="1700" i="1" dirty="0" smtClean="0">
+                          <a:latin typeface="Cambria Math" panose="02040503050406030204" pitchFamily="18" charset="0"/>
+                        </a:rPr>
+                        <m:t> =</m:t>
+                      </m:r>
+                      <m:r>
+                        <a:rPr lang="en-US" sz="1700" i="1" dirty="0" smtClean="0">
+                          <a:latin typeface="Cambria Math" panose="02040503050406030204" pitchFamily="18" charset="0"/>
+                        </a:rPr>
+                        <m:t>𝑡𝑟𝑢𝑒</m:t>
+                      </m:r>
+                      <m:r>
+                        <a:rPr lang="en-US" sz="1700" i="1" dirty="0" smtClean="0">
+                          <a:latin typeface="Cambria Math" panose="02040503050406030204" pitchFamily="18" charset="0"/>
+                        </a:rPr>
+                        <m:t>). </m:t>
+                      </m:r>
+                    </m:oMath>
+                  </m:oMathPara>
+                </a14:m>
+                <a:endParaRPr lang="en-US" sz="1700" dirty="0"/>
+              </a:p>
+              <a:p>
+                <a:pPr marL="0" indent="0">
+                  <a:buNone/>
+                </a:pPr>
+                <a:endParaRPr lang="en-US" sz="1700" dirty="0"/>
+              </a:p>
+              <a:p>
+                <a:pPr marL="0" indent="0">
+                  <a:buNone/>
+                </a:pPr>
+                <a:endParaRPr lang="en-US" sz="1700" dirty="0"/>
+              </a:p>
+              <a:p>
+                <a:pPr marL="0" indent="0">
+                  <a:buNone/>
+                </a:pPr>
+                <a:endParaRPr lang="en-US" sz="1700" dirty="0"/>
+              </a:p>
+              <a:p>
+                <a:pPr marL="0" indent="0">
+                  <a:buNone/>
+                </a:pPr>
+                <a:endParaRPr lang="en-US" sz="1700" dirty="0"/>
+              </a:p>
+              <a:p>
+                <a:pPr marL="0" indent="0">
+                  <a:buNone/>
+                </a:pPr>
+                <a:r>
+                  <a:rPr lang="en-US" sz="1700" dirty="0"/>
+                  <a:t>Determine states and calculate transition probabilities of the Markov chain for the query using </a:t>
+                </a:r>
+                <a14:m>
+                  <m:oMath xmlns:m="http://schemas.openxmlformats.org/officeDocument/2006/math">
+                    <m:r>
+                      <a:rPr lang="en-US" sz="1600" b="0" i="1" smtClean="0">
+                        <a:latin typeface="Cambria Math" panose="02040503050406030204" pitchFamily="18" charset="0"/>
+                      </a:rPr>
+                      <m:t>𝑃</m:t>
+                    </m:r>
+                    <m:d>
+                      <m:dPr>
+                        <m:ctrlPr>
+                          <a:rPr lang="en-US" sz="1600" b="0" i="1" smtClean="0">
+                            <a:latin typeface="Cambria Math" panose="02040503050406030204" pitchFamily="18" charset="0"/>
+                          </a:rPr>
+                        </m:ctrlPr>
+                      </m:dPr>
+                      <m:e>
+                        <m:sSub>
+                          <m:sSubPr>
+                            <m:ctrlPr>
+                              <a:rPr lang="en-US" sz="1600" b="0" i="1" smtClean="0">
+                                <a:latin typeface="Cambria Math" panose="02040503050406030204" pitchFamily="18" charset="0"/>
+                              </a:rPr>
+                            </m:ctrlPr>
+                          </m:sSubPr>
+                          <m:e>
+                            <m:r>
+                              <a:rPr lang="en-US" sz="1600" b="0" i="1" smtClean="0">
+                                <a:latin typeface="Cambria Math" panose="02040503050406030204" pitchFamily="18" charset="0"/>
+                              </a:rPr>
+                              <m:t>𝑧</m:t>
+                            </m:r>
+                          </m:e>
+                          <m:sub>
+                            <m:r>
+                              <a:rPr lang="en-US" sz="1600" b="0" i="1" smtClean="0">
+                                <a:latin typeface="Cambria Math" panose="02040503050406030204" pitchFamily="18" charset="0"/>
+                              </a:rPr>
+                              <m:t>𝑖</m:t>
+                            </m:r>
+                          </m:sub>
+                        </m:sSub>
+                      </m:e>
+                      <m:e>
+                        <m:r>
+                          <a:rPr lang="en-US" sz="1600" b="0" i="1" smtClean="0">
+                            <a:latin typeface="Cambria Math" panose="02040503050406030204" pitchFamily="18" charset="0"/>
+                          </a:rPr>
+                          <m:t>𝑚𝑏</m:t>
+                        </m:r>
+                        <m:d>
+                          <m:dPr>
+                            <m:ctrlPr>
+                              <a:rPr lang="en-US" sz="1600" b="0" i="1" smtClean="0">
+                                <a:latin typeface="Cambria Math" panose="02040503050406030204" pitchFamily="18" charset="0"/>
+                              </a:rPr>
+                            </m:ctrlPr>
+                          </m:dPr>
+                          <m:e>
+                            <m:sSub>
+                              <m:sSubPr>
+                                <m:ctrlPr>
+                                  <a:rPr lang="en-US" sz="1600" b="0" i="1" smtClean="0">
+                                    <a:latin typeface="Cambria Math" panose="02040503050406030204" pitchFamily="18" charset="0"/>
+                                  </a:rPr>
+                                </m:ctrlPr>
+                              </m:sSubPr>
+                              <m:e>
+                                <m:r>
+                                  <a:rPr lang="en-US" sz="1600" b="0" i="1" smtClean="0">
+                                    <a:latin typeface="Cambria Math" panose="02040503050406030204" pitchFamily="18" charset="0"/>
+                                  </a:rPr>
+                                  <m:t>𝑍</m:t>
+                                </m:r>
+                              </m:e>
+                              <m:sub>
+                                <m:r>
+                                  <a:rPr lang="en-US" sz="1600" b="0" i="1" smtClean="0">
+                                    <a:latin typeface="Cambria Math" panose="02040503050406030204" pitchFamily="18" charset="0"/>
+                                  </a:rPr>
+                                  <m:t>𝑖</m:t>
+                                </m:r>
+                              </m:sub>
+                            </m:sSub>
+                          </m:e>
+                        </m:d>
+                      </m:e>
+                    </m:d>
+                  </m:oMath>
+                </a14:m>
+                <a:r>
+                  <a:rPr lang="en-US" sz="1400" dirty="0"/>
+                  <a:t>.</a:t>
+                </a:r>
+              </a:p>
+              <a:p>
+                <a:pPr marL="0" indent="0">
+                  <a:buNone/>
+                </a:pPr>
+                <a:endParaRPr lang="en-US" sz="1700" dirty="0"/>
+              </a:p>
+              <a:p>
+                <a:pPr marL="0" indent="0">
+                  <a:buNone/>
+                </a:pPr>
+                <a:r>
+                  <a:rPr lang="en-US" sz="1700" dirty="0"/>
+                  <a:t>The algorithm wanders around in this graph using the stated transition probabilities.</a:t>
+                </a:r>
+              </a:p>
+              <a:p>
+                <a:pPr marL="0" indent="0">
+                  <a:buNone/>
+                </a:pPr>
+                <a:endParaRPr lang="en-US" sz="1700" dirty="0"/>
+              </a:p>
+              <a:p>
+                <a:pPr marL="0" indent="0">
+                  <a:buNone/>
+                </a:pPr>
+                <a:r>
+                  <a:rPr lang="en-US" sz="1700" dirty="0"/>
+                  <a:t>Assume that we observe 20 states with </a:t>
+                </a:r>
+                <a14:m>
+                  <m:oMath xmlns:m="http://schemas.openxmlformats.org/officeDocument/2006/math">
+                    <m:r>
+                      <a:rPr lang="en-US" sz="1700" i="1" dirty="0" smtClean="0">
+                        <a:latin typeface="Cambria Math" panose="02040503050406030204" pitchFamily="18" charset="0"/>
+                      </a:rPr>
+                      <m:t>𝑅𝑎𝑖𝑛</m:t>
+                    </m:r>
+                    <m:r>
+                      <a:rPr lang="en-US" sz="1700" i="1" dirty="0" smtClean="0">
+                        <a:latin typeface="Cambria Math" panose="02040503050406030204" pitchFamily="18" charset="0"/>
+                      </a:rPr>
+                      <m:t>=</m:t>
+                    </m:r>
+                    <m:r>
+                      <a:rPr lang="en-US" sz="1700" i="1" dirty="0" smtClean="0">
+                        <a:latin typeface="Cambria Math" panose="02040503050406030204" pitchFamily="18" charset="0"/>
+                      </a:rPr>
+                      <m:t>𝑡𝑟𝑢𝑒</m:t>
+                    </m:r>
+                    <m:r>
+                      <a:rPr lang="en-US" sz="1700" i="1" dirty="0" smtClean="0">
+                        <a:latin typeface="Cambria Math" panose="02040503050406030204" pitchFamily="18" charset="0"/>
+                      </a:rPr>
+                      <m:t> </m:t>
+                    </m:r>
+                  </m:oMath>
+                </a14:m>
+                <a:r>
+                  <a:rPr lang="en-US" sz="1700" dirty="0"/>
+                  <a:t>and 60 with </a:t>
+                </a:r>
+                <a14:m>
+                  <m:oMath xmlns:m="http://schemas.openxmlformats.org/officeDocument/2006/math">
+                    <m:r>
+                      <a:rPr lang="en-US" sz="1700" i="1" dirty="0" smtClean="0">
+                        <a:latin typeface="Cambria Math" panose="02040503050406030204" pitchFamily="18" charset="0"/>
+                      </a:rPr>
+                      <m:t>𝑟𝑎𝑖𝑛</m:t>
+                    </m:r>
+                    <m:r>
+                      <a:rPr lang="en-US" sz="1700" i="1" dirty="0" smtClean="0">
+                        <a:latin typeface="Cambria Math" panose="02040503050406030204" pitchFamily="18" charset="0"/>
+                      </a:rPr>
+                      <m:t>=</m:t>
+                    </m:r>
+                    <m:r>
+                      <a:rPr lang="en-US" sz="1700" i="1" dirty="0" smtClean="0">
+                        <a:latin typeface="Cambria Math" panose="02040503050406030204" pitchFamily="18" charset="0"/>
+                      </a:rPr>
+                      <m:t>𝑓𝑎𝑙𝑠𝑒</m:t>
+                    </m:r>
+                  </m:oMath>
+                </a14:m>
+                <a:r>
+                  <a:rPr lang="en-US" sz="1700" dirty="0"/>
+                  <a:t>:</a:t>
+                </a:r>
+              </a:p>
+              <a:p>
+                <a:pPr marL="0" indent="0">
+                  <a:buNone/>
+                </a:pPr>
+                <a14:m>
+                  <m:oMathPara xmlns:m="http://schemas.openxmlformats.org/officeDocument/2006/math">
+                    <m:oMathParaPr>
+                      <m:jc m:val="centerGroup"/>
+                    </m:oMathParaPr>
+                    <m:oMath xmlns:m="http://schemas.openxmlformats.org/officeDocument/2006/math">
+                      <m:r>
+                        <a:rPr lang="en-US" sz="1700" i="1" dirty="0" smtClean="0">
+                          <a:latin typeface="Cambria Math" panose="02040503050406030204" pitchFamily="18" charset="0"/>
+                        </a:rPr>
+                        <m:t>𝑁𝑂𝑅𝑀𝐴𝐿𝐼𝑍𝐸</m:t>
+                      </m:r>
+                      <m:d>
+                        <m:dPr>
+                          <m:ctrlPr>
+                            <a:rPr lang="en-US" sz="1700" i="1" dirty="0" smtClean="0">
+                              <a:latin typeface="Cambria Math" panose="02040503050406030204" pitchFamily="18" charset="0"/>
+                            </a:rPr>
+                          </m:ctrlPr>
+                        </m:dPr>
+                        <m:e>
+                          <m:d>
+                            <m:dPr>
+                              <m:begChr m:val="⟨"/>
+                              <m:endChr m:val="⟩"/>
+                              <m:ctrlPr>
+                                <a:rPr lang="en-US" sz="1700" i="1" dirty="0" smtClean="0">
+                                  <a:latin typeface="Cambria Math" panose="02040503050406030204" pitchFamily="18" charset="0"/>
+                                </a:rPr>
+                              </m:ctrlPr>
+                            </m:dPr>
+                            <m:e>
+                              <m:r>
+                                <a:rPr lang="en-US" sz="1700" i="1" dirty="0">
+                                  <a:latin typeface="Cambria Math" panose="02040503050406030204" pitchFamily="18" charset="0"/>
+                                </a:rPr>
+                                <m:t>20,6</m:t>
+                              </m:r>
+                              <m:r>
+                                <a:rPr lang="en-US" sz="1700" b="0" i="1" dirty="0" smtClean="0">
+                                  <a:latin typeface="Cambria Math" panose="02040503050406030204" pitchFamily="18" charset="0"/>
+                                </a:rPr>
+                                <m:t>0</m:t>
+                              </m:r>
+                            </m:e>
+                          </m:d>
+                        </m:e>
+                      </m:d>
+                      <m:r>
+                        <a:rPr lang="en-US" sz="1700" i="1" dirty="0" smtClean="0">
+                          <a:latin typeface="Cambria Math" panose="02040503050406030204" pitchFamily="18" charset="0"/>
+                        </a:rPr>
+                        <m:t>= </m:t>
+                      </m:r>
+                      <m:d>
+                        <m:dPr>
+                          <m:begChr m:val="⟨"/>
+                          <m:endChr m:val="⟩"/>
+                          <m:ctrlPr>
+                            <a:rPr lang="en-US" sz="1700" i="1" dirty="0" smtClean="0">
+                              <a:latin typeface="Cambria Math" panose="02040503050406030204" pitchFamily="18" charset="0"/>
+                            </a:rPr>
+                          </m:ctrlPr>
+                        </m:dPr>
+                        <m:e>
+                          <m:r>
+                            <a:rPr lang="en-US" sz="1700" i="1" dirty="0">
+                              <a:latin typeface="Cambria Math" panose="02040503050406030204" pitchFamily="18" charset="0"/>
+                            </a:rPr>
+                            <m:t>0.25,0.75</m:t>
+                          </m:r>
+                        </m:e>
+                      </m:d>
+                    </m:oMath>
+                  </m:oMathPara>
+                </a14:m>
+                <a:endParaRPr lang="en-US" sz="1700" dirty="0"/>
+              </a:p>
+              <a:p>
+                <a:pPr marL="0" indent="0">
+                  <a:buNone/>
+                </a:pPr>
+                <a:endParaRPr lang="en-US" sz="1700" dirty="0"/>
+              </a:p>
+              <a:p>
+                <a:pPr marL="0" indent="0">
+                  <a:buNone/>
+                </a:pPr>
+                <a14:m>
+                  <m:oMath xmlns:m="http://schemas.openxmlformats.org/officeDocument/2006/math">
+                    <m:r>
+                      <a:rPr lang="en-US" sz="1700" i="1" dirty="0" smtClean="0">
+                        <a:latin typeface="Cambria Math" panose="02040503050406030204" pitchFamily="18" charset="0"/>
+                      </a:rPr>
+                      <m:t>𝑃</m:t>
+                    </m:r>
+                    <m:r>
+                      <a:rPr lang="en-US" sz="1700" i="1" dirty="0" smtClean="0">
+                        <a:latin typeface="Cambria Math" panose="02040503050406030204" pitchFamily="18" charset="0"/>
+                      </a:rPr>
+                      <m:t>(</m:t>
+                    </m:r>
+                    <m:r>
+                      <a:rPr lang="en-US" sz="1700" i="1" dirty="0" smtClean="0">
+                        <a:latin typeface="Cambria Math" panose="02040503050406030204" pitchFamily="18" charset="0"/>
+                      </a:rPr>
+                      <m:t>𝑅𝑎𝑖𝑛</m:t>
+                    </m:r>
+                    <m:r>
+                      <a:rPr lang="en-US" sz="1700" i="1" dirty="0" smtClean="0">
+                        <a:latin typeface="Cambria Math" panose="02040503050406030204" pitchFamily="18" charset="0"/>
+                      </a:rPr>
+                      <m:t> |</m:t>
+                    </m:r>
+                    <m:r>
+                      <a:rPr lang="en-US" sz="1700" i="1" dirty="0" smtClean="0">
+                        <a:latin typeface="Cambria Math" panose="02040503050406030204" pitchFamily="18" charset="0"/>
+                      </a:rPr>
+                      <m:t>𝑆𝑝𝑟𝑖𝑛𝑘𝑙𝑒𝑟</m:t>
+                    </m:r>
+                    <m:r>
+                      <a:rPr lang="en-US" sz="1700" i="1" dirty="0" smtClean="0">
+                        <a:latin typeface="Cambria Math" panose="02040503050406030204" pitchFamily="18" charset="0"/>
+                      </a:rPr>
+                      <m:t> =</m:t>
+                    </m:r>
+                    <m:r>
+                      <a:rPr lang="en-US" sz="1700" i="1" dirty="0" err="1" smtClean="0">
+                        <a:latin typeface="Cambria Math" panose="02040503050406030204" pitchFamily="18" charset="0"/>
+                      </a:rPr>
+                      <m:t>𝑡𝑟𝑢𝑒</m:t>
+                    </m:r>
+                    <m:r>
+                      <a:rPr lang="en-US" sz="1700" i="1" dirty="0" err="1" smtClean="0">
+                        <a:latin typeface="Cambria Math" panose="02040503050406030204" pitchFamily="18" charset="0"/>
+                      </a:rPr>
+                      <m:t>,</m:t>
+                    </m:r>
+                    <m:r>
+                      <a:rPr lang="en-US" sz="1700" i="1" dirty="0" err="1" smtClean="0">
+                        <a:latin typeface="Cambria Math" panose="02040503050406030204" pitchFamily="18" charset="0"/>
+                      </a:rPr>
+                      <m:t>𝑊𝑒𝑡𝐺𝑟𝑎𝑠𝑠</m:t>
+                    </m:r>
+                    <m:r>
+                      <a:rPr lang="en-US" sz="1700" i="1" dirty="0" smtClean="0">
+                        <a:latin typeface="Cambria Math" panose="02040503050406030204" pitchFamily="18" charset="0"/>
+                      </a:rPr>
+                      <m:t> =</m:t>
+                    </m:r>
+                    <m:r>
+                      <a:rPr lang="en-US" sz="1700" i="1" dirty="0" smtClean="0">
+                        <a:latin typeface="Cambria Math" panose="02040503050406030204" pitchFamily="18" charset="0"/>
+                      </a:rPr>
+                      <m:t>𝑡𝑟𝑢𝑒</m:t>
+                    </m:r>
+                    <m:r>
+                      <a:rPr lang="en-US" sz="1700" i="1" dirty="0" smtClean="0">
+                        <a:latin typeface="Cambria Math" panose="02040503050406030204" pitchFamily="18" charset="0"/>
+                      </a:rPr>
+                      <m:t>)≈0.75</m:t>
+                    </m:r>
+                  </m:oMath>
+                </a14:m>
+                <a:r>
+                  <a:rPr lang="en-US" sz="1700" dirty="0"/>
+                  <a:t> </a:t>
+                </a:r>
+              </a:p>
+              <a:p>
+                <a:pPr marL="0" indent="0">
+                  <a:buNone/>
+                </a:pPr>
+                <a:endParaRPr lang="en-US" dirty="0"/>
+              </a:p>
+              <a:p>
+                <a:pPr marL="0" indent="0">
+                  <a:buNone/>
+                </a:pPr>
+                <a:endParaRPr lang="en-US" dirty="0"/>
+              </a:p>
+              <a:p>
+                <a:pPr marL="0" indent="0">
+                  <a:buNone/>
+                </a:pPr>
+                <a:endParaRPr lang="en-US" dirty="0"/>
+              </a:p>
+              <a:p>
+                <a:pPr marL="0" indent="0">
+                  <a:buNone/>
+                </a:pPr>
+                <a:endParaRPr lang="en-US" dirty="0"/>
+              </a:p>
+            </p:txBody>
+          </p:sp>
+        </mc:Choice>
+        <mc:Fallback>
+          <p:sp>
+            <p:nvSpPr>
+              <p:cNvPr id="3" name="Content Placeholder 2">
+                <a:extLst>
+                  <a:ext uri="{FF2B5EF4-FFF2-40B4-BE49-F238E27FC236}">
+                    <a16:creationId xmlns:a16="http://schemas.microsoft.com/office/drawing/2014/main" id="{DAD80BEA-0364-DE6A-CC0A-9316A1DB96FB}"/>
+                  </a:ext>
+                </a:extLst>
+              </p:cNvPr>
+              <p:cNvSpPr>
+                <a:spLocks noGrp="1" noRot="1" noChangeAspect="1" noMove="1" noResize="1" noEditPoints="1" noAdjustHandles="1" noChangeArrowheads="1" noChangeShapeType="1" noTextEdit="1"/>
+              </p:cNvSpPr>
+              <p:nvPr>
+                <p:ph idx="1"/>
+              </p:nvPr>
+            </p:nvSpPr>
+            <p:spPr>
+              <a:xfrm>
+                <a:off x="786244" y="1253330"/>
+                <a:ext cx="4699463" cy="5147469"/>
+              </a:xfrm>
+              <a:blipFill>
+                <a:blip r:embed="rId2"/>
+                <a:stretch>
+                  <a:fillRect l="-778" t="-1185" r="-259"/>
+                </a:stretch>
+              </a:blipFill>
+            </p:spPr>
+            <p:txBody>
+              <a:bodyPr/>
+              <a:lstStyle/>
+              <a:p>
+                <a:r>
+                  <a:rPr lang="en-US">
+                    <a:noFill/>
+                  </a:rPr>
+                  <a:t> </a:t>
+                </a:r>
+              </a:p>
+            </p:txBody>
+          </p:sp>
+        </mc:Fallback>
+      </mc:AlternateContent>
+      <p:pic>
+        <p:nvPicPr>
+          <p:cNvPr id="5" name="Picture 4">
+            <a:extLst>
+              <a:ext uri="{FF2B5EF4-FFF2-40B4-BE49-F238E27FC236}">
+                <a16:creationId xmlns:a16="http://schemas.microsoft.com/office/drawing/2014/main" id="{5735E2AC-945C-E89F-965D-B1124A154426}"/>
+              </a:ext>
+            </a:extLst>
+          </p:cNvPr>
+          <p:cNvPicPr>
+            <a:picLocks noChangeAspect="1"/>
+          </p:cNvPicPr>
+          <p:nvPr/>
+        </p:nvPicPr>
+        <p:blipFill>
+          <a:blip r:embed="rId3"/>
+          <a:stretch>
+            <a:fillRect/>
+          </a:stretch>
+        </p:blipFill>
+        <p:spPr>
+          <a:xfrm>
+            <a:off x="5604984" y="3602177"/>
+            <a:ext cx="3025839" cy="2341423"/>
+          </a:xfrm>
+          <a:prstGeom prst="rect">
+            <a:avLst/>
+          </a:prstGeom>
+        </p:spPr>
+      </p:pic>
+      <p:sp>
+        <p:nvSpPr>
+          <p:cNvPr id="7" name="TextBox 6">
+            <a:extLst>
+              <a:ext uri="{FF2B5EF4-FFF2-40B4-BE49-F238E27FC236}">
+                <a16:creationId xmlns:a16="http://schemas.microsoft.com/office/drawing/2014/main" id="{9947E19A-5631-E280-E86F-5E5AC8015C7B}"/>
+              </a:ext>
+            </a:extLst>
+          </p:cNvPr>
+          <p:cNvSpPr txBox="1"/>
+          <p:nvPr/>
+        </p:nvSpPr>
+        <p:spPr>
+          <a:xfrm>
+            <a:off x="5486400" y="5955268"/>
+            <a:ext cx="3505200" cy="738664"/>
+          </a:xfrm>
+          <a:prstGeom prst="rect">
+            <a:avLst/>
+          </a:prstGeom>
+          <a:noFill/>
+        </p:spPr>
+        <p:txBody>
+          <a:bodyPr wrap="square">
+            <a:spAutoFit/>
+          </a:bodyPr>
+          <a:lstStyle/>
+          <a:p>
+            <a:pPr marL="0" indent="0">
+              <a:buNone/>
+            </a:pPr>
+            <a:r>
+              <a:rPr lang="en-US" sz="1400" dirty="0"/>
+              <a:t>Note the self-loops: the state stays the same when either variable is chosen and then resamples the same value it already has. </a:t>
+            </a:r>
+          </a:p>
+        </p:txBody>
+      </p:sp>
+      <p:pic>
+        <p:nvPicPr>
+          <p:cNvPr id="9" name="Picture 8">
+            <a:extLst>
+              <a:ext uri="{FF2B5EF4-FFF2-40B4-BE49-F238E27FC236}">
+                <a16:creationId xmlns:a16="http://schemas.microsoft.com/office/drawing/2014/main" id="{B80FF76F-185C-1795-11E7-F661B6C6A126}"/>
+              </a:ext>
+            </a:extLst>
+          </p:cNvPr>
+          <p:cNvPicPr>
+            <a:picLocks noChangeAspect="1"/>
+          </p:cNvPicPr>
+          <p:nvPr/>
+        </p:nvPicPr>
+        <p:blipFill>
+          <a:blip r:embed="rId4"/>
+          <a:stretch>
+            <a:fillRect/>
+          </a:stretch>
+        </p:blipFill>
+        <p:spPr>
+          <a:xfrm>
+            <a:off x="5604984" y="533400"/>
+            <a:ext cx="2671811" cy="2454274"/>
+          </a:xfrm>
+          <a:prstGeom prst="rect">
+            <a:avLst/>
+          </a:prstGeom>
+        </p:spPr>
+      </p:pic>
+      <p:sp>
+        <p:nvSpPr>
+          <p:cNvPr id="10" name="TextBox 9">
+            <a:extLst>
+              <a:ext uri="{FF2B5EF4-FFF2-40B4-BE49-F238E27FC236}">
+                <a16:creationId xmlns:a16="http://schemas.microsoft.com/office/drawing/2014/main" id="{F500E3A3-C26D-148A-8FE6-0EE5890B99F1}"/>
+              </a:ext>
+            </a:extLst>
+          </p:cNvPr>
+          <p:cNvSpPr txBox="1"/>
+          <p:nvPr/>
+        </p:nvSpPr>
+        <p:spPr>
+          <a:xfrm>
+            <a:off x="5729486" y="1986079"/>
+            <a:ext cx="631904" cy="400110"/>
+          </a:xfrm>
+          <a:prstGeom prst="rect">
+            <a:avLst/>
+          </a:prstGeom>
+          <a:noFill/>
+        </p:spPr>
+        <p:txBody>
+          <a:bodyPr wrap="none" rtlCol="0">
+            <a:spAutoFit/>
+          </a:bodyPr>
+          <a:lstStyle/>
+          <a:p>
+            <a:r>
+              <a:rPr lang="en-US" sz="2000" b="1" dirty="0">
+                <a:solidFill>
+                  <a:srgbClr val="FF0000"/>
+                </a:solidFill>
+              </a:rPr>
+              <a:t>true</a:t>
+            </a:r>
+            <a:endParaRPr lang="en-US" sz="2800" b="1" dirty="0">
+              <a:solidFill>
+                <a:srgbClr val="FF0000"/>
+              </a:solidFill>
+            </a:endParaRPr>
+          </a:p>
+        </p:txBody>
+      </p:sp>
+      <p:sp>
+        <p:nvSpPr>
+          <p:cNvPr id="12" name="TextBox 11">
+            <a:extLst>
+              <a:ext uri="{FF2B5EF4-FFF2-40B4-BE49-F238E27FC236}">
+                <a16:creationId xmlns:a16="http://schemas.microsoft.com/office/drawing/2014/main" id="{28FCFB4A-803E-236E-DE01-49CC010C66EB}"/>
+              </a:ext>
+            </a:extLst>
+          </p:cNvPr>
+          <p:cNvSpPr txBox="1"/>
+          <p:nvPr/>
+        </p:nvSpPr>
+        <p:spPr>
+          <a:xfrm>
+            <a:off x="7315200" y="2386189"/>
+            <a:ext cx="631904" cy="400110"/>
+          </a:xfrm>
+          <a:prstGeom prst="rect">
+            <a:avLst/>
+          </a:prstGeom>
+          <a:noFill/>
+        </p:spPr>
+        <p:txBody>
+          <a:bodyPr wrap="none" rtlCol="0">
+            <a:spAutoFit/>
+          </a:bodyPr>
+          <a:lstStyle/>
+          <a:p>
+            <a:r>
+              <a:rPr lang="en-US" sz="2000" b="1" dirty="0">
+                <a:solidFill>
+                  <a:srgbClr val="FF0000"/>
+                </a:solidFill>
+              </a:rPr>
+              <a:t>true</a:t>
+            </a:r>
+            <a:endParaRPr lang="en-US" sz="2800" b="1" dirty="0">
+              <a:solidFill>
+                <a:srgbClr val="FF0000"/>
+              </a:solidFill>
+            </a:endParaRPr>
+          </a:p>
+        </p:txBody>
+      </p:sp>
+      <p:grpSp>
+        <p:nvGrpSpPr>
+          <p:cNvPr id="20" name="Group 19">
+            <a:extLst>
+              <a:ext uri="{FF2B5EF4-FFF2-40B4-BE49-F238E27FC236}">
+                <a16:creationId xmlns:a16="http://schemas.microsoft.com/office/drawing/2014/main" id="{D6EA40A6-D091-19A5-C52B-3586AD46A9D6}"/>
+              </a:ext>
+            </a:extLst>
+          </p:cNvPr>
+          <p:cNvGrpSpPr/>
+          <p:nvPr/>
+        </p:nvGrpSpPr>
+        <p:grpSpPr>
+          <a:xfrm>
+            <a:off x="5729486" y="1600200"/>
+            <a:ext cx="631904" cy="421128"/>
+            <a:chOff x="5729486" y="1600200"/>
+            <a:chExt cx="631904" cy="421128"/>
+          </a:xfrm>
+        </p:grpSpPr>
+        <p:cxnSp>
+          <p:nvCxnSpPr>
+            <p:cNvPr id="14" name="Straight Connector 13">
+              <a:extLst>
+                <a:ext uri="{FF2B5EF4-FFF2-40B4-BE49-F238E27FC236}">
+                  <a16:creationId xmlns:a16="http://schemas.microsoft.com/office/drawing/2014/main" id="{D430EC3E-CC56-E9FE-55EF-E071C7EAB9F9}"/>
+                </a:ext>
+              </a:extLst>
+            </p:cNvPr>
+            <p:cNvCxnSpPr>
+              <a:cxnSpLocks/>
+            </p:cNvCxnSpPr>
+            <p:nvPr/>
+          </p:nvCxnSpPr>
+          <p:spPr>
+            <a:xfrm flipV="1">
+              <a:off x="5729486" y="1600200"/>
+              <a:ext cx="631904" cy="385879"/>
+            </a:xfrm>
+            <a:prstGeom prst="line">
+              <a:avLst/>
+            </a:prstGeom>
+            <a:ln w="28575">
+              <a:solidFill>
+                <a:srgbClr val="FF0000"/>
+              </a:solidFill>
+            </a:ln>
+          </p:spPr>
+          <p:style>
+            <a:lnRef idx="1">
+              <a:schemeClr val="accent1"/>
+            </a:lnRef>
+            <a:fillRef idx="0">
+              <a:schemeClr val="accent1"/>
+            </a:fillRef>
+            <a:effectRef idx="0">
+              <a:schemeClr val="accent1"/>
+            </a:effectRef>
+            <a:fontRef idx="minor">
+              <a:schemeClr val="tx1"/>
+            </a:fontRef>
+          </p:style>
+        </p:cxnSp>
+        <p:cxnSp>
+          <p:nvCxnSpPr>
+            <p:cNvPr id="17" name="Straight Connector 16">
+              <a:extLst>
+                <a:ext uri="{FF2B5EF4-FFF2-40B4-BE49-F238E27FC236}">
+                  <a16:creationId xmlns:a16="http://schemas.microsoft.com/office/drawing/2014/main" id="{897CEE75-A901-BF96-7F48-34168628A931}"/>
+                </a:ext>
+              </a:extLst>
+            </p:cNvPr>
+            <p:cNvCxnSpPr>
+              <a:cxnSpLocks/>
+            </p:cNvCxnSpPr>
+            <p:nvPr/>
+          </p:nvCxnSpPr>
+          <p:spPr>
+            <a:xfrm>
+              <a:off x="5729486" y="1600200"/>
+              <a:ext cx="631904" cy="421128"/>
+            </a:xfrm>
+            <a:prstGeom prst="line">
+              <a:avLst/>
+            </a:prstGeom>
+            <a:ln w="28575">
+              <a:solidFill>
+                <a:srgbClr val="FF0000"/>
+              </a:solidFill>
+            </a:ln>
+          </p:spPr>
+          <p:style>
+            <a:lnRef idx="1">
+              <a:schemeClr val="accent1"/>
+            </a:lnRef>
+            <a:fillRef idx="0">
+              <a:schemeClr val="accent1"/>
+            </a:fillRef>
+            <a:effectRef idx="0">
+              <a:schemeClr val="accent1"/>
+            </a:effectRef>
+            <a:fontRef idx="minor">
+              <a:schemeClr val="tx1"/>
+            </a:fontRef>
+          </p:style>
+        </p:cxnSp>
+      </p:grpSp>
+      <p:grpSp>
+        <p:nvGrpSpPr>
+          <p:cNvPr id="21" name="Group 20">
+            <a:extLst>
+              <a:ext uri="{FF2B5EF4-FFF2-40B4-BE49-F238E27FC236}">
+                <a16:creationId xmlns:a16="http://schemas.microsoft.com/office/drawing/2014/main" id="{4CB2C4E7-A4F7-06C1-FA81-539C9C78BC79}"/>
+              </a:ext>
+            </a:extLst>
+          </p:cNvPr>
+          <p:cNvGrpSpPr/>
+          <p:nvPr/>
+        </p:nvGrpSpPr>
+        <p:grpSpPr>
+          <a:xfrm>
+            <a:off x="6545763" y="2165116"/>
+            <a:ext cx="845637" cy="822558"/>
+            <a:chOff x="5729486" y="1600200"/>
+            <a:chExt cx="631904" cy="421128"/>
+          </a:xfrm>
+        </p:grpSpPr>
+        <p:cxnSp>
+          <p:nvCxnSpPr>
+            <p:cNvPr id="22" name="Straight Connector 21">
+              <a:extLst>
+                <a:ext uri="{FF2B5EF4-FFF2-40B4-BE49-F238E27FC236}">
+                  <a16:creationId xmlns:a16="http://schemas.microsoft.com/office/drawing/2014/main" id="{30962763-C9DD-72D4-151B-64D29295319B}"/>
+                </a:ext>
+              </a:extLst>
+            </p:cNvPr>
+            <p:cNvCxnSpPr>
+              <a:cxnSpLocks/>
+            </p:cNvCxnSpPr>
+            <p:nvPr/>
+          </p:nvCxnSpPr>
+          <p:spPr>
+            <a:xfrm flipV="1">
+              <a:off x="5729486" y="1600200"/>
+              <a:ext cx="631904" cy="385879"/>
+            </a:xfrm>
+            <a:prstGeom prst="line">
+              <a:avLst/>
+            </a:prstGeom>
+            <a:ln w="28575">
+              <a:solidFill>
+                <a:srgbClr val="FF0000"/>
+              </a:solidFill>
+            </a:ln>
+          </p:spPr>
+          <p:style>
+            <a:lnRef idx="1">
+              <a:schemeClr val="accent1"/>
+            </a:lnRef>
+            <a:fillRef idx="0">
+              <a:schemeClr val="accent1"/>
+            </a:fillRef>
+            <a:effectRef idx="0">
+              <a:schemeClr val="accent1"/>
+            </a:effectRef>
+            <a:fontRef idx="minor">
+              <a:schemeClr val="tx1"/>
+            </a:fontRef>
+          </p:style>
+        </p:cxnSp>
+        <p:cxnSp>
+          <p:nvCxnSpPr>
+            <p:cNvPr id="23" name="Straight Connector 22">
+              <a:extLst>
+                <a:ext uri="{FF2B5EF4-FFF2-40B4-BE49-F238E27FC236}">
+                  <a16:creationId xmlns:a16="http://schemas.microsoft.com/office/drawing/2014/main" id="{0652FC3B-B42C-8406-FD84-63389A82B267}"/>
+                </a:ext>
+              </a:extLst>
+            </p:cNvPr>
+            <p:cNvCxnSpPr>
+              <a:cxnSpLocks/>
+            </p:cNvCxnSpPr>
+            <p:nvPr/>
+          </p:nvCxnSpPr>
+          <p:spPr>
+            <a:xfrm>
+              <a:off x="5729486" y="1600200"/>
+              <a:ext cx="631904" cy="421128"/>
+            </a:xfrm>
+            <a:prstGeom prst="line">
+              <a:avLst/>
+            </a:prstGeom>
+            <a:ln w="28575">
+              <a:solidFill>
+                <a:srgbClr val="FF0000"/>
+              </a:solidFill>
+            </a:ln>
+          </p:spPr>
+          <p:style>
+            <a:lnRef idx="1">
+              <a:schemeClr val="accent1"/>
+            </a:lnRef>
+            <a:fillRef idx="0">
+              <a:schemeClr val="accent1"/>
+            </a:fillRef>
+            <a:effectRef idx="0">
+              <a:schemeClr val="accent1"/>
+            </a:effectRef>
+            <a:fontRef idx="minor">
+              <a:schemeClr val="tx1"/>
+            </a:fontRef>
+          </p:style>
+        </p:cxnSp>
+      </p:grpSp>
+      <p:sp>
+        <p:nvSpPr>
+          <p:cNvPr id="24" name="TextBox 23">
+            <a:extLst>
+              <a:ext uri="{FF2B5EF4-FFF2-40B4-BE49-F238E27FC236}">
+                <a16:creationId xmlns:a16="http://schemas.microsoft.com/office/drawing/2014/main" id="{C700B6CC-FCD6-0E22-7F26-C081480E395B}"/>
+              </a:ext>
+            </a:extLst>
+          </p:cNvPr>
+          <p:cNvSpPr txBox="1"/>
+          <p:nvPr/>
+        </p:nvSpPr>
+        <p:spPr>
+          <a:xfrm>
+            <a:off x="7208439" y="459520"/>
+            <a:ext cx="1187633" cy="400110"/>
+          </a:xfrm>
+          <a:prstGeom prst="rect">
+            <a:avLst/>
+          </a:prstGeom>
+          <a:noFill/>
+        </p:spPr>
+        <p:txBody>
+          <a:bodyPr wrap="none" rtlCol="0">
+            <a:spAutoFit/>
+          </a:bodyPr>
+          <a:lstStyle/>
+          <a:p>
+            <a:r>
+              <a:rPr lang="en-US" sz="2000" b="1" dirty="0">
+                <a:solidFill>
+                  <a:srgbClr val="FF0000"/>
+                </a:solidFill>
+              </a:rPr>
+              <a:t>unknown</a:t>
+            </a:r>
+            <a:endParaRPr lang="en-US" sz="2800" b="1" dirty="0">
+              <a:solidFill>
+                <a:srgbClr val="FF0000"/>
+              </a:solidFill>
+            </a:endParaRPr>
+          </a:p>
+        </p:txBody>
+      </p:sp>
+      <p:sp>
+        <p:nvSpPr>
+          <p:cNvPr id="25" name="TextBox 24">
+            <a:extLst>
+              <a:ext uri="{FF2B5EF4-FFF2-40B4-BE49-F238E27FC236}">
+                <a16:creationId xmlns:a16="http://schemas.microsoft.com/office/drawing/2014/main" id="{7BFDF9B3-1C46-426C-3A0C-53A393294027}"/>
+              </a:ext>
+            </a:extLst>
+          </p:cNvPr>
+          <p:cNvSpPr txBox="1"/>
+          <p:nvPr/>
+        </p:nvSpPr>
+        <p:spPr>
+          <a:xfrm>
+            <a:off x="8078713" y="1585969"/>
+            <a:ext cx="303288" cy="400110"/>
+          </a:xfrm>
+          <a:prstGeom prst="rect">
+            <a:avLst/>
+          </a:prstGeom>
+          <a:noFill/>
+        </p:spPr>
+        <p:txBody>
+          <a:bodyPr wrap="none" rtlCol="0">
+            <a:spAutoFit/>
+          </a:bodyPr>
+          <a:lstStyle/>
+          <a:p>
+            <a:r>
+              <a:rPr lang="en-US" sz="2000" b="1" dirty="0">
+                <a:solidFill>
+                  <a:srgbClr val="FF0000"/>
+                </a:solidFill>
+              </a:rPr>
+              <a:t>?</a:t>
+            </a:r>
+            <a:endParaRPr lang="en-US" sz="2800" b="1" dirty="0">
+              <a:solidFill>
+                <a:srgbClr val="FF0000"/>
+              </a:solidFill>
+            </a:endParaRPr>
+          </a:p>
+        </p:txBody>
+      </p:sp>
+      <p:sp>
+        <p:nvSpPr>
+          <p:cNvPr id="26" name="Arrow: Down 25">
+            <a:extLst>
+              <a:ext uri="{FF2B5EF4-FFF2-40B4-BE49-F238E27FC236}">
+                <a16:creationId xmlns:a16="http://schemas.microsoft.com/office/drawing/2014/main" id="{A4355F4B-8D5E-3579-D1DA-E04691CF568A}"/>
+              </a:ext>
+            </a:extLst>
+          </p:cNvPr>
+          <p:cNvSpPr/>
+          <p:nvPr/>
+        </p:nvSpPr>
+        <p:spPr>
+          <a:xfrm>
+            <a:off x="6407597" y="3031716"/>
+            <a:ext cx="983803" cy="505336"/>
+          </a:xfrm>
+          <a:prstGeom prst="downArrow">
+            <a:avLst>
+              <a:gd name="adj1" fmla="val 56634"/>
+              <a:gd name="adj2" fmla="val 56895"/>
+            </a:avLst>
+          </a:prstGeom>
+        </p:spPr>
+        <p:style>
+          <a:lnRef idx="2">
+            <a:schemeClr val="accent1">
+              <a:shade val="15000"/>
+            </a:schemeClr>
+          </a:lnRef>
+          <a:fillRef idx="1">
+            <a:schemeClr val="accent1"/>
+          </a:fillRef>
+          <a:effectRef idx="0">
+            <a:schemeClr val="accent1"/>
+          </a:effectRef>
+          <a:fontRef idx="minor">
+            <a:schemeClr val="lt1"/>
+          </a:fontRef>
+        </p:style>
+        <p:txBody>
+          <a:bodyPr rtlCol="0" anchor="ctr"/>
+          <a:lstStyle/>
+          <a:p>
+            <a:pPr algn="ctr"/>
+            <a:endParaRPr lang="en-US" dirty="0"/>
+          </a:p>
+        </p:txBody>
+      </p:sp>
+    </p:spTree>
+    <p:extLst>
+      <p:ext uri="{BB962C8B-B14F-4D97-AF65-F5344CB8AC3E}">
+        <p14:creationId xmlns:p14="http://schemas.microsoft.com/office/powerpoint/2010/main" val="2590645933"/>
+      </p:ext>
+    </p:extLst>
+  </p:cSld>
+  <p:clrMapOvr>
+    <a:masterClrMapping/>
+  </p:clrMapOvr>
+  <p:timing>
+    <p:tnLst>
+      <p:par>
+        <p:cTn id="1" dur="indefinite" restart="never" nodeType="tmRoot">
+          <p:childTnLst>
+            <p:seq concurrent="1" nextAc="seek">
+              <p:cTn id="2" dur="indefinite" nodeType="mainSeq">
+                <p:childTnLst>
+                  <p:par>
+                    <p:cTn id="3" fill="hold">
+                      <p:stCondLst>
+                        <p:cond delay="indefinite"/>
+                      </p:stCondLst>
+                      <p:childTnLst>
+                        <p:par>
+                          <p:cTn id="4" fill="hold">
+                            <p:stCondLst>
+                              <p:cond delay="0"/>
+                            </p:stCondLst>
+                            <p:childTnLst>
+                              <p:par>
+                                <p:cTn id="5" presetID="1" presetClass="entr" presetSubtype="0" fill="hold" nodeType="clickEffect">
+                                  <p:stCondLst>
+                                    <p:cond delay="0"/>
+                                  </p:stCondLst>
+                                  <p:childTnLst>
+                                    <p:set>
+                                      <p:cBhvr>
+                                        <p:cTn id="6" dur="1" fill="hold">
+                                          <p:stCondLst>
+                                            <p:cond delay="0"/>
+                                          </p:stCondLst>
+                                        </p:cTn>
+                                        <p:tgtEl>
+                                          <p:spTgt spid="3">
+                                            <p:txEl>
+                                              <p:pRg st="6" end="6"/>
+                                            </p:txEl>
+                                          </p:spTgt>
+                                        </p:tgtEl>
+                                        <p:attrNameLst>
+                                          <p:attrName>style.visibility</p:attrName>
+                                        </p:attrNameLst>
+                                      </p:cBhvr>
+                                      <p:to>
+                                        <p:strVal val="visible"/>
+                                      </p:to>
+                                    </p:set>
+                                  </p:childTnLst>
+                                </p:cTn>
+                              </p:par>
+                              <p:par>
+                                <p:cTn id="7" presetID="1" presetClass="entr" presetSubtype="0" fill="hold" nodeType="withEffect">
+                                  <p:stCondLst>
+                                    <p:cond delay="0"/>
+                                  </p:stCondLst>
+                                  <p:childTnLst>
+                                    <p:set>
+                                      <p:cBhvr>
+                                        <p:cTn id="8" dur="1" fill="hold">
+                                          <p:stCondLst>
+                                            <p:cond delay="0"/>
+                                          </p:stCondLst>
+                                        </p:cTn>
+                                        <p:tgtEl>
+                                          <p:spTgt spid="5"/>
+                                        </p:tgtEl>
+                                        <p:attrNameLst>
+                                          <p:attrName>style.visibility</p:attrName>
+                                        </p:attrNameLst>
+                                      </p:cBhvr>
+                                      <p:to>
+                                        <p:strVal val="visible"/>
+                                      </p:to>
+                                    </p:set>
+                                  </p:childTnLst>
+                                </p:cTn>
+                              </p:par>
+                              <p:par>
+                                <p:cTn id="9" presetID="1" presetClass="entr" presetSubtype="0" fill="hold" grpId="0" nodeType="withEffect">
+                                  <p:stCondLst>
+                                    <p:cond delay="0"/>
+                                  </p:stCondLst>
+                                  <p:childTnLst>
+                                    <p:set>
+                                      <p:cBhvr>
+                                        <p:cTn id="10" dur="1" fill="hold">
+                                          <p:stCondLst>
+                                            <p:cond delay="0"/>
+                                          </p:stCondLst>
+                                        </p:cTn>
+                                        <p:tgtEl>
+                                          <p:spTgt spid="26"/>
+                                        </p:tgtEl>
+                                        <p:attrNameLst>
+                                          <p:attrName>style.visibility</p:attrName>
+                                        </p:attrNameLst>
+                                      </p:cBhvr>
+                                      <p:to>
+                                        <p:strVal val="visible"/>
+                                      </p:to>
+                                    </p:set>
+                                  </p:childTnLst>
+                                </p:cTn>
+                              </p:par>
+                              <p:par>
+                                <p:cTn id="11" presetID="1" presetClass="entr" presetSubtype="0" fill="hold" grpId="0" nodeType="withEffect">
+                                  <p:stCondLst>
+                                    <p:cond delay="0"/>
+                                  </p:stCondLst>
+                                  <p:childTnLst>
+                                    <p:set>
+                                      <p:cBhvr>
+                                        <p:cTn id="12" dur="1" fill="hold">
+                                          <p:stCondLst>
+                                            <p:cond delay="0"/>
+                                          </p:stCondLst>
+                                        </p:cTn>
+                                        <p:tgtEl>
+                                          <p:spTgt spid="7"/>
+                                        </p:tgtEl>
+                                        <p:attrNameLst>
+                                          <p:attrName>style.visibility</p:attrName>
+                                        </p:attrNameLst>
+                                      </p:cBhvr>
+                                      <p:to>
+                                        <p:strVal val="visible"/>
+                                      </p:to>
+                                    </p:set>
+                                  </p:childTnLst>
+                                </p:cTn>
+                              </p:par>
+                            </p:childTnLst>
+                          </p:cTn>
+                        </p:par>
+                      </p:childTnLst>
+                    </p:cTn>
+                  </p:par>
+                  <p:par>
+                    <p:cTn id="13" fill="hold">
+                      <p:stCondLst>
+                        <p:cond delay="indefinite"/>
+                      </p:stCondLst>
+                      <p:childTnLst>
+                        <p:par>
+                          <p:cTn id="14" fill="hold">
+                            <p:stCondLst>
+                              <p:cond delay="0"/>
+                            </p:stCondLst>
+                            <p:childTnLst>
+                              <p:par>
+                                <p:cTn id="15" presetID="1" presetClass="entr" presetSubtype="0" fill="hold" nodeType="clickEffect">
+                                  <p:stCondLst>
+                                    <p:cond delay="0"/>
+                                  </p:stCondLst>
+                                  <p:childTnLst>
+                                    <p:set>
+                                      <p:cBhvr>
+                                        <p:cTn id="16" dur="1" fill="hold">
+                                          <p:stCondLst>
+                                            <p:cond delay="0"/>
+                                          </p:stCondLst>
+                                        </p:cTn>
+                                        <p:tgtEl>
+                                          <p:spTgt spid="3">
+                                            <p:txEl>
+                                              <p:pRg st="8" end="8"/>
+                                            </p:txEl>
+                                          </p:spTgt>
+                                        </p:tgtEl>
+                                        <p:attrNameLst>
+                                          <p:attrName>style.visibility</p:attrName>
+                                        </p:attrNameLst>
+                                      </p:cBhvr>
+                                      <p:to>
+                                        <p:strVal val="visible"/>
+                                      </p:to>
+                                    </p:set>
+                                  </p:childTnLst>
+                                </p:cTn>
+                              </p:par>
+                              <p:par>
+                                <p:cTn id="17" presetID="1" presetClass="entr" presetSubtype="0" fill="hold" nodeType="withEffect">
+                                  <p:stCondLst>
+                                    <p:cond delay="0"/>
+                                  </p:stCondLst>
+                                  <p:childTnLst>
+                                    <p:set>
+                                      <p:cBhvr>
+                                        <p:cTn id="18" dur="1" fill="hold">
+                                          <p:stCondLst>
+                                            <p:cond delay="0"/>
+                                          </p:stCondLst>
+                                        </p:cTn>
+                                        <p:tgtEl>
+                                          <p:spTgt spid="3">
+                                            <p:txEl>
+                                              <p:pRg st="10" end="10"/>
+                                            </p:txEl>
+                                          </p:spTgt>
+                                        </p:tgtEl>
+                                        <p:attrNameLst>
+                                          <p:attrName>style.visibility</p:attrName>
+                                        </p:attrNameLst>
+                                      </p:cBhvr>
+                                      <p:to>
+                                        <p:strVal val="visible"/>
+                                      </p:to>
+                                    </p:set>
+                                  </p:childTnLst>
+                                </p:cTn>
+                              </p:par>
+                              <p:par>
+                                <p:cTn id="19" presetID="1" presetClass="entr" presetSubtype="0" fill="hold" nodeType="withEffect">
+                                  <p:stCondLst>
+                                    <p:cond delay="0"/>
+                                  </p:stCondLst>
+                                  <p:childTnLst>
+                                    <p:set>
+                                      <p:cBhvr>
+                                        <p:cTn id="20" dur="1" fill="hold">
+                                          <p:stCondLst>
+                                            <p:cond delay="0"/>
+                                          </p:stCondLst>
+                                        </p:cTn>
+                                        <p:tgtEl>
+                                          <p:spTgt spid="3">
+                                            <p:txEl>
+                                              <p:pRg st="11" end="11"/>
+                                            </p:txEl>
+                                          </p:spTgt>
+                                        </p:tgtEl>
+                                        <p:attrNameLst>
+                                          <p:attrName>style.visibility</p:attrName>
+                                        </p:attrNameLst>
+                                      </p:cBhvr>
+                                      <p:to>
+                                        <p:strVal val="visible"/>
+                                      </p:to>
+                                    </p:set>
+                                  </p:childTnLst>
+                                </p:cTn>
+                              </p:par>
+                              <p:par>
+                                <p:cTn id="21" presetID="1" presetClass="entr" presetSubtype="0" fill="hold" nodeType="withEffect">
+                                  <p:stCondLst>
+                                    <p:cond delay="0"/>
+                                  </p:stCondLst>
+                                  <p:childTnLst>
+                                    <p:set>
+                                      <p:cBhvr>
+                                        <p:cTn id="22" dur="1" fill="hold">
+                                          <p:stCondLst>
+                                            <p:cond delay="0"/>
+                                          </p:stCondLst>
+                                        </p:cTn>
+                                        <p:tgtEl>
+                                          <p:spTgt spid="3">
+                                            <p:txEl>
+                                              <p:pRg st="13" end="13"/>
+                                            </p:txEl>
+                                          </p:spTgt>
+                                        </p:tgtEl>
+                                        <p:attrNameLst>
+                                          <p:attrName>style.visibility</p:attrName>
+                                        </p:attrNameLst>
+                                      </p:cBhvr>
+                                      <p:to>
+                                        <p:strVal val="visible"/>
+                                      </p:to>
+                                    </p:set>
+                                  </p:childTnLst>
+                                </p:cTn>
+                              </p:par>
+                            </p:childTnLst>
+                          </p:cTn>
+                        </p:par>
+                      </p:childTnLst>
+                    </p:cTn>
+                  </p:par>
+                </p:childTnLst>
+              </p:cTn>
+              <p:prevCondLst>
+                <p:cond evt="onPrev" delay="0">
+                  <p:tgtEl>
+                    <p:sldTgt/>
+                  </p:tgtEl>
+                </p:cond>
+              </p:prevCondLst>
+              <p:nextCondLst>
+                <p:cond evt="onNext" delay="0">
+                  <p:tgtEl>
+                    <p:sldTgt/>
+                  </p:tgtEl>
+                </p:cond>
+              </p:nextCondLst>
+            </p:seq>
+          </p:childTnLst>
+        </p:cTn>
+      </p:par>
+    </p:tnLst>
+    <p:bldLst>
+      <p:bldP spid="7" grpId="0"/>
+      <p:bldP spid="26" grpId="0" animBg="1"/>
+    </p:bldLst>
+  </p:timing>
+</p:sld>
+</file>
+
+<file path=ppt/slides/slide4.xml><?xml version="1.0" encoding="utf-8"?>
+<p:sld xmlns:a="http://schemas.openxmlformats.org/drawingml/2006/main" xmlns:r="http://schemas.openxmlformats.org/officeDocument/2006/relationships" xmlns:p="http://schemas.openxmlformats.org/presentationml/2006/main">
+  <p:cSld>
+    <p:spTree>
+      <p:nvGrpSpPr>
+        <p:cNvPr id="1" name=""/>
+        <p:cNvGrpSpPr/>
+        <p:nvPr/>
+      </p:nvGrpSpPr>
+      <p:grpSpPr>
+        <a:xfrm>
+          <a:off x="0" y="0"/>
+          <a:ext cx="0" cy="0"/>
+          <a:chOff x="0" y="0"/>
+          <a:chExt cx="0" cy="0"/>
+        </a:xfrm>
+      </p:grpSpPr>
+      <p:sp>
+        <p:nvSpPr>
+          <p:cNvPr id="6146" name="Rectangle 2"/>
+          <p:cNvSpPr>
+            <a:spLocks noGrp="1" noChangeArrowheads="1"/>
+          </p:cNvSpPr>
+          <p:nvPr>
+            <p:ph type="title"/>
+          </p:nvPr>
+        </p:nvSpPr>
+        <p:spPr/>
+        <p:txBody>
+          <a:bodyPr/>
+          <a:lstStyle/>
+          <a:p>
+            <a:r>
+              <a:rPr lang="en-US" dirty="0"/>
+              <a:t>Structure of Bayesian Networks</a:t>
+            </a:r>
+          </a:p>
+        </p:txBody>
+      </p:sp>
+      <p:sp>
+        <p:nvSpPr>
+          <p:cNvPr id="6147" name="Rectangle 3"/>
+          <p:cNvSpPr>
+            <a:spLocks noGrp="1" noChangeArrowheads="1"/>
+          </p:cNvSpPr>
+          <p:nvPr>
+            <p:ph idx="1"/>
+          </p:nvPr>
+        </p:nvSpPr>
+        <p:spPr>
+          <a:xfrm>
+            <a:off x="628650" y="1981200"/>
+            <a:ext cx="7886700" cy="4351338"/>
+          </a:xfrm>
+        </p:spPr>
+        <p:txBody>
+          <a:bodyPr>
+            <a:normAutofit fontScale="92500" lnSpcReduction="20000"/>
+          </a:bodyPr>
+          <a:lstStyle/>
+          <a:p>
+            <a:pPr marL="0" indent="0">
+              <a:lnSpc>
+                <a:spcPct val="90000"/>
+              </a:lnSpc>
+              <a:buNone/>
+            </a:pPr>
+            <a:r>
+              <a:rPr lang="en-US" sz="2800" b="1" dirty="0"/>
+              <a:t>Nodes:</a:t>
+            </a:r>
+            <a:r>
+              <a:rPr lang="en-US" sz="2800" dirty="0"/>
+              <a:t> Random variables</a:t>
+            </a:r>
+          </a:p>
+          <a:p>
+            <a:pPr lvl="1">
+              <a:lnSpc>
+                <a:spcPct val="90000"/>
+              </a:lnSpc>
+            </a:pPr>
+            <a:r>
+              <a:rPr lang="en-US" sz="2400" dirty="0"/>
+              <a:t>Can be assigned (observed)</a:t>
+            </a:r>
+            <a:br>
+              <a:rPr lang="en-US" sz="2400" dirty="0"/>
+            </a:br>
+            <a:r>
+              <a:rPr lang="en-US" sz="2400" dirty="0"/>
+              <a:t>or unassigned (unobserved)</a:t>
+            </a:r>
+          </a:p>
+          <a:p>
+            <a:pPr>
+              <a:lnSpc>
+                <a:spcPct val="90000"/>
+              </a:lnSpc>
+              <a:buFontTx/>
+              <a:buNone/>
+            </a:pPr>
+            <a:endParaRPr lang="en-US" sz="2400" dirty="0"/>
+          </a:p>
+          <a:p>
+            <a:pPr marL="0" indent="0">
+              <a:lnSpc>
+                <a:spcPct val="90000"/>
+              </a:lnSpc>
+              <a:buNone/>
+            </a:pPr>
+            <a:r>
+              <a:rPr lang="en-US" sz="2800" b="1" dirty="0"/>
+              <a:t>Arcs:</a:t>
+            </a:r>
+            <a:r>
+              <a:rPr lang="en-US" sz="2800" dirty="0"/>
+              <a:t> Dependencies</a:t>
+            </a:r>
+          </a:p>
+          <a:p>
+            <a:pPr lvl="1">
+              <a:lnSpc>
+                <a:spcPct val="90000"/>
+              </a:lnSpc>
+            </a:pPr>
+            <a:r>
+              <a:rPr lang="en-US" sz="2400" dirty="0"/>
+              <a:t>An arrow from one variable to another indicates direct influence.</a:t>
+            </a:r>
+          </a:p>
+          <a:p>
+            <a:pPr lvl="1">
+              <a:lnSpc>
+                <a:spcPct val="90000"/>
+              </a:lnSpc>
+            </a:pPr>
+            <a:r>
+              <a:rPr lang="en-US" sz="2400" dirty="0"/>
+              <a:t>Show independence</a:t>
+            </a:r>
+          </a:p>
+          <a:p>
+            <a:pPr lvl="2">
+              <a:lnSpc>
+                <a:spcPct val="90000"/>
+              </a:lnSpc>
+            </a:pPr>
+            <a:r>
+              <a:rPr lang="en-US" sz="2000" i="1" dirty="0">
+                <a:solidFill>
+                  <a:srgbClr val="0066FF"/>
+                </a:solidFill>
+              </a:rPr>
+              <a:t>Weather</a:t>
+            </a:r>
+            <a:r>
+              <a:rPr lang="en-US" sz="2000" dirty="0"/>
+              <a:t> is independent of the other variables (no connection).</a:t>
+            </a:r>
+          </a:p>
+          <a:p>
+            <a:pPr lvl="2">
+              <a:lnSpc>
+                <a:spcPct val="90000"/>
+              </a:lnSpc>
+            </a:pPr>
+            <a:r>
+              <a:rPr lang="en-US" sz="2000" i="1" dirty="0">
+                <a:solidFill>
+                  <a:srgbClr val="0066FF"/>
+                </a:solidFill>
+              </a:rPr>
+              <a:t>Toothache</a:t>
+            </a:r>
+            <a:r>
+              <a:rPr lang="en-US" sz="2000" dirty="0"/>
+              <a:t> and </a:t>
+            </a:r>
+            <a:r>
+              <a:rPr lang="en-US" sz="2000" i="1" dirty="0">
+                <a:solidFill>
+                  <a:srgbClr val="0066FF"/>
+                </a:solidFill>
+              </a:rPr>
+              <a:t>Catch</a:t>
+            </a:r>
+            <a:r>
+              <a:rPr lang="en-US" sz="2000" dirty="0"/>
+              <a:t> are conditionally independent given </a:t>
+            </a:r>
+            <a:r>
+              <a:rPr lang="en-US" sz="2000" i="1" dirty="0">
+                <a:solidFill>
+                  <a:srgbClr val="0066FF"/>
+                </a:solidFill>
+              </a:rPr>
+              <a:t>Cavity </a:t>
+            </a:r>
+            <a:r>
+              <a:rPr lang="en-US" sz="2000" dirty="0"/>
+              <a:t>(directed arc).</a:t>
+            </a:r>
+            <a:endParaRPr lang="en-US" sz="2000" i="1" dirty="0">
+              <a:solidFill>
+                <a:srgbClr val="0066FF"/>
+              </a:solidFill>
+            </a:endParaRPr>
+          </a:p>
+          <a:p>
+            <a:pPr lvl="1">
+              <a:lnSpc>
+                <a:spcPct val="90000"/>
+              </a:lnSpc>
+            </a:pPr>
+            <a:r>
+              <a:rPr lang="en-US" sz="2400" dirty="0"/>
+              <a:t>Must form a directed </a:t>
+            </a:r>
+            <a:r>
+              <a:rPr lang="en-US" sz="2400" i="1" dirty="0"/>
+              <a:t>acyclic</a:t>
+            </a:r>
+            <a:r>
+              <a:rPr lang="en-US" sz="2400" dirty="0"/>
+              <a:t> graph (DAG)</a:t>
+            </a:r>
+          </a:p>
+          <a:p>
+            <a:pPr lvl="1">
+              <a:lnSpc>
+                <a:spcPct val="90000"/>
+              </a:lnSpc>
+            </a:pPr>
+            <a:endParaRPr lang="en-US" sz="2400" dirty="0"/>
+          </a:p>
+          <a:p>
+            <a:pPr marL="0" indent="0">
+              <a:buNone/>
+            </a:pPr>
+            <a:r>
+              <a:rPr lang="en-US" sz="2700" dirty="0"/>
+              <a:t>A network with all random variables assigned represents a </a:t>
+            </a:r>
+            <a:r>
+              <a:rPr lang="en-US" sz="2700" b="1" dirty="0"/>
+              <a:t>state of the system</a:t>
+            </a:r>
+            <a:r>
+              <a:rPr lang="en-US" sz="2700" dirty="0"/>
+              <a:t>.</a:t>
+            </a:r>
+          </a:p>
+        </p:txBody>
+      </p:sp>
+      <p:pic>
+        <p:nvPicPr>
+          <p:cNvPr id="6148" name="Picture 4" descr="dentist-network"/>
+          <p:cNvPicPr>
+            <a:picLocks noChangeAspect="1" noChangeArrowheads="1"/>
+          </p:cNvPicPr>
+          <p:nvPr/>
+        </p:nvPicPr>
+        <p:blipFill>
+          <a:blip r:embed="rId3" cstate="print"/>
+          <a:srcRect/>
+          <a:stretch>
+            <a:fillRect/>
+          </a:stretch>
+        </p:blipFill>
+        <p:spPr bwMode="auto">
+          <a:xfrm>
+            <a:off x="4876800" y="1431569"/>
+            <a:ext cx="3581400" cy="1768831"/>
+          </a:xfrm>
+          <a:prstGeom prst="rect">
+            <a:avLst/>
+          </a:prstGeom>
+          <a:noFill/>
+        </p:spPr>
+      </p:pic>
+    </p:spTree>
+  </p:cSld>
+  <p:clrMapOvr>
+    <a:masterClrMapping/>
+  </p:clrMapOvr>
+</p:sld>
+</file>
+
+<file path=ppt/slides/slide40.xml><?xml version="1.0" encoding="utf-8"?>
 <p:sld xmlns:a="http://schemas.openxmlformats.org/drawingml/2006/main" xmlns:r="http://schemas.openxmlformats.org/officeDocument/2006/relationships" xmlns:p="http://schemas.openxmlformats.org/presentationml/2006/main">
   <p:cSld>
     <p:bg>
@@ -30919,295 +33538,6 @@
 </p:sld>
 </file>
 
-<file path=ppt/slides/slide4.xml><?xml version="1.0" encoding="utf-8"?>
-<p:sld xmlns:a="http://schemas.openxmlformats.org/drawingml/2006/main" xmlns:r="http://schemas.openxmlformats.org/officeDocument/2006/relationships" xmlns:p="http://schemas.openxmlformats.org/presentationml/2006/main">
-  <p:cSld>
-    <p:spTree>
-      <p:nvGrpSpPr>
-        <p:cNvPr id="1" name=""/>
-        <p:cNvGrpSpPr/>
-        <p:nvPr/>
-      </p:nvGrpSpPr>
-      <p:grpSpPr>
-        <a:xfrm>
-          <a:off x="0" y="0"/>
-          <a:ext cx="0" cy="0"/>
-          <a:chOff x="0" y="0"/>
-          <a:chExt cx="0" cy="0"/>
-        </a:xfrm>
-      </p:grpSpPr>
-      <p:sp>
-        <p:nvSpPr>
-          <p:cNvPr id="6146" name="Rectangle 2"/>
-          <p:cNvSpPr>
-            <a:spLocks noGrp="1" noChangeArrowheads="1"/>
-          </p:cNvSpPr>
-          <p:nvPr>
-            <p:ph type="title"/>
-          </p:nvPr>
-        </p:nvSpPr>
-        <p:spPr/>
-        <p:txBody>
-          <a:bodyPr/>
-          <a:lstStyle/>
-          <a:p>
-            <a:r>
-              <a:rPr lang="en-US" dirty="0"/>
-              <a:t>Structure of Bayesian Networks</a:t>
-            </a:r>
-          </a:p>
-        </p:txBody>
-      </p:sp>
-      <p:sp>
-        <p:nvSpPr>
-          <p:cNvPr id="6147" name="Rectangle 3"/>
-          <p:cNvSpPr>
-            <a:spLocks noGrp="1" noChangeArrowheads="1"/>
-          </p:cNvSpPr>
-          <p:nvPr>
-            <p:ph idx="1"/>
-          </p:nvPr>
-        </p:nvSpPr>
-        <p:spPr>
-          <a:xfrm>
-            <a:off x="628650" y="1981200"/>
-            <a:ext cx="7886700" cy="4351338"/>
-          </a:xfrm>
-        </p:spPr>
-        <p:txBody>
-          <a:bodyPr>
-            <a:normAutofit fontScale="92500" lnSpcReduction="20000"/>
-          </a:bodyPr>
-          <a:lstStyle/>
-          <a:p>
-            <a:pPr marL="0" indent="0">
-              <a:lnSpc>
-                <a:spcPct val="90000"/>
-              </a:lnSpc>
-              <a:buNone/>
-            </a:pPr>
-            <a:r>
-              <a:rPr lang="en-US" sz="2800" b="1" dirty="0"/>
-              <a:t>Nodes:</a:t>
-            </a:r>
-            <a:r>
-              <a:rPr lang="en-US" sz="2800" dirty="0"/>
-              <a:t> Random variables</a:t>
-            </a:r>
-          </a:p>
-          <a:p>
-            <a:pPr lvl="1">
-              <a:lnSpc>
-                <a:spcPct val="90000"/>
-              </a:lnSpc>
-            </a:pPr>
-            <a:r>
-              <a:rPr lang="en-US" sz="2400" dirty="0"/>
-              <a:t>Can be assigned (observed)</a:t>
-            </a:r>
-            <a:br>
-              <a:rPr lang="en-US" sz="2400" dirty="0"/>
-            </a:br>
-            <a:r>
-              <a:rPr lang="en-US" sz="2400" dirty="0"/>
-              <a:t>or unassigned (unobserved)</a:t>
-            </a:r>
-          </a:p>
-          <a:p>
-            <a:pPr>
-              <a:lnSpc>
-                <a:spcPct val="90000"/>
-              </a:lnSpc>
-              <a:buFontTx/>
-              <a:buNone/>
-            </a:pPr>
-            <a:endParaRPr lang="en-US" sz="2400" dirty="0"/>
-          </a:p>
-          <a:p>
-            <a:pPr marL="0" indent="0">
-              <a:lnSpc>
-                <a:spcPct val="90000"/>
-              </a:lnSpc>
-              <a:buNone/>
-            </a:pPr>
-            <a:r>
-              <a:rPr lang="en-US" sz="2800" b="1" dirty="0"/>
-              <a:t>Arcs:</a:t>
-            </a:r>
-            <a:r>
-              <a:rPr lang="en-US" sz="2800" dirty="0"/>
-              <a:t> Dependencies</a:t>
-            </a:r>
-          </a:p>
-          <a:p>
-            <a:pPr lvl="1">
-              <a:lnSpc>
-                <a:spcPct val="90000"/>
-              </a:lnSpc>
-            </a:pPr>
-            <a:r>
-              <a:rPr lang="en-US" sz="2400" dirty="0"/>
-              <a:t>An arrow from one variable to another indicates direct influence.</a:t>
-            </a:r>
-          </a:p>
-          <a:p>
-            <a:pPr lvl="1">
-              <a:lnSpc>
-                <a:spcPct val="90000"/>
-              </a:lnSpc>
-            </a:pPr>
-            <a:r>
-              <a:rPr lang="en-US" sz="2400" dirty="0"/>
-              <a:t>Show independence</a:t>
-            </a:r>
-          </a:p>
-          <a:p>
-            <a:pPr lvl="2">
-              <a:lnSpc>
-                <a:spcPct val="90000"/>
-              </a:lnSpc>
-            </a:pPr>
-            <a:r>
-              <a:rPr lang="en-US" sz="2000" i="1" dirty="0">
-                <a:solidFill>
-                  <a:srgbClr val="0066FF"/>
-                </a:solidFill>
-              </a:rPr>
-              <a:t>Weather</a:t>
-            </a:r>
-            <a:r>
-              <a:rPr lang="en-US" sz="2000" dirty="0"/>
-              <a:t> is independent of the other variables (no connection).</a:t>
-            </a:r>
-          </a:p>
-          <a:p>
-            <a:pPr lvl="2">
-              <a:lnSpc>
-                <a:spcPct val="90000"/>
-              </a:lnSpc>
-            </a:pPr>
-            <a:r>
-              <a:rPr lang="en-US" sz="2000" i="1" dirty="0">
-                <a:solidFill>
-                  <a:srgbClr val="0066FF"/>
-                </a:solidFill>
-              </a:rPr>
-              <a:t>Toothache</a:t>
-            </a:r>
-            <a:r>
-              <a:rPr lang="en-US" sz="2000" dirty="0"/>
-              <a:t> and </a:t>
-            </a:r>
-            <a:r>
-              <a:rPr lang="en-US" sz="2000" i="1" dirty="0">
-                <a:solidFill>
-                  <a:srgbClr val="0066FF"/>
-                </a:solidFill>
-              </a:rPr>
-              <a:t>Catch</a:t>
-            </a:r>
-            <a:r>
-              <a:rPr lang="en-US" sz="2000" dirty="0"/>
-              <a:t> are conditionally independent given </a:t>
-            </a:r>
-            <a:r>
-              <a:rPr lang="en-US" sz="2000" i="1" dirty="0">
-                <a:solidFill>
-                  <a:srgbClr val="0066FF"/>
-                </a:solidFill>
-              </a:rPr>
-              <a:t>Cavity </a:t>
-            </a:r>
-            <a:r>
-              <a:rPr lang="en-US" sz="2000" dirty="0"/>
-              <a:t>(directed arc).</a:t>
-            </a:r>
-            <a:endParaRPr lang="en-US" sz="2000" i="1" dirty="0">
-              <a:solidFill>
-                <a:srgbClr val="0066FF"/>
-              </a:solidFill>
-            </a:endParaRPr>
-          </a:p>
-          <a:p>
-            <a:pPr lvl="1">
-              <a:lnSpc>
-                <a:spcPct val="90000"/>
-              </a:lnSpc>
-            </a:pPr>
-            <a:r>
-              <a:rPr lang="en-US" sz="2400" dirty="0"/>
-              <a:t>Must form a directed </a:t>
-            </a:r>
-            <a:r>
-              <a:rPr lang="en-US" sz="2400" i="1" dirty="0"/>
-              <a:t>acyclic</a:t>
-            </a:r>
-            <a:r>
-              <a:rPr lang="en-US" sz="2400" dirty="0"/>
-              <a:t> graph (DAG)</a:t>
-            </a:r>
-          </a:p>
-          <a:p>
-            <a:pPr lvl="1">
-              <a:lnSpc>
-                <a:spcPct val="90000"/>
-              </a:lnSpc>
-            </a:pPr>
-            <a:endParaRPr lang="en-US" sz="2400" dirty="0"/>
-          </a:p>
-          <a:p>
-            <a:pPr marL="0" indent="0">
-              <a:buNone/>
-            </a:pPr>
-            <a:r>
-              <a:rPr lang="en-US" sz="2700" dirty="0"/>
-              <a:t>A network with all random variables assigned represents a </a:t>
-            </a:r>
-            <a:r>
-              <a:rPr lang="en-US" sz="2700" b="1" dirty="0"/>
-              <a:t>state of the system</a:t>
-            </a:r>
-            <a:r>
-              <a:rPr lang="en-US" sz="2700" dirty="0"/>
-              <a:t>.</a:t>
-            </a:r>
-          </a:p>
-        </p:txBody>
-      </p:sp>
-      <p:pic>
-        <p:nvPicPr>
-          <p:cNvPr id="6148" name="Picture 4" descr="dentist-network"/>
-          <p:cNvPicPr>
-            <a:picLocks noChangeAspect="1" noChangeArrowheads="1"/>
-          </p:cNvPicPr>
-          <p:nvPr/>
-        </p:nvPicPr>
-        <p:blipFill>
-          <a:blip r:embed="rId3" cstate="print"/>
-          <a:srcRect/>
-          <a:stretch>
-            <a:fillRect/>
-          </a:stretch>
-        </p:blipFill>
-        <p:spPr bwMode="auto">
-          <a:xfrm>
-            <a:off x="4876800" y="1431569"/>
-            <a:ext cx="3581400" cy="1768831"/>
-          </a:xfrm>
-          <a:prstGeom prst="rect">
-            <a:avLst/>
-          </a:prstGeom>
-          <a:noFill/>
-        </p:spPr>
-      </p:pic>
-    </p:spTree>
-  </p:cSld>
-  <p:clrMapOvr>
-    <a:masterClrMapping/>
-  </p:clrMapOvr>
-</p:sld>
-</file>
-
 <file path=ppt/slides/slide5.xml><?xml version="1.0" encoding="utf-8"?>
 <p:sld xmlns:a="http://schemas.openxmlformats.org/drawingml/2006/main" xmlns:r="http://schemas.openxmlformats.org/officeDocument/2006/relationships" xmlns:p="http://schemas.openxmlformats.org/presentationml/2006/main">
   <p:cSld>
@@ -31280,217 +33610,238 @@
           </a:p>
         </p:txBody>
       </p:sp>
-      <p:sp>
-        <p:nvSpPr>
-          <p:cNvPr id="4" name="Oval 3"/>
-          <p:cNvSpPr/>
+      <p:grpSp>
+        <p:nvGrpSpPr>
+          <p:cNvPr id="8" name="Group 7">
+            <a:extLst>
+              <a:ext uri="{FF2B5EF4-FFF2-40B4-BE49-F238E27FC236}">
+                <a16:creationId xmlns:a16="http://schemas.microsoft.com/office/drawing/2014/main" id="{FFA5DFA2-DDB5-9253-7D69-1F1FEB1D94E9}"/>
+              </a:ext>
+            </a:extLst>
+          </p:cNvPr>
+          <p:cNvGrpSpPr/>
           <p:nvPr/>
-        </p:nvSpPr>
-        <p:spPr>
+        </p:nvGrpSpPr>
+        <p:grpSpPr>
           <a:xfrm>
-            <a:off x="2362200" y="3810000"/>
-            <a:ext cx="914400" cy="914400"/>
+            <a:off x="2362200" y="3267473"/>
+            <a:ext cx="4038600" cy="847327"/>
+            <a:chOff x="2362200" y="3267473"/>
+            <a:chExt cx="4038600" cy="847327"/>
           </a:xfrm>
-          <a:prstGeom prst="ellipse">
-            <a:avLst/>
-          </a:prstGeom>
-          <a:noFill/>
-          <a:ln w="22225">
-            <a:solidFill>
-              <a:schemeClr val="tx1"/>
-            </a:solidFill>
-          </a:ln>
-        </p:spPr>
-        <p:style>
-          <a:lnRef idx="2">
-            <a:schemeClr val="accent1">
-              <a:shade val="50000"/>
-            </a:schemeClr>
-          </a:lnRef>
-          <a:fillRef idx="1">
-            <a:schemeClr val="accent1"/>
-          </a:fillRef>
-          <a:effectRef idx="0">
-            <a:schemeClr val="accent1"/>
-          </a:effectRef>
-          <a:fontRef idx="minor">
-            <a:schemeClr val="lt1"/>
-          </a:fontRef>
-        </p:style>
-        <p:txBody>
-          <a:bodyPr rtlCol="0" anchor="ctr"/>
-          <a:lstStyle/>
-          <a:p>
-            <a:pPr algn="ctr"/>
-            <a:r>
-              <a:rPr lang="en-US" sz="2400" dirty="0">
-                <a:solidFill>
-                  <a:schemeClr val="tx1"/>
-                </a:solidFill>
-              </a:rPr>
-              <a:t>X</a:t>
-            </a:r>
-            <a:r>
-              <a:rPr lang="en-US" sz="2400" baseline="-25000" dirty="0">
-                <a:solidFill>
-                  <a:schemeClr val="tx1"/>
-                </a:solidFill>
-              </a:rPr>
-              <a:t>1</a:t>
-            </a:r>
-          </a:p>
-        </p:txBody>
-      </p:sp>
-      <p:sp>
-        <p:nvSpPr>
-          <p:cNvPr id="5" name="Oval 4"/>
-          <p:cNvSpPr/>
-          <p:nvPr/>
-        </p:nvSpPr>
-        <p:spPr>
-          <a:xfrm>
-            <a:off x="3733800" y="3810000"/>
-            <a:ext cx="914400" cy="914400"/>
-          </a:xfrm>
-          <a:prstGeom prst="ellipse">
-            <a:avLst/>
-          </a:prstGeom>
-          <a:noFill/>
-          <a:ln w="22225">
-            <a:solidFill>
-              <a:schemeClr val="tx1"/>
-            </a:solidFill>
-          </a:ln>
-        </p:spPr>
-        <p:style>
-          <a:lnRef idx="2">
-            <a:schemeClr val="accent1">
-              <a:shade val="50000"/>
-            </a:schemeClr>
-          </a:lnRef>
-          <a:fillRef idx="1">
-            <a:schemeClr val="accent1"/>
-          </a:fillRef>
-          <a:effectRef idx="0">
-            <a:schemeClr val="accent1"/>
-          </a:effectRef>
-          <a:fontRef idx="minor">
-            <a:schemeClr val="lt1"/>
-          </a:fontRef>
-        </p:style>
-        <p:txBody>
-          <a:bodyPr rtlCol="0" anchor="ctr"/>
-          <a:lstStyle/>
-          <a:p>
-            <a:pPr algn="ctr"/>
-            <a:r>
-              <a:rPr lang="en-US" sz="2400" dirty="0">
-                <a:solidFill>
-                  <a:schemeClr val="tx1"/>
-                </a:solidFill>
-              </a:rPr>
-              <a:t>X</a:t>
-            </a:r>
-            <a:r>
-              <a:rPr lang="en-US" sz="2400" baseline="-25000" dirty="0">
-                <a:solidFill>
-                  <a:schemeClr val="tx1"/>
-                </a:solidFill>
-              </a:rPr>
-              <a:t>2</a:t>
-            </a:r>
-          </a:p>
-        </p:txBody>
-      </p:sp>
-      <p:sp>
-        <p:nvSpPr>
-          <p:cNvPr id="6" name="Oval 5"/>
-          <p:cNvSpPr/>
-          <p:nvPr/>
-        </p:nvSpPr>
-        <p:spPr>
-          <a:xfrm>
-            <a:off x="5791200" y="3810000"/>
-            <a:ext cx="914400" cy="914400"/>
-          </a:xfrm>
-          <a:prstGeom prst="ellipse">
-            <a:avLst/>
-          </a:prstGeom>
-          <a:noFill/>
-          <a:ln w="22225">
-            <a:solidFill>
-              <a:schemeClr val="tx1"/>
-            </a:solidFill>
-          </a:ln>
-        </p:spPr>
-        <p:style>
-          <a:lnRef idx="2">
-            <a:schemeClr val="accent1">
-              <a:shade val="50000"/>
-            </a:schemeClr>
-          </a:lnRef>
-          <a:fillRef idx="1">
-            <a:schemeClr val="accent1"/>
-          </a:fillRef>
-          <a:effectRef idx="0">
-            <a:schemeClr val="accent1"/>
-          </a:effectRef>
-          <a:fontRef idx="minor">
-            <a:schemeClr val="lt1"/>
-          </a:fontRef>
-        </p:style>
-        <p:txBody>
-          <a:bodyPr rtlCol="0" anchor="ctr"/>
-          <a:lstStyle/>
-          <a:p>
-            <a:pPr algn="ctr"/>
-            <a:r>
-              <a:rPr lang="en-US" sz="2400" dirty="0">
-                <a:solidFill>
-                  <a:schemeClr val="tx1"/>
-                </a:solidFill>
-              </a:rPr>
-              <a:t>X</a:t>
-            </a:r>
-            <a:r>
-              <a:rPr lang="en-US" sz="2400" baseline="-25000" dirty="0">
-                <a:solidFill>
-                  <a:schemeClr val="tx1"/>
-                </a:solidFill>
-              </a:rPr>
-              <a:t>n</a:t>
-            </a:r>
-          </a:p>
-        </p:txBody>
-      </p:sp>
-      <p:sp>
-        <p:nvSpPr>
-          <p:cNvPr id="7" name="Rectangle 6"/>
-          <p:cNvSpPr/>
-          <p:nvPr/>
-        </p:nvSpPr>
-        <p:spPr>
-          <a:xfrm>
-            <a:off x="4865717" y="3657600"/>
-            <a:ext cx="1283868" cy="769441"/>
-          </a:xfrm>
-          <a:prstGeom prst="rect">
-            <a:avLst/>
-          </a:prstGeom>
-        </p:spPr>
-        <p:txBody>
-          <a:bodyPr wrap="square">
-            <a:spAutoFit/>
-          </a:bodyPr>
-          <a:lstStyle/>
-          <a:p>
-            <a:r>
-              <a:rPr lang="en-US" sz="4400" dirty="0"/>
-              <a:t>…</a:t>
-            </a:r>
-          </a:p>
-        </p:txBody>
-      </p:sp>
+        </p:grpSpPr>
+        <p:sp>
+          <p:nvSpPr>
+            <p:cNvPr id="4" name="Oval 3"/>
+            <p:cNvSpPr/>
+            <p:nvPr/>
+          </p:nvSpPr>
+          <p:spPr>
+            <a:xfrm>
+              <a:off x="2362200" y="3505200"/>
+              <a:ext cx="609600" cy="609600"/>
+            </a:xfrm>
+            <a:prstGeom prst="ellipse">
+              <a:avLst/>
+            </a:prstGeom>
+            <a:noFill/>
+            <a:ln w="22225">
+              <a:solidFill>
+                <a:schemeClr val="tx1"/>
+              </a:solidFill>
+            </a:ln>
+          </p:spPr>
+          <p:style>
+            <a:lnRef idx="2">
+              <a:schemeClr val="accent1">
+                <a:shade val="50000"/>
+              </a:schemeClr>
+            </a:lnRef>
+            <a:fillRef idx="1">
+              <a:schemeClr val="accent1"/>
+            </a:fillRef>
+            <a:effectRef idx="0">
+              <a:schemeClr val="accent1"/>
+            </a:effectRef>
+            <a:fontRef idx="minor">
+              <a:schemeClr val="lt1"/>
+            </a:fontRef>
+          </p:style>
+          <p:txBody>
+            <a:bodyPr rtlCol="0" anchor="ctr"/>
+            <a:lstStyle/>
+            <a:p>
+              <a:pPr algn="ctr"/>
+              <a:r>
+                <a:rPr lang="en-US" sz="2000" dirty="0">
+                  <a:solidFill>
+                    <a:schemeClr val="tx1"/>
+                  </a:solidFill>
+                </a:rPr>
+                <a:t>X</a:t>
+              </a:r>
+              <a:r>
+                <a:rPr lang="en-US" sz="2000" baseline="-25000" dirty="0">
+                  <a:solidFill>
+                    <a:schemeClr val="tx1"/>
+                  </a:solidFill>
+                </a:rPr>
+                <a:t>1</a:t>
+              </a:r>
+            </a:p>
+          </p:txBody>
+        </p:sp>
+        <p:sp>
+          <p:nvSpPr>
+            <p:cNvPr id="5" name="Oval 4"/>
+            <p:cNvSpPr/>
+            <p:nvPr/>
+          </p:nvSpPr>
+          <p:spPr>
+            <a:xfrm>
+              <a:off x="3733800" y="3505200"/>
+              <a:ext cx="609600" cy="609600"/>
+            </a:xfrm>
+            <a:prstGeom prst="ellipse">
+              <a:avLst/>
+            </a:prstGeom>
+            <a:noFill/>
+            <a:ln w="22225">
+              <a:solidFill>
+                <a:schemeClr val="tx1"/>
+              </a:solidFill>
+            </a:ln>
+          </p:spPr>
+          <p:style>
+            <a:lnRef idx="2">
+              <a:schemeClr val="accent1">
+                <a:shade val="50000"/>
+              </a:schemeClr>
+            </a:lnRef>
+            <a:fillRef idx="1">
+              <a:schemeClr val="accent1"/>
+            </a:fillRef>
+            <a:effectRef idx="0">
+              <a:schemeClr val="accent1"/>
+            </a:effectRef>
+            <a:fontRef idx="minor">
+              <a:schemeClr val="lt1"/>
+            </a:fontRef>
+          </p:style>
+          <p:txBody>
+            <a:bodyPr rtlCol="0" anchor="ctr"/>
+            <a:lstStyle/>
+            <a:p>
+              <a:pPr algn="ctr"/>
+              <a:r>
+                <a:rPr lang="en-US" sz="2000" dirty="0">
+                  <a:solidFill>
+                    <a:schemeClr val="tx1"/>
+                  </a:solidFill>
+                </a:rPr>
+                <a:t>X</a:t>
+              </a:r>
+              <a:r>
+                <a:rPr lang="en-US" sz="2000" baseline="-25000" dirty="0">
+                  <a:solidFill>
+                    <a:schemeClr val="tx1"/>
+                  </a:solidFill>
+                </a:rPr>
+                <a:t>2</a:t>
+              </a:r>
+            </a:p>
+          </p:txBody>
+        </p:sp>
+        <p:sp>
+          <p:nvSpPr>
+            <p:cNvPr id="6" name="Oval 5"/>
+            <p:cNvSpPr/>
+            <p:nvPr/>
+          </p:nvSpPr>
+          <p:spPr>
+            <a:xfrm>
+              <a:off x="5791200" y="3505200"/>
+              <a:ext cx="609600" cy="609600"/>
+            </a:xfrm>
+            <a:prstGeom prst="ellipse">
+              <a:avLst/>
+            </a:prstGeom>
+            <a:noFill/>
+            <a:ln w="22225">
+              <a:solidFill>
+                <a:schemeClr val="tx1"/>
+              </a:solidFill>
+            </a:ln>
+          </p:spPr>
+          <p:style>
+            <a:lnRef idx="2">
+              <a:schemeClr val="accent1">
+                <a:shade val="50000"/>
+              </a:schemeClr>
+            </a:lnRef>
+            <a:fillRef idx="1">
+              <a:schemeClr val="accent1"/>
+            </a:fillRef>
+            <a:effectRef idx="0">
+              <a:schemeClr val="accent1"/>
+            </a:effectRef>
+            <a:fontRef idx="minor">
+              <a:schemeClr val="lt1"/>
+            </a:fontRef>
+          </p:style>
+          <p:txBody>
+            <a:bodyPr rtlCol="0" anchor="ctr"/>
+            <a:lstStyle/>
+            <a:p>
+              <a:pPr algn="ctr"/>
+              <a:r>
+                <a:rPr lang="en-US" sz="2000" dirty="0">
+                  <a:solidFill>
+                    <a:schemeClr val="tx1"/>
+                  </a:solidFill>
+                </a:rPr>
+                <a:t>X</a:t>
+              </a:r>
+              <a:r>
+                <a:rPr lang="en-US" sz="2000" baseline="-25000" dirty="0">
+                  <a:solidFill>
+                    <a:schemeClr val="tx1"/>
+                  </a:solidFill>
+                </a:rPr>
+                <a:t>n</a:t>
+              </a:r>
+            </a:p>
+          </p:txBody>
+        </p:sp>
+        <p:sp>
+          <p:nvSpPr>
+            <p:cNvPr id="7" name="Rectangle 6"/>
+            <p:cNvSpPr/>
+            <p:nvPr/>
+          </p:nvSpPr>
+          <p:spPr>
+            <a:xfrm>
+              <a:off x="4865717" y="3267473"/>
+              <a:ext cx="855912" cy="707886"/>
+            </a:xfrm>
+            <a:prstGeom prst="rect">
+              <a:avLst/>
+            </a:prstGeom>
+          </p:spPr>
+          <p:txBody>
+            <a:bodyPr wrap="square">
+              <a:spAutoFit/>
+            </a:bodyPr>
+            <a:lstStyle/>
+            <a:p>
+              <a:r>
+                <a:rPr lang="en-US" sz="4000" dirty="0"/>
+                <a:t>…</a:t>
+              </a:r>
+            </a:p>
+          </p:txBody>
+        </p:sp>
+      </p:grpSp>
     </p:spTree>
   </p:cSld>
   <p:clrMapOvr>
@@ -31651,391 +34002,412 @@
           </a:p>
         </p:txBody>
       </p:sp>
-      <p:sp>
-        <p:nvSpPr>
-          <p:cNvPr id="4" name="Oval 3"/>
-          <p:cNvSpPr/>
+      <p:grpSp>
+        <p:nvGrpSpPr>
+          <p:cNvPr id="3" name="Group 2">
+            <a:extLst>
+              <a:ext uri="{FF2B5EF4-FFF2-40B4-BE49-F238E27FC236}">
+                <a16:creationId xmlns:a16="http://schemas.microsoft.com/office/drawing/2014/main" id="{02BB3921-C529-868F-F097-EF892DA59F7D}"/>
+              </a:ext>
+            </a:extLst>
+          </p:cNvPr>
+          <p:cNvGrpSpPr/>
           <p:nvPr/>
-        </p:nvSpPr>
-        <p:spPr>
+        </p:nvGrpSpPr>
+        <p:grpSpPr>
           <a:xfrm>
-            <a:off x="2362200" y="5410200"/>
-            <a:ext cx="914400" cy="914400"/>
+            <a:off x="2552700" y="4038600"/>
+            <a:ext cx="4114800" cy="2286000"/>
+            <a:chOff x="2552700" y="4038600"/>
+            <a:chExt cx="4114800" cy="2286000"/>
           </a:xfrm>
-          <a:prstGeom prst="ellipse">
-            <a:avLst/>
-          </a:prstGeom>
-          <a:noFill/>
-          <a:ln w="22225">
-            <a:solidFill>
-              <a:schemeClr val="tx1"/>
-            </a:solidFill>
-          </a:ln>
-        </p:spPr>
-        <p:style>
-          <a:lnRef idx="2">
-            <a:schemeClr val="accent1">
-              <a:shade val="50000"/>
-            </a:schemeClr>
-          </a:lnRef>
-          <a:fillRef idx="1">
-            <a:schemeClr val="accent1"/>
-          </a:fillRef>
-          <a:effectRef idx="0">
-            <a:schemeClr val="accent1"/>
-          </a:effectRef>
-          <a:fontRef idx="minor">
-            <a:schemeClr val="lt1"/>
-          </a:fontRef>
-        </p:style>
-        <p:txBody>
-          <a:bodyPr rtlCol="0" anchor="ctr"/>
-          <a:lstStyle/>
-          <a:p>
-            <a:pPr algn="ctr"/>
-            <a:r>
-              <a:rPr lang="en-US" sz="2400" dirty="0">
+        </p:grpSpPr>
+        <p:sp>
+          <p:nvSpPr>
+            <p:cNvPr id="4" name="Oval 3"/>
+            <p:cNvSpPr/>
+            <p:nvPr/>
+          </p:nvSpPr>
+          <p:spPr>
+            <a:xfrm>
+              <a:off x="2552700" y="5638800"/>
+              <a:ext cx="685800" cy="685800"/>
+            </a:xfrm>
+            <a:prstGeom prst="ellipse">
+              <a:avLst/>
+            </a:prstGeom>
+            <a:noFill/>
+            <a:ln w="22225">
+              <a:solidFill>
+                <a:schemeClr val="tx1"/>
+              </a:solidFill>
+            </a:ln>
+          </p:spPr>
+          <p:style>
+            <a:lnRef idx="2">
+              <a:schemeClr val="accent1">
+                <a:shade val="50000"/>
+              </a:schemeClr>
+            </a:lnRef>
+            <a:fillRef idx="1">
+              <a:schemeClr val="accent1"/>
+            </a:fillRef>
+            <a:effectRef idx="0">
+              <a:schemeClr val="accent1"/>
+            </a:effectRef>
+            <a:fontRef idx="minor">
+              <a:schemeClr val="lt1"/>
+            </a:fontRef>
+          </p:style>
+          <p:txBody>
+            <a:bodyPr rtlCol="0" anchor="ctr"/>
+            <a:lstStyle/>
+            <a:p>
+              <a:pPr algn="ctr"/>
+              <a:r>
+                <a:rPr lang="en-US" dirty="0">
+                  <a:solidFill>
+                    <a:schemeClr val="tx1"/>
+                  </a:solidFill>
+                </a:rPr>
+                <a:t>W</a:t>
+              </a:r>
+              <a:r>
+                <a:rPr lang="en-US" baseline="-25000" dirty="0">
+                  <a:solidFill>
+                    <a:schemeClr val="tx1"/>
+                  </a:solidFill>
+                </a:rPr>
+                <a:t>1</a:t>
+              </a:r>
+            </a:p>
+          </p:txBody>
+        </p:sp>
+        <p:sp>
+          <p:nvSpPr>
+            <p:cNvPr id="5" name="Oval 4"/>
+            <p:cNvSpPr/>
+            <p:nvPr/>
+          </p:nvSpPr>
+          <p:spPr>
+            <a:xfrm>
+              <a:off x="3924300" y="5638800"/>
+              <a:ext cx="685800" cy="685800"/>
+            </a:xfrm>
+            <a:prstGeom prst="ellipse">
+              <a:avLst/>
+            </a:prstGeom>
+            <a:noFill/>
+            <a:ln w="22225">
+              <a:solidFill>
+                <a:schemeClr val="tx1"/>
+              </a:solidFill>
+            </a:ln>
+          </p:spPr>
+          <p:style>
+            <a:lnRef idx="2">
+              <a:schemeClr val="accent1">
+                <a:shade val="50000"/>
+              </a:schemeClr>
+            </a:lnRef>
+            <a:fillRef idx="1">
+              <a:schemeClr val="accent1"/>
+            </a:fillRef>
+            <a:effectRef idx="0">
+              <a:schemeClr val="accent1"/>
+            </a:effectRef>
+            <a:fontRef idx="minor">
+              <a:schemeClr val="lt1"/>
+            </a:fontRef>
+          </p:style>
+          <p:txBody>
+            <a:bodyPr rtlCol="0" anchor="ctr"/>
+            <a:lstStyle/>
+            <a:p>
+              <a:pPr algn="ctr"/>
+              <a:r>
+                <a:rPr lang="en-US" dirty="0">
+                  <a:solidFill>
+                    <a:schemeClr val="tx1"/>
+                  </a:solidFill>
+                </a:rPr>
+                <a:t>W</a:t>
+              </a:r>
+              <a:r>
+                <a:rPr lang="en-US" baseline="-25000" dirty="0">
+                  <a:solidFill>
+                    <a:schemeClr val="tx1"/>
+                  </a:solidFill>
+                </a:rPr>
+                <a:t>2</a:t>
+              </a:r>
+            </a:p>
+          </p:txBody>
+        </p:sp>
+        <p:sp>
+          <p:nvSpPr>
+            <p:cNvPr id="6" name="Oval 5"/>
+            <p:cNvSpPr/>
+            <p:nvPr/>
+          </p:nvSpPr>
+          <p:spPr>
+            <a:xfrm>
+              <a:off x="5981700" y="5638800"/>
+              <a:ext cx="685800" cy="685800"/>
+            </a:xfrm>
+            <a:prstGeom prst="ellipse">
+              <a:avLst/>
+            </a:prstGeom>
+            <a:noFill/>
+            <a:ln w="22225">
+              <a:solidFill>
+                <a:schemeClr val="tx1"/>
+              </a:solidFill>
+            </a:ln>
+          </p:spPr>
+          <p:style>
+            <a:lnRef idx="2">
+              <a:schemeClr val="accent1">
+                <a:shade val="50000"/>
+              </a:schemeClr>
+            </a:lnRef>
+            <a:fillRef idx="1">
+              <a:schemeClr val="accent1"/>
+            </a:fillRef>
+            <a:effectRef idx="0">
+              <a:schemeClr val="accent1"/>
+            </a:effectRef>
+            <a:fontRef idx="minor">
+              <a:schemeClr val="lt1"/>
+            </a:fontRef>
+          </p:style>
+          <p:txBody>
+            <a:bodyPr rtlCol="0" anchor="ctr"/>
+            <a:lstStyle/>
+            <a:p>
+              <a:pPr algn="ctr"/>
+              <a:r>
+                <a:rPr lang="en-US" dirty="0">
+                  <a:solidFill>
+                    <a:schemeClr val="tx1"/>
+                  </a:solidFill>
+                </a:rPr>
+                <a:t>W</a:t>
+              </a:r>
+              <a:r>
+                <a:rPr lang="en-US" baseline="-25000" dirty="0">
+                  <a:solidFill>
+                    <a:schemeClr val="tx1"/>
+                  </a:solidFill>
+                </a:rPr>
+                <a:t>n</a:t>
+              </a:r>
+            </a:p>
+          </p:txBody>
+        </p:sp>
+        <p:sp>
+          <p:nvSpPr>
+            <p:cNvPr id="7" name="Rectangle 6"/>
+            <p:cNvSpPr/>
+            <p:nvPr/>
+          </p:nvSpPr>
+          <p:spPr>
+            <a:xfrm>
+              <a:off x="5056217" y="5450160"/>
+              <a:ext cx="962901" cy="646331"/>
+            </a:xfrm>
+            <a:prstGeom prst="rect">
+              <a:avLst/>
+            </a:prstGeom>
+          </p:spPr>
+          <p:txBody>
+            <a:bodyPr wrap="square">
+              <a:spAutoFit/>
+            </a:bodyPr>
+            <a:lstStyle/>
+            <a:p>
+              <a:r>
+                <a:rPr lang="en-US" sz="3600" dirty="0"/>
+                <a:t>…</a:t>
+              </a:r>
+            </a:p>
+          </p:txBody>
+        </p:sp>
+        <p:sp>
+          <p:nvSpPr>
+            <p:cNvPr id="8" name="Oval 7"/>
+            <p:cNvSpPr/>
+            <p:nvPr/>
+          </p:nvSpPr>
+          <p:spPr>
+            <a:xfrm>
+              <a:off x="4229100" y="4038600"/>
+              <a:ext cx="685800" cy="685800"/>
+            </a:xfrm>
+            <a:prstGeom prst="ellipse">
+              <a:avLst/>
+            </a:prstGeom>
+            <a:noFill/>
+            <a:ln w="22225">
+              <a:solidFill>
+                <a:schemeClr val="tx1"/>
+              </a:solidFill>
+            </a:ln>
+          </p:spPr>
+          <p:style>
+            <a:lnRef idx="2">
+              <a:schemeClr val="accent1">
+                <a:shade val="50000"/>
+              </a:schemeClr>
+            </a:lnRef>
+            <a:fillRef idx="1">
+              <a:schemeClr val="accent1"/>
+            </a:fillRef>
+            <a:effectRef idx="0">
+              <a:schemeClr val="accent1"/>
+            </a:effectRef>
+            <a:fontRef idx="minor">
+              <a:schemeClr val="lt1"/>
+            </a:fontRef>
+          </p:style>
+          <p:txBody>
+            <a:bodyPr rtlCol="0" anchor="ctr"/>
+            <a:lstStyle/>
+            <a:p>
+              <a:pPr algn="ctr"/>
+              <a:r>
+                <a:rPr lang="en-US" sz="2400" dirty="0">
+                  <a:solidFill>
+                    <a:schemeClr val="tx1"/>
+                  </a:solidFill>
+                </a:rPr>
+                <a:t>C</a:t>
+              </a:r>
+              <a:endParaRPr lang="en-US" sz="2400" baseline="-25000" dirty="0">
                 <a:solidFill>
                   <a:schemeClr val="tx1"/>
                 </a:solidFill>
-              </a:rPr>
-              <a:t>W</a:t>
-            </a:r>
-            <a:r>
-              <a:rPr lang="en-US" sz="2400" baseline="-25000" dirty="0">
-                <a:solidFill>
-                  <a:schemeClr val="tx1"/>
-                </a:solidFill>
-              </a:rPr>
-              <a:t>1</a:t>
-            </a:r>
-          </a:p>
-        </p:txBody>
-      </p:sp>
-      <p:sp>
-        <p:nvSpPr>
-          <p:cNvPr id="5" name="Oval 4"/>
-          <p:cNvSpPr/>
-          <p:nvPr/>
-        </p:nvSpPr>
-        <p:spPr>
-          <a:xfrm>
-            <a:off x="3733800" y="5410200"/>
-            <a:ext cx="914400" cy="914400"/>
-          </a:xfrm>
-          <a:prstGeom prst="ellipse">
-            <a:avLst/>
-          </a:prstGeom>
-          <a:noFill/>
-          <a:ln w="22225">
-            <a:solidFill>
-              <a:schemeClr val="tx1"/>
-            </a:solidFill>
-          </a:ln>
-        </p:spPr>
-        <p:style>
-          <a:lnRef idx="2">
-            <a:schemeClr val="accent1">
-              <a:shade val="50000"/>
-            </a:schemeClr>
-          </a:lnRef>
-          <a:fillRef idx="1">
-            <a:schemeClr val="accent1"/>
-          </a:fillRef>
-          <a:effectRef idx="0">
-            <a:schemeClr val="accent1"/>
-          </a:effectRef>
-          <a:fontRef idx="minor">
-            <a:schemeClr val="lt1"/>
-          </a:fontRef>
-        </p:style>
-        <p:txBody>
-          <a:bodyPr rtlCol="0" anchor="ctr"/>
-          <a:lstStyle/>
-          <a:p>
-            <a:pPr algn="ctr"/>
-            <a:r>
-              <a:rPr lang="en-US" sz="2400" dirty="0">
-                <a:solidFill>
-                  <a:schemeClr val="tx1"/>
-                </a:solidFill>
-              </a:rPr>
-              <a:t>W</a:t>
-            </a:r>
-            <a:r>
-              <a:rPr lang="en-US" sz="2400" baseline="-25000" dirty="0">
-                <a:solidFill>
-                  <a:schemeClr val="tx1"/>
-                </a:solidFill>
-              </a:rPr>
-              <a:t>2</a:t>
-            </a:r>
-          </a:p>
-        </p:txBody>
-      </p:sp>
-      <p:sp>
-        <p:nvSpPr>
-          <p:cNvPr id="6" name="Oval 5"/>
-          <p:cNvSpPr/>
-          <p:nvPr/>
-        </p:nvSpPr>
-        <p:spPr>
-          <a:xfrm>
-            <a:off x="5791200" y="5410200"/>
-            <a:ext cx="914400" cy="914400"/>
-          </a:xfrm>
-          <a:prstGeom prst="ellipse">
-            <a:avLst/>
-          </a:prstGeom>
-          <a:noFill/>
-          <a:ln w="22225">
-            <a:solidFill>
-              <a:schemeClr val="tx1"/>
-            </a:solidFill>
-          </a:ln>
-        </p:spPr>
-        <p:style>
-          <a:lnRef idx="2">
-            <a:schemeClr val="accent1">
-              <a:shade val="50000"/>
-            </a:schemeClr>
-          </a:lnRef>
-          <a:fillRef idx="1">
-            <a:schemeClr val="accent1"/>
-          </a:fillRef>
-          <a:effectRef idx="0">
-            <a:schemeClr val="accent1"/>
-          </a:effectRef>
-          <a:fontRef idx="minor">
-            <a:schemeClr val="lt1"/>
-          </a:fontRef>
-        </p:style>
-        <p:txBody>
-          <a:bodyPr rtlCol="0" anchor="ctr"/>
-          <a:lstStyle/>
-          <a:p>
-            <a:pPr algn="ctr"/>
-            <a:r>
-              <a:rPr lang="en-US" sz="2400" dirty="0">
-                <a:solidFill>
-                  <a:schemeClr val="tx1"/>
-                </a:solidFill>
-              </a:rPr>
-              <a:t>W</a:t>
-            </a:r>
-            <a:r>
-              <a:rPr lang="en-US" sz="2400" baseline="-25000" dirty="0">
-                <a:solidFill>
-                  <a:schemeClr val="tx1"/>
-                </a:solidFill>
-              </a:rPr>
-              <a:t>n</a:t>
-            </a:r>
-          </a:p>
-        </p:txBody>
-      </p:sp>
-      <p:sp>
-        <p:nvSpPr>
-          <p:cNvPr id="7" name="Rectangle 6"/>
-          <p:cNvSpPr/>
-          <p:nvPr/>
-        </p:nvSpPr>
-        <p:spPr>
-          <a:xfrm>
-            <a:off x="4865717" y="5257800"/>
-            <a:ext cx="1283868" cy="769441"/>
-          </a:xfrm>
-          <a:prstGeom prst="rect">
-            <a:avLst/>
-          </a:prstGeom>
-        </p:spPr>
-        <p:txBody>
-          <a:bodyPr wrap="square">
-            <a:spAutoFit/>
-          </a:bodyPr>
-          <a:lstStyle/>
-          <a:p>
-            <a:r>
-              <a:rPr lang="en-US" sz="4400" dirty="0"/>
-              <a:t>…</a:t>
-            </a:r>
-          </a:p>
-        </p:txBody>
-      </p:sp>
-      <p:sp>
-        <p:nvSpPr>
-          <p:cNvPr id="8" name="Oval 7"/>
-          <p:cNvSpPr/>
-          <p:nvPr/>
-        </p:nvSpPr>
-        <p:spPr>
-          <a:xfrm>
-            <a:off x="4038600" y="3810000"/>
-            <a:ext cx="914400" cy="914400"/>
-          </a:xfrm>
-          <a:prstGeom prst="ellipse">
-            <a:avLst/>
-          </a:prstGeom>
-          <a:noFill/>
-          <a:ln w="22225">
-            <a:solidFill>
-              <a:schemeClr val="tx1"/>
-            </a:solidFill>
-          </a:ln>
-        </p:spPr>
-        <p:style>
-          <a:lnRef idx="2">
-            <a:schemeClr val="accent1">
-              <a:shade val="50000"/>
-            </a:schemeClr>
-          </a:lnRef>
-          <a:fillRef idx="1">
-            <a:schemeClr val="accent1"/>
-          </a:fillRef>
-          <a:effectRef idx="0">
-            <a:schemeClr val="accent1"/>
-          </a:effectRef>
-          <a:fontRef idx="minor">
-            <a:schemeClr val="lt1"/>
-          </a:fontRef>
-        </p:style>
-        <p:txBody>
-          <a:bodyPr rtlCol="0" anchor="ctr"/>
-          <a:lstStyle/>
-          <a:p>
-            <a:pPr algn="ctr"/>
-            <a:r>
-              <a:rPr lang="en-US" sz="2400" dirty="0">
-                <a:solidFill>
-                  <a:schemeClr val="tx1"/>
-                </a:solidFill>
-              </a:rPr>
-              <a:t>C</a:t>
-            </a:r>
-            <a:endParaRPr lang="en-US" sz="2400" baseline="-25000" dirty="0">
+              </a:endParaRPr>
+            </a:p>
+          </p:txBody>
+        </p:sp>
+        <p:cxnSp>
+          <p:nvCxnSpPr>
+            <p:cNvPr id="9" name="Straight Arrow Connector 8"/>
+            <p:cNvCxnSpPr>
+              <a:stCxn id="8" idx="3"/>
+              <a:endCxn id="4" idx="0"/>
+            </p:cNvCxnSpPr>
+            <p:nvPr/>
+          </p:nvCxnSpPr>
+          <p:spPr>
+            <a:xfrm flipH="1">
+              <a:off x="2895600" y="4623967"/>
+              <a:ext cx="1433933" cy="1014833"/>
+            </a:xfrm>
+            <a:prstGeom prst="straightConnector1">
+              <a:avLst/>
+            </a:prstGeom>
+            <a:ln w="22225">
               <a:solidFill>
                 <a:schemeClr val="tx1"/>
               </a:solidFill>
-            </a:endParaRPr>
-          </a:p>
-        </p:txBody>
-      </p:sp>
-      <p:cxnSp>
-        <p:nvCxnSpPr>
-          <p:cNvPr id="9" name="Straight Arrow Connector 8"/>
-          <p:cNvCxnSpPr>
-            <a:stCxn id="8" idx="3"/>
-            <a:endCxn id="4" idx="0"/>
-          </p:cNvCxnSpPr>
-          <p:nvPr/>
-        </p:nvCxnSpPr>
-        <p:spPr>
-          <a:xfrm rot="5400000">
-            <a:off x="3086101" y="4323789"/>
-            <a:ext cx="819711" cy="1353111"/>
-          </a:xfrm>
-          <a:prstGeom prst="straightConnector1">
-            <a:avLst/>
-          </a:prstGeom>
-          <a:ln w="22225">
-            <a:solidFill>
+              <a:tailEnd type="arrow"/>
+            </a:ln>
+          </p:spPr>
+          <p:style>
+            <a:lnRef idx="1">
+              <a:schemeClr val="accent1"/>
+            </a:lnRef>
+            <a:fillRef idx="0">
+              <a:schemeClr val="accent1"/>
+            </a:fillRef>
+            <a:effectRef idx="0">
+              <a:schemeClr val="accent1"/>
+            </a:effectRef>
+            <a:fontRef idx="minor">
               <a:schemeClr val="tx1"/>
-            </a:solidFill>
-            <a:tailEnd type="arrow"/>
-          </a:ln>
-        </p:spPr>
-        <p:style>
-          <a:lnRef idx="1">
-            <a:schemeClr val="accent1"/>
-          </a:lnRef>
-          <a:fillRef idx="0">
-            <a:schemeClr val="accent1"/>
-          </a:fillRef>
-          <a:effectRef idx="0">
-            <a:schemeClr val="accent1"/>
-          </a:effectRef>
-          <a:fontRef idx="minor">
-            <a:schemeClr val="tx1"/>
-          </a:fontRef>
-        </p:style>
-      </p:cxnSp>
-      <p:cxnSp>
-        <p:nvCxnSpPr>
-          <p:cNvPr id="13" name="Straight Arrow Connector 12"/>
-          <p:cNvCxnSpPr>
-            <a:endCxn id="5" idx="0"/>
-          </p:cNvCxnSpPr>
-          <p:nvPr/>
-        </p:nvCxnSpPr>
-        <p:spPr>
-          <a:xfrm rot="5400000">
-            <a:off x="3924300" y="4991100"/>
-            <a:ext cx="685800" cy="152400"/>
-          </a:xfrm>
-          <a:prstGeom prst="straightConnector1">
-            <a:avLst/>
-          </a:prstGeom>
-          <a:ln w="22225">
-            <a:solidFill>
+            </a:fontRef>
+          </p:style>
+        </p:cxnSp>
+        <p:cxnSp>
+          <p:nvCxnSpPr>
+            <p:cNvPr id="13" name="Straight Arrow Connector 12"/>
+            <p:cNvCxnSpPr>
+              <a:endCxn id="5" idx="0"/>
+            </p:cNvCxnSpPr>
+            <p:nvPr/>
+          </p:nvCxnSpPr>
+          <p:spPr>
+            <a:xfrm flipH="1">
+              <a:off x="4267200" y="4724400"/>
+              <a:ext cx="266700" cy="914400"/>
+            </a:xfrm>
+            <a:prstGeom prst="straightConnector1">
+              <a:avLst/>
+            </a:prstGeom>
+            <a:ln w="22225">
+              <a:solidFill>
+                <a:schemeClr val="tx1"/>
+              </a:solidFill>
+              <a:tailEnd type="arrow"/>
+            </a:ln>
+          </p:spPr>
+          <p:style>
+            <a:lnRef idx="1">
+              <a:schemeClr val="accent1"/>
+            </a:lnRef>
+            <a:fillRef idx="0">
+              <a:schemeClr val="accent1"/>
+            </a:fillRef>
+            <a:effectRef idx="0">
+              <a:schemeClr val="accent1"/>
+            </a:effectRef>
+            <a:fontRef idx="minor">
               <a:schemeClr val="tx1"/>
-            </a:solidFill>
-            <a:tailEnd type="arrow"/>
-          </a:ln>
-        </p:spPr>
-        <p:style>
-          <a:lnRef idx="1">
-            <a:schemeClr val="accent1"/>
-          </a:lnRef>
-          <a:fillRef idx="0">
-            <a:schemeClr val="accent1"/>
-          </a:fillRef>
-          <a:effectRef idx="0">
-            <a:schemeClr val="accent1"/>
-          </a:effectRef>
-          <a:fontRef idx="minor">
-            <a:schemeClr val="tx1"/>
-          </a:fontRef>
-        </p:style>
-      </p:cxnSp>
-      <p:cxnSp>
-        <p:nvCxnSpPr>
-          <p:cNvPr id="16" name="Straight Arrow Connector 15"/>
-          <p:cNvCxnSpPr>
-            <a:stCxn id="8" idx="5"/>
-            <a:endCxn id="6" idx="0"/>
-          </p:cNvCxnSpPr>
-          <p:nvPr/>
-        </p:nvCxnSpPr>
-        <p:spPr>
-          <a:xfrm rot="16200000" flipH="1">
-            <a:off x="5123889" y="4285688"/>
-            <a:ext cx="819711" cy="1429311"/>
-          </a:xfrm>
-          <a:prstGeom prst="straightConnector1">
-            <a:avLst/>
-          </a:prstGeom>
-          <a:ln w="22225">
-            <a:solidFill>
+            </a:fontRef>
+          </p:style>
+        </p:cxnSp>
+        <p:cxnSp>
+          <p:nvCxnSpPr>
+            <p:cNvPr id="16" name="Straight Arrow Connector 15"/>
+            <p:cNvCxnSpPr>
+              <a:stCxn id="8" idx="5"/>
+              <a:endCxn id="6" idx="0"/>
+            </p:cNvCxnSpPr>
+            <p:nvPr/>
+          </p:nvCxnSpPr>
+          <p:spPr>
+            <a:xfrm>
+              <a:off x="4814467" y="4623967"/>
+              <a:ext cx="1510133" cy="1014833"/>
+            </a:xfrm>
+            <a:prstGeom prst="straightConnector1">
+              <a:avLst/>
+            </a:prstGeom>
+            <a:ln w="22225">
+              <a:solidFill>
+                <a:schemeClr val="tx1"/>
+              </a:solidFill>
+              <a:tailEnd type="arrow"/>
+            </a:ln>
+          </p:spPr>
+          <p:style>
+            <a:lnRef idx="1">
+              <a:schemeClr val="accent1"/>
+            </a:lnRef>
+            <a:fillRef idx="0">
+              <a:schemeClr val="accent1"/>
+            </a:fillRef>
+            <a:effectRef idx="0">
+              <a:schemeClr val="accent1"/>
+            </a:effectRef>
+            <a:fontRef idx="minor">
               <a:schemeClr val="tx1"/>
-            </a:solidFill>
-            <a:tailEnd type="arrow"/>
-          </a:ln>
-        </p:spPr>
-        <p:style>
-          <a:lnRef idx="1">
-            <a:schemeClr val="accent1"/>
-          </a:lnRef>
-          <a:fillRef idx="0">
-            <a:schemeClr val="accent1"/>
-          </a:fillRef>
-          <a:effectRef idx="0">
-            <a:schemeClr val="accent1"/>
-          </a:effectRef>
-          <a:fontRef idx="minor">
-            <a:schemeClr val="tx1"/>
-          </a:fontRef>
-        </p:style>
-      </p:cxnSp>
+            </a:fontRef>
+          </p:style>
+        </p:cxnSp>
+      </p:grpSp>
     </p:spTree>
   </p:cSld>
   <p:clrMapOvr>
@@ -32682,488 +35054,509 @@
           </a:p>
         </p:txBody>
       </p:sp>
-      <p:sp>
-        <p:nvSpPr>
-          <p:cNvPr id="4" name="Oval 3"/>
-          <p:cNvSpPr/>
+      <p:grpSp>
+        <p:nvGrpSpPr>
+          <p:cNvPr id="2" name="Group 1">
+            <a:extLst>
+              <a:ext uri="{FF2B5EF4-FFF2-40B4-BE49-F238E27FC236}">
+                <a16:creationId xmlns:a16="http://schemas.microsoft.com/office/drawing/2014/main" id="{E4E7CEA8-0FC5-640F-14A1-DB16BA2626DE}"/>
+              </a:ext>
+            </a:extLst>
+          </p:cNvPr>
+          <p:cNvGrpSpPr/>
           <p:nvPr/>
-        </p:nvSpPr>
-        <p:spPr>
+        </p:nvGrpSpPr>
+        <p:grpSpPr>
           <a:xfrm>
-            <a:off x="1143000" y="3810000"/>
-            <a:ext cx="533400" cy="533400"/>
+            <a:off x="1143000" y="3505200"/>
+            <a:ext cx="4094990" cy="2514600"/>
+            <a:chOff x="1143000" y="3505200"/>
+            <a:chExt cx="4094990" cy="2514600"/>
           </a:xfrm>
-          <a:prstGeom prst="ellipse">
-            <a:avLst/>
-          </a:prstGeom>
-          <a:noFill/>
-          <a:ln w="22225">
-            <a:solidFill>
+        </p:grpSpPr>
+        <p:sp>
+          <p:nvSpPr>
+            <p:cNvPr id="4" name="Oval 3"/>
+            <p:cNvSpPr/>
+            <p:nvPr/>
+          </p:nvSpPr>
+          <p:spPr>
+            <a:xfrm>
+              <a:off x="1143000" y="3810000"/>
+              <a:ext cx="533400" cy="533400"/>
+            </a:xfrm>
+            <a:prstGeom prst="ellipse">
+              <a:avLst/>
+            </a:prstGeom>
+            <a:noFill/>
+            <a:ln w="22225">
+              <a:solidFill>
+                <a:schemeClr val="tx1"/>
+              </a:solidFill>
+            </a:ln>
+          </p:spPr>
+          <p:style>
+            <a:lnRef idx="2">
+              <a:schemeClr val="accent1">
+                <a:shade val="50000"/>
+              </a:schemeClr>
+            </a:lnRef>
+            <a:fillRef idx="1">
+              <a:schemeClr val="accent1"/>
+            </a:fillRef>
+            <a:effectRef idx="0">
+              <a:schemeClr val="accent1"/>
+            </a:effectRef>
+            <a:fontRef idx="minor">
+              <a:schemeClr val="lt1"/>
+            </a:fontRef>
+          </p:style>
+          <p:txBody>
+            <a:bodyPr rtlCol="0" anchor="ctr"/>
+            <a:lstStyle/>
+            <a:p>
+              <a:pPr algn="ctr"/>
+              <a:r>
+                <a:rPr lang="en-US" sz="1400" dirty="0">
+                  <a:solidFill>
+                    <a:schemeClr val="tx1"/>
+                  </a:solidFill>
+                </a:rPr>
+                <a:t>Z</a:t>
+              </a:r>
+              <a:r>
+                <a:rPr lang="en-US" sz="1400" baseline="-25000" dirty="0">
+                  <a:solidFill>
+                    <a:schemeClr val="tx1"/>
+                  </a:solidFill>
+                </a:rPr>
+                <a:t>1</a:t>
+              </a:r>
+            </a:p>
+          </p:txBody>
+        </p:sp>
+        <p:sp>
+          <p:nvSpPr>
+            <p:cNvPr id="5" name="Oval 4"/>
+            <p:cNvSpPr/>
+            <p:nvPr/>
+          </p:nvSpPr>
+          <p:spPr>
+            <a:xfrm>
+              <a:off x="2209800" y="3810000"/>
+              <a:ext cx="533400" cy="533400"/>
+            </a:xfrm>
+            <a:prstGeom prst="ellipse">
+              <a:avLst/>
+            </a:prstGeom>
+            <a:noFill/>
+            <a:ln w="22225">
+              <a:solidFill>
+                <a:schemeClr val="tx1"/>
+              </a:solidFill>
+            </a:ln>
+          </p:spPr>
+          <p:style>
+            <a:lnRef idx="2">
+              <a:schemeClr val="accent1">
+                <a:shade val="50000"/>
+              </a:schemeClr>
+            </a:lnRef>
+            <a:fillRef idx="1">
+              <a:schemeClr val="accent1"/>
+            </a:fillRef>
+            <a:effectRef idx="0">
+              <a:schemeClr val="accent1"/>
+            </a:effectRef>
+            <a:fontRef idx="minor">
+              <a:schemeClr val="lt1"/>
+            </a:fontRef>
+          </p:style>
+          <p:txBody>
+            <a:bodyPr rtlCol="0" anchor="ctr"/>
+            <a:lstStyle/>
+            <a:p>
+              <a:pPr algn="ctr"/>
+              <a:r>
+                <a:rPr lang="en-US" sz="1400" dirty="0">
+                  <a:solidFill>
+                    <a:schemeClr val="tx1"/>
+                  </a:solidFill>
+                </a:rPr>
+                <a:t>Z</a:t>
+              </a:r>
+              <a:r>
+                <a:rPr lang="en-US" sz="1400" baseline="-25000" dirty="0">
+                  <a:solidFill>
+                    <a:schemeClr val="tx1"/>
+                  </a:solidFill>
+                </a:rPr>
+                <a:t>2</a:t>
+              </a:r>
+            </a:p>
+          </p:txBody>
+        </p:sp>
+        <p:sp>
+          <p:nvSpPr>
+            <p:cNvPr id="6" name="Oval 5"/>
+            <p:cNvSpPr/>
+            <p:nvPr/>
+          </p:nvSpPr>
+          <p:spPr>
+            <a:xfrm>
+              <a:off x="3810000" y="3810000"/>
+              <a:ext cx="533400" cy="533400"/>
+            </a:xfrm>
+            <a:prstGeom prst="ellipse">
+              <a:avLst/>
+            </a:prstGeom>
+            <a:noFill/>
+            <a:ln w="22225">
+              <a:solidFill>
+                <a:schemeClr val="tx1"/>
+              </a:solidFill>
+            </a:ln>
+          </p:spPr>
+          <p:style>
+            <a:lnRef idx="2">
+              <a:schemeClr val="accent1">
+                <a:shade val="50000"/>
+              </a:schemeClr>
+            </a:lnRef>
+            <a:fillRef idx="1">
+              <a:schemeClr val="accent1"/>
+            </a:fillRef>
+            <a:effectRef idx="0">
+              <a:schemeClr val="accent1"/>
+            </a:effectRef>
+            <a:fontRef idx="minor">
+              <a:schemeClr val="lt1"/>
+            </a:fontRef>
+          </p:style>
+          <p:txBody>
+            <a:bodyPr rtlCol="0" anchor="ctr"/>
+            <a:lstStyle/>
+            <a:p>
+              <a:pPr algn="ctr"/>
+              <a:r>
+                <a:rPr lang="en-US" sz="1400" dirty="0">
+                  <a:solidFill>
+                    <a:schemeClr val="tx1"/>
+                  </a:solidFill>
+                </a:rPr>
+                <a:t>Z</a:t>
+              </a:r>
+              <a:r>
+                <a:rPr lang="en-US" sz="1400" baseline="-25000" dirty="0">
+                  <a:solidFill>
+                    <a:schemeClr val="tx1"/>
+                  </a:solidFill>
+                </a:rPr>
+                <a:t>n</a:t>
+              </a:r>
+            </a:p>
+          </p:txBody>
+        </p:sp>
+        <p:cxnSp>
+          <p:nvCxnSpPr>
+            <p:cNvPr id="8" name="Straight Arrow Connector 7"/>
+            <p:cNvCxnSpPr>
+              <a:stCxn id="4" idx="4"/>
+              <a:endCxn id="15" idx="1"/>
+            </p:cNvCxnSpPr>
+            <p:nvPr/>
+          </p:nvCxnSpPr>
+          <p:spPr>
+            <a:xfrm rot="16200000" flipH="1">
+              <a:off x="1390650" y="4362449"/>
+              <a:ext cx="1221115" cy="1183015"/>
+            </a:xfrm>
+            <a:prstGeom prst="straightConnector1">
+              <a:avLst/>
+            </a:prstGeom>
+            <a:ln w="22225">
+              <a:solidFill>
+                <a:schemeClr val="tx1"/>
+              </a:solidFill>
+              <a:tailEnd type="arrow"/>
+            </a:ln>
+          </p:spPr>
+          <p:style>
+            <a:lnRef idx="1">
+              <a:schemeClr val="accent1"/>
+            </a:lnRef>
+            <a:fillRef idx="0">
+              <a:schemeClr val="accent1"/>
+            </a:fillRef>
+            <a:effectRef idx="0">
+              <a:schemeClr val="accent1"/>
+            </a:effectRef>
+            <a:fontRef idx="minor">
               <a:schemeClr val="tx1"/>
-            </a:solidFill>
-          </a:ln>
-        </p:spPr>
-        <p:style>
-          <a:lnRef idx="2">
-            <a:schemeClr val="accent1">
-              <a:shade val="50000"/>
-            </a:schemeClr>
-          </a:lnRef>
-          <a:fillRef idx="1">
-            <a:schemeClr val="accent1"/>
-          </a:fillRef>
-          <a:effectRef idx="0">
-            <a:schemeClr val="accent1"/>
-          </a:effectRef>
-          <a:fontRef idx="minor">
-            <a:schemeClr val="lt1"/>
-          </a:fontRef>
-        </p:style>
-        <p:txBody>
-          <a:bodyPr rtlCol="0" anchor="ctr"/>
-          <a:lstStyle/>
-          <a:p>
-            <a:pPr algn="ctr"/>
-            <a:r>
-              <a:rPr lang="en-US" sz="1400" dirty="0">
-                <a:solidFill>
-                  <a:schemeClr val="tx1"/>
-                </a:solidFill>
-              </a:rPr>
-              <a:t>Z</a:t>
-            </a:r>
-            <a:r>
-              <a:rPr lang="en-US" sz="1400" baseline="-25000" dirty="0">
-                <a:solidFill>
-                  <a:schemeClr val="tx1"/>
-                </a:solidFill>
-              </a:rPr>
-              <a:t>1</a:t>
-            </a:r>
-          </a:p>
-        </p:txBody>
-      </p:sp>
-      <p:sp>
-        <p:nvSpPr>
-          <p:cNvPr id="5" name="Oval 4"/>
-          <p:cNvSpPr/>
-          <p:nvPr/>
-        </p:nvSpPr>
-        <p:spPr>
-          <a:xfrm>
-            <a:off x="2209800" y="3810000"/>
-            <a:ext cx="533400" cy="533400"/>
-          </a:xfrm>
-          <a:prstGeom prst="ellipse">
-            <a:avLst/>
-          </a:prstGeom>
-          <a:noFill/>
-          <a:ln w="22225">
-            <a:solidFill>
+            </a:fontRef>
+          </p:style>
+        </p:cxnSp>
+        <p:cxnSp>
+          <p:nvCxnSpPr>
+            <p:cNvPr id="10" name="Straight Arrow Connector 9"/>
+            <p:cNvCxnSpPr>
+              <a:stCxn id="5" idx="4"/>
+              <a:endCxn id="15" idx="0"/>
+            </p:cNvCxnSpPr>
+            <p:nvPr/>
+          </p:nvCxnSpPr>
+          <p:spPr>
+            <a:xfrm rot="16200000" flipH="1">
+              <a:off x="2057400" y="4762500"/>
+              <a:ext cx="1143000" cy="304800"/>
+            </a:xfrm>
+            <a:prstGeom prst="straightConnector1">
+              <a:avLst/>
+            </a:prstGeom>
+            <a:ln w="22225">
+              <a:solidFill>
+                <a:schemeClr val="tx1"/>
+              </a:solidFill>
+              <a:tailEnd type="arrow"/>
+            </a:ln>
+          </p:spPr>
+          <p:style>
+            <a:lnRef idx="1">
+              <a:schemeClr val="accent1"/>
+            </a:lnRef>
+            <a:fillRef idx="0">
+              <a:schemeClr val="accent1"/>
+            </a:fillRef>
+            <a:effectRef idx="0">
+              <a:schemeClr val="accent1"/>
+            </a:effectRef>
+            <a:fontRef idx="minor">
               <a:schemeClr val="tx1"/>
-            </a:solidFill>
-          </a:ln>
-        </p:spPr>
-        <p:style>
-          <a:lnRef idx="2">
-            <a:schemeClr val="accent1">
-              <a:shade val="50000"/>
-            </a:schemeClr>
-          </a:lnRef>
-          <a:fillRef idx="1">
-            <a:schemeClr val="accent1"/>
-          </a:fillRef>
-          <a:effectRef idx="0">
-            <a:schemeClr val="accent1"/>
-          </a:effectRef>
-          <a:fontRef idx="minor">
-            <a:schemeClr val="lt1"/>
-          </a:fontRef>
-        </p:style>
-        <p:txBody>
-          <a:bodyPr rtlCol="0" anchor="ctr"/>
-          <a:lstStyle/>
-          <a:p>
-            <a:pPr algn="ctr"/>
-            <a:r>
-              <a:rPr lang="en-US" sz="1400" dirty="0">
-                <a:solidFill>
-                  <a:schemeClr val="tx1"/>
-                </a:solidFill>
-              </a:rPr>
-              <a:t>Z</a:t>
-            </a:r>
-            <a:r>
-              <a:rPr lang="en-US" sz="1400" baseline="-25000" dirty="0">
-                <a:solidFill>
-                  <a:schemeClr val="tx1"/>
-                </a:solidFill>
-              </a:rPr>
-              <a:t>2</a:t>
-            </a:r>
-          </a:p>
-        </p:txBody>
-      </p:sp>
-      <p:sp>
-        <p:nvSpPr>
-          <p:cNvPr id="6" name="Oval 5"/>
-          <p:cNvSpPr/>
-          <p:nvPr/>
-        </p:nvSpPr>
-        <p:spPr>
-          <a:xfrm>
-            <a:off x="3810000" y="3810000"/>
-            <a:ext cx="533400" cy="533400"/>
-          </a:xfrm>
-          <a:prstGeom prst="ellipse">
-            <a:avLst/>
-          </a:prstGeom>
-          <a:noFill/>
-          <a:ln w="22225">
-            <a:solidFill>
+            </a:fontRef>
+          </p:style>
+        </p:cxnSp>
+        <p:cxnSp>
+          <p:nvCxnSpPr>
+            <p:cNvPr id="12" name="Straight Arrow Connector 11"/>
+            <p:cNvCxnSpPr>
+              <a:stCxn id="6" idx="4"/>
+              <a:endCxn id="15" idx="7"/>
+            </p:cNvCxnSpPr>
+            <p:nvPr/>
+          </p:nvCxnSpPr>
+          <p:spPr>
+            <a:xfrm rot="5400000">
+              <a:off x="2912736" y="4400550"/>
+              <a:ext cx="1221115" cy="1106815"/>
+            </a:xfrm>
+            <a:prstGeom prst="straightConnector1">
+              <a:avLst/>
+            </a:prstGeom>
+            <a:ln w="22225">
+              <a:solidFill>
+                <a:schemeClr val="tx1"/>
+              </a:solidFill>
+              <a:tailEnd type="arrow"/>
+            </a:ln>
+          </p:spPr>
+          <p:style>
+            <a:lnRef idx="1">
+              <a:schemeClr val="accent1"/>
+            </a:lnRef>
+            <a:fillRef idx="0">
+              <a:schemeClr val="accent1"/>
+            </a:fillRef>
+            <a:effectRef idx="0">
+              <a:schemeClr val="accent1"/>
+            </a:effectRef>
+            <a:fontRef idx="minor">
               <a:schemeClr val="tx1"/>
-            </a:solidFill>
-          </a:ln>
-        </p:spPr>
-        <p:style>
-          <a:lnRef idx="2">
-            <a:schemeClr val="accent1">
-              <a:shade val="50000"/>
-            </a:schemeClr>
-          </a:lnRef>
-          <a:fillRef idx="1">
-            <a:schemeClr val="accent1"/>
-          </a:fillRef>
-          <a:effectRef idx="0">
-            <a:schemeClr val="accent1"/>
-          </a:effectRef>
-          <a:fontRef idx="minor">
-            <a:schemeClr val="lt1"/>
-          </a:fontRef>
-        </p:style>
-        <p:txBody>
-          <a:bodyPr rtlCol="0" anchor="ctr"/>
-          <a:lstStyle/>
-          <a:p>
-            <a:pPr algn="ctr"/>
-            <a:r>
-              <a:rPr lang="en-US" sz="1400" dirty="0">
-                <a:solidFill>
-                  <a:schemeClr val="tx1"/>
-                </a:solidFill>
-              </a:rPr>
-              <a:t>Z</a:t>
-            </a:r>
-            <a:r>
-              <a:rPr lang="en-US" sz="1400" baseline="-25000" dirty="0">
-                <a:solidFill>
-                  <a:schemeClr val="tx1"/>
-                </a:solidFill>
-              </a:rPr>
-              <a:t>n</a:t>
-            </a:r>
-          </a:p>
-        </p:txBody>
-      </p:sp>
-      <p:cxnSp>
-        <p:nvCxnSpPr>
-          <p:cNvPr id="8" name="Straight Arrow Connector 7"/>
-          <p:cNvCxnSpPr>
-            <a:stCxn id="4" idx="4"/>
-            <a:endCxn id="15" idx="1"/>
-          </p:cNvCxnSpPr>
-          <p:nvPr/>
-        </p:nvCxnSpPr>
-        <p:spPr>
-          <a:xfrm rot="16200000" flipH="1">
-            <a:off x="1390650" y="4362449"/>
-            <a:ext cx="1221115" cy="1183015"/>
-          </a:xfrm>
-          <a:prstGeom prst="straightConnector1">
-            <a:avLst/>
-          </a:prstGeom>
-          <a:ln w="22225">
-            <a:solidFill>
-              <a:schemeClr val="tx1"/>
-            </a:solidFill>
-            <a:tailEnd type="arrow"/>
-          </a:ln>
-        </p:spPr>
-        <p:style>
-          <a:lnRef idx="1">
-            <a:schemeClr val="accent1"/>
-          </a:lnRef>
-          <a:fillRef idx="0">
-            <a:schemeClr val="accent1"/>
-          </a:fillRef>
-          <a:effectRef idx="0">
-            <a:schemeClr val="accent1"/>
-          </a:effectRef>
-          <a:fontRef idx="minor">
-            <a:schemeClr val="tx1"/>
-          </a:fontRef>
-        </p:style>
-      </p:cxnSp>
-      <p:cxnSp>
-        <p:nvCxnSpPr>
-          <p:cNvPr id="10" name="Straight Arrow Connector 9"/>
-          <p:cNvCxnSpPr>
-            <a:stCxn id="5" idx="4"/>
-            <a:endCxn id="15" idx="0"/>
-          </p:cNvCxnSpPr>
-          <p:nvPr/>
-        </p:nvCxnSpPr>
-        <p:spPr>
-          <a:xfrm rot="16200000" flipH="1">
-            <a:off x="2057400" y="4762500"/>
-            <a:ext cx="1143000" cy="304800"/>
-          </a:xfrm>
-          <a:prstGeom prst="straightConnector1">
-            <a:avLst/>
-          </a:prstGeom>
-          <a:ln w="22225">
-            <a:solidFill>
-              <a:schemeClr val="tx1"/>
-            </a:solidFill>
-            <a:tailEnd type="arrow"/>
-          </a:ln>
-        </p:spPr>
-        <p:style>
-          <a:lnRef idx="1">
-            <a:schemeClr val="accent1"/>
-          </a:lnRef>
-          <a:fillRef idx="0">
-            <a:schemeClr val="accent1"/>
-          </a:fillRef>
-          <a:effectRef idx="0">
-            <a:schemeClr val="accent1"/>
-          </a:effectRef>
-          <a:fontRef idx="minor">
-            <a:schemeClr val="tx1"/>
-          </a:fontRef>
-        </p:style>
-      </p:cxnSp>
-      <p:cxnSp>
-        <p:nvCxnSpPr>
-          <p:cNvPr id="12" name="Straight Arrow Connector 11"/>
-          <p:cNvCxnSpPr>
-            <a:stCxn id="6" idx="4"/>
-            <a:endCxn id="15" idx="7"/>
-          </p:cNvCxnSpPr>
-          <p:nvPr/>
-        </p:nvCxnSpPr>
-        <p:spPr>
-          <a:xfrm rot="5400000">
-            <a:off x="2912736" y="4400550"/>
-            <a:ext cx="1221115" cy="1106815"/>
-          </a:xfrm>
-          <a:prstGeom prst="straightConnector1">
-            <a:avLst/>
-          </a:prstGeom>
-          <a:ln w="22225">
-            <a:solidFill>
-              <a:schemeClr val="tx1"/>
-            </a:solidFill>
-            <a:tailEnd type="arrow"/>
-          </a:ln>
-        </p:spPr>
-        <p:style>
-          <a:lnRef idx="1">
-            <a:schemeClr val="accent1"/>
-          </a:lnRef>
-          <a:fillRef idx="0">
-            <a:schemeClr val="accent1"/>
-          </a:fillRef>
-          <a:effectRef idx="0">
-            <a:schemeClr val="accent1"/>
-          </a:effectRef>
-          <a:fontRef idx="minor">
-            <a:schemeClr val="tx1"/>
-          </a:fontRef>
-        </p:style>
-      </p:cxnSp>
-      <p:sp>
-        <p:nvSpPr>
-          <p:cNvPr id="15" name="Oval 14"/>
-          <p:cNvSpPr/>
-          <p:nvPr/>
-        </p:nvSpPr>
-        <p:spPr>
-          <a:xfrm>
-            <a:off x="2514600" y="5486400"/>
-            <a:ext cx="533400" cy="533400"/>
-          </a:xfrm>
-          <a:prstGeom prst="ellipse">
-            <a:avLst/>
-          </a:prstGeom>
-          <a:noFill/>
-          <a:ln w="22225">
-            <a:solidFill>
-              <a:schemeClr val="tx1"/>
-            </a:solidFill>
-          </a:ln>
-        </p:spPr>
-        <p:style>
-          <a:lnRef idx="2">
-            <a:schemeClr val="accent1">
-              <a:shade val="50000"/>
-            </a:schemeClr>
-          </a:lnRef>
-          <a:fillRef idx="1">
-            <a:schemeClr val="accent1"/>
-          </a:fillRef>
-          <a:effectRef idx="0">
-            <a:schemeClr val="accent1"/>
-          </a:effectRef>
-          <a:fontRef idx="minor">
-            <a:schemeClr val="lt1"/>
-          </a:fontRef>
-        </p:style>
-        <p:txBody>
-          <a:bodyPr rtlCol="0" anchor="ctr"/>
-          <a:lstStyle/>
-          <a:p>
-            <a:pPr algn="ctr"/>
-            <a:r>
-              <a:rPr lang="en-US" dirty="0">
-                <a:solidFill>
-                  <a:schemeClr val="tx1"/>
-                </a:solidFill>
-              </a:rPr>
-              <a:t>X</a:t>
-            </a:r>
-            <a:endParaRPr lang="en-US" dirty="0"/>
-          </a:p>
-        </p:txBody>
-      </p:sp>
-      <p:sp>
-        <p:nvSpPr>
-          <p:cNvPr id="16" name="Rectangle 15"/>
-          <p:cNvSpPr/>
-          <p:nvPr/>
-        </p:nvSpPr>
-        <p:spPr>
-          <a:xfrm>
-            <a:off x="2960717" y="3505200"/>
-            <a:ext cx="748923" cy="769441"/>
-          </a:xfrm>
-          <a:prstGeom prst="rect">
-            <a:avLst/>
-          </a:prstGeom>
-        </p:spPr>
-        <p:txBody>
-          <a:bodyPr wrap="none">
-            <a:spAutoFit/>
-          </a:bodyPr>
-          <a:lstStyle/>
-          <a:p>
-            <a:r>
-              <a:rPr lang="en-US" sz="4400" dirty="0"/>
-              <a:t>…</a:t>
-            </a:r>
-          </a:p>
-        </p:txBody>
-      </p:sp>
-      <p:sp>
-        <p:nvSpPr>
-          <p:cNvPr id="23" name="Rectangle 22"/>
-          <p:cNvSpPr/>
-          <p:nvPr/>
-        </p:nvSpPr>
-        <p:spPr>
-          <a:xfrm>
-            <a:off x="2592715" y="5575238"/>
-            <a:ext cx="2645275" cy="430887"/>
-          </a:xfrm>
-          <a:prstGeom prst="rect">
-            <a:avLst/>
-          </a:prstGeom>
-        </p:spPr>
-        <p:txBody>
-          <a:bodyPr wrap="none">
-            <a:spAutoFit/>
-          </a:bodyPr>
-          <a:lstStyle/>
-          <a:p>
-            <a:pPr lvl="1" algn="ctr">
-              <a:buFontTx/>
-              <a:buNone/>
-            </a:pPr>
-            <a:r>
-              <a:rPr lang="en-US" sz="2200" dirty="0">
-                <a:solidFill>
-                  <a:srgbClr val="0066FF"/>
-                </a:solidFill>
-              </a:rPr>
-              <a:t>P</a:t>
-            </a:r>
-            <a:r>
-              <a:rPr lang="en-US" sz="2200" b="1" dirty="0">
-                <a:solidFill>
-                  <a:srgbClr val="0066FF"/>
-                </a:solidFill>
-              </a:rPr>
-              <a:t> </a:t>
-            </a:r>
-            <a:r>
-              <a:rPr lang="en-US" sz="2200" dirty="0">
-                <a:solidFill>
-                  <a:srgbClr val="0066FF"/>
-                </a:solidFill>
-              </a:rPr>
-              <a:t>(X</a:t>
-            </a:r>
-            <a:r>
-              <a:rPr lang="en-US" sz="2200" baseline="-25000" dirty="0">
-                <a:solidFill>
-                  <a:srgbClr val="0066FF"/>
-                </a:solidFill>
-              </a:rPr>
-              <a:t> </a:t>
-            </a:r>
-            <a:r>
-              <a:rPr lang="en-US" sz="2200" dirty="0">
-                <a:solidFill>
-                  <a:srgbClr val="0066FF"/>
-                </a:solidFill>
-              </a:rPr>
-              <a:t>| Z</a:t>
-            </a:r>
-            <a:r>
-              <a:rPr lang="en-US" sz="2200" baseline="-25000" dirty="0">
-                <a:solidFill>
-                  <a:srgbClr val="0066FF"/>
-                </a:solidFill>
-              </a:rPr>
-              <a:t>1</a:t>
-            </a:r>
-            <a:r>
-              <a:rPr lang="en-US" sz="2200" dirty="0">
-                <a:solidFill>
-                  <a:srgbClr val="0066FF"/>
-                </a:solidFill>
-              </a:rPr>
-              <a:t>, …, Z</a:t>
-            </a:r>
-            <a:r>
-              <a:rPr lang="en-US" sz="2200" baseline="-25000" dirty="0">
-                <a:solidFill>
-                  <a:srgbClr val="0066FF"/>
-                </a:solidFill>
-              </a:rPr>
-              <a:t>n</a:t>
-            </a:r>
-            <a:r>
-              <a:rPr lang="en-US" sz="2200" dirty="0">
-                <a:solidFill>
-                  <a:srgbClr val="0066FF"/>
-                </a:solidFill>
-              </a:rPr>
-              <a:t>)</a:t>
-            </a:r>
-          </a:p>
-        </p:txBody>
-      </p:sp>
+            </a:fontRef>
+          </p:style>
+        </p:cxnSp>
+        <p:sp>
+          <p:nvSpPr>
+            <p:cNvPr id="15" name="Oval 14"/>
+            <p:cNvSpPr/>
+            <p:nvPr/>
+          </p:nvSpPr>
+          <p:spPr>
+            <a:xfrm>
+              <a:off x="2514600" y="5486400"/>
+              <a:ext cx="533400" cy="533400"/>
+            </a:xfrm>
+            <a:prstGeom prst="ellipse">
+              <a:avLst/>
+            </a:prstGeom>
+            <a:noFill/>
+            <a:ln w="22225">
+              <a:solidFill>
+                <a:schemeClr val="tx1"/>
+              </a:solidFill>
+            </a:ln>
+          </p:spPr>
+          <p:style>
+            <a:lnRef idx="2">
+              <a:schemeClr val="accent1">
+                <a:shade val="50000"/>
+              </a:schemeClr>
+            </a:lnRef>
+            <a:fillRef idx="1">
+              <a:schemeClr val="accent1"/>
+            </a:fillRef>
+            <a:effectRef idx="0">
+              <a:schemeClr val="accent1"/>
+            </a:effectRef>
+            <a:fontRef idx="minor">
+              <a:schemeClr val="lt1"/>
+            </a:fontRef>
+          </p:style>
+          <p:txBody>
+            <a:bodyPr rtlCol="0" anchor="ctr"/>
+            <a:lstStyle/>
+            <a:p>
+              <a:pPr algn="ctr"/>
+              <a:r>
+                <a:rPr lang="en-US" dirty="0">
+                  <a:solidFill>
+                    <a:schemeClr val="tx1"/>
+                  </a:solidFill>
+                </a:rPr>
+                <a:t>X</a:t>
+              </a:r>
+              <a:endParaRPr lang="en-US" dirty="0"/>
+            </a:p>
+          </p:txBody>
+        </p:sp>
+        <p:sp>
+          <p:nvSpPr>
+            <p:cNvPr id="16" name="Rectangle 15"/>
+            <p:cNvSpPr/>
+            <p:nvPr/>
+          </p:nvSpPr>
+          <p:spPr>
+            <a:xfrm>
+              <a:off x="2960717" y="3505200"/>
+              <a:ext cx="748923" cy="769441"/>
+            </a:xfrm>
+            <a:prstGeom prst="rect">
+              <a:avLst/>
+            </a:prstGeom>
+          </p:spPr>
+          <p:txBody>
+            <a:bodyPr wrap="none">
+              <a:spAutoFit/>
+            </a:bodyPr>
+            <a:lstStyle/>
+            <a:p>
+              <a:r>
+                <a:rPr lang="en-US" sz="4400" dirty="0"/>
+                <a:t>…</a:t>
+              </a:r>
+            </a:p>
+          </p:txBody>
+        </p:sp>
+        <p:sp>
+          <p:nvSpPr>
+            <p:cNvPr id="23" name="Rectangle 22"/>
+            <p:cNvSpPr/>
+            <p:nvPr/>
+          </p:nvSpPr>
+          <p:spPr>
+            <a:xfrm>
+              <a:off x="2592715" y="5575238"/>
+              <a:ext cx="2645275" cy="430887"/>
+            </a:xfrm>
+            <a:prstGeom prst="rect">
+              <a:avLst/>
+            </a:prstGeom>
+          </p:spPr>
+          <p:txBody>
+            <a:bodyPr wrap="none">
+              <a:spAutoFit/>
+            </a:bodyPr>
+            <a:lstStyle/>
+            <a:p>
+              <a:pPr lvl="1" algn="ctr">
+                <a:buFontTx/>
+                <a:buNone/>
+              </a:pPr>
+              <a:r>
+                <a:rPr lang="en-US" sz="2200" dirty="0">
+                  <a:solidFill>
+                    <a:srgbClr val="0066FF"/>
+                  </a:solidFill>
+                </a:rPr>
+                <a:t>P</a:t>
+              </a:r>
+              <a:r>
+                <a:rPr lang="en-US" sz="2200" b="1" dirty="0">
+                  <a:solidFill>
+                    <a:srgbClr val="0066FF"/>
+                  </a:solidFill>
+                </a:rPr>
+                <a:t> </a:t>
+              </a:r>
+              <a:r>
+                <a:rPr lang="en-US" sz="2200" dirty="0">
+                  <a:solidFill>
+                    <a:srgbClr val="0066FF"/>
+                  </a:solidFill>
+                </a:rPr>
+                <a:t>(X</a:t>
+              </a:r>
+              <a:r>
+                <a:rPr lang="en-US" sz="2200" baseline="-25000" dirty="0">
+                  <a:solidFill>
+                    <a:srgbClr val="0066FF"/>
+                  </a:solidFill>
+                </a:rPr>
+                <a:t> </a:t>
+              </a:r>
+              <a:r>
+                <a:rPr lang="en-US" sz="2200" dirty="0">
+                  <a:solidFill>
+                    <a:srgbClr val="0066FF"/>
+                  </a:solidFill>
+                </a:rPr>
+                <a:t>| Z</a:t>
+              </a:r>
+              <a:r>
+                <a:rPr lang="en-US" sz="2200" baseline="-25000" dirty="0">
+                  <a:solidFill>
+                    <a:srgbClr val="0066FF"/>
+                  </a:solidFill>
+                </a:rPr>
+                <a:t>1</a:t>
+              </a:r>
+              <a:r>
+                <a:rPr lang="en-US" sz="2200" dirty="0">
+                  <a:solidFill>
+                    <a:srgbClr val="0066FF"/>
+                  </a:solidFill>
+                </a:rPr>
+                <a:t>, …, Z</a:t>
+              </a:r>
+              <a:r>
+                <a:rPr lang="en-US" sz="2200" baseline="-25000" dirty="0">
+                  <a:solidFill>
+                    <a:srgbClr val="0066FF"/>
+                  </a:solidFill>
+                </a:rPr>
+                <a:t>n</a:t>
+              </a:r>
+              <a:r>
+                <a:rPr lang="en-US" sz="2200" dirty="0">
+                  <a:solidFill>
+                    <a:srgbClr val="0066FF"/>
+                  </a:solidFill>
+                </a:rPr>
+                <a:t>)</a:t>
+              </a:r>
+            </a:p>
+          </p:txBody>
+        </p:sp>
+      </p:grpSp>
     </p:spTree>
   </p:cSld>
   <p:clrMapOvr>

--- a/slides/13_bayes_nets.pptx
+++ b/slides/13_bayes_nets.pptx
@@ -9,7 +9,7 @@
   </p:notesMasterIdLst>
   <p:sldIdLst>
     <p:sldId id="294" r:id="rId2"/>
-    <p:sldId id="410" r:id="rId3"/>
+    <p:sldId id="415" r:id="rId3"/>
     <p:sldId id="414" r:id="rId4"/>
     <p:sldId id="412" r:id="rId5"/>
     <p:sldId id="259" r:id="rId6"/>
@@ -9064,7 +9064,7 @@
             <a:fld id="{71CA99E0-E95C-4F1B-B0F2-4565A2B40149}" type="datetimeFigureOut">
               <a:rPr lang="en-US" smtClean="0"/>
               <a:pPr/>
-              <a:t>5/19/2024</a:t>
+              <a:t>6/11/2024</a:t>
             </a:fld>
             <a:endParaRPr lang="en-US"/>
           </a:p>
@@ -9370,6 +9370,91 @@
         </p:nvSpPr>
         <p:spPr/>
         <p:txBody>
+          <a:bodyPr/>
+          <a:lstStyle/>
+          <a:p>
+            <a:endParaRPr lang="en-US" dirty="0"/>
+          </a:p>
+        </p:txBody>
+      </p:sp>
+      <p:sp>
+        <p:nvSpPr>
+          <p:cNvPr id="4" name="Slide Number Placeholder 3"/>
+          <p:cNvSpPr>
+            <a:spLocks noGrp="1"/>
+          </p:cNvSpPr>
+          <p:nvPr>
+            <p:ph type="sldNum" sz="quarter" idx="5"/>
+          </p:nvPr>
+        </p:nvSpPr>
+        <p:spPr/>
+        <p:txBody>
+          <a:bodyPr/>
+          <a:lstStyle/>
+          <a:p>
+            <a:fld id="{8C6DDC4A-28AC-4BB0-A17C-4732441B2B82}" type="slidenum">
+              <a:rPr lang="en-US" smtClean="0"/>
+              <a:pPr/>
+              <a:t>2</a:t>
+            </a:fld>
+            <a:endParaRPr lang="en-US"/>
+          </a:p>
+        </p:txBody>
+      </p:sp>
+    </p:spTree>
+    <p:extLst>
+      <p:ext uri="{BB962C8B-B14F-4D97-AF65-F5344CB8AC3E}">
+        <p14:creationId xmlns:p14="http://schemas.microsoft.com/office/powerpoint/2010/main" val="4060627335"/>
+      </p:ext>
+    </p:extLst>
+  </p:cSld>
+  <p:clrMapOvr>
+    <a:masterClrMapping/>
+  </p:clrMapOvr>
+</p:notes>
+</file>
+
+<file path=ppt/notesSlides/notesSlide10.xml><?xml version="1.0" encoding="utf-8"?>
+<p:notes xmlns:a="http://schemas.openxmlformats.org/drawingml/2006/main" xmlns:r="http://schemas.openxmlformats.org/officeDocument/2006/relationships" xmlns:p="http://schemas.openxmlformats.org/presentationml/2006/main">
+  <p:cSld>
+    <p:spTree>
+      <p:nvGrpSpPr>
+        <p:cNvPr id="1" name=""/>
+        <p:cNvGrpSpPr/>
+        <p:nvPr/>
+      </p:nvGrpSpPr>
+      <p:grpSpPr>
+        <a:xfrm>
+          <a:off x="0" y="0"/>
+          <a:ext cx="0" cy="0"/>
+          <a:chOff x="0" y="0"/>
+          <a:chExt cx="0" cy="0"/>
+        </a:xfrm>
+      </p:grpSpPr>
+      <p:sp>
+        <p:nvSpPr>
+          <p:cNvPr id="2" name="Slide Image Placeholder 1"/>
+          <p:cNvSpPr>
+            <a:spLocks noGrp="1" noRot="1" noChangeAspect="1"/>
+          </p:cNvSpPr>
+          <p:nvPr>
+            <p:ph type="sldImg"/>
+          </p:nvPr>
+        </p:nvSpPr>
+        <p:spPr/>
+      </p:sp>
+      <p:sp>
+        <p:nvSpPr>
+          <p:cNvPr id="3" name="Notes Placeholder 2"/>
+          <p:cNvSpPr>
+            <a:spLocks noGrp="1"/>
+          </p:cNvSpPr>
+          <p:nvPr>
+            <p:ph type="body" idx="1"/>
+          </p:nvPr>
+        </p:nvSpPr>
+        <p:spPr/>
+        <p:txBody>
           <a:bodyPr>
             <a:normAutofit/>
           </a:bodyPr>
@@ -9397,7 +9482,7 @@
             <a:fld id="{C6A2EA70-8A4C-40BF-A25E-4BD4BBF0DDA4}" type="slidenum">
               <a:rPr lang="en-US" smtClean="0"/>
               <a:pPr/>
-              <a:t>5</a:t>
+              <a:t>13</a:t>
             </a:fld>
             <a:endParaRPr lang="en-US"/>
           </a:p>
@@ -9411,7 +9496,7 @@
 </p:notes>
 </file>
 
-<file path=ppt/notesSlides/notesSlide10.xml><?xml version="1.0" encoding="utf-8"?>
+<file path=ppt/notesSlides/notesSlide11.xml><?xml version="1.0" encoding="utf-8"?>
 <p:notes xmlns:a="http://schemas.openxmlformats.org/drawingml/2006/main" xmlns:r="http://schemas.openxmlformats.org/officeDocument/2006/relationships" xmlns:p="http://schemas.openxmlformats.org/presentationml/2006/main">
   <p:cSld>
     <p:spTree>
@@ -9493,7 +9578,7 @@
 </p:notes>
 </file>
 
-<file path=ppt/notesSlides/notesSlide11.xml><?xml version="1.0" encoding="utf-8"?>
+<file path=ppt/notesSlides/notesSlide12.xml><?xml version="1.0" encoding="utf-8"?>
 <p:notes xmlns:a="http://schemas.openxmlformats.org/drawingml/2006/main" xmlns:r="http://schemas.openxmlformats.org/officeDocument/2006/relationships" xmlns:p="http://schemas.openxmlformats.org/presentationml/2006/main">
   <p:cSld>
     <p:spTree>
@@ -9580,7 +9665,7 @@
 </p:notes>
 </file>
 
-<file path=ppt/notesSlides/notesSlide12.xml><?xml version="1.0" encoding="utf-8"?>
+<file path=ppt/notesSlides/notesSlide13.xml><?xml version="1.0" encoding="utf-8"?>
 <p:notes xmlns:a="http://schemas.openxmlformats.org/drawingml/2006/main" xmlns:r="http://schemas.openxmlformats.org/officeDocument/2006/relationships" xmlns:p="http://schemas.openxmlformats.org/presentationml/2006/main">
   <p:cSld>
     <p:spTree>
@@ -9662,7 +9747,7 @@
 </p:notes>
 </file>
 
-<file path=ppt/notesSlides/notesSlide13.xml><?xml version="1.0" encoding="utf-8"?>
+<file path=ppt/notesSlides/notesSlide14.xml><?xml version="1.0" encoding="utf-8"?>
 <p:notes xmlns:a="http://schemas.openxmlformats.org/drawingml/2006/main" xmlns:r="http://schemas.openxmlformats.org/officeDocument/2006/relationships" xmlns:p="http://schemas.openxmlformats.org/presentationml/2006/main">
   <p:cSld>
     <p:spTree>
@@ -9744,7 +9829,7 @@
 </p:notes>
 </file>
 
-<file path=ppt/notesSlides/notesSlide14.xml><?xml version="1.0" encoding="utf-8"?>
+<file path=ppt/notesSlides/notesSlide15.xml><?xml version="1.0" encoding="utf-8"?>
 <p:notes xmlns:a="http://schemas.openxmlformats.org/drawingml/2006/main" xmlns:r="http://schemas.openxmlformats.org/officeDocument/2006/relationships" xmlns:p="http://schemas.openxmlformats.org/presentationml/2006/main">
   <p:cSld>
     <p:spTree>
@@ -9826,7 +9911,7 @@
 </p:notes>
 </file>
 
-<file path=ppt/notesSlides/notesSlide15.xml><?xml version="1.0" encoding="utf-8"?>
+<file path=ppt/notesSlides/notesSlide16.xml><?xml version="1.0" encoding="utf-8"?>
 <p:notes xmlns:a="http://schemas.openxmlformats.org/drawingml/2006/main" xmlns:r="http://schemas.openxmlformats.org/officeDocument/2006/relationships" xmlns:p="http://schemas.openxmlformats.org/presentationml/2006/main">
   <p:cSld>
     <p:spTree>
@@ -9908,7 +9993,7 @@
 </p:notes>
 </file>
 
-<file path=ppt/notesSlides/notesSlide16.xml><?xml version="1.0" encoding="utf-8"?>
+<file path=ppt/notesSlides/notesSlide17.xml><?xml version="1.0" encoding="utf-8"?>
 <p:notes xmlns:a="http://schemas.openxmlformats.org/drawingml/2006/main" xmlns:r="http://schemas.openxmlformats.org/officeDocument/2006/relationships" xmlns:p="http://schemas.openxmlformats.org/presentationml/2006/main">
   <p:cSld>
     <p:spTree>
@@ -9990,7 +10075,7 @@
 </p:notes>
 </file>
 
-<file path=ppt/notesSlides/notesSlide17.xml><?xml version="1.0" encoding="utf-8"?>
+<file path=ppt/notesSlides/notesSlide18.xml><?xml version="1.0" encoding="utf-8"?>
 <p:notes xmlns:a="http://schemas.openxmlformats.org/drawingml/2006/main" xmlns:r="http://schemas.openxmlformats.org/officeDocument/2006/relationships" xmlns:p="http://schemas.openxmlformats.org/presentationml/2006/main">
   <p:cSld>
     <p:spTree>
@@ -10072,7 +10157,7 @@
 </p:notes>
 </file>
 
-<file path=ppt/notesSlides/notesSlide18.xml><?xml version="1.0" encoding="utf-8"?>
+<file path=ppt/notesSlides/notesSlide19.xml><?xml version="1.0" encoding="utf-8"?>
 <p:notes xmlns:a="http://schemas.openxmlformats.org/drawingml/2006/main" xmlns:r="http://schemas.openxmlformats.org/officeDocument/2006/relationships" xmlns:p="http://schemas.openxmlformats.org/presentationml/2006/main">
   <p:cSld>
     <p:spTree>
@@ -10154,7 +10239,89 @@
 </p:notes>
 </file>
 
-<file path=ppt/notesSlides/notesSlide19.xml><?xml version="1.0" encoding="utf-8"?>
+<file path=ppt/notesSlides/notesSlide2.xml><?xml version="1.0" encoding="utf-8"?>
+<p:notes xmlns:a="http://schemas.openxmlformats.org/drawingml/2006/main" xmlns:r="http://schemas.openxmlformats.org/officeDocument/2006/relationships" xmlns:p="http://schemas.openxmlformats.org/presentationml/2006/main">
+  <p:cSld>
+    <p:spTree>
+      <p:nvGrpSpPr>
+        <p:cNvPr id="1" name=""/>
+        <p:cNvGrpSpPr/>
+        <p:nvPr/>
+      </p:nvGrpSpPr>
+      <p:grpSpPr>
+        <a:xfrm>
+          <a:off x="0" y="0"/>
+          <a:ext cx="0" cy="0"/>
+          <a:chOff x="0" y="0"/>
+          <a:chExt cx="0" cy="0"/>
+        </a:xfrm>
+      </p:grpSpPr>
+      <p:sp>
+        <p:nvSpPr>
+          <p:cNvPr id="2" name="Slide Image Placeholder 1"/>
+          <p:cNvSpPr>
+            <a:spLocks noGrp="1" noRot="1" noChangeAspect="1"/>
+          </p:cNvSpPr>
+          <p:nvPr>
+            <p:ph type="sldImg"/>
+          </p:nvPr>
+        </p:nvSpPr>
+        <p:spPr/>
+      </p:sp>
+      <p:sp>
+        <p:nvSpPr>
+          <p:cNvPr id="3" name="Notes Placeholder 2"/>
+          <p:cNvSpPr>
+            <a:spLocks noGrp="1"/>
+          </p:cNvSpPr>
+          <p:nvPr>
+            <p:ph type="body" idx="1"/>
+          </p:nvPr>
+        </p:nvSpPr>
+        <p:spPr/>
+        <p:txBody>
+          <a:bodyPr>
+            <a:normAutofit/>
+          </a:bodyPr>
+          <a:lstStyle/>
+          <a:p>
+            <a:endParaRPr lang="en-US"/>
+          </a:p>
+        </p:txBody>
+      </p:sp>
+      <p:sp>
+        <p:nvSpPr>
+          <p:cNvPr id="4" name="Slide Number Placeholder 3"/>
+          <p:cNvSpPr>
+            <a:spLocks noGrp="1"/>
+          </p:cNvSpPr>
+          <p:nvPr>
+            <p:ph type="sldNum" sz="quarter" idx="10"/>
+          </p:nvPr>
+        </p:nvSpPr>
+        <p:spPr/>
+        <p:txBody>
+          <a:bodyPr/>
+          <a:lstStyle/>
+          <a:p>
+            <a:fld id="{C6A2EA70-8A4C-40BF-A25E-4BD4BBF0DDA4}" type="slidenum">
+              <a:rPr lang="en-US" smtClean="0"/>
+              <a:pPr/>
+              <a:t>5</a:t>
+            </a:fld>
+            <a:endParaRPr lang="en-US"/>
+          </a:p>
+        </p:txBody>
+      </p:sp>
+    </p:spTree>
+  </p:cSld>
+  <p:clrMapOvr>
+    <a:masterClrMapping/>
+  </p:clrMapOvr>
+</p:notes>
+</file>
+
+<file path=ppt/notesSlides/notesSlide20.xml><?xml version="1.0" encoding="utf-8"?>
 <p:notes xmlns:a="http://schemas.openxmlformats.org/drawingml/2006/main" xmlns:r="http://schemas.openxmlformats.org/officeDocument/2006/relationships" xmlns:p="http://schemas.openxmlformats.org/presentationml/2006/main">
   <p:cSld>
     <p:spTree>
@@ -10236,89 +10403,7 @@
 </p:notes>
 </file>
 
-<file path=ppt/notesSlides/notesSlide2.xml><?xml version="1.0" encoding="utf-8"?>
-<p:notes xmlns:a="http://schemas.openxmlformats.org/drawingml/2006/main" xmlns:r="http://schemas.openxmlformats.org/officeDocument/2006/relationships" xmlns:p="http://schemas.openxmlformats.org/presentationml/2006/main">
-  <p:cSld>
-    <p:spTree>
-      <p:nvGrpSpPr>
-        <p:cNvPr id="1" name=""/>
-        <p:cNvGrpSpPr/>
-        <p:nvPr/>
-      </p:nvGrpSpPr>
-      <p:grpSpPr>
-        <a:xfrm>
-          <a:off x="0" y="0"/>
-          <a:ext cx="0" cy="0"/>
-          <a:chOff x="0" y="0"/>
-          <a:chExt cx="0" cy="0"/>
-        </a:xfrm>
-      </p:grpSpPr>
-      <p:sp>
-        <p:nvSpPr>
-          <p:cNvPr id="2" name="Slide Image Placeholder 1"/>
-          <p:cNvSpPr>
-            <a:spLocks noGrp="1" noRot="1" noChangeAspect="1"/>
-          </p:cNvSpPr>
-          <p:nvPr>
-            <p:ph type="sldImg"/>
-          </p:nvPr>
-        </p:nvSpPr>
-        <p:spPr/>
-      </p:sp>
-      <p:sp>
-        <p:nvSpPr>
-          <p:cNvPr id="3" name="Notes Placeholder 2"/>
-          <p:cNvSpPr>
-            <a:spLocks noGrp="1"/>
-          </p:cNvSpPr>
-          <p:nvPr>
-            <p:ph type="body" idx="1"/>
-          </p:nvPr>
-        </p:nvSpPr>
-        <p:spPr/>
-        <p:txBody>
-          <a:bodyPr>
-            <a:normAutofit/>
-          </a:bodyPr>
-          <a:lstStyle/>
-          <a:p>
-            <a:endParaRPr lang="en-US"/>
-          </a:p>
-        </p:txBody>
-      </p:sp>
-      <p:sp>
-        <p:nvSpPr>
-          <p:cNvPr id="4" name="Slide Number Placeholder 3"/>
-          <p:cNvSpPr>
-            <a:spLocks noGrp="1"/>
-          </p:cNvSpPr>
-          <p:nvPr>
-            <p:ph type="sldNum" sz="quarter" idx="10"/>
-          </p:nvPr>
-        </p:nvSpPr>
-        <p:spPr/>
-        <p:txBody>
-          <a:bodyPr/>
-          <a:lstStyle/>
-          <a:p>
-            <a:fld id="{C6A2EA70-8A4C-40BF-A25E-4BD4BBF0DDA4}" type="slidenum">
-              <a:rPr lang="en-US" smtClean="0"/>
-              <a:pPr/>
-              <a:t>6</a:t>
-            </a:fld>
-            <a:endParaRPr lang="en-US"/>
-          </a:p>
-        </p:txBody>
-      </p:sp>
-    </p:spTree>
-  </p:cSld>
-  <p:clrMapOvr>
-    <a:masterClrMapping/>
-  </p:clrMapOvr>
-</p:notes>
-</file>
-
-<file path=ppt/notesSlides/notesSlide20.xml><?xml version="1.0" encoding="utf-8"?>
+<file path=ppt/notesSlides/notesSlide21.xml><?xml version="1.0" encoding="utf-8"?>
 <p:notes xmlns:a="http://schemas.openxmlformats.org/drawingml/2006/main" xmlns:r="http://schemas.openxmlformats.org/officeDocument/2006/relationships" xmlns:p="http://schemas.openxmlformats.org/presentationml/2006/main">
   <p:cSld>
     <p:spTree>
@@ -10400,7 +10485,7 @@
 </p:notes>
 </file>
 
-<file path=ppt/notesSlides/notesSlide21.xml><?xml version="1.0" encoding="utf-8"?>
+<file path=ppt/notesSlides/notesSlide22.xml><?xml version="1.0" encoding="utf-8"?>
 <p:notes xmlns:a="http://schemas.openxmlformats.org/drawingml/2006/main" xmlns:r="http://schemas.openxmlformats.org/officeDocument/2006/relationships" xmlns:p="http://schemas.openxmlformats.org/presentationml/2006/main">
   <p:cSld>
     <p:spTree>
@@ -10487,7 +10572,7 @@
 </p:notes>
 </file>
 
-<file path=ppt/notesSlides/notesSlide22.xml><?xml version="1.0" encoding="utf-8"?>
+<file path=ppt/notesSlides/notesSlide23.xml><?xml version="1.0" encoding="utf-8"?>
 <p:notes xmlns:a="http://schemas.openxmlformats.org/drawingml/2006/main" xmlns:r="http://schemas.openxmlformats.org/officeDocument/2006/relationships" xmlns:p="http://schemas.openxmlformats.org/presentationml/2006/main">
   <p:cSld>
     <p:spTree>
@@ -10569,7 +10654,7 @@
 </p:notes>
 </file>
 
-<file path=ppt/notesSlides/notesSlide23.xml><?xml version="1.0" encoding="utf-8"?>
+<file path=ppt/notesSlides/notesSlide24.xml><?xml version="1.0" encoding="utf-8"?>
 <p:notes xmlns:a="http://schemas.openxmlformats.org/drawingml/2006/main" xmlns:r="http://schemas.openxmlformats.org/officeDocument/2006/relationships" xmlns:p="http://schemas.openxmlformats.org/presentationml/2006/main">
   <p:cSld>
     <p:spTree>
@@ -10651,7 +10736,7 @@
 </p:notes>
 </file>
 
-<file path=ppt/notesSlides/notesSlide24.xml><?xml version="1.0" encoding="utf-8"?>
+<file path=ppt/notesSlides/notesSlide25.xml><?xml version="1.0" encoding="utf-8"?>
 <p:notes xmlns:a="http://schemas.openxmlformats.org/drawingml/2006/main" xmlns:r="http://schemas.openxmlformats.org/officeDocument/2006/relationships" xmlns:p="http://schemas.openxmlformats.org/presentationml/2006/main">
   <p:cSld>
     <p:spTree>
@@ -10733,7 +10818,7 @@
 </p:notes>
 </file>
 
-<file path=ppt/notesSlides/notesSlide25.xml><?xml version="1.0" encoding="utf-8"?>
+<file path=ppt/notesSlides/notesSlide26.xml><?xml version="1.0" encoding="utf-8"?>
 <p:notes xmlns:a="http://schemas.openxmlformats.org/drawingml/2006/main" xmlns:r="http://schemas.openxmlformats.org/officeDocument/2006/relationships" xmlns:p="http://schemas.openxmlformats.org/presentationml/2006/main">
   <p:cSld>
     <p:spTree>
@@ -10815,7 +10900,7 @@
 </p:notes>
 </file>
 
-<file path=ppt/notesSlides/notesSlide26.xml><?xml version="1.0" encoding="utf-8"?>
+<file path=ppt/notesSlides/notesSlide27.xml><?xml version="1.0" encoding="utf-8"?>
 <p:notes xmlns:a="http://schemas.openxmlformats.org/drawingml/2006/main" xmlns:r="http://schemas.openxmlformats.org/officeDocument/2006/relationships" xmlns:p="http://schemas.openxmlformats.org/presentationml/2006/main">
   <p:cSld>
     <p:spTree>
@@ -10897,7 +10982,7 @@
 </p:notes>
 </file>
 
-<file path=ppt/notesSlides/notesSlide27.xml><?xml version="1.0" encoding="utf-8"?>
+<file path=ppt/notesSlides/notesSlide28.xml><?xml version="1.0" encoding="utf-8"?>
 <p:notes xmlns:a="http://schemas.openxmlformats.org/drawingml/2006/main" xmlns:r="http://schemas.openxmlformats.org/officeDocument/2006/relationships" xmlns:p="http://schemas.openxmlformats.org/presentationml/2006/main">
   <p:cSld>
     <p:spTree>
@@ -10979,7 +11064,7 @@
 </p:notes>
 </file>
 
-<file path=ppt/notesSlides/notesSlide28.xml><?xml version="1.0" encoding="utf-8"?>
+<file path=ppt/notesSlides/notesSlide29.xml><?xml version="1.0" encoding="utf-8"?>
 <p:notes xmlns:a="http://schemas.openxmlformats.org/drawingml/2006/main" xmlns:r="http://schemas.openxmlformats.org/officeDocument/2006/relationships" xmlns:p="http://schemas.openxmlformats.org/presentationml/2006/main">
   <p:cSld>
     <p:spTree>
@@ -11061,7 +11146,89 @@
 </p:notes>
 </file>
 
-<file path=ppt/notesSlides/notesSlide29.xml><?xml version="1.0" encoding="utf-8"?>
+<file path=ppt/notesSlides/notesSlide3.xml><?xml version="1.0" encoding="utf-8"?>
+<p:notes xmlns:a="http://schemas.openxmlformats.org/drawingml/2006/main" xmlns:r="http://schemas.openxmlformats.org/officeDocument/2006/relationships" xmlns:p="http://schemas.openxmlformats.org/presentationml/2006/main">
+  <p:cSld>
+    <p:spTree>
+      <p:nvGrpSpPr>
+        <p:cNvPr id="1" name=""/>
+        <p:cNvGrpSpPr/>
+        <p:nvPr/>
+      </p:nvGrpSpPr>
+      <p:grpSpPr>
+        <a:xfrm>
+          <a:off x="0" y="0"/>
+          <a:ext cx="0" cy="0"/>
+          <a:chOff x="0" y="0"/>
+          <a:chExt cx="0" cy="0"/>
+        </a:xfrm>
+      </p:grpSpPr>
+      <p:sp>
+        <p:nvSpPr>
+          <p:cNvPr id="2" name="Slide Image Placeholder 1"/>
+          <p:cNvSpPr>
+            <a:spLocks noGrp="1" noRot="1" noChangeAspect="1"/>
+          </p:cNvSpPr>
+          <p:nvPr>
+            <p:ph type="sldImg"/>
+          </p:nvPr>
+        </p:nvSpPr>
+        <p:spPr/>
+      </p:sp>
+      <p:sp>
+        <p:nvSpPr>
+          <p:cNvPr id="3" name="Notes Placeholder 2"/>
+          <p:cNvSpPr>
+            <a:spLocks noGrp="1"/>
+          </p:cNvSpPr>
+          <p:nvPr>
+            <p:ph type="body" idx="1"/>
+          </p:nvPr>
+        </p:nvSpPr>
+        <p:spPr/>
+        <p:txBody>
+          <a:bodyPr>
+            <a:normAutofit/>
+          </a:bodyPr>
+          <a:lstStyle/>
+          <a:p>
+            <a:endParaRPr lang="en-US"/>
+          </a:p>
+        </p:txBody>
+      </p:sp>
+      <p:sp>
+        <p:nvSpPr>
+          <p:cNvPr id="4" name="Slide Number Placeholder 3"/>
+          <p:cNvSpPr>
+            <a:spLocks noGrp="1"/>
+          </p:cNvSpPr>
+          <p:nvPr>
+            <p:ph type="sldNum" sz="quarter" idx="10"/>
+          </p:nvPr>
+        </p:nvSpPr>
+        <p:spPr/>
+        <p:txBody>
+          <a:bodyPr/>
+          <a:lstStyle/>
+          <a:p>
+            <a:fld id="{C6A2EA70-8A4C-40BF-A25E-4BD4BBF0DDA4}" type="slidenum">
+              <a:rPr lang="en-US" smtClean="0"/>
+              <a:pPr/>
+              <a:t>6</a:t>
+            </a:fld>
+            <a:endParaRPr lang="en-US"/>
+          </a:p>
+        </p:txBody>
+      </p:sp>
+    </p:spTree>
+  </p:cSld>
+  <p:clrMapOvr>
+    <a:masterClrMapping/>
+  </p:clrMapOvr>
+</p:notes>
+</file>
+
+<file path=ppt/notesSlides/notesSlide30.xml><?xml version="1.0" encoding="utf-8"?>
 <p:notes xmlns:a="http://schemas.openxmlformats.org/drawingml/2006/main" xmlns:r="http://schemas.openxmlformats.org/officeDocument/2006/relationships" xmlns:p="http://schemas.openxmlformats.org/presentationml/2006/main">
   <p:cSld>
     <p:spTree>
@@ -11148,89 +11315,7 @@
 </p:notes>
 </file>
 
-<file path=ppt/notesSlides/notesSlide3.xml><?xml version="1.0" encoding="utf-8"?>
-<p:notes xmlns:a="http://schemas.openxmlformats.org/drawingml/2006/main" xmlns:r="http://schemas.openxmlformats.org/officeDocument/2006/relationships" xmlns:p="http://schemas.openxmlformats.org/presentationml/2006/main">
-  <p:cSld>
-    <p:spTree>
-      <p:nvGrpSpPr>
-        <p:cNvPr id="1" name=""/>
-        <p:cNvGrpSpPr/>
-        <p:nvPr/>
-      </p:nvGrpSpPr>
-      <p:grpSpPr>
-        <a:xfrm>
-          <a:off x="0" y="0"/>
-          <a:ext cx="0" cy="0"/>
-          <a:chOff x="0" y="0"/>
-          <a:chExt cx="0" cy="0"/>
-        </a:xfrm>
-      </p:grpSpPr>
-      <p:sp>
-        <p:nvSpPr>
-          <p:cNvPr id="2" name="Slide Image Placeholder 1"/>
-          <p:cNvSpPr>
-            <a:spLocks noGrp="1" noRot="1" noChangeAspect="1"/>
-          </p:cNvSpPr>
-          <p:nvPr>
-            <p:ph type="sldImg"/>
-          </p:nvPr>
-        </p:nvSpPr>
-        <p:spPr/>
-      </p:sp>
-      <p:sp>
-        <p:nvSpPr>
-          <p:cNvPr id="3" name="Notes Placeholder 2"/>
-          <p:cNvSpPr>
-            <a:spLocks noGrp="1"/>
-          </p:cNvSpPr>
-          <p:nvPr>
-            <p:ph type="body" idx="1"/>
-          </p:nvPr>
-        </p:nvSpPr>
-        <p:spPr/>
-        <p:txBody>
-          <a:bodyPr>
-            <a:normAutofit/>
-          </a:bodyPr>
-          <a:lstStyle/>
-          <a:p>
-            <a:endParaRPr lang="en-US"/>
-          </a:p>
-        </p:txBody>
-      </p:sp>
-      <p:sp>
-        <p:nvSpPr>
-          <p:cNvPr id="4" name="Slide Number Placeholder 3"/>
-          <p:cNvSpPr>
-            <a:spLocks noGrp="1"/>
-          </p:cNvSpPr>
-          <p:nvPr>
-            <p:ph type="sldNum" sz="quarter" idx="10"/>
-          </p:nvPr>
-        </p:nvSpPr>
-        <p:spPr/>
-        <p:txBody>
-          <a:bodyPr/>
-          <a:lstStyle/>
-          <a:p>
-            <a:fld id="{C6A2EA70-8A4C-40BF-A25E-4BD4BBF0DDA4}" type="slidenum">
-              <a:rPr lang="en-US" smtClean="0"/>
-              <a:pPr/>
-              <a:t>7</a:t>
-            </a:fld>
-            <a:endParaRPr lang="en-US"/>
-          </a:p>
-        </p:txBody>
-      </p:sp>
-    </p:spTree>
-  </p:cSld>
-  <p:clrMapOvr>
-    <a:masterClrMapping/>
-  </p:clrMapOvr>
-</p:notes>
-</file>
-
-<file path=ppt/notesSlides/notesSlide30.xml><?xml version="1.0" encoding="utf-8"?>
+<file path=ppt/notesSlides/notesSlide31.xml><?xml version="1.0" encoding="utf-8"?>
 <p:notes xmlns:a="http://schemas.openxmlformats.org/drawingml/2006/main" xmlns:r="http://schemas.openxmlformats.org/officeDocument/2006/relationships" xmlns:p="http://schemas.openxmlformats.org/presentationml/2006/main">
   <p:cSld>
     <p:spTree>
@@ -11317,7 +11402,7 @@
 </p:notes>
 </file>
 
-<file path=ppt/notesSlides/notesSlide31.xml><?xml version="1.0" encoding="utf-8"?>
+<file path=ppt/notesSlides/notesSlide32.xml><?xml version="1.0" encoding="utf-8"?>
 <p:notes xmlns:a="http://schemas.openxmlformats.org/drawingml/2006/main" xmlns:r="http://schemas.openxmlformats.org/officeDocument/2006/relationships" xmlns:p="http://schemas.openxmlformats.org/presentationml/2006/main">
   <p:cSld>
     <p:spTree>
@@ -11472,7 +11557,7 @@
             <a:fld id="{C6A2EA70-8A4C-40BF-A25E-4BD4BBF0DDA4}" type="slidenum">
               <a:rPr lang="en-US" smtClean="0"/>
               <a:pPr/>
-              <a:t>8</a:t>
+              <a:t>7</a:t>
             </a:fld>
             <a:endParaRPr lang="en-US"/>
           </a:p>
@@ -11554,7 +11639,7 @@
             <a:fld id="{C6A2EA70-8A4C-40BF-A25E-4BD4BBF0DDA4}" type="slidenum">
               <a:rPr lang="en-US" smtClean="0"/>
               <a:pPr/>
-              <a:t>9</a:t>
+              <a:t>8</a:t>
             </a:fld>
             <a:endParaRPr lang="en-US"/>
           </a:p>
@@ -11636,7 +11721,7 @@
             <a:fld id="{C6A2EA70-8A4C-40BF-A25E-4BD4BBF0DDA4}" type="slidenum">
               <a:rPr lang="en-US" smtClean="0"/>
               <a:pPr/>
-              <a:t>10</a:t>
+              <a:t>9</a:t>
             </a:fld>
             <a:endParaRPr lang="en-US"/>
           </a:p>
@@ -11718,7 +11803,7 @@
             <a:fld id="{C6A2EA70-8A4C-40BF-A25E-4BD4BBF0DDA4}" type="slidenum">
               <a:rPr lang="en-US" smtClean="0"/>
               <a:pPr/>
-              <a:t>11</a:t>
+              <a:t>10</a:t>
             </a:fld>
             <a:endParaRPr lang="en-US"/>
           </a:p>
@@ -11800,7 +11885,7 @@
             <a:fld id="{C6A2EA70-8A4C-40BF-A25E-4BD4BBF0DDA4}" type="slidenum">
               <a:rPr lang="en-US" smtClean="0"/>
               <a:pPr/>
-              <a:t>12</a:t>
+              <a:t>11</a:t>
             </a:fld>
             <a:endParaRPr lang="en-US"/>
           </a:p>
@@ -11882,7 +11967,7 @@
             <a:fld id="{C6A2EA70-8A4C-40BF-A25E-4BD4BBF0DDA4}" type="slidenum">
               <a:rPr lang="en-US" smtClean="0"/>
               <a:pPr/>
-              <a:t>13</a:t>
+              <a:t>12</a:t>
             </a:fld>
             <a:endParaRPr lang="en-US"/>
           </a:p>
@@ -16196,8 +16281,8 @@
           </a:p>
         </p:txBody>
       </p:sp>
-      <mc:AlternateContent xmlns:mc="http://schemas.openxmlformats.org/markup-compatibility/2006">
-        <mc:Choice xmlns:a14="http://schemas.microsoft.com/office/drawing/2010/main" Requires="a14">
+      <mc:AlternateContent xmlns:mc="http://schemas.openxmlformats.org/markup-compatibility/2006" xmlns:a14="http://schemas.microsoft.com/office/drawing/2010/main">
+        <mc:Choice Requires="a14">
           <p:sp>
             <p:nvSpPr>
               <p:cNvPr id="5123" name="Rectangle 3"/>
@@ -16333,7 +16418,7 @@
             </p:txBody>
           </p:sp>
         </mc:Choice>
-        <mc:Fallback>
+        <mc:Fallback xmlns="">
           <p:sp>
             <p:nvSpPr>
               <p:cNvPr id="5123" name="Rectangle 3"/>
@@ -16769,8 +16854,8 @@
             </a:p>
           </p:txBody>
         </p:sp>
-        <mc:AlternateContent xmlns:mc="http://schemas.openxmlformats.org/markup-compatibility/2006">
-          <mc:Choice xmlns:a14="http://schemas.microsoft.com/office/drawing/2010/main" Requires="a14">
+        <mc:AlternateContent xmlns:mc="http://schemas.openxmlformats.org/markup-compatibility/2006" xmlns:a14="http://schemas.microsoft.com/office/drawing/2010/main">
+          <mc:Choice Requires="a14">
             <p:sp>
               <p:nvSpPr>
                 <p:cNvPr id="23" name="Rectangle 22"/>
@@ -16913,7 +16998,7 @@
               </p:txBody>
             </p:sp>
           </mc:Choice>
-          <mc:Fallback>
+          <mc:Fallback xmlns="">
             <p:sp>
               <p:nvSpPr>
                 <p:cNvPr id="23" name="Rectangle 22"/>
@@ -17366,8 +17451,8 @@
           </a:p>
         </p:txBody>
       </p:sp>
-      <mc:AlternateContent xmlns:mc="http://schemas.openxmlformats.org/markup-compatibility/2006">
-        <mc:Choice xmlns:a14="http://schemas.microsoft.com/office/drawing/2010/main" Requires="a14">
+      <mc:AlternateContent xmlns:mc="http://schemas.openxmlformats.org/markup-compatibility/2006" xmlns:a14="http://schemas.microsoft.com/office/drawing/2010/main">
+        <mc:Choice Requires="a14">
           <p:sp>
             <p:nvSpPr>
               <p:cNvPr id="10243" name="Rectangle 3"/>
@@ -17807,7 +17892,7 @@
             </p:txBody>
           </p:sp>
         </mc:Choice>
-        <mc:Fallback>
+        <mc:Fallback xmlns="">
           <p:sp>
             <p:nvSpPr>
               <p:cNvPr id="10243" name="Rectangle 3"/>
@@ -18075,8 +18160,8 @@
           </a:p>
         </p:txBody>
       </p:sp>
-      <mc:AlternateContent xmlns:mc="http://schemas.openxmlformats.org/markup-compatibility/2006">
-        <mc:Choice xmlns:a14="http://schemas.microsoft.com/office/drawing/2010/main" Requires="a14">
+      <mc:AlternateContent xmlns:mc="http://schemas.openxmlformats.org/markup-compatibility/2006" xmlns:a14="http://schemas.microsoft.com/office/drawing/2010/main">
+        <mc:Choice Requires="a14">
           <p:sp>
             <p:nvSpPr>
               <p:cNvPr id="5123" name="Rectangle 3"/>
@@ -18580,7 +18665,7 @@
             </p:txBody>
           </p:sp>
         </mc:Choice>
-        <mc:Fallback>
+        <mc:Fallback xmlns="">
           <p:sp>
             <p:nvSpPr>
               <p:cNvPr id="5123" name="Rectangle 3"/>
@@ -20418,8 +20503,8 @@
           </a:p>
         </p:txBody>
       </p:sp>
-      <mc:AlternateContent xmlns:mc="http://schemas.openxmlformats.org/markup-compatibility/2006">
-        <mc:Choice xmlns:a14="http://schemas.microsoft.com/office/drawing/2010/main" Requires="a14">
+      <mc:AlternateContent xmlns:mc="http://schemas.openxmlformats.org/markup-compatibility/2006" xmlns:a14="http://schemas.microsoft.com/office/drawing/2010/main">
+        <mc:Choice Requires="a14">
           <p:sp>
             <p:nvSpPr>
               <p:cNvPr id="9219" name="Rectangle 3"/>
@@ -20738,7 +20823,7 @@
             </p:txBody>
           </p:sp>
         </mc:Choice>
-        <mc:Fallback>
+        <mc:Fallback xmlns="">
           <p:sp>
             <p:nvSpPr>
               <p:cNvPr id="9219" name="Rectangle 3"/>
@@ -20845,8 +20930,8 @@
           </a:p>
         </p:txBody>
       </p:sp>
-      <mc:AlternateContent xmlns:mc="http://schemas.openxmlformats.org/markup-compatibility/2006">
-        <mc:Choice xmlns:a14="http://schemas.microsoft.com/office/drawing/2010/main" Requires="a14">
+      <mc:AlternateContent xmlns:mc="http://schemas.openxmlformats.org/markup-compatibility/2006" xmlns:a14="http://schemas.microsoft.com/office/drawing/2010/main">
+        <mc:Choice Requires="a14">
           <p:sp>
             <p:nvSpPr>
               <p:cNvPr id="11267" name="Rectangle 3"/>
@@ -21225,7 +21310,7 @@
             </p:txBody>
           </p:sp>
         </mc:Choice>
-        <mc:Fallback>
+        <mc:Fallback xmlns="">
           <p:sp>
             <p:nvSpPr>
               <p:cNvPr id="11267" name="Rectangle 3"/>
@@ -21641,13 +21726,13 @@
               <a:rPr lang="en-US" dirty="0">
                 <a:ea typeface="ＭＳ Ｐゴシック" pitchFamily="34" charset="-128"/>
               </a:rPr>
-              <a:t>Probability Recap</a:t>
+              <a:t>Probability Theory Recap</a:t>
             </a:r>
           </a:p>
         </p:txBody>
       </p:sp>
-      <mc:AlternateContent xmlns:mc="http://schemas.openxmlformats.org/markup-compatibility/2006">
-        <mc:Choice xmlns:a14="http://schemas.microsoft.com/office/drawing/2010/main" Requires="a14">
+      <mc:AlternateContent xmlns:mc="http://schemas.openxmlformats.org/markup-compatibility/2006" xmlns:a14="http://schemas.microsoft.com/office/drawing/2010/main">
+        <mc:Choice Requires="a14">
           <p:sp>
             <p:nvSpPr>
               <p:cNvPr id="30722" name="Content Placeholder 2"/>
@@ -21660,8 +21745,8 @@
             </p:nvSpPr>
             <p:spPr>
               <a:xfrm>
-                <a:off x="628650" y="1644649"/>
-                <a:ext cx="7886700" cy="4351338"/>
+                <a:off x="628650" y="1447800"/>
+                <a:ext cx="7886700" cy="4548187"/>
               </a:xfrm>
             </p:spPr>
             <p:txBody>
@@ -21676,49 +21761,21 @@
                   <a:defRPr/>
                 </a:pPr>
                 <a:r>
-                  <a:rPr lang="en-US" sz="2000" b="1" dirty="0"/>
+                  <a:rPr lang="en-US" sz="1800" dirty="0"/>
                   <a:t>Notation</a:t>
                 </a:r>
                 <a:r>
-                  <a:rPr lang="en-US" sz="2000" b="0" dirty="0"/>
-                  <a:t>: </a:t>
+                  <a:rPr lang="en-US" sz="1800" b="0" dirty="0"/>
+                  <a:t>: 	</a:t>
+                </a:r>
+                <a:r>
+                  <a:rPr lang="en-US" sz="1800" dirty="0"/>
+                  <a:t>Prob. of an event </a:t>
                 </a:r>
                 <a14:m>
                   <m:oMath xmlns:m="http://schemas.openxmlformats.org/officeDocument/2006/math">
                     <m:r>
-                      <a:rPr lang="en-US" sz="2000" i="1" dirty="0" smtClean="0">
-                        <a:latin typeface="Cambria Math" panose="02040503050406030204" pitchFamily="18" charset="0"/>
-                      </a:rPr>
-                      <m:t>𝑃</m:t>
-                    </m:r>
-                    <m:r>
-                      <a:rPr lang="en-US" sz="2000" i="1" dirty="0" smtClean="0">
-                        <a:latin typeface="Cambria Math" panose="02040503050406030204" pitchFamily="18" charset="0"/>
-                      </a:rPr>
-                      <m:t>(</m:t>
-                    </m:r>
-                    <m:r>
-                      <a:rPr lang="en-US" sz="2000" i="1" dirty="0" smtClean="0">
-                        <a:latin typeface="Cambria Math" panose="02040503050406030204" pitchFamily="18" charset="0"/>
-                      </a:rPr>
-                      <m:t>𝑋</m:t>
-                    </m:r>
-                    <m:r>
-                      <a:rPr lang="en-US" sz="2000" i="1" dirty="0" smtClean="0">
-                        <a:latin typeface="Cambria Math" panose="02040503050406030204" pitchFamily="18" charset="0"/>
-                      </a:rPr>
-                      <m:t>)</m:t>
-                    </m:r>
-                  </m:oMath>
-                </a14:m>
-                <a:r>
-                  <a:rPr lang="en-US" sz="2000" dirty="0"/>
-                  <a:t> vs.  </a:t>
-                </a:r>
-                <a14:m>
-                  <m:oMath xmlns:m="http://schemas.openxmlformats.org/officeDocument/2006/math">
-                    <m:r>
-                      <a:rPr lang="en-US" sz="2000" b="0" i="1" smtClean="0">
+                      <a:rPr lang="en-US" sz="1800" b="0" i="1" smtClean="0">
                         <a:latin typeface="Cambria Math" panose="02040503050406030204" pitchFamily="18" charset="0"/>
                       </a:rPr>
                       <m:t>𝑃</m:t>
@@ -21726,26 +21783,26 @@
                     <m:d>
                       <m:dPr>
                         <m:ctrlPr>
-                          <a:rPr lang="en-US" sz="2000" b="0" i="1" smtClean="0">
+                          <a:rPr lang="en-US" sz="1800" b="0" i="1" smtClean="0">
                             <a:latin typeface="Cambria Math" panose="02040503050406030204" pitchFamily="18" charset="0"/>
                           </a:rPr>
                         </m:ctrlPr>
                       </m:dPr>
                       <m:e>
                         <m:r>
-                          <a:rPr lang="en-US" sz="2000" b="0" i="1" smtClean="0">
+                          <a:rPr lang="en-US" sz="1800" b="0" i="1" smtClean="0">
                             <a:latin typeface="Cambria Math" panose="02040503050406030204" pitchFamily="18" charset="0"/>
                           </a:rPr>
                           <m:t>𝑋</m:t>
                         </m:r>
                         <m:r>
-                          <a:rPr lang="en-US" sz="2000" b="0" i="1" smtClean="0">
+                          <a:rPr lang="en-US" sz="1800" b="0" i="1" smtClean="0">
                             <a:latin typeface="Cambria Math" panose="02040503050406030204" pitchFamily="18" charset="0"/>
                           </a:rPr>
                           <m:t>=</m:t>
                         </m:r>
                         <m:r>
-                          <a:rPr lang="en-US" sz="2000" b="0" i="1" smtClean="0">
+                          <a:rPr lang="en-US" sz="1800" b="0" i="1" smtClean="0">
                             <a:latin typeface="Cambria Math" panose="02040503050406030204" pitchFamily="18" charset="0"/>
                           </a:rPr>
                           <m:t>𝑥</m:t>
@@ -21753,38 +21810,273 @@
                       </m:e>
                     </m:d>
                     <m:r>
-                      <a:rPr lang="en-US" sz="2000" b="0" i="1" smtClean="0">
+                      <a:rPr lang="en-US" sz="1800" b="0" i="1" smtClean="0">
                         <a:latin typeface="Cambria Math" panose="02040503050406030204" pitchFamily="18" charset="0"/>
                       </a:rPr>
                       <m:t>=</m:t>
                     </m:r>
                     <m:r>
-                      <a:rPr lang="en-US" sz="2000" b="0" i="1" smtClean="0">
+                      <a:rPr lang="en-US" sz="1800" b="0" i="1" smtClean="0">
                         <a:latin typeface="Cambria Math" panose="02040503050406030204" pitchFamily="18" charset="0"/>
                       </a:rPr>
                       <m:t>𝑃</m:t>
                     </m:r>
                     <m:r>
-                      <a:rPr lang="en-US" sz="2000" b="0" i="1" smtClean="0">
+                      <a:rPr lang="en-US" sz="1800" b="0" i="1" smtClean="0">
                         <a:latin typeface="Cambria Math" panose="02040503050406030204" pitchFamily="18" charset="0"/>
                       </a:rPr>
                       <m:t>(</m:t>
                     </m:r>
                     <m:r>
-                      <a:rPr lang="en-US" sz="2000" b="0" i="1" smtClean="0">
+                      <a:rPr lang="en-US" sz="1800" b="0" i="1" smtClean="0">
                         <a:latin typeface="Cambria Math" panose="02040503050406030204" pitchFamily="18" charset="0"/>
                       </a:rPr>
                       <m:t>𝑥</m:t>
                     </m:r>
                     <m:r>
-                      <a:rPr lang="en-US" sz="2000" b="0" i="1" smtClean="0">
+                      <a:rPr lang="en-US" sz="1800" b="0" i="1" smtClean="0">
                         <a:latin typeface="Cambria Math" panose="02040503050406030204" pitchFamily="18" charset="0"/>
                       </a:rPr>
                       <m:t>)</m:t>
                     </m:r>
                   </m:oMath>
                 </a14:m>
-                <a:endParaRPr lang="en-US" sz="2000" dirty="0"/>
+                <a:br>
+                  <a:rPr lang="en-US" sz="1800" dirty="0"/>
+                </a:br>
+                <a:r>
+                  <a:rPr lang="en-US" sz="1800" dirty="0"/>
+                  <a:t>                  	Prob. distribution </a:t>
+                </a:r>
+                <a14:m>
+                  <m:oMath xmlns:m="http://schemas.openxmlformats.org/officeDocument/2006/math">
+                    <m:r>
+                      <a:rPr lang="en-US" sz="1800" b="1" i="1" smtClean="0">
+                        <a:latin typeface="Cambria Math" panose="02040503050406030204" pitchFamily="18" charset="0"/>
+                      </a:rPr>
+                      <m:t>𝑷</m:t>
+                    </m:r>
+                    <m:d>
+                      <m:dPr>
+                        <m:ctrlPr>
+                          <a:rPr lang="en-US" sz="1800" b="0" i="1" smtClean="0">
+                            <a:latin typeface="Cambria Math" panose="02040503050406030204" pitchFamily="18" charset="0"/>
+                          </a:rPr>
+                        </m:ctrlPr>
+                      </m:dPr>
+                      <m:e>
+                        <m:r>
+                          <a:rPr lang="en-US" sz="1800" b="0" i="1" smtClean="0">
+                            <a:latin typeface="Cambria Math" panose="02040503050406030204" pitchFamily="18" charset="0"/>
+                          </a:rPr>
+                          <m:t>𝑋</m:t>
+                        </m:r>
+                      </m:e>
+                    </m:d>
+                    <m:r>
+                      <a:rPr lang="en-US" sz="1800" b="0" i="0" smtClean="0">
+                        <a:latin typeface="Cambria Math" panose="02040503050406030204" pitchFamily="18" charset="0"/>
+                      </a:rPr>
+                      <m:t>=</m:t>
+                    </m:r>
+                    <m:d>
+                      <m:dPr>
+                        <m:begChr m:val="⟨"/>
+                        <m:endChr m:val="⟩"/>
+                        <m:ctrlPr>
+                          <a:rPr lang="en-US" sz="1800" b="0" i="1" smtClean="0">
+                            <a:latin typeface="Cambria Math" panose="02040503050406030204" pitchFamily="18" charset="0"/>
+                          </a:rPr>
+                        </m:ctrlPr>
+                      </m:dPr>
+                      <m:e>
+                        <m:r>
+                          <a:rPr lang="en-US" sz="1800" b="0" i="1" smtClean="0">
+                            <a:latin typeface="Cambria Math" panose="02040503050406030204" pitchFamily="18" charset="0"/>
+                          </a:rPr>
+                          <m:t>𝑃</m:t>
+                        </m:r>
+                        <m:d>
+                          <m:dPr>
+                            <m:ctrlPr>
+                              <a:rPr lang="en-US" sz="1800" b="0" i="1" smtClean="0">
+                                <a:latin typeface="Cambria Math" panose="02040503050406030204" pitchFamily="18" charset="0"/>
+                              </a:rPr>
+                            </m:ctrlPr>
+                          </m:dPr>
+                          <m:e>
+                            <m:r>
+                              <a:rPr lang="en-US" sz="1800" b="0" i="1" smtClean="0">
+                                <a:latin typeface="Cambria Math" panose="02040503050406030204" pitchFamily="18" charset="0"/>
+                              </a:rPr>
+                              <m:t>𝑋</m:t>
+                            </m:r>
+                            <m:r>
+                              <a:rPr lang="en-US" sz="1800" b="0" i="1" smtClean="0">
+                                <a:latin typeface="Cambria Math" panose="02040503050406030204" pitchFamily="18" charset="0"/>
+                              </a:rPr>
+                              <m:t>=</m:t>
+                            </m:r>
+                            <m:sSub>
+                              <m:sSubPr>
+                                <m:ctrlPr>
+                                  <a:rPr lang="en-US" sz="1800" b="0" i="1" smtClean="0">
+                                    <a:latin typeface="Cambria Math" panose="02040503050406030204" pitchFamily="18" charset="0"/>
+                                  </a:rPr>
+                                </m:ctrlPr>
+                              </m:sSubPr>
+                              <m:e>
+                                <m:r>
+                                  <a:rPr lang="en-US" sz="1800" b="0" i="1" smtClean="0">
+                                    <a:latin typeface="Cambria Math" panose="02040503050406030204" pitchFamily="18" charset="0"/>
+                                  </a:rPr>
+                                  <m:t>𝑥</m:t>
+                                </m:r>
+                              </m:e>
+                              <m:sub>
+                                <m:r>
+                                  <a:rPr lang="en-US" sz="1800" b="0" i="1" smtClean="0">
+                                    <a:latin typeface="Cambria Math" panose="02040503050406030204" pitchFamily="18" charset="0"/>
+                                  </a:rPr>
+                                  <m:t>1</m:t>
+                                </m:r>
+                              </m:sub>
+                            </m:sSub>
+                          </m:e>
+                        </m:d>
+                        <m:r>
+                          <a:rPr lang="en-US" sz="1800" b="0" i="1" smtClean="0">
+                            <a:latin typeface="Cambria Math" panose="02040503050406030204" pitchFamily="18" charset="0"/>
+                          </a:rPr>
+                          <m:t>, </m:t>
+                        </m:r>
+                        <m:r>
+                          <a:rPr lang="en-US" sz="1800" b="0" i="1" smtClean="0">
+                            <a:latin typeface="Cambria Math" panose="02040503050406030204" pitchFamily="18" charset="0"/>
+                          </a:rPr>
+                          <m:t>𝑃</m:t>
+                        </m:r>
+                        <m:d>
+                          <m:dPr>
+                            <m:ctrlPr>
+                              <a:rPr lang="en-US" sz="1800" b="0" i="1" smtClean="0">
+                                <a:latin typeface="Cambria Math" panose="02040503050406030204" pitchFamily="18" charset="0"/>
+                              </a:rPr>
+                            </m:ctrlPr>
+                          </m:dPr>
+                          <m:e>
+                            <m:r>
+                              <a:rPr lang="en-US" sz="1800" b="0" i="1" smtClean="0">
+                                <a:latin typeface="Cambria Math" panose="02040503050406030204" pitchFamily="18" charset="0"/>
+                              </a:rPr>
+                              <m:t>𝑋</m:t>
+                            </m:r>
+                            <m:r>
+                              <a:rPr lang="en-US" sz="1800" b="0" i="1" smtClean="0">
+                                <a:latin typeface="Cambria Math" panose="02040503050406030204" pitchFamily="18" charset="0"/>
+                              </a:rPr>
+                              <m:t>=</m:t>
+                            </m:r>
+                            <m:sSub>
+                              <m:sSubPr>
+                                <m:ctrlPr>
+                                  <a:rPr lang="en-US" sz="1800" b="0" i="1" smtClean="0">
+                                    <a:latin typeface="Cambria Math" panose="02040503050406030204" pitchFamily="18" charset="0"/>
+                                  </a:rPr>
+                                </m:ctrlPr>
+                              </m:sSubPr>
+                              <m:e>
+                                <m:r>
+                                  <a:rPr lang="en-US" sz="1800" b="0" i="1" smtClean="0">
+                                    <a:latin typeface="Cambria Math" panose="02040503050406030204" pitchFamily="18" charset="0"/>
+                                  </a:rPr>
+                                  <m:t>𝑥</m:t>
+                                </m:r>
+                              </m:e>
+                              <m:sub>
+                                <m:r>
+                                  <a:rPr lang="en-US" sz="1800" b="0" i="1" smtClean="0">
+                                    <a:latin typeface="Cambria Math" panose="02040503050406030204" pitchFamily="18" charset="0"/>
+                                  </a:rPr>
+                                  <m:t>2</m:t>
+                                </m:r>
+                              </m:sub>
+                            </m:sSub>
+                          </m:e>
+                        </m:d>
+                        <m:r>
+                          <a:rPr lang="en-US" sz="1800" b="0" i="1" smtClean="0">
+                            <a:latin typeface="Cambria Math" panose="02040503050406030204" pitchFamily="18" charset="0"/>
+                          </a:rPr>
+                          <m:t>, …, </m:t>
+                        </m:r>
+                        <m:r>
+                          <a:rPr lang="en-US" sz="1800" b="0" i="1" smtClean="0">
+                            <a:latin typeface="Cambria Math" panose="02040503050406030204" pitchFamily="18" charset="0"/>
+                          </a:rPr>
+                          <m:t>𝑃</m:t>
+                        </m:r>
+                        <m:d>
+                          <m:dPr>
+                            <m:ctrlPr>
+                              <a:rPr lang="en-US" sz="1800" b="0" i="1" smtClean="0">
+                                <a:latin typeface="Cambria Math" panose="02040503050406030204" pitchFamily="18" charset="0"/>
+                              </a:rPr>
+                            </m:ctrlPr>
+                          </m:dPr>
+                          <m:e>
+                            <m:r>
+                              <a:rPr lang="en-US" sz="1800" b="0" i="1" smtClean="0">
+                                <a:latin typeface="Cambria Math" panose="02040503050406030204" pitchFamily="18" charset="0"/>
+                              </a:rPr>
+                              <m:t>𝑋</m:t>
+                            </m:r>
+                            <m:r>
+                              <a:rPr lang="en-US" sz="1800" b="0" i="1" smtClean="0">
+                                <a:latin typeface="Cambria Math" panose="02040503050406030204" pitchFamily="18" charset="0"/>
+                              </a:rPr>
+                              <m:t>=</m:t>
+                            </m:r>
+                            <m:sSub>
+                              <m:sSubPr>
+                                <m:ctrlPr>
+                                  <a:rPr lang="en-US" sz="1800" b="0" i="1" smtClean="0">
+                                    <a:latin typeface="Cambria Math" panose="02040503050406030204" pitchFamily="18" charset="0"/>
+                                  </a:rPr>
+                                </m:ctrlPr>
+                              </m:sSubPr>
+                              <m:e>
+                                <m:r>
+                                  <a:rPr lang="en-US" sz="1800" b="0" i="1" smtClean="0">
+                                    <a:latin typeface="Cambria Math" panose="02040503050406030204" pitchFamily="18" charset="0"/>
+                                  </a:rPr>
+                                  <m:t>𝑥</m:t>
+                                </m:r>
+                              </m:e>
+                              <m:sub>
+                                <m:r>
+                                  <a:rPr lang="en-US" sz="1800" b="0" i="1" smtClean="0">
+                                    <a:latin typeface="Cambria Math" panose="02040503050406030204" pitchFamily="18" charset="0"/>
+                                  </a:rPr>
+                                  <m:t>𝑛</m:t>
+                                </m:r>
+                              </m:sub>
+                            </m:sSub>
+                          </m:e>
+                        </m:d>
+                      </m:e>
+                    </m:d>
+                  </m:oMath>
+                </a14:m>
+                <a:endParaRPr lang="en-US" sz="1800" dirty="0"/>
+              </a:p>
+              <a:p>
+                <a:pPr>
+                  <a:buFont typeface="Wingdings" charset="0"/>
+                  <a:buChar char="§"/>
+                  <a:defRPr/>
+                </a:pPr>
+                <a:endParaRPr lang="en-US" sz="1800" dirty="0"/>
               </a:p>
               <a:p>
                 <a:pPr>
@@ -21793,17 +22085,110 @@
                   <a:defRPr/>
                 </a:pPr>
                 <a:r>
-                  <a:rPr lang="en-US" sz="2000" dirty="0"/>
-                  <a:t>Conditional probability</a:t>
+                  <a:rPr lang="en-US" sz="1800" dirty="0"/>
+                  <a:t>Product rule		 </a:t>
                 </a:r>
-              </a:p>
-              <a:p>
-                <a:pPr lvl="2">
-                  <a:buFont typeface="Wingdings" charset="0"/>
-                  <a:buChar char="§"/>
-                  <a:defRPr/>
-                </a:pPr>
-                <a:endParaRPr lang="en-US" sz="2000" dirty="0"/>
+                <a14:m>
+                  <m:oMath xmlns:m="http://schemas.openxmlformats.org/officeDocument/2006/math">
+                    <m:r>
+                      <a:rPr lang="en-US" sz="1800" b="0" i="1" smtClean="0">
+                        <a:latin typeface="Cambria Math" panose="02040503050406030204" pitchFamily="18" charset="0"/>
+                      </a:rPr>
+                      <m:t>𝑃</m:t>
+                    </m:r>
+                    <m:d>
+                      <m:dPr>
+                        <m:ctrlPr>
+                          <a:rPr lang="en-US" sz="1800" b="0" i="1" smtClean="0">
+                            <a:latin typeface="Cambria Math" panose="02040503050406030204" pitchFamily="18" charset="0"/>
+                          </a:rPr>
+                        </m:ctrlPr>
+                      </m:dPr>
+                      <m:e>
+                        <m:r>
+                          <a:rPr lang="en-US" sz="1800" b="0" i="1" smtClean="0">
+                            <a:latin typeface="Cambria Math" panose="02040503050406030204" pitchFamily="18" charset="0"/>
+                          </a:rPr>
+                          <m:t>𝑥</m:t>
+                        </m:r>
+                        <m:r>
+                          <a:rPr lang="en-US" sz="1800" b="0" i="1" smtClean="0">
+                            <a:latin typeface="Cambria Math" panose="02040503050406030204" pitchFamily="18" charset="0"/>
+                          </a:rPr>
+                          <m:t>,</m:t>
+                        </m:r>
+                        <m:r>
+                          <a:rPr lang="en-US" sz="1800" b="0" i="1" smtClean="0">
+                            <a:latin typeface="Cambria Math" panose="02040503050406030204" pitchFamily="18" charset="0"/>
+                          </a:rPr>
+                          <m:t>𝑦</m:t>
+                        </m:r>
+                      </m:e>
+                    </m:d>
+                    <m:r>
+                      <a:rPr lang="en-US" sz="1800" b="0" i="1" smtClean="0">
+                        <a:latin typeface="Cambria Math" panose="02040503050406030204" pitchFamily="18" charset="0"/>
+                      </a:rPr>
+                      <m:t>=</m:t>
+                    </m:r>
+                    <m:r>
+                      <a:rPr lang="en-US" sz="1800" b="0" i="1" smtClean="0">
+                        <a:latin typeface="Cambria Math" panose="02040503050406030204" pitchFamily="18" charset="0"/>
+                      </a:rPr>
+                      <m:t>𝑃</m:t>
+                    </m:r>
+                    <m:d>
+                      <m:dPr>
+                        <m:ctrlPr>
+                          <a:rPr lang="en-US" sz="1800" b="0" i="1" smtClean="0">
+                            <a:latin typeface="Cambria Math" panose="02040503050406030204" pitchFamily="18" charset="0"/>
+                          </a:rPr>
+                        </m:ctrlPr>
+                      </m:dPr>
+                      <m:e>
+                        <m:r>
+                          <a:rPr lang="en-US" sz="1800" b="0" i="1" smtClean="0">
+                            <a:latin typeface="Cambria Math" panose="02040503050406030204" pitchFamily="18" charset="0"/>
+                          </a:rPr>
+                          <m:t>𝑥</m:t>
+                        </m:r>
+                      </m:e>
+                      <m:e>
+                        <m:r>
+                          <a:rPr lang="en-US" sz="1800" b="0" i="1" smtClean="0">
+                            <a:latin typeface="Cambria Math" panose="02040503050406030204" pitchFamily="18" charset="0"/>
+                          </a:rPr>
+                          <m:t>𝑦</m:t>
+                        </m:r>
+                      </m:e>
+                    </m:d>
+                    <m:r>
+                      <a:rPr lang="en-US" sz="1800" b="0" i="1" smtClean="0">
+                        <a:latin typeface="Cambria Math" panose="02040503050406030204" pitchFamily="18" charset="0"/>
+                      </a:rPr>
+                      <m:t>𝑃</m:t>
+                    </m:r>
+                    <m:r>
+                      <a:rPr lang="en-US" sz="1800" b="0" i="1" smtClean="0">
+                        <a:latin typeface="Cambria Math" panose="02040503050406030204" pitchFamily="18" charset="0"/>
+                      </a:rPr>
+                      <m:t>(</m:t>
+                    </m:r>
+                    <m:r>
+                      <a:rPr lang="en-US" sz="1800" b="0" i="1" smtClean="0">
+                        <a:latin typeface="Cambria Math" panose="02040503050406030204" pitchFamily="18" charset="0"/>
+                      </a:rPr>
+                      <m:t>𝑦</m:t>
+                    </m:r>
+                    <m:r>
+                      <a:rPr lang="en-US" sz="1800" b="0" i="1" smtClean="0">
+                        <a:latin typeface="Cambria Math" panose="02040503050406030204" pitchFamily="18" charset="0"/>
+                      </a:rPr>
+                      <m:t>)</m:t>
+                    </m:r>
+                  </m:oMath>
+                </a14:m>
+                <a:endParaRPr lang="en-US" sz="1800" dirty="0"/>
               </a:p>
               <a:p>
                 <a:pPr>
@@ -21812,17 +22197,540 @@
                   <a:defRPr/>
                 </a:pPr>
                 <a:r>
-                  <a:rPr lang="en-US" sz="2000" dirty="0"/>
-                  <a:t>Product rule</a:t>
+                  <a:rPr lang="en-US" sz="1800" dirty="0"/>
+                  <a:t>Chain rule		</a:t>
                 </a:r>
-              </a:p>
-              <a:p>
-                <a:pPr lvl="2">
-                  <a:buFont typeface="Wingdings" charset="0"/>
-                  <a:buChar char="§"/>
-                  <a:defRPr/>
-                </a:pPr>
-                <a:endParaRPr lang="en-US" sz="2000" dirty="0"/>
+                <a:r>
+                  <a:rPr lang="en-US" sz="1800" b="1" dirty="0"/>
+                  <a:t> </a:t>
+                </a:r>
+                <a14:m>
+                  <m:oMath xmlns:m="http://schemas.openxmlformats.org/officeDocument/2006/math">
+                    <m:r>
+                      <a:rPr lang="en-US" sz="1800" b="1" i="1" smtClean="0">
+                        <a:latin typeface="Cambria Math" panose="02040503050406030204" pitchFamily="18" charset="0"/>
+                      </a:rPr>
+                      <m:t>𝑷</m:t>
+                    </m:r>
+                    <m:d>
+                      <m:dPr>
+                        <m:ctrlPr>
+                          <a:rPr lang="en-US" sz="1800" b="0" i="1" smtClean="0">
+                            <a:latin typeface="Cambria Math" panose="02040503050406030204" pitchFamily="18" charset="0"/>
+                          </a:rPr>
+                        </m:ctrlPr>
+                      </m:dPr>
+                      <m:e>
+                        <m:sSub>
+                          <m:sSubPr>
+                            <m:ctrlPr>
+                              <a:rPr lang="en-US" sz="1800" b="0" i="1" smtClean="0">
+                                <a:latin typeface="Cambria Math" panose="02040503050406030204" pitchFamily="18" charset="0"/>
+                              </a:rPr>
+                            </m:ctrlPr>
+                          </m:sSubPr>
+                          <m:e>
+                            <m:r>
+                              <m:rPr>
+                                <m:sty m:val="p"/>
+                              </m:rPr>
+                              <a:rPr lang="en-US" sz="1800" b="0" i="0" smtClean="0">
+                                <a:latin typeface="Cambria Math" panose="02040503050406030204" pitchFamily="18" charset="0"/>
+                              </a:rPr>
+                              <m:t>X</m:t>
+                            </m:r>
+                          </m:e>
+                          <m:sub>
+                            <m:r>
+                              <a:rPr lang="en-US" sz="1800" b="0" i="0" smtClean="0">
+                                <a:latin typeface="Cambria Math" panose="02040503050406030204" pitchFamily="18" charset="0"/>
+                              </a:rPr>
+                              <m:t>1</m:t>
+                            </m:r>
+                          </m:sub>
+                        </m:sSub>
+                        <m:r>
+                          <a:rPr lang="en-US" sz="1800" b="0" i="0" smtClean="0">
+                            <a:latin typeface="Cambria Math" panose="02040503050406030204" pitchFamily="18" charset="0"/>
+                          </a:rPr>
+                          <m:t>,</m:t>
+                        </m:r>
+                        <m:sSub>
+                          <m:sSubPr>
+                            <m:ctrlPr>
+                              <a:rPr lang="en-US" sz="1800" b="0" i="1" smtClean="0">
+                                <a:latin typeface="Cambria Math" panose="02040503050406030204" pitchFamily="18" charset="0"/>
+                              </a:rPr>
+                            </m:ctrlPr>
+                          </m:sSubPr>
+                          <m:e>
+                            <m:r>
+                              <m:rPr>
+                                <m:sty m:val="p"/>
+                              </m:rPr>
+                              <a:rPr lang="en-US" sz="1800" b="0" i="0" smtClean="0">
+                                <a:latin typeface="Cambria Math" panose="02040503050406030204" pitchFamily="18" charset="0"/>
+                              </a:rPr>
+                              <m:t>X</m:t>
+                            </m:r>
+                          </m:e>
+                          <m:sub>
+                            <m:r>
+                              <a:rPr lang="en-US" sz="1800" b="0" i="0" smtClean="0">
+                                <a:latin typeface="Cambria Math" panose="02040503050406030204" pitchFamily="18" charset="0"/>
+                              </a:rPr>
+                              <m:t>2</m:t>
+                            </m:r>
+                          </m:sub>
+                        </m:sSub>
+                        <m:r>
+                          <a:rPr lang="en-US" sz="1800" b="0" i="0" smtClean="0">
+                            <a:latin typeface="Cambria Math" panose="02040503050406030204" pitchFamily="18" charset="0"/>
+                          </a:rPr>
+                          <m:t>,…,</m:t>
+                        </m:r>
+                        <m:sSub>
+                          <m:sSubPr>
+                            <m:ctrlPr>
+                              <a:rPr lang="en-US" sz="1800" b="0" i="1" smtClean="0">
+                                <a:latin typeface="Cambria Math" panose="02040503050406030204" pitchFamily="18" charset="0"/>
+                              </a:rPr>
+                            </m:ctrlPr>
+                          </m:sSubPr>
+                          <m:e>
+                            <m:r>
+                              <m:rPr>
+                                <m:sty m:val="p"/>
+                              </m:rPr>
+                              <a:rPr lang="en-US" sz="1800" b="0" i="0" smtClean="0">
+                                <a:latin typeface="Cambria Math" panose="02040503050406030204" pitchFamily="18" charset="0"/>
+                              </a:rPr>
+                              <m:t>X</m:t>
+                            </m:r>
+                          </m:e>
+                          <m:sub>
+                            <m:r>
+                              <m:rPr>
+                                <m:sty m:val="p"/>
+                              </m:rPr>
+                              <a:rPr lang="en-US" sz="1800" b="0" i="0" smtClean="0">
+                                <a:latin typeface="Cambria Math" panose="02040503050406030204" pitchFamily="18" charset="0"/>
+                              </a:rPr>
+                              <m:t>n</m:t>
+                            </m:r>
+                          </m:sub>
+                        </m:sSub>
+                      </m:e>
+                    </m:d>
+                    <m:r>
+                      <a:rPr lang="en-US" sz="1800" b="0" i="0" smtClean="0">
+                        <a:latin typeface="Cambria Math" panose="02040503050406030204" pitchFamily="18" charset="0"/>
+                      </a:rPr>
+                      <m:t>=</m:t>
+                    </m:r>
+                    <m:r>
+                      <a:rPr lang="en-US" sz="1800" b="1" i="0" smtClean="0">
+                        <a:latin typeface="Cambria Math" panose="02040503050406030204" pitchFamily="18" charset="0"/>
+                      </a:rPr>
+                      <m:t>𝐏</m:t>
+                    </m:r>
+                    <m:d>
+                      <m:dPr>
+                        <m:ctrlPr>
+                          <a:rPr lang="en-US" sz="1800" b="0" i="1" smtClean="0">
+                            <a:latin typeface="Cambria Math" panose="02040503050406030204" pitchFamily="18" charset="0"/>
+                          </a:rPr>
+                        </m:ctrlPr>
+                      </m:dPr>
+                      <m:e>
+                        <m:sSub>
+                          <m:sSubPr>
+                            <m:ctrlPr>
+                              <a:rPr lang="en-US" sz="1800" b="0" i="1" smtClean="0">
+                                <a:latin typeface="Cambria Math" panose="02040503050406030204" pitchFamily="18" charset="0"/>
+                              </a:rPr>
+                            </m:ctrlPr>
+                          </m:sSubPr>
+                          <m:e>
+                            <m:r>
+                              <m:rPr>
+                                <m:sty m:val="p"/>
+                              </m:rPr>
+                              <a:rPr lang="en-US" sz="1800" b="0" i="0" smtClean="0">
+                                <a:latin typeface="Cambria Math" panose="02040503050406030204" pitchFamily="18" charset="0"/>
+                              </a:rPr>
+                              <m:t>X</m:t>
+                            </m:r>
+                          </m:e>
+                          <m:sub>
+                            <m:r>
+                              <a:rPr lang="en-US" sz="1800" b="0" i="0" smtClean="0">
+                                <a:latin typeface="Cambria Math" panose="02040503050406030204" pitchFamily="18" charset="0"/>
+                              </a:rPr>
+                              <m:t>1</m:t>
+                            </m:r>
+                          </m:sub>
+                        </m:sSub>
+                      </m:e>
+                    </m:d>
+                    <m:r>
+                      <a:rPr lang="en-US" sz="1800" b="1" i="0" smtClean="0">
+                        <a:latin typeface="Cambria Math" panose="02040503050406030204" pitchFamily="18" charset="0"/>
+                      </a:rPr>
+                      <m:t>𝐏</m:t>
+                    </m:r>
+                    <m:d>
+                      <m:dPr>
+                        <m:ctrlPr>
+                          <a:rPr lang="en-US" sz="1800" b="0" i="1" smtClean="0">
+                            <a:latin typeface="Cambria Math" panose="02040503050406030204" pitchFamily="18" charset="0"/>
+                          </a:rPr>
+                        </m:ctrlPr>
+                      </m:dPr>
+                      <m:e>
+                        <m:sSub>
+                          <m:sSubPr>
+                            <m:ctrlPr>
+                              <a:rPr lang="en-US" sz="1800" b="0" i="1" smtClean="0">
+                                <a:latin typeface="Cambria Math" panose="02040503050406030204" pitchFamily="18" charset="0"/>
+                              </a:rPr>
+                            </m:ctrlPr>
+                          </m:sSubPr>
+                          <m:e>
+                            <m:r>
+                              <m:rPr>
+                                <m:sty m:val="p"/>
+                              </m:rPr>
+                              <a:rPr lang="en-US" sz="1800" b="0" i="0" smtClean="0">
+                                <a:latin typeface="Cambria Math" panose="02040503050406030204" pitchFamily="18" charset="0"/>
+                              </a:rPr>
+                              <m:t>X</m:t>
+                            </m:r>
+                          </m:e>
+                          <m:sub>
+                            <m:r>
+                              <a:rPr lang="en-US" sz="1800" b="0" i="0" smtClean="0">
+                                <a:latin typeface="Cambria Math" panose="02040503050406030204" pitchFamily="18" charset="0"/>
+                              </a:rPr>
+                              <m:t>2</m:t>
+                            </m:r>
+                          </m:sub>
+                        </m:sSub>
+                      </m:e>
+                      <m:e>
+                        <m:sSub>
+                          <m:sSubPr>
+                            <m:ctrlPr>
+                              <a:rPr lang="en-US" sz="1800" b="0" i="1" smtClean="0">
+                                <a:latin typeface="Cambria Math" panose="02040503050406030204" pitchFamily="18" charset="0"/>
+                              </a:rPr>
+                            </m:ctrlPr>
+                          </m:sSubPr>
+                          <m:e>
+                            <m:r>
+                              <m:rPr>
+                                <m:sty m:val="p"/>
+                              </m:rPr>
+                              <a:rPr lang="en-US" sz="1800" b="0" i="0" smtClean="0">
+                                <a:latin typeface="Cambria Math" panose="02040503050406030204" pitchFamily="18" charset="0"/>
+                              </a:rPr>
+                              <m:t>X</m:t>
+                            </m:r>
+                          </m:e>
+                          <m:sub>
+                            <m:r>
+                              <a:rPr lang="en-US" sz="1800" b="0" i="0" smtClean="0">
+                                <a:latin typeface="Cambria Math" panose="02040503050406030204" pitchFamily="18" charset="0"/>
+                              </a:rPr>
+                              <m:t>1</m:t>
+                            </m:r>
+                          </m:sub>
+                        </m:sSub>
+                      </m:e>
+                    </m:d>
+                    <m:r>
+                      <a:rPr lang="en-US" sz="1800" b="1" i="0" smtClean="0">
+                        <a:latin typeface="Cambria Math" panose="02040503050406030204" pitchFamily="18" charset="0"/>
+                      </a:rPr>
+                      <m:t>𝐏</m:t>
+                    </m:r>
+                    <m:d>
+                      <m:dPr>
+                        <m:ctrlPr>
+                          <a:rPr lang="en-US" sz="1800" b="0" i="1" smtClean="0">
+                            <a:latin typeface="Cambria Math" panose="02040503050406030204" pitchFamily="18" charset="0"/>
+                          </a:rPr>
+                        </m:ctrlPr>
+                      </m:dPr>
+                      <m:e>
+                        <m:sSub>
+                          <m:sSubPr>
+                            <m:ctrlPr>
+                              <a:rPr lang="en-US" sz="1800" b="0" i="1" smtClean="0">
+                                <a:latin typeface="Cambria Math" panose="02040503050406030204" pitchFamily="18" charset="0"/>
+                              </a:rPr>
+                            </m:ctrlPr>
+                          </m:sSubPr>
+                          <m:e>
+                            <m:r>
+                              <m:rPr>
+                                <m:sty m:val="p"/>
+                              </m:rPr>
+                              <a:rPr lang="en-US" sz="1800" b="0" i="0" smtClean="0">
+                                <a:latin typeface="Cambria Math" panose="02040503050406030204" pitchFamily="18" charset="0"/>
+                              </a:rPr>
+                              <m:t>X</m:t>
+                            </m:r>
+                          </m:e>
+                          <m:sub>
+                            <m:r>
+                              <a:rPr lang="en-US" sz="1800" b="0" i="0" smtClean="0">
+                                <a:latin typeface="Cambria Math" panose="02040503050406030204" pitchFamily="18" charset="0"/>
+                              </a:rPr>
+                              <m:t>3</m:t>
+                            </m:r>
+                          </m:sub>
+                        </m:sSub>
+                      </m:e>
+                      <m:e>
+                        <m:sSub>
+                          <m:sSubPr>
+                            <m:ctrlPr>
+                              <a:rPr lang="en-US" sz="1800" b="0" i="1" smtClean="0">
+                                <a:latin typeface="Cambria Math" panose="02040503050406030204" pitchFamily="18" charset="0"/>
+                              </a:rPr>
+                            </m:ctrlPr>
+                          </m:sSubPr>
+                          <m:e>
+                            <m:r>
+                              <m:rPr>
+                                <m:sty m:val="p"/>
+                              </m:rPr>
+                              <a:rPr lang="en-US" sz="1800" b="0" i="0" smtClean="0">
+                                <a:latin typeface="Cambria Math" panose="02040503050406030204" pitchFamily="18" charset="0"/>
+                              </a:rPr>
+                              <m:t>X</m:t>
+                            </m:r>
+                          </m:e>
+                          <m:sub>
+                            <m:r>
+                              <a:rPr lang="en-US" sz="1800" b="0" i="0" smtClean="0">
+                                <a:latin typeface="Cambria Math" panose="02040503050406030204" pitchFamily="18" charset="0"/>
+                              </a:rPr>
+                              <m:t>1</m:t>
+                            </m:r>
+                          </m:sub>
+                        </m:sSub>
+                        <m:r>
+                          <a:rPr lang="en-US" sz="1800" b="0" i="0" smtClean="0">
+                            <a:latin typeface="Cambria Math" panose="02040503050406030204" pitchFamily="18" charset="0"/>
+                          </a:rPr>
+                          <m:t>,</m:t>
+                        </m:r>
+                        <m:sSub>
+                          <m:sSubPr>
+                            <m:ctrlPr>
+                              <a:rPr lang="en-US" sz="1800" b="0" i="1" smtClean="0">
+                                <a:latin typeface="Cambria Math" panose="02040503050406030204" pitchFamily="18" charset="0"/>
+                              </a:rPr>
+                            </m:ctrlPr>
+                          </m:sSubPr>
+                          <m:e>
+                            <m:r>
+                              <m:rPr>
+                                <m:sty m:val="p"/>
+                              </m:rPr>
+                              <a:rPr lang="en-US" sz="1800" b="0" i="0" smtClean="0">
+                                <a:latin typeface="Cambria Math" panose="02040503050406030204" pitchFamily="18" charset="0"/>
+                              </a:rPr>
+                              <m:t>X</m:t>
+                            </m:r>
+                          </m:e>
+                          <m:sub>
+                            <m:r>
+                              <a:rPr lang="en-US" sz="1800" b="0" i="0" smtClean="0">
+                                <a:latin typeface="Cambria Math" panose="02040503050406030204" pitchFamily="18" charset="0"/>
+                              </a:rPr>
+                              <m:t>2</m:t>
+                            </m:r>
+                          </m:sub>
+                        </m:sSub>
+                      </m:e>
+                    </m:d>
+                    <m:r>
+                      <a:rPr lang="en-US" sz="1800" b="0" i="0" smtClean="0">
+                        <a:latin typeface="Cambria Math" panose="02040503050406030204" pitchFamily="18" charset="0"/>
+                      </a:rPr>
+                      <m:t>…</m:t>
+                    </m:r>
+                  </m:oMath>
+                </a14:m>
+                <a:br>
+                  <a:rPr lang="en-US" sz="1800" b="0" i="0" dirty="0">
+                    <a:latin typeface="Cambria Math" panose="02040503050406030204" pitchFamily="18" charset="0"/>
+                  </a:rPr>
+                </a:br>
+                <a:r>
+                  <a:rPr lang="en-US" sz="1800" b="0" i="0" dirty="0">
+                    <a:latin typeface="Cambria Math" panose="02040503050406030204" pitchFamily="18" charset="0"/>
+                  </a:rPr>
+                  <a:t>				     	         </a:t>
+                </a:r>
+                <a14:m>
+                  <m:oMath xmlns:m="http://schemas.openxmlformats.org/officeDocument/2006/math">
+                    <m:r>
+                      <a:rPr lang="en-US" sz="1800" b="0" i="0" smtClean="0">
+                        <a:latin typeface="Cambria Math" panose="02040503050406030204" pitchFamily="18" charset="0"/>
+                      </a:rPr>
+                      <m:t>=</m:t>
+                    </m:r>
+                    <m:nary>
+                      <m:naryPr>
+                        <m:chr m:val="∏"/>
+                        <m:ctrlPr>
+                          <a:rPr lang="en-US" sz="1800" b="0" i="1" smtClean="0">
+                            <a:latin typeface="Cambria Math" panose="02040503050406030204" pitchFamily="18" charset="0"/>
+                          </a:rPr>
+                        </m:ctrlPr>
+                      </m:naryPr>
+                      <m:sub>
+                        <m:r>
+                          <m:rPr>
+                            <m:brk m:alnAt="23"/>
+                          </m:rPr>
+                          <a:rPr lang="en-US" sz="1800" b="0" i="1" smtClean="0">
+                            <a:latin typeface="Cambria Math" panose="02040503050406030204" pitchFamily="18" charset="0"/>
+                          </a:rPr>
+                          <m:t>𝑖</m:t>
+                        </m:r>
+                        <m:r>
+                          <a:rPr lang="en-US" sz="1800" b="0" i="1" smtClean="0">
+                            <a:latin typeface="Cambria Math" panose="02040503050406030204" pitchFamily="18" charset="0"/>
+                          </a:rPr>
+                          <m:t>=1</m:t>
+                        </m:r>
+                      </m:sub>
+                      <m:sup>
+                        <m:r>
+                          <a:rPr lang="en-US" sz="1800" b="0" i="1" smtClean="0">
+                            <a:latin typeface="Cambria Math" panose="02040503050406030204" pitchFamily="18" charset="0"/>
+                          </a:rPr>
+                          <m:t>𝑛</m:t>
+                        </m:r>
+                      </m:sup>
+                      <m:e>
+                        <m:r>
+                          <a:rPr lang="en-US" sz="1800" b="1" i="1" smtClean="0">
+                            <a:latin typeface="Cambria Math" panose="02040503050406030204" pitchFamily="18" charset="0"/>
+                          </a:rPr>
+                          <m:t>𝑷</m:t>
+                        </m:r>
+                        <m:r>
+                          <a:rPr lang="en-US" sz="1800" b="0" i="1" smtClean="0">
+                            <a:latin typeface="Cambria Math" panose="02040503050406030204" pitchFamily="18" charset="0"/>
+                          </a:rPr>
+                          <m:t>(</m:t>
+                        </m:r>
+                        <m:r>
+                          <a:rPr lang="en-US" sz="1800" b="0" i="1" smtClean="0">
+                            <a:latin typeface="Cambria Math" panose="02040503050406030204" pitchFamily="18" charset="0"/>
+                          </a:rPr>
+                          <m:t>𝑋</m:t>
+                        </m:r>
+                        <m:r>
+                          <a:rPr lang="en-US" sz="1800" b="0" i="1" smtClean="0">
+                            <a:latin typeface="Cambria Math" panose="02040503050406030204" pitchFamily="18" charset="0"/>
+                          </a:rPr>
+                          <m:t>_</m:t>
+                        </m:r>
+                        <m:r>
+                          <a:rPr lang="en-US" sz="1800" b="0" i="1" smtClean="0">
+                            <a:latin typeface="Cambria Math" panose="02040503050406030204" pitchFamily="18" charset="0"/>
+                          </a:rPr>
+                          <m:t>𝑖</m:t>
+                        </m:r>
+                        <m:r>
+                          <a:rPr lang="en-US" sz="1800" b="0" i="1" smtClean="0">
+                            <a:latin typeface="Cambria Math" panose="02040503050406030204" pitchFamily="18" charset="0"/>
+                          </a:rPr>
+                          <m:t>|</m:t>
+                        </m:r>
+                        <m:sSub>
+                          <m:sSubPr>
+                            <m:ctrlPr>
+                              <a:rPr lang="en-US" sz="1800" b="0" i="1" smtClean="0">
+                                <a:latin typeface="Cambria Math" panose="02040503050406030204" pitchFamily="18" charset="0"/>
+                              </a:rPr>
+                            </m:ctrlPr>
+                          </m:sSubPr>
+                          <m:e>
+                            <m:r>
+                              <a:rPr lang="en-US" sz="1800" b="0" i="1" smtClean="0">
+                                <a:latin typeface="Cambria Math" panose="02040503050406030204" pitchFamily="18" charset="0"/>
+                              </a:rPr>
+                              <m:t>𝑋</m:t>
+                            </m:r>
+                          </m:e>
+                          <m:sub>
+                            <m:r>
+                              <a:rPr lang="en-US" sz="1800" b="0" i="1" smtClean="0">
+                                <a:latin typeface="Cambria Math" panose="02040503050406030204" pitchFamily="18" charset="0"/>
+                              </a:rPr>
+                              <m:t>1</m:t>
+                            </m:r>
+                          </m:sub>
+                        </m:sSub>
+                        <m:r>
+                          <a:rPr lang="en-US" sz="1800" b="0" i="1" smtClean="0">
+                            <a:latin typeface="Cambria Math" panose="02040503050406030204" pitchFamily="18" charset="0"/>
+                          </a:rPr>
+                          <m:t>,…,</m:t>
+                        </m:r>
+                        <m:sSub>
+                          <m:sSubPr>
+                            <m:ctrlPr>
+                              <a:rPr lang="en-US" sz="1800" b="0" i="1" smtClean="0">
+                                <a:latin typeface="Cambria Math" panose="02040503050406030204" pitchFamily="18" charset="0"/>
+                              </a:rPr>
+                            </m:ctrlPr>
+                          </m:sSubPr>
+                          <m:e>
+                            <m:r>
+                              <a:rPr lang="en-US" sz="1800" b="0" i="1" smtClean="0">
+                                <a:latin typeface="Cambria Math" panose="02040503050406030204" pitchFamily="18" charset="0"/>
+                              </a:rPr>
+                              <m:t>𝑋</m:t>
+                            </m:r>
+                          </m:e>
+                          <m:sub>
+                            <m:r>
+                              <a:rPr lang="en-US" sz="1800" b="0" i="1" smtClean="0">
+                                <a:latin typeface="Cambria Math" panose="02040503050406030204" pitchFamily="18" charset="0"/>
+                              </a:rPr>
+                              <m:t>𝑖</m:t>
+                            </m:r>
+                            <m:r>
+                              <a:rPr lang="en-US" sz="1800" b="0" i="1" smtClean="0">
+                                <a:latin typeface="Cambria Math" panose="02040503050406030204" pitchFamily="18" charset="0"/>
+                              </a:rPr>
+                              <m:t>−1</m:t>
+                            </m:r>
+                          </m:sub>
+                        </m:sSub>
+                        <m:r>
+                          <a:rPr lang="en-US" sz="1800" b="0" i="1" smtClean="0">
+                            <a:latin typeface="Cambria Math" panose="02040503050406030204" pitchFamily="18" charset="0"/>
+                          </a:rPr>
+                          <m:t>)</m:t>
+                        </m:r>
+                      </m:e>
+                    </m:nary>
+                  </m:oMath>
+                </a14:m>
+                <a:r>
+                  <a:rPr lang="en-US" sz="1800" b="0" dirty="0"/>
+                  <a:t> </a:t>
+                </a:r>
               </a:p>
               <a:p>
                 <a:pPr>
@@ -21831,30 +22739,172 @@
                   <a:defRPr/>
                 </a:pPr>
                 <a:r>
-                  <a:rPr lang="en-US" sz="2000" dirty="0"/>
-                  <a:t>Chain rule </a:t>
+                  <a:rPr lang="en-US" sz="1800" dirty="0"/>
+                  <a:t>Conditional probability	 </a:t>
                 </a:r>
-              </a:p>
-              <a:p>
-                <a:pPr marL="0" indent="0">
-                  <a:buNone/>
-                  <a:defRPr/>
-                </a:pPr>
-                <a:endParaRPr lang="en-US" sz="2000" dirty="0"/>
-              </a:p>
-              <a:p>
-                <a:pPr marL="0" indent="0">
-                  <a:buNone/>
-                  <a:defRPr/>
-                </a:pPr>
-                <a:endParaRPr lang="en-US" sz="2000" dirty="0"/>
-              </a:p>
-              <a:p>
-                <a:pPr marL="0" indent="0">
-                  <a:buNone/>
-                  <a:defRPr/>
-                </a:pPr>
-                <a:endParaRPr lang="en-US" sz="2000" dirty="0"/>
+                <a14:m>
+                  <m:oMath xmlns:m="http://schemas.openxmlformats.org/officeDocument/2006/math">
+                    <m:r>
+                      <a:rPr lang="en-US" sz="1800" b="0" i="1" smtClean="0">
+                        <a:latin typeface="Cambria Math" panose="02040503050406030204" pitchFamily="18" charset="0"/>
+                      </a:rPr>
+                      <m:t>𝑃</m:t>
+                    </m:r>
+                    <m:d>
+                      <m:dPr>
+                        <m:ctrlPr>
+                          <a:rPr lang="en-US" sz="1800" b="0" i="1" smtClean="0">
+                            <a:latin typeface="Cambria Math" panose="02040503050406030204" pitchFamily="18" charset="0"/>
+                          </a:rPr>
+                        </m:ctrlPr>
+                      </m:dPr>
+                      <m:e>
+                        <m:r>
+                          <a:rPr lang="en-US" sz="1800" b="0" i="1" smtClean="0">
+                            <a:latin typeface="Cambria Math" panose="02040503050406030204" pitchFamily="18" charset="0"/>
+                          </a:rPr>
+                          <m:t>𝑥</m:t>
+                        </m:r>
+                      </m:e>
+                      <m:e>
+                        <m:r>
+                          <a:rPr lang="en-US" sz="1800" b="0" i="1" smtClean="0">
+                            <a:latin typeface="Cambria Math" panose="02040503050406030204" pitchFamily="18" charset="0"/>
+                          </a:rPr>
+                          <m:t>𝑦</m:t>
+                        </m:r>
+                      </m:e>
+                    </m:d>
+                    <m:r>
+                      <a:rPr lang="en-US" sz="1800" b="0" i="1" smtClean="0">
+                        <a:latin typeface="Cambria Math" panose="02040503050406030204" pitchFamily="18" charset="0"/>
+                      </a:rPr>
+                      <m:t>= </m:t>
+                    </m:r>
+                    <m:f>
+                      <m:fPr>
+                        <m:ctrlPr>
+                          <a:rPr lang="en-US" sz="1800" b="0" i="1" smtClean="0">
+                            <a:latin typeface="Cambria Math" panose="02040503050406030204" pitchFamily="18" charset="0"/>
+                          </a:rPr>
+                        </m:ctrlPr>
+                      </m:fPr>
+                      <m:num>
+                        <m:r>
+                          <a:rPr lang="en-US" sz="1800" b="0" i="1" smtClean="0">
+                            <a:latin typeface="Cambria Math" panose="02040503050406030204" pitchFamily="18" charset="0"/>
+                          </a:rPr>
+                          <m:t>𝑃</m:t>
+                        </m:r>
+                        <m:r>
+                          <a:rPr lang="en-US" sz="1800" b="0" i="1" smtClean="0">
+                            <a:latin typeface="Cambria Math" panose="02040503050406030204" pitchFamily="18" charset="0"/>
+                          </a:rPr>
+                          <m:t>(</m:t>
+                        </m:r>
+                        <m:r>
+                          <a:rPr lang="en-US" sz="1800" b="0" i="1" smtClean="0">
+                            <a:latin typeface="Cambria Math" panose="02040503050406030204" pitchFamily="18" charset="0"/>
+                          </a:rPr>
+                          <m:t>𝑥</m:t>
+                        </m:r>
+                        <m:r>
+                          <a:rPr lang="en-US" sz="1800" b="0" i="1" smtClean="0">
+                            <a:latin typeface="Cambria Math" panose="02040503050406030204" pitchFamily="18" charset="0"/>
+                          </a:rPr>
+                          <m:t>,</m:t>
+                        </m:r>
+                        <m:r>
+                          <a:rPr lang="en-US" sz="1800" b="0" i="1" smtClean="0">
+                            <a:latin typeface="Cambria Math" panose="02040503050406030204" pitchFamily="18" charset="0"/>
+                          </a:rPr>
+                          <m:t>𝑦</m:t>
+                        </m:r>
+                        <m:r>
+                          <a:rPr lang="en-US" sz="1800" b="0" i="1" smtClean="0">
+                            <a:latin typeface="Cambria Math" panose="02040503050406030204" pitchFamily="18" charset="0"/>
+                          </a:rPr>
+                          <m:t>)</m:t>
+                        </m:r>
+                      </m:num>
+                      <m:den>
+                        <m:r>
+                          <a:rPr lang="en-US" sz="1800" b="0" i="1" smtClean="0">
+                            <a:latin typeface="Cambria Math" panose="02040503050406030204" pitchFamily="18" charset="0"/>
+                          </a:rPr>
+                          <m:t>𝑃</m:t>
+                        </m:r>
+                        <m:r>
+                          <a:rPr lang="en-US" sz="1800" b="0" i="1" smtClean="0">
+                            <a:latin typeface="Cambria Math" panose="02040503050406030204" pitchFamily="18" charset="0"/>
+                          </a:rPr>
+                          <m:t>(</m:t>
+                        </m:r>
+                        <m:r>
+                          <a:rPr lang="en-US" sz="1800" b="0" i="1" smtClean="0">
+                            <a:latin typeface="Cambria Math" panose="02040503050406030204" pitchFamily="18" charset="0"/>
+                          </a:rPr>
+                          <m:t>𝑦</m:t>
+                        </m:r>
+                        <m:r>
+                          <a:rPr lang="en-US" sz="1800" b="0" i="1" smtClean="0">
+                            <a:latin typeface="Cambria Math" panose="02040503050406030204" pitchFamily="18" charset="0"/>
+                          </a:rPr>
+                          <m:t>)</m:t>
+                        </m:r>
+                      </m:den>
+                    </m:f>
+                    <m:r>
+                      <a:rPr lang="en-US" sz="1800" b="0" i="1" smtClean="0">
+                        <a:latin typeface="Cambria Math" panose="02040503050406030204" pitchFamily="18" charset="0"/>
+                      </a:rPr>
+                      <m:t>=</m:t>
+                    </m:r>
+                    <m:r>
+                      <a:rPr lang="en-US" sz="1800" b="0" i="1" smtClean="0">
+                        <a:latin typeface="Cambria Math" panose="02040503050406030204" pitchFamily="18" charset="0"/>
+                      </a:rPr>
+                      <m:t>𝛼</m:t>
+                    </m:r>
+                    <m:r>
+                      <a:rPr lang="en-US" sz="1800" b="0" i="1" smtClean="0">
+                        <a:latin typeface="Cambria Math" panose="02040503050406030204" pitchFamily="18" charset="0"/>
+                      </a:rPr>
+                      <m:t>𝑃</m:t>
+                    </m:r>
+                    <m:r>
+                      <a:rPr lang="en-US" sz="1800" b="0" i="1" smtClean="0">
+                        <a:latin typeface="Cambria Math" panose="02040503050406030204" pitchFamily="18" charset="0"/>
+                      </a:rPr>
+                      <m:t>(</m:t>
+                    </m:r>
+                    <m:r>
+                      <a:rPr lang="en-US" sz="1800" b="0" i="1" smtClean="0">
+                        <a:latin typeface="Cambria Math" panose="02040503050406030204" pitchFamily="18" charset="0"/>
+                      </a:rPr>
+                      <m:t>𝑥</m:t>
+                    </m:r>
+                    <m:r>
+                      <a:rPr lang="en-US" sz="1800" b="0" i="1" smtClean="0">
+                        <a:latin typeface="Cambria Math" panose="02040503050406030204" pitchFamily="18" charset="0"/>
+                      </a:rPr>
+                      <m:t>,</m:t>
+                    </m:r>
+                    <m:r>
+                      <a:rPr lang="en-US" sz="1800" b="0" i="1" smtClean="0">
+                        <a:latin typeface="Cambria Math" panose="02040503050406030204" pitchFamily="18" charset="0"/>
+                      </a:rPr>
+                      <m:t>𝑦</m:t>
+                    </m:r>
+                    <m:r>
+                      <a:rPr lang="en-US" sz="1800" b="0" i="1" smtClean="0">
+                        <a:latin typeface="Cambria Math" panose="02040503050406030204" pitchFamily="18" charset="0"/>
+                      </a:rPr>
+                      <m:t>)</m:t>
+                    </m:r>
+                  </m:oMath>
+                </a14:m>
+                <a:endParaRPr lang="en-US" sz="1800" dirty="0"/>
               </a:p>
               <a:p>
                 <a:pPr>
@@ -21862,28 +22912,83 @@
                   <a:buChar char="§"/>
                   <a:defRPr/>
                 </a:pPr>
+                <a:endParaRPr lang="en-US" sz="1800" dirty="0"/>
+              </a:p>
+              <a:p>
+                <a:pPr>
+                  <a:buFont typeface="Wingdings" charset="0"/>
+                  <a:buChar char="§"/>
+                  <a:defRPr/>
+                </a:pPr>
+                <a:r>
+                  <a:rPr lang="en-US" sz="1800" dirty="0"/>
+                  <a:t>Independence</a:t>
+                </a:r>
+              </a:p>
+              <a:p>
+                <a:pPr lvl="1">
+                  <a:buFont typeface="Wingdings" charset="0"/>
+                  <a:buChar char="§"/>
+                  <a:defRPr/>
+                </a:pPr>
+                <a:r>
+                  <a:rPr lang="en-US" b="0" dirty="0"/>
+                  <a:t> </a:t>
+                </a:r>
                 <a14:m>
                   <m:oMath xmlns:m="http://schemas.openxmlformats.org/officeDocument/2006/math">
                     <m:r>
-                      <a:rPr lang="en-US" sz="2000" i="1" dirty="0" smtClean="0">
+                      <a:rPr lang="en-US" i="1">
                         <a:latin typeface="Cambria Math" panose="02040503050406030204" pitchFamily="18" charset="0"/>
                       </a:rPr>
                       <m:t>𝑋</m:t>
                     </m:r>
                     <m:r>
-                      <a:rPr lang="en-US" sz="2000" i="1" dirty="0" smtClean="0">
+                      <a:rPr lang="en-US" i="1">
+                        <a:latin typeface="Cambria Math" panose="02040503050406030204" pitchFamily="18" charset="0"/>
+                      </a:rPr>
+                      <m:t>⫫</m:t>
+                    </m:r>
+                    <m:r>
+                      <a:rPr lang="en-US" i="1">
+                        <a:latin typeface="Cambria Math" panose="02040503050406030204" pitchFamily="18" charset="0"/>
+                      </a:rPr>
+                      <m:t>𝑌</m:t>
+                    </m:r>
+                  </m:oMath>
+                </a14:m>
+                <a:r>
+                  <a:rPr lang="en-US" b="0" dirty="0"/>
+                  <a:t>: </a:t>
+                </a:r>
+                <a14:m>
+                  <m:oMath xmlns:m="http://schemas.openxmlformats.org/officeDocument/2006/math">
+                    <m:r>
+                      <a:rPr lang="en-US" b="0" i="1" smtClean="0">
+                        <a:latin typeface="Cambria Math" panose="02040503050406030204" pitchFamily="18" charset="0"/>
+                      </a:rPr>
+                      <m:t> </m:t>
+                    </m:r>
+                    <m:r>
+                      <a:rPr lang="en-US" i="1" dirty="0" smtClean="0">
+                        <a:latin typeface="Cambria Math" panose="02040503050406030204" pitchFamily="18" charset="0"/>
+                      </a:rPr>
+                      <m:t>𝑋</m:t>
+                    </m:r>
+                    <m:r>
+                      <a:rPr lang="en-US" i="1" dirty="0" smtClean="0">
                         <a:latin typeface="Cambria Math" panose="02040503050406030204" pitchFamily="18" charset="0"/>
                       </a:rPr>
                       <m:t>, </m:t>
                     </m:r>
                     <m:r>
-                      <a:rPr lang="en-US" sz="2000" i="1" dirty="0" smtClean="0">
+                      <a:rPr lang="en-US" i="1" dirty="0" smtClean="0">
                         <a:latin typeface="Cambria Math" panose="02040503050406030204" pitchFamily="18" charset="0"/>
                       </a:rPr>
                       <m:t>𝑌</m:t>
                     </m:r>
                     <m:r>
-                      <a:rPr lang="en-US" sz="2000" i="1" dirty="0" smtClean="0">
+                      <a:rPr lang="en-US" i="1" dirty="0" smtClean="0">
                         <a:latin typeface="Cambria Math" panose="02040503050406030204" pitchFamily="18" charset="0"/>
                       </a:rPr>
                       <m:t> </m:t>
@@ -21891,21 +22996,182 @@
                   </m:oMath>
                 </a14:m>
                 <a:r>
-                  <a:rPr lang="en-US" sz="2000" dirty="0"/>
-                  <a:t>are independent if and only if:</a:t>
+                  <a:rPr lang="en-US" dirty="0"/>
+                  <a:t>are independent </a:t>
                 </a:r>
+                <a14:m>
+                  <m:oMath xmlns:m="http://schemas.openxmlformats.org/officeDocument/2006/math">
+                    <m:r>
+                      <a:rPr lang="en-US" i="1">
+                        <a:latin typeface="Cambria Math" panose="02040503050406030204" pitchFamily="18" charset="0"/>
+                      </a:rPr>
+                      <m:t>𝑋</m:t>
+                    </m:r>
+                    <m:r>
+                      <a:rPr lang="en-US" i="1">
+                        <a:latin typeface="Cambria Math" panose="02040503050406030204" pitchFamily="18" charset="0"/>
+                      </a:rPr>
+                      <m:t>⫫</m:t>
+                    </m:r>
+                    <m:r>
+                      <a:rPr lang="en-US" i="1">
+                        <a:latin typeface="Cambria Math" panose="02040503050406030204" pitchFamily="18" charset="0"/>
+                      </a:rPr>
+                      <m:t>𝑌</m:t>
+                    </m:r>
+                    <m:r>
+                      <m:rPr>
+                        <m:nor/>
+                      </m:rPr>
+                      <a:rPr lang="en-US"/>
+                      <m:t> </m:t>
+                    </m:r>
+                  </m:oMath>
+                </a14:m>
+                <a:r>
+                  <a:rPr lang="en-US" dirty="0"/>
+                  <a:t>() if and only if: </a:t>
+                </a:r>
+                <a:br>
+                  <a:rPr lang="en-US" b="0" i="1" dirty="0">
+                    <a:latin typeface="Cambria Math" panose="02040503050406030204" pitchFamily="18" charset="0"/>
+                  </a:rPr>
+                </a:br>
+                <a14:m>
+                  <m:oMath xmlns:m="http://schemas.openxmlformats.org/officeDocument/2006/math">
+                    <m:r>
+                      <a:rPr lang="en-US" b="0" i="1" smtClean="0">
+                        <a:latin typeface="Cambria Math" panose="02040503050406030204" pitchFamily="18" charset="0"/>
+                      </a:rPr>
+                      <m:t>∀</m:t>
+                    </m:r>
+                    <m:r>
+                      <a:rPr lang="en-US" b="0" i="1" smtClean="0">
+                        <a:latin typeface="Cambria Math" panose="02040503050406030204" pitchFamily="18" charset="0"/>
+                      </a:rPr>
+                      <m:t>𝑥</m:t>
+                    </m:r>
+                    <m:r>
+                      <a:rPr lang="en-US" b="0" i="1" smtClean="0">
+                        <a:latin typeface="Cambria Math" panose="02040503050406030204" pitchFamily="18" charset="0"/>
+                      </a:rPr>
+                      <m:t>,</m:t>
+                    </m:r>
+                    <m:r>
+                      <a:rPr lang="en-US" b="0" i="1" smtClean="0">
+                        <a:latin typeface="Cambria Math" panose="02040503050406030204" pitchFamily="18" charset="0"/>
+                      </a:rPr>
+                      <m:t>𝑦</m:t>
+                    </m:r>
+                    <m:r>
+                      <a:rPr lang="en-US" b="0" i="1" smtClean="0">
+                        <a:latin typeface="Cambria Math" panose="02040503050406030204" pitchFamily="18" charset="0"/>
+                      </a:rPr>
+                      <m:t>:</m:t>
+                    </m:r>
+                    <m:r>
+                      <a:rPr lang="en-US" b="0" i="1" smtClean="0">
+                        <a:latin typeface="Cambria Math" panose="02040503050406030204" pitchFamily="18" charset="0"/>
+                      </a:rPr>
+                      <m:t>𝑃</m:t>
+                    </m:r>
+                    <m:d>
+                      <m:dPr>
+                        <m:ctrlPr>
+                          <a:rPr lang="en-US" b="0" i="1" smtClean="0">
+                            <a:latin typeface="Cambria Math" panose="02040503050406030204" pitchFamily="18" charset="0"/>
+                          </a:rPr>
+                        </m:ctrlPr>
+                      </m:dPr>
+                      <m:e>
+                        <m:r>
+                          <a:rPr lang="en-US" b="0" i="1" smtClean="0">
+                            <a:latin typeface="Cambria Math" panose="02040503050406030204" pitchFamily="18" charset="0"/>
+                          </a:rPr>
+                          <m:t>𝑥</m:t>
+                        </m:r>
+                        <m:r>
+                          <a:rPr lang="en-US" b="0" i="1" smtClean="0">
+                            <a:latin typeface="Cambria Math" panose="02040503050406030204" pitchFamily="18" charset="0"/>
+                          </a:rPr>
+                          <m:t>,</m:t>
+                        </m:r>
+                        <m:r>
+                          <a:rPr lang="en-US" b="0" i="1" smtClean="0">
+                            <a:latin typeface="Cambria Math" panose="02040503050406030204" pitchFamily="18" charset="0"/>
+                          </a:rPr>
+                          <m:t>𝑦</m:t>
+                        </m:r>
+                      </m:e>
+                    </m:d>
+                    <m:r>
+                      <a:rPr lang="en-US" b="0" i="1" smtClean="0">
+                        <a:latin typeface="Cambria Math" panose="02040503050406030204" pitchFamily="18" charset="0"/>
+                      </a:rPr>
+                      <m:t>=</m:t>
+                    </m:r>
+                    <m:r>
+                      <a:rPr lang="en-US" b="0" i="1" smtClean="0">
+                        <a:latin typeface="Cambria Math" panose="02040503050406030204" pitchFamily="18" charset="0"/>
+                      </a:rPr>
+                      <m:t>𝑃</m:t>
+                    </m:r>
+                    <m:d>
+                      <m:dPr>
+                        <m:ctrlPr>
+                          <a:rPr lang="en-US" b="0" i="1" smtClean="0">
+                            <a:latin typeface="Cambria Math" panose="02040503050406030204" pitchFamily="18" charset="0"/>
+                          </a:rPr>
+                        </m:ctrlPr>
+                      </m:dPr>
+                      <m:e>
+                        <m:r>
+                          <a:rPr lang="en-US" b="0" i="1" smtClean="0">
+                            <a:latin typeface="Cambria Math" panose="02040503050406030204" pitchFamily="18" charset="0"/>
+                          </a:rPr>
+                          <m:t>𝑥</m:t>
+                        </m:r>
+                      </m:e>
+                    </m:d>
+                    <m:r>
+                      <a:rPr lang="en-US" b="0" i="1" smtClean="0">
+                        <a:latin typeface="Cambria Math" panose="02040503050406030204" pitchFamily="18" charset="0"/>
+                      </a:rPr>
+                      <m:t>𝑃</m:t>
+                    </m:r>
+                    <m:r>
+                      <a:rPr lang="en-US" b="0" i="1" smtClean="0">
+                        <a:latin typeface="Cambria Math" panose="02040503050406030204" pitchFamily="18" charset="0"/>
+                      </a:rPr>
+                      <m:t>(</m:t>
+                    </m:r>
+                    <m:r>
+                      <a:rPr lang="en-US" b="0" i="1" smtClean="0">
+                        <a:latin typeface="Cambria Math" panose="02040503050406030204" pitchFamily="18" charset="0"/>
+                      </a:rPr>
+                      <m:t>𝑦</m:t>
+                    </m:r>
+                    <m:r>
+                      <a:rPr lang="en-US" b="0" i="1" smtClean="0">
+                        <a:latin typeface="Cambria Math" panose="02040503050406030204" pitchFamily="18" charset="0"/>
+                      </a:rPr>
+                      <m:t>)</m:t>
+                    </m:r>
+                  </m:oMath>
+                </a14:m>
+                <a:endParaRPr lang="en-US" dirty="0"/>
               </a:p>
               <a:p>
-                <a:pPr marL="0" indent="0">
+                <a:pPr marL="342900" lvl="1" indent="0">
                   <a:buNone/>
                   <a:defRPr/>
                 </a:pPr>
-                <a:endParaRPr lang="en-US" sz="2000" i="1" dirty="0">
+                <a:endParaRPr lang="en-US" i="1" dirty="0">
                   <a:latin typeface="Cambria Math" panose="02040503050406030204" pitchFamily="18" charset="0"/>
                 </a:endParaRPr>
               </a:p>
               <a:p>
-                <a:pPr>
+                <a:pPr lvl="1">
                   <a:buFont typeface="Wingdings" charset="0"/>
                   <a:buChar char="§"/>
                   <a:defRPr/>
@@ -21913,7 +23179,45 @@
                 <a14:m>
                   <m:oMath xmlns:m="http://schemas.openxmlformats.org/officeDocument/2006/math">
                     <m:r>
-                      <a:rPr lang="en-US" sz="2000" i="1" dirty="0" smtClean="0">
+                      <a:rPr lang="en-US" i="1">
+                        <a:latin typeface="Cambria Math" panose="02040503050406030204" pitchFamily="18" charset="0"/>
+                      </a:rPr>
+                      <m:t>𝑋</m:t>
+                    </m:r>
+                    <m:r>
+                      <a:rPr lang="en-US" i="1">
+                        <a:latin typeface="Cambria Math" panose="02040503050406030204" pitchFamily="18" charset="0"/>
+                      </a:rPr>
+                      <m:t>⫫</m:t>
+                    </m:r>
+                    <m:r>
+                      <a:rPr lang="en-US" i="1">
+                        <a:latin typeface="Cambria Math" panose="02040503050406030204" pitchFamily="18" charset="0"/>
+                      </a:rPr>
+                      <m:t>𝑌</m:t>
+                    </m:r>
+                    <m:r>
+                      <a:rPr lang="en-US" i="1">
+                        <a:latin typeface="Cambria Math" panose="02040503050406030204" pitchFamily="18" charset="0"/>
+                      </a:rPr>
+                      <m:t>|</m:t>
+                    </m:r>
+                    <m:r>
+                      <a:rPr lang="en-US" i="1">
+                        <a:latin typeface="Cambria Math" panose="02040503050406030204" pitchFamily="18" charset="0"/>
+                      </a:rPr>
+                      <m:t>𝑍</m:t>
+                    </m:r>
+                  </m:oMath>
+                </a14:m>
+                <a:r>
+                  <a:rPr lang="en-US" dirty="0"/>
+                  <a:t>: </a:t>
+                </a:r>
+                <a14:m>
+                  <m:oMath xmlns:m="http://schemas.openxmlformats.org/officeDocument/2006/math">
+                    <m:r>
+                      <a:rPr lang="en-US" i="1" dirty="0" smtClean="0">
                         <a:latin typeface="Cambria Math" panose="02040503050406030204" pitchFamily="18" charset="0"/>
                       </a:rPr>
                       <m:t>𝑋</m:t>
@@ -21921,13 +23225,13 @@
                   </m:oMath>
                 </a14:m>
                 <a:r>
-                  <a:rPr lang="en-US" sz="2000" dirty="0"/>
+                  <a:rPr lang="en-US" dirty="0"/>
                   <a:t> and </a:t>
                 </a:r>
                 <a14:m>
                   <m:oMath xmlns:m="http://schemas.openxmlformats.org/officeDocument/2006/math">
                     <m:r>
-                      <a:rPr lang="en-US" sz="2000" i="1" dirty="0" smtClean="0">
+                      <a:rPr lang="en-US" i="1" dirty="0" smtClean="0">
                         <a:latin typeface="Cambria Math" panose="02040503050406030204" pitchFamily="18" charset="0"/>
                       </a:rPr>
                       <m:t>𝑌</m:t>
@@ -21935,13 +23239,13 @@
                   </m:oMath>
                 </a14:m>
                 <a:r>
-                  <a:rPr lang="en-US" sz="2000" dirty="0"/>
+                  <a:rPr lang="en-US" dirty="0"/>
                   <a:t> are conditionally independent given </a:t>
                 </a:r>
                 <a14:m>
                   <m:oMath xmlns:m="http://schemas.openxmlformats.org/officeDocument/2006/math">
                     <m:r>
-                      <a:rPr lang="en-US" sz="2000" i="1" dirty="0" smtClean="0">
+                      <a:rPr lang="en-US" i="1" dirty="0" smtClean="0">
                         <a:latin typeface="Cambria Math" panose="02040503050406030204" pitchFamily="18" charset="0"/>
                       </a:rPr>
                       <m:t>𝑍</m:t>
@@ -21949,22 +23253,180 @@
                   </m:oMath>
                 </a14:m>
                 <a:r>
-                  <a:rPr lang="en-US" sz="2000" dirty="0"/>
+                  <a:rPr lang="en-US" dirty="0"/>
                   <a:t> if and only if:</a:t>
                 </a:r>
-              </a:p>
-              <a:p>
-                <a:pPr>
-                  <a:buFont typeface="Wingdings" charset="0"/>
-                  <a:buChar char="§"/>
-                  <a:defRPr/>
-                </a:pPr>
-                <a:endParaRPr lang="en-US" sz="2000" dirty="0"/>
+                <a:br>
+                  <a:rPr lang="en-US" dirty="0"/>
+                </a:br>
+                <a14:m>
+                  <m:oMath xmlns:m="http://schemas.openxmlformats.org/officeDocument/2006/math">
+                    <m:r>
+                      <a:rPr lang="en-US" b="0" i="1" smtClean="0">
+                        <a:latin typeface="Cambria Math" panose="02040503050406030204" pitchFamily="18" charset="0"/>
+                      </a:rPr>
+                      <m:t>∀</m:t>
+                    </m:r>
+                    <m:r>
+                      <a:rPr lang="en-US" b="0" i="1" smtClean="0">
+                        <a:latin typeface="Cambria Math" panose="02040503050406030204" pitchFamily="18" charset="0"/>
+                      </a:rPr>
+                      <m:t>𝑥</m:t>
+                    </m:r>
+                    <m:r>
+                      <a:rPr lang="en-US" b="0" i="1" smtClean="0">
+                        <a:latin typeface="Cambria Math" panose="02040503050406030204" pitchFamily="18" charset="0"/>
+                      </a:rPr>
+                      <m:t>,</m:t>
+                    </m:r>
+                    <m:r>
+                      <a:rPr lang="en-US" b="0" i="1" smtClean="0">
+                        <a:latin typeface="Cambria Math" panose="02040503050406030204" pitchFamily="18" charset="0"/>
+                      </a:rPr>
+                      <m:t>𝑦</m:t>
+                    </m:r>
+                    <m:r>
+                      <a:rPr lang="en-US" b="0" i="1" smtClean="0">
+                        <a:latin typeface="Cambria Math" panose="02040503050406030204" pitchFamily="18" charset="0"/>
+                      </a:rPr>
+                      <m:t>,</m:t>
+                    </m:r>
+                    <m:r>
+                      <a:rPr lang="en-US" b="0" i="1" smtClean="0">
+                        <a:latin typeface="Cambria Math" panose="02040503050406030204" pitchFamily="18" charset="0"/>
+                      </a:rPr>
+                      <m:t>𝑧</m:t>
+                    </m:r>
+                    <m:r>
+                      <a:rPr lang="en-US" b="0" i="1" smtClean="0">
+                        <a:latin typeface="Cambria Math" panose="02040503050406030204" pitchFamily="18" charset="0"/>
+                      </a:rPr>
+                      <m:t>:</m:t>
+                    </m:r>
+                    <m:r>
+                      <a:rPr lang="en-US" b="0" i="1" smtClean="0">
+                        <a:latin typeface="Cambria Math" panose="02040503050406030204" pitchFamily="18" charset="0"/>
+                      </a:rPr>
+                      <m:t>𝑃</m:t>
+                    </m:r>
+                    <m:d>
+                      <m:dPr>
+                        <m:ctrlPr>
+                          <a:rPr lang="en-US" b="0" i="1" smtClean="0">
+                            <a:latin typeface="Cambria Math" panose="02040503050406030204" pitchFamily="18" charset="0"/>
+                          </a:rPr>
+                        </m:ctrlPr>
+                      </m:dPr>
+                      <m:e>
+                        <m:r>
+                          <a:rPr lang="en-US" b="0" i="1" smtClean="0">
+                            <a:latin typeface="Cambria Math" panose="02040503050406030204" pitchFamily="18" charset="0"/>
+                          </a:rPr>
+                          <m:t>𝑥</m:t>
+                        </m:r>
+                        <m:r>
+                          <a:rPr lang="en-US" b="0" i="1" smtClean="0">
+                            <a:latin typeface="Cambria Math" panose="02040503050406030204" pitchFamily="18" charset="0"/>
+                          </a:rPr>
+                          <m:t>,</m:t>
+                        </m:r>
+                        <m:r>
+                          <a:rPr lang="en-US" b="0" i="1" smtClean="0">
+                            <a:latin typeface="Cambria Math" panose="02040503050406030204" pitchFamily="18" charset="0"/>
+                          </a:rPr>
+                          <m:t>𝑦</m:t>
+                        </m:r>
+                      </m:e>
+                      <m:e>
+                        <m:r>
+                          <a:rPr lang="en-US" b="0" i="1" smtClean="0">
+                            <a:latin typeface="Cambria Math" panose="02040503050406030204" pitchFamily="18" charset="0"/>
+                          </a:rPr>
+                          <m:t>𝑧</m:t>
+                        </m:r>
+                      </m:e>
+                    </m:d>
+                    <m:r>
+                      <a:rPr lang="en-US" b="0" i="1" smtClean="0">
+                        <a:latin typeface="Cambria Math" panose="02040503050406030204" pitchFamily="18" charset="0"/>
+                      </a:rPr>
+                      <m:t>=</m:t>
+                    </m:r>
+                    <m:r>
+                      <a:rPr lang="en-US" b="0" i="1" smtClean="0">
+                        <a:latin typeface="Cambria Math" panose="02040503050406030204" pitchFamily="18" charset="0"/>
+                      </a:rPr>
+                      <m:t>𝑃</m:t>
+                    </m:r>
+                    <m:d>
+                      <m:dPr>
+                        <m:ctrlPr>
+                          <a:rPr lang="en-US" b="0" i="1" smtClean="0">
+                            <a:latin typeface="Cambria Math" panose="02040503050406030204" pitchFamily="18" charset="0"/>
+                          </a:rPr>
+                        </m:ctrlPr>
+                      </m:dPr>
+                      <m:e>
+                        <m:r>
+                          <a:rPr lang="en-US" b="0" i="1" smtClean="0">
+                            <a:latin typeface="Cambria Math" panose="02040503050406030204" pitchFamily="18" charset="0"/>
+                          </a:rPr>
+                          <m:t>𝑥</m:t>
+                        </m:r>
+                      </m:e>
+                      <m:e>
+                        <m:r>
+                          <a:rPr lang="en-US" b="0" i="1" smtClean="0">
+                            <a:latin typeface="Cambria Math" panose="02040503050406030204" pitchFamily="18" charset="0"/>
+                          </a:rPr>
+                          <m:t>𝑧</m:t>
+                        </m:r>
+                      </m:e>
+                    </m:d>
+                    <m:r>
+                      <a:rPr lang="en-US" b="0" i="1" smtClean="0">
+                        <a:latin typeface="Cambria Math" panose="02040503050406030204" pitchFamily="18" charset="0"/>
+                      </a:rPr>
+                      <m:t>𝑃</m:t>
+                    </m:r>
+                    <m:r>
+                      <a:rPr lang="en-US" b="0" i="1" smtClean="0">
+                        <a:latin typeface="Cambria Math" panose="02040503050406030204" pitchFamily="18" charset="0"/>
+                      </a:rPr>
+                      <m:t>(</m:t>
+                    </m:r>
+                    <m:r>
+                      <a:rPr lang="en-US" b="0" i="1" smtClean="0">
+                        <a:latin typeface="Cambria Math" panose="02040503050406030204" pitchFamily="18" charset="0"/>
+                      </a:rPr>
+                      <m:t>𝑦</m:t>
+                    </m:r>
+                    <m:r>
+                      <a:rPr lang="en-US" b="0" i="1" smtClean="0">
+                        <a:latin typeface="Cambria Math" panose="02040503050406030204" pitchFamily="18" charset="0"/>
+                      </a:rPr>
+                      <m:t>|</m:t>
+                    </m:r>
+                    <m:r>
+                      <a:rPr lang="en-US" b="0" i="1" smtClean="0">
+                        <a:latin typeface="Cambria Math" panose="02040503050406030204" pitchFamily="18" charset="0"/>
+                      </a:rPr>
+                      <m:t>𝑧</m:t>
+                    </m:r>
+                    <m:r>
+                      <a:rPr lang="en-US" b="0" i="1" smtClean="0">
+                        <a:latin typeface="Cambria Math" panose="02040503050406030204" pitchFamily="18" charset="0"/>
+                      </a:rPr>
+                      <m:t>)</m:t>
+                    </m:r>
+                  </m:oMath>
+                </a14:m>
+                <a:endParaRPr lang="en-US" dirty="0"/>
               </a:p>
             </p:txBody>
           </p:sp>
         </mc:Choice>
-        <mc:Fallback>
+        <mc:Fallback xmlns="">
           <p:sp>
             <p:nvSpPr>
               <p:cNvPr id="30722" name="Content Placeholder 2"/>
@@ -21977,734 +23439,13 @@
             </p:nvSpPr>
             <p:spPr>
               <a:xfrm>
-                <a:off x="628650" y="1644649"/>
-                <a:ext cx="7886700" cy="4351338"/>
+                <a:off x="628650" y="1447800"/>
+                <a:ext cx="7886700" cy="4548187"/>
               </a:xfrm>
               <a:blipFill>
-                <a:blip r:embed="rId7"/>
+                <a:blip r:embed="rId3"/>
                 <a:stretch>
-                  <a:fillRect l="-696" t="-1541" b="-3641"/>
-                </a:stretch>
-              </a:blipFill>
-            </p:spPr>
-            <p:txBody>
-              <a:bodyPr/>
-              <a:lstStyle/>
-              <a:p>
-                <a:r>
-                  <a:rPr lang="en-US">
-                    <a:noFill/>
-                  </a:rPr>
-                  <a:t> </a:t>
-                </a:r>
-              </a:p>
-            </p:txBody>
-          </p:sp>
-        </mc:Fallback>
-      </mc:AlternateContent>
-      <p:pic>
-        <p:nvPicPr>
-          <p:cNvPr id="17413" name="Picture 10" descr="txp_fig"/>
-          <p:cNvPicPr>
-            <a:picLocks noChangeAspect="1" noChangeArrowheads="1"/>
-          </p:cNvPicPr>
-          <p:nvPr>
-            <p:custDataLst>
-              <p:tags r:id="rId1"/>
-            </p:custDataLst>
-          </p:nvPr>
-        </p:nvPicPr>
-        <p:blipFill>
-          <a:blip r:embed="rId8" cstate="print">
-            <a:extLst>
-              <a:ext uri="{28A0092B-C50C-407E-A947-70E740481C1C}">
-                <a14:useLocalDpi xmlns:a14="http://schemas.microsoft.com/office/drawing/2010/main" val="0"/>
-              </a:ext>
-            </a:extLst>
-          </a:blip>
-          <a:srcRect/>
-          <a:stretch>
-            <a:fillRect/>
-          </a:stretch>
-        </p:blipFill>
-        <p:spPr bwMode="auto">
-          <a:xfrm>
-            <a:off x="3822787" y="2844618"/>
-            <a:ext cx="2842022" cy="286384"/>
-          </a:xfrm>
-          <a:prstGeom prst="rect">
-            <a:avLst/>
-          </a:prstGeom>
-          <a:noFill/>
-          <a:ln>
-            <a:noFill/>
-          </a:ln>
-          <a:extLst>
-            <a:ext uri="{909E8E84-426E-40dd-AFC4-6F175D3DCCD1}">
-              <a14:hiddenFill xmlns:a14="http://schemas.microsoft.com/office/drawing/2010/main" xmlns="">
-                <a:solidFill>
-                  <a:srgbClr val="FFFFFF"/>
-                </a:solidFill>
-              </a14:hiddenFill>
-            </a:ext>
-            <a:ext uri="{91240B29-F687-4f45-9708-019B960494DF}">
-              <a14:hiddenLine xmlns:a14="http://schemas.microsoft.com/office/drawing/2010/main" xmlns="" w="9525">
-                <a:solidFill>
-                  <a:srgbClr val="000000"/>
-                </a:solidFill>
-                <a:miter lim="800000"/>
-                <a:headEnd/>
-                <a:tailEnd/>
-              </a14:hiddenLine>
-            </a:ext>
-          </a:extLst>
-        </p:spPr>
-      </p:pic>
-      <p:pic>
-        <p:nvPicPr>
-          <p:cNvPr id="17414" name="Picture 4" descr="txp_fig"/>
-          <p:cNvPicPr>
-            <a:picLocks noChangeAspect="1"/>
-          </p:cNvPicPr>
-          <p:nvPr>
-            <p:custDataLst>
-              <p:tags r:id="rId2"/>
-            </p:custDataLst>
-          </p:nvPr>
-        </p:nvPicPr>
-        <p:blipFill>
-          <a:blip r:embed="rId9" cstate="print">
-            <a:extLst>
-              <a:ext uri="{28A0092B-C50C-407E-A947-70E740481C1C}">
-                <a14:useLocalDpi xmlns:a14="http://schemas.microsoft.com/office/drawing/2010/main" val="0"/>
-              </a:ext>
-            </a:extLst>
-          </a:blip>
-          <a:srcRect/>
-          <a:stretch>
-            <a:fillRect/>
-          </a:stretch>
-        </p:blipFill>
-        <p:spPr bwMode="auto">
-          <a:xfrm>
-            <a:off x="4755886" y="4988326"/>
-            <a:ext cx="3513046" cy="276225"/>
-          </a:xfrm>
-          <a:prstGeom prst="rect">
-            <a:avLst/>
-          </a:prstGeom>
-          <a:noFill/>
-          <a:ln>
-            <a:noFill/>
-          </a:ln>
-          <a:extLst>
-            <a:ext uri="{909E8E84-426E-40dd-AFC4-6F175D3DCCD1}">
-              <a14:hiddenFill xmlns:a14="http://schemas.microsoft.com/office/drawing/2010/main" xmlns="">
-                <a:solidFill>
-                  <a:srgbClr val="FFFFFF"/>
-                </a:solidFill>
-              </a14:hiddenFill>
-            </a:ext>
-            <a:ext uri="{91240B29-F687-4f45-9708-019B960494DF}">
-              <a14:hiddenLine xmlns:a14="http://schemas.microsoft.com/office/drawing/2010/main" xmlns="" w="9525">
-                <a:solidFill>
-                  <a:srgbClr val="000000"/>
-                </a:solidFill>
-                <a:miter lim="800000"/>
-                <a:headEnd/>
-                <a:tailEnd/>
-              </a14:hiddenLine>
-            </a:ext>
-          </a:extLst>
-        </p:spPr>
-      </p:pic>
-      <p:pic>
-        <p:nvPicPr>
-          <p:cNvPr id="17415" name="Picture 7" descr="txp_fig"/>
-          <p:cNvPicPr>
-            <a:picLocks noChangeAspect="1"/>
-          </p:cNvPicPr>
-          <p:nvPr>
-            <p:custDataLst>
-              <p:tags r:id="rId3"/>
-            </p:custDataLst>
-          </p:nvPr>
-        </p:nvPicPr>
-        <p:blipFill>
-          <a:blip r:embed="rId10" cstate="print">
-            <a:extLst>
-              <a:ext uri="{28A0092B-C50C-407E-A947-70E740481C1C}">
-                <a14:useLocalDpi xmlns:a14="http://schemas.microsoft.com/office/drawing/2010/main" val="0"/>
-              </a:ext>
-            </a:extLst>
-          </a:blip>
-          <a:srcRect/>
-          <a:stretch>
-            <a:fillRect/>
-          </a:stretch>
-        </p:blipFill>
-        <p:spPr bwMode="auto">
-          <a:xfrm>
-            <a:off x="2057400" y="6099298"/>
-            <a:ext cx="4227810" cy="273076"/>
-          </a:xfrm>
-          <a:prstGeom prst="rect">
-            <a:avLst/>
-          </a:prstGeom>
-          <a:noFill/>
-          <a:ln>
-            <a:noFill/>
-          </a:ln>
-          <a:extLst>
-            <a:ext uri="{909E8E84-426E-40dd-AFC4-6F175D3DCCD1}">
-              <a14:hiddenFill xmlns:a14="http://schemas.microsoft.com/office/drawing/2010/main" xmlns="">
-                <a:solidFill>
-                  <a:srgbClr val="FFFFFF"/>
-                </a:solidFill>
-              </a14:hiddenFill>
-            </a:ext>
-            <a:ext uri="{91240B29-F687-4f45-9708-019B960494DF}">
-              <a14:hiddenLine xmlns:a14="http://schemas.microsoft.com/office/drawing/2010/main" xmlns="" w="9525">
-                <a:solidFill>
-                  <a:srgbClr val="000000"/>
-                </a:solidFill>
-                <a:miter lim="800000"/>
-                <a:headEnd/>
-                <a:tailEnd/>
-              </a14:hiddenLine>
-            </a:ext>
-          </a:extLst>
-        </p:spPr>
-      </p:pic>
-      <p:pic>
-        <p:nvPicPr>
-          <p:cNvPr id="2" name="Picture 1" descr="txp_fig.png"/>
-          <p:cNvPicPr>
-            <a:picLocks noChangeAspect="1"/>
-          </p:cNvPicPr>
-          <p:nvPr>
-            <p:custDataLst>
-              <p:tags r:id="rId4"/>
-            </p:custDataLst>
-          </p:nvPr>
-        </p:nvPicPr>
-        <p:blipFill>
-          <a:blip r:embed="rId11" cstate="print">
-            <a:extLst>
-              <a:ext uri="{28A0092B-C50C-407E-A947-70E740481C1C}">
-                <a14:useLocalDpi xmlns:a14="http://schemas.microsoft.com/office/drawing/2010/main" val="0"/>
-              </a:ext>
-            </a:extLst>
-          </a:blip>
-          <a:stretch>
-            <a:fillRect/>
-          </a:stretch>
-        </p:blipFill>
-        <p:spPr bwMode="auto">
-          <a:xfrm>
-            <a:off x="1981200" y="3507461"/>
-            <a:ext cx="7023790" cy="1025655"/>
-          </a:xfrm>
-          <a:prstGeom prst="rect">
-            <a:avLst/>
-          </a:prstGeom>
-          <a:noFill/>
-          <a:ln w="9525" cap="flat" cmpd="sng" algn="ctr">
-            <a:noFill/>
-            <a:prstDash val="solid"/>
-            <a:round/>
-            <a:headEnd type="none" w="med" len="med"/>
-            <a:tailEnd type="none" w="med" len="med"/>
-          </a:ln>
-          <a:effectLst/>
-          <a:extLst>
-            <a:ext uri="{909E8E84-426E-40dd-AFC4-6F175D3DCCD1}">
-              <a14:hiddenFill xmlns:a14="http://schemas.microsoft.com/office/drawing/2010/main" xmlns="">
-                <a:solidFill>
-                  <a:srgbClr val="FFFFFF"/>
-                </a:solidFill>
-              </a14:hiddenFill>
-            </a:ext>
-            <a:ext uri="{91240B29-F687-4f45-9708-019B960494DF}">
-              <a14:hiddenLine xmlns:a14="http://schemas.microsoft.com/office/drawing/2010/main" xmlns="" w="9525" cap="flat" cmpd="sng" algn="ctr">
-                <a:solidFill>
-                  <a:schemeClr val="tx1"/>
-                </a:solidFill>
-                <a:prstDash val="solid"/>
-                <a:round/>
-                <a:headEnd type="none" w="med" len="med"/>
-                <a:tailEnd type="none" w="med" len="med"/>
-              </a14:hiddenLine>
-            </a:ext>
-            <a:ext uri="{AF507438-7753-43e0-B8FC-AC1667EBCBE1}">
-              <a14:hiddenEffects xmlns:a14="http://schemas.microsoft.com/office/drawing/2010/main" xmlns="">
-                <a:effectLst>
-                  <a:outerShdw blurRad="63500" dist="37357" dir="2700000" rotWithShape="0">
-                    <a:scrgbClr r="0" g="0" b="0"/>
-                  </a:outerShdw>
-                </a:effectLst>
-              </a14:hiddenEffects>
-            </a:ext>
-            <a:ext uri="{31F19639-BCED-4a60-ADC4-E9642A236FB7}">
-              <a14:hiddenScene3d xmlns:a14="http://schemas.microsoft.com/office/drawing/2010/main" xmlns="">
-                <a:camera prst="orthographicFront">
-                  <a:rot lat="0" lon="0" rev="0"/>
-                </a:camera>
-                <a:lightRig rig="threePt" dir="t">
-                  <a:rot lat="0" lon="0" rev="0"/>
-                </a:lightRig>
-              </a14:hiddenScene3d>
-            </a:ext>
-            <a:ext uri="{E45631CC-5BF2-4c18-A39C-3461C7D3F71A}">
-              <a14:hiddenSp3d xmlns:a14="http://schemas.microsoft.com/office/drawing/2010/main" xmlns="" extrusionH="457200">
-                <a:contourClr>
-                  <a:srgbClr val="000000"/>
-                </a:contourClr>
-              </a14:hiddenSp3d>
-            </a:ext>
-            <a:ext uri="{53640926-AAD7-44d8-BBD7-CCE9431645EC}">
-              <a14:shadowObscured xmlns:a14="http://schemas.microsoft.com/office/drawing/2010/main" xmlns=""/>
-            </a:ext>
-          </a:extLst>
-        </p:spPr>
-      </p:pic>
-      <p:grpSp>
-        <p:nvGrpSpPr>
-          <p:cNvPr id="8" name="Group 7">
-            <a:extLst>
-              <a:ext uri="{FF2B5EF4-FFF2-40B4-BE49-F238E27FC236}">
-                <a16:creationId xmlns:a16="http://schemas.microsoft.com/office/drawing/2014/main" id="{79990F65-3D61-AE86-4D6A-23B36D0AA4BB}"/>
-              </a:ext>
-            </a:extLst>
-          </p:cNvPr>
-          <p:cNvGrpSpPr/>
-          <p:nvPr/>
-        </p:nvGrpSpPr>
-        <p:grpSpPr>
-          <a:xfrm>
-            <a:off x="3788320" y="1926371"/>
-            <a:ext cx="3943350" cy="672704"/>
-            <a:chOff x="3752850" y="1935837"/>
-            <a:chExt cx="3943350" cy="672704"/>
-          </a:xfrm>
-        </p:grpSpPr>
-        <p:pic>
-          <p:nvPicPr>
-            <p:cNvPr id="17412" name="Picture 8" descr="txp_fig"/>
-            <p:cNvPicPr>
-              <a:picLocks noChangeAspect="1" noChangeArrowheads="1"/>
-            </p:cNvPicPr>
-            <p:nvPr>
-              <p:custDataLst>
-                <p:tags r:id="rId5"/>
-              </p:custDataLst>
-            </p:nvPr>
-          </p:nvPicPr>
-          <p:blipFill>
-            <a:blip r:embed="rId12" cstate="print">
-              <a:extLst>
-                <a:ext uri="{28A0092B-C50C-407E-A947-70E740481C1C}">
-                  <a14:useLocalDpi xmlns:a14="http://schemas.microsoft.com/office/drawing/2010/main" val="0"/>
-                </a:ext>
-              </a:extLst>
-            </a:blip>
-            <a:srcRect/>
-            <a:stretch>
-              <a:fillRect/>
-            </a:stretch>
-          </p:blipFill>
-          <p:spPr bwMode="auto">
-            <a:xfrm>
-              <a:off x="3752850" y="1935837"/>
-              <a:ext cx="2250126" cy="672704"/>
-            </a:xfrm>
-            <a:prstGeom prst="rect">
-              <a:avLst/>
-            </a:prstGeom>
-            <a:noFill/>
-            <a:ln>
-              <a:noFill/>
-            </a:ln>
-            <a:extLst>
-              <a:ext uri="{909E8E84-426E-40dd-AFC4-6F175D3DCCD1}">
-                <a14:hiddenFill xmlns:a14="http://schemas.microsoft.com/office/drawing/2010/main" xmlns="">
-                  <a:solidFill>
-                    <a:srgbClr val="FFFFFF"/>
-                  </a:solidFill>
-                </a14:hiddenFill>
-              </a:ext>
-              <a:ext uri="{91240B29-F687-4f45-9708-019B960494DF}">
-                <a14:hiddenLine xmlns:a14="http://schemas.microsoft.com/office/drawing/2010/main" xmlns="" w="9525">
-                  <a:solidFill>
-                    <a:srgbClr val="000000"/>
-                  </a:solidFill>
-                  <a:miter lim="800000"/>
-                  <a:headEnd/>
-                  <a:tailEnd/>
-                </a14:hiddenLine>
-              </a:ext>
-            </a:extLst>
-          </p:spPr>
-        </p:pic>
-        <mc:AlternateContent xmlns:mc="http://schemas.openxmlformats.org/markup-compatibility/2006">
-          <mc:Choice xmlns:a14="http://schemas.microsoft.com/office/drawing/2010/main" Requires="a14">
-            <p:sp>
-              <p:nvSpPr>
-                <p:cNvPr id="5" name="TextBox 4">
-                  <a:extLst>
-                    <a:ext uri="{FF2B5EF4-FFF2-40B4-BE49-F238E27FC236}">
-                      <a16:creationId xmlns:a16="http://schemas.microsoft.com/office/drawing/2014/main" id="{4EE783C2-B0C0-4B6C-8482-1736FD09DAD8}"/>
-                    </a:ext>
-                  </a:extLst>
-                </p:cNvPr>
-                <p:cNvSpPr txBox="1"/>
-                <p:nvPr/>
-              </p:nvSpPr>
-              <p:spPr>
-                <a:xfrm>
-                  <a:off x="6210088" y="2059661"/>
-                  <a:ext cx="1486112" cy="369332"/>
-                </a:xfrm>
-                <a:prstGeom prst="rect">
-                  <a:avLst/>
-                </a:prstGeom>
-                <a:noFill/>
-              </p:spPr>
-              <p:txBody>
-                <a:bodyPr wrap="none" lIns="0" tIns="0" rIns="0" bIns="0" rtlCol="0">
-                  <a:spAutoFit/>
-                </a:bodyPr>
-                <a:lstStyle/>
-                <a:p>
-                  <a:pPr/>
-                  <a14:m>
-                    <m:oMathPara xmlns:m="http://schemas.openxmlformats.org/officeDocument/2006/math">
-                      <m:oMathParaPr>
-                        <m:jc m:val="centerGroup"/>
-                      </m:oMathParaPr>
-                      <m:oMath xmlns:m="http://schemas.openxmlformats.org/officeDocument/2006/math">
-                        <m:r>
-                          <a:rPr lang="en-US" sz="2400" b="0" i="1" smtClean="0">
-                            <a:latin typeface="Cambria Math" panose="02040503050406030204" pitchFamily="18" charset="0"/>
-                          </a:rPr>
-                          <m:t>=</m:t>
-                        </m:r>
-                        <m:r>
-                          <a:rPr lang="en-US" sz="2400" b="0" i="1" smtClean="0">
-                            <a:latin typeface="Cambria Math" panose="02040503050406030204" pitchFamily="18" charset="0"/>
-                          </a:rPr>
-                          <m:t>𝛼</m:t>
-                        </m:r>
-                        <m:r>
-                          <a:rPr lang="en-US" sz="2400" b="0" i="1" smtClean="0">
-                            <a:latin typeface="Cambria Math" panose="02040503050406030204" pitchFamily="18" charset="0"/>
-                          </a:rPr>
-                          <m:t>𝑃</m:t>
-                        </m:r>
-                        <m:r>
-                          <a:rPr lang="en-US" sz="2400" b="0" i="1" smtClean="0">
-                            <a:latin typeface="Cambria Math" panose="02040503050406030204" pitchFamily="18" charset="0"/>
-                          </a:rPr>
-                          <m:t>(</m:t>
-                        </m:r>
-                        <m:r>
-                          <a:rPr lang="en-US" sz="2400" b="0" i="1" smtClean="0">
-                            <a:latin typeface="Cambria Math" panose="02040503050406030204" pitchFamily="18" charset="0"/>
-                          </a:rPr>
-                          <m:t>𝑥</m:t>
-                        </m:r>
-                        <m:r>
-                          <a:rPr lang="en-US" sz="2400" b="0" i="1" smtClean="0">
-                            <a:latin typeface="Cambria Math" panose="02040503050406030204" pitchFamily="18" charset="0"/>
-                          </a:rPr>
-                          <m:t>,</m:t>
-                        </m:r>
-                        <m:r>
-                          <a:rPr lang="en-US" sz="2400" b="0" i="1" smtClean="0">
-                            <a:latin typeface="Cambria Math" panose="02040503050406030204" pitchFamily="18" charset="0"/>
-                          </a:rPr>
-                          <m:t>𝑦</m:t>
-                        </m:r>
-                        <m:r>
-                          <a:rPr lang="en-US" sz="2400" b="0" i="1" smtClean="0">
-                            <a:latin typeface="Cambria Math" panose="02040503050406030204" pitchFamily="18" charset="0"/>
-                          </a:rPr>
-                          <m:t>)</m:t>
-                        </m:r>
-                      </m:oMath>
-                    </m:oMathPara>
-                  </a14:m>
-                  <a:endParaRPr lang="en-US" sz="2400" dirty="0"/>
-                </a:p>
-              </p:txBody>
-            </p:sp>
-          </mc:Choice>
-          <mc:Fallback>
-            <p:sp>
-              <p:nvSpPr>
-                <p:cNvPr id="5" name="TextBox 4">
-                  <a:extLst>
-                    <a:ext uri="{FF2B5EF4-FFF2-40B4-BE49-F238E27FC236}">
-                      <a16:creationId xmlns:a16="http://schemas.microsoft.com/office/drawing/2014/main" id="{4EE783C2-B0C0-4B6C-8482-1736FD09DAD8}"/>
-                    </a:ext>
-                  </a:extLst>
-                </p:cNvPr>
-                <p:cNvSpPr txBox="1">
-                  <a:spLocks noRot="1" noChangeAspect="1" noMove="1" noResize="1" noEditPoints="1" noAdjustHandles="1" noChangeArrowheads="1" noChangeShapeType="1" noTextEdit="1"/>
-                </p:cNvSpPr>
-                <p:nvPr/>
-              </p:nvSpPr>
-              <p:spPr>
-                <a:xfrm>
-                  <a:off x="6210088" y="2059661"/>
-                  <a:ext cx="1486112" cy="369332"/>
-                </a:xfrm>
-                <a:prstGeom prst="rect">
-                  <a:avLst/>
-                </a:prstGeom>
-                <a:blipFill>
-                  <a:blip r:embed="rId13"/>
-                  <a:stretch>
-                    <a:fillRect l="-1646" r="-6996" b="-34426"/>
-                  </a:stretch>
-                </a:blipFill>
-              </p:spPr>
-              <p:txBody>
-                <a:bodyPr/>
-                <a:lstStyle/>
-                <a:p>
-                  <a:r>
-                    <a:rPr lang="en-US">
-                      <a:noFill/>
-                    </a:rPr>
-                    <a:t> </a:t>
-                  </a:r>
-                </a:p>
-              </p:txBody>
-            </p:sp>
-          </mc:Fallback>
-        </mc:AlternateContent>
-      </p:grpSp>
-      <mc:AlternateContent xmlns:mc="http://schemas.openxmlformats.org/markup-compatibility/2006">
-        <mc:Choice xmlns:a14="http://schemas.microsoft.com/office/drawing/2010/main" Requires="a14">
-          <p:sp>
-            <p:nvSpPr>
-              <p:cNvPr id="6" name="TextBox 5">
-                <a:extLst>
-                  <a:ext uri="{FF2B5EF4-FFF2-40B4-BE49-F238E27FC236}">
-                    <a16:creationId xmlns:a16="http://schemas.microsoft.com/office/drawing/2014/main" id="{DA4BF9ED-169D-80CA-6B58-98047FE0D351}"/>
-                  </a:ext>
-                </a:extLst>
-              </p:cNvPr>
-              <p:cNvSpPr txBox="1"/>
-              <p:nvPr/>
-            </p:nvSpPr>
-            <p:spPr>
-              <a:xfrm>
-                <a:off x="6664809" y="5235821"/>
-                <a:ext cx="2032000" cy="400110"/>
-              </a:xfrm>
-              <a:prstGeom prst="rect">
-                <a:avLst/>
-              </a:prstGeom>
-              <a:noFill/>
-            </p:spPr>
-            <p:txBody>
-              <a:bodyPr wrap="square" rtlCol="0">
-                <a:spAutoFit/>
-              </a:bodyPr>
-              <a:lstStyle/>
-              <a:p>
-                <a:r>
-                  <a:rPr lang="en-US" sz="2000" dirty="0"/>
-                  <a:t>Written as </a:t>
-                </a:r>
-                <a14:m>
-                  <m:oMath xmlns:m="http://schemas.openxmlformats.org/officeDocument/2006/math">
-                    <m:r>
-                      <a:rPr lang="en-US" sz="2000" b="0" i="1" smtClean="0">
-                        <a:latin typeface="Cambria Math" panose="02040503050406030204" pitchFamily="18" charset="0"/>
-                      </a:rPr>
-                      <m:t>𝑋</m:t>
-                    </m:r>
-                    <m:r>
-                      <a:rPr lang="en-US" sz="2000" b="0" i="1" smtClean="0">
-                        <a:latin typeface="Cambria Math" panose="02040503050406030204" pitchFamily="18" charset="0"/>
-                      </a:rPr>
-                      <m:t>⫫</m:t>
-                    </m:r>
-                    <m:r>
-                      <a:rPr lang="en-US" sz="2000" b="0" i="1" smtClean="0">
-                        <a:latin typeface="Cambria Math" panose="02040503050406030204" pitchFamily="18" charset="0"/>
-                      </a:rPr>
-                      <m:t>𝑌</m:t>
-                    </m:r>
-                    <m:r>
-                      <m:rPr>
-                        <m:nor/>
-                      </m:rPr>
-                      <a:rPr lang="en-US" sz="2000" b="0" i="0" smtClean="0"/>
-                      <m:t> </m:t>
-                    </m:r>
-                  </m:oMath>
-                </a14:m>
-                <a:endParaRPr lang="en-US" sz="2000" dirty="0"/>
-              </a:p>
-            </p:txBody>
-          </p:sp>
-        </mc:Choice>
-        <mc:Fallback>
-          <p:sp>
-            <p:nvSpPr>
-              <p:cNvPr id="6" name="TextBox 5">
-                <a:extLst>
-                  <a:ext uri="{FF2B5EF4-FFF2-40B4-BE49-F238E27FC236}">
-                    <a16:creationId xmlns:a16="http://schemas.microsoft.com/office/drawing/2014/main" id="{DA4BF9ED-169D-80CA-6B58-98047FE0D351}"/>
-                  </a:ext>
-                </a:extLst>
-              </p:cNvPr>
-              <p:cNvSpPr txBox="1">
-                <a:spLocks noRot="1" noChangeAspect="1" noMove="1" noResize="1" noEditPoints="1" noAdjustHandles="1" noChangeArrowheads="1" noChangeShapeType="1" noTextEdit="1"/>
-              </p:cNvSpPr>
-              <p:nvPr/>
-            </p:nvSpPr>
-            <p:spPr>
-              <a:xfrm>
-                <a:off x="6664809" y="5235821"/>
-                <a:ext cx="2032000" cy="400110"/>
-              </a:xfrm>
-              <a:prstGeom prst="rect">
-                <a:avLst/>
-              </a:prstGeom>
-              <a:blipFill>
-                <a:blip r:embed="rId14"/>
-                <a:stretch>
-                  <a:fillRect l="-2994" t="-9091" b="-25758"/>
-                </a:stretch>
-              </a:blipFill>
-            </p:spPr>
-            <p:txBody>
-              <a:bodyPr/>
-              <a:lstStyle/>
-              <a:p>
-                <a:r>
-                  <a:rPr lang="en-US">
-                    <a:noFill/>
-                  </a:rPr>
-                  <a:t> </a:t>
-                </a:r>
-              </a:p>
-            </p:txBody>
-          </p:sp>
-        </mc:Fallback>
-      </mc:AlternateContent>
-      <mc:AlternateContent xmlns:mc="http://schemas.openxmlformats.org/markup-compatibility/2006">
-        <mc:Choice xmlns:a14="http://schemas.microsoft.com/office/drawing/2010/main" Requires="a14">
-          <p:sp>
-            <p:nvSpPr>
-              <p:cNvPr id="7" name="TextBox 6">
-                <a:extLst>
-                  <a:ext uri="{FF2B5EF4-FFF2-40B4-BE49-F238E27FC236}">
-                    <a16:creationId xmlns:a16="http://schemas.microsoft.com/office/drawing/2014/main" id="{993D370C-1488-81EF-AB09-75B5CD5870EC}"/>
-                  </a:ext>
-                </a:extLst>
-              </p:cNvPr>
-              <p:cNvSpPr txBox="1"/>
-              <p:nvPr/>
-            </p:nvSpPr>
-            <p:spPr>
-              <a:xfrm>
-                <a:off x="6512409" y="6023724"/>
-                <a:ext cx="2336800" cy="400110"/>
-              </a:xfrm>
-              <a:prstGeom prst="rect">
-                <a:avLst/>
-              </a:prstGeom>
-              <a:noFill/>
-            </p:spPr>
-            <p:txBody>
-              <a:bodyPr wrap="square" rtlCol="0">
-                <a:spAutoFit/>
-              </a:bodyPr>
-              <a:lstStyle/>
-              <a:p>
-                <a:r>
-                  <a:rPr lang="en-US" sz="2000" dirty="0"/>
-                  <a:t>Written as </a:t>
-                </a:r>
-                <a14:m>
-                  <m:oMath xmlns:m="http://schemas.openxmlformats.org/officeDocument/2006/math">
-                    <m:r>
-                      <a:rPr lang="en-US" sz="2000" b="0" i="1" smtClean="0">
-                        <a:latin typeface="Cambria Math" panose="02040503050406030204" pitchFamily="18" charset="0"/>
-                      </a:rPr>
-                      <m:t>𝑋</m:t>
-                    </m:r>
-                    <m:r>
-                      <a:rPr lang="en-US" sz="2000" b="0" i="1" smtClean="0">
-                        <a:latin typeface="Cambria Math" panose="02040503050406030204" pitchFamily="18" charset="0"/>
-                      </a:rPr>
-                      <m:t>⫫</m:t>
-                    </m:r>
-                    <m:r>
-                      <a:rPr lang="en-US" sz="2000" b="0" i="1" smtClean="0">
-                        <a:latin typeface="Cambria Math" panose="02040503050406030204" pitchFamily="18" charset="0"/>
-                      </a:rPr>
-                      <m:t>𝑌</m:t>
-                    </m:r>
-                    <m:r>
-                      <a:rPr lang="en-US" sz="2000" b="0" i="1" smtClean="0">
-                        <a:latin typeface="Cambria Math" panose="02040503050406030204" pitchFamily="18" charset="0"/>
-                      </a:rPr>
-                      <m:t>|</m:t>
-                    </m:r>
-                    <m:r>
-                      <a:rPr lang="en-US" sz="2000" b="0" i="1" smtClean="0">
-                        <a:latin typeface="Cambria Math" panose="02040503050406030204" pitchFamily="18" charset="0"/>
-                      </a:rPr>
-                      <m:t>𝑍</m:t>
-                    </m:r>
-                    <m:r>
-                      <m:rPr>
-                        <m:nor/>
-                      </m:rPr>
-                      <a:rPr lang="en-US" sz="2000" b="0" i="0" smtClean="0"/>
-                      <m:t> </m:t>
-                    </m:r>
-                  </m:oMath>
-                </a14:m>
-                <a:endParaRPr lang="en-US" sz="2000" dirty="0"/>
-              </a:p>
-            </p:txBody>
-          </p:sp>
-        </mc:Choice>
-        <mc:Fallback>
-          <p:sp>
-            <p:nvSpPr>
-              <p:cNvPr id="7" name="TextBox 6">
-                <a:extLst>
-                  <a:ext uri="{FF2B5EF4-FFF2-40B4-BE49-F238E27FC236}">
-                    <a16:creationId xmlns:a16="http://schemas.microsoft.com/office/drawing/2014/main" id="{993D370C-1488-81EF-AB09-75B5CD5870EC}"/>
-                  </a:ext>
-                </a:extLst>
-              </p:cNvPr>
-              <p:cNvSpPr txBox="1">
-                <a:spLocks noRot="1" noChangeAspect="1" noMove="1" noResize="1" noEditPoints="1" noAdjustHandles="1" noChangeArrowheads="1" noChangeShapeType="1" noTextEdit="1"/>
-              </p:cNvSpPr>
-              <p:nvPr/>
-            </p:nvSpPr>
-            <p:spPr>
-              <a:xfrm>
-                <a:off x="6512409" y="6023724"/>
-                <a:ext cx="2336800" cy="400110"/>
-              </a:xfrm>
-              <a:prstGeom prst="rect">
-                <a:avLst/>
-              </a:prstGeom>
-              <a:blipFill>
-                <a:blip r:embed="rId15"/>
-                <a:stretch>
-                  <a:fillRect l="-2604" t="-7576" b="-25758"/>
+                  <a:fillRect l="-464" t="-1340"/>
                 </a:stretch>
               </a:blipFill>
             </p:spPr>
@@ -22724,6 +23465,11 @@
         </mc:Fallback>
       </mc:AlternateContent>
     </p:spTree>
+    <p:extLst>
+      <p:ext uri="{BB962C8B-B14F-4D97-AF65-F5344CB8AC3E}">
+        <p14:creationId xmlns:p14="http://schemas.microsoft.com/office/powerpoint/2010/main" val="4197618171"/>
+      </p:ext>
+    </p:extLst>
   </p:cSld>
   <p:clrMapOvr>
     <a:masterClrMapping/>
@@ -23567,8 +24313,8 @@
           </a:p>
         </p:txBody>
       </p:sp>
-      <mc:AlternateContent xmlns:mc="http://schemas.openxmlformats.org/markup-compatibility/2006">
-        <mc:Choice xmlns:a14="http://schemas.microsoft.com/office/drawing/2010/main" Requires="a14">
+      <mc:AlternateContent xmlns:mc="http://schemas.openxmlformats.org/markup-compatibility/2006" xmlns:a14="http://schemas.microsoft.com/office/drawing/2010/main">
+        <mc:Choice Requires="a14">
           <p:sp>
             <p:nvSpPr>
               <p:cNvPr id="3" name="Content Placeholder 2"/>
@@ -23892,7 +24638,7 @@
             </p:txBody>
           </p:sp>
         </mc:Choice>
-        <mc:Fallback>
+        <mc:Fallback xmlns="">
           <p:sp>
             <p:nvSpPr>
               <p:cNvPr id="3" name="Content Placeholder 2"/>
@@ -24403,8 +25149,8 @@
           </a:p>
         </p:txBody>
       </p:sp>
-      <mc:AlternateContent xmlns:mc="http://schemas.openxmlformats.org/markup-compatibility/2006">
-        <mc:Choice xmlns:a14="http://schemas.microsoft.com/office/drawing/2010/main" Requires="a14">
+      <mc:AlternateContent xmlns:mc="http://schemas.openxmlformats.org/markup-compatibility/2006" xmlns:a14="http://schemas.microsoft.com/office/drawing/2010/main">
+        <mc:Choice Requires="a14">
           <p:sp>
             <p:nvSpPr>
               <p:cNvPr id="3" name="Content Placeholder 2"/>
@@ -24589,7 +25335,7 @@
             </p:txBody>
           </p:sp>
         </mc:Choice>
-        <mc:Fallback>
+        <mc:Fallback xmlns="">
           <p:sp>
             <p:nvSpPr>
               <p:cNvPr id="3" name="Content Placeholder 2"/>
@@ -31054,8 +31800,8 @@
           </a:p>
         </p:txBody>
       </p:sp>
-      <mc:AlternateContent xmlns:mc="http://schemas.openxmlformats.org/markup-compatibility/2006">
-        <mc:Choice xmlns:a14="http://schemas.microsoft.com/office/drawing/2010/main" Requires="a14">
+      <mc:AlternateContent xmlns:mc="http://schemas.openxmlformats.org/markup-compatibility/2006" xmlns:a14="http://schemas.microsoft.com/office/drawing/2010/main">
+        <mc:Choice Requires="a14">
           <p:sp>
             <p:nvSpPr>
               <p:cNvPr id="3" name="Content Placeholder 2"/>
@@ -31541,7 +32287,7 @@
             </p:txBody>
           </p:sp>
         </mc:Choice>
-        <mc:Fallback>
+        <mc:Fallback xmlns="">
           <p:sp>
             <p:nvSpPr>
               <p:cNvPr id="3" name="Content Placeholder 2"/>
@@ -35516,8 +36262,8 @@
           </a:p>
         </p:txBody>
       </p:sp>
-      <mc:AlternateContent xmlns:mc="http://schemas.openxmlformats.org/markup-compatibility/2006">
-        <mc:Choice xmlns:a14="http://schemas.microsoft.com/office/drawing/2010/main" Requires="a14">
+      <mc:AlternateContent xmlns:mc="http://schemas.openxmlformats.org/markup-compatibility/2006" xmlns:a14="http://schemas.microsoft.com/office/drawing/2010/main">
+        <mc:Choice Requires="a14">
           <p:sp>
             <p:nvSpPr>
               <p:cNvPr id="3" name="Content Placeholder 2"/>
@@ -35864,7 +36610,7 @@
             </p:txBody>
           </p:sp>
         </mc:Choice>
-        <mc:Fallback>
+        <mc:Fallback xmlns="">
           <p:sp>
             <p:nvSpPr>
               <p:cNvPr id="3" name="Content Placeholder 2"/>
@@ -36281,8 +37027,8 @@
           </a:p>
         </p:txBody>
       </p:sp>
-      <mc:AlternateContent xmlns:mc="http://schemas.openxmlformats.org/markup-compatibility/2006">
-        <mc:Choice xmlns:a14="http://schemas.microsoft.com/office/drawing/2010/main" Requires="a14">
+      <mc:AlternateContent xmlns:mc="http://schemas.openxmlformats.org/markup-compatibility/2006" xmlns:a14="http://schemas.microsoft.com/office/drawing/2010/main">
+        <mc:Choice Requires="a14">
           <p:sp>
             <p:nvSpPr>
               <p:cNvPr id="19" name="Content Placeholder 18"/>
@@ -36411,7 +37157,7 @@
             </p:txBody>
           </p:sp>
         </mc:Choice>
-        <mc:Fallback>
+        <mc:Fallback xmlns="">
           <p:sp>
             <p:nvSpPr>
               <p:cNvPr id="19" name="Content Placeholder 18"/>
@@ -36855,8 +37601,8 @@
           </p:style>
         </p:cxnSp>
       </p:grpSp>
-      <mc:AlternateContent xmlns:mc="http://schemas.openxmlformats.org/markup-compatibility/2006">
-        <mc:Choice xmlns:a14="http://schemas.microsoft.com/office/drawing/2010/main" Requires="a14">
+      <mc:AlternateContent xmlns:mc="http://schemas.openxmlformats.org/markup-compatibility/2006" xmlns:a14="http://schemas.microsoft.com/office/drawing/2010/main">
+        <mc:Choice Requires="a14">
           <p:sp>
             <p:nvSpPr>
               <p:cNvPr id="11" name="TextBox 10">
@@ -37193,7 +37939,7 @@
             </p:txBody>
           </p:sp>
         </mc:Choice>
-        <mc:Fallback>
+        <mc:Fallback xmlns="">
           <p:sp>
             <p:nvSpPr>
               <p:cNvPr id="11" name="TextBox 10">
@@ -37426,98 +38172,6 @@
     <a:masterClrMapping/>
   </p:clrMapOvr>
 </p:sld>
-</file>
-
-<file path=ppt/tags/tag1.xml><?xml version="1.0" encoding="utf-8"?>
-<p:tagLst xmlns:a="http://schemas.openxmlformats.org/drawingml/2006/main" xmlns:r="http://schemas.openxmlformats.org/officeDocument/2006/relationships" xmlns:p="http://schemas.openxmlformats.org/presentationml/2006/main">
-  <p:tag name="SOURCE" val="\documentclass{slides}\pagestyle{empty}&#10;\begin{document}&#10;\[&#10;P(x, y) = P(x | y) P(y)&#10;\]&#10;\end{document}&#10;"/>
-  <p:tag name="EXTERNALNAME" val="txp_fig"/>
-  <p:tag name="BLEND" val="False"/>
-  <p:tag name="TRANSPARENT" val="False"/>
-  <p:tag name="KEEPFILES" val="False"/>
-  <p:tag name="DEBUGPAUSE" val="False"/>
-  <p:tag name="RESOLUTION" val="1200"/>
-  <p:tag name="TIMEOUT" val="(none)"/>
-  <p:tag name="BOXWIDTH" val="385"/>
-  <p:tag name="BOXHEIGHT" val="283"/>
-  <p:tag name="BOXFONT" val="10"/>
-  <p:tag name="BOXWRAP" val="False"/>
-  <p:tag name="WORKAROUNDTRANSPARENCYBUG" val="False"/>
-  <p:tag name="ALLOWFONTSUBSTITUTION" val="False"/>
-  <p:tag name="BITMAPFORMAT" val="pngmono"/>
-  <p:tag name="ORIGWIDTH" val="208"/>
-  <p:tag name="PICTUREFILESIZE" val="10456"/>
-</p:tagLst>
-</file>
-
-<file path=ppt/tags/tag2.xml><?xml version="1.0" encoding="utf-8"?>
-<p:tagLst xmlns:a="http://schemas.openxmlformats.org/drawingml/2006/main" xmlns:r="http://schemas.openxmlformats.org/officeDocument/2006/relationships" xmlns:p="http://schemas.openxmlformats.org/presentationml/2006/main">
-  <p:tag name="TEXPOINT" val="latex"/>
-  <p:tag name="SOURCE" val="\documentclass{slides}\pagestyle{empty}&#10;\begin{document}&#10;\[&#10;\forall x,y: P(x, y) = P(x) P(y)&#10;\]&#10;\end{document}&#10;"/>
-  <p:tag name="FILENAME" val="txp_fig"/>
-  <p:tag name="FORMAT" val="pngmono"/>
-  <p:tag name="RES" val="1200"/>
-  <p:tag name="BLEND" val="0"/>
-  <p:tag name="TRANSPARENT" val="0"/>
-  <p:tag name="TBUG" val="0"/>
-  <p:tag name="ALLOWFS" val="0"/>
-  <p:tag name="ORIGWIDTH" val="254"/>
-  <p:tag name="PICTUREFILESIZE" val="12424"/>
-</p:tagLst>
-</file>
-
-<file path=ppt/tags/tag3.xml><?xml version="1.0" encoding="utf-8"?>
-<p:tagLst xmlns:a="http://schemas.openxmlformats.org/drawingml/2006/main" xmlns:r="http://schemas.openxmlformats.org/officeDocument/2006/relationships" xmlns:p="http://schemas.openxmlformats.org/presentationml/2006/main">
-  <p:tag name="TEXPOINT" val="latex"/>
-  <p:tag name="SOURCE" val="\documentclass{slides}\pagestyle{empty}&#10;\begin{document}&#10;\[&#10;\forall x,y,z : P(x, y | z) = P(x | z) P(y | z)&#10;\]&#10;\end{document}&#10;"/>
-  <p:tag name="FILENAME" val="txp_fig"/>
-  <p:tag name="FORMAT" val="pngmono"/>
-  <p:tag name="RES" val="1200"/>
-  <p:tag name="BLEND" val="0"/>
-  <p:tag name="TRANSPARENT" val="0"/>
-  <p:tag name="TBUG" val="0"/>
-  <p:tag name="ALLOWFS" val="0"/>
-  <p:tag name="ORIGWIDTH" val="324"/>
-  <p:tag name="PICTUREFILESIZE" val="17943"/>
-</p:tagLst>
-</file>
-
-<file path=ppt/tags/tag4.xml><?xml version="1.0" encoding="utf-8"?>
-<p:tagLst xmlns:a="http://schemas.openxmlformats.org/drawingml/2006/main" xmlns:r="http://schemas.openxmlformats.org/officeDocument/2006/relationships" xmlns:p="http://schemas.openxmlformats.org/presentationml/2006/main">
-  <p:tag name="TEXPOINT" val="latex"/>
-  <p:tag name="SOURCE" val="\documentclass{slides}\pagestyle{empty}&#10;\begin{document}&#10;\begin{eqnarray*}&#10;P(X_1, X_2, \ldots X_n) &amp; = &amp; P(X_1) P(X_2 | X_1) P(X_3|X_1,X_2) \ldots \\&#10;&amp; = &amp; \prod_{i=1}^n P(X_i | X_1, \ldots, X_{i-1})&#10;\end{eqnarray*}&#10;\end{document}&#10;"/>
-  <p:tag name="FILENAME" val="txp_fig"/>
-  <p:tag name="FORMAT" val="pngmono"/>
-  <p:tag name="RES" val="1200"/>
-  <p:tag name="BLEND" val="0"/>
-  <p:tag name="TRANSPARENT" val="0"/>
-  <p:tag name="TBUG" val="0"/>
-  <p:tag name="ALLOWFS" val="0"/>
-  <p:tag name="ORIGWIDTH" val="541"/>
-  <p:tag name="PICTUREFILESIZE" val="41291"/>
-</p:tagLst>
-</file>
-
-<file path=ppt/tags/tag5.xml><?xml version="1.0" encoding="utf-8"?>
-<p:tagLst xmlns:a="http://schemas.openxmlformats.org/drawingml/2006/main" xmlns:r="http://schemas.openxmlformats.org/officeDocument/2006/relationships" xmlns:p="http://schemas.openxmlformats.org/presentationml/2006/main">
-  <p:tag name="SOURCE" val="\documentclass{slides}\pagestyle{empty}&#10;\begin{document}&#10;\[&#10;P(x | y) = \frac{P(x, y)}{P(y)}&#10;\]&#10;\end{document}&#10;"/>
-  <p:tag name="EXTERNALNAME" val="txp_fig"/>
-  <p:tag name="BLEND" val="False"/>
-  <p:tag name="TRANSPARENT" val="False"/>
-  <p:tag name="KEEPFILES" val="False"/>
-  <p:tag name="DEBUGPAUSE" val="False"/>
-  <p:tag name="RESOLUTION" val="1200"/>
-  <p:tag name="TIMEOUT" val="(none)"/>
-  <p:tag name="BOXWIDTH" val="385"/>
-  <p:tag name="BOXHEIGHT" val="283"/>
-  <p:tag name="BOXFONT" val="10"/>
-  <p:tag name="BOXWRAP" val="False"/>
-  <p:tag name="WORKAROUNDTRANSPARENCYBUG" val="False"/>
-  <p:tag name="ALLOWFONTSUBSTITUTION" val="False"/>
-  <p:tag name="BITMAPFORMAT" val="pngmono"/>
-  <p:tag name="ORIGWIDTH" val="164"/>
-  <p:tag name="PICTUREFILESIZE" val="13149"/>
-</p:tagLst>
 </file>
 
 <file path=ppt/theme/theme1.xml><?xml version="1.0" encoding="utf-8"?>

--- a/slides/13_bayes_nets.pptx
+++ b/slides/13_bayes_nets.pptx
@@ -2806,7 +2806,7 @@
         <a:p>
           <a:r>
             <a:rPr lang="en-US" dirty="0"/>
-            <a:t>Bayesian Networks</a:t>
+            <a:t>Bayesian Networks to Specify Dependence</a:t>
           </a:r>
         </a:p>
       </dgm:t>
@@ -3811,8 +3811,8 @@
       </dsp:nvSpPr>
       <dsp:spPr>
         <a:xfrm>
-          <a:off x="8472" y="1305401"/>
-          <a:ext cx="2538531" cy="1740535"/>
+          <a:off x="267254" y="1305401"/>
+          <a:ext cx="2366010" cy="1740535"/>
         </a:xfrm>
         <a:prstGeom prst="roundRect">
           <a:avLst/>
@@ -3854,12 +3854,12 @@
         </a:fontRef>
       </dsp:style>
       <dsp:txBody>
-        <a:bodyPr spcFirstLastPara="0" vert="horz" wrap="square" lIns="121920" tIns="121920" rIns="121920" bIns="121920" numCol="1" spcCol="1270" anchor="ctr" anchorCtr="0">
+        <a:bodyPr spcFirstLastPara="0" vert="horz" wrap="square" lIns="91440" tIns="91440" rIns="91440" bIns="91440" numCol="1" spcCol="1270" anchor="ctr" anchorCtr="0">
           <a:noAutofit/>
         </a:bodyPr>
         <a:lstStyle/>
         <a:p>
-          <a:pPr marL="0" lvl="0" indent="0" algn="ctr" defTabSz="1422400">
+          <a:pPr marL="0" lvl="0" indent="0" algn="ctr" defTabSz="1066800">
             <a:lnSpc>
               <a:spcPct val="90000"/>
             </a:lnSpc>
@@ -3872,14 +3872,14 @@
             <a:buNone/>
           </a:pPr>
           <a:r>
-            <a:rPr lang="en-US" sz="3200" kern="1200" dirty="0"/>
-            <a:t>Bayesian Networks</a:t>
+            <a:rPr lang="en-US" sz="2400" kern="1200" dirty="0"/>
+            <a:t>Bayesian Networks to Specify Dependence</a:t>
           </a:r>
         </a:p>
       </dsp:txBody>
       <dsp:txXfrm>
-        <a:off x="93438" y="1390367"/>
-        <a:ext cx="2368599" cy="1570603"/>
+        <a:off x="352220" y="1390367"/>
+        <a:ext cx="2196078" cy="1570603"/>
       </dsp:txXfrm>
     </dsp:sp>
     <dsp:sp modelId="{5ADD08B7-615A-4A6D-89E9-F7F323300180}">
@@ -3889,8 +3889,8 @@
       </dsp:nvSpPr>
       <dsp:spPr>
         <a:xfrm>
-          <a:off x="2674084" y="1305401"/>
-          <a:ext cx="2538531" cy="1740535"/>
+          <a:off x="2760344" y="1305401"/>
+          <a:ext cx="2366010" cy="1740535"/>
         </a:xfrm>
         <a:prstGeom prst="roundRect">
           <a:avLst/>
@@ -3932,12 +3932,12 @@
         </a:fontRef>
       </dsp:style>
       <dsp:txBody>
-        <a:bodyPr spcFirstLastPara="0" vert="horz" wrap="square" lIns="121920" tIns="121920" rIns="121920" bIns="121920" numCol="1" spcCol="1270" anchor="ctr" anchorCtr="0">
+        <a:bodyPr spcFirstLastPara="0" vert="horz" wrap="square" lIns="91440" tIns="91440" rIns="91440" bIns="91440" numCol="1" spcCol="1270" anchor="ctr" anchorCtr="0">
           <a:noAutofit/>
         </a:bodyPr>
         <a:lstStyle/>
         <a:p>
-          <a:pPr marL="0" lvl="0" indent="0" algn="ctr" defTabSz="1422400">
+          <a:pPr marL="0" lvl="0" indent="0" algn="ctr" defTabSz="1066800">
             <a:lnSpc>
               <a:spcPct val="90000"/>
             </a:lnSpc>
@@ -3950,14 +3950,14 @@
             <a:buNone/>
           </a:pPr>
           <a:r>
-            <a:rPr lang="en-US" sz="3200" kern="1200" dirty="0"/>
+            <a:rPr lang="en-US" sz="2400" kern="1200" dirty="0"/>
             <a:t>Exact Inference</a:t>
           </a:r>
         </a:p>
       </dsp:txBody>
       <dsp:txXfrm>
-        <a:off x="2759050" y="1390367"/>
-        <a:ext cx="2368599" cy="1570603"/>
+        <a:off x="2845310" y="1390367"/>
+        <a:ext cx="2196078" cy="1570603"/>
       </dsp:txXfrm>
     </dsp:sp>
     <dsp:sp modelId="{28FABD7B-E90C-4CEA-9C59-8ABDC11039B5}">
@@ -3967,8 +3967,8 @@
       </dsp:nvSpPr>
       <dsp:spPr>
         <a:xfrm>
-          <a:off x="5339696" y="1305401"/>
-          <a:ext cx="2538531" cy="1740535"/>
+          <a:off x="5253435" y="1305401"/>
+          <a:ext cx="2366010" cy="1740535"/>
         </a:xfrm>
         <a:prstGeom prst="roundRect">
           <a:avLst/>
@@ -4010,12 +4010,12 @@
         </a:fontRef>
       </dsp:style>
       <dsp:txBody>
-        <a:bodyPr spcFirstLastPara="0" vert="horz" wrap="square" lIns="121920" tIns="121920" rIns="121920" bIns="121920" numCol="1" spcCol="1270" anchor="ctr" anchorCtr="0">
+        <a:bodyPr spcFirstLastPara="0" vert="horz" wrap="square" lIns="91440" tIns="91440" rIns="91440" bIns="91440" numCol="1" spcCol="1270" anchor="ctr" anchorCtr="0">
           <a:noAutofit/>
         </a:bodyPr>
         <a:lstStyle/>
         <a:p>
-          <a:pPr marL="0" lvl="0" indent="0" algn="ctr" defTabSz="1422400">
+          <a:pPr marL="0" lvl="0" indent="0" algn="ctr" defTabSz="1066800">
             <a:lnSpc>
               <a:spcPct val="90000"/>
             </a:lnSpc>
@@ -4028,14 +4028,14 @@
             <a:buNone/>
           </a:pPr>
           <a:r>
-            <a:rPr lang="en-US" sz="3200" kern="1200" dirty="0"/>
+            <a:rPr lang="en-US" sz="2400" kern="1200" dirty="0"/>
             <a:t>Approximate Inference</a:t>
           </a:r>
         </a:p>
       </dsp:txBody>
       <dsp:txXfrm>
-        <a:off x="5424662" y="1390367"/>
-        <a:ext cx="2368599" cy="1570603"/>
+        <a:off x="5338401" y="1390367"/>
+        <a:ext cx="2196078" cy="1570603"/>
       </dsp:txXfrm>
     </dsp:sp>
   </dsp:spTree>
@@ -9064,7 +9064,7 @@
             <a:fld id="{71CA99E0-E95C-4F1B-B0F2-4565A2B40149}" type="datetimeFigureOut">
               <a:rPr lang="en-US" smtClean="0"/>
               <a:pPr/>
-              <a:t>6/11/2024</a:t>
+              <a:t>8/8/2024</a:t>
             </a:fld>
             <a:endParaRPr lang="en-US"/>
           </a:p>
@@ -20503,8 +20503,8 @@
           </a:p>
         </p:txBody>
       </p:sp>
-      <mc:AlternateContent xmlns:mc="http://schemas.openxmlformats.org/markup-compatibility/2006" xmlns:a14="http://schemas.microsoft.com/office/drawing/2010/main">
-        <mc:Choice Requires="a14">
+      <mc:AlternateContent xmlns:mc="http://schemas.openxmlformats.org/markup-compatibility/2006">
+        <mc:Choice xmlns:a14="http://schemas.microsoft.com/office/drawing/2010/main" Requires="a14">
           <p:sp>
             <p:nvSpPr>
               <p:cNvPr id="9219" name="Rectangle 3"/>
@@ -20517,7 +20517,9 @@
             </p:nvSpPr>
             <p:spPr/>
             <p:txBody>
-              <a:bodyPr/>
+              <a:bodyPr>
+                <a:normAutofit fontScale="92500"/>
+              </a:bodyPr>
               <a:lstStyle/>
               <a:p>
                 <a:r>
@@ -20542,7 +20544,21 @@
                 </a14:m>
                 <a:r>
                   <a:rPr lang="en-US" sz="2400" dirty="0"/>
-                  <a:t> with k Boolean parents. How many rows does its conditional probability table have? </a:t>
+                  <a:t> with </a:t>
+                </a:r>
+                <a14:m>
+                  <m:oMath xmlns:m="http://schemas.openxmlformats.org/officeDocument/2006/math">
+                    <m:r>
+                      <a:rPr lang="en-US" sz="2400" i="1" dirty="0" smtClean="0">
+                        <a:latin typeface="Cambria Math" panose="02040503050406030204" pitchFamily="18" charset="0"/>
+                      </a:rPr>
+                      <m:t>𝑘</m:t>
+                    </m:r>
+                  </m:oMath>
+                </a14:m>
+                <a:r>
+                  <a:rPr lang="en-US" sz="2400" dirty="0"/>
+                  <a:t> Boolean parents. How many rows does its conditional probability table have? </a:t>
                 </a:r>
               </a:p>
               <a:p>
@@ -20606,7 +20622,21 @@
               <a:p>
                 <a:r>
                   <a:rPr lang="en-US" sz="2400" dirty="0"/>
-                  <a:t>If each variable has no more than k parents, how many numbers does the complete network require? </a:t>
+                  <a:t>If each variable has no more than </a:t>
+                </a:r>
+                <a14:m>
+                  <m:oMath xmlns:m="http://schemas.openxmlformats.org/officeDocument/2006/math">
+                    <m:r>
+                      <a:rPr lang="en-US" sz="2400" i="1" dirty="0" smtClean="0">
+                        <a:latin typeface="Cambria Math" panose="02040503050406030204" pitchFamily="18" charset="0"/>
+                      </a:rPr>
+                      <m:t>𝑘</m:t>
+                    </m:r>
+                  </m:oMath>
+                </a14:m>
+                <a:r>
+                  <a:rPr lang="en-US" sz="2400" dirty="0"/>
+                  <a:t> parents, how many numbers does the complete network require? </a:t>
                 </a:r>
               </a:p>
               <a:p>
@@ -20733,7 +20763,27 @@
                   <a:rPr lang="en-US" sz="2000" dirty="0"/>
                   <a:t>for the full joint distribution</a:t>
                 </a:r>
-                <a:endParaRPr lang="en-US" sz="2400" dirty="0"/>
+              </a:p>
+              <a:p>
+                <a:pPr lvl="1"/>
+                <a:r>
+                  <a:rPr lang="en-US" sz="2400" dirty="0"/>
+                  <a:t>This reduces the complexity from exponential to linear in </a:t>
+                </a:r>
+                <a14:m>
+                  <m:oMath xmlns:m="http://schemas.openxmlformats.org/officeDocument/2006/math">
+                    <m:r>
+                      <a:rPr lang="en-US" sz="2400" i="1" dirty="0" smtClean="0">
+                        <a:latin typeface="Cambria Math" panose="02040503050406030204" pitchFamily="18" charset="0"/>
+                      </a:rPr>
+                      <m:t>𝑛</m:t>
+                    </m:r>
+                  </m:oMath>
+                </a14:m>
+                <a:r>
+                  <a:rPr lang="en-US" sz="2400" dirty="0"/>
+                  <a:t>!</a:t>
+                </a:r>
               </a:p>
               <a:p>
                 <a:endParaRPr lang="en-US" sz="2400" dirty="0"/>
@@ -20823,7 +20873,7 @@
             </p:txBody>
           </p:sp>
         </mc:Choice>
-        <mc:Fallback xmlns="">
+        <mc:Fallback>
           <p:sp>
             <p:nvSpPr>
               <p:cNvPr id="9219" name="Rectangle 3"/>
@@ -20838,7 +20888,7 @@
               <a:blipFill>
                 <a:blip r:embed="rId3"/>
                 <a:stretch>
-                  <a:fillRect l="-1005" t="-1961"/>
+                  <a:fillRect l="-850" t="-1541"/>
                 </a:stretch>
               </a:blipFill>
             </p:spPr>
@@ -20930,8 +20980,8 @@
           </a:p>
         </p:txBody>
       </p:sp>
-      <mc:AlternateContent xmlns:mc="http://schemas.openxmlformats.org/markup-compatibility/2006" xmlns:a14="http://schemas.microsoft.com/office/drawing/2010/main">
-        <mc:Choice Requires="a14">
+      <mc:AlternateContent xmlns:mc="http://schemas.openxmlformats.org/markup-compatibility/2006">
+        <mc:Choice xmlns:a14="http://schemas.microsoft.com/office/drawing/2010/main" Requires="a14">
           <p:sp>
             <p:nvSpPr>
               <p:cNvPr id="11267" name="Rectangle 3"/>
@@ -20942,9 +20992,16 @@
                 <p:ph idx="1"/>
               </p:nvPr>
             </p:nvSpPr>
-            <p:spPr/>
+            <p:spPr>
+              <a:xfrm>
+                <a:off x="628650" y="1825624"/>
+                <a:ext cx="7886700" cy="4498975"/>
+              </a:xfrm>
+            </p:spPr>
             <p:txBody>
-              <a:bodyPr/>
+              <a:bodyPr>
+                <a:normAutofit fontScale="92500" lnSpcReduction="10000"/>
+              </a:bodyPr>
               <a:lstStyle/>
               <a:p>
                 <a:pPr marL="457200" indent="-457200">
@@ -21000,14 +21057,37 @@
                   <a:rPr lang="en-US" sz="2400" dirty="0"/>
                   <a:t>For </a:t>
                 </a:r>
-                <a:r>
-                  <a:rPr lang="en-US" sz="2400" dirty="0" err="1"/>
-                  <a:t>i</a:t>
-                </a:r>
+                <a14:m>
+                  <m:oMath xmlns:m="http://schemas.openxmlformats.org/officeDocument/2006/math">
+                    <m:r>
+                      <a:rPr lang="en-US" sz="2400" i="1" dirty="0" smtClean="0">
+                        <a:latin typeface="Cambria Math" panose="02040503050406030204" pitchFamily="18" charset="0"/>
+                      </a:rPr>
+                      <m:t>𝑖</m:t>
+                    </m:r>
+                    <m:r>
+                      <a:rPr lang="en-US" sz="2400" i="1" dirty="0">
+                        <a:latin typeface="Cambria Math" panose="02040503050406030204" pitchFamily="18" charset="0"/>
+                      </a:rPr>
+                      <m:t> = 1 </m:t>
+                    </m:r>
+                  </m:oMath>
+                </a14:m>
                 <a:r>
                   <a:rPr lang="en-US" sz="2400" dirty="0"/>
-                  <a:t> = 1 to n</a:t>
+                  <a:t>to </a:t>
                 </a:r>
+                <a14:m>
+                  <m:oMath xmlns:m="http://schemas.openxmlformats.org/officeDocument/2006/math">
+                    <m:r>
+                      <a:rPr lang="en-US" sz="2400" i="1" dirty="0" smtClean="0">
+                        <a:latin typeface="Cambria Math" panose="02040503050406030204" pitchFamily="18" charset="0"/>
+                      </a:rPr>
+                      <m:t>𝑛</m:t>
+                    </m:r>
+                  </m:oMath>
+                </a14:m>
+                <a:endParaRPr lang="en-US" sz="2400" dirty="0"/>
               </a:p>
               <a:p>
                 <a:pPr marL="914400" lvl="1" indent="-457200"/>
@@ -21068,18 +21148,37 @@
                       </a:rPr>
                       <m:t>, … ,</m:t>
                     </m:r>
-                    <m:r>
-                      <a:rPr lang="en-US" sz="2400" i="1" dirty="0">
-                        <a:latin typeface="Cambria Math" panose="02040503050406030204" pitchFamily="18" charset="0"/>
-                      </a:rPr>
-                      <m:t>𝑋𝑖</m:t>
-                    </m:r>
-                    <m:r>
-                      <a:rPr lang="en-US" sz="2400" i="1" baseline="-25000" dirty="0">
-                        <a:latin typeface="Cambria Math" panose="02040503050406030204" pitchFamily="18" charset="0"/>
-                      </a:rPr>
-                      <m:t>−1</m:t>
-                    </m:r>
+                    <m:sSub>
+                      <m:sSubPr>
+                        <m:ctrlPr>
+                          <a:rPr lang="en-US" sz="2400" b="0" i="1" dirty="0" smtClean="0">
+                            <a:latin typeface="Cambria Math" panose="02040503050406030204" pitchFamily="18" charset="0"/>
+                          </a:rPr>
+                        </m:ctrlPr>
+                      </m:sSubPr>
+                      <m:e>
+                        <m:r>
+                          <a:rPr lang="en-US" sz="2400" i="1" dirty="0">
+                            <a:latin typeface="Cambria Math" panose="02040503050406030204" pitchFamily="18" charset="0"/>
+                          </a:rPr>
+                          <m:t>𝑋</m:t>
+                        </m:r>
+                      </m:e>
+                      <m:sub>
+                        <m:r>
+                          <a:rPr lang="en-US" sz="2400" b="0" i="1" dirty="0" smtClean="0">
+                            <a:latin typeface="Cambria Math" panose="02040503050406030204" pitchFamily="18" charset="0"/>
+                          </a:rPr>
+                          <m:t>𝑖</m:t>
+                        </m:r>
+                        <m:r>
+                          <a:rPr lang="en-US" sz="2400" b="0" i="1" dirty="0" smtClean="0">
+                            <a:latin typeface="Cambria Math" panose="02040503050406030204" pitchFamily="18" charset="0"/>
+                          </a:rPr>
+                          <m:t>−1</m:t>
+                        </m:r>
+                      </m:sub>
+                    </m:sSub>
                   </m:oMath>
                 </a14:m>
                 <a:r>
@@ -21109,15 +21208,40 @@
                       </a:rPr>
                       <m:t>(</m:t>
                     </m:r>
-                    <m:r>
-                      <a:rPr lang="en-US" sz="2400" i="1" dirty="0" smtClean="0">
-                        <a:solidFill>
-                          <a:srgbClr val="0066FF"/>
-                        </a:solidFill>
-                        <a:latin typeface="Cambria Math" panose="02040503050406030204" pitchFamily="18" charset="0"/>
-                      </a:rPr>
-                      <m:t>𝑋𝑖</m:t>
-                    </m:r>
+                    <m:sSub>
+                      <m:sSubPr>
+                        <m:ctrlPr>
+                          <a:rPr lang="en-US" sz="2400" b="0" i="1" dirty="0" smtClean="0">
+                            <a:solidFill>
+                              <a:srgbClr val="0066FF"/>
+                            </a:solidFill>
+                            <a:latin typeface="Cambria Math" panose="02040503050406030204" pitchFamily="18" charset="0"/>
+                          </a:rPr>
+                        </m:ctrlPr>
+                      </m:sSubPr>
+                      <m:e>
+                        <m:r>
+                          <a:rPr lang="en-US" sz="2400" i="1" dirty="0" smtClean="0">
+                            <a:solidFill>
+                              <a:srgbClr val="0066FF"/>
+                            </a:solidFill>
+                            <a:latin typeface="Cambria Math" panose="02040503050406030204" pitchFamily="18" charset="0"/>
+                          </a:rPr>
+                          <m:t>𝑋</m:t>
+                        </m:r>
+                      </m:e>
+                      <m:sub>
+                        <m:r>
+                          <a:rPr lang="en-US" sz="2400" b="0" i="1" dirty="0" smtClean="0">
+                            <a:solidFill>
+                              <a:srgbClr val="0066FF"/>
+                            </a:solidFill>
+                            <a:latin typeface="Cambria Math" panose="02040503050406030204" pitchFamily="18" charset="0"/>
+                          </a:rPr>
+                          <m:t>𝑖</m:t>
+                        </m:r>
+                      </m:sub>
+                    </m:sSub>
                     <m:r>
                       <a:rPr lang="en-US" sz="2400" i="1" dirty="0">
                         <a:solidFill>
@@ -21145,15 +21269,40 @@
                       </a:rPr>
                       <m:t>(</m:t>
                     </m:r>
-                    <m:r>
-                      <a:rPr lang="en-US" sz="2400" i="1" dirty="0">
-                        <a:solidFill>
-                          <a:srgbClr val="0066FF"/>
-                        </a:solidFill>
-                        <a:latin typeface="Cambria Math" panose="02040503050406030204" pitchFamily="18" charset="0"/>
-                      </a:rPr>
-                      <m:t>𝑋𝑖</m:t>
-                    </m:r>
+                    <m:sSub>
+                      <m:sSubPr>
+                        <m:ctrlPr>
+                          <a:rPr lang="en-US" sz="2400" b="0" i="1" dirty="0" smtClean="0">
+                            <a:solidFill>
+                              <a:srgbClr val="0066FF"/>
+                            </a:solidFill>
+                            <a:latin typeface="Cambria Math" panose="02040503050406030204" pitchFamily="18" charset="0"/>
+                          </a:rPr>
+                        </m:ctrlPr>
+                      </m:sSubPr>
+                      <m:e>
+                        <m:r>
+                          <a:rPr lang="en-US" sz="2400" i="1" dirty="0">
+                            <a:solidFill>
+                              <a:srgbClr val="0066FF"/>
+                            </a:solidFill>
+                            <a:latin typeface="Cambria Math" panose="02040503050406030204" pitchFamily="18" charset="0"/>
+                          </a:rPr>
+                          <m:t>𝑋</m:t>
+                        </m:r>
+                      </m:e>
+                      <m:sub>
+                        <m:r>
+                          <a:rPr lang="en-US" sz="2400" b="0" i="1" dirty="0" smtClean="0">
+                            <a:solidFill>
+                              <a:srgbClr val="0066FF"/>
+                            </a:solidFill>
+                            <a:latin typeface="Cambria Math" panose="02040503050406030204" pitchFamily="18" charset="0"/>
+                          </a:rPr>
+                          <m:t>𝑖</m:t>
+                        </m:r>
+                      </m:sub>
+                    </m:sSub>
                     <m:r>
                       <a:rPr lang="en-US" sz="2400" i="1" dirty="0">
                         <a:solidFill>
@@ -21181,15 +21330,40 @@
                       </a:rPr>
                       <m:t>(</m:t>
                     </m:r>
-                    <m:r>
-                      <a:rPr lang="en-US" sz="2400" i="1" dirty="0">
-                        <a:solidFill>
-                          <a:srgbClr val="0066FF"/>
-                        </a:solidFill>
-                        <a:latin typeface="Cambria Math" panose="02040503050406030204" pitchFamily="18" charset="0"/>
-                      </a:rPr>
-                      <m:t>𝑋𝑖</m:t>
-                    </m:r>
+                    <m:sSub>
+                      <m:sSubPr>
+                        <m:ctrlPr>
+                          <a:rPr lang="en-US" sz="2400" b="0" i="1" dirty="0" smtClean="0">
+                            <a:solidFill>
+                              <a:srgbClr val="0066FF"/>
+                            </a:solidFill>
+                            <a:latin typeface="Cambria Math" panose="02040503050406030204" pitchFamily="18" charset="0"/>
+                          </a:rPr>
+                        </m:ctrlPr>
+                      </m:sSubPr>
+                      <m:e>
+                        <m:r>
+                          <a:rPr lang="en-US" sz="2400" i="1" dirty="0">
+                            <a:solidFill>
+                              <a:srgbClr val="0066FF"/>
+                            </a:solidFill>
+                            <a:latin typeface="Cambria Math" panose="02040503050406030204" pitchFamily="18" charset="0"/>
+                          </a:rPr>
+                          <m:t>𝑋</m:t>
+                        </m:r>
+                      </m:e>
+                      <m:sub>
+                        <m:r>
+                          <a:rPr lang="en-US" sz="2400" b="0" i="1" dirty="0" smtClean="0">
+                            <a:solidFill>
+                              <a:srgbClr val="0066FF"/>
+                            </a:solidFill>
+                            <a:latin typeface="Cambria Math" panose="02040503050406030204" pitchFamily="18" charset="0"/>
+                          </a:rPr>
+                          <m:t>𝑖</m:t>
+                        </m:r>
+                      </m:sub>
+                    </m:sSub>
                     <m:r>
                       <a:rPr lang="en-US" sz="2400" i="1" dirty="0">
                         <a:solidFill>
@@ -21226,44 +21400,78 @@
                       </a:rPr>
                       <m:t>, … </m:t>
                     </m:r>
+                    <m:sSub>
+                      <m:sSubPr>
+                        <m:ctrlPr>
+                          <a:rPr lang="en-US" sz="2400" b="0" i="1" dirty="0" smtClean="0">
+                            <a:solidFill>
+                              <a:srgbClr val="0066FF"/>
+                            </a:solidFill>
+                            <a:latin typeface="Cambria Math" panose="02040503050406030204" pitchFamily="18" charset="0"/>
+                          </a:rPr>
+                        </m:ctrlPr>
+                      </m:sSubPr>
+                      <m:e>
+                        <m:r>
+                          <a:rPr lang="en-US" sz="2400" i="1" dirty="0">
+                            <a:solidFill>
+                              <a:srgbClr val="0066FF"/>
+                            </a:solidFill>
+                            <a:latin typeface="Cambria Math" panose="02040503050406030204" pitchFamily="18" charset="0"/>
+                          </a:rPr>
+                          <m:t>𝑋</m:t>
+                        </m:r>
+                      </m:e>
+                      <m:sub>
+                        <m:r>
+                          <a:rPr lang="en-US" sz="2400" b="0" i="1" dirty="0" smtClean="0">
+                            <a:solidFill>
+                              <a:srgbClr val="0066FF"/>
+                            </a:solidFill>
+                            <a:latin typeface="Cambria Math" panose="02040503050406030204" pitchFamily="18" charset="0"/>
+                          </a:rPr>
+                          <m:t>𝑖</m:t>
+                        </m:r>
+                        <m:r>
+                          <a:rPr lang="en-US" sz="2400" b="0" i="1" dirty="0" smtClean="0">
+                            <a:solidFill>
+                              <a:srgbClr val="0066FF"/>
+                            </a:solidFill>
+                            <a:latin typeface="Cambria Math" panose="02040503050406030204" pitchFamily="18" charset="0"/>
+                          </a:rPr>
+                          <m:t>−1</m:t>
+                        </m:r>
+                      </m:sub>
+                    </m:sSub>
                     <m:r>
-                      <a:rPr lang="en-US" sz="2400" i="1" dirty="0">
+                      <a:rPr lang="en-US" sz="2400" b="0" i="1" dirty="0" smtClean="0">
                         <a:solidFill>
                           <a:srgbClr val="0066FF"/>
                         </a:solidFill>
                         <a:latin typeface="Cambria Math" panose="02040503050406030204" pitchFamily="18" charset="0"/>
                       </a:rPr>
-                      <m:t>𝑋𝑖</m:t>
-                    </m:r>
-                    <m:r>
-                      <a:rPr lang="en-US" sz="2400" i="1" baseline="-25000" dirty="0">
-                        <a:solidFill>
-                          <a:srgbClr val="0066FF"/>
-                        </a:solidFill>
-                        <a:latin typeface="Cambria Math" panose="02040503050406030204" pitchFamily="18" charset="0"/>
-                      </a:rPr>
-                      <m:t>−1)</m:t>
+                      <m:t>)</m:t>
                     </m:r>
                   </m:oMath>
                 </a14:m>
-                <a:endParaRPr lang="en-US" sz="2400" dirty="0">
-                  <a:solidFill>
-                    <a:srgbClr val="0066FF"/>
-                  </a:solidFill>
-                </a:endParaRPr>
-              </a:p>
-              <a:p>
-                <a:pPr marL="914400" lvl="1" indent="-457200"/>
-                <a:endParaRPr lang="en-US" sz="2400" dirty="0">
-                  <a:solidFill>
-                    <a:srgbClr val="0066FF"/>
-                  </a:solidFill>
-                </a:endParaRPr>
-              </a:p>
-              <a:p>
-                <a:pPr marL="114300" indent="0">
-                  <a:buNone/>
-                </a:pPr>
+                <a:br>
+                  <a:rPr lang="en-US" sz="2400" dirty="0">
+                    <a:solidFill>
+                      <a:srgbClr val="0066FF"/>
+                    </a:solidFill>
+                  </a:rPr>
+                </a:br>
+                <a:r>
+                  <a:rPr lang="en-US" sz="2400" dirty="0"/>
+                  <a:t>that is, add an connection only from nodes it directly depends on. </a:t>
+                </a:r>
+                <a:br>
+                  <a:rPr lang="en-US" sz="2400" dirty="0">
+                    <a:solidFill>
+                      <a:srgbClr val="0066FF"/>
+                    </a:solidFill>
+                  </a:rPr>
+                </a:br>
                 <a:endParaRPr lang="en-US" b="1" dirty="0"/>
               </a:p>
               <a:p>
@@ -21276,41 +21484,34 @@
                 </a:r>
                 <a:r>
                   <a:rPr lang="en-US" dirty="0"/>
-                  <a:t>: Networks are typically constructed by domain experts with causality in mind. E.g., </a:t>
+                  <a:t>: There are many ways to order the variables. Networks are typically constructed by domain experts with causality in mind. E.g., Fire causes Smoke:</a:t>
                 </a:r>
-                <a14:m>
-                  <m:oMath xmlns:m="http://schemas.openxmlformats.org/officeDocument/2006/math">
-                    <m:r>
-                      <a:rPr lang="en-US" i="1" dirty="0" smtClean="0">
-                        <a:latin typeface="Cambria Math" panose="02040503050406030204" pitchFamily="18" charset="0"/>
-                      </a:rPr>
-                      <m:t>𝑋</m:t>
-                    </m:r>
-                  </m:oMath>
-                </a14:m>
+              </a:p>
+              <a:p>
+                <a:pPr marL="114300" indent="0">
+                  <a:buNone/>
+                </a:pPr>
+                <a:endParaRPr lang="en-US" dirty="0"/>
+              </a:p>
+              <a:p>
+                <a:pPr marL="114300" indent="0">
+                  <a:buNone/>
+                </a:pPr>
+                <a:endParaRPr lang="en-US" dirty="0"/>
+              </a:p>
+              <a:p>
+                <a:pPr marL="114300" indent="0">
+                  <a:buNone/>
+                </a:pPr>
                 <a:r>
                   <a:rPr lang="en-US" dirty="0"/>
-                  <a:t> causes </a:t>
-                </a:r>
-                <a14:m>
-                  <m:oMath xmlns:m="http://schemas.openxmlformats.org/officeDocument/2006/math">
-                    <m:r>
-                      <a:rPr lang="en-US" i="1" dirty="0" smtClean="0">
-                        <a:latin typeface="Cambria Math" panose="02040503050406030204" pitchFamily="18" charset="0"/>
-                      </a:rPr>
-                      <m:t>𝑌</m:t>
-                    </m:r>
-                  </m:oMath>
-                </a14:m>
-                <a:r>
-                  <a:rPr lang="en-US" dirty="0"/>
-                  <a:t>:</a:t>
+                  <a:t>The resulting network is sparse and conditional probabilities are easier to judge because they represent causal relationships.</a:t>
                 </a:r>
               </a:p>
             </p:txBody>
           </p:sp>
         </mc:Choice>
-        <mc:Fallback xmlns="">
+        <mc:Fallback>
           <p:sp>
             <p:nvSpPr>
               <p:cNvPr id="11267" name="Rectangle 3"/>
@@ -21322,10 +21523,14 @@
               </p:nvPr>
             </p:nvSpPr>
             <p:spPr>
+              <a:xfrm>
+                <a:off x="628650" y="1825624"/>
+                <a:ext cx="7886700" cy="4498975"/>
+              </a:xfrm>
               <a:blipFill>
                 <a:blip r:embed="rId3"/>
                 <a:stretch>
-                  <a:fillRect l="-1236" t="-2101"/>
+                  <a:fillRect l="-1005" t="-2439" b="-542"/>
                 </a:stretch>
               </a:blipFill>
             </p:spPr>
@@ -21362,7 +21567,7 @@
         </p:nvCxnSpPr>
         <p:spPr>
           <a:xfrm>
-            <a:off x="4287009" y="5600700"/>
+            <a:off x="4210809" y="5219700"/>
             <a:ext cx="818391" cy="0"/>
           </a:xfrm>
           <a:prstGeom prst="straightConnector1">
@@ -21404,8 +21609,8 @@
         </p:nvSpPr>
         <p:spPr>
           <a:xfrm>
-            <a:off x="3753609" y="5334000"/>
-            <a:ext cx="533400" cy="533400"/>
+            <a:off x="3124200" y="4953000"/>
+            <a:ext cx="1086609" cy="533400"/>
           </a:xfrm>
           <a:prstGeom prst="ellipse">
             <a:avLst/>
@@ -21439,14 +21644,14 @@
           <a:p>
             <a:pPr algn="ctr"/>
             <a:r>
-              <a:rPr lang="en-US" dirty="0">
+              <a:rPr lang="en-US" sz="1600" dirty="0">
                 <a:solidFill>
                   <a:schemeClr val="tx1"/>
                 </a:solidFill>
               </a:rPr>
-              <a:t>X</a:t>
+              <a:t>Fire</a:t>
             </a:r>
-            <a:endParaRPr lang="en-US" dirty="0"/>
+            <a:endParaRPr lang="en-US" sz="1600" dirty="0"/>
           </a:p>
         </p:txBody>
       </p:sp>
@@ -21464,8 +21669,8 @@
         </p:nvSpPr>
         <p:spPr>
           <a:xfrm>
-            <a:off x="5105400" y="5334000"/>
-            <a:ext cx="533400" cy="533400"/>
+            <a:off x="5029200" y="4953000"/>
+            <a:ext cx="990600" cy="533400"/>
           </a:xfrm>
           <a:prstGeom prst="ellipse">
             <a:avLst/>
@@ -21499,14 +21704,14 @@
           <a:p>
             <a:pPr algn="ctr"/>
             <a:r>
-              <a:rPr lang="en-US" dirty="0">
+              <a:rPr lang="en-US" sz="1400" dirty="0">
                 <a:solidFill>
                   <a:schemeClr val="tx1"/>
                 </a:solidFill>
               </a:rPr>
-              <a:t>Y</a:t>
+              <a:t>Smoke</a:t>
             </a:r>
-            <a:endParaRPr lang="en-US" baseline="-25000" dirty="0">
+            <a:endParaRPr lang="en-US" sz="1400" baseline="-25000" dirty="0">
               <a:solidFill>
                 <a:schemeClr val="tx1"/>
               </a:solidFill>
@@ -22997,7 +23202,7 @@
                 </a14:m>
                 <a:r>
                   <a:rPr lang="en-US" dirty="0"/>
-                  <a:t>are independent </a:t>
+                  <a:t>are independent (written as </a:t>
                 </a:r>
                 <a14:m>
                   <m:oMath xmlns:m="http://schemas.openxmlformats.org/officeDocument/2006/math">
@@ -23019,18 +23224,11 @@
                       </a:rPr>
                       <m:t>𝑌</m:t>
                     </m:r>
-                    <m:r>
-                      <m:rPr>
-                        <m:nor/>
-                      </m:rPr>
-                      <a:rPr lang="en-US"/>
-                      <m:t> </m:t>
-                    </m:r>
                   </m:oMath>
                 </a14:m>
                 <a:r>
                   <a:rPr lang="en-US" dirty="0"/>
-                  <a:t>() if and only if: </a:t>
+                  <a:t>) if and only if: </a:t>
                 </a:r>
                 <a:br>
                   <a:rPr lang="en-US" b="0" i="1" dirty="0">
@@ -29050,7 +29248,7 @@
             <p:ph idx="1"/>
             <p:extLst>
               <p:ext uri="{D42A27DB-BD31-4B8C-83A1-F6EECF244321}">
-                <p14:modId xmlns:p14="http://schemas.microsoft.com/office/powerpoint/2010/main" val="14548943"/>
+                <p14:modId xmlns:p14="http://schemas.microsoft.com/office/powerpoint/2010/main" val="3307118826"/>
               </p:ext>
             </p:extLst>
           </p:nvPr>

--- a/slides/13_bayes_nets.pptx
+++ b/slides/13_bayes_nets.pptx
@@ -9064,7 +9064,7 @@
             <a:fld id="{71CA99E0-E95C-4F1B-B0F2-4565A2B40149}" type="datetimeFigureOut">
               <a:rPr lang="en-US" smtClean="0"/>
               <a:pPr/>
-              <a:t>8/8/2024</a:t>
+              <a:t>11/13/2024</a:t>
             </a:fld>
             <a:endParaRPr lang="en-US"/>
           </a:p>
@@ -20503,8 +20503,8 @@
           </a:p>
         </p:txBody>
       </p:sp>
-      <mc:AlternateContent xmlns:mc="http://schemas.openxmlformats.org/markup-compatibility/2006">
-        <mc:Choice xmlns:a14="http://schemas.microsoft.com/office/drawing/2010/main" Requires="a14">
+      <mc:AlternateContent xmlns:mc="http://schemas.openxmlformats.org/markup-compatibility/2006" xmlns:a14="http://schemas.microsoft.com/office/drawing/2010/main">
+        <mc:Choice Requires="a14">
           <p:sp>
             <p:nvSpPr>
               <p:cNvPr id="9219" name="Rectangle 3"/>
@@ -20873,7 +20873,7 @@
             </p:txBody>
           </p:sp>
         </mc:Choice>
-        <mc:Fallback>
+        <mc:Fallback xmlns="">
           <p:sp>
             <p:nvSpPr>
               <p:cNvPr id="9219" name="Rectangle 3"/>
@@ -20980,8 +20980,8 @@
           </a:p>
         </p:txBody>
       </p:sp>
-      <mc:AlternateContent xmlns:mc="http://schemas.openxmlformats.org/markup-compatibility/2006">
-        <mc:Choice xmlns:a14="http://schemas.microsoft.com/office/drawing/2010/main" Requires="a14">
+      <mc:AlternateContent xmlns:mc="http://schemas.openxmlformats.org/markup-compatibility/2006" xmlns:a14="http://schemas.microsoft.com/office/drawing/2010/main">
+        <mc:Choice Requires="a14">
           <p:sp>
             <p:nvSpPr>
               <p:cNvPr id="11267" name="Rectangle 3"/>
@@ -21511,7 +21511,7 @@
             </p:txBody>
           </p:sp>
         </mc:Choice>
-        <mc:Fallback>
+        <mc:Fallback xmlns="">
           <p:sp>
             <p:nvSpPr>
               <p:cNvPr id="11267" name="Rectangle 3"/>
@@ -25846,24 +25846,6 @@
                               </a:solidFill>
                               <a:latin typeface="Cambria Math" panose="02040503050406030204" pitchFamily="18" charset="0"/>
                             </a:rPr>
-                            <m:t>𝐸</m:t>
-                          </m:r>
-                          <m:r>
-                            <a:rPr lang="en-US" sz="2000" i="1">
-                              <a:solidFill>
-                                <a:srgbClr val="000000"/>
-                              </a:solidFill>
-                              <a:latin typeface="Cambria Math" panose="02040503050406030204" pitchFamily="18" charset="0"/>
-                            </a:rPr>
-                            <m:t>=</m:t>
-                          </m:r>
-                          <m:r>
-                            <a:rPr lang="en-US" sz="2000" i="1">
-                              <a:solidFill>
-                                <a:srgbClr val="000000"/>
-                              </a:solidFill>
-                              <a:latin typeface="Cambria Math" panose="02040503050406030204" pitchFamily="18" charset="0"/>
-                            </a:rPr>
                             <m:t>𝑒</m:t>
                           </m:r>
                         </m:sub>
@@ -25883,24 +25865,6 @@
                               </m:ctrlPr>
                             </m:naryPr>
                             <m:sub>
-                              <m:r>
-                                <a:rPr lang="en-US" sz="2000" i="1">
-                                  <a:solidFill>
-                                    <a:srgbClr val="000000"/>
-                                  </a:solidFill>
-                                  <a:latin typeface="Cambria Math" panose="02040503050406030204" pitchFamily="18" charset="0"/>
-                                </a:rPr>
-                                <m:t>𝐴</m:t>
-                              </m:r>
-                              <m:r>
-                                <a:rPr lang="en-US" sz="2000" i="1">
-                                  <a:solidFill>
-                                    <a:srgbClr val="000000"/>
-                                  </a:solidFill>
-                                  <a:latin typeface="Cambria Math" panose="02040503050406030204" pitchFamily="18" charset="0"/>
-                                </a:rPr>
-                                <m:t>=</m:t>
-                              </m:r>
                               <m:r>
                                 <a:rPr lang="en-US" sz="2000" i="1">
                                   <a:solidFill>
@@ -26057,24 +26021,6 @@
                               </a:solidFill>
                               <a:latin typeface="Cambria Math" panose="02040503050406030204" pitchFamily="18" charset="0"/>
                             </a:rPr>
-                            <m:t>𝐸</m:t>
-                          </m:r>
-                          <m:r>
-                            <a:rPr lang="en-US" sz="2000" i="1">
-                              <a:solidFill>
-                                <a:srgbClr val="000000"/>
-                              </a:solidFill>
-                              <a:latin typeface="Cambria Math" panose="02040503050406030204" pitchFamily="18" charset="0"/>
-                            </a:rPr>
-                            <m:t>=</m:t>
-                          </m:r>
-                          <m:r>
-                            <a:rPr lang="en-US" sz="2000" i="1">
-                              <a:solidFill>
-                                <a:srgbClr val="000000"/>
-                              </a:solidFill>
-                              <a:latin typeface="Cambria Math" panose="02040503050406030204" pitchFamily="18" charset="0"/>
-                            </a:rPr>
                             <m:t>𝑒</m:t>
                           </m:r>
                         </m:sub>
@@ -26094,24 +26040,6 @@
                               </m:ctrlPr>
                             </m:naryPr>
                             <m:sub>
-                              <m:r>
-                                <a:rPr lang="en-US" sz="2000" i="1">
-                                  <a:solidFill>
-                                    <a:srgbClr val="000000"/>
-                                  </a:solidFill>
-                                  <a:latin typeface="Cambria Math" panose="02040503050406030204" pitchFamily="18" charset="0"/>
-                                </a:rPr>
-                                <m:t>𝐴</m:t>
-                              </m:r>
-                              <m:r>
-                                <a:rPr lang="en-US" sz="2000" i="1">
-                                  <a:solidFill>
-                                    <a:srgbClr val="000000"/>
-                                  </a:solidFill>
-                                  <a:latin typeface="Cambria Math" panose="02040503050406030204" pitchFamily="18" charset="0"/>
-                                </a:rPr>
-                                <m:t>=</m:t>
-                              </m:r>
                               <m:r>
                                 <a:rPr lang="en-US" sz="2000" i="1">
                                   <a:solidFill>
@@ -26448,24 +26376,6 @@
                               </a:solidFill>
                               <a:latin typeface="Cambria Math" panose="02040503050406030204" pitchFamily="18" charset="0"/>
                             </a:rPr>
-                            <m:t>𝐸</m:t>
-                          </m:r>
-                          <m:r>
-                            <a:rPr lang="en-US" sz="2000" i="1">
-                              <a:solidFill>
-                                <a:srgbClr val="000000"/>
-                              </a:solidFill>
-                              <a:latin typeface="Cambria Math" panose="02040503050406030204" pitchFamily="18" charset="0"/>
-                            </a:rPr>
-                            <m:t>=</m:t>
-                          </m:r>
-                          <m:r>
-                            <a:rPr lang="en-US" sz="2000" i="1">
-                              <a:solidFill>
-                                <a:srgbClr val="000000"/>
-                              </a:solidFill>
-                              <a:latin typeface="Cambria Math" panose="02040503050406030204" pitchFamily="18" charset="0"/>
-                            </a:rPr>
                             <m:t>𝑒</m:t>
                           </m:r>
                         </m:sub>
@@ -26521,24 +26431,6 @@
                               </m:ctrlPr>
                             </m:naryPr>
                             <m:sub>
-                              <m:r>
-                                <a:rPr lang="en-US" sz="2000" i="1">
-                                  <a:solidFill>
-                                    <a:srgbClr val="000000"/>
-                                  </a:solidFill>
-                                  <a:latin typeface="Cambria Math" panose="02040503050406030204" pitchFamily="18" charset="0"/>
-                                </a:rPr>
-                                <m:t>𝐴</m:t>
-                              </m:r>
-                              <m:r>
-                                <a:rPr lang="en-US" sz="2000" i="1">
-                                  <a:solidFill>
-                                    <a:srgbClr val="000000"/>
-                                  </a:solidFill>
-                                  <a:latin typeface="Cambria Math" panose="02040503050406030204" pitchFamily="18" charset="0"/>
-                                </a:rPr>
-                                <m:t>=</m:t>
-                              </m:r>
                               <m:r>
                                 <a:rPr lang="en-US" sz="2000" i="1">
                                   <a:solidFill>
@@ -27139,24 +27031,6 @@
                               </a:solidFill>
                               <a:latin typeface="Cambria Math" panose="02040503050406030204" pitchFamily="18" charset="0"/>
                             </a:rPr>
-                            <m:t>𝐸</m:t>
-                          </m:r>
-                          <m:r>
-                            <a:rPr lang="en-US" sz="2000" i="1">
-                              <a:solidFill>
-                                <a:srgbClr val="000000"/>
-                              </a:solidFill>
-                              <a:latin typeface="Cambria Math" panose="02040503050406030204" pitchFamily="18" charset="0"/>
-                            </a:rPr>
-                            <m:t>=</m:t>
-                          </m:r>
-                          <m:r>
-                            <a:rPr lang="en-US" sz="2000" i="1">
-                              <a:solidFill>
-                                <a:srgbClr val="000000"/>
-                              </a:solidFill>
-                              <a:latin typeface="Cambria Math" panose="02040503050406030204" pitchFamily="18" charset="0"/>
-                            </a:rPr>
                             <m:t>𝑒</m:t>
                           </m:r>
                         </m:sub>
@@ -27212,24 +27086,6 @@
                               </m:ctrlPr>
                             </m:naryPr>
                             <m:sub>
-                              <m:r>
-                                <a:rPr lang="en-US" sz="2000" i="1">
-                                  <a:solidFill>
-                                    <a:srgbClr val="000000"/>
-                                  </a:solidFill>
-                                  <a:latin typeface="Cambria Math" panose="02040503050406030204" pitchFamily="18" charset="0"/>
-                                </a:rPr>
-                                <m:t>𝐴</m:t>
-                              </m:r>
-                              <m:r>
-                                <a:rPr lang="en-US" sz="2000" i="1">
-                                  <a:solidFill>
-                                    <a:srgbClr val="000000"/>
-                                  </a:solidFill>
-                                  <a:latin typeface="Cambria Math" panose="02040503050406030204" pitchFamily="18" charset="0"/>
-                                </a:rPr>
-                                <m:t>=</m:t>
-                              </m:r>
                               <m:r>
                                 <a:rPr lang="en-US" sz="2000" i="1">
                                   <a:solidFill>
@@ -27454,7 +27310,7 @@
               <a:blipFill>
                 <a:blip r:embed="rId5"/>
                 <a:stretch>
-                  <a:fillRect r="-4388"/>
+                  <a:fillRect r="-2793"/>
                 </a:stretch>
               </a:blipFill>
             </p:spPr>
@@ -27532,7 +27388,7 @@
             <p:spPr>
               <a:xfrm>
                 <a:off x="7559888" y="3937119"/>
-                <a:ext cx="473142" cy="521681"/>
+                <a:ext cx="473142" cy="522835"/>
               </a:xfrm>
               <a:prstGeom prst="rect">
                 <a:avLst/>
@@ -27567,7 +27423,7 @@
                             <a:rPr lang="en-US" sz="1400" b="0" i="1" smtClean="0">
                               <a:latin typeface="Cambria Math" panose="02040503050406030204" pitchFamily="18" charset="0"/>
                             </a:rPr>
-                            <m:t>𝐸</m:t>
+                            <m:t>𝑒</m:t>
                           </m:r>
                         </m:sub>
                         <m:sup/>
@@ -27576,7 +27432,7 @@
                     </m:oMath>
                   </m:oMathPara>
                 </a14:m>
-                <a:endParaRPr lang="en-US" sz="1400" dirty="0"/>
+                <a:endParaRPr lang="en-US" sz="1200" dirty="0"/>
               </a:p>
             </p:txBody>
           </p:sp>
@@ -27599,7 +27455,7 @@
             <p:spPr>
               <a:xfrm>
                 <a:off x="7559888" y="3937119"/>
-                <a:ext cx="473142" cy="521681"/>
+                <a:ext cx="473142" cy="522835"/>
               </a:xfrm>
               <a:prstGeom prst="rect">
                 <a:avLst/>
@@ -27607,7 +27463,7 @@
               <a:blipFill>
                 <a:blip r:embed="rId6"/>
                 <a:stretch>
-                  <a:fillRect l="-135897" t="-147059" r="-147436" b="-207059"/>
+                  <a:fillRect l="-135897" t="-145349" r="-147436" b="-203488"/>
                 </a:stretch>
               </a:blipFill>
             </p:spPr>
@@ -27675,13 +27531,10 @@
                         </m:naryPr>
                         <m:sub>
                           <m:r>
-                            <m:rPr>
-                              <m:brk m:alnAt="7"/>
-                            </m:rPr>
                             <a:rPr lang="en-US" sz="1400" b="0" i="1" smtClean="0">
                               <a:latin typeface="Cambria Math" panose="02040503050406030204" pitchFamily="18" charset="0"/>
                             </a:rPr>
-                            <m:t>𝐴</m:t>
+                            <m:t>𝑎</m:t>
                           </m:r>
                         </m:sub>
                         <m:sup/>
@@ -31998,8 +31851,8 @@
           </a:p>
         </p:txBody>
       </p:sp>
-      <mc:AlternateContent xmlns:mc="http://schemas.openxmlformats.org/markup-compatibility/2006" xmlns:a14="http://schemas.microsoft.com/office/drawing/2010/main">
-        <mc:Choice Requires="a14">
+      <mc:AlternateContent xmlns:mc="http://schemas.openxmlformats.org/markup-compatibility/2006">
+        <mc:Choice xmlns:a14="http://schemas.microsoft.com/office/drawing/2010/main" Requires="a14">
           <p:sp>
             <p:nvSpPr>
               <p:cNvPr id="3" name="Content Placeholder 2"/>
@@ -32089,7 +31942,7 @@
                 </a:r>
                 <a:r>
                   <a:rPr lang="en-US" sz="2400" dirty="0"/>
-                  <a:t>for sampling and estimate the probably for the non-evidence variables</a:t>
+                  <a:t>for sampling and estimate the probably for the non-evidence variables using prior-sampling.</a:t>
                 </a:r>
               </a:p>
               <a:p>
@@ -32342,11 +32195,54 @@
                         </a:rPr>
                         <m:t>=</m:t>
                       </m:r>
+                      <m:f>
+                        <m:fPr>
+                          <m:ctrlPr>
+                            <a:rPr lang="en-US" sz="2400" b="0" i="1" smtClean="0">
+                              <a:latin typeface="Cambria Math" panose="02040503050406030204" pitchFamily="18" charset="0"/>
+                            </a:rPr>
+                          </m:ctrlPr>
+                        </m:fPr>
+                        <m:num>
+                          <m:r>
+                            <a:rPr lang="en-US" sz="2400" b="0" i="1" smtClean="0">
+                              <a:latin typeface="Cambria Math" panose="02040503050406030204" pitchFamily="18" charset="0"/>
+                            </a:rPr>
+                            <m:t>1</m:t>
+                          </m:r>
+                        </m:num>
+                        <m:den>
+                          <m:r>
+                            <a:rPr lang="en-US" sz="2400" b="0" i="1" smtClean="0">
+                              <a:latin typeface="Cambria Math" panose="02040503050406030204" pitchFamily="18" charset="0"/>
+                            </a:rPr>
+                            <m:t>𝑃</m:t>
+                          </m:r>
+                          <m:r>
+                            <a:rPr lang="en-US" sz="2400" b="0" i="1" smtClean="0">
+                              <a:latin typeface="Cambria Math" panose="02040503050406030204" pitchFamily="18" charset="0"/>
+                            </a:rPr>
+                            <m:t>(</m:t>
+                          </m:r>
+                          <m:r>
+                            <a:rPr lang="en-US" sz="2400" b="0" i="1" smtClean="0">
+                              <a:latin typeface="Cambria Math" panose="02040503050406030204" pitchFamily="18" charset="0"/>
+                            </a:rPr>
+                            <m:t>𝑒</m:t>
+                          </m:r>
+                          <m:r>
+                            <a:rPr lang="en-US" sz="2400" b="0" i="1" smtClean="0">
+                              <a:latin typeface="Cambria Math" panose="02040503050406030204" pitchFamily="18" charset="0"/>
+                            </a:rPr>
+                            <m:t>)</m:t>
+                          </m:r>
+                        </m:den>
+                      </m:f>
                       <m:r>
                         <a:rPr lang="en-US" sz="2400" b="0" i="1" smtClean="0">
                           <a:latin typeface="Cambria Math" panose="02040503050406030204" pitchFamily="18" charset="0"/>
                         </a:rPr>
-                        <m:t>𝛼</m:t>
+                        <m:t> </m:t>
                       </m:r>
                       <m:nary>
                         <m:naryPr>
@@ -32485,7 +32381,7 @@
             </p:txBody>
           </p:sp>
         </mc:Choice>
-        <mc:Fallback xmlns="">
+        <mc:Fallback>
           <p:sp>
             <p:nvSpPr>
               <p:cNvPr id="3" name="Content Placeholder 2"/>
@@ -32913,6 +32809,289 @@
   <p:clrMapOvr>
     <a:masterClrMapping/>
   </p:clrMapOvr>
+  <p:timing>
+    <p:tnLst>
+      <p:par>
+        <p:cTn id="1" dur="indefinite" restart="never" nodeType="tmRoot">
+          <p:childTnLst>
+            <p:seq concurrent="1" nextAc="seek">
+              <p:cTn id="2" dur="indefinite" nodeType="mainSeq">
+                <p:childTnLst>
+                  <p:par>
+                    <p:cTn id="3" fill="hold">
+                      <p:stCondLst>
+                        <p:cond delay="indefinite"/>
+                      </p:stCondLst>
+                      <p:childTnLst>
+                        <p:par>
+                          <p:cTn id="4" fill="hold">
+                            <p:stCondLst>
+                              <p:cond delay="0"/>
+                            </p:stCondLst>
+                            <p:childTnLst>
+                              <p:par>
+                                <p:cTn id="5" presetID="1" presetClass="entr" presetSubtype="0" fill="hold" nodeType="clickEffect">
+                                  <p:stCondLst>
+                                    <p:cond delay="0"/>
+                                  </p:stCondLst>
+                                  <p:childTnLst>
+                                    <p:set>
+                                      <p:cBhvr>
+                                        <p:cTn id="6" dur="1" fill="hold">
+                                          <p:stCondLst>
+                                            <p:cond delay="0"/>
+                                          </p:stCondLst>
+                                        </p:cTn>
+                                        <p:tgtEl>
+                                          <p:spTgt spid="3">
+                                            <p:txEl>
+                                              <p:pRg st="5" end="5"/>
+                                            </p:txEl>
+                                          </p:spTgt>
+                                        </p:tgtEl>
+                                        <p:attrNameLst>
+                                          <p:attrName>style.visibility</p:attrName>
+                                        </p:attrNameLst>
+                                      </p:cBhvr>
+                                      <p:to>
+                                        <p:strVal val="visible"/>
+                                      </p:to>
+                                    </p:set>
+                                  </p:childTnLst>
+                                </p:cTn>
+                              </p:par>
+                              <p:par>
+                                <p:cTn id="7" presetID="1" presetClass="entr" presetSubtype="0" fill="hold" nodeType="withEffect">
+                                  <p:stCondLst>
+                                    <p:cond delay="0"/>
+                                  </p:stCondLst>
+                                  <p:childTnLst>
+                                    <p:set>
+                                      <p:cBhvr>
+                                        <p:cTn id="8" dur="1" fill="hold">
+                                          <p:stCondLst>
+                                            <p:cond delay="0"/>
+                                          </p:stCondLst>
+                                        </p:cTn>
+                                        <p:tgtEl>
+                                          <p:spTgt spid="3">
+                                            <p:txEl>
+                                              <p:pRg st="6" end="6"/>
+                                            </p:txEl>
+                                          </p:spTgt>
+                                        </p:tgtEl>
+                                        <p:attrNameLst>
+                                          <p:attrName>style.visibility</p:attrName>
+                                        </p:attrNameLst>
+                                      </p:cBhvr>
+                                      <p:to>
+                                        <p:strVal val="visible"/>
+                                      </p:to>
+                                    </p:set>
+                                  </p:childTnLst>
+                                </p:cTn>
+                              </p:par>
+                              <p:par>
+                                <p:cTn id="9" presetID="1" presetClass="entr" presetSubtype="0" fill="hold" nodeType="withEffect">
+                                  <p:stCondLst>
+                                    <p:cond delay="0"/>
+                                  </p:stCondLst>
+                                  <p:childTnLst>
+                                    <p:set>
+                                      <p:cBhvr>
+                                        <p:cTn id="10" dur="1" fill="hold">
+                                          <p:stCondLst>
+                                            <p:cond delay="0"/>
+                                          </p:stCondLst>
+                                        </p:cTn>
+                                        <p:tgtEl>
+                                          <p:spTgt spid="3">
+                                            <p:txEl>
+                                              <p:pRg st="8" end="8"/>
+                                            </p:txEl>
+                                          </p:spTgt>
+                                        </p:tgtEl>
+                                        <p:attrNameLst>
+                                          <p:attrName>style.visibility</p:attrName>
+                                        </p:attrNameLst>
+                                      </p:cBhvr>
+                                      <p:to>
+                                        <p:strVal val="visible"/>
+                                      </p:to>
+                                    </p:set>
+                                  </p:childTnLst>
+                                </p:cTn>
+                              </p:par>
+                              <p:par>
+                                <p:cTn id="11" presetID="1" presetClass="entr" presetSubtype="0" fill="hold" nodeType="withEffect">
+                                  <p:stCondLst>
+                                    <p:cond delay="0"/>
+                                  </p:stCondLst>
+                                  <p:childTnLst>
+                                    <p:set>
+                                      <p:cBhvr>
+                                        <p:cTn id="12" dur="1" fill="hold">
+                                          <p:stCondLst>
+                                            <p:cond delay="0"/>
+                                          </p:stCondLst>
+                                        </p:cTn>
+                                        <p:tgtEl>
+                                          <p:spTgt spid="3">
+                                            <p:txEl>
+                                              <p:pRg st="9" end="9"/>
+                                            </p:txEl>
+                                          </p:spTgt>
+                                        </p:tgtEl>
+                                        <p:attrNameLst>
+                                          <p:attrName>style.visibility</p:attrName>
+                                        </p:attrNameLst>
+                                      </p:cBhvr>
+                                      <p:to>
+                                        <p:strVal val="visible"/>
+                                      </p:to>
+                                    </p:set>
+                                  </p:childTnLst>
+                                </p:cTn>
+                              </p:par>
+                              <p:par>
+                                <p:cTn id="13" presetID="1" presetClass="entr" presetSubtype="0" fill="hold" nodeType="withEffect">
+                                  <p:stCondLst>
+                                    <p:cond delay="0"/>
+                                  </p:stCondLst>
+                                  <p:childTnLst>
+                                    <p:set>
+                                      <p:cBhvr>
+                                        <p:cTn id="14" dur="1" fill="hold">
+                                          <p:stCondLst>
+                                            <p:cond delay="0"/>
+                                          </p:stCondLst>
+                                        </p:cTn>
+                                        <p:tgtEl>
+                                          <p:spTgt spid="11"/>
+                                        </p:tgtEl>
+                                        <p:attrNameLst>
+                                          <p:attrName>style.visibility</p:attrName>
+                                        </p:attrNameLst>
+                                      </p:cBhvr>
+                                      <p:to>
+                                        <p:strVal val="visible"/>
+                                      </p:to>
+                                    </p:set>
+                                  </p:childTnLst>
+                                </p:cTn>
+                              </p:par>
+                              <p:par>
+                                <p:cTn id="15" presetID="1" presetClass="entr" presetSubtype="0" fill="hold" nodeType="withEffect">
+                                  <p:stCondLst>
+                                    <p:cond delay="0"/>
+                                  </p:stCondLst>
+                                  <p:childTnLst>
+                                    <p:set>
+                                      <p:cBhvr>
+                                        <p:cTn id="16" dur="1" fill="hold">
+                                          <p:stCondLst>
+                                            <p:cond delay="0"/>
+                                          </p:stCondLst>
+                                        </p:cTn>
+                                        <p:tgtEl>
+                                          <p:spTgt spid="16"/>
+                                        </p:tgtEl>
+                                        <p:attrNameLst>
+                                          <p:attrName>style.visibility</p:attrName>
+                                        </p:attrNameLst>
+                                      </p:cBhvr>
+                                      <p:to>
+                                        <p:strVal val="visible"/>
+                                      </p:to>
+                                    </p:set>
+                                  </p:childTnLst>
+                                </p:cTn>
+                              </p:par>
+                              <p:par>
+                                <p:cTn id="17" presetID="1" presetClass="entr" presetSubtype="0" fill="hold" nodeType="withEffect">
+                                  <p:stCondLst>
+                                    <p:cond delay="0"/>
+                                  </p:stCondLst>
+                                  <p:childTnLst>
+                                    <p:set>
+                                      <p:cBhvr>
+                                        <p:cTn id="18" dur="1" fill="hold">
+                                          <p:stCondLst>
+                                            <p:cond delay="0"/>
+                                          </p:stCondLst>
+                                        </p:cTn>
+                                        <p:tgtEl>
+                                          <p:spTgt spid="13"/>
+                                        </p:tgtEl>
+                                        <p:attrNameLst>
+                                          <p:attrName>style.visibility</p:attrName>
+                                        </p:attrNameLst>
+                                      </p:cBhvr>
+                                      <p:to>
+                                        <p:strVal val="visible"/>
+                                      </p:to>
+                                    </p:set>
+                                  </p:childTnLst>
+                                </p:cTn>
+                              </p:par>
+                              <p:par>
+                                <p:cTn id="19" presetID="1" presetClass="entr" presetSubtype="0" fill="hold" grpId="0" nodeType="withEffect">
+                                  <p:stCondLst>
+                                    <p:cond delay="0"/>
+                                  </p:stCondLst>
+                                  <p:childTnLst>
+                                    <p:set>
+                                      <p:cBhvr>
+                                        <p:cTn id="20" dur="1" fill="hold">
+                                          <p:stCondLst>
+                                            <p:cond delay="0"/>
+                                          </p:stCondLst>
+                                        </p:cTn>
+                                        <p:tgtEl>
+                                          <p:spTgt spid="7"/>
+                                        </p:tgtEl>
+                                        <p:attrNameLst>
+                                          <p:attrName>style.visibility</p:attrName>
+                                        </p:attrNameLst>
+                                      </p:cBhvr>
+                                      <p:to>
+                                        <p:strVal val="visible"/>
+                                      </p:to>
+                                    </p:set>
+                                  </p:childTnLst>
+                                </p:cTn>
+                              </p:par>
+                            </p:childTnLst>
+                          </p:cTn>
+                        </p:par>
+                      </p:childTnLst>
+                    </p:cTn>
+                  </p:par>
+                </p:childTnLst>
+              </p:cTn>
+              <p:prevCondLst>
+                <p:cond evt="onPrev" delay="0">
+                  <p:tgtEl>
+                    <p:sldTgt/>
+                  </p:tgtEl>
+                </p:cond>
+              </p:prevCondLst>
+              <p:nextCondLst>
+                <p:cond evt="onNext" delay="0">
+                  <p:tgtEl>
+                    <p:sldTgt/>
+                  </p:tgtEl>
+                </p:cond>
+              </p:nextCondLst>
+            </p:seq>
+          </p:childTnLst>
+        </p:cTn>
+      </p:par>
+    </p:tnLst>
+    <p:bldLst>
+      <p:bldP spid="7" grpId="0"/>
+    </p:bldLst>
+  </p:timing>
 </p:sld>
 </file>
 
@@ -34338,8 +34517,8 @@
           </a:p>
         </p:txBody>
       </p:sp>
-      <mc:AlternateContent xmlns:mc="http://schemas.openxmlformats.org/markup-compatibility/2006" xmlns:a14="http://schemas.microsoft.com/office/drawing/2010/main">
-        <mc:Choice Requires="a14">
+      <mc:AlternateContent xmlns:mc="http://schemas.openxmlformats.org/markup-compatibility/2006">
+        <mc:Choice xmlns:a14="http://schemas.microsoft.com/office/drawing/2010/main" Requires="a14">
           <p:sp>
             <p:nvSpPr>
               <p:cNvPr id="3" name="Content Placeholder 2">
@@ -34493,7 +34672,7 @@
                 </a:pPr>
                 <a:r>
                   <a:rPr lang="en-US" sz="1700" dirty="0"/>
-                  <a:t>Determine states and calculate transition probabilities of the Markov chain for the query using </a:t>
+                  <a:t>Determine states and calculate transition probabilities of the Markov chain for changing one variable using </a:t>
                 </a:r>
                 <a14:m>
                   <m:oMath xmlns:m="http://schemas.openxmlformats.org/officeDocument/2006/math">
@@ -34602,7 +34781,7 @@
                 </a:pPr>
                 <a:r>
                   <a:rPr lang="en-US" sz="1700" dirty="0"/>
-                  <a:t>The algorithm wanders around in this graph using the stated transition probabilities.</a:t>
+                  <a:t>The algorithm randomly wanders around in this graph using the stated transition probabilities.</a:t>
                 </a:r>
               </a:p>
               <a:p>
@@ -34878,7 +35057,7 @@
             </p:txBody>
           </p:sp>
         </mc:Choice>
-        <mc:Fallback xmlns="">
+        <mc:Fallback>
           <p:sp>
             <p:nvSpPr>
               <p:cNvPr id="3" name="Content Placeholder 2">
@@ -35459,6 +35638,180 @@
           </a:p>
         </p:txBody>
       </p:sp>
+      <p:sp>
+        <p:nvSpPr>
+          <p:cNvPr id="4" name="Oval 3">
+            <a:extLst>
+              <a:ext uri="{FF2B5EF4-FFF2-40B4-BE49-F238E27FC236}">
+                <a16:creationId xmlns:a16="http://schemas.microsoft.com/office/drawing/2014/main" id="{CE50C877-3FB6-A069-44E2-79A5D33DF7DA}"/>
+              </a:ext>
+            </a:extLst>
+          </p:cNvPr>
+          <p:cNvSpPr/>
+          <p:nvPr/>
+        </p:nvSpPr>
+        <p:spPr>
+          <a:xfrm>
+            <a:off x="5729486" y="3657600"/>
+            <a:ext cx="1204714" cy="2341423"/>
+          </a:xfrm>
+          <a:prstGeom prst="ellipse">
+            <a:avLst/>
+          </a:prstGeom>
+          <a:solidFill>
+            <a:schemeClr val="accent3">
+              <a:alpha val="50000"/>
+            </a:schemeClr>
+          </a:solidFill>
+          <a:ln>
+            <a:noFill/>
+          </a:ln>
+        </p:spPr>
+        <p:style>
+          <a:lnRef idx="0">
+            <a:scrgbClr r="0" g="0" b="0"/>
+          </a:lnRef>
+          <a:fillRef idx="0">
+            <a:scrgbClr r="0" g="0" b="0"/>
+          </a:fillRef>
+          <a:effectRef idx="0">
+            <a:scrgbClr r="0" g="0" b="0"/>
+          </a:effectRef>
+          <a:fontRef idx="minor">
+            <a:schemeClr val="lt1"/>
+          </a:fontRef>
+        </p:style>
+        <p:txBody>
+          <a:bodyPr rtlCol="0" anchor="ctr"/>
+          <a:lstStyle/>
+          <a:p>
+            <a:pPr algn="ctr"/>
+            <a:endParaRPr lang="en-US"/>
+          </a:p>
+        </p:txBody>
+      </p:sp>
+      <p:sp>
+        <p:nvSpPr>
+          <p:cNvPr id="6" name="Oval 5">
+            <a:extLst>
+              <a:ext uri="{FF2B5EF4-FFF2-40B4-BE49-F238E27FC236}">
+                <a16:creationId xmlns:a16="http://schemas.microsoft.com/office/drawing/2014/main" id="{FEA012B2-212A-D8C3-44A7-1E672FF2195D}"/>
+              </a:ext>
+            </a:extLst>
+          </p:cNvPr>
+          <p:cNvSpPr/>
+          <p:nvPr/>
+        </p:nvSpPr>
+        <p:spPr>
+          <a:xfrm>
+            <a:off x="7298295" y="3613845"/>
+            <a:ext cx="1204714" cy="2341423"/>
+          </a:xfrm>
+          <a:prstGeom prst="ellipse">
+            <a:avLst/>
+          </a:prstGeom>
+          <a:solidFill>
+            <a:schemeClr val="accent3">
+              <a:alpha val="50000"/>
+            </a:schemeClr>
+          </a:solidFill>
+          <a:ln>
+            <a:noFill/>
+          </a:ln>
+        </p:spPr>
+        <p:style>
+          <a:lnRef idx="0">
+            <a:scrgbClr r="0" g="0" b="0"/>
+          </a:lnRef>
+          <a:fillRef idx="0">
+            <a:scrgbClr r="0" g="0" b="0"/>
+          </a:fillRef>
+          <a:effectRef idx="0">
+            <a:scrgbClr r="0" g="0" b="0"/>
+          </a:effectRef>
+          <a:fontRef idx="minor">
+            <a:schemeClr val="lt1"/>
+          </a:fontRef>
+        </p:style>
+        <p:txBody>
+          <a:bodyPr rtlCol="0" anchor="ctr"/>
+          <a:lstStyle/>
+          <a:p>
+            <a:pPr algn="ctr"/>
+            <a:endParaRPr lang="en-US"/>
+          </a:p>
+        </p:txBody>
+      </p:sp>
+      <p:sp>
+        <p:nvSpPr>
+          <p:cNvPr id="8" name="TextBox 7">
+            <a:extLst>
+              <a:ext uri="{FF2B5EF4-FFF2-40B4-BE49-F238E27FC236}">
+                <a16:creationId xmlns:a16="http://schemas.microsoft.com/office/drawing/2014/main" id="{A9184829-011D-3B2A-B827-3891852135FB}"/>
+              </a:ext>
+            </a:extLst>
+          </p:cNvPr>
+          <p:cNvSpPr txBox="1"/>
+          <p:nvPr/>
+        </p:nvSpPr>
+        <p:spPr>
+          <a:xfrm>
+            <a:off x="5818587" y="4403556"/>
+            <a:ext cx="1080911" cy="369332"/>
+          </a:xfrm>
+          <a:prstGeom prst="rect">
+            <a:avLst/>
+          </a:prstGeom>
+          <a:noFill/>
+        </p:spPr>
+        <p:txBody>
+          <a:bodyPr wrap="square" rtlCol="0">
+            <a:spAutoFit/>
+          </a:bodyPr>
+          <a:lstStyle/>
+          <a:p>
+            <a:r>
+              <a:rPr lang="en-US" dirty="0"/>
+              <a:t>20 visits</a:t>
+            </a:r>
+          </a:p>
+        </p:txBody>
+      </p:sp>
+      <p:sp>
+        <p:nvSpPr>
+          <p:cNvPr id="11" name="TextBox 10">
+            <a:extLst>
+              <a:ext uri="{FF2B5EF4-FFF2-40B4-BE49-F238E27FC236}">
+                <a16:creationId xmlns:a16="http://schemas.microsoft.com/office/drawing/2014/main" id="{11BA2DC7-4877-B22F-2B55-C6DD696AABCA}"/>
+              </a:ext>
+            </a:extLst>
+          </p:cNvPr>
+          <p:cNvSpPr txBox="1"/>
+          <p:nvPr/>
+        </p:nvSpPr>
+        <p:spPr>
+          <a:xfrm>
+            <a:off x="7399331" y="4381945"/>
+            <a:ext cx="1080911" cy="369332"/>
+          </a:xfrm>
+          <a:prstGeom prst="rect">
+            <a:avLst/>
+          </a:prstGeom>
+          <a:noFill/>
+        </p:spPr>
+        <p:txBody>
+          <a:bodyPr wrap="square" rtlCol="0">
+            <a:spAutoFit/>
+          </a:bodyPr>
+          <a:lstStyle/>
+          <a:p>
+            <a:r>
+              <a:rPr lang="en-US" dirty="0"/>
+              <a:t>60 visits</a:t>
+            </a:r>
+          </a:p>
+        </p:txBody>
+      </p:sp>
     </p:spTree>
     <p:extLst>
       <p:ext uri="{BB962C8B-B14F-4D97-AF65-F5344CB8AC3E}">
@@ -35650,15 +36003,33 @@
                                   </p:childTnLst>
                                 </p:cTn>
                               </p:par>
+                            </p:childTnLst>
+                          </p:cTn>
+                        </p:par>
+                      </p:childTnLst>
+                    </p:cTn>
+                  </p:par>
+                  <p:par>
+                    <p:cTn id="17" fill="hold">
+                      <p:stCondLst>
+                        <p:cond delay="indefinite"/>
+                      </p:stCondLst>
+                      <p:childTnLst>
+                        <p:par>
+                          <p:cTn id="18" fill="hold">
+                            <p:stCondLst>
+                              <p:cond delay="0"/>
+                            </p:stCondLst>
+                            <p:childTnLst>
                               <p:par>
-                                <p:cTn id="17" presetID="1" presetClass="entr" presetSubtype="0" fill="hold" nodeType="withEffect">
+                                <p:cTn id="19" presetID="1" presetClass="entr" presetSubtype="0" fill="hold" nodeType="clickEffect">
                                   <p:stCondLst>
                                     <p:cond delay="0"/>
                                   </p:stCondLst>
                                   <p:childTnLst>
                                     <p:set>
                                       <p:cBhvr>
-                                        <p:cTn id="18" dur="1" fill="hold">
+                                        <p:cTn id="20" dur="1" fill="hold">
                                           <p:stCondLst>
                                             <p:cond delay="0"/>
                                           </p:stCondLst>
@@ -35682,14 +36053,122 @@
                                 </p:cTn>
                               </p:par>
                               <p:par>
-                                <p:cTn id="19" presetID="1" presetClass="entr" presetSubtype="0" fill="hold" nodeType="withEffect">
+                                <p:cTn id="21" presetID="1" presetClass="entr" presetSubtype="0" fill="hold" grpId="0" nodeType="withEffect">
                                   <p:stCondLst>
                                     <p:cond delay="0"/>
                                   </p:stCondLst>
                                   <p:childTnLst>
                                     <p:set>
                                       <p:cBhvr>
-                                        <p:cTn id="20" dur="1" fill="hold">
+                                        <p:cTn id="22" dur="1" fill="hold">
+                                          <p:stCondLst>
+                                            <p:cond delay="0"/>
+                                          </p:stCondLst>
+                                        </p:cTn>
+                                        <p:tgtEl>
+                                          <p:spTgt spid="4"/>
+                                        </p:tgtEl>
+                                        <p:attrNameLst>
+                                          <p:attrName>style.visibility</p:attrName>
+                                        </p:attrNameLst>
+                                      </p:cBhvr>
+                                      <p:to>
+                                        <p:strVal val="visible"/>
+                                      </p:to>
+                                    </p:set>
+                                  </p:childTnLst>
+                                </p:cTn>
+                              </p:par>
+                              <p:par>
+                                <p:cTn id="23" presetID="1" presetClass="entr" presetSubtype="0" fill="hold" grpId="0" nodeType="withEffect">
+                                  <p:stCondLst>
+                                    <p:cond delay="0"/>
+                                  </p:stCondLst>
+                                  <p:childTnLst>
+                                    <p:set>
+                                      <p:cBhvr>
+                                        <p:cTn id="24" dur="1" fill="hold">
+                                          <p:stCondLst>
+                                            <p:cond delay="0"/>
+                                          </p:stCondLst>
+                                        </p:cTn>
+                                        <p:tgtEl>
+                                          <p:spTgt spid="8"/>
+                                        </p:tgtEl>
+                                        <p:attrNameLst>
+                                          <p:attrName>style.visibility</p:attrName>
+                                        </p:attrNameLst>
+                                      </p:cBhvr>
+                                      <p:to>
+                                        <p:strVal val="visible"/>
+                                      </p:to>
+                                    </p:set>
+                                  </p:childTnLst>
+                                </p:cTn>
+                              </p:par>
+                              <p:par>
+                                <p:cTn id="25" presetID="1" presetClass="entr" presetSubtype="0" fill="hold" grpId="0" nodeType="withEffect">
+                                  <p:stCondLst>
+                                    <p:cond delay="0"/>
+                                  </p:stCondLst>
+                                  <p:childTnLst>
+                                    <p:set>
+                                      <p:cBhvr>
+                                        <p:cTn id="26" dur="1" fill="hold">
+                                          <p:stCondLst>
+                                            <p:cond delay="0"/>
+                                          </p:stCondLst>
+                                        </p:cTn>
+                                        <p:tgtEl>
+                                          <p:spTgt spid="11"/>
+                                        </p:tgtEl>
+                                        <p:attrNameLst>
+                                          <p:attrName>style.visibility</p:attrName>
+                                        </p:attrNameLst>
+                                      </p:cBhvr>
+                                      <p:to>
+                                        <p:strVal val="visible"/>
+                                      </p:to>
+                                    </p:set>
+                                  </p:childTnLst>
+                                </p:cTn>
+                              </p:par>
+                              <p:par>
+                                <p:cTn id="27" presetID="1" presetClass="entr" presetSubtype="0" fill="hold" grpId="0" nodeType="withEffect">
+                                  <p:stCondLst>
+                                    <p:cond delay="0"/>
+                                  </p:stCondLst>
+                                  <p:childTnLst>
+                                    <p:set>
+                                      <p:cBhvr>
+                                        <p:cTn id="28" dur="1" fill="hold">
+                                          <p:stCondLst>
+                                            <p:cond delay="0"/>
+                                          </p:stCondLst>
+                                        </p:cTn>
+                                        <p:tgtEl>
+                                          <p:spTgt spid="6"/>
+                                        </p:tgtEl>
+                                        <p:attrNameLst>
+                                          <p:attrName>style.visibility</p:attrName>
+                                        </p:attrNameLst>
+                                      </p:cBhvr>
+                                      <p:to>
+                                        <p:strVal val="visible"/>
+                                      </p:to>
+                                    </p:set>
+                                  </p:childTnLst>
+                                </p:cTn>
+                              </p:par>
+                              <p:par>
+                                <p:cTn id="29" presetID="1" presetClass="entr" presetSubtype="0" fill="hold" nodeType="withEffect">
+                                  <p:stCondLst>
+                                    <p:cond delay="0"/>
+                                  </p:stCondLst>
+                                  <p:childTnLst>
+                                    <p:set>
+                                      <p:cBhvr>
+                                        <p:cTn id="30" dur="1" fill="hold">
                                           <p:stCondLst>
                                             <p:cond delay="0"/>
                                           </p:stCondLst>
@@ -35712,15 +36191,33 @@
                                   </p:childTnLst>
                                 </p:cTn>
                               </p:par>
+                            </p:childTnLst>
+                          </p:cTn>
+                        </p:par>
+                      </p:childTnLst>
+                    </p:cTn>
+                  </p:par>
+                  <p:par>
+                    <p:cTn id="31" fill="hold">
+                      <p:stCondLst>
+                        <p:cond delay="indefinite"/>
+                      </p:stCondLst>
+                      <p:childTnLst>
+                        <p:par>
+                          <p:cTn id="32" fill="hold">
+                            <p:stCondLst>
+                              <p:cond delay="0"/>
+                            </p:stCondLst>
+                            <p:childTnLst>
                               <p:par>
-                                <p:cTn id="21" presetID="1" presetClass="entr" presetSubtype="0" fill="hold" nodeType="withEffect">
+                                <p:cTn id="33" presetID="1" presetClass="entr" presetSubtype="0" fill="hold" nodeType="clickEffect">
                                   <p:stCondLst>
                                     <p:cond delay="0"/>
                                   </p:stCondLst>
                                   <p:childTnLst>
                                     <p:set>
                                       <p:cBhvr>
-                                        <p:cTn id="22" dur="1" fill="hold">
+                                        <p:cTn id="34" dur="1" fill="hold">
                                           <p:stCondLst>
                                             <p:cond delay="0"/>
                                           </p:stCondLst>
@@ -35773,6 +36270,10 @@
     <p:bldLst>
       <p:bldP spid="7" grpId="0"/>
       <p:bldP spid="26" grpId="0" animBg="1"/>
+      <p:bldP spid="4" grpId="0" animBg="1"/>
+      <p:bldP spid="6" grpId="0" animBg="1"/>
+      <p:bldP spid="8" grpId="0"/>
+      <p:bldP spid="11" grpId="0"/>
     </p:bldLst>
   </p:timing>
 </p:sld>
@@ -35862,13 +36363,22 @@
         </p:spPr>
         <p:txBody>
           <a:bodyPr>
-            <a:normAutofit/>
+            <a:normAutofit lnSpcReduction="10000"/>
           </a:bodyPr>
           <a:lstStyle/>
           <a:p>
             <a:r>
               <a:rPr lang="en-US" sz="1700" dirty="0"/>
-              <a:t>Bayesian networks provide an efficient way to store a probabilistic model by exploiting (conditional) independence between variables.</a:t>
+              <a:t>Bayesian networks provide an efficient way to store a complete probabilistic model by exploiting (conditional) independence between variables.</a:t>
+            </a:r>
+          </a:p>
+          <a:p>
+            <a:endParaRPr lang="en-US" sz="1700" dirty="0"/>
+          </a:p>
+          <a:p>
+            <a:r>
+              <a:rPr lang="en-US" sz="1700" dirty="0"/>
+              <a:t>Inference means querying the model for a conditional probability given some evidence.</a:t>
             </a:r>
           </a:p>
           <a:p>
@@ -35880,7 +36390,7 @@
           <a:p>
             <a:r>
               <a:rPr lang="en-US" sz="1700" dirty="0"/>
-              <a:t>Exact Inference (estimating conditional probabilities) is difficult, for all but tiny models.</a:t>
+              <a:t>Exact inference is difficult, for all but tiny models.</a:t>
             </a:r>
           </a:p>
           <a:p>

--- a/slides/13_bayes_nets.pptx
+++ b/slides/13_bayes_nets.pptx
@@ -9097,7 +9097,7 @@
             <a:fld id="{71CA99E0-E95C-4F1B-B0F2-4565A2B40149}" type="datetimeFigureOut">
               <a:rPr lang="en-US" smtClean="0"/>
               <a:pPr/>
-              <a:t>12/7/2024</a:t>
+              <a:t>4/7/2025</a:t>
             </a:fld>
             <a:endParaRPr lang="en-US"/>
           </a:p>
@@ -15754,172 +15754,6 @@
           </a:p>
         </p:txBody>
       </p:sp>
-      <p:pic>
-        <p:nvPicPr>
-          <p:cNvPr id="9" name="Picture 4" descr="Creative Commons License">
-            <a:extLst>
-              <a:ext uri="{FF2B5EF4-FFF2-40B4-BE49-F238E27FC236}">
-                <a16:creationId xmlns:a16="http://schemas.microsoft.com/office/drawing/2014/main" id="{0AD0BBEF-04D2-4029-9D1B-DF00D93AA681}"/>
-              </a:ext>
-            </a:extLst>
-          </p:cNvPr>
-          <p:cNvPicPr>
-            <a:picLocks noChangeAspect="1" noChangeArrowheads="1"/>
-          </p:cNvPicPr>
-          <p:nvPr/>
-        </p:nvPicPr>
-        <p:blipFill>
-          <a:blip r:embed="rId4">
-            <a:extLst>
-              <a:ext uri="{28A0092B-C50C-407E-A947-70E740481C1C}">
-                <a14:useLocalDpi xmlns:a14="http://schemas.microsoft.com/office/drawing/2010/main" val="0"/>
-              </a:ext>
-            </a:extLst>
-          </a:blip>
-          <a:srcRect/>
-          <a:stretch>
-            <a:fillRect/>
-          </a:stretch>
-        </p:blipFill>
-        <p:spPr bwMode="auto">
-          <a:xfrm>
-            <a:off x="418994" y="6433889"/>
-            <a:ext cx="838200" cy="295275"/>
-          </a:xfrm>
-          <a:prstGeom prst="rect">
-            <a:avLst/>
-          </a:prstGeom>
-          <a:noFill/>
-          <a:extLst>
-            <a:ext uri="{909E8E84-426E-40DD-AFC4-6F175D3DCCD1}">
-              <a14:hiddenFill xmlns:a14="http://schemas.microsoft.com/office/drawing/2010/main">
-                <a:solidFill>
-                  <a:srgbClr val="FFFFFF"/>
-                </a:solidFill>
-              </a14:hiddenFill>
-            </a:ext>
-          </a:extLst>
-        </p:spPr>
-      </p:pic>
-      <p:sp>
-        <p:nvSpPr>
-          <p:cNvPr id="10" name="TextBox 9">
-            <a:extLst>
-              <a:ext uri="{FF2B5EF4-FFF2-40B4-BE49-F238E27FC236}">
-                <a16:creationId xmlns:a16="http://schemas.microsoft.com/office/drawing/2014/main" id="{E869B50F-5FA0-48AC-97C2-26D303441FB9}"/>
-              </a:ext>
-            </a:extLst>
-          </p:cNvPr>
-          <p:cNvSpPr txBox="1"/>
-          <p:nvPr/>
-        </p:nvSpPr>
-        <p:spPr>
-          <a:xfrm>
-            <a:off x="1219200" y="6324600"/>
-            <a:ext cx="3017521" cy="430887"/>
-          </a:xfrm>
-          <a:prstGeom prst="rect">
-            <a:avLst/>
-          </a:prstGeom>
-          <a:noFill/>
-        </p:spPr>
-        <p:txBody>
-          <a:bodyPr wrap="square">
-            <a:spAutoFit/>
-          </a:bodyPr>
-          <a:lstStyle/>
-          <a:p>
-            <a:r>
-              <a:rPr lang="en-US" sz="1100" b="0" i="0" dirty="0">
-                <a:solidFill>
-                  <a:schemeClr val="tx1">
-                    <a:lumMod val="50000"/>
-                  </a:schemeClr>
-                </a:solidFill>
-                <a:effectLst/>
-                <a:latin typeface="source sans pro" panose="020B0503030403020204" pitchFamily="34" charset="0"/>
-              </a:rPr>
-              <a:t>This work is licensed under a </a:t>
-            </a:r>
-            <a:r>
-              <a:rPr lang="en-US" sz="1100" b="0" i="0" strike="noStrike" dirty="0">
-                <a:solidFill>
-                  <a:schemeClr val="tx1">
-                    <a:lumMod val="50000"/>
-                  </a:schemeClr>
-                </a:solidFill>
-                <a:effectLst/>
-                <a:latin typeface="source sans pro" panose="020B0503030403020204" pitchFamily="34" charset="0"/>
-                <a:hlinkClick r:id="rId5">
-                  <a:extLst>
-                    <a:ext uri="{A12FA001-AC4F-418D-AE19-62706E023703}">
-                      <ahyp:hlinkClr xmlns:ahyp="http://schemas.microsoft.com/office/drawing/2018/hyperlinkcolor" val="tx"/>
-                    </a:ext>
-                  </a:extLst>
-                </a:hlinkClick>
-              </a:rPr>
-              <a:t>Creative Commons Attribution-</a:t>
-            </a:r>
-            <a:r>
-              <a:rPr lang="en-US" sz="1100" b="0" i="0" strike="noStrike" dirty="0" err="1">
-                <a:solidFill>
-                  <a:schemeClr val="tx1">
-                    <a:lumMod val="50000"/>
-                  </a:schemeClr>
-                </a:solidFill>
-                <a:effectLst/>
-                <a:latin typeface="source sans pro" panose="020B0503030403020204" pitchFamily="34" charset="0"/>
-                <a:hlinkClick r:id="rId5">
-                  <a:extLst>
-                    <a:ext uri="{A12FA001-AC4F-418D-AE19-62706E023703}">
-                      <ahyp:hlinkClr xmlns:ahyp="http://schemas.microsoft.com/office/drawing/2018/hyperlinkcolor" val="tx"/>
-                    </a:ext>
-                  </a:extLst>
-                </a:hlinkClick>
-              </a:rPr>
-              <a:t>ShareAlike</a:t>
-            </a:r>
-            <a:r>
-              <a:rPr lang="en-US" sz="1100" b="0" i="0" strike="noStrike" dirty="0">
-                <a:solidFill>
-                  <a:schemeClr val="tx1">
-                    <a:lumMod val="50000"/>
-                  </a:schemeClr>
-                </a:solidFill>
-                <a:effectLst/>
-                <a:latin typeface="source sans pro" panose="020B0503030403020204" pitchFamily="34" charset="0"/>
-                <a:hlinkClick r:id="rId5">
-                  <a:extLst>
-                    <a:ext uri="{A12FA001-AC4F-418D-AE19-62706E023703}">
-                      <ahyp:hlinkClr xmlns:ahyp="http://schemas.microsoft.com/office/drawing/2018/hyperlinkcolor" val="tx"/>
-                    </a:ext>
-                  </a:extLst>
-                </a:hlinkClick>
-              </a:rPr>
-              <a:t> 4.0 International License</a:t>
-            </a:r>
-            <a:r>
-              <a:rPr lang="en-US" sz="1100" b="0" i="0" dirty="0">
-                <a:solidFill>
-                  <a:schemeClr val="tx1">
-                    <a:lumMod val="50000"/>
-                  </a:schemeClr>
-                </a:solidFill>
-                <a:effectLst/>
-                <a:latin typeface="source sans pro" panose="020B0503030403020204" pitchFamily="34" charset="0"/>
-              </a:rPr>
-              <a:t>.</a:t>
-            </a:r>
-            <a:endParaRPr lang="en-US" sz="1100" dirty="0">
-              <a:solidFill>
-                <a:schemeClr val="tx1">
-                  <a:lumMod val="50000"/>
-                </a:schemeClr>
-              </a:solidFill>
-            </a:endParaRPr>
-          </a:p>
-        </p:txBody>
-      </p:sp>
       <p:grpSp>
         <p:nvGrpSpPr>
           <p:cNvPr id="2" name="Group 1">
@@ -16003,7 +15837,7 @@
             <p:nvPr/>
           </p:nvPicPr>
           <p:blipFill>
-            <a:blip r:embed="rId6">
+            <a:blip r:embed="rId4">
               <a:extLst>
                 <a:ext uri="{28A0092B-C50C-407E-A947-70E740481C1C}">
                   <a14:useLocalDpi xmlns:a14="http://schemas.microsoft.com/office/drawing/2010/main" val="0"/>
@@ -16073,6 +15907,193 @@
             </a:p>
           </p:txBody>
         </p:sp>
+      </p:grpSp>
+      <p:grpSp>
+        <p:nvGrpSpPr>
+          <p:cNvPr id="8" name="Group 7">
+            <a:extLst>
+              <a:ext uri="{FF2B5EF4-FFF2-40B4-BE49-F238E27FC236}">
+                <a16:creationId xmlns:a16="http://schemas.microsoft.com/office/drawing/2014/main" id="{8731AB98-891C-96D4-6A34-D1DD20437678}"/>
+              </a:ext>
+            </a:extLst>
+          </p:cNvPr>
+          <p:cNvGrpSpPr/>
+          <p:nvPr/>
+        </p:nvGrpSpPr>
+        <p:grpSpPr>
+          <a:xfrm>
+            <a:off x="324195" y="5910064"/>
+            <a:ext cx="3017521" cy="814099"/>
+            <a:chOff x="1219200" y="5941388"/>
+            <a:chExt cx="3017521" cy="814099"/>
+          </a:xfrm>
+        </p:grpSpPr>
+        <p:sp>
+          <p:nvSpPr>
+            <p:cNvPr id="11" name="TextBox 10">
+              <a:extLst>
+                <a:ext uri="{FF2B5EF4-FFF2-40B4-BE49-F238E27FC236}">
+                  <a16:creationId xmlns:a16="http://schemas.microsoft.com/office/drawing/2014/main" id="{65B5547D-E073-93F7-BB05-CC9CF861D4A8}"/>
+                </a:ext>
+              </a:extLst>
+            </p:cNvPr>
+            <p:cNvSpPr txBox="1"/>
+            <p:nvPr/>
+          </p:nvSpPr>
+          <p:spPr>
+            <a:xfrm>
+              <a:off x="1219200" y="6324600"/>
+              <a:ext cx="3017521" cy="430887"/>
+            </a:xfrm>
+            <a:prstGeom prst="rect">
+              <a:avLst/>
+            </a:prstGeom>
+            <a:noFill/>
+          </p:spPr>
+          <p:txBody>
+            <a:bodyPr wrap="square">
+              <a:spAutoFit/>
+            </a:bodyPr>
+            <a:lstStyle/>
+            <a:p>
+              <a:r>
+                <a:rPr lang="en-US" sz="1100" b="0" i="0" dirty="0">
+                  <a:solidFill>
+                    <a:schemeClr val="tx1">
+                      <a:lumMod val="50000"/>
+                    </a:schemeClr>
+                  </a:solidFill>
+                  <a:effectLst/>
+                  <a:latin typeface="source sans pro" panose="020B0503030403020204" pitchFamily="34" charset="0"/>
+                </a:rPr>
+                <a:t>This work is licensed under a </a:t>
+              </a:r>
+              <a:r>
+                <a:rPr lang="en-US" sz="1100" b="0" i="0" strike="noStrike" dirty="0">
+                  <a:solidFill>
+                    <a:schemeClr val="tx1">
+                      <a:lumMod val="50000"/>
+                    </a:schemeClr>
+                  </a:solidFill>
+                  <a:effectLst/>
+                  <a:latin typeface="source sans pro" panose="020B0503030403020204" pitchFamily="34" charset="0"/>
+                  <a:hlinkClick r:id="rId5">
+                    <a:extLst>
+                      <a:ext uri="{A12FA001-AC4F-418D-AE19-62706E023703}">
+                        <ahyp:hlinkClr xmlns:ahyp="http://schemas.microsoft.com/office/drawing/2018/hyperlinkcolor" val="tx"/>
+                      </a:ext>
+                    </a:extLst>
+                  </a:hlinkClick>
+                </a:rPr>
+                <a:t>Creative Commons Attribution-</a:t>
+              </a:r>
+              <a:r>
+                <a:rPr lang="en-US" sz="1100" b="0" i="0" strike="noStrike" dirty="0" err="1">
+                  <a:solidFill>
+                    <a:schemeClr val="tx1">
+                      <a:lumMod val="50000"/>
+                    </a:schemeClr>
+                  </a:solidFill>
+                  <a:effectLst/>
+                  <a:latin typeface="source sans pro" panose="020B0503030403020204" pitchFamily="34" charset="0"/>
+                  <a:hlinkClick r:id="rId5">
+                    <a:extLst>
+                      <a:ext uri="{A12FA001-AC4F-418D-AE19-62706E023703}">
+                        <ahyp:hlinkClr xmlns:ahyp="http://schemas.microsoft.com/office/drawing/2018/hyperlinkcolor" val="tx"/>
+                      </a:ext>
+                    </a:extLst>
+                  </a:hlinkClick>
+                </a:rPr>
+                <a:t>ShareAlike</a:t>
+              </a:r>
+              <a:r>
+                <a:rPr lang="en-US" sz="1100" b="0" i="0" strike="noStrike" dirty="0">
+                  <a:solidFill>
+                    <a:schemeClr val="tx1">
+                      <a:lumMod val="50000"/>
+                    </a:schemeClr>
+                  </a:solidFill>
+                  <a:effectLst/>
+                  <a:latin typeface="source sans pro" panose="020B0503030403020204" pitchFamily="34" charset="0"/>
+                  <a:hlinkClick r:id="rId5">
+                    <a:extLst>
+                      <a:ext uri="{A12FA001-AC4F-418D-AE19-62706E023703}">
+                        <ahyp:hlinkClr xmlns:ahyp="http://schemas.microsoft.com/office/drawing/2018/hyperlinkcolor" val="tx"/>
+                      </a:ext>
+                    </a:extLst>
+                  </a:hlinkClick>
+                </a:rPr>
+                <a:t> 4.0 International License</a:t>
+              </a:r>
+              <a:r>
+                <a:rPr lang="en-US" sz="1100" b="0" i="0" dirty="0">
+                  <a:solidFill>
+                    <a:schemeClr val="tx1">
+                      <a:lumMod val="50000"/>
+                    </a:schemeClr>
+                  </a:solidFill>
+                  <a:effectLst/>
+                  <a:latin typeface="source sans pro" panose="020B0503030403020204" pitchFamily="34" charset="0"/>
+                </a:rPr>
+                <a:t>.</a:t>
+              </a:r>
+              <a:endParaRPr lang="en-US" sz="1100" dirty="0">
+                <a:solidFill>
+                  <a:schemeClr val="tx1">
+                    <a:lumMod val="50000"/>
+                  </a:schemeClr>
+                </a:solidFill>
+              </a:endParaRPr>
+            </a:p>
+          </p:txBody>
+        </p:sp>
+        <p:pic>
+          <p:nvPicPr>
+            <p:cNvPr id="12" name="Picture 2">
+              <a:extLst>
+                <a:ext uri="{FF2B5EF4-FFF2-40B4-BE49-F238E27FC236}">
+                  <a16:creationId xmlns:a16="http://schemas.microsoft.com/office/drawing/2014/main" id="{5451FF3E-FCA8-37A8-9BB4-47B3BE9871B3}"/>
+                </a:ext>
+              </a:extLst>
+            </p:cNvPr>
+            <p:cNvPicPr>
+              <a:picLocks noChangeAspect="1" noChangeArrowheads="1"/>
+            </p:cNvPicPr>
+            <p:nvPr/>
+          </p:nvPicPr>
+          <p:blipFill>
+            <a:blip r:embed="rId6" cstate="print">
+              <a:extLst>
+                <a:ext uri="{28A0092B-C50C-407E-A947-70E740481C1C}">
+                  <a14:useLocalDpi xmlns:a14="http://schemas.microsoft.com/office/drawing/2010/main" val="0"/>
+                </a:ext>
+              </a:extLst>
+            </a:blip>
+            <a:srcRect/>
+            <a:stretch>
+              <a:fillRect/>
+            </a:stretch>
+          </p:blipFill>
+          <p:spPr bwMode="auto">
+            <a:xfrm>
+              <a:off x="1296578" y="5941388"/>
+              <a:ext cx="888838" cy="311093"/>
+            </a:xfrm>
+            <a:prstGeom prst="rect">
+              <a:avLst/>
+            </a:prstGeom>
+            <a:noFill/>
+            <a:extLst>
+              <a:ext uri="{909E8E84-426E-40DD-AFC4-6F175D3DCCD1}">
+                <a14:hiddenFill xmlns:a14="http://schemas.microsoft.com/office/drawing/2010/main">
+                  <a:solidFill>
+                    <a:srgbClr val="FFFFFF"/>
+                  </a:solidFill>
+                </a14:hiddenFill>
+              </a:ext>
+            </a:extLst>
+          </p:spPr>
+        </p:pic>
       </p:grpSp>
     </p:spTree>
     <p:extLst>

--- a/slides/13_bayes_nets.pptx
+++ b/slides/13_bayes_nets.pptx
@@ -16,14 +16,14 @@
     <p:sldId id="260" r:id="rId7"/>
     <p:sldId id="274" r:id="rId8"/>
     <p:sldId id="275" r:id="rId9"/>
-    <p:sldId id="261" r:id="rId10"/>
-    <p:sldId id="262" r:id="rId11"/>
-    <p:sldId id="273" r:id="rId12"/>
-    <p:sldId id="276" r:id="rId13"/>
-    <p:sldId id="264" r:id="rId14"/>
-    <p:sldId id="292" r:id="rId15"/>
-    <p:sldId id="295" r:id="rId16"/>
-    <p:sldId id="281" r:id="rId17"/>
+    <p:sldId id="292" r:id="rId10"/>
+    <p:sldId id="295" r:id="rId11"/>
+    <p:sldId id="281" r:id="rId12"/>
+    <p:sldId id="261" r:id="rId13"/>
+    <p:sldId id="262" r:id="rId14"/>
+    <p:sldId id="273" r:id="rId15"/>
+    <p:sldId id="276" r:id="rId16"/>
+    <p:sldId id="264" r:id="rId17"/>
     <p:sldId id="263" r:id="rId18"/>
     <p:sldId id="265" r:id="rId19"/>
     <p:sldId id="280" r:id="rId20"/>
@@ -166,14 +166,14 @@
             <p14:sldId id="260"/>
             <p14:sldId id="274"/>
             <p14:sldId id="275"/>
+            <p14:sldId id="292"/>
+            <p14:sldId id="295"/>
+            <p14:sldId id="281"/>
             <p14:sldId id="261"/>
             <p14:sldId id="262"/>
             <p14:sldId id="273"/>
             <p14:sldId id="276"/>
             <p14:sldId id="264"/>
-            <p14:sldId id="292"/>
-            <p14:sldId id="295"/>
-            <p14:sldId id="281"/>
             <p14:sldId id="263"/>
             <p14:sldId id="265"/>
             <p14:sldId id="280"/>
@@ -3578,7 +3578,15 @@
           </a:r>
           <a:r>
             <a:rPr lang="en-US" dirty="0"/>
-            <a:t>: Generate samples from the network to estimate joint and conditional probability distributions using Monte Carlo methods.</a:t>
+            <a:t>: Generate samples from the network to estimate joint and conditional probability distributions using </a:t>
+          </a:r>
+          <a:r>
+            <a:rPr lang="en-US" b="1" dirty="0"/>
+            <a:t>Monte Carlo </a:t>
+          </a:r>
+          <a:r>
+            <a:rPr lang="en-US" dirty="0"/>
+            <a:t>methods.</a:t>
           </a:r>
         </a:p>
       </dgm:t>
@@ -5181,7 +5189,15 @@
           </a:r>
           <a:r>
             <a:rPr lang="en-US" sz="2100" kern="1200" dirty="0"/>
-            <a:t>: Generate samples from the network to estimate joint and conditional probability distributions using Monte Carlo methods.</a:t>
+            <a:t>: Generate samples from the network to estimate joint and conditional probability distributions using </a:t>
+          </a:r>
+          <a:r>
+            <a:rPr lang="en-US" sz="2100" b="1" kern="1200" dirty="0"/>
+            <a:t>Monte Carlo </a:t>
+          </a:r>
+          <a:r>
+            <a:rPr lang="en-US" sz="2100" kern="1200" dirty="0"/>
+            <a:t>methods.</a:t>
           </a:r>
         </a:p>
       </dsp:txBody>
@@ -9121,7 +9137,7 @@
             <a:fld id="{71CA99E0-E95C-4F1B-B0F2-4565A2B40149}" type="datetimeFigureOut">
               <a:rPr lang="en-US" smtClean="0"/>
               <a:pPr/>
-              <a:t>4/10/2025</a:t>
+              <a:t>4/11/2025</a:t>
             </a:fld>
             <a:endParaRPr lang="en-US"/>
           </a:p>
@@ -9710,11 +9726,6 @@
         </p:txBody>
       </p:sp>
     </p:spTree>
-    <p:extLst>
-      <p:ext uri="{BB962C8B-B14F-4D97-AF65-F5344CB8AC3E}">
-        <p14:creationId xmlns:p14="http://schemas.microsoft.com/office/powerpoint/2010/main" val="4021691485"/>
-      </p:ext>
-    </p:extLst>
   </p:cSld>
   <p:clrMapOvr>
     <a:masterClrMapping/>
@@ -11785,6 +11796,11 @@
         </p:txBody>
       </p:sp>
     </p:spTree>
+    <p:extLst>
+      <p:ext uri="{BB962C8B-B14F-4D97-AF65-F5344CB8AC3E}">
+        <p14:creationId xmlns:p14="http://schemas.microsoft.com/office/powerpoint/2010/main" val="1859651754"/>
+      </p:ext>
+    </p:extLst>
   </p:cSld>
   <p:clrMapOvr>
     <a:masterClrMapping/>
@@ -11867,6 +11883,11 @@
         </p:txBody>
       </p:sp>
     </p:spTree>
+    <p:extLst>
+      <p:ext uri="{BB962C8B-B14F-4D97-AF65-F5344CB8AC3E}">
+        <p14:creationId xmlns:p14="http://schemas.microsoft.com/office/powerpoint/2010/main" val="2350949350"/>
+      </p:ext>
+    </p:extLst>
   </p:cSld>
   <p:clrMapOvr>
     <a:masterClrMapping/>
@@ -11949,6 +11970,11 @@
         </p:txBody>
       </p:sp>
     </p:spTree>
+    <p:extLst>
+      <p:ext uri="{BB962C8B-B14F-4D97-AF65-F5344CB8AC3E}">
+        <p14:creationId xmlns:p14="http://schemas.microsoft.com/office/powerpoint/2010/main" val="3120342005"/>
+      </p:ext>
+    </p:extLst>
   </p:cSld>
   <p:clrMapOvr>
     <a:masterClrMapping/>
@@ -15947,9 +15973,9 @@
         <p:grpSpPr>
           <a:xfrm>
             <a:off x="324195" y="5935948"/>
-            <a:ext cx="3017521" cy="788215"/>
+            <a:ext cx="3017521" cy="757438"/>
             <a:chOff x="324195" y="5935948"/>
-            <a:chExt cx="3017521" cy="788215"/>
+            <a:chExt cx="3017521" cy="757438"/>
           </a:xfrm>
         </p:grpSpPr>
         <p:sp>
@@ -15967,7 +15993,7 @@
           <p:spPr>
             <a:xfrm>
               <a:off x="324195" y="6293276"/>
-              <a:ext cx="3017521" cy="430887"/>
+              <a:ext cx="3017521" cy="400110"/>
             </a:xfrm>
             <a:prstGeom prst="rect">
               <a:avLst/>
@@ -15981,7 +16007,7 @@
             <a:lstStyle/>
             <a:p>
               <a:r>
-                <a:rPr lang="en-US" sz="1100" b="0" i="0" dirty="0">
+                <a:rPr lang="en-US" sz="1000" b="0" i="0" dirty="0">
                   <a:solidFill>
                     <a:schemeClr val="tx1">
                       <a:lumMod val="50000"/>
@@ -15992,7 +16018,7 @@
                 <a:t>This work is licensed under a </a:t>
               </a:r>
               <a:r>
-                <a:rPr lang="en-US" sz="1100" b="0" i="0" strike="noStrike" dirty="0">
+                <a:rPr lang="en-US" sz="1000" b="0" i="0" strike="noStrike" dirty="0">
                   <a:solidFill>
                     <a:schemeClr val="tx1">
                       <a:lumMod val="50000"/>
@@ -16010,7 +16036,7 @@
                 <a:t>Creative Commons Attribution-</a:t>
               </a:r>
               <a:r>
-                <a:rPr lang="en-US" sz="1100" b="0" i="0" strike="noStrike" dirty="0" err="1">
+                <a:rPr lang="en-US" sz="1000" b="0" i="0" strike="noStrike" dirty="0" err="1">
                   <a:solidFill>
                     <a:schemeClr val="tx1">
                       <a:lumMod val="50000"/>
@@ -16028,7 +16054,7 @@
                 <a:t>ShareAlike</a:t>
               </a:r>
               <a:r>
-                <a:rPr lang="en-US" sz="1100" b="0" i="0" strike="noStrike" dirty="0">
+                <a:rPr lang="en-US" sz="1000" b="0" i="0" strike="noStrike" dirty="0">
                   <a:solidFill>
                     <a:schemeClr val="tx1">
                       <a:lumMod val="50000"/>
@@ -16046,7 +16072,7 @@
                 <a:t> 4.0 International License</a:t>
               </a:r>
               <a:r>
-                <a:rPr lang="en-US" sz="1100" b="0" i="0" dirty="0">
+                <a:rPr lang="en-US" sz="1000" b="0" i="0" dirty="0">
                   <a:solidFill>
                     <a:schemeClr val="tx1">
                       <a:lumMod val="50000"/>
@@ -16056,7 +16082,7 @@
                 </a:rPr>
                 <a:t>.</a:t>
               </a:r>
-              <a:endParaRPr lang="en-US" sz="1100" dirty="0">
+              <a:endParaRPr lang="en-US" sz="1000" dirty="0">
                 <a:solidFill>
                   <a:schemeClr val="tx1">
                     <a:lumMod val="50000"/>
@@ -16146,7 +16172,7 @@
       </p:grpSpPr>
       <p:sp>
         <p:nvSpPr>
-          <p:cNvPr id="8194" name="Rectangle 2"/>
+          <p:cNvPr id="5122" name="Rectangle 2"/>
           <p:cNvSpPr>
             <a:spLocks noGrp="1" noChangeArrowheads="1"/>
           </p:cNvSpPr>
@@ -16161,14 +16187,14 @@
           <a:p>
             <a:r>
               <a:rPr lang="en-US" dirty="0"/>
-              <a:t>Example: Burglar Alarm as a Network</a:t>
+              <a:t>Causal Chains: Conditional Independence</a:t>
             </a:r>
           </a:p>
         </p:txBody>
       </p:sp>
       <p:pic>
         <p:nvPicPr>
-          <p:cNvPr id="8197" name="Picture 5" descr="A network showing that alarm depends on burglary and earthquake, and that johncalls and marycalls each depend on only alarm. "/>
+          <p:cNvPr id="99330" name="Picture 2" descr="A network with a chain of variables where y depends on X and Z depends on Y."/>
           <p:cNvPicPr>
             <a:picLocks noChangeAspect="1" noChangeArrowheads="1"/>
           </p:cNvPicPr>
@@ -16183,8 +16209,8 @@
         </p:blipFill>
         <p:spPr bwMode="auto">
           <a:xfrm>
-            <a:off x="-449389" y="1219200"/>
-            <a:ext cx="8983789" cy="4953000"/>
+            <a:off x="2057400" y="2328763"/>
+            <a:ext cx="5348288" cy="1124398"/>
           </a:xfrm>
           <a:prstGeom prst="rect">
             <a:avLst/>
@@ -16198,10 +16224,923 @@
           </a:ln>
         </p:spPr>
       </p:pic>
+      <mc:AlternateContent xmlns:mc="http://schemas.openxmlformats.org/markup-compatibility/2006" xmlns:a14="http://schemas.microsoft.com/office/drawing/2010/main">
+        <mc:Choice Requires="a14">
+          <p:sp>
+            <p:nvSpPr>
+              <p:cNvPr id="5123" name="Rectangle 3"/>
+              <p:cNvSpPr>
+                <a:spLocks noGrp="1" noChangeArrowheads="1"/>
+              </p:cNvSpPr>
+              <p:nvPr>
+                <p:ph idx="1"/>
+              </p:nvPr>
+            </p:nvSpPr>
+            <p:spPr>
+              <a:xfrm>
+                <a:off x="628650" y="1825625"/>
+                <a:ext cx="7886700" cy="4117975"/>
+              </a:xfrm>
+            </p:spPr>
+            <p:txBody>
+              <a:bodyPr>
+                <a:normAutofit lnSpcReduction="10000"/>
+              </a:bodyPr>
+              <a:lstStyle/>
+              <a:p>
+                <a:r>
+                  <a:rPr lang="en-US" sz="2400" dirty="0"/>
+                  <a:t>Example: </a:t>
+                </a:r>
+                <a:r>
+                  <a:rPr lang="en-US" sz="2400" i="1" dirty="0"/>
+                  <a:t>causal chain</a:t>
+                </a:r>
+              </a:p>
+              <a:p>
+                <a:endParaRPr lang="en-US" sz="2400" i="1" dirty="0"/>
+              </a:p>
+              <a:p>
+                <a:endParaRPr lang="en-US" sz="2400" i="1" dirty="0"/>
+              </a:p>
+              <a:p>
+                <a:endParaRPr lang="en-US" sz="2400" i="1" dirty="0"/>
+              </a:p>
+              <a:p>
+                <a:r>
+                  <a:rPr lang="en-US" sz="2400" dirty="0"/>
+                  <a:t>Is Z independent of X given Y?</a:t>
+                </a:r>
+              </a:p>
+              <a:p>
+                <a:endParaRPr lang="en-US" sz="2400" dirty="0"/>
+              </a:p>
+              <a:p>
+                <a:pPr marL="457200" indent="-457200">
+                  <a:buAutoNum type="arabicPeriod"/>
+                </a:pPr>
+                <a:r>
+                  <a:rPr lang="en-US" sz="2000" dirty="0"/>
+                  <a:t>Conditioning: 	</a:t>
+                </a:r>
+                <a14:m>
+                  <m:oMath xmlns:m="http://schemas.openxmlformats.org/officeDocument/2006/math">
+                    <m:r>
+                      <a:rPr lang="en-US" sz="2000" i="1" smtClean="0">
+                        <a:latin typeface="Cambria Math" panose="02040503050406030204" pitchFamily="18" charset="0"/>
+                      </a:rPr>
+                      <m:t>𝑃</m:t>
+                    </m:r>
+                    <m:d>
+                      <m:dPr>
+                        <m:ctrlPr>
+                          <a:rPr lang="en-US" sz="2000" i="1">
+                            <a:latin typeface="Cambria Math" panose="02040503050406030204" pitchFamily="18" charset="0"/>
+                          </a:rPr>
+                        </m:ctrlPr>
+                      </m:dPr>
+                      <m:e>
+                        <m:r>
+                          <a:rPr lang="en-US" sz="2000" i="1">
+                            <a:latin typeface="Cambria Math" panose="02040503050406030204" pitchFamily="18" charset="0"/>
+                          </a:rPr>
+                          <m:t>𝑋</m:t>
+                        </m:r>
+                        <m:r>
+                          <a:rPr lang="en-US" sz="2000" i="1">
+                            <a:latin typeface="Cambria Math" panose="02040503050406030204" pitchFamily="18" charset="0"/>
+                          </a:rPr>
+                          <m:t>,</m:t>
+                        </m:r>
+                        <m:r>
+                          <a:rPr lang="en-US" sz="2000" i="1">
+                            <a:latin typeface="Cambria Math" panose="02040503050406030204" pitchFamily="18" charset="0"/>
+                          </a:rPr>
+                          <m:t>𝑍</m:t>
+                        </m:r>
+                      </m:e>
+                      <m:e>
+                        <m:r>
+                          <a:rPr lang="en-US" sz="2000" i="1">
+                            <a:latin typeface="Cambria Math" panose="02040503050406030204" pitchFamily="18" charset="0"/>
+                          </a:rPr>
+                          <m:t>𝑌</m:t>
+                        </m:r>
+                      </m:e>
+                    </m:d>
+                    <m:r>
+                      <a:rPr lang="en-US" sz="2000" b="0" i="1" smtClean="0">
+                        <a:latin typeface="Cambria Math" panose="02040503050406030204" pitchFamily="18" charset="0"/>
+                      </a:rPr>
+                      <m:t>= </m:t>
+                    </m:r>
+                    <m:f>
+                      <m:fPr>
+                        <m:ctrlPr>
+                          <a:rPr lang="en-US" sz="2000" b="0" i="1" smtClean="0">
+                            <a:latin typeface="Cambria Math" panose="02040503050406030204" pitchFamily="18" charset="0"/>
+                          </a:rPr>
+                        </m:ctrlPr>
+                      </m:fPr>
+                      <m:num>
+                        <m:r>
+                          <a:rPr lang="en-US" sz="2000" b="0" i="1" smtClean="0">
+                            <a:latin typeface="Cambria Math" panose="02040503050406030204" pitchFamily="18" charset="0"/>
+                          </a:rPr>
+                          <m:t>𝑃</m:t>
+                        </m:r>
+                        <m:r>
+                          <a:rPr lang="en-US" sz="2000" b="0" i="1" smtClean="0">
+                            <a:latin typeface="Cambria Math" panose="02040503050406030204" pitchFamily="18" charset="0"/>
+                          </a:rPr>
+                          <m:t>(</m:t>
+                        </m:r>
+                        <m:r>
+                          <a:rPr lang="en-US" sz="2000" b="0" i="1" smtClean="0">
+                            <a:latin typeface="Cambria Math" panose="02040503050406030204" pitchFamily="18" charset="0"/>
+                          </a:rPr>
+                          <m:t>𝑋</m:t>
+                        </m:r>
+                        <m:r>
+                          <a:rPr lang="en-US" sz="2000" b="0" i="1" smtClean="0">
+                            <a:latin typeface="Cambria Math" panose="02040503050406030204" pitchFamily="18" charset="0"/>
+                          </a:rPr>
+                          <m:t>,</m:t>
+                        </m:r>
+                        <m:r>
+                          <a:rPr lang="en-US" sz="2000" b="0" i="1" smtClean="0">
+                            <a:latin typeface="Cambria Math" panose="02040503050406030204" pitchFamily="18" charset="0"/>
+                          </a:rPr>
+                          <m:t>𝑌</m:t>
+                        </m:r>
+                        <m:r>
+                          <a:rPr lang="en-US" sz="2000" b="0" i="1" smtClean="0">
+                            <a:latin typeface="Cambria Math" panose="02040503050406030204" pitchFamily="18" charset="0"/>
+                          </a:rPr>
+                          <m:t>,</m:t>
+                        </m:r>
+                        <m:r>
+                          <a:rPr lang="en-US" sz="2000" b="0" i="1" smtClean="0">
+                            <a:latin typeface="Cambria Math" panose="02040503050406030204" pitchFamily="18" charset="0"/>
+                          </a:rPr>
+                          <m:t>𝑍</m:t>
+                        </m:r>
+                        <m:r>
+                          <a:rPr lang="en-US" sz="2000" b="0" i="1" smtClean="0">
+                            <a:latin typeface="Cambria Math" panose="02040503050406030204" pitchFamily="18" charset="0"/>
+                          </a:rPr>
+                          <m:t>)</m:t>
+                        </m:r>
+                      </m:num>
+                      <m:den>
+                        <m:r>
+                          <a:rPr lang="en-US" sz="2000" b="0" i="1" smtClean="0">
+                            <a:latin typeface="Cambria Math" panose="02040503050406030204" pitchFamily="18" charset="0"/>
+                          </a:rPr>
+                          <m:t>𝑃</m:t>
+                        </m:r>
+                        <m:r>
+                          <a:rPr lang="en-US" sz="2000" b="0" i="1" smtClean="0">
+                            <a:latin typeface="Cambria Math" panose="02040503050406030204" pitchFamily="18" charset="0"/>
+                          </a:rPr>
+                          <m:t>(</m:t>
+                        </m:r>
+                        <m:r>
+                          <a:rPr lang="en-US" sz="2000" b="0" i="1" smtClean="0">
+                            <a:latin typeface="Cambria Math" panose="02040503050406030204" pitchFamily="18" charset="0"/>
+                          </a:rPr>
+                          <m:t>𝑌</m:t>
+                        </m:r>
+                        <m:r>
+                          <a:rPr lang="en-US" sz="2000" b="0" i="1" smtClean="0">
+                            <a:latin typeface="Cambria Math" panose="02040503050406030204" pitchFamily="18" charset="0"/>
+                          </a:rPr>
+                          <m:t>)</m:t>
+                        </m:r>
+                      </m:den>
+                    </m:f>
+                    <m:r>
+                      <a:rPr lang="en-US" sz="2000" i="1">
+                        <a:latin typeface="Cambria Math" panose="02040503050406030204" pitchFamily="18" charset="0"/>
+                      </a:rPr>
+                      <m:t>=</m:t>
+                    </m:r>
+                    <m:f>
+                      <m:fPr>
+                        <m:ctrlPr>
+                          <a:rPr lang="en-US" sz="2000" i="1">
+                            <a:latin typeface="Cambria Math" panose="02040503050406030204" pitchFamily="18" charset="0"/>
+                          </a:rPr>
+                        </m:ctrlPr>
+                      </m:fPr>
+                      <m:num>
+                        <m:r>
+                          <m:rPr>
+                            <m:nor/>
+                          </m:rPr>
+                          <a:rPr lang="en-US" sz="2000">
+                            <a:latin typeface="Cambria Math" panose="02040503050406030204" pitchFamily="18" charset="0"/>
+                          </a:rPr>
+                          <m:t>P</m:t>
+                        </m:r>
+                        <m:r>
+                          <m:rPr>
+                            <m:nor/>
+                          </m:rPr>
+                          <a:rPr lang="en-US" sz="2000">
+                            <a:latin typeface="Cambria Math" panose="02040503050406030204" pitchFamily="18" charset="0"/>
+                          </a:rPr>
+                          <m:t>(</m:t>
+                        </m:r>
+                        <m:r>
+                          <m:rPr>
+                            <m:nor/>
+                          </m:rPr>
+                          <a:rPr lang="en-US" sz="2000">
+                            <a:latin typeface="Cambria Math" panose="02040503050406030204" pitchFamily="18" charset="0"/>
+                          </a:rPr>
+                          <m:t>X</m:t>
+                        </m:r>
+                        <m:r>
+                          <m:rPr>
+                            <m:nor/>
+                          </m:rPr>
+                          <a:rPr lang="en-US" sz="2000">
+                            <a:latin typeface="Cambria Math" panose="02040503050406030204" pitchFamily="18" charset="0"/>
+                          </a:rPr>
+                          <m:t>)</m:t>
+                        </m:r>
+                        <m:r>
+                          <m:rPr>
+                            <m:nor/>
+                          </m:rPr>
+                          <a:rPr lang="en-US" sz="2000">
+                            <a:latin typeface="Cambria Math" panose="02040503050406030204" pitchFamily="18" charset="0"/>
+                          </a:rPr>
+                          <m:t>P</m:t>
+                        </m:r>
+                        <m:r>
+                          <m:rPr>
+                            <m:nor/>
+                          </m:rPr>
+                          <a:rPr lang="en-US" sz="2000">
+                            <a:latin typeface="Cambria Math" panose="02040503050406030204" pitchFamily="18" charset="0"/>
+                          </a:rPr>
+                          <m:t>(</m:t>
+                        </m:r>
+                        <m:r>
+                          <m:rPr>
+                            <m:nor/>
+                          </m:rPr>
+                          <a:rPr lang="en-US" sz="2000">
+                            <a:latin typeface="Cambria Math" panose="02040503050406030204" pitchFamily="18" charset="0"/>
+                          </a:rPr>
+                          <m:t>Y</m:t>
+                        </m:r>
+                        <m:r>
+                          <m:rPr>
+                            <m:nor/>
+                          </m:rPr>
+                          <a:rPr lang="en-US" sz="2000">
+                            <a:latin typeface="Cambria Math" panose="02040503050406030204" pitchFamily="18" charset="0"/>
+                          </a:rPr>
+                          <m:t>|</m:t>
+                        </m:r>
+                        <m:r>
+                          <m:rPr>
+                            <m:nor/>
+                          </m:rPr>
+                          <a:rPr lang="en-US" sz="2000">
+                            <a:latin typeface="Cambria Math" panose="02040503050406030204" pitchFamily="18" charset="0"/>
+                          </a:rPr>
+                          <m:t>X</m:t>
+                        </m:r>
+                        <m:r>
+                          <m:rPr>
+                            <m:nor/>
+                          </m:rPr>
+                          <a:rPr lang="en-US" sz="2000">
+                            <a:latin typeface="Cambria Math" panose="02040503050406030204" pitchFamily="18" charset="0"/>
+                          </a:rPr>
+                          <m:t>)</m:t>
+                        </m:r>
+                        <m:r>
+                          <m:rPr>
+                            <m:nor/>
+                          </m:rPr>
+                          <a:rPr lang="en-US" sz="2000">
+                            <a:latin typeface="Cambria Math" panose="02040503050406030204" pitchFamily="18" charset="0"/>
+                          </a:rPr>
+                          <m:t>P</m:t>
+                        </m:r>
+                        <m:r>
+                          <m:rPr>
+                            <m:nor/>
+                          </m:rPr>
+                          <a:rPr lang="en-US" sz="2000">
+                            <a:latin typeface="Cambria Math" panose="02040503050406030204" pitchFamily="18" charset="0"/>
+                          </a:rPr>
+                          <m:t>(</m:t>
+                        </m:r>
+                        <m:r>
+                          <m:rPr>
+                            <m:nor/>
+                          </m:rPr>
+                          <a:rPr lang="en-US" sz="2000">
+                            <a:latin typeface="Cambria Math" panose="02040503050406030204" pitchFamily="18" charset="0"/>
+                          </a:rPr>
+                          <m:t>Z</m:t>
+                        </m:r>
+                        <m:r>
+                          <m:rPr>
+                            <m:nor/>
+                          </m:rPr>
+                          <a:rPr lang="en-US" sz="2000">
+                            <a:latin typeface="Cambria Math" panose="02040503050406030204" pitchFamily="18" charset="0"/>
+                          </a:rPr>
+                          <m:t>|</m:t>
+                        </m:r>
+                        <m:r>
+                          <m:rPr>
+                            <m:nor/>
+                          </m:rPr>
+                          <a:rPr lang="en-US" sz="2000">
+                            <a:latin typeface="Cambria Math" panose="02040503050406030204" pitchFamily="18" charset="0"/>
+                          </a:rPr>
+                          <m:t>Y</m:t>
+                        </m:r>
+                        <m:r>
+                          <m:rPr>
+                            <m:nor/>
+                          </m:rPr>
+                          <a:rPr lang="en-US" sz="2000">
+                            <a:latin typeface="Cambria Math" panose="02040503050406030204" pitchFamily="18" charset="0"/>
+                          </a:rPr>
+                          <m:t>)</m:t>
+                        </m:r>
+                      </m:num>
+                      <m:den>
+                        <m:r>
+                          <a:rPr lang="en-US" sz="2000" i="1">
+                            <a:latin typeface="Cambria Math" panose="02040503050406030204" pitchFamily="18" charset="0"/>
+                          </a:rPr>
+                          <m:t>𝑃</m:t>
+                        </m:r>
+                        <m:r>
+                          <a:rPr lang="en-US" sz="2000" i="1">
+                            <a:latin typeface="Cambria Math" panose="02040503050406030204" pitchFamily="18" charset="0"/>
+                          </a:rPr>
+                          <m:t>(</m:t>
+                        </m:r>
+                        <m:r>
+                          <a:rPr lang="en-US" sz="2000" i="1">
+                            <a:latin typeface="Cambria Math" panose="02040503050406030204" pitchFamily="18" charset="0"/>
+                          </a:rPr>
+                          <m:t>𝑌</m:t>
+                        </m:r>
+                        <m:r>
+                          <a:rPr lang="en-US" sz="2000" i="1">
+                            <a:latin typeface="Cambria Math" panose="02040503050406030204" pitchFamily="18" charset="0"/>
+                          </a:rPr>
+                          <m:t>)</m:t>
+                        </m:r>
+                      </m:den>
+                    </m:f>
+                    <m:r>
+                      <m:rPr>
+                        <m:nor/>
+                      </m:rPr>
+                      <a:rPr lang="en-US" sz="2000">
+                        <a:latin typeface="Cambria Math" panose="02040503050406030204" pitchFamily="18" charset="0"/>
+                      </a:rPr>
+                      <m:t> </m:t>
+                    </m:r>
+                  </m:oMath>
+                </a14:m>
+                <a:br>
+                  <a:rPr lang="en-US" sz="2000" dirty="0">
+                    <a:latin typeface="Cambria Math" panose="02040503050406030204" pitchFamily="18" charset="0"/>
+                  </a:rPr>
+                </a:br>
+                <a:endParaRPr lang="en-US" sz="2000" dirty="0">
+                  <a:latin typeface="Cambria Math" panose="02040503050406030204" pitchFamily="18" charset="0"/>
+                </a:endParaRPr>
+              </a:p>
+              <a:p>
+                <a:pPr marL="457200" indent="-457200">
+                  <a:buAutoNum type="arabicPeriod"/>
+                </a:pPr>
+                <a:r>
+                  <a:rPr lang="en-US" dirty="0"/>
+                  <a:t>Bayes’ rule: 	</a:t>
+                </a:r>
+                <a:r>
+                  <a:rPr lang="en-US" sz="2000" dirty="0">
+                    <a:latin typeface="Cambria Math" panose="02040503050406030204" pitchFamily="18" charset="0"/>
+                  </a:rPr>
+                  <a:t>	     </a:t>
+                </a:r>
+                <a14:m>
+                  <m:oMath xmlns:m="http://schemas.openxmlformats.org/officeDocument/2006/math">
+                    <m:r>
+                      <m:rPr>
+                        <m:nor/>
+                      </m:rPr>
+                      <a:rPr lang="en-US" sz="2000">
+                        <a:latin typeface="Cambria Math" panose="02040503050406030204" pitchFamily="18" charset="0"/>
+                      </a:rPr>
+                      <m:t>= </m:t>
+                    </m:r>
+                    <m:f>
+                      <m:fPr>
+                        <m:ctrlPr>
+                          <a:rPr lang="en-US" sz="2000" i="1">
+                            <a:latin typeface="Cambria Math" panose="02040503050406030204" pitchFamily="18" charset="0"/>
+                          </a:rPr>
+                        </m:ctrlPr>
+                      </m:fPr>
+                      <m:num>
+                        <m:r>
+                          <a:rPr lang="en-US" sz="2000" i="1">
+                            <a:latin typeface="Cambria Math" panose="02040503050406030204" pitchFamily="18" charset="0"/>
+                          </a:rPr>
+                          <m:t>𝑃</m:t>
+                        </m:r>
+                        <m:d>
+                          <m:dPr>
+                            <m:ctrlPr>
+                              <a:rPr lang="en-US" sz="2000" i="1">
+                                <a:latin typeface="Cambria Math" panose="02040503050406030204" pitchFamily="18" charset="0"/>
+                              </a:rPr>
+                            </m:ctrlPr>
+                          </m:dPr>
+                          <m:e>
+                            <m:r>
+                              <a:rPr lang="en-US" sz="2000" i="1">
+                                <a:latin typeface="Cambria Math" panose="02040503050406030204" pitchFamily="18" charset="0"/>
+                              </a:rPr>
+                              <m:t>𝑋</m:t>
+                            </m:r>
+                          </m:e>
+                        </m:d>
+                        <m:f>
+                          <m:fPr>
+                            <m:ctrlPr>
+                              <a:rPr lang="en-US" sz="2000" i="1" smtClean="0">
+                                <a:latin typeface="Cambria Math" panose="02040503050406030204" pitchFamily="18" charset="0"/>
+                              </a:rPr>
+                            </m:ctrlPr>
+                          </m:fPr>
+                          <m:num>
+                            <m:r>
+                              <a:rPr lang="en-US" sz="2000" i="1" smtClean="0">
+                                <a:latin typeface="Cambria Math" panose="02040503050406030204" pitchFamily="18" charset="0"/>
+                              </a:rPr>
+                              <m:t>𝑃</m:t>
+                            </m:r>
+                            <m:r>
+                              <a:rPr lang="en-US" sz="2000" i="1" smtClean="0">
+                                <a:latin typeface="Cambria Math" panose="02040503050406030204" pitchFamily="18" charset="0"/>
+                              </a:rPr>
+                              <m:t>(</m:t>
+                            </m:r>
+                            <m:r>
+                              <a:rPr lang="en-US" sz="2000" i="1" smtClean="0">
+                                <a:latin typeface="Cambria Math" panose="02040503050406030204" pitchFamily="18" charset="0"/>
+                              </a:rPr>
+                              <m:t>𝑋</m:t>
+                            </m:r>
+                            <m:r>
+                              <a:rPr lang="en-US" sz="2000" i="1" smtClean="0">
+                                <a:latin typeface="Cambria Math" panose="02040503050406030204" pitchFamily="18" charset="0"/>
+                              </a:rPr>
+                              <m:t>|</m:t>
+                            </m:r>
+                            <m:r>
+                              <a:rPr lang="en-US" sz="2000" i="1" smtClean="0">
+                                <a:latin typeface="Cambria Math" panose="02040503050406030204" pitchFamily="18" charset="0"/>
+                              </a:rPr>
+                              <m:t>𝑌</m:t>
+                            </m:r>
+                            <m:r>
+                              <a:rPr lang="en-US" sz="2000" i="1" smtClean="0">
+                                <a:latin typeface="Cambria Math" panose="02040503050406030204" pitchFamily="18" charset="0"/>
+                              </a:rPr>
+                              <m:t>)</m:t>
+                            </m:r>
+                            <m:r>
+                              <a:rPr lang="en-US" sz="2000" i="1" smtClean="0">
+                                <a:latin typeface="Cambria Math" panose="02040503050406030204" pitchFamily="18" charset="0"/>
+                              </a:rPr>
+                              <m:t>𝑃</m:t>
+                            </m:r>
+                            <m:d>
+                              <m:dPr>
+                                <m:ctrlPr>
+                                  <a:rPr lang="en-US" sz="2000" i="1">
+                                    <a:latin typeface="Cambria Math" panose="02040503050406030204" pitchFamily="18" charset="0"/>
+                                  </a:rPr>
+                                </m:ctrlPr>
+                              </m:dPr>
+                              <m:e>
+                                <m:r>
+                                  <a:rPr lang="en-US" sz="2000" i="1">
+                                    <a:latin typeface="Cambria Math" panose="02040503050406030204" pitchFamily="18" charset="0"/>
+                                  </a:rPr>
+                                  <m:t>𝑌</m:t>
+                                </m:r>
+                              </m:e>
+                            </m:d>
+                          </m:num>
+                          <m:den>
+                            <m:r>
+                              <a:rPr lang="en-US" sz="2000" b="0" i="1" smtClean="0">
+                                <a:latin typeface="Cambria Math" panose="02040503050406030204" pitchFamily="18" charset="0"/>
+                              </a:rPr>
+                              <m:t>𝑃</m:t>
+                            </m:r>
+                            <m:r>
+                              <a:rPr lang="en-US" sz="2000" b="0" i="1" smtClean="0">
+                                <a:latin typeface="Cambria Math" panose="02040503050406030204" pitchFamily="18" charset="0"/>
+                              </a:rPr>
+                              <m:t>(</m:t>
+                            </m:r>
+                            <m:r>
+                              <a:rPr lang="en-US" sz="2000" b="0" i="1" smtClean="0">
+                                <a:latin typeface="Cambria Math" panose="02040503050406030204" pitchFamily="18" charset="0"/>
+                              </a:rPr>
+                              <m:t>𝑋</m:t>
+                            </m:r>
+                            <m:r>
+                              <a:rPr lang="en-US" sz="2000" b="0" i="1" smtClean="0">
+                                <a:latin typeface="Cambria Math" panose="02040503050406030204" pitchFamily="18" charset="0"/>
+                              </a:rPr>
+                              <m:t>)</m:t>
+                            </m:r>
+                          </m:den>
+                        </m:f>
+                        <m:r>
+                          <a:rPr lang="en-US" sz="2000" i="1">
+                            <a:latin typeface="Cambria Math" panose="02040503050406030204" pitchFamily="18" charset="0"/>
+                          </a:rPr>
+                          <m:t>𝑃</m:t>
+                        </m:r>
+                        <m:r>
+                          <a:rPr lang="en-US" sz="2000" i="1">
+                            <a:latin typeface="Cambria Math" panose="02040503050406030204" pitchFamily="18" charset="0"/>
+                          </a:rPr>
+                          <m:t>(</m:t>
+                        </m:r>
+                        <m:r>
+                          <a:rPr lang="en-US" sz="2000" i="1">
+                            <a:latin typeface="Cambria Math" panose="02040503050406030204" pitchFamily="18" charset="0"/>
+                          </a:rPr>
+                          <m:t>𝑍</m:t>
+                        </m:r>
+                        <m:r>
+                          <a:rPr lang="en-US" sz="2000" i="1">
+                            <a:latin typeface="Cambria Math" panose="02040503050406030204" pitchFamily="18" charset="0"/>
+                          </a:rPr>
+                          <m:t>|</m:t>
+                        </m:r>
+                        <m:r>
+                          <a:rPr lang="en-US" sz="2000" i="1">
+                            <a:latin typeface="Cambria Math" panose="02040503050406030204" pitchFamily="18" charset="0"/>
+                          </a:rPr>
+                          <m:t>𝑌</m:t>
+                        </m:r>
+                        <m:r>
+                          <a:rPr lang="en-US" sz="2000" i="1">
+                            <a:latin typeface="Cambria Math" panose="02040503050406030204" pitchFamily="18" charset="0"/>
+                          </a:rPr>
+                          <m:t>)</m:t>
+                        </m:r>
+                      </m:num>
+                      <m:den>
+                        <m:r>
+                          <a:rPr lang="en-US" sz="2000" i="1">
+                            <a:latin typeface="Cambria Math" panose="02040503050406030204" pitchFamily="18" charset="0"/>
+                          </a:rPr>
+                          <m:t>𝑃</m:t>
+                        </m:r>
+                        <m:r>
+                          <a:rPr lang="en-US" sz="2000" i="1">
+                            <a:latin typeface="Cambria Math" panose="02040503050406030204" pitchFamily="18" charset="0"/>
+                          </a:rPr>
+                          <m:t>(</m:t>
+                        </m:r>
+                        <m:r>
+                          <a:rPr lang="en-US" sz="2000" i="1">
+                            <a:latin typeface="Cambria Math" panose="02040503050406030204" pitchFamily="18" charset="0"/>
+                          </a:rPr>
+                          <m:t>𝑌</m:t>
+                        </m:r>
+                        <m:r>
+                          <a:rPr lang="en-US" sz="2000" i="1">
+                            <a:latin typeface="Cambria Math" panose="02040503050406030204" pitchFamily="18" charset="0"/>
+                          </a:rPr>
+                          <m:t>)</m:t>
+                        </m:r>
+                      </m:den>
+                    </m:f>
+                    <m:r>
+                      <m:rPr>
+                        <m:nor/>
+                      </m:rPr>
+                      <a:rPr lang="en-US" sz="2000">
+                        <a:latin typeface="Cambria Math" panose="02040503050406030204" pitchFamily="18" charset="0"/>
+                      </a:rPr>
+                      <m:t> = </m:t>
+                    </m:r>
+                    <m:r>
+                      <m:rPr>
+                        <m:nor/>
+                      </m:rPr>
+                      <a:rPr lang="en-US" sz="2000">
+                        <a:latin typeface="Cambria Math" panose="02040503050406030204" pitchFamily="18" charset="0"/>
+                      </a:rPr>
+                      <m:t>P</m:t>
+                    </m:r>
+                    <m:r>
+                      <m:rPr>
+                        <m:nor/>
+                      </m:rPr>
+                      <a:rPr lang="en-US" sz="2000">
+                        <a:latin typeface="Cambria Math" panose="02040503050406030204" pitchFamily="18" charset="0"/>
+                      </a:rPr>
+                      <m:t>(</m:t>
+                    </m:r>
+                    <m:r>
+                      <m:rPr>
+                        <m:nor/>
+                      </m:rPr>
+                      <a:rPr lang="en-US" sz="2000">
+                        <a:latin typeface="Cambria Math" panose="02040503050406030204" pitchFamily="18" charset="0"/>
+                      </a:rPr>
+                      <m:t>X</m:t>
+                    </m:r>
+                    <m:r>
+                      <m:rPr>
+                        <m:nor/>
+                      </m:rPr>
+                      <a:rPr lang="en-US" sz="2000">
+                        <a:latin typeface="Cambria Math" panose="02040503050406030204" pitchFamily="18" charset="0"/>
+                      </a:rPr>
+                      <m:t>|</m:t>
+                    </m:r>
+                    <m:r>
+                      <m:rPr>
+                        <m:nor/>
+                      </m:rPr>
+                      <a:rPr lang="en-US" sz="2000">
+                        <a:latin typeface="Cambria Math" panose="02040503050406030204" pitchFamily="18" charset="0"/>
+                      </a:rPr>
+                      <m:t>Y</m:t>
+                    </m:r>
+                    <m:r>
+                      <m:rPr>
+                        <m:nor/>
+                      </m:rPr>
+                      <a:rPr lang="en-US" sz="2000">
+                        <a:latin typeface="Cambria Math" panose="02040503050406030204" pitchFamily="18" charset="0"/>
+                      </a:rPr>
+                      <m:t>)</m:t>
+                    </m:r>
+                    <m:r>
+                      <m:rPr>
+                        <m:nor/>
+                      </m:rPr>
+                      <a:rPr lang="en-US" sz="2000">
+                        <a:latin typeface="Cambria Math" panose="02040503050406030204" pitchFamily="18" charset="0"/>
+                      </a:rPr>
+                      <m:t>P</m:t>
+                    </m:r>
+                    <m:r>
+                      <m:rPr>
+                        <m:nor/>
+                      </m:rPr>
+                      <a:rPr lang="en-US" sz="2000">
+                        <a:latin typeface="Cambria Math" panose="02040503050406030204" pitchFamily="18" charset="0"/>
+                      </a:rPr>
+                      <m:t>(</m:t>
+                    </m:r>
+                    <m:r>
+                      <m:rPr>
+                        <m:nor/>
+                      </m:rPr>
+                      <a:rPr lang="en-US" sz="2000">
+                        <a:latin typeface="Cambria Math" panose="02040503050406030204" pitchFamily="18" charset="0"/>
+                      </a:rPr>
+                      <m:t>Z</m:t>
+                    </m:r>
+                    <m:r>
+                      <m:rPr>
+                        <m:nor/>
+                      </m:rPr>
+                      <a:rPr lang="en-US" sz="2000">
+                        <a:latin typeface="Cambria Math" panose="02040503050406030204" pitchFamily="18" charset="0"/>
+                      </a:rPr>
+                      <m:t>|</m:t>
+                    </m:r>
+                    <m:r>
+                      <m:rPr>
+                        <m:nor/>
+                      </m:rPr>
+                      <a:rPr lang="en-US" sz="2000">
+                        <a:latin typeface="Cambria Math" panose="02040503050406030204" pitchFamily="18" charset="0"/>
+                      </a:rPr>
+                      <m:t>Y</m:t>
+                    </m:r>
+                    <m:r>
+                      <m:rPr>
+                        <m:nor/>
+                      </m:rPr>
+                      <a:rPr lang="en-US" sz="2000">
+                        <a:latin typeface="Cambria Math" panose="02040503050406030204" pitchFamily="18" charset="0"/>
+                      </a:rPr>
+                      <m:t>)</m:t>
+                    </m:r>
+                  </m:oMath>
+                </a14:m>
+                <a:endParaRPr lang="en-US" sz="2000" dirty="0"/>
+              </a:p>
+              <a:p>
+                <a:pPr marL="0" indent="0">
+                  <a:buNone/>
+                </a:pPr>
+                <a:endParaRPr lang="en-US" sz="2400" dirty="0"/>
+              </a:p>
+            </p:txBody>
+          </p:sp>
+        </mc:Choice>
+        <mc:Fallback xmlns="">
+          <p:sp>
+            <p:nvSpPr>
+              <p:cNvPr id="5123" name="Rectangle 3"/>
+              <p:cNvSpPr>
+                <a:spLocks noGrp="1" noRot="1" noChangeAspect="1" noMove="1" noResize="1" noEditPoints="1" noAdjustHandles="1" noChangeArrowheads="1" noChangeShapeType="1" noTextEdit="1"/>
+              </p:cNvSpPr>
+              <p:nvPr>
+                <p:ph idx="1"/>
+              </p:nvPr>
+            </p:nvSpPr>
+            <p:spPr>
+              <a:xfrm>
+                <a:off x="628650" y="1825625"/>
+                <a:ext cx="7886700" cy="4117975"/>
+              </a:xfrm>
+              <a:blipFill>
+                <a:blip r:embed="rId4"/>
+                <a:stretch>
+                  <a:fillRect l="-1005" t="-2811"/>
+                </a:stretch>
+              </a:blipFill>
+            </p:spPr>
+            <p:txBody>
+              <a:bodyPr/>
+              <a:lstStyle/>
+              <a:p>
+                <a:r>
+                  <a:rPr lang="en-US">
+                    <a:noFill/>
+                  </a:rPr>
+                  <a:t> </a:t>
+                </a:r>
+              </a:p>
+            </p:txBody>
+          </p:sp>
+        </mc:Fallback>
+      </mc:AlternateContent>
       <p:sp>
         <p:nvSpPr>
-          <p:cNvPr id="7" name="Rectangle 6">
+          <p:cNvPr id="5" name="Speech Bubble: Rectangle with Corners Rounded 4">
             <a:extLst>
+              <a:ext uri="{FF2B5EF4-FFF2-40B4-BE49-F238E27FC236}">
+                <a16:creationId xmlns:a16="http://schemas.microsoft.com/office/drawing/2014/main" id="{7C402E91-FD33-DCB0-90E1-D1FA00966C37}"/>
+              </a:ext>
+            </a:extLst>
+          </p:cNvPr>
+          <p:cNvSpPr/>
+          <p:nvPr/>
+        </p:nvSpPr>
+        <p:spPr>
+          <a:xfrm>
+            <a:off x="7543800" y="3657600"/>
+            <a:ext cx="1371600" cy="1068605"/>
+          </a:xfrm>
+          <a:prstGeom prst="wedgeRoundRectCallout">
+            <a:avLst>
+              <a:gd name="adj1" fmla="val -77910"/>
+              <a:gd name="adj2" fmla="val 91247"/>
+              <a:gd name="adj3" fmla="val 16667"/>
+            </a:avLst>
+          </a:prstGeom>
+        </p:spPr>
+        <p:style>
+          <a:lnRef idx="2">
+            <a:schemeClr val="accent1">
+              <a:shade val="15000"/>
+            </a:schemeClr>
+          </a:lnRef>
+          <a:fillRef idx="1">
+            <a:schemeClr val="accent1"/>
+          </a:fillRef>
+          <a:effectRef idx="0">
+            <a:schemeClr val="accent1"/>
+          </a:effectRef>
+          <a:fontRef idx="minor">
+            <a:schemeClr val="lt1"/>
+          </a:fontRef>
+        </p:style>
+        <p:txBody>
+          <a:bodyPr rtlCol="0" anchor="ctr"/>
+          <a:lstStyle/>
+          <a:p>
+            <a:r>
+              <a:rPr lang="en-US" sz="1400" dirty="0"/>
+              <a:t>= Definition of conditional independence</a:t>
+            </a:r>
+          </a:p>
+        </p:txBody>
+      </p:sp>
+      <p:sp>
+        <p:nvSpPr>
+          <p:cNvPr id="10" name="TextBox 9">
+            <a:extLst>
+              <a:ext uri="{FF2B5EF4-FFF2-40B4-BE49-F238E27FC236}">
+                <a16:creationId xmlns:a16="http://schemas.microsoft.com/office/drawing/2014/main" id="{BB64160A-523C-43B4-BE6E-A3C4AADBF146}"/>
+              </a:ext>
+            </a:extLst>
+          </p:cNvPr>
+          <p:cNvSpPr txBox="1"/>
+          <p:nvPr/>
+        </p:nvSpPr>
+        <p:spPr>
+          <a:xfrm>
+            <a:off x="5618443" y="5855830"/>
+            <a:ext cx="2743200" cy="646331"/>
+          </a:xfrm>
+          <a:prstGeom prst="rect">
+            <a:avLst/>
+          </a:prstGeom>
+          <a:noFill/>
+        </p:spPr>
+        <p:txBody>
+          <a:bodyPr wrap="square">
+            <a:spAutoFit/>
+          </a:bodyPr>
+          <a:lstStyle/>
+          <a:p>
+            <a:pPr algn="ctr"/>
+            <a:r>
+              <a:rPr lang="en-US" sz="1800" dirty="0">
+                <a:solidFill>
+                  <a:srgbClr val="FF0000"/>
+                </a:solidFill>
+              </a:rPr>
+              <a:t>X and Z are </a:t>
+            </a:r>
+            <a:r>
+              <a:rPr lang="en-US" dirty="0">
+                <a:solidFill>
+                  <a:srgbClr val="FF0000"/>
+                </a:solidFill>
+              </a:rPr>
+              <a:t>conditionally</a:t>
+            </a:r>
+            <a:r>
+              <a:rPr lang="en-US" sz="1800" dirty="0">
+                <a:solidFill>
+                  <a:srgbClr val="FF0000"/>
+                </a:solidFill>
+              </a:rPr>
+              <a:t> </a:t>
+            </a:r>
+            <a:br>
+              <a:rPr lang="en-US" sz="1800" dirty="0">
+                <a:solidFill>
+                  <a:srgbClr val="FF0000"/>
+                </a:solidFill>
+              </a:rPr>
+            </a:br>
+            <a:r>
+              <a:rPr lang="en-US" sz="1800" dirty="0">
+                <a:solidFill>
+                  <a:srgbClr val="FF0000"/>
+                </a:solidFill>
+              </a:rPr>
+              <a:t>independent given Y</a:t>
+            </a:r>
+          </a:p>
+        </p:txBody>
+      </p:sp>
+      <p:sp>
+        <p:nvSpPr>
+          <p:cNvPr id="11" name="Arrow: Right 10">
+            <a:extLst>
+              <a:ext uri="{FF2B5EF4-FFF2-40B4-BE49-F238E27FC236}">
+                <a16:creationId xmlns:a16="http://schemas.microsoft.com/office/drawing/2014/main" id="{810EFDF7-8251-4574-827A-A732105D5FA8}"/>
+              </a:ext>
               <a:ext uri="{C183D7F6-B498-43B3-948B-1728B52AA6E4}">
                 <adec:decorative xmlns:adec="http://schemas.microsoft.com/office/drawing/2017/decorative" val="1"/>
               </a:ext>
@@ -16211,19 +17150,13 @@
           <p:nvPr/>
         </p:nvSpPr>
         <p:spPr>
-          <a:xfrm>
-            <a:off x="2667000" y="1219200"/>
-            <a:ext cx="1143000" cy="1066800"/>
+          <a:xfrm rot="5400000">
+            <a:off x="6689866" y="5629006"/>
+            <a:ext cx="315911" cy="284443"/>
           </a:xfrm>
-          <a:prstGeom prst="rect">
+          <a:prstGeom prst="rightArrow">
             <a:avLst/>
           </a:prstGeom>
-          <a:solidFill>
-            <a:schemeClr val="bg1"/>
-          </a:solidFill>
-          <a:ln>
-            <a:noFill/>
-          </a:ln>
         </p:spPr>
         <p:style>
           <a:lnRef idx="2">
@@ -16250,6 +17183,1198 @@
           </a:p>
         </p:txBody>
       </p:sp>
+    </p:spTree>
+    <p:extLst>
+      <p:ext uri="{BB962C8B-B14F-4D97-AF65-F5344CB8AC3E}">
+        <p14:creationId xmlns:p14="http://schemas.microsoft.com/office/powerpoint/2010/main" val="2959167478"/>
+      </p:ext>
+    </p:extLst>
+  </p:cSld>
+  <p:clrMapOvr>
+    <a:masterClrMapping/>
+  </p:clrMapOvr>
+</p:sld>
+</file>
+
+<file path=ppt/slides/slide11.xml><?xml version="1.0" encoding="utf-8"?>
+<p:sld xmlns:a="http://schemas.openxmlformats.org/drawingml/2006/main" xmlns:r="http://schemas.openxmlformats.org/officeDocument/2006/relationships" xmlns:p="http://schemas.openxmlformats.org/presentationml/2006/main">
+  <p:cSld>
+    <p:spTree>
+      <p:nvGrpSpPr>
+        <p:cNvPr id="1" name=""/>
+        <p:cNvGrpSpPr/>
+        <p:nvPr/>
+      </p:nvGrpSpPr>
+      <p:grpSpPr>
+        <a:xfrm>
+          <a:off x="0" y="0"/>
+          <a:ext cx="0" cy="0"/>
+          <a:chOff x="0" y="0"/>
+          <a:chExt cx="0" cy="0"/>
+        </a:xfrm>
+      </p:grpSpPr>
+      <p:sp>
+        <p:nvSpPr>
+          <p:cNvPr id="2" name="Title 1"/>
+          <p:cNvSpPr>
+            <a:spLocks noGrp="1"/>
+          </p:cNvSpPr>
+          <p:nvPr>
+            <p:ph type="title"/>
+          </p:nvPr>
+        </p:nvSpPr>
+        <p:spPr>
+          <a:xfrm>
+            <a:off x="457200" y="345783"/>
+            <a:ext cx="8229600" cy="715962"/>
+          </a:xfrm>
+        </p:spPr>
+        <p:txBody>
+          <a:bodyPr/>
+          <a:lstStyle/>
+          <a:p>
+            <a:r>
+              <a:rPr lang="en-US" dirty="0"/>
+              <a:t>Common Cause vs. Common Effect</a:t>
+            </a:r>
+          </a:p>
+        </p:txBody>
+      </p:sp>
+      <p:pic>
+        <p:nvPicPr>
+          <p:cNvPr id="22530" name="Picture 2" descr="A network where X and Z depend on Y."/>
+          <p:cNvPicPr>
+            <a:picLocks noChangeAspect="1" noChangeArrowheads="1"/>
+          </p:cNvPicPr>
+          <p:nvPr/>
+        </p:nvPicPr>
+        <p:blipFill>
+          <a:blip r:embed="rId3" cstate="print"/>
+          <a:srcRect/>
+          <a:stretch>
+            <a:fillRect/>
+          </a:stretch>
+        </p:blipFill>
+        <p:spPr bwMode="auto">
+          <a:xfrm>
+            <a:off x="1607874" y="1905000"/>
+            <a:ext cx="1592526" cy="2667000"/>
+          </a:xfrm>
+          <a:prstGeom prst="rect">
+            <a:avLst/>
+          </a:prstGeom>
+          <a:noFill/>
+          <a:ln w="9525">
+            <a:noFill/>
+            <a:miter lim="800000"/>
+            <a:headEnd/>
+            <a:tailEnd/>
+          </a:ln>
+        </p:spPr>
+      </p:pic>
+      <p:sp>
+        <p:nvSpPr>
+          <p:cNvPr id="3" name="Content Placeholder 2"/>
+          <p:cNvSpPr>
+            <a:spLocks noGrp="1"/>
+          </p:cNvSpPr>
+          <p:nvPr>
+            <p:ph sz="half" idx="1"/>
+          </p:nvPr>
+        </p:nvSpPr>
+        <p:spPr>
+          <a:xfrm>
+            <a:off x="457200" y="1553995"/>
+            <a:ext cx="4038600" cy="4923005"/>
+          </a:xfrm>
+        </p:spPr>
+        <p:txBody>
+          <a:bodyPr>
+            <a:noAutofit/>
+          </a:bodyPr>
+          <a:lstStyle/>
+          <a:p>
+            <a:r>
+              <a:rPr lang="en-US" sz="1800" i="1" dirty="0"/>
+              <a:t>Common cause</a:t>
+            </a:r>
+          </a:p>
+          <a:p>
+            <a:endParaRPr lang="en-US" sz="1800" dirty="0"/>
+          </a:p>
+          <a:p>
+            <a:endParaRPr lang="en-US" sz="1800" dirty="0"/>
+          </a:p>
+          <a:p>
+            <a:endParaRPr lang="en-US" sz="1800" dirty="0"/>
+          </a:p>
+          <a:p>
+            <a:endParaRPr lang="en-US" sz="1800" dirty="0"/>
+          </a:p>
+          <a:p>
+            <a:endParaRPr lang="en-US" sz="1800" dirty="0"/>
+          </a:p>
+          <a:p>
+            <a:endParaRPr lang="en-US" sz="1800" dirty="0"/>
+          </a:p>
+          <a:p>
+            <a:endParaRPr lang="en-US" sz="1800" dirty="0"/>
+          </a:p>
+          <a:p>
+            <a:pPr marL="0" indent="0">
+              <a:buNone/>
+            </a:pPr>
+            <a:endParaRPr lang="en-US" sz="1800" dirty="0"/>
+          </a:p>
+          <a:p>
+            <a:r>
+              <a:rPr lang="en-US" sz="1800" dirty="0"/>
+              <a:t>Are X and Z independent?</a:t>
+            </a:r>
+          </a:p>
+          <a:p>
+            <a:pPr lvl="1"/>
+            <a:r>
+              <a:rPr lang="en-US" dirty="0">
+                <a:solidFill>
+                  <a:srgbClr val="0066FF"/>
+                </a:solidFill>
+              </a:rPr>
+              <a:t>No</a:t>
+            </a:r>
+          </a:p>
+          <a:p>
+            <a:r>
+              <a:rPr lang="en-US" sz="1800" dirty="0"/>
+              <a:t>Are they conditionally independent given Y?</a:t>
+            </a:r>
+          </a:p>
+          <a:p>
+            <a:pPr lvl="1"/>
+            <a:r>
+              <a:rPr lang="en-US" dirty="0">
+                <a:solidFill>
+                  <a:srgbClr val="0066FF"/>
+                </a:solidFill>
+              </a:rPr>
+              <a:t>Yes</a:t>
+            </a:r>
+          </a:p>
+        </p:txBody>
+      </p:sp>
+      <p:pic>
+        <p:nvPicPr>
+          <p:cNvPr id="22531" name="Picture 3" descr="A network where Y depends on X and Z."/>
+          <p:cNvPicPr>
+            <a:picLocks noChangeAspect="1" noChangeArrowheads="1"/>
+          </p:cNvPicPr>
+          <p:nvPr/>
+        </p:nvPicPr>
+        <p:blipFill>
+          <a:blip r:embed="rId4" cstate="print"/>
+          <a:srcRect/>
+          <a:stretch>
+            <a:fillRect/>
+          </a:stretch>
+        </p:blipFill>
+        <p:spPr bwMode="auto">
+          <a:xfrm>
+            <a:off x="5410200" y="1828800"/>
+            <a:ext cx="1728019" cy="2819400"/>
+          </a:xfrm>
+          <a:prstGeom prst="rect">
+            <a:avLst/>
+          </a:prstGeom>
+          <a:noFill/>
+          <a:ln w="9525">
+            <a:noFill/>
+            <a:miter lim="800000"/>
+            <a:headEnd/>
+            <a:tailEnd/>
+          </a:ln>
+        </p:spPr>
+      </p:pic>
+      <p:sp>
+        <p:nvSpPr>
+          <p:cNvPr id="5" name="Content Placeholder 4"/>
+          <p:cNvSpPr>
+            <a:spLocks noGrp="1"/>
+          </p:cNvSpPr>
+          <p:nvPr>
+            <p:ph sz="half" idx="2"/>
+          </p:nvPr>
+        </p:nvSpPr>
+        <p:spPr>
+          <a:xfrm>
+            <a:off x="4648200" y="1553995"/>
+            <a:ext cx="4038600" cy="4525963"/>
+          </a:xfrm>
+        </p:spPr>
+        <p:txBody>
+          <a:bodyPr>
+            <a:noAutofit/>
+          </a:bodyPr>
+          <a:lstStyle/>
+          <a:p>
+            <a:r>
+              <a:rPr lang="en-US" sz="1800" i="1" dirty="0"/>
+              <a:t>Common effect</a:t>
+            </a:r>
+          </a:p>
+          <a:p>
+            <a:endParaRPr lang="en-US" sz="1800" dirty="0"/>
+          </a:p>
+          <a:p>
+            <a:endParaRPr lang="en-US" sz="1800" dirty="0"/>
+          </a:p>
+          <a:p>
+            <a:endParaRPr lang="en-US" sz="1800" dirty="0"/>
+          </a:p>
+          <a:p>
+            <a:endParaRPr lang="en-US" sz="1800" dirty="0"/>
+          </a:p>
+          <a:p>
+            <a:pPr marL="0" indent="0">
+              <a:buNone/>
+            </a:pPr>
+            <a:endParaRPr lang="en-US" sz="1800" dirty="0"/>
+          </a:p>
+          <a:p>
+            <a:endParaRPr lang="en-US" sz="1800" dirty="0"/>
+          </a:p>
+          <a:p>
+            <a:endParaRPr lang="en-US" sz="1800" dirty="0"/>
+          </a:p>
+          <a:p>
+            <a:endParaRPr lang="en-US" sz="1800" dirty="0"/>
+          </a:p>
+          <a:p>
+            <a:r>
+              <a:rPr lang="en-US" sz="1800" dirty="0"/>
+              <a:t>Are X and Z independent?</a:t>
+            </a:r>
+          </a:p>
+          <a:p>
+            <a:pPr lvl="1"/>
+            <a:r>
+              <a:rPr lang="en-US" dirty="0">
+                <a:solidFill>
+                  <a:srgbClr val="0066FF"/>
+                </a:solidFill>
+              </a:rPr>
+              <a:t>Yes</a:t>
+            </a:r>
+          </a:p>
+          <a:p>
+            <a:r>
+              <a:rPr lang="en-US" sz="1800" dirty="0"/>
+              <a:t>Are they conditionally independent given Y?</a:t>
+            </a:r>
+          </a:p>
+          <a:p>
+            <a:pPr lvl="1"/>
+            <a:r>
+              <a:rPr lang="en-US" dirty="0">
+                <a:solidFill>
+                  <a:srgbClr val="0066FF"/>
+                </a:solidFill>
+              </a:rPr>
+              <a:t>No</a:t>
+            </a:r>
+          </a:p>
+        </p:txBody>
+      </p:sp>
+    </p:spTree>
+    <p:extLst>
+      <p:ext uri="{BB962C8B-B14F-4D97-AF65-F5344CB8AC3E}">
+        <p14:creationId xmlns:p14="http://schemas.microsoft.com/office/powerpoint/2010/main" val="1155990852"/>
+      </p:ext>
+    </p:extLst>
+  </p:cSld>
+  <p:clrMapOvr>
+    <a:masterClrMapping/>
+  </p:clrMapOvr>
+  <p:timing>
+    <p:tnLst>
+      <p:par>
+        <p:cTn id="1" dur="indefinite" restart="never" nodeType="tmRoot">
+          <p:childTnLst>
+            <p:seq concurrent="1" nextAc="seek">
+              <p:cTn id="2" dur="indefinite" nodeType="mainSeq">
+                <p:childTnLst>
+                  <p:par>
+                    <p:cTn id="3" fill="hold">
+                      <p:stCondLst>
+                        <p:cond delay="indefinite"/>
+                      </p:stCondLst>
+                      <p:childTnLst>
+                        <p:par>
+                          <p:cTn id="4" fill="hold">
+                            <p:stCondLst>
+                              <p:cond delay="0"/>
+                            </p:stCondLst>
+                            <p:childTnLst>
+                              <p:par>
+                                <p:cTn id="5" presetID="1" presetClass="entr" presetSubtype="0" fill="hold" nodeType="clickEffect">
+                                  <p:stCondLst>
+                                    <p:cond delay="0"/>
+                                  </p:stCondLst>
+                                  <p:childTnLst>
+                                    <p:set>
+                                      <p:cBhvr>
+                                        <p:cTn id="6" dur="1" fill="hold">
+                                          <p:stCondLst>
+                                            <p:cond delay="0"/>
+                                          </p:stCondLst>
+                                        </p:cTn>
+                                        <p:tgtEl>
+                                          <p:spTgt spid="22531"/>
+                                        </p:tgtEl>
+                                        <p:attrNameLst>
+                                          <p:attrName>style.visibility</p:attrName>
+                                        </p:attrNameLst>
+                                      </p:cBhvr>
+                                      <p:to>
+                                        <p:strVal val="visible"/>
+                                      </p:to>
+                                    </p:set>
+                                  </p:childTnLst>
+                                </p:cTn>
+                              </p:par>
+                              <p:par>
+                                <p:cTn id="7" presetID="1" presetClass="entr" presetSubtype="0" fill="hold" grpId="0" nodeType="withEffect">
+                                  <p:stCondLst>
+                                    <p:cond delay="0"/>
+                                  </p:stCondLst>
+                                  <p:childTnLst>
+                                    <p:set>
+                                      <p:cBhvr>
+                                        <p:cTn id="8" dur="1" fill="hold">
+                                          <p:stCondLst>
+                                            <p:cond delay="0"/>
+                                          </p:stCondLst>
+                                        </p:cTn>
+                                        <p:tgtEl>
+                                          <p:spTgt spid="5">
+                                            <p:txEl>
+                                              <p:pRg st="0" end="0"/>
+                                            </p:txEl>
+                                          </p:spTgt>
+                                        </p:tgtEl>
+                                        <p:attrNameLst>
+                                          <p:attrName>style.visibility</p:attrName>
+                                        </p:attrNameLst>
+                                      </p:cBhvr>
+                                      <p:to>
+                                        <p:strVal val="visible"/>
+                                      </p:to>
+                                    </p:set>
+                                  </p:childTnLst>
+                                </p:cTn>
+                              </p:par>
+                              <p:par>
+                                <p:cTn id="9" presetID="1" presetClass="entr" presetSubtype="0" fill="hold" grpId="0" nodeType="withEffect">
+                                  <p:stCondLst>
+                                    <p:cond delay="0"/>
+                                  </p:stCondLst>
+                                  <p:childTnLst>
+                                    <p:set>
+                                      <p:cBhvr>
+                                        <p:cTn id="10" dur="1" fill="hold">
+                                          <p:stCondLst>
+                                            <p:cond delay="0"/>
+                                          </p:stCondLst>
+                                        </p:cTn>
+                                        <p:tgtEl>
+                                          <p:spTgt spid="5">
+                                            <p:txEl>
+                                              <p:pRg st="9" end="9"/>
+                                            </p:txEl>
+                                          </p:spTgt>
+                                        </p:tgtEl>
+                                        <p:attrNameLst>
+                                          <p:attrName>style.visibility</p:attrName>
+                                        </p:attrNameLst>
+                                      </p:cBhvr>
+                                      <p:to>
+                                        <p:strVal val="visible"/>
+                                      </p:to>
+                                    </p:set>
+                                  </p:childTnLst>
+                                </p:cTn>
+                              </p:par>
+                              <p:par>
+                                <p:cTn id="11" presetID="1" presetClass="entr" presetSubtype="0" fill="hold" grpId="0" nodeType="withEffect">
+                                  <p:stCondLst>
+                                    <p:cond delay="0"/>
+                                  </p:stCondLst>
+                                  <p:childTnLst>
+                                    <p:set>
+                                      <p:cBhvr>
+                                        <p:cTn id="12" dur="1" fill="hold">
+                                          <p:stCondLst>
+                                            <p:cond delay="0"/>
+                                          </p:stCondLst>
+                                        </p:cTn>
+                                        <p:tgtEl>
+                                          <p:spTgt spid="5">
+                                            <p:txEl>
+                                              <p:pRg st="10" end="10"/>
+                                            </p:txEl>
+                                          </p:spTgt>
+                                        </p:tgtEl>
+                                        <p:attrNameLst>
+                                          <p:attrName>style.visibility</p:attrName>
+                                        </p:attrNameLst>
+                                      </p:cBhvr>
+                                      <p:to>
+                                        <p:strVal val="visible"/>
+                                      </p:to>
+                                    </p:set>
+                                  </p:childTnLst>
+                                </p:cTn>
+                              </p:par>
+                              <p:par>
+                                <p:cTn id="13" presetID="1" presetClass="entr" presetSubtype="0" fill="hold" grpId="0" nodeType="withEffect">
+                                  <p:stCondLst>
+                                    <p:cond delay="0"/>
+                                  </p:stCondLst>
+                                  <p:childTnLst>
+                                    <p:set>
+                                      <p:cBhvr>
+                                        <p:cTn id="14" dur="1" fill="hold">
+                                          <p:stCondLst>
+                                            <p:cond delay="0"/>
+                                          </p:stCondLst>
+                                        </p:cTn>
+                                        <p:tgtEl>
+                                          <p:spTgt spid="5">
+                                            <p:txEl>
+                                              <p:pRg st="11" end="11"/>
+                                            </p:txEl>
+                                          </p:spTgt>
+                                        </p:tgtEl>
+                                        <p:attrNameLst>
+                                          <p:attrName>style.visibility</p:attrName>
+                                        </p:attrNameLst>
+                                      </p:cBhvr>
+                                      <p:to>
+                                        <p:strVal val="visible"/>
+                                      </p:to>
+                                    </p:set>
+                                  </p:childTnLst>
+                                </p:cTn>
+                              </p:par>
+                              <p:par>
+                                <p:cTn id="15" presetID="1" presetClass="entr" presetSubtype="0" fill="hold" grpId="0" nodeType="withEffect">
+                                  <p:stCondLst>
+                                    <p:cond delay="0"/>
+                                  </p:stCondLst>
+                                  <p:childTnLst>
+                                    <p:set>
+                                      <p:cBhvr>
+                                        <p:cTn id="16" dur="1" fill="hold">
+                                          <p:stCondLst>
+                                            <p:cond delay="0"/>
+                                          </p:stCondLst>
+                                        </p:cTn>
+                                        <p:tgtEl>
+                                          <p:spTgt spid="5">
+                                            <p:txEl>
+                                              <p:pRg st="12" end="12"/>
+                                            </p:txEl>
+                                          </p:spTgt>
+                                        </p:tgtEl>
+                                        <p:attrNameLst>
+                                          <p:attrName>style.visibility</p:attrName>
+                                        </p:attrNameLst>
+                                      </p:cBhvr>
+                                      <p:to>
+                                        <p:strVal val="visible"/>
+                                      </p:to>
+                                    </p:set>
+                                  </p:childTnLst>
+                                </p:cTn>
+                              </p:par>
+                            </p:childTnLst>
+                          </p:cTn>
+                        </p:par>
+                      </p:childTnLst>
+                    </p:cTn>
+                  </p:par>
+                </p:childTnLst>
+              </p:cTn>
+              <p:prevCondLst>
+                <p:cond evt="onPrev" delay="0">
+                  <p:tgtEl>
+                    <p:sldTgt/>
+                  </p:tgtEl>
+                </p:cond>
+              </p:prevCondLst>
+              <p:nextCondLst>
+                <p:cond evt="onNext" delay="0">
+                  <p:tgtEl>
+                    <p:sldTgt/>
+                  </p:tgtEl>
+                </p:cond>
+              </p:nextCondLst>
+            </p:seq>
+          </p:childTnLst>
+        </p:cTn>
+      </p:par>
+    </p:tnLst>
+    <p:bldLst>
+      <p:bldP spid="5" grpId="0" uiExpand="1" build="p"/>
+    </p:bldLst>
+  </p:timing>
+</p:sld>
+</file>
+
+<file path=ppt/slides/slide12.xml><?xml version="1.0" encoding="utf-8"?>
+<p:sld xmlns:a="http://schemas.openxmlformats.org/drawingml/2006/main" xmlns:r="http://schemas.openxmlformats.org/officeDocument/2006/relationships" xmlns:p="http://schemas.openxmlformats.org/presentationml/2006/main">
+  <p:cSld>
+    <p:spTree>
+      <p:nvGrpSpPr>
+        <p:cNvPr id="1" name=""/>
+        <p:cNvGrpSpPr/>
+        <p:nvPr/>
+      </p:nvGrpSpPr>
+      <p:grpSpPr>
+        <a:xfrm>
+          <a:off x="0" y="0"/>
+          <a:ext cx="0" cy="0"/>
+          <a:chOff x="0" y="0"/>
+          <a:chExt cx="0" cy="0"/>
+        </a:xfrm>
+      </p:grpSpPr>
+      <p:sp>
+        <p:nvSpPr>
+          <p:cNvPr id="7170" name="Rectangle 2"/>
+          <p:cNvSpPr>
+            <a:spLocks noGrp="1" noChangeArrowheads="1"/>
+          </p:cNvSpPr>
+          <p:nvPr>
+            <p:ph type="title"/>
+          </p:nvPr>
+        </p:nvSpPr>
+        <p:spPr/>
+        <p:txBody>
+          <a:bodyPr/>
+          <a:lstStyle/>
+          <a:p>
+            <a:r>
+              <a:rPr lang="en-US" dirty="0"/>
+              <a:t>Example: Burglar Alarm</a:t>
+            </a:r>
+          </a:p>
+        </p:txBody>
+      </p:sp>
+      <p:sp>
+        <p:nvSpPr>
+          <p:cNvPr id="7171" name="Rectangle 3"/>
+          <p:cNvSpPr>
+            <a:spLocks noGrp="1" noChangeArrowheads="1"/>
+          </p:cNvSpPr>
+          <p:nvPr>
+            <p:ph idx="1"/>
+          </p:nvPr>
+        </p:nvSpPr>
+        <p:spPr>
+          <a:xfrm>
+            <a:off x="628650" y="1825625"/>
+            <a:ext cx="7886700" cy="4575176"/>
+          </a:xfrm>
+        </p:spPr>
+        <p:txBody>
+          <a:bodyPr>
+            <a:normAutofit lnSpcReduction="10000"/>
+          </a:bodyPr>
+          <a:lstStyle/>
+          <a:p>
+            <a:r>
+              <a:rPr lang="en-US" b="1" dirty="0"/>
+              <a:t>Description</a:t>
+            </a:r>
+            <a:r>
+              <a:rPr lang="en-US" dirty="0"/>
+              <a:t>: I have a </a:t>
+            </a:r>
+            <a:r>
+              <a:rPr lang="en-US" b="1" dirty="0"/>
+              <a:t>burglar</a:t>
+            </a:r>
+            <a:r>
+              <a:rPr lang="en-US" dirty="0"/>
+              <a:t> </a:t>
+            </a:r>
+            <a:r>
+              <a:rPr lang="en-US" b="1" dirty="0"/>
+              <a:t>alarm</a:t>
+            </a:r>
+            <a:r>
+              <a:rPr lang="en-US" dirty="0"/>
+              <a:t> that is sometimes set off by minor </a:t>
+            </a:r>
+            <a:r>
+              <a:rPr lang="en-US" b="1" dirty="0"/>
+              <a:t>earthquakes</a:t>
+            </a:r>
+            <a:r>
+              <a:rPr lang="en-US" dirty="0"/>
+              <a:t>. My two neighbors, </a:t>
+            </a:r>
+            <a:r>
+              <a:rPr lang="en-US" b="1" dirty="0"/>
+              <a:t>John</a:t>
+            </a:r>
+            <a:r>
+              <a:rPr lang="en-US" dirty="0"/>
+              <a:t> and </a:t>
+            </a:r>
+            <a:r>
+              <a:rPr lang="en-US" b="1" dirty="0"/>
+              <a:t>Mary</a:t>
+            </a:r>
+            <a:r>
+              <a:rPr lang="en-US" dirty="0"/>
+              <a:t>, promised to call me at work if they hear the alarm.</a:t>
+            </a:r>
+          </a:p>
+          <a:p>
+            <a:r>
+              <a:rPr lang="en-US" dirty="0"/>
+              <a:t>Example inference task: Suppose Mary calls, and John doesn’t call. What is the probability of a burglary?</a:t>
+            </a:r>
+          </a:p>
+          <a:p>
+            <a:endParaRPr lang="en-US" dirty="0"/>
+          </a:p>
+          <a:p>
+            <a:r>
+              <a:rPr lang="en-US" dirty="0"/>
+              <a:t>What are the random variables? </a:t>
+            </a:r>
+          </a:p>
+          <a:p>
+            <a:pPr lvl="1"/>
+            <a:r>
+              <a:rPr lang="en-US" dirty="0">
+                <a:solidFill>
+                  <a:schemeClr val="accent5">
+                    <a:lumMod val="75000"/>
+                  </a:schemeClr>
+                </a:solidFill>
+              </a:rPr>
+              <a:t>Burglary, Earthquake, Alarm, </a:t>
+            </a:r>
+            <a:r>
+              <a:rPr lang="en-US" dirty="0" err="1">
+                <a:solidFill>
+                  <a:schemeClr val="accent5">
+                    <a:lumMod val="75000"/>
+                  </a:schemeClr>
+                </a:solidFill>
+              </a:rPr>
+              <a:t>JohnCalls</a:t>
+            </a:r>
+            <a:r>
+              <a:rPr lang="en-US" dirty="0">
+                <a:solidFill>
+                  <a:schemeClr val="accent5">
+                    <a:lumMod val="75000"/>
+                  </a:schemeClr>
+                </a:solidFill>
+              </a:rPr>
+              <a:t>, </a:t>
+            </a:r>
+            <a:r>
+              <a:rPr lang="en-US" dirty="0" err="1">
+                <a:solidFill>
+                  <a:schemeClr val="accent5">
+                    <a:lumMod val="75000"/>
+                  </a:schemeClr>
+                </a:solidFill>
+              </a:rPr>
+              <a:t>MaryCalls</a:t>
+            </a:r>
+            <a:endParaRPr lang="en-US" dirty="0">
+              <a:solidFill>
+                <a:schemeClr val="accent5">
+                  <a:lumMod val="75000"/>
+                </a:schemeClr>
+              </a:solidFill>
+            </a:endParaRPr>
+          </a:p>
+          <a:p>
+            <a:endParaRPr lang="en-US" dirty="0"/>
+          </a:p>
+          <a:p>
+            <a:r>
+              <a:rPr lang="en-US" dirty="0"/>
+              <a:t>What are the direct influence relationships?</a:t>
+            </a:r>
+          </a:p>
+          <a:p>
+            <a:pPr lvl="1"/>
+            <a:r>
+              <a:rPr lang="en-US" dirty="0"/>
+              <a:t>A burglar can set off the alarm</a:t>
+            </a:r>
+          </a:p>
+          <a:p>
+            <a:pPr lvl="1"/>
+            <a:r>
+              <a:rPr lang="en-US" dirty="0"/>
+              <a:t>An earthquake can set off the alarm</a:t>
+            </a:r>
+          </a:p>
+          <a:p>
+            <a:pPr lvl="1"/>
+            <a:r>
+              <a:rPr lang="en-US" dirty="0"/>
+              <a:t>The alarm can cause Mary to call</a:t>
+            </a:r>
+          </a:p>
+          <a:p>
+            <a:pPr lvl="1"/>
+            <a:r>
+              <a:rPr lang="en-US" dirty="0"/>
+              <a:t>The alarm can cause John to call</a:t>
+            </a:r>
+          </a:p>
+        </p:txBody>
+      </p:sp>
+    </p:spTree>
+  </p:cSld>
+  <p:clrMapOvr>
+    <a:masterClrMapping/>
+  </p:clrMapOvr>
+  <p:timing>
+    <p:tnLst>
+      <p:par>
+        <p:cTn id="1" dur="indefinite" restart="never" nodeType="tmRoot">
+          <p:childTnLst>
+            <p:seq concurrent="1" nextAc="seek">
+              <p:cTn id="2" dur="indefinite" nodeType="mainSeq">
+                <p:childTnLst>
+                  <p:par>
+                    <p:cTn id="3" fill="hold">
+                      <p:stCondLst>
+                        <p:cond delay="indefinite"/>
+                      </p:stCondLst>
+                      <p:childTnLst>
+                        <p:par>
+                          <p:cTn id="4" fill="hold">
+                            <p:stCondLst>
+                              <p:cond delay="0"/>
+                            </p:stCondLst>
+                            <p:childTnLst>
+                              <p:par>
+                                <p:cTn id="5" presetID="1" presetClass="entr" presetSubtype="0" fill="hold" grpId="0" nodeType="clickEffect">
+                                  <p:stCondLst>
+                                    <p:cond delay="0"/>
+                                  </p:stCondLst>
+                                  <p:childTnLst>
+                                    <p:set>
+                                      <p:cBhvr>
+                                        <p:cTn id="6" dur="1" fill="hold">
+                                          <p:stCondLst>
+                                            <p:cond delay="0"/>
+                                          </p:stCondLst>
+                                        </p:cTn>
+                                        <p:tgtEl>
+                                          <p:spTgt spid="7171">
+                                            <p:txEl>
+                                              <p:pRg st="0" end="0"/>
+                                            </p:txEl>
+                                          </p:spTgt>
+                                        </p:tgtEl>
+                                        <p:attrNameLst>
+                                          <p:attrName>style.visibility</p:attrName>
+                                        </p:attrNameLst>
+                                      </p:cBhvr>
+                                      <p:to>
+                                        <p:strVal val="visible"/>
+                                      </p:to>
+                                    </p:set>
+                                  </p:childTnLst>
+                                </p:cTn>
+                              </p:par>
+                            </p:childTnLst>
+                          </p:cTn>
+                        </p:par>
+                      </p:childTnLst>
+                    </p:cTn>
+                  </p:par>
+                  <p:par>
+                    <p:cTn id="7" fill="hold">
+                      <p:stCondLst>
+                        <p:cond delay="indefinite"/>
+                      </p:stCondLst>
+                      <p:childTnLst>
+                        <p:par>
+                          <p:cTn id="8" fill="hold">
+                            <p:stCondLst>
+                              <p:cond delay="0"/>
+                            </p:stCondLst>
+                            <p:childTnLst>
+                              <p:par>
+                                <p:cTn id="9" presetID="1" presetClass="entr" presetSubtype="0" fill="hold" grpId="0" nodeType="clickEffect">
+                                  <p:stCondLst>
+                                    <p:cond delay="0"/>
+                                  </p:stCondLst>
+                                  <p:childTnLst>
+                                    <p:set>
+                                      <p:cBhvr>
+                                        <p:cTn id="10" dur="1" fill="hold">
+                                          <p:stCondLst>
+                                            <p:cond delay="0"/>
+                                          </p:stCondLst>
+                                        </p:cTn>
+                                        <p:tgtEl>
+                                          <p:spTgt spid="7171">
+                                            <p:txEl>
+                                              <p:pRg st="1" end="1"/>
+                                            </p:txEl>
+                                          </p:spTgt>
+                                        </p:tgtEl>
+                                        <p:attrNameLst>
+                                          <p:attrName>style.visibility</p:attrName>
+                                        </p:attrNameLst>
+                                      </p:cBhvr>
+                                      <p:to>
+                                        <p:strVal val="visible"/>
+                                      </p:to>
+                                    </p:set>
+                                  </p:childTnLst>
+                                </p:cTn>
+                              </p:par>
+                            </p:childTnLst>
+                          </p:cTn>
+                        </p:par>
+                      </p:childTnLst>
+                    </p:cTn>
+                  </p:par>
+                  <p:par>
+                    <p:cTn id="11" fill="hold">
+                      <p:stCondLst>
+                        <p:cond delay="indefinite"/>
+                      </p:stCondLst>
+                      <p:childTnLst>
+                        <p:par>
+                          <p:cTn id="12" fill="hold">
+                            <p:stCondLst>
+                              <p:cond delay="0"/>
+                            </p:stCondLst>
+                            <p:childTnLst>
+                              <p:par>
+                                <p:cTn id="13" presetID="1" presetClass="entr" presetSubtype="0" fill="hold" grpId="0" nodeType="clickEffect">
+                                  <p:stCondLst>
+                                    <p:cond delay="0"/>
+                                  </p:stCondLst>
+                                  <p:childTnLst>
+                                    <p:set>
+                                      <p:cBhvr>
+                                        <p:cTn id="14" dur="1" fill="hold">
+                                          <p:stCondLst>
+                                            <p:cond delay="0"/>
+                                          </p:stCondLst>
+                                        </p:cTn>
+                                        <p:tgtEl>
+                                          <p:spTgt spid="7171">
+                                            <p:txEl>
+                                              <p:pRg st="3" end="3"/>
+                                            </p:txEl>
+                                          </p:spTgt>
+                                        </p:tgtEl>
+                                        <p:attrNameLst>
+                                          <p:attrName>style.visibility</p:attrName>
+                                        </p:attrNameLst>
+                                      </p:cBhvr>
+                                      <p:to>
+                                        <p:strVal val="visible"/>
+                                      </p:to>
+                                    </p:set>
+                                  </p:childTnLst>
+                                </p:cTn>
+                              </p:par>
+                              <p:par>
+                                <p:cTn id="15" presetID="1" presetClass="entr" presetSubtype="0" fill="hold" grpId="0" nodeType="withEffect">
+                                  <p:stCondLst>
+                                    <p:cond delay="0"/>
+                                  </p:stCondLst>
+                                  <p:childTnLst>
+                                    <p:set>
+                                      <p:cBhvr>
+                                        <p:cTn id="16" dur="1" fill="hold">
+                                          <p:stCondLst>
+                                            <p:cond delay="0"/>
+                                          </p:stCondLst>
+                                        </p:cTn>
+                                        <p:tgtEl>
+                                          <p:spTgt spid="7171">
+                                            <p:txEl>
+                                              <p:pRg st="4" end="4"/>
+                                            </p:txEl>
+                                          </p:spTgt>
+                                        </p:tgtEl>
+                                        <p:attrNameLst>
+                                          <p:attrName>style.visibility</p:attrName>
+                                        </p:attrNameLst>
+                                      </p:cBhvr>
+                                      <p:to>
+                                        <p:strVal val="visible"/>
+                                      </p:to>
+                                    </p:set>
+                                  </p:childTnLst>
+                                </p:cTn>
+                              </p:par>
+                            </p:childTnLst>
+                          </p:cTn>
+                        </p:par>
+                      </p:childTnLst>
+                    </p:cTn>
+                  </p:par>
+                  <p:par>
+                    <p:cTn id="17" fill="hold">
+                      <p:stCondLst>
+                        <p:cond delay="indefinite"/>
+                      </p:stCondLst>
+                      <p:childTnLst>
+                        <p:par>
+                          <p:cTn id="18" fill="hold">
+                            <p:stCondLst>
+                              <p:cond delay="0"/>
+                            </p:stCondLst>
+                            <p:childTnLst>
+                              <p:par>
+                                <p:cTn id="19" presetID="1" presetClass="entr" presetSubtype="0" fill="hold" grpId="0" nodeType="clickEffect">
+                                  <p:stCondLst>
+                                    <p:cond delay="0"/>
+                                  </p:stCondLst>
+                                  <p:childTnLst>
+                                    <p:set>
+                                      <p:cBhvr>
+                                        <p:cTn id="20" dur="1" fill="hold">
+                                          <p:stCondLst>
+                                            <p:cond delay="0"/>
+                                          </p:stCondLst>
+                                        </p:cTn>
+                                        <p:tgtEl>
+                                          <p:spTgt spid="7171">
+                                            <p:txEl>
+                                              <p:pRg st="6" end="6"/>
+                                            </p:txEl>
+                                          </p:spTgt>
+                                        </p:tgtEl>
+                                        <p:attrNameLst>
+                                          <p:attrName>style.visibility</p:attrName>
+                                        </p:attrNameLst>
+                                      </p:cBhvr>
+                                      <p:to>
+                                        <p:strVal val="visible"/>
+                                      </p:to>
+                                    </p:set>
+                                  </p:childTnLst>
+                                </p:cTn>
+                              </p:par>
+                              <p:par>
+                                <p:cTn id="21" presetID="1" presetClass="entr" presetSubtype="0" fill="hold" grpId="0" nodeType="withEffect">
+                                  <p:stCondLst>
+                                    <p:cond delay="0"/>
+                                  </p:stCondLst>
+                                  <p:childTnLst>
+                                    <p:set>
+                                      <p:cBhvr>
+                                        <p:cTn id="22" dur="1" fill="hold">
+                                          <p:stCondLst>
+                                            <p:cond delay="0"/>
+                                          </p:stCondLst>
+                                        </p:cTn>
+                                        <p:tgtEl>
+                                          <p:spTgt spid="7171">
+                                            <p:txEl>
+                                              <p:pRg st="7" end="7"/>
+                                            </p:txEl>
+                                          </p:spTgt>
+                                        </p:tgtEl>
+                                        <p:attrNameLst>
+                                          <p:attrName>style.visibility</p:attrName>
+                                        </p:attrNameLst>
+                                      </p:cBhvr>
+                                      <p:to>
+                                        <p:strVal val="visible"/>
+                                      </p:to>
+                                    </p:set>
+                                  </p:childTnLst>
+                                </p:cTn>
+                              </p:par>
+                              <p:par>
+                                <p:cTn id="23" presetID="1" presetClass="entr" presetSubtype="0" fill="hold" grpId="0" nodeType="withEffect">
+                                  <p:stCondLst>
+                                    <p:cond delay="0"/>
+                                  </p:stCondLst>
+                                  <p:childTnLst>
+                                    <p:set>
+                                      <p:cBhvr>
+                                        <p:cTn id="24" dur="1" fill="hold">
+                                          <p:stCondLst>
+                                            <p:cond delay="0"/>
+                                          </p:stCondLst>
+                                        </p:cTn>
+                                        <p:tgtEl>
+                                          <p:spTgt spid="7171">
+                                            <p:txEl>
+                                              <p:pRg st="8" end="8"/>
+                                            </p:txEl>
+                                          </p:spTgt>
+                                        </p:tgtEl>
+                                        <p:attrNameLst>
+                                          <p:attrName>style.visibility</p:attrName>
+                                        </p:attrNameLst>
+                                      </p:cBhvr>
+                                      <p:to>
+                                        <p:strVal val="visible"/>
+                                      </p:to>
+                                    </p:set>
+                                  </p:childTnLst>
+                                </p:cTn>
+                              </p:par>
+                              <p:par>
+                                <p:cTn id="25" presetID="1" presetClass="entr" presetSubtype="0" fill="hold" grpId="0" nodeType="withEffect">
+                                  <p:stCondLst>
+                                    <p:cond delay="0"/>
+                                  </p:stCondLst>
+                                  <p:childTnLst>
+                                    <p:set>
+                                      <p:cBhvr>
+                                        <p:cTn id="26" dur="1" fill="hold">
+                                          <p:stCondLst>
+                                            <p:cond delay="0"/>
+                                          </p:stCondLst>
+                                        </p:cTn>
+                                        <p:tgtEl>
+                                          <p:spTgt spid="7171">
+                                            <p:txEl>
+                                              <p:pRg st="9" end="9"/>
+                                            </p:txEl>
+                                          </p:spTgt>
+                                        </p:tgtEl>
+                                        <p:attrNameLst>
+                                          <p:attrName>style.visibility</p:attrName>
+                                        </p:attrNameLst>
+                                      </p:cBhvr>
+                                      <p:to>
+                                        <p:strVal val="visible"/>
+                                      </p:to>
+                                    </p:set>
+                                  </p:childTnLst>
+                                </p:cTn>
+                              </p:par>
+                              <p:par>
+                                <p:cTn id="27" presetID="1" presetClass="entr" presetSubtype="0" fill="hold" grpId="0" nodeType="withEffect">
+                                  <p:stCondLst>
+                                    <p:cond delay="0"/>
+                                  </p:stCondLst>
+                                  <p:childTnLst>
+                                    <p:set>
+                                      <p:cBhvr>
+                                        <p:cTn id="28" dur="1" fill="hold">
+                                          <p:stCondLst>
+                                            <p:cond delay="0"/>
+                                          </p:stCondLst>
+                                        </p:cTn>
+                                        <p:tgtEl>
+                                          <p:spTgt spid="7171">
+                                            <p:txEl>
+                                              <p:pRg st="10" end="10"/>
+                                            </p:txEl>
+                                          </p:spTgt>
+                                        </p:tgtEl>
+                                        <p:attrNameLst>
+                                          <p:attrName>style.visibility</p:attrName>
+                                        </p:attrNameLst>
+                                      </p:cBhvr>
+                                      <p:to>
+                                        <p:strVal val="visible"/>
+                                      </p:to>
+                                    </p:set>
+                                  </p:childTnLst>
+                                </p:cTn>
+                              </p:par>
+                            </p:childTnLst>
+                          </p:cTn>
+                        </p:par>
+                      </p:childTnLst>
+                    </p:cTn>
+                  </p:par>
+                </p:childTnLst>
+              </p:cTn>
+              <p:prevCondLst>
+                <p:cond evt="onPrev" delay="0">
+                  <p:tgtEl>
+                    <p:sldTgt/>
+                  </p:tgtEl>
+                </p:cond>
+              </p:prevCondLst>
+              <p:nextCondLst>
+                <p:cond evt="onNext" delay="0">
+                  <p:tgtEl>
+                    <p:sldTgt/>
+                  </p:tgtEl>
+                </p:cond>
+              </p:nextCondLst>
+            </p:seq>
+          </p:childTnLst>
+        </p:cTn>
+      </p:par>
+    </p:tnLst>
+    <p:bldLst>
+      <p:bldP spid="7171" grpId="0" build="p"/>
+    </p:bldLst>
+  </p:timing>
+</p:sld>
+</file>
+
+<file path=ppt/slides/slide13.xml><?xml version="1.0" encoding="utf-8"?>
+<p:sld xmlns:a="http://schemas.openxmlformats.org/drawingml/2006/main" xmlns:r="http://schemas.openxmlformats.org/officeDocument/2006/relationships" xmlns:p="http://schemas.openxmlformats.org/presentationml/2006/main">
+  <p:cSld>
+    <p:spTree>
+      <p:nvGrpSpPr>
+        <p:cNvPr id="1" name=""/>
+        <p:cNvGrpSpPr/>
+        <p:nvPr/>
+      </p:nvGrpSpPr>
+      <p:grpSpPr>
+        <a:xfrm>
+          <a:off x="0" y="0"/>
+          <a:ext cx="0" cy="0"/>
+          <a:chOff x="0" y="0"/>
+          <a:chExt cx="0" cy="0"/>
+        </a:xfrm>
+      </p:grpSpPr>
+      <p:sp>
+        <p:nvSpPr>
+          <p:cNvPr id="8194" name="Rectangle 2"/>
+          <p:cNvSpPr>
+            <a:spLocks noGrp="1" noChangeArrowheads="1"/>
+          </p:cNvSpPr>
+          <p:nvPr>
+            <p:ph type="title"/>
+          </p:nvPr>
+        </p:nvSpPr>
+        <p:spPr/>
+        <p:txBody>
+          <a:bodyPr/>
+          <a:lstStyle/>
+          <a:p>
+            <a:r>
+              <a:rPr lang="en-US" dirty="0"/>
+              <a:t>Example: Burglar Alarm as a Network</a:t>
+            </a:r>
+          </a:p>
+        </p:txBody>
+      </p:sp>
       <p:sp>
         <p:nvSpPr>
           <p:cNvPr id="8" name="Rectangle 7">
@@ -16264,112 +18389,8 @@
         </p:nvSpPr>
         <p:spPr>
           <a:xfrm>
-            <a:off x="6324600" y="1219200"/>
-            <a:ext cx="1295400" cy="1066800"/>
-          </a:xfrm>
-          <a:prstGeom prst="rect">
-            <a:avLst/>
-          </a:prstGeom>
-          <a:solidFill>
-            <a:schemeClr val="bg1"/>
-          </a:solidFill>
-          <a:ln>
-            <a:noFill/>
-          </a:ln>
-        </p:spPr>
-        <p:style>
-          <a:lnRef idx="2">
-            <a:schemeClr val="accent1">
-              <a:shade val="50000"/>
-            </a:schemeClr>
-          </a:lnRef>
-          <a:fillRef idx="1">
-            <a:schemeClr val="accent1"/>
-          </a:fillRef>
-          <a:effectRef idx="0">
-            <a:schemeClr val="accent1"/>
-          </a:effectRef>
-          <a:fontRef idx="minor">
-            <a:schemeClr val="lt1"/>
-          </a:fontRef>
-        </p:style>
-        <p:txBody>
-          <a:bodyPr rtlCol="0" anchor="ctr"/>
-          <a:lstStyle/>
-          <a:p>
-            <a:pPr algn="ctr"/>
-            <a:endParaRPr lang="en-US"/>
-          </a:p>
-        </p:txBody>
-      </p:sp>
-      <p:sp>
-        <p:nvSpPr>
-          <p:cNvPr id="9" name="Rectangle 8">
-            <a:extLst>
-              <a:ext uri="{C183D7F6-B498-43B3-948B-1728B52AA6E4}">
-                <adec:decorative xmlns:adec="http://schemas.microsoft.com/office/drawing/2017/decorative" val="1"/>
-              </a:ext>
-            </a:extLst>
-          </p:cNvPr>
-          <p:cNvSpPr/>
-          <p:nvPr/>
-        </p:nvSpPr>
-        <p:spPr>
-          <a:xfrm>
-            <a:off x="-533400" y="2590800"/>
-            <a:ext cx="2743200" cy="1905000"/>
-          </a:xfrm>
-          <a:prstGeom prst="rect">
-            <a:avLst/>
-          </a:prstGeom>
-          <a:solidFill>
-            <a:schemeClr val="bg1"/>
-          </a:solidFill>
-          <a:ln>
-            <a:noFill/>
-          </a:ln>
-        </p:spPr>
-        <p:style>
-          <a:lnRef idx="2">
-            <a:schemeClr val="accent1">
-              <a:shade val="50000"/>
-            </a:schemeClr>
-          </a:lnRef>
-          <a:fillRef idx="1">
-            <a:schemeClr val="accent1"/>
-          </a:fillRef>
-          <a:effectRef idx="0">
-            <a:schemeClr val="accent1"/>
-          </a:effectRef>
-          <a:fontRef idx="minor">
-            <a:schemeClr val="lt1"/>
-          </a:fontRef>
-        </p:style>
-        <p:txBody>
-          <a:bodyPr rtlCol="0" anchor="ctr"/>
-          <a:lstStyle/>
-          <a:p>
-            <a:pPr algn="ctr"/>
-            <a:endParaRPr lang="en-US"/>
-          </a:p>
-        </p:txBody>
-      </p:sp>
-      <p:sp>
-        <p:nvSpPr>
-          <p:cNvPr id="10" name="Rectangle 9">
-            <a:extLst>
-              <a:ext uri="{C183D7F6-B498-43B3-948B-1728B52AA6E4}">
-                <adec:decorative xmlns:adec="http://schemas.microsoft.com/office/drawing/2017/decorative" val="1"/>
-              </a:ext>
-            </a:extLst>
-          </p:cNvPr>
-          <p:cNvSpPr/>
-          <p:nvPr/>
-        </p:nvSpPr>
-        <p:spPr>
-          <a:xfrm>
-            <a:off x="2703576" y="4876800"/>
-            <a:ext cx="1676400" cy="1295400"/>
+            <a:off x="6248401" y="1413428"/>
+            <a:ext cx="863600" cy="742315"/>
           </a:xfrm>
           <a:prstGeom prst="rect">
             <a:avLst/>
@@ -16420,8 +18441,8 @@
         </p:nvSpPr>
         <p:spPr>
           <a:xfrm>
-            <a:off x="6858000" y="4800600"/>
-            <a:ext cx="1676400" cy="1447800"/>
+            <a:off x="6781800" y="5010452"/>
+            <a:ext cx="1117600" cy="1007428"/>
           </a:xfrm>
           <a:prstGeom prst="rect">
             <a:avLst/>
@@ -16460,6 +18481,368 @@
       </p:sp>
       <p:sp>
         <p:nvSpPr>
+          <p:cNvPr id="2" name="TextBox 1">
+            <a:extLst>
+              <a:ext uri="{FF2B5EF4-FFF2-40B4-BE49-F238E27FC236}">
+                <a16:creationId xmlns:a16="http://schemas.microsoft.com/office/drawing/2014/main" id="{D1A1931F-FFA3-D912-11B2-59693BA1F39C}"/>
+              </a:ext>
+            </a:extLst>
+          </p:cNvPr>
+          <p:cNvSpPr txBox="1"/>
+          <p:nvPr/>
+        </p:nvSpPr>
+        <p:spPr>
+          <a:xfrm>
+            <a:off x="1617887" y="5868537"/>
+            <a:ext cx="6261100" cy="369332"/>
+          </a:xfrm>
+          <a:prstGeom prst="rect">
+            <a:avLst/>
+          </a:prstGeom>
+          <a:noFill/>
+        </p:spPr>
+        <p:txBody>
+          <a:bodyPr wrap="square" rtlCol="0">
+            <a:spAutoFit/>
+          </a:bodyPr>
+          <a:lstStyle/>
+          <a:p>
+            <a:pPr algn="ctr"/>
+            <a:r>
+              <a:rPr lang="en-US" dirty="0">
+                <a:solidFill>
+                  <a:srgbClr val="FF0000"/>
+                </a:solidFill>
+              </a:rPr>
+              <a:t>What are the probabilities?</a:t>
+            </a:r>
+          </a:p>
+        </p:txBody>
+      </p:sp>
+      <p:grpSp>
+        <p:nvGrpSpPr>
+          <p:cNvPr id="12" name="Group 11">
+            <a:extLst>
+              <a:ext uri="{FF2B5EF4-FFF2-40B4-BE49-F238E27FC236}">
+                <a16:creationId xmlns:a16="http://schemas.microsoft.com/office/drawing/2014/main" id="{B3084BE9-5D41-7BFB-AFF4-64A2486E175E}"/>
+              </a:ext>
+            </a:extLst>
+          </p:cNvPr>
+          <p:cNvGrpSpPr/>
+          <p:nvPr/>
+        </p:nvGrpSpPr>
+        <p:grpSpPr>
+          <a:xfrm>
+            <a:off x="-76200" y="1371600"/>
+            <a:ext cx="6569425" cy="3867205"/>
+            <a:chOff x="-533400" y="1381612"/>
+            <a:chExt cx="6569425" cy="3867205"/>
+          </a:xfrm>
+        </p:grpSpPr>
+        <p:pic>
+          <p:nvPicPr>
+            <p:cNvPr id="8197" name="Picture 5" descr="A network showing that alarm depends on burglary and earthquake, and that johncalls and marycalls each depend on only alarm. "/>
+            <p:cNvPicPr>
+              <a:picLocks noChangeAspect="1" noChangeArrowheads="1"/>
+            </p:cNvPicPr>
+            <p:nvPr/>
+          </p:nvPicPr>
+          <p:blipFill>
+            <a:blip r:embed="rId3" cstate="print"/>
+            <a:srcRect/>
+            <a:stretch>
+              <a:fillRect/>
+            </a:stretch>
+          </p:blipFill>
+          <p:spPr bwMode="auto">
+            <a:xfrm>
+              <a:off x="-533400" y="1511925"/>
+              <a:ext cx="6472530" cy="3568477"/>
+            </a:xfrm>
+            <a:prstGeom prst="rect">
+              <a:avLst/>
+            </a:prstGeom>
+            <a:noFill/>
+            <a:ln w="9525">
+              <a:noFill/>
+              <a:miter lim="800000"/>
+              <a:headEnd/>
+              <a:tailEnd/>
+            </a:ln>
+          </p:spPr>
+        </p:pic>
+        <p:sp>
+          <p:nvSpPr>
+            <p:cNvPr id="7" name="Rectangle 6">
+              <a:extLst>
+                <a:ext uri="{C183D7F6-B498-43B3-948B-1728B52AA6E4}">
+                  <adec:decorative xmlns:adec="http://schemas.microsoft.com/office/drawing/2017/decorative" val="1"/>
+                </a:ext>
+              </a:extLst>
+            </p:cNvPr>
+            <p:cNvSpPr/>
+            <p:nvPr/>
+          </p:nvSpPr>
+          <p:spPr>
+            <a:xfrm>
+              <a:off x="1676400" y="1538423"/>
+              <a:ext cx="838200" cy="742315"/>
+            </a:xfrm>
+            <a:prstGeom prst="rect">
+              <a:avLst/>
+            </a:prstGeom>
+            <a:solidFill>
+              <a:schemeClr val="bg1"/>
+            </a:solidFill>
+            <a:ln>
+              <a:noFill/>
+            </a:ln>
+          </p:spPr>
+          <p:style>
+            <a:lnRef idx="2">
+              <a:schemeClr val="accent1">
+                <a:shade val="50000"/>
+              </a:schemeClr>
+            </a:lnRef>
+            <a:fillRef idx="1">
+              <a:schemeClr val="accent1"/>
+            </a:fillRef>
+            <a:effectRef idx="0">
+              <a:schemeClr val="accent1"/>
+            </a:effectRef>
+            <a:fontRef idx="minor">
+              <a:schemeClr val="lt1"/>
+            </a:fontRef>
+          </p:style>
+          <p:txBody>
+            <a:bodyPr rtlCol="0" anchor="ctr"/>
+            <a:lstStyle/>
+            <a:p>
+              <a:pPr algn="ctr"/>
+              <a:endParaRPr lang="en-US"/>
+            </a:p>
+          </p:txBody>
+        </p:sp>
+        <p:sp>
+          <p:nvSpPr>
+            <p:cNvPr id="9" name="Rectangle 8">
+              <a:extLst>
+                <a:ext uri="{C183D7F6-B498-43B3-948B-1728B52AA6E4}">
+                  <adec:decorative xmlns:adec="http://schemas.microsoft.com/office/drawing/2017/decorative" val="1"/>
+                </a:ext>
+              </a:extLst>
+            </p:cNvPr>
+            <p:cNvSpPr/>
+            <p:nvPr/>
+          </p:nvSpPr>
+          <p:spPr>
+            <a:xfrm>
+              <a:off x="-525588" y="2514600"/>
+              <a:ext cx="1897188" cy="1383201"/>
+            </a:xfrm>
+            <a:prstGeom prst="rect">
+              <a:avLst/>
+            </a:prstGeom>
+            <a:solidFill>
+              <a:schemeClr val="bg1"/>
+            </a:solidFill>
+            <a:ln>
+              <a:noFill/>
+            </a:ln>
+          </p:spPr>
+          <p:style>
+            <a:lnRef idx="2">
+              <a:schemeClr val="accent1">
+                <a:shade val="50000"/>
+              </a:schemeClr>
+            </a:lnRef>
+            <a:fillRef idx="1">
+              <a:schemeClr val="accent1"/>
+            </a:fillRef>
+            <a:effectRef idx="0">
+              <a:schemeClr val="accent1"/>
+            </a:effectRef>
+            <a:fontRef idx="minor">
+              <a:schemeClr val="lt1"/>
+            </a:fontRef>
+          </p:style>
+          <p:txBody>
+            <a:bodyPr rtlCol="0" anchor="ctr"/>
+            <a:lstStyle/>
+            <a:p>
+              <a:pPr algn="ctr"/>
+              <a:endParaRPr lang="en-US"/>
+            </a:p>
+          </p:txBody>
+        </p:sp>
+        <p:sp>
+          <p:nvSpPr>
+            <p:cNvPr id="4" name="Rectangle 3">
+              <a:extLst>
+                <a:ext uri="{FF2B5EF4-FFF2-40B4-BE49-F238E27FC236}">
+                  <a16:creationId xmlns:a16="http://schemas.microsoft.com/office/drawing/2014/main" id="{627E4B53-E53F-57CE-FEAD-696A20C9E41A}"/>
+                </a:ext>
+                <a:ext uri="{C183D7F6-B498-43B3-948B-1728B52AA6E4}">
+                  <adec:decorative xmlns:adec="http://schemas.microsoft.com/office/drawing/2017/decorative" val="1"/>
+                </a:ext>
+              </a:extLst>
+            </p:cNvPr>
+            <p:cNvSpPr/>
+            <p:nvPr/>
+          </p:nvSpPr>
+          <p:spPr>
+            <a:xfrm>
+              <a:off x="1722121" y="3999962"/>
+              <a:ext cx="1287588" cy="1154601"/>
+            </a:xfrm>
+            <a:prstGeom prst="rect">
+              <a:avLst/>
+            </a:prstGeom>
+            <a:solidFill>
+              <a:schemeClr val="bg1"/>
+            </a:solidFill>
+            <a:ln>
+              <a:noFill/>
+            </a:ln>
+          </p:spPr>
+          <p:style>
+            <a:lnRef idx="2">
+              <a:schemeClr val="accent1">
+                <a:shade val="50000"/>
+              </a:schemeClr>
+            </a:lnRef>
+            <a:fillRef idx="1">
+              <a:schemeClr val="accent1"/>
+            </a:fillRef>
+            <a:effectRef idx="0">
+              <a:schemeClr val="accent1"/>
+            </a:effectRef>
+            <a:fontRef idx="minor">
+              <a:schemeClr val="lt1"/>
+            </a:fontRef>
+          </p:style>
+          <p:txBody>
+            <a:bodyPr rtlCol="0" anchor="ctr"/>
+            <a:lstStyle/>
+            <a:p>
+              <a:pPr algn="ctr"/>
+              <a:endParaRPr lang="en-US"/>
+            </a:p>
+          </p:txBody>
+        </p:sp>
+        <p:sp>
+          <p:nvSpPr>
+            <p:cNvPr id="5" name="Rectangle 4">
+              <a:extLst>
+                <a:ext uri="{FF2B5EF4-FFF2-40B4-BE49-F238E27FC236}">
+                  <a16:creationId xmlns:a16="http://schemas.microsoft.com/office/drawing/2014/main" id="{A8DC76A8-3189-3491-F236-8F60BF384594}"/>
+                </a:ext>
+                <a:ext uri="{C183D7F6-B498-43B3-948B-1728B52AA6E4}">
+                  <adec:decorative xmlns:adec="http://schemas.microsoft.com/office/drawing/2017/decorative" val="1"/>
+                </a:ext>
+              </a:extLst>
+            </p:cNvPr>
+            <p:cNvSpPr/>
+            <p:nvPr/>
+          </p:nvSpPr>
+          <p:spPr>
+            <a:xfrm>
+              <a:off x="4748437" y="4094216"/>
+              <a:ext cx="1287588" cy="1154601"/>
+            </a:xfrm>
+            <a:prstGeom prst="rect">
+              <a:avLst/>
+            </a:prstGeom>
+            <a:solidFill>
+              <a:schemeClr val="bg1"/>
+            </a:solidFill>
+            <a:ln>
+              <a:noFill/>
+            </a:ln>
+          </p:spPr>
+          <p:style>
+            <a:lnRef idx="2">
+              <a:schemeClr val="accent1">
+                <a:shade val="50000"/>
+              </a:schemeClr>
+            </a:lnRef>
+            <a:fillRef idx="1">
+              <a:schemeClr val="accent1"/>
+            </a:fillRef>
+            <a:effectRef idx="0">
+              <a:schemeClr val="accent1"/>
+            </a:effectRef>
+            <a:fontRef idx="minor">
+              <a:schemeClr val="lt1"/>
+            </a:fontRef>
+          </p:style>
+          <p:txBody>
+            <a:bodyPr rtlCol="0" anchor="ctr"/>
+            <a:lstStyle/>
+            <a:p>
+              <a:pPr algn="ctr"/>
+              <a:endParaRPr lang="en-US"/>
+            </a:p>
+          </p:txBody>
+        </p:sp>
+        <p:sp>
+          <p:nvSpPr>
+            <p:cNvPr id="6" name="Rectangle 5">
+              <a:extLst>
+                <a:ext uri="{FF2B5EF4-FFF2-40B4-BE49-F238E27FC236}">
+                  <a16:creationId xmlns:a16="http://schemas.microsoft.com/office/drawing/2014/main" id="{9F7B8875-7F62-C5DF-C821-88012215C7B6}"/>
+                </a:ext>
+                <a:ext uri="{C183D7F6-B498-43B3-948B-1728B52AA6E4}">
+                  <adec:decorative xmlns:adec="http://schemas.microsoft.com/office/drawing/2017/decorative" val="1"/>
+                </a:ext>
+              </a:extLst>
+            </p:cNvPr>
+            <p:cNvSpPr/>
+            <p:nvPr/>
+          </p:nvSpPr>
+          <p:spPr>
+            <a:xfrm>
+              <a:off x="4379788" y="1381612"/>
+              <a:ext cx="1182812" cy="1154601"/>
+            </a:xfrm>
+            <a:prstGeom prst="rect">
+              <a:avLst/>
+            </a:prstGeom>
+            <a:solidFill>
+              <a:schemeClr val="bg1"/>
+            </a:solidFill>
+            <a:ln>
+              <a:noFill/>
+            </a:ln>
+          </p:spPr>
+          <p:style>
+            <a:lnRef idx="2">
+              <a:schemeClr val="accent1">
+                <a:shade val="50000"/>
+              </a:schemeClr>
+            </a:lnRef>
+            <a:fillRef idx="1">
+              <a:schemeClr val="accent1"/>
+            </a:fillRef>
+            <a:effectRef idx="0">
+              <a:schemeClr val="accent1"/>
+            </a:effectRef>
+            <a:fontRef idx="minor">
+              <a:schemeClr val="lt1"/>
+            </a:fontRef>
+          </p:style>
+          <p:txBody>
+            <a:bodyPr rtlCol="0" anchor="ctr"/>
+            <a:lstStyle/>
+            <a:p>
+              <a:pPr algn="ctr"/>
+              <a:endParaRPr lang="en-US"/>
+            </a:p>
+          </p:txBody>
+        </p:sp>
+      </p:grpSp>
+      <p:sp>
+        <p:nvSpPr>
           <p:cNvPr id="3" name="TextBox 2">
             <a:extLst>
               <a:ext uri="{FF2B5EF4-FFF2-40B4-BE49-F238E27FC236}">
@@ -16472,8 +18855,8 @@
         </p:nvSpPr>
         <p:spPr>
           <a:xfrm>
-            <a:off x="4937760" y="2690336"/>
-            <a:ext cx="3840480" cy="1477328"/>
+            <a:off x="5029200" y="2526201"/>
+            <a:ext cx="3933922" cy="1477328"/>
           </a:xfrm>
           <a:prstGeom prst="rect">
             <a:avLst/>
@@ -16538,10 +18921,88 @@
   <p:clrMapOvr>
     <a:masterClrMapping/>
   </p:clrMapOvr>
+  <p:timing>
+    <p:tnLst>
+      <p:par>
+        <p:cTn id="1" dur="indefinite" restart="never" nodeType="tmRoot">
+          <p:childTnLst>
+            <p:seq concurrent="1" nextAc="seek">
+              <p:cTn id="2" dur="indefinite" nodeType="mainSeq">
+                <p:childTnLst>
+                  <p:par>
+                    <p:cTn id="3" fill="hold">
+                      <p:stCondLst>
+                        <p:cond delay="indefinite"/>
+                      </p:stCondLst>
+                      <p:childTnLst>
+                        <p:par>
+                          <p:cTn id="4" fill="hold">
+                            <p:stCondLst>
+                              <p:cond delay="0"/>
+                            </p:stCondLst>
+                            <p:childTnLst>
+                              <p:par>
+                                <p:cTn id="5" presetID="1" presetClass="entr" presetSubtype="0" fill="hold" grpId="0" nodeType="clickEffect">
+                                  <p:stCondLst>
+                                    <p:cond delay="0"/>
+                                  </p:stCondLst>
+                                  <p:childTnLst>
+                                    <p:set>
+                                      <p:cBhvr>
+                                        <p:cTn id="6" dur="1" fill="hold">
+                                          <p:stCondLst>
+                                            <p:cond delay="0"/>
+                                          </p:stCondLst>
+                                        </p:cTn>
+                                        <p:tgtEl>
+                                          <p:spTgt spid="2"/>
+                                        </p:tgtEl>
+                                        <p:attrNameLst>
+                                          <p:attrName>style.visibility</p:attrName>
+                                        </p:attrNameLst>
+                                      </p:cBhvr>
+                                      <p:to>
+                                        <p:strVal val="visible"/>
+                                      </p:to>
+                                    </p:set>
+                                  </p:childTnLst>
+                                </p:cTn>
+                              </p:par>
+                            </p:childTnLst>
+                          </p:cTn>
+                        </p:par>
+                      </p:childTnLst>
+                    </p:cTn>
+                  </p:par>
+                </p:childTnLst>
+              </p:cTn>
+              <p:prevCondLst>
+                <p:cond evt="onPrev" delay="0">
+                  <p:tgtEl>
+                    <p:sldTgt/>
+                  </p:tgtEl>
+                </p:cond>
+              </p:prevCondLst>
+              <p:nextCondLst>
+                <p:cond evt="onNext" delay="0">
+                  <p:tgtEl>
+                    <p:sldTgt/>
+                  </p:tgtEl>
+                </p:cond>
+              </p:nextCondLst>
+            </p:seq>
+          </p:childTnLst>
+        </p:cTn>
+      </p:par>
+    </p:tnLst>
+    <p:bldLst>
+      <p:bldP spid="2" grpId="0"/>
+    </p:bldLst>
+  </p:timing>
 </p:sld>
 </file>
 
-<file path=ppt/slides/slide11.xml><?xml version="1.0" encoding="utf-8"?>
+<file path=ppt/slides/slide14.xml><?xml version="1.0" encoding="utf-8"?>
 <p:sld xmlns:a="http://schemas.openxmlformats.org/drawingml/2006/main" xmlns:r="http://schemas.openxmlformats.org/officeDocument/2006/relationships" xmlns:p="http://schemas.openxmlformats.org/presentationml/2006/main">
   <p:cSld>
     <p:spTree>
@@ -17680,7 +20141,7 @@
 </p:sld>
 </file>
 
-<file path=ppt/slides/slide12.xml><?xml version="1.0" encoding="utf-8"?>
+<file path=ppt/slides/slide15.xml><?xml version="1.0" encoding="utf-8"?>
 <p:sld xmlns:a="http://schemas.openxmlformats.org/drawingml/2006/main" xmlns:r="http://schemas.openxmlformats.org/officeDocument/2006/relationships" xmlns:p="http://schemas.openxmlformats.org/presentationml/2006/main">
   <p:cSld>
     <p:spTree>
@@ -17721,10 +20182,10 @@
       </p:sp>
       <p:grpSp>
         <p:nvGrpSpPr>
-          <p:cNvPr id="7" name="Group 6">
+          <p:cNvPr id="8" name="Group 7">
             <a:extLst>
               <a:ext uri="{FF2B5EF4-FFF2-40B4-BE49-F238E27FC236}">
-                <a16:creationId xmlns:a16="http://schemas.microsoft.com/office/drawing/2014/main" id="{414C653E-6C81-2234-6DFB-FAE9EBE00A54}"/>
+                <a16:creationId xmlns:a16="http://schemas.microsoft.com/office/drawing/2014/main" id="{9CB77059-3E76-30A4-8C05-DDB393C4CEE8}"/>
               </a:ext>
             </a:extLst>
           </p:cNvPr>
@@ -17733,123 +20194,144 @@
         </p:nvGrpSpPr>
         <p:grpSpPr>
           <a:xfrm>
-            <a:off x="417576" y="1905000"/>
-            <a:ext cx="8574024" cy="4262393"/>
-            <a:chOff x="417576" y="1905000"/>
-            <a:chExt cx="8574024" cy="4262393"/>
+            <a:off x="838200" y="2057400"/>
+            <a:ext cx="7808976" cy="3673474"/>
+            <a:chOff x="838200" y="2057400"/>
+            <a:chExt cx="7808976" cy="3673474"/>
           </a:xfrm>
         </p:grpSpPr>
-        <p:sp>
-          <p:nvSpPr>
-            <p:cNvPr id="3" name="TextBox 2">
+        <p:grpSp>
+          <p:nvGrpSpPr>
+            <p:cNvPr id="7" name="Group 6">
               <a:extLst>
                 <a:ext uri="{FF2B5EF4-FFF2-40B4-BE49-F238E27FC236}">
-                  <a16:creationId xmlns:a16="http://schemas.microsoft.com/office/drawing/2014/main" id="{4ED3375A-30A1-4A1C-B294-2CE70AEB8BBE}"/>
+                  <a16:creationId xmlns:a16="http://schemas.microsoft.com/office/drawing/2014/main" id="{414C653E-6C81-2234-6DFB-FAE9EBE00A54}"/>
                 </a:ext>
               </a:extLst>
             </p:cNvPr>
-            <p:cNvSpPr txBox="1"/>
+            <p:cNvGrpSpPr/>
             <p:nvPr/>
-          </p:nvSpPr>
-          <p:spPr>
+          </p:nvGrpSpPr>
+          <p:grpSpPr>
             <a:xfrm>
-              <a:off x="7543800" y="1981200"/>
-              <a:ext cx="1371600" cy="369332"/>
+              <a:off x="7199376" y="2295565"/>
+              <a:ext cx="1447800" cy="3435309"/>
+              <a:chOff x="7543800" y="1981200"/>
+              <a:chExt cx="1447800" cy="3435309"/>
             </a:xfrm>
-            <a:prstGeom prst="rect">
-              <a:avLst/>
-            </a:prstGeom>
-            <a:noFill/>
-          </p:spPr>
-          <p:txBody>
-            <a:bodyPr wrap="square" rtlCol="0">
-              <a:spAutoFit/>
-            </a:bodyPr>
-            <a:lstStyle/>
-            <a:p>
-              <a:r>
-                <a:rPr lang="en-US" dirty="0"/>
-                <a:t>No parents</a:t>
-              </a:r>
-            </a:p>
-          </p:txBody>
-        </p:sp>
-        <p:sp>
-          <p:nvSpPr>
-            <p:cNvPr id="12" name="TextBox 11">
+          </p:grpSpPr>
+          <p:sp>
+            <p:nvSpPr>
+              <p:cNvPr id="3" name="TextBox 2">
+                <a:extLst>
+                  <a:ext uri="{FF2B5EF4-FFF2-40B4-BE49-F238E27FC236}">
+                    <a16:creationId xmlns:a16="http://schemas.microsoft.com/office/drawing/2014/main" id="{4ED3375A-30A1-4A1C-B294-2CE70AEB8BBE}"/>
+                  </a:ext>
+                </a:extLst>
+              </p:cNvPr>
+              <p:cNvSpPr txBox="1"/>
+              <p:nvPr/>
+            </p:nvSpPr>
+            <p:spPr>
+              <a:xfrm>
+                <a:off x="7543800" y="1981200"/>
+                <a:ext cx="1371600" cy="369332"/>
+              </a:xfrm>
+              <a:prstGeom prst="rect">
+                <a:avLst/>
+              </a:prstGeom>
+              <a:noFill/>
+            </p:spPr>
+            <p:txBody>
+              <a:bodyPr wrap="square" rtlCol="0">
+                <a:spAutoFit/>
+              </a:bodyPr>
+              <a:lstStyle/>
+              <a:p>
+                <a:r>
+                  <a:rPr lang="en-US" dirty="0"/>
+                  <a:t>No parents</a:t>
+                </a:r>
+              </a:p>
+            </p:txBody>
+          </p:sp>
+          <p:sp>
+            <p:nvSpPr>
+              <p:cNvPr id="12" name="TextBox 11">
+                <a:extLst>
+                  <a:ext uri="{FF2B5EF4-FFF2-40B4-BE49-F238E27FC236}">
+                    <a16:creationId xmlns:a16="http://schemas.microsoft.com/office/drawing/2014/main" id="{7FDD55BE-1752-4544-9C72-3D53419C8933}"/>
+                  </a:ext>
+                </a:extLst>
+              </p:cNvPr>
+              <p:cNvSpPr txBox="1"/>
+              <p:nvPr/>
+            </p:nvSpPr>
+            <p:spPr>
+              <a:xfrm>
+                <a:off x="7609332" y="3267035"/>
+                <a:ext cx="1371600" cy="369332"/>
+              </a:xfrm>
+              <a:prstGeom prst="rect">
+                <a:avLst/>
+              </a:prstGeom>
+              <a:noFill/>
+            </p:spPr>
+            <p:txBody>
+              <a:bodyPr wrap="square" rtlCol="0">
+                <a:spAutoFit/>
+              </a:bodyPr>
+              <a:lstStyle/>
+              <a:p>
+                <a:r>
+                  <a:rPr lang="en-US" dirty="0"/>
+                  <a:t>2 parents</a:t>
+                </a:r>
+              </a:p>
+            </p:txBody>
+          </p:sp>
+          <p:sp>
+            <p:nvSpPr>
+              <p:cNvPr id="13" name="TextBox 12">
+                <a:extLst>
+                  <a:ext uri="{FF2B5EF4-FFF2-40B4-BE49-F238E27FC236}">
+                    <a16:creationId xmlns:a16="http://schemas.microsoft.com/office/drawing/2014/main" id="{B843393B-F349-4FCE-B840-037BC8577130}"/>
+                  </a:ext>
+                </a:extLst>
+              </p:cNvPr>
+              <p:cNvSpPr txBox="1"/>
+              <p:nvPr/>
+            </p:nvSpPr>
+            <p:spPr>
+              <a:xfrm>
+                <a:off x="7620000" y="5047177"/>
+                <a:ext cx="1371600" cy="369332"/>
+              </a:xfrm>
+              <a:prstGeom prst="rect">
+                <a:avLst/>
+              </a:prstGeom>
+              <a:noFill/>
+            </p:spPr>
+            <p:txBody>
+              <a:bodyPr wrap="square" rtlCol="0">
+                <a:spAutoFit/>
+              </a:bodyPr>
+              <a:lstStyle/>
+              <a:p>
+                <a:r>
+                  <a:rPr lang="en-US" dirty="0"/>
+                  <a:t>1 parent</a:t>
+                </a:r>
+              </a:p>
+            </p:txBody>
+          </p:sp>
+        </p:grpSp>
+        <p:pic>
+          <p:nvPicPr>
+            <p:cNvPr id="4" name="Picture 3">
               <a:extLst>
                 <a:ext uri="{FF2B5EF4-FFF2-40B4-BE49-F238E27FC236}">
-                  <a16:creationId xmlns:a16="http://schemas.microsoft.com/office/drawing/2014/main" id="{7FDD55BE-1752-4544-9C72-3D53419C8933}"/>
-                </a:ext>
-              </a:extLst>
-            </p:cNvPr>
-            <p:cNvSpPr txBox="1"/>
-            <p:nvPr/>
-          </p:nvSpPr>
-          <p:spPr>
-            <a:xfrm>
-              <a:off x="7543800" y="3897868"/>
-              <a:ext cx="1371600" cy="369332"/>
-            </a:xfrm>
-            <a:prstGeom prst="rect">
-              <a:avLst/>
-            </a:prstGeom>
-            <a:noFill/>
-          </p:spPr>
-          <p:txBody>
-            <a:bodyPr wrap="square" rtlCol="0">
-              <a:spAutoFit/>
-            </a:bodyPr>
-            <a:lstStyle/>
-            <a:p>
-              <a:r>
-                <a:rPr lang="en-US" dirty="0"/>
-                <a:t>2 parents</a:t>
-              </a:r>
-            </a:p>
-          </p:txBody>
-        </p:sp>
-        <p:sp>
-          <p:nvSpPr>
-            <p:cNvPr id="13" name="TextBox 12">
-              <a:extLst>
-                <a:ext uri="{FF2B5EF4-FFF2-40B4-BE49-F238E27FC236}">
-                  <a16:creationId xmlns:a16="http://schemas.microsoft.com/office/drawing/2014/main" id="{B843393B-F349-4FCE-B840-037BC8577130}"/>
-                </a:ext>
-              </a:extLst>
-            </p:cNvPr>
-            <p:cNvSpPr txBox="1"/>
-            <p:nvPr/>
-          </p:nvSpPr>
-          <p:spPr>
-            <a:xfrm>
-              <a:off x="7620000" y="5650468"/>
-              <a:ext cx="1371600" cy="369332"/>
-            </a:xfrm>
-            <a:prstGeom prst="rect">
-              <a:avLst/>
-            </a:prstGeom>
-            <a:noFill/>
-          </p:spPr>
-          <p:txBody>
-            <a:bodyPr wrap="square" rtlCol="0">
-              <a:spAutoFit/>
-            </a:bodyPr>
-            <a:lstStyle/>
-            <a:p>
-              <a:r>
-                <a:rPr lang="en-US" dirty="0"/>
-                <a:t>1 parent</a:t>
-              </a:r>
-            </a:p>
-          </p:txBody>
-        </p:sp>
-        <p:pic>
-          <p:nvPicPr>
-            <p:cNvPr id="6" name="Picture 5">
-              <a:extLst>
-                <a:ext uri="{FF2B5EF4-FFF2-40B4-BE49-F238E27FC236}">
-                  <a16:creationId xmlns:a16="http://schemas.microsoft.com/office/drawing/2014/main" id="{805B9EFD-2609-02AF-2424-29E04FAD40B4}"/>
+                  <a16:creationId xmlns:a16="http://schemas.microsoft.com/office/drawing/2014/main" id="{1084D752-4A74-41F7-9BE6-6997A5CB7DA1}"/>
                 </a:ext>
               </a:extLst>
             </p:cNvPr>
@@ -17866,8 +20348,8 @@
           </p:blipFill>
           <p:spPr>
             <a:xfrm>
-              <a:off x="417576" y="1905000"/>
-              <a:ext cx="6858000" cy="4262393"/>
+              <a:off x="838200" y="2057400"/>
+              <a:ext cx="6031889" cy="3673474"/>
             </a:xfrm>
             <a:prstGeom prst="rect">
               <a:avLst/>
@@ -17883,7 +20365,7 @@
 </p:sld>
 </file>
 
-<file path=ppt/slides/slide13.xml><?xml version="1.0" encoding="utf-8"?>
+<file path=ppt/slides/slide16.xml><?xml version="1.0" encoding="utf-8"?>
 <p:sld xmlns:a="http://schemas.openxmlformats.org/drawingml/2006/main" xmlns:r="http://schemas.openxmlformats.org/officeDocument/2006/relationships" xmlns:p="http://schemas.openxmlformats.org/presentationml/2006/main">
   <p:cSld>
     <p:spTree>
@@ -17917,7 +20399,7 @@
           <a:p>
             <a:r>
               <a:rPr lang="en-US" dirty="0"/>
-              <a:t>The Joint Probability Distribution</a:t>
+              <a:t>Extracting the Joint Probability Distribution</a:t>
             </a:r>
           </a:p>
         </p:txBody>
@@ -19077,2453 +21559,6 @@
 </p:sld>
 </file>
 
-<file path=ppt/slides/slide14.xml><?xml version="1.0" encoding="utf-8"?>
-<p:sld xmlns:a="http://schemas.openxmlformats.org/drawingml/2006/main" xmlns:r="http://schemas.openxmlformats.org/officeDocument/2006/relationships" xmlns:p="http://schemas.openxmlformats.org/presentationml/2006/main">
-  <p:cSld>
-    <p:spTree>
-      <p:nvGrpSpPr>
-        <p:cNvPr id="1" name=""/>
-        <p:cNvGrpSpPr/>
-        <p:nvPr/>
-      </p:nvGrpSpPr>
-      <p:grpSpPr>
-        <a:xfrm>
-          <a:off x="0" y="0"/>
-          <a:ext cx="0" cy="0"/>
-          <a:chOff x="0" y="0"/>
-          <a:chExt cx="0" cy="0"/>
-        </a:xfrm>
-      </p:grpSpPr>
-      <p:sp>
-        <p:nvSpPr>
-          <p:cNvPr id="5122" name="Rectangle 2"/>
-          <p:cNvSpPr>
-            <a:spLocks noGrp="1" noChangeArrowheads="1"/>
-          </p:cNvSpPr>
-          <p:nvPr>
-            <p:ph type="title"/>
-          </p:nvPr>
-        </p:nvSpPr>
-        <p:spPr/>
-        <p:txBody>
-          <a:bodyPr/>
-          <a:lstStyle/>
-          <a:p>
-            <a:r>
-              <a:rPr lang="en-US" dirty="0"/>
-              <a:t>Dependence</a:t>
-            </a:r>
-          </a:p>
-        </p:txBody>
-      </p:sp>
-      <mc:AlternateContent xmlns:mc="http://schemas.openxmlformats.org/markup-compatibility/2006" xmlns:a14="http://schemas.microsoft.com/office/drawing/2010/main">
-        <mc:Choice Requires="a14">
-          <p:sp>
-            <p:nvSpPr>
-              <p:cNvPr id="5123" name="Rectangle 3"/>
-              <p:cNvSpPr>
-                <a:spLocks noGrp="1" noChangeArrowheads="1"/>
-              </p:cNvSpPr>
-              <p:nvPr>
-                <p:ph idx="1"/>
-              </p:nvPr>
-            </p:nvSpPr>
-            <p:spPr>
-              <a:xfrm>
-                <a:off x="628650" y="1828799"/>
-                <a:ext cx="7886700" cy="4724401"/>
-              </a:xfrm>
-            </p:spPr>
-            <p:txBody>
-              <a:bodyPr>
-                <a:normAutofit/>
-              </a:bodyPr>
-              <a:lstStyle/>
-              <a:p>
-                <a:r>
-                  <a:rPr lang="en-US" sz="2400" dirty="0"/>
-                  <a:t>Example: </a:t>
-                </a:r>
-                <a:r>
-                  <a:rPr lang="en-US" sz="2400" i="1" dirty="0"/>
-                  <a:t>causal chain</a:t>
-                </a:r>
-              </a:p>
-              <a:p>
-                <a:endParaRPr lang="en-US" sz="2400" i="1" dirty="0"/>
-              </a:p>
-              <a:p>
-                <a:pPr marL="0" indent="0">
-                  <a:buNone/>
-                </a:pPr>
-                <a:endParaRPr lang="en-US" sz="2400" i="1" dirty="0"/>
-              </a:p>
-              <a:p>
-                <a:pPr marL="0" indent="0">
-                  <a:buNone/>
-                </a:pPr>
-                <a:endParaRPr lang="en-US" sz="2400" dirty="0"/>
-              </a:p>
-              <a:p>
-                <a:r>
-                  <a:rPr lang="en-US" sz="2400" dirty="0"/>
-                  <a:t>Are X and Z independent?</a:t>
-                </a:r>
-              </a:p>
-              <a:p>
-                <a:endParaRPr lang="en-US" sz="2400" dirty="0"/>
-              </a:p>
-              <a:p>
-                <a:pPr marL="0" indent="0">
-                  <a:buNone/>
-                </a:pPr>
-                <a:r>
-                  <a:rPr lang="en-US" sz="2000" b="0" dirty="0"/>
-                  <a:t>1. Conditioning: 	    </a:t>
-                </a:r>
-                <a14:m>
-                  <m:oMath xmlns:m="http://schemas.openxmlformats.org/officeDocument/2006/math">
-                    <m:r>
-                      <a:rPr lang="en-US" sz="2000" b="0" i="1" smtClean="0">
-                        <a:latin typeface="Cambria Math" panose="02040503050406030204" pitchFamily="18" charset="0"/>
-                      </a:rPr>
-                      <m:t>𝑃</m:t>
-                    </m:r>
-                    <m:d>
-                      <m:dPr>
-                        <m:ctrlPr>
-                          <a:rPr lang="en-US" sz="2000" b="0" i="1" smtClean="0">
-                            <a:latin typeface="Cambria Math" panose="02040503050406030204" pitchFamily="18" charset="0"/>
-                          </a:rPr>
-                        </m:ctrlPr>
-                      </m:dPr>
-                      <m:e>
-                        <m:r>
-                          <a:rPr lang="en-US" sz="2000" b="0" i="1" smtClean="0">
-                            <a:latin typeface="Cambria Math" panose="02040503050406030204" pitchFamily="18" charset="0"/>
-                          </a:rPr>
-                          <m:t>𝑋</m:t>
-                        </m:r>
-                        <m:r>
-                          <a:rPr lang="en-US" sz="2000" b="0" i="1" smtClean="0">
-                            <a:latin typeface="Cambria Math" panose="02040503050406030204" pitchFamily="18" charset="0"/>
-                          </a:rPr>
-                          <m:t>,</m:t>
-                        </m:r>
-                        <m:r>
-                          <a:rPr lang="en-US" sz="2000" b="0" i="1" smtClean="0">
-                            <a:latin typeface="Cambria Math" panose="02040503050406030204" pitchFamily="18" charset="0"/>
-                          </a:rPr>
-                          <m:t>𝑌</m:t>
-                        </m:r>
-                        <m:r>
-                          <a:rPr lang="en-US" sz="2000" b="0" i="1" smtClean="0">
-                            <a:latin typeface="Cambria Math" panose="02040503050406030204" pitchFamily="18" charset="0"/>
-                          </a:rPr>
-                          <m:t>,</m:t>
-                        </m:r>
-                        <m:r>
-                          <a:rPr lang="en-US" sz="2000" b="0" i="1" smtClean="0">
-                            <a:latin typeface="Cambria Math" panose="02040503050406030204" pitchFamily="18" charset="0"/>
-                          </a:rPr>
-                          <m:t>𝑍</m:t>
-                        </m:r>
-                      </m:e>
-                    </m:d>
-                    <m:r>
-                      <a:rPr lang="en-US" sz="2000" b="0" i="1" smtClean="0">
-                        <a:latin typeface="Cambria Math" panose="02040503050406030204" pitchFamily="18" charset="0"/>
-                      </a:rPr>
-                      <m:t>=</m:t>
-                    </m:r>
-                    <m:r>
-                      <a:rPr lang="en-US" sz="2000" b="0" i="1" smtClean="0">
-                        <a:latin typeface="Cambria Math" panose="02040503050406030204" pitchFamily="18" charset="0"/>
-                      </a:rPr>
-                      <m:t>𝑃</m:t>
-                    </m:r>
-                    <m:d>
-                      <m:dPr>
-                        <m:ctrlPr>
-                          <a:rPr lang="en-US" sz="2000" b="0" i="1" smtClean="0">
-                            <a:latin typeface="Cambria Math" panose="02040503050406030204" pitchFamily="18" charset="0"/>
-                          </a:rPr>
-                        </m:ctrlPr>
-                      </m:dPr>
-                      <m:e>
-                        <m:r>
-                          <a:rPr lang="en-US" sz="2000" b="0" i="1" smtClean="0">
-                            <a:latin typeface="Cambria Math" panose="02040503050406030204" pitchFamily="18" charset="0"/>
-                          </a:rPr>
-                          <m:t>𝑋</m:t>
-                        </m:r>
-                      </m:e>
-                    </m:d>
-                    <m:r>
-                      <a:rPr lang="en-US" sz="2000" b="0" i="1" smtClean="0">
-                        <a:latin typeface="Cambria Math" panose="02040503050406030204" pitchFamily="18" charset="0"/>
-                      </a:rPr>
-                      <m:t>𝑃</m:t>
-                    </m:r>
-                    <m:d>
-                      <m:dPr>
-                        <m:ctrlPr>
-                          <a:rPr lang="en-US" sz="2000" b="0" i="1" smtClean="0">
-                            <a:latin typeface="Cambria Math" panose="02040503050406030204" pitchFamily="18" charset="0"/>
-                          </a:rPr>
-                        </m:ctrlPr>
-                      </m:dPr>
-                      <m:e>
-                        <m:r>
-                          <a:rPr lang="en-US" sz="2000" b="0" i="1" smtClean="0">
-                            <a:latin typeface="Cambria Math" panose="02040503050406030204" pitchFamily="18" charset="0"/>
-                          </a:rPr>
-                          <m:t>𝑌</m:t>
-                        </m:r>
-                      </m:e>
-                      <m:e>
-                        <m:r>
-                          <a:rPr lang="en-US" sz="2000" b="0" i="1" smtClean="0">
-                            <a:latin typeface="Cambria Math" panose="02040503050406030204" pitchFamily="18" charset="0"/>
-                          </a:rPr>
-                          <m:t>𝑋</m:t>
-                        </m:r>
-                      </m:e>
-                    </m:d>
-                    <m:r>
-                      <a:rPr lang="en-US" sz="2000" b="0" i="1" smtClean="0">
-                        <a:latin typeface="Cambria Math" panose="02040503050406030204" pitchFamily="18" charset="0"/>
-                      </a:rPr>
-                      <m:t>𝑃</m:t>
-                    </m:r>
-                    <m:d>
-                      <m:dPr>
-                        <m:ctrlPr>
-                          <a:rPr lang="en-US" sz="2000" b="0" i="1" smtClean="0">
-                            <a:latin typeface="Cambria Math" panose="02040503050406030204" pitchFamily="18" charset="0"/>
-                          </a:rPr>
-                        </m:ctrlPr>
-                      </m:dPr>
-                      <m:e>
-                        <m:r>
-                          <a:rPr lang="en-US" sz="2000" b="0" i="1" smtClean="0">
-                            <a:latin typeface="Cambria Math" panose="02040503050406030204" pitchFamily="18" charset="0"/>
-                          </a:rPr>
-                          <m:t>𝑍</m:t>
-                        </m:r>
-                      </m:e>
-                      <m:e>
-                        <m:r>
-                          <a:rPr lang="en-US" sz="2000" b="0" i="1" smtClean="0">
-                            <a:latin typeface="Cambria Math" panose="02040503050406030204" pitchFamily="18" charset="0"/>
-                          </a:rPr>
-                          <m:t>𝑌</m:t>
-                        </m:r>
-                      </m:e>
-                    </m:d>
-                  </m:oMath>
-                </a14:m>
-                <a:endParaRPr lang="en-US" sz="2000" b="0" dirty="0"/>
-              </a:p>
-              <a:p>
-                <a:pPr marL="0" indent="0">
-                  <a:buNone/>
-                </a:pPr>
-                <a:r>
-                  <a:rPr lang="en-US" sz="2000" dirty="0"/>
-                  <a:t>2. Marginalize over </a:t>
-                </a:r>
-                <a14:m>
-                  <m:oMath xmlns:m="http://schemas.openxmlformats.org/officeDocument/2006/math">
-                    <m:r>
-                      <a:rPr lang="en-US" sz="2000" i="1" dirty="0" smtClean="0">
-                        <a:latin typeface="Cambria Math" panose="02040503050406030204" pitchFamily="18" charset="0"/>
-                      </a:rPr>
-                      <m:t>𝑦</m:t>
-                    </m:r>
-                  </m:oMath>
-                </a14:m>
-                <a:r>
-                  <a:rPr lang="en-US" sz="2000" dirty="0"/>
-                  <a:t>: </a:t>
-                </a:r>
-                <a14:m>
-                  <m:oMath xmlns:m="http://schemas.openxmlformats.org/officeDocument/2006/math">
-                    <m:r>
-                      <a:rPr lang="en-US" sz="2000" b="0" i="1" smtClean="0">
-                        <a:latin typeface="Cambria Math" panose="02040503050406030204" pitchFamily="18" charset="0"/>
-                      </a:rPr>
-                      <m:t>𝑃</m:t>
-                    </m:r>
-                    <m:d>
-                      <m:dPr>
-                        <m:ctrlPr>
-                          <a:rPr lang="en-US" sz="2000" b="0" i="1" smtClean="0">
-                            <a:latin typeface="Cambria Math" panose="02040503050406030204" pitchFamily="18" charset="0"/>
-                          </a:rPr>
-                        </m:ctrlPr>
-                      </m:dPr>
-                      <m:e>
-                        <m:r>
-                          <a:rPr lang="en-US" sz="2000" b="0" i="1" smtClean="0">
-                            <a:latin typeface="Cambria Math" panose="02040503050406030204" pitchFamily="18" charset="0"/>
-                          </a:rPr>
-                          <m:t>𝑋</m:t>
-                        </m:r>
-                        <m:r>
-                          <a:rPr lang="en-US" sz="2000" b="0" i="1" smtClean="0">
-                            <a:latin typeface="Cambria Math" panose="02040503050406030204" pitchFamily="18" charset="0"/>
-                          </a:rPr>
-                          <m:t>,</m:t>
-                        </m:r>
-                        <m:r>
-                          <a:rPr lang="en-US" sz="2000" b="0" i="1" smtClean="0">
-                            <a:latin typeface="Cambria Math" panose="02040503050406030204" pitchFamily="18" charset="0"/>
-                          </a:rPr>
-                          <m:t>𝑍</m:t>
-                        </m:r>
-                      </m:e>
-                    </m:d>
-                    <m:r>
-                      <a:rPr lang="en-US" sz="2000" b="0" i="1" smtClean="0">
-                        <a:latin typeface="Cambria Math" panose="02040503050406030204" pitchFamily="18" charset="0"/>
-                      </a:rPr>
-                      <m:t>=</m:t>
-                    </m:r>
-                    <m:nary>
-                      <m:naryPr>
-                        <m:chr m:val="∑"/>
-                        <m:supHide m:val="on"/>
-                        <m:ctrlPr>
-                          <a:rPr lang="en-US" sz="2000" b="0" i="1" smtClean="0">
-                            <a:latin typeface="Cambria Math" panose="02040503050406030204" pitchFamily="18" charset="0"/>
-                          </a:rPr>
-                        </m:ctrlPr>
-                      </m:naryPr>
-                      <m:sub>
-                        <m:r>
-                          <m:rPr>
-                            <m:brk m:alnAt="7"/>
-                          </m:rPr>
-                          <a:rPr lang="en-US" sz="2000" b="0" i="1" smtClean="0">
-                            <a:latin typeface="Cambria Math" panose="02040503050406030204" pitchFamily="18" charset="0"/>
-                          </a:rPr>
-                          <m:t>𝑦</m:t>
-                        </m:r>
-                      </m:sub>
-                      <m:sup/>
-                      <m:e>
-                        <m:r>
-                          <a:rPr lang="en-US" sz="2000" b="0" i="1" smtClean="0">
-                            <a:latin typeface="Cambria Math" panose="02040503050406030204" pitchFamily="18" charset="0"/>
-                          </a:rPr>
-                          <m:t>𝑃</m:t>
-                        </m:r>
-                        <m:d>
-                          <m:dPr>
-                            <m:ctrlPr>
-                              <a:rPr lang="en-US" sz="2000" b="0" i="1" smtClean="0">
-                                <a:latin typeface="Cambria Math" panose="02040503050406030204" pitchFamily="18" charset="0"/>
-                              </a:rPr>
-                            </m:ctrlPr>
-                          </m:dPr>
-                          <m:e>
-                            <m:r>
-                              <a:rPr lang="en-US" sz="2000" b="0" i="1" smtClean="0">
-                                <a:latin typeface="Cambria Math" panose="02040503050406030204" pitchFamily="18" charset="0"/>
-                              </a:rPr>
-                              <m:t>𝑋</m:t>
-                            </m:r>
-                          </m:e>
-                        </m:d>
-                        <m:r>
-                          <a:rPr lang="en-US" sz="2000" b="0" i="1" smtClean="0">
-                            <a:latin typeface="Cambria Math" panose="02040503050406030204" pitchFamily="18" charset="0"/>
-                          </a:rPr>
-                          <m:t>𝑃</m:t>
-                        </m:r>
-                        <m:d>
-                          <m:dPr>
-                            <m:ctrlPr>
-                              <a:rPr lang="en-US" sz="2000" b="0" i="1" smtClean="0">
-                                <a:latin typeface="Cambria Math" panose="02040503050406030204" pitchFamily="18" charset="0"/>
-                              </a:rPr>
-                            </m:ctrlPr>
-                          </m:dPr>
-                          <m:e>
-                            <m:r>
-                              <a:rPr lang="en-US" sz="2000" b="0" i="1" smtClean="0">
-                                <a:latin typeface="Cambria Math" panose="02040503050406030204" pitchFamily="18" charset="0"/>
-                              </a:rPr>
-                              <m:t>𝑦</m:t>
-                            </m:r>
-                          </m:e>
-                          <m:e>
-                            <m:r>
-                              <a:rPr lang="en-US" sz="2000" b="0" i="1" smtClean="0">
-                                <a:latin typeface="Cambria Math" panose="02040503050406030204" pitchFamily="18" charset="0"/>
-                              </a:rPr>
-                              <m:t>𝑋</m:t>
-                            </m:r>
-                          </m:e>
-                        </m:d>
-                        <m:r>
-                          <a:rPr lang="en-US" sz="2000" b="0" i="1" smtClean="0">
-                            <a:latin typeface="Cambria Math" panose="02040503050406030204" pitchFamily="18" charset="0"/>
-                          </a:rPr>
-                          <m:t>𝑃</m:t>
-                        </m:r>
-                        <m:d>
-                          <m:dPr>
-                            <m:ctrlPr>
-                              <a:rPr lang="en-US" sz="2000" b="0" i="1" smtClean="0">
-                                <a:latin typeface="Cambria Math" panose="02040503050406030204" pitchFamily="18" charset="0"/>
-                              </a:rPr>
-                            </m:ctrlPr>
-                          </m:dPr>
-                          <m:e>
-                            <m:r>
-                              <a:rPr lang="en-US" sz="2000" b="0" i="1" smtClean="0">
-                                <a:latin typeface="Cambria Math" panose="02040503050406030204" pitchFamily="18" charset="0"/>
-                              </a:rPr>
-                              <m:t>𝑍</m:t>
-                            </m:r>
-                          </m:e>
-                          <m:e>
-                            <m:r>
-                              <a:rPr lang="en-US" sz="2000" b="0" i="1" smtClean="0">
-                                <a:latin typeface="Cambria Math" panose="02040503050406030204" pitchFamily="18" charset="0"/>
-                              </a:rPr>
-                              <m:t>𝑦</m:t>
-                            </m:r>
-                          </m:e>
-                        </m:d>
-                      </m:e>
-                    </m:nary>
-                  </m:oMath>
-                </a14:m>
-                <a:br>
-                  <a:rPr lang="en-US" sz="2000" b="0" i="1" dirty="0">
-                    <a:latin typeface="Cambria Math" panose="02040503050406030204" pitchFamily="18" charset="0"/>
-                  </a:rPr>
-                </a:br>
-                <a:r>
-                  <a:rPr lang="en-US" sz="2000" b="0" i="1" dirty="0">
-                    <a:latin typeface="Cambria Math" panose="02040503050406030204" pitchFamily="18" charset="0"/>
-                  </a:rPr>
-                  <a:t>				 </a:t>
-                </a:r>
-                <a14:m>
-                  <m:oMath xmlns:m="http://schemas.openxmlformats.org/officeDocument/2006/math">
-                    <m:r>
-                      <a:rPr lang="en-US" sz="2000" i="1">
-                        <a:latin typeface="Cambria Math" panose="02040503050406030204" pitchFamily="18" charset="0"/>
-                      </a:rPr>
-                      <m:t>=</m:t>
-                    </m:r>
-                    <m:r>
-                      <a:rPr lang="en-US" sz="2000" b="0" i="1" smtClean="0">
-                        <a:latin typeface="Cambria Math" panose="02040503050406030204" pitchFamily="18" charset="0"/>
-                      </a:rPr>
-                      <m:t> </m:t>
-                    </m:r>
-                    <m:r>
-                      <a:rPr lang="en-US" sz="2000" b="0" i="1" smtClean="0">
-                        <a:latin typeface="Cambria Math" panose="02040503050406030204" pitchFamily="18" charset="0"/>
-                      </a:rPr>
-                      <m:t>𝑃</m:t>
-                    </m:r>
-                    <m:d>
-                      <m:dPr>
-                        <m:ctrlPr>
-                          <a:rPr lang="en-US" sz="2000" b="0" i="1" smtClean="0">
-                            <a:latin typeface="Cambria Math" panose="02040503050406030204" pitchFamily="18" charset="0"/>
-                          </a:rPr>
-                        </m:ctrlPr>
-                      </m:dPr>
-                      <m:e>
-                        <m:r>
-                          <a:rPr lang="en-US" sz="2000" b="0" i="1" smtClean="0">
-                            <a:latin typeface="Cambria Math" panose="02040503050406030204" pitchFamily="18" charset="0"/>
-                          </a:rPr>
-                          <m:t>𝑋</m:t>
-                        </m:r>
-                      </m:e>
-                    </m:d>
-                    <m:nary>
-                      <m:naryPr>
-                        <m:chr m:val="∑"/>
-                        <m:supHide m:val="on"/>
-                        <m:ctrlPr>
-                          <a:rPr lang="en-US" sz="2000" b="0" i="1" smtClean="0">
-                            <a:latin typeface="Cambria Math" panose="02040503050406030204" pitchFamily="18" charset="0"/>
-                          </a:rPr>
-                        </m:ctrlPr>
-                      </m:naryPr>
-                      <m:sub>
-                        <m:r>
-                          <a:rPr lang="en-US" sz="2000" b="0" i="1" smtClean="0">
-                            <a:latin typeface="Cambria Math" panose="02040503050406030204" pitchFamily="18" charset="0"/>
-                          </a:rPr>
-                          <m:t>𝑦</m:t>
-                        </m:r>
-                      </m:sub>
-                      <m:sup/>
-                      <m:e>
-                        <m:r>
-                          <a:rPr lang="en-US" sz="2000" b="0" i="1" smtClean="0">
-                            <a:latin typeface="Cambria Math" panose="02040503050406030204" pitchFamily="18" charset="0"/>
-                          </a:rPr>
-                          <m:t>𝑃</m:t>
-                        </m:r>
-                        <m:d>
-                          <m:dPr>
-                            <m:ctrlPr>
-                              <a:rPr lang="en-US" sz="2000" b="0" i="1" smtClean="0">
-                                <a:latin typeface="Cambria Math" panose="02040503050406030204" pitchFamily="18" charset="0"/>
-                              </a:rPr>
-                            </m:ctrlPr>
-                          </m:dPr>
-                          <m:e>
-                            <m:r>
-                              <a:rPr lang="en-US" sz="2000" b="0" i="1" smtClean="0">
-                                <a:latin typeface="Cambria Math" panose="02040503050406030204" pitchFamily="18" charset="0"/>
-                              </a:rPr>
-                              <m:t>𝑍</m:t>
-                            </m:r>
-                          </m:e>
-                          <m:e>
-                            <m:r>
-                              <a:rPr lang="en-US" sz="2000" b="0" i="1" smtClean="0">
-                                <a:latin typeface="Cambria Math" panose="02040503050406030204" pitchFamily="18" charset="0"/>
-                              </a:rPr>
-                              <m:t>𝑦</m:t>
-                            </m:r>
-                          </m:e>
-                        </m:d>
-                        <m:r>
-                          <a:rPr lang="en-US" sz="2000" b="0" i="1" smtClean="0">
-                            <a:latin typeface="Cambria Math" panose="02040503050406030204" pitchFamily="18" charset="0"/>
-                          </a:rPr>
-                          <m:t>𝑃</m:t>
-                        </m:r>
-                        <m:d>
-                          <m:dPr>
-                            <m:ctrlPr>
-                              <a:rPr lang="en-US" sz="2000" b="0" i="1" smtClean="0">
-                                <a:latin typeface="Cambria Math" panose="02040503050406030204" pitchFamily="18" charset="0"/>
-                              </a:rPr>
-                            </m:ctrlPr>
-                          </m:dPr>
-                          <m:e>
-                            <m:r>
-                              <a:rPr lang="en-US" sz="2000" b="0" i="1" smtClean="0">
-                                <a:latin typeface="Cambria Math" panose="02040503050406030204" pitchFamily="18" charset="0"/>
-                              </a:rPr>
-                              <m:t>𝑦</m:t>
-                            </m:r>
-                          </m:e>
-                          <m:e>
-                            <m:r>
-                              <a:rPr lang="en-US" sz="2000" b="0" i="1" smtClean="0">
-                                <a:latin typeface="Cambria Math" panose="02040503050406030204" pitchFamily="18" charset="0"/>
-                              </a:rPr>
-                              <m:t>𝑋</m:t>
-                            </m:r>
-                          </m:e>
-                        </m:d>
-                        <m:r>
-                          <a:rPr lang="en-US" sz="2000" i="1">
-                            <a:latin typeface="Cambria Math" panose="02040503050406030204" pitchFamily="18" charset="0"/>
-                          </a:rPr>
-                          <m:t>≠</m:t>
-                        </m:r>
-                        <m:r>
-                          <a:rPr lang="en-US" sz="2000" i="1">
-                            <a:latin typeface="Cambria Math" panose="02040503050406030204" pitchFamily="18" charset="0"/>
-                          </a:rPr>
-                          <m:t>𝑃</m:t>
-                        </m:r>
-                        <m:r>
-                          <a:rPr lang="en-US" sz="2000" i="1">
-                            <a:latin typeface="Cambria Math" panose="02040503050406030204" pitchFamily="18" charset="0"/>
-                          </a:rPr>
-                          <m:t>(</m:t>
-                        </m:r>
-                        <m:r>
-                          <a:rPr lang="en-US" sz="2000" i="1">
-                            <a:latin typeface="Cambria Math" panose="02040503050406030204" pitchFamily="18" charset="0"/>
-                          </a:rPr>
-                          <m:t>𝑋</m:t>
-                        </m:r>
-                        <m:r>
-                          <a:rPr lang="en-US" sz="2000" i="1">
-                            <a:latin typeface="Cambria Math" panose="02040503050406030204" pitchFamily="18" charset="0"/>
-                          </a:rPr>
-                          <m:t>)</m:t>
-                        </m:r>
-                        <m:r>
-                          <a:rPr lang="en-US" sz="2000" i="1">
-                            <a:latin typeface="Cambria Math" panose="02040503050406030204" pitchFamily="18" charset="0"/>
-                          </a:rPr>
-                          <m:t>𝑃</m:t>
-                        </m:r>
-                        <m:r>
-                          <a:rPr lang="en-US" sz="2000" i="1">
-                            <a:latin typeface="Cambria Math" panose="02040503050406030204" pitchFamily="18" charset="0"/>
-                          </a:rPr>
-                          <m:t>(</m:t>
-                        </m:r>
-                        <m:r>
-                          <a:rPr lang="en-US" sz="2000" i="1">
-                            <a:latin typeface="Cambria Math" panose="02040503050406030204" pitchFamily="18" charset="0"/>
-                          </a:rPr>
-                          <m:t>𝑍</m:t>
-                        </m:r>
-                        <m:r>
-                          <a:rPr lang="en-US" sz="2000" i="1">
-                            <a:latin typeface="Cambria Math" panose="02040503050406030204" pitchFamily="18" charset="0"/>
-                          </a:rPr>
-                          <m:t>)</m:t>
-                        </m:r>
-                        <m:r>
-                          <m:rPr>
-                            <m:nor/>
-                          </m:rPr>
-                          <a:rPr lang="en-US" sz="2000" dirty="0"/>
-                          <m:t> </m:t>
-                        </m:r>
-                      </m:e>
-                    </m:nary>
-                  </m:oMath>
-                </a14:m>
-                <a:endParaRPr lang="en-US" sz="2400" dirty="0"/>
-              </a:p>
-            </p:txBody>
-          </p:sp>
-        </mc:Choice>
-        <mc:Fallback xmlns="">
-          <p:sp>
-            <p:nvSpPr>
-              <p:cNvPr id="5123" name="Rectangle 3"/>
-              <p:cNvSpPr>
-                <a:spLocks noGrp="1" noRot="1" noChangeAspect="1" noMove="1" noResize="1" noEditPoints="1" noAdjustHandles="1" noChangeArrowheads="1" noChangeShapeType="1" noTextEdit="1"/>
-              </p:cNvSpPr>
-              <p:nvPr>
-                <p:ph idx="1"/>
-              </p:nvPr>
-            </p:nvSpPr>
-            <p:spPr>
-              <a:xfrm>
-                <a:off x="628650" y="1828799"/>
-                <a:ext cx="7886700" cy="4724401"/>
-              </a:xfrm>
-              <a:blipFill>
-                <a:blip r:embed="rId3"/>
-                <a:stretch>
-                  <a:fillRect l="-1005" t="-1806"/>
-                </a:stretch>
-              </a:blipFill>
-            </p:spPr>
-            <p:txBody>
-              <a:bodyPr/>
-              <a:lstStyle/>
-              <a:p>
-                <a:r>
-                  <a:rPr lang="en-US">
-                    <a:noFill/>
-                  </a:rPr>
-                  <a:t> </a:t>
-                </a:r>
-              </a:p>
-            </p:txBody>
-          </p:sp>
-        </mc:Fallback>
-      </mc:AlternateContent>
-      <p:pic>
-        <p:nvPicPr>
-          <p:cNvPr id="99330" name="Picture 2" descr="A network with a chain of variables where y depends on X and Z depends on Y."/>
-          <p:cNvPicPr>
-            <a:picLocks noChangeAspect="1" noChangeArrowheads="1"/>
-          </p:cNvPicPr>
-          <p:nvPr/>
-        </p:nvPicPr>
-        <p:blipFill>
-          <a:blip r:embed="rId4" cstate="print"/>
-          <a:srcRect/>
-          <a:stretch>
-            <a:fillRect/>
-          </a:stretch>
-        </p:blipFill>
-        <p:spPr bwMode="auto">
-          <a:xfrm>
-            <a:off x="1897856" y="2188354"/>
-            <a:ext cx="5348288" cy="1124398"/>
-          </a:xfrm>
-          <a:prstGeom prst="rect">
-            <a:avLst/>
-          </a:prstGeom>
-          <a:noFill/>
-          <a:ln w="9525">
-            <a:noFill/>
-            <a:miter lim="800000"/>
-            <a:headEnd/>
-            <a:tailEnd/>
-          </a:ln>
-        </p:spPr>
-      </p:pic>
-      <p:sp>
-        <p:nvSpPr>
-          <p:cNvPr id="2" name="TextBox 1">
-            <a:extLst>
-              <a:ext uri="{FF2B5EF4-FFF2-40B4-BE49-F238E27FC236}">
-                <a16:creationId xmlns:a16="http://schemas.microsoft.com/office/drawing/2014/main" id="{E2097FF4-44EE-4BC5-A50B-D1D4FB13CB36}"/>
-              </a:ext>
-            </a:extLst>
-          </p:cNvPr>
-          <p:cNvSpPr txBox="1"/>
-          <p:nvPr/>
-        </p:nvSpPr>
-        <p:spPr>
-          <a:xfrm>
-            <a:off x="5553785" y="5784988"/>
-            <a:ext cx="1821140" cy="707886"/>
-          </a:xfrm>
-          <a:prstGeom prst="rect">
-            <a:avLst/>
-          </a:prstGeom>
-          <a:noFill/>
-        </p:spPr>
-        <p:txBody>
-          <a:bodyPr wrap="none" rtlCol="0">
-            <a:spAutoFit/>
-          </a:bodyPr>
-          <a:lstStyle/>
-          <a:p>
-            <a:pPr algn="ctr"/>
-            <a:r>
-              <a:rPr lang="en-US" sz="2000" dirty="0">
-                <a:solidFill>
-                  <a:srgbClr val="FF0000"/>
-                </a:solidFill>
-              </a:rPr>
-              <a:t>X and Z are </a:t>
-            </a:r>
-            <a:r>
-              <a:rPr lang="en-US" sz="2000" b="1" dirty="0">
-                <a:solidFill>
-                  <a:srgbClr val="FF0000"/>
-                </a:solidFill>
-              </a:rPr>
-              <a:t>not</a:t>
-            </a:r>
-            <a:r>
-              <a:rPr lang="en-US" sz="2000" dirty="0">
-                <a:solidFill>
-                  <a:srgbClr val="FF0000"/>
-                </a:solidFill>
-              </a:rPr>
-              <a:t> </a:t>
-            </a:r>
-            <a:br>
-              <a:rPr lang="en-US" sz="2000" dirty="0">
-                <a:solidFill>
-                  <a:srgbClr val="FF0000"/>
-                </a:solidFill>
-              </a:rPr>
-            </a:br>
-            <a:r>
-              <a:rPr lang="en-US" sz="2000" dirty="0">
-                <a:solidFill>
-                  <a:srgbClr val="FF0000"/>
-                </a:solidFill>
-              </a:rPr>
-              <a:t>independent!</a:t>
-            </a:r>
-          </a:p>
-        </p:txBody>
-      </p:sp>
-      <p:sp>
-        <p:nvSpPr>
-          <p:cNvPr id="3" name="Arrow: Right 2">
-            <a:extLst>
-              <a:ext uri="{FF2B5EF4-FFF2-40B4-BE49-F238E27FC236}">
-                <a16:creationId xmlns:a16="http://schemas.microsoft.com/office/drawing/2014/main" id="{AF61CCA0-C66D-47C6-AD21-7D26CC7B9EDB}"/>
-              </a:ext>
-              <a:ext uri="{C183D7F6-B498-43B3-948B-1728B52AA6E4}">
-                <adec:decorative xmlns:adec="http://schemas.microsoft.com/office/drawing/2017/decorative" val="1"/>
-              </a:ext>
-            </a:extLst>
-          </p:cNvPr>
-          <p:cNvSpPr/>
-          <p:nvPr/>
-        </p:nvSpPr>
-        <p:spPr>
-          <a:xfrm rot="5400000">
-            <a:off x="6306400" y="5434727"/>
-            <a:ext cx="315911" cy="284443"/>
-          </a:xfrm>
-          <a:prstGeom prst="rightArrow">
-            <a:avLst/>
-          </a:prstGeom>
-        </p:spPr>
-        <p:style>
-          <a:lnRef idx="2">
-            <a:schemeClr val="accent1">
-              <a:shade val="50000"/>
-            </a:schemeClr>
-          </a:lnRef>
-          <a:fillRef idx="1">
-            <a:schemeClr val="accent1"/>
-          </a:fillRef>
-          <a:effectRef idx="0">
-            <a:schemeClr val="accent1"/>
-          </a:effectRef>
-          <a:fontRef idx="minor">
-            <a:schemeClr val="lt1"/>
-          </a:fontRef>
-        </p:style>
-        <p:txBody>
-          <a:bodyPr rtlCol="0" anchor="ctr"/>
-          <a:lstStyle/>
-          <a:p>
-            <a:pPr algn="ctr"/>
-            <a:endParaRPr lang="en-US"/>
-          </a:p>
-        </p:txBody>
-      </p:sp>
-      <p:sp>
-        <p:nvSpPr>
-          <p:cNvPr id="4" name="Speech Bubble: Rectangle with Corners Rounded 3">
-            <a:extLst>
-              <a:ext uri="{FF2B5EF4-FFF2-40B4-BE49-F238E27FC236}">
-                <a16:creationId xmlns:a16="http://schemas.microsoft.com/office/drawing/2014/main" id="{7FA4BCAF-0241-4B29-5F11-9F3BCA262A93}"/>
-              </a:ext>
-            </a:extLst>
-          </p:cNvPr>
-          <p:cNvSpPr/>
-          <p:nvPr/>
-        </p:nvSpPr>
-        <p:spPr>
-          <a:xfrm>
-            <a:off x="7543800" y="4343400"/>
-            <a:ext cx="1371600" cy="535205"/>
-          </a:xfrm>
-          <a:prstGeom prst="wedgeRoundRectCallout">
-            <a:avLst>
-              <a:gd name="adj1" fmla="val -117577"/>
-              <a:gd name="adj2" fmla="val 68571"/>
-              <a:gd name="adj3" fmla="val 16667"/>
-            </a:avLst>
-          </a:prstGeom>
-        </p:spPr>
-        <p:style>
-          <a:lnRef idx="2">
-            <a:schemeClr val="accent1">
-              <a:shade val="15000"/>
-            </a:schemeClr>
-          </a:lnRef>
-          <a:fillRef idx="1">
-            <a:schemeClr val="accent1"/>
-          </a:fillRef>
-          <a:effectRef idx="0">
-            <a:schemeClr val="accent1"/>
-          </a:effectRef>
-          <a:fontRef idx="minor">
-            <a:schemeClr val="lt1"/>
-          </a:fontRef>
-        </p:style>
-        <p:txBody>
-          <a:bodyPr rtlCol="0" anchor="ctr"/>
-          <a:lstStyle/>
-          <a:p>
-            <a:r>
-              <a:rPr lang="en-US" sz="1400" dirty="0"/>
-              <a:t>We are not interested in y. </a:t>
-            </a:r>
-          </a:p>
-        </p:txBody>
-      </p:sp>
-    </p:spTree>
-  </p:cSld>
-  <p:clrMapOvr>
-    <a:masterClrMapping/>
-  </p:clrMapOvr>
-</p:sld>
-</file>
-
-<file path=ppt/slides/slide15.xml><?xml version="1.0" encoding="utf-8"?>
-<p:sld xmlns:a="http://schemas.openxmlformats.org/drawingml/2006/main" xmlns:r="http://schemas.openxmlformats.org/officeDocument/2006/relationships" xmlns:p="http://schemas.openxmlformats.org/presentationml/2006/main">
-  <p:cSld>
-    <p:spTree>
-      <p:nvGrpSpPr>
-        <p:cNvPr id="1" name=""/>
-        <p:cNvGrpSpPr/>
-        <p:nvPr/>
-      </p:nvGrpSpPr>
-      <p:grpSpPr>
-        <a:xfrm>
-          <a:off x="0" y="0"/>
-          <a:ext cx="0" cy="0"/>
-          <a:chOff x="0" y="0"/>
-          <a:chExt cx="0" cy="0"/>
-        </a:xfrm>
-      </p:grpSpPr>
-      <p:sp>
-        <p:nvSpPr>
-          <p:cNvPr id="5122" name="Rectangle 2"/>
-          <p:cNvSpPr>
-            <a:spLocks noGrp="1" noChangeArrowheads="1"/>
-          </p:cNvSpPr>
-          <p:nvPr>
-            <p:ph type="title"/>
-          </p:nvPr>
-        </p:nvSpPr>
-        <p:spPr/>
-        <p:txBody>
-          <a:bodyPr/>
-          <a:lstStyle/>
-          <a:p>
-            <a:r>
-              <a:rPr lang="en-US" dirty="0"/>
-              <a:t>Conditional Independence</a:t>
-            </a:r>
-          </a:p>
-        </p:txBody>
-      </p:sp>
-      <p:pic>
-        <p:nvPicPr>
-          <p:cNvPr id="99330" name="Picture 2" descr="A network with a chain of variables where y depends on X and Z depends on Y."/>
-          <p:cNvPicPr>
-            <a:picLocks noChangeAspect="1" noChangeArrowheads="1"/>
-          </p:cNvPicPr>
-          <p:nvPr/>
-        </p:nvPicPr>
-        <p:blipFill>
-          <a:blip r:embed="rId3" cstate="print"/>
-          <a:srcRect/>
-          <a:stretch>
-            <a:fillRect/>
-          </a:stretch>
-        </p:blipFill>
-        <p:spPr bwMode="auto">
-          <a:xfrm>
-            <a:off x="2057400" y="2328763"/>
-            <a:ext cx="5348288" cy="1124398"/>
-          </a:xfrm>
-          <a:prstGeom prst="rect">
-            <a:avLst/>
-          </a:prstGeom>
-          <a:noFill/>
-          <a:ln w="9525">
-            <a:noFill/>
-            <a:miter lim="800000"/>
-            <a:headEnd/>
-            <a:tailEnd/>
-          </a:ln>
-        </p:spPr>
-      </p:pic>
-      <mc:AlternateContent xmlns:mc="http://schemas.openxmlformats.org/markup-compatibility/2006" xmlns:a14="http://schemas.microsoft.com/office/drawing/2010/main">
-        <mc:Choice Requires="a14">
-          <p:sp>
-            <p:nvSpPr>
-              <p:cNvPr id="5123" name="Rectangle 3"/>
-              <p:cNvSpPr>
-                <a:spLocks noGrp="1" noChangeArrowheads="1"/>
-              </p:cNvSpPr>
-              <p:nvPr>
-                <p:ph idx="1"/>
-              </p:nvPr>
-            </p:nvSpPr>
-            <p:spPr>
-              <a:xfrm>
-                <a:off x="628650" y="1825625"/>
-                <a:ext cx="7886700" cy="4117975"/>
-              </a:xfrm>
-            </p:spPr>
-            <p:txBody>
-              <a:bodyPr>
-                <a:normAutofit lnSpcReduction="10000"/>
-              </a:bodyPr>
-              <a:lstStyle/>
-              <a:p>
-                <a:r>
-                  <a:rPr lang="en-US" sz="2400" dirty="0"/>
-                  <a:t>Example: </a:t>
-                </a:r>
-                <a:r>
-                  <a:rPr lang="en-US" sz="2400" i="1" dirty="0"/>
-                  <a:t>causal chain</a:t>
-                </a:r>
-              </a:p>
-              <a:p>
-                <a:endParaRPr lang="en-US" sz="2400" i="1" dirty="0"/>
-              </a:p>
-              <a:p>
-                <a:endParaRPr lang="en-US" sz="2400" i="1" dirty="0"/>
-              </a:p>
-              <a:p>
-                <a:endParaRPr lang="en-US" sz="2400" i="1" dirty="0"/>
-              </a:p>
-              <a:p>
-                <a:r>
-                  <a:rPr lang="en-US" sz="2400" dirty="0"/>
-                  <a:t>Is Z independent of X given Y?</a:t>
-                </a:r>
-              </a:p>
-              <a:p>
-                <a:endParaRPr lang="en-US" sz="2400" dirty="0"/>
-              </a:p>
-              <a:p>
-                <a:pPr marL="457200" indent="-457200">
-                  <a:buAutoNum type="arabicPeriod"/>
-                </a:pPr>
-                <a:r>
-                  <a:rPr lang="en-US" sz="2000" dirty="0"/>
-                  <a:t>Conditioning: 	</a:t>
-                </a:r>
-                <a14:m>
-                  <m:oMath xmlns:m="http://schemas.openxmlformats.org/officeDocument/2006/math">
-                    <m:r>
-                      <a:rPr lang="en-US" sz="2000" i="1" smtClean="0">
-                        <a:latin typeface="Cambria Math" panose="02040503050406030204" pitchFamily="18" charset="0"/>
-                      </a:rPr>
-                      <m:t>𝑃</m:t>
-                    </m:r>
-                    <m:d>
-                      <m:dPr>
-                        <m:ctrlPr>
-                          <a:rPr lang="en-US" sz="2000" i="1">
-                            <a:latin typeface="Cambria Math" panose="02040503050406030204" pitchFamily="18" charset="0"/>
-                          </a:rPr>
-                        </m:ctrlPr>
-                      </m:dPr>
-                      <m:e>
-                        <m:r>
-                          <a:rPr lang="en-US" sz="2000" i="1">
-                            <a:latin typeface="Cambria Math" panose="02040503050406030204" pitchFamily="18" charset="0"/>
-                          </a:rPr>
-                          <m:t>𝑋</m:t>
-                        </m:r>
-                        <m:r>
-                          <a:rPr lang="en-US" sz="2000" i="1">
-                            <a:latin typeface="Cambria Math" panose="02040503050406030204" pitchFamily="18" charset="0"/>
-                          </a:rPr>
-                          <m:t>,</m:t>
-                        </m:r>
-                        <m:r>
-                          <a:rPr lang="en-US" sz="2000" i="1">
-                            <a:latin typeface="Cambria Math" panose="02040503050406030204" pitchFamily="18" charset="0"/>
-                          </a:rPr>
-                          <m:t>𝑍</m:t>
-                        </m:r>
-                      </m:e>
-                      <m:e>
-                        <m:r>
-                          <a:rPr lang="en-US" sz="2000" i="1">
-                            <a:latin typeface="Cambria Math" panose="02040503050406030204" pitchFamily="18" charset="0"/>
-                          </a:rPr>
-                          <m:t>𝑌</m:t>
-                        </m:r>
-                      </m:e>
-                    </m:d>
-                    <m:r>
-                      <a:rPr lang="en-US" sz="2000" b="0" i="1" smtClean="0">
-                        <a:latin typeface="Cambria Math" panose="02040503050406030204" pitchFamily="18" charset="0"/>
-                      </a:rPr>
-                      <m:t>= </m:t>
-                    </m:r>
-                    <m:f>
-                      <m:fPr>
-                        <m:ctrlPr>
-                          <a:rPr lang="en-US" sz="2000" b="0" i="1" smtClean="0">
-                            <a:latin typeface="Cambria Math" panose="02040503050406030204" pitchFamily="18" charset="0"/>
-                          </a:rPr>
-                        </m:ctrlPr>
-                      </m:fPr>
-                      <m:num>
-                        <m:r>
-                          <a:rPr lang="en-US" sz="2000" b="0" i="1" smtClean="0">
-                            <a:latin typeface="Cambria Math" panose="02040503050406030204" pitchFamily="18" charset="0"/>
-                          </a:rPr>
-                          <m:t>𝑃</m:t>
-                        </m:r>
-                        <m:r>
-                          <a:rPr lang="en-US" sz="2000" b="0" i="1" smtClean="0">
-                            <a:latin typeface="Cambria Math" panose="02040503050406030204" pitchFamily="18" charset="0"/>
-                          </a:rPr>
-                          <m:t>(</m:t>
-                        </m:r>
-                        <m:r>
-                          <a:rPr lang="en-US" sz="2000" b="0" i="1" smtClean="0">
-                            <a:latin typeface="Cambria Math" panose="02040503050406030204" pitchFamily="18" charset="0"/>
-                          </a:rPr>
-                          <m:t>𝑋</m:t>
-                        </m:r>
-                        <m:r>
-                          <a:rPr lang="en-US" sz="2000" b="0" i="1" smtClean="0">
-                            <a:latin typeface="Cambria Math" panose="02040503050406030204" pitchFamily="18" charset="0"/>
-                          </a:rPr>
-                          <m:t>,</m:t>
-                        </m:r>
-                        <m:r>
-                          <a:rPr lang="en-US" sz="2000" b="0" i="1" smtClean="0">
-                            <a:latin typeface="Cambria Math" panose="02040503050406030204" pitchFamily="18" charset="0"/>
-                          </a:rPr>
-                          <m:t>𝑌</m:t>
-                        </m:r>
-                        <m:r>
-                          <a:rPr lang="en-US" sz="2000" b="0" i="1" smtClean="0">
-                            <a:latin typeface="Cambria Math" panose="02040503050406030204" pitchFamily="18" charset="0"/>
-                          </a:rPr>
-                          <m:t>,</m:t>
-                        </m:r>
-                        <m:r>
-                          <a:rPr lang="en-US" sz="2000" b="0" i="1" smtClean="0">
-                            <a:latin typeface="Cambria Math" panose="02040503050406030204" pitchFamily="18" charset="0"/>
-                          </a:rPr>
-                          <m:t>𝑍</m:t>
-                        </m:r>
-                        <m:r>
-                          <a:rPr lang="en-US" sz="2000" b="0" i="1" smtClean="0">
-                            <a:latin typeface="Cambria Math" panose="02040503050406030204" pitchFamily="18" charset="0"/>
-                          </a:rPr>
-                          <m:t>)</m:t>
-                        </m:r>
-                      </m:num>
-                      <m:den>
-                        <m:r>
-                          <a:rPr lang="en-US" sz="2000" b="0" i="1" smtClean="0">
-                            <a:latin typeface="Cambria Math" panose="02040503050406030204" pitchFamily="18" charset="0"/>
-                          </a:rPr>
-                          <m:t>𝑃</m:t>
-                        </m:r>
-                        <m:r>
-                          <a:rPr lang="en-US" sz="2000" b="0" i="1" smtClean="0">
-                            <a:latin typeface="Cambria Math" panose="02040503050406030204" pitchFamily="18" charset="0"/>
-                          </a:rPr>
-                          <m:t>(</m:t>
-                        </m:r>
-                        <m:r>
-                          <a:rPr lang="en-US" sz="2000" b="0" i="1" smtClean="0">
-                            <a:latin typeface="Cambria Math" panose="02040503050406030204" pitchFamily="18" charset="0"/>
-                          </a:rPr>
-                          <m:t>𝑌</m:t>
-                        </m:r>
-                        <m:r>
-                          <a:rPr lang="en-US" sz="2000" b="0" i="1" smtClean="0">
-                            <a:latin typeface="Cambria Math" panose="02040503050406030204" pitchFamily="18" charset="0"/>
-                          </a:rPr>
-                          <m:t>)</m:t>
-                        </m:r>
-                      </m:den>
-                    </m:f>
-                    <m:r>
-                      <a:rPr lang="en-US" sz="2000" i="1">
-                        <a:latin typeface="Cambria Math" panose="02040503050406030204" pitchFamily="18" charset="0"/>
-                      </a:rPr>
-                      <m:t>=</m:t>
-                    </m:r>
-                    <m:f>
-                      <m:fPr>
-                        <m:ctrlPr>
-                          <a:rPr lang="en-US" sz="2000" i="1">
-                            <a:latin typeface="Cambria Math" panose="02040503050406030204" pitchFamily="18" charset="0"/>
-                          </a:rPr>
-                        </m:ctrlPr>
-                      </m:fPr>
-                      <m:num>
-                        <m:r>
-                          <m:rPr>
-                            <m:nor/>
-                          </m:rPr>
-                          <a:rPr lang="en-US" sz="2000">
-                            <a:latin typeface="Cambria Math" panose="02040503050406030204" pitchFamily="18" charset="0"/>
-                          </a:rPr>
-                          <m:t>P</m:t>
-                        </m:r>
-                        <m:r>
-                          <m:rPr>
-                            <m:nor/>
-                          </m:rPr>
-                          <a:rPr lang="en-US" sz="2000">
-                            <a:latin typeface="Cambria Math" panose="02040503050406030204" pitchFamily="18" charset="0"/>
-                          </a:rPr>
-                          <m:t>(</m:t>
-                        </m:r>
-                        <m:r>
-                          <m:rPr>
-                            <m:nor/>
-                          </m:rPr>
-                          <a:rPr lang="en-US" sz="2000">
-                            <a:latin typeface="Cambria Math" panose="02040503050406030204" pitchFamily="18" charset="0"/>
-                          </a:rPr>
-                          <m:t>X</m:t>
-                        </m:r>
-                        <m:r>
-                          <m:rPr>
-                            <m:nor/>
-                          </m:rPr>
-                          <a:rPr lang="en-US" sz="2000">
-                            <a:latin typeface="Cambria Math" panose="02040503050406030204" pitchFamily="18" charset="0"/>
-                          </a:rPr>
-                          <m:t>)</m:t>
-                        </m:r>
-                        <m:r>
-                          <m:rPr>
-                            <m:nor/>
-                          </m:rPr>
-                          <a:rPr lang="en-US" sz="2000">
-                            <a:latin typeface="Cambria Math" panose="02040503050406030204" pitchFamily="18" charset="0"/>
-                          </a:rPr>
-                          <m:t>P</m:t>
-                        </m:r>
-                        <m:r>
-                          <m:rPr>
-                            <m:nor/>
-                          </m:rPr>
-                          <a:rPr lang="en-US" sz="2000">
-                            <a:latin typeface="Cambria Math" panose="02040503050406030204" pitchFamily="18" charset="0"/>
-                          </a:rPr>
-                          <m:t>(</m:t>
-                        </m:r>
-                        <m:r>
-                          <m:rPr>
-                            <m:nor/>
-                          </m:rPr>
-                          <a:rPr lang="en-US" sz="2000">
-                            <a:latin typeface="Cambria Math" panose="02040503050406030204" pitchFamily="18" charset="0"/>
-                          </a:rPr>
-                          <m:t>Y</m:t>
-                        </m:r>
-                        <m:r>
-                          <m:rPr>
-                            <m:nor/>
-                          </m:rPr>
-                          <a:rPr lang="en-US" sz="2000">
-                            <a:latin typeface="Cambria Math" panose="02040503050406030204" pitchFamily="18" charset="0"/>
-                          </a:rPr>
-                          <m:t>|</m:t>
-                        </m:r>
-                        <m:r>
-                          <m:rPr>
-                            <m:nor/>
-                          </m:rPr>
-                          <a:rPr lang="en-US" sz="2000">
-                            <a:latin typeface="Cambria Math" panose="02040503050406030204" pitchFamily="18" charset="0"/>
-                          </a:rPr>
-                          <m:t>X</m:t>
-                        </m:r>
-                        <m:r>
-                          <m:rPr>
-                            <m:nor/>
-                          </m:rPr>
-                          <a:rPr lang="en-US" sz="2000">
-                            <a:latin typeface="Cambria Math" panose="02040503050406030204" pitchFamily="18" charset="0"/>
-                          </a:rPr>
-                          <m:t>)</m:t>
-                        </m:r>
-                        <m:r>
-                          <m:rPr>
-                            <m:nor/>
-                          </m:rPr>
-                          <a:rPr lang="en-US" sz="2000">
-                            <a:latin typeface="Cambria Math" panose="02040503050406030204" pitchFamily="18" charset="0"/>
-                          </a:rPr>
-                          <m:t>P</m:t>
-                        </m:r>
-                        <m:r>
-                          <m:rPr>
-                            <m:nor/>
-                          </m:rPr>
-                          <a:rPr lang="en-US" sz="2000">
-                            <a:latin typeface="Cambria Math" panose="02040503050406030204" pitchFamily="18" charset="0"/>
-                          </a:rPr>
-                          <m:t>(</m:t>
-                        </m:r>
-                        <m:r>
-                          <m:rPr>
-                            <m:nor/>
-                          </m:rPr>
-                          <a:rPr lang="en-US" sz="2000">
-                            <a:latin typeface="Cambria Math" panose="02040503050406030204" pitchFamily="18" charset="0"/>
-                          </a:rPr>
-                          <m:t>Z</m:t>
-                        </m:r>
-                        <m:r>
-                          <m:rPr>
-                            <m:nor/>
-                          </m:rPr>
-                          <a:rPr lang="en-US" sz="2000">
-                            <a:latin typeface="Cambria Math" panose="02040503050406030204" pitchFamily="18" charset="0"/>
-                          </a:rPr>
-                          <m:t>|</m:t>
-                        </m:r>
-                        <m:r>
-                          <m:rPr>
-                            <m:nor/>
-                          </m:rPr>
-                          <a:rPr lang="en-US" sz="2000">
-                            <a:latin typeface="Cambria Math" panose="02040503050406030204" pitchFamily="18" charset="0"/>
-                          </a:rPr>
-                          <m:t>Y</m:t>
-                        </m:r>
-                        <m:r>
-                          <m:rPr>
-                            <m:nor/>
-                          </m:rPr>
-                          <a:rPr lang="en-US" sz="2000">
-                            <a:latin typeface="Cambria Math" panose="02040503050406030204" pitchFamily="18" charset="0"/>
-                          </a:rPr>
-                          <m:t>)</m:t>
-                        </m:r>
-                      </m:num>
-                      <m:den>
-                        <m:r>
-                          <a:rPr lang="en-US" sz="2000" i="1">
-                            <a:latin typeface="Cambria Math" panose="02040503050406030204" pitchFamily="18" charset="0"/>
-                          </a:rPr>
-                          <m:t>𝑃</m:t>
-                        </m:r>
-                        <m:r>
-                          <a:rPr lang="en-US" sz="2000" i="1">
-                            <a:latin typeface="Cambria Math" panose="02040503050406030204" pitchFamily="18" charset="0"/>
-                          </a:rPr>
-                          <m:t>(</m:t>
-                        </m:r>
-                        <m:r>
-                          <a:rPr lang="en-US" sz="2000" i="1">
-                            <a:latin typeface="Cambria Math" panose="02040503050406030204" pitchFamily="18" charset="0"/>
-                          </a:rPr>
-                          <m:t>𝑌</m:t>
-                        </m:r>
-                        <m:r>
-                          <a:rPr lang="en-US" sz="2000" i="1">
-                            <a:latin typeface="Cambria Math" panose="02040503050406030204" pitchFamily="18" charset="0"/>
-                          </a:rPr>
-                          <m:t>)</m:t>
-                        </m:r>
-                      </m:den>
-                    </m:f>
-                    <m:r>
-                      <m:rPr>
-                        <m:nor/>
-                      </m:rPr>
-                      <a:rPr lang="en-US" sz="2000">
-                        <a:latin typeface="Cambria Math" panose="02040503050406030204" pitchFamily="18" charset="0"/>
-                      </a:rPr>
-                      <m:t> </m:t>
-                    </m:r>
-                  </m:oMath>
-                </a14:m>
-                <a:br>
-                  <a:rPr lang="en-US" sz="2000" dirty="0">
-                    <a:latin typeface="Cambria Math" panose="02040503050406030204" pitchFamily="18" charset="0"/>
-                  </a:rPr>
-                </a:br>
-                <a:endParaRPr lang="en-US" sz="2000" dirty="0">
-                  <a:latin typeface="Cambria Math" panose="02040503050406030204" pitchFamily="18" charset="0"/>
-                </a:endParaRPr>
-              </a:p>
-              <a:p>
-                <a:pPr marL="457200" indent="-457200">
-                  <a:buAutoNum type="arabicPeriod"/>
-                </a:pPr>
-                <a:r>
-                  <a:rPr lang="en-US" dirty="0"/>
-                  <a:t>Bayes’ rule: 	</a:t>
-                </a:r>
-                <a:r>
-                  <a:rPr lang="en-US" sz="2000" dirty="0">
-                    <a:latin typeface="Cambria Math" panose="02040503050406030204" pitchFamily="18" charset="0"/>
-                  </a:rPr>
-                  <a:t>	     </a:t>
-                </a:r>
-                <a14:m>
-                  <m:oMath xmlns:m="http://schemas.openxmlformats.org/officeDocument/2006/math">
-                    <m:r>
-                      <m:rPr>
-                        <m:nor/>
-                      </m:rPr>
-                      <a:rPr lang="en-US" sz="2000">
-                        <a:latin typeface="Cambria Math" panose="02040503050406030204" pitchFamily="18" charset="0"/>
-                      </a:rPr>
-                      <m:t>= </m:t>
-                    </m:r>
-                    <m:f>
-                      <m:fPr>
-                        <m:ctrlPr>
-                          <a:rPr lang="en-US" sz="2000" i="1">
-                            <a:latin typeface="Cambria Math" panose="02040503050406030204" pitchFamily="18" charset="0"/>
-                          </a:rPr>
-                        </m:ctrlPr>
-                      </m:fPr>
-                      <m:num>
-                        <m:r>
-                          <a:rPr lang="en-US" sz="2000" i="1">
-                            <a:latin typeface="Cambria Math" panose="02040503050406030204" pitchFamily="18" charset="0"/>
-                          </a:rPr>
-                          <m:t>𝑃</m:t>
-                        </m:r>
-                        <m:d>
-                          <m:dPr>
-                            <m:ctrlPr>
-                              <a:rPr lang="en-US" sz="2000" i="1">
-                                <a:latin typeface="Cambria Math" panose="02040503050406030204" pitchFamily="18" charset="0"/>
-                              </a:rPr>
-                            </m:ctrlPr>
-                          </m:dPr>
-                          <m:e>
-                            <m:r>
-                              <a:rPr lang="en-US" sz="2000" i="1">
-                                <a:latin typeface="Cambria Math" panose="02040503050406030204" pitchFamily="18" charset="0"/>
-                              </a:rPr>
-                              <m:t>𝑋</m:t>
-                            </m:r>
-                          </m:e>
-                        </m:d>
-                        <m:f>
-                          <m:fPr>
-                            <m:ctrlPr>
-                              <a:rPr lang="en-US" sz="2000" i="1" smtClean="0">
-                                <a:latin typeface="Cambria Math" panose="02040503050406030204" pitchFamily="18" charset="0"/>
-                              </a:rPr>
-                            </m:ctrlPr>
-                          </m:fPr>
-                          <m:num>
-                            <m:r>
-                              <a:rPr lang="en-US" sz="2000" i="1" smtClean="0">
-                                <a:latin typeface="Cambria Math" panose="02040503050406030204" pitchFamily="18" charset="0"/>
-                              </a:rPr>
-                              <m:t>𝑃</m:t>
-                            </m:r>
-                            <m:r>
-                              <a:rPr lang="en-US" sz="2000" i="1" smtClean="0">
-                                <a:latin typeface="Cambria Math" panose="02040503050406030204" pitchFamily="18" charset="0"/>
-                              </a:rPr>
-                              <m:t>(</m:t>
-                            </m:r>
-                            <m:r>
-                              <a:rPr lang="en-US" sz="2000" i="1" smtClean="0">
-                                <a:latin typeface="Cambria Math" panose="02040503050406030204" pitchFamily="18" charset="0"/>
-                              </a:rPr>
-                              <m:t>𝑋</m:t>
-                            </m:r>
-                            <m:r>
-                              <a:rPr lang="en-US" sz="2000" i="1" smtClean="0">
-                                <a:latin typeface="Cambria Math" panose="02040503050406030204" pitchFamily="18" charset="0"/>
-                              </a:rPr>
-                              <m:t>|</m:t>
-                            </m:r>
-                            <m:r>
-                              <a:rPr lang="en-US" sz="2000" i="1" smtClean="0">
-                                <a:latin typeface="Cambria Math" panose="02040503050406030204" pitchFamily="18" charset="0"/>
-                              </a:rPr>
-                              <m:t>𝑌</m:t>
-                            </m:r>
-                            <m:r>
-                              <a:rPr lang="en-US" sz="2000" i="1" smtClean="0">
-                                <a:latin typeface="Cambria Math" panose="02040503050406030204" pitchFamily="18" charset="0"/>
-                              </a:rPr>
-                              <m:t>)</m:t>
-                            </m:r>
-                            <m:r>
-                              <a:rPr lang="en-US" sz="2000" i="1" smtClean="0">
-                                <a:latin typeface="Cambria Math" panose="02040503050406030204" pitchFamily="18" charset="0"/>
-                              </a:rPr>
-                              <m:t>𝑃</m:t>
-                            </m:r>
-                            <m:d>
-                              <m:dPr>
-                                <m:ctrlPr>
-                                  <a:rPr lang="en-US" sz="2000" i="1">
-                                    <a:latin typeface="Cambria Math" panose="02040503050406030204" pitchFamily="18" charset="0"/>
-                                  </a:rPr>
-                                </m:ctrlPr>
-                              </m:dPr>
-                              <m:e>
-                                <m:r>
-                                  <a:rPr lang="en-US" sz="2000" i="1">
-                                    <a:latin typeface="Cambria Math" panose="02040503050406030204" pitchFamily="18" charset="0"/>
-                                  </a:rPr>
-                                  <m:t>𝑌</m:t>
-                                </m:r>
-                              </m:e>
-                            </m:d>
-                          </m:num>
-                          <m:den>
-                            <m:r>
-                              <a:rPr lang="en-US" sz="2000" b="0" i="1" smtClean="0">
-                                <a:latin typeface="Cambria Math" panose="02040503050406030204" pitchFamily="18" charset="0"/>
-                              </a:rPr>
-                              <m:t>𝑃</m:t>
-                            </m:r>
-                            <m:r>
-                              <a:rPr lang="en-US" sz="2000" b="0" i="1" smtClean="0">
-                                <a:latin typeface="Cambria Math" panose="02040503050406030204" pitchFamily="18" charset="0"/>
-                              </a:rPr>
-                              <m:t>(</m:t>
-                            </m:r>
-                            <m:r>
-                              <a:rPr lang="en-US" sz="2000" b="0" i="1" smtClean="0">
-                                <a:latin typeface="Cambria Math" panose="02040503050406030204" pitchFamily="18" charset="0"/>
-                              </a:rPr>
-                              <m:t>𝑋</m:t>
-                            </m:r>
-                            <m:r>
-                              <a:rPr lang="en-US" sz="2000" b="0" i="1" smtClean="0">
-                                <a:latin typeface="Cambria Math" panose="02040503050406030204" pitchFamily="18" charset="0"/>
-                              </a:rPr>
-                              <m:t>)</m:t>
-                            </m:r>
-                          </m:den>
-                        </m:f>
-                        <m:r>
-                          <a:rPr lang="en-US" sz="2000" i="1">
-                            <a:latin typeface="Cambria Math" panose="02040503050406030204" pitchFamily="18" charset="0"/>
-                          </a:rPr>
-                          <m:t>𝑃</m:t>
-                        </m:r>
-                        <m:r>
-                          <a:rPr lang="en-US" sz="2000" i="1">
-                            <a:latin typeface="Cambria Math" panose="02040503050406030204" pitchFamily="18" charset="0"/>
-                          </a:rPr>
-                          <m:t>(</m:t>
-                        </m:r>
-                        <m:r>
-                          <a:rPr lang="en-US" sz="2000" i="1">
-                            <a:latin typeface="Cambria Math" panose="02040503050406030204" pitchFamily="18" charset="0"/>
-                          </a:rPr>
-                          <m:t>𝑍</m:t>
-                        </m:r>
-                        <m:r>
-                          <a:rPr lang="en-US" sz="2000" i="1">
-                            <a:latin typeface="Cambria Math" panose="02040503050406030204" pitchFamily="18" charset="0"/>
-                          </a:rPr>
-                          <m:t>|</m:t>
-                        </m:r>
-                        <m:r>
-                          <a:rPr lang="en-US" sz="2000" i="1">
-                            <a:latin typeface="Cambria Math" panose="02040503050406030204" pitchFamily="18" charset="0"/>
-                          </a:rPr>
-                          <m:t>𝑌</m:t>
-                        </m:r>
-                        <m:r>
-                          <a:rPr lang="en-US" sz="2000" i="1">
-                            <a:latin typeface="Cambria Math" panose="02040503050406030204" pitchFamily="18" charset="0"/>
-                          </a:rPr>
-                          <m:t>)</m:t>
-                        </m:r>
-                      </m:num>
-                      <m:den>
-                        <m:r>
-                          <a:rPr lang="en-US" sz="2000" i="1">
-                            <a:latin typeface="Cambria Math" panose="02040503050406030204" pitchFamily="18" charset="0"/>
-                          </a:rPr>
-                          <m:t>𝑃</m:t>
-                        </m:r>
-                        <m:r>
-                          <a:rPr lang="en-US" sz="2000" i="1">
-                            <a:latin typeface="Cambria Math" panose="02040503050406030204" pitchFamily="18" charset="0"/>
-                          </a:rPr>
-                          <m:t>(</m:t>
-                        </m:r>
-                        <m:r>
-                          <a:rPr lang="en-US" sz="2000" i="1">
-                            <a:latin typeface="Cambria Math" panose="02040503050406030204" pitchFamily="18" charset="0"/>
-                          </a:rPr>
-                          <m:t>𝑌</m:t>
-                        </m:r>
-                        <m:r>
-                          <a:rPr lang="en-US" sz="2000" i="1">
-                            <a:latin typeface="Cambria Math" panose="02040503050406030204" pitchFamily="18" charset="0"/>
-                          </a:rPr>
-                          <m:t>)</m:t>
-                        </m:r>
-                      </m:den>
-                    </m:f>
-                    <m:r>
-                      <m:rPr>
-                        <m:nor/>
-                      </m:rPr>
-                      <a:rPr lang="en-US" sz="2000">
-                        <a:latin typeface="Cambria Math" panose="02040503050406030204" pitchFamily="18" charset="0"/>
-                      </a:rPr>
-                      <m:t> = </m:t>
-                    </m:r>
-                    <m:r>
-                      <m:rPr>
-                        <m:nor/>
-                      </m:rPr>
-                      <a:rPr lang="en-US" sz="2000">
-                        <a:latin typeface="Cambria Math" panose="02040503050406030204" pitchFamily="18" charset="0"/>
-                      </a:rPr>
-                      <m:t>P</m:t>
-                    </m:r>
-                    <m:r>
-                      <m:rPr>
-                        <m:nor/>
-                      </m:rPr>
-                      <a:rPr lang="en-US" sz="2000">
-                        <a:latin typeface="Cambria Math" panose="02040503050406030204" pitchFamily="18" charset="0"/>
-                      </a:rPr>
-                      <m:t>(</m:t>
-                    </m:r>
-                    <m:r>
-                      <m:rPr>
-                        <m:nor/>
-                      </m:rPr>
-                      <a:rPr lang="en-US" sz="2000">
-                        <a:latin typeface="Cambria Math" panose="02040503050406030204" pitchFamily="18" charset="0"/>
-                      </a:rPr>
-                      <m:t>X</m:t>
-                    </m:r>
-                    <m:r>
-                      <m:rPr>
-                        <m:nor/>
-                      </m:rPr>
-                      <a:rPr lang="en-US" sz="2000">
-                        <a:latin typeface="Cambria Math" panose="02040503050406030204" pitchFamily="18" charset="0"/>
-                      </a:rPr>
-                      <m:t>|</m:t>
-                    </m:r>
-                    <m:r>
-                      <m:rPr>
-                        <m:nor/>
-                      </m:rPr>
-                      <a:rPr lang="en-US" sz="2000">
-                        <a:latin typeface="Cambria Math" panose="02040503050406030204" pitchFamily="18" charset="0"/>
-                      </a:rPr>
-                      <m:t>Y</m:t>
-                    </m:r>
-                    <m:r>
-                      <m:rPr>
-                        <m:nor/>
-                      </m:rPr>
-                      <a:rPr lang="en-US" sz="2000">
-                        <a:latin typeface="Cambria Math" panose="02040503050406030204" pitchFamily="18" charset="0"/>
-                      </a:rPr>
-                      <m:t>)</m:t>
-                    </m:r>
-                    <m:r>
-                      <m:rPr>
-                        <m:nor/>
-                      </m:rPr>
-                      <a:rPr lang="en-US" sz="2000">
-                        <a:latin typeface="Cambria Math" panose="02040503050406030204" pitchFamily="18" charset="0"/>
-                      </a:rPr>
-                      <m:t>P</m:t>
-                    </m:r>
-                    <m:r>
-                      <m:rPr>
-                        <m:nor/>
-                      </m:rPr>
-                      <a:rPr lang="en-US" sz="2000">
-                        <a:latin typeface="Cambria Math" panose="02040503050406030204" pitchFamily="18" charset="0"/>
-                      </a:rPr>
-                      <m:t>(</m:t>
-                    </m:r>
-                    <m:r>
-                      <m:rPr>
-                        <m:nor/>
-                      </m:rPr>
-                      <a:rPr lang="en-US" sz="2000">
-                        <a:latin typeface="Cambria Math" panose="02040503050406030204" pitchFamily="18" charset="0"/>
-                      </a:rPr>
-                      <m:t>Z</m:t>
-                    </m:r>
-                    <m:r>
-                      <m:rPr>
-                        <m:nor/>
-                      </m:rPr>
-                      <a:rPr lang="en-US" sz="2000">
-                        <a:latin typeface="Cambria Math" panose="02040503050406030204" pitchFamily="18" charset="0"/>
-                      </a:rPr>
-                      <m:t>|</m:t>
-                    </m:r>
-                    <m:r>
-                      <m:rPr>
-                        <m:nor/>
-                      </m:rPr>
-                      <a:rPr lang="en-US" sz="2000">
-                        <a:latin typeface="Cambria Math" panose="02040503050406030204" pitchFamily="18" charset="0"/>
-                      </a:rPr>
-                      <m:t>Y</m:t>
-                    </m:r>
-                    <m:r>
-                      <m:rPr>
-                        <m:nor/>
-                      </m:rPr>
-                      <a:rPr lang="en-US" sz="2000">
-                        <a:latin typeface="Cambria Math" panose="02040503050406030204" pitchFamily="18" charset="0"/>
-                      </a:rPr>
-                      <m:t>)</m:t>
-                    </m:r>
-                  </m:oMath>
-                </a14:m>
-                <a:endParaRPr lang="en-US" sz="2000" dirty="0"/>
-              </a:p>
-              <a:p>
-                <a:pPr marL="0" indent="0">
-                  <a:buNone/>
-                </a:pPr>
-                <a:endParaRPr lang="en-US" sz="2400" dirty="0"/>
-              </a:p>
-            </p:txBody>
-          </p:sp>
-        </mc:Choice>
-        <mc:Fallback xmlns="">
-          <p:sp>
-            <p:nvSpPr>
-              <p:cNvPr id="5123" name="Rectangle 3"/>
-              <p:cNvSpPr>
-                <a:spLocks noGrp="1" noRot="1" noChangeAspect="1" noMove="1" noResize="1" noEditPoints="1" noAdjustHandles="1" noChangeArrowheads="1" noChangeShapeType="1" noTextEdit="1"/>
-              </p:cNvSpPr>
-              <p:nvPr>
-                <p:ph idx="1"/>
-              </p:nvPr>
-            </p:nvSpPr>
-            <p:spPr>
-              <a:xfrm>
-                <a:off x="628650" y="1825625"/>
-                <a:ext cx="7886700" cy="4117975"/>
-              </a:xfrm>
-              <a:blipFill>
-                <a:blip r:embed="rId4"/>
-                <a:stretch>
-                  <a:fillRect l="-1005" t="-2811"/>
-                </a:stretch>
-              </a:blipFill>
-            </p:spPr>
-            <p:txBody>
-              <a:bodyPr/>
-              <a:lstStyle/>
-              <a:p>
-                <a:r>
-                  <a:rPr lang="en-US">
-                    <a:noFill/>
-                  </a:rPr>
-                  <a:t> </a:t>
-                </a:r>
-              </a:p>
-            </p:txBody>
-          </p:sp>
-        </mc:Fallback>
-      </mc:AlternateContent>
-      <p:sp>
-        <p:nvSpPr>
-          <p:cNvPr id="5" name="Speech Bubble: Rectangle with Corners Rounded 4">
-            <a:extLst>
-              <a:ext uri="{FF2B5EF4-FFF2-40B4-BE49-F238E27FC236}">
-                <a16:creationId xmlns:a16="http://schemas.microsoft.com/office/drawing/2014/main" id="{7C402E91-FD33-DCB0-90E1-D1FA00966C37}"/>
-              </a:ext>
-            </a:extLst>
-          </p:cNvPr>
-          <p:cNvSpPr/>
-          <p:nvPr/>
-        </p:nvSpPr>
-        <p:spPr>
-          <a:xfrm>
-            <a:off x="7543800" y="3657600"/>
-            <a:ext cx="1371600" cy="1068605"/>
-          </a:xfrm>
-          <a:prstGeom prst="wedgeRoundRectCallout">
-            <a:avLst>
-              <a:gd name="adj1" fmla="val -77910"/>
-              <a:gd name="adj2" fmla="val 91247"/>
-              <a:gd name="adj3" fmla="val 16667"/>
-            </a:avLst>
-          </a:prstGeom>
-        </p:spPr>
-        <p:style>
-          <a:lnRef idx="2">
-            <a:schemeClr val="accent1">
-              <a:shade val="15000"/>
-            </a:schemeClr>
-          </a:lnRef>
-          <a:fillRef idx="1">
-            <a:schemeClr val="accent1"/>
-          </a:fillRef>
-          <a:effectRef idx="0">
-            <a:schemeClr val="accent1"/>
-          </a:effectRef>
-          <a:fontRef idx="minor">
-            <a:schemeClr val="lt1"/>
-          </a:fontRef>
-        </p:style>
-        <p:txBody>
-          <a:bodyPr rtlCol="0" anchor="ctr"/>
-          <a:lstStyle/>
-          <a:p>
-            <a:r>
-              <a:rPr lang="en-US" sz="1400" dirty="0"/>
-              <a:t>= Definition of conditional independence</a:t>
-            </a:r>
-          </a:p>
-        </p:txBody>
-      </p:sp>
-      <p:sp>
-        <p:nvSpPr>
-          <p:cNvPr id="10" name="TextBox 9">
-            <a:extLst>
-              <a:ext uri="{FF2B5EF4-FFF2-40B4-BE49-F238E27FC236}">
-                <a16:creationId xmlns:a16="http://schemas.microsoft.com/office/drawing/2014/main" id="{BB64160A-523C-43B4-BE6E-A3C4AADBF146}"/>
-              </a:ext>
-            </a:extLst>
-          </p:cNvPr>
-          <p:cNvSpPr txBox="1"/>
-          <p:nvPr/>
-        </p:nvSpPr>
-        <p:spPr>
-          <a:xfrm>
-            <a:off x="5618443" y="5855830"/>
-            <a:ext cx="2743200" cy="646331"/>
-          </a:xfrm>
-          <a:prstGeom prst="rect">
-            <a:avLst/>
-          </a:prstGeom>
-          <a:noFill/>
-        </p:spPr>
-        <p:txBody>
-          <a:bodyPr wrap="square">
-            <a:spAutoFit/>
-          </a:bodyPr>
-          <a:lstStyle/>
-          <a:p>
-            <a:pPr algn="ctr"/>
-            <a:r>
-              <a:rPr lang="en-US" sz="1800" dirty="0">
-                <a:solidFill>
-                  <a:srgbClr val="FF0000"/>
-                </a:solidFill>
-              </a:rPr>
-              <a:t>X and Z are </a:t>
-            </a:r>
-            <a:r>
-              <a:rPr lang="en-US" dirty="0">
-                <a:solidFill>
-                  <a:srgbClr val="FF0000"/>
-                </a:solidFill>
-              </a:rPr>
-              <a:t>conditionally</a:t>
-            </a:r>
-            <a:r>
-              <a:rPr lang="en-US" sz="1800" dirty="0">
-                <a:solidFill>
-                  <a:srgbClr val="FF0000"/>
-                </a:solidFill>
-              </a:rPr>
-              <a:t> </a:t>
-            </a:r>
-            <a:br>
-              <a:rPr lang="en-US" sz="1800" dirty="0">
-                <a:solidFill>
-                  <a:srgbClr val="FF0000"/>
-                </a:solidFill>
-              </a:rPr>
-            </a:br>
-            <a:r>
-              <a:rPr lang="en-US" sz="1800" dirty="0">
-                <a:solidFill>
-                  <a:srgbClr val="FF0000"/>
-                </a:solidFill>
-              </a:rPr>
-              <a:t>independent given Y</a:t>
-            </a:r>
-          </a:p>
-        </p:txBody>
-      </p:sp>
-      <p:sp>
-        <p:nvSpPr>
-          <p:cNvPr id="11" name="Arrow: Right 10">
-            <a:extLst>
-              <a:ext uri="{FF2B5EF4-FFF2-40B4-BE49-F238E27FC236}">
-                <a16:creationId xmlns:a16="http://schemas.microsoft.com/office/drawing/2014/main" id="{810EFDF7-8251-4574-827A-A732105D5FA8}"/>
-              </a:ext>
-              <a:ext uri="{C183D7F6-B498-43B3-948B-1728B52AA6E4}">
-                <adec:decorative xmlns:adec="http://schemas.microsoft.com/office/drawing/2017/decorative" val="1"/>
-              </a:ext>
-            </a:extLst>
-          </p:cNvPr>
-          <p:cNvSpPr/>
-          <p:nvPr/>
-        </p:nvSpPr>
-        <p:spPr>
-          <a:xfrm rot="5400000">
-            <a:off x="6689866" y="5629006"/>
-            <a:ext cx="315911" cy="284443"/>
-          </a:xfrm>
-          <a:prstGeom prst="rightArrow">
-            <a:avLst/>
-          </a:prstGeom>
-        </p:spPr>
-        <p:style>
-          <a:lnRef idx="2">
-            <a:schemeClr val="accent1">
-              <a:shade val="50000"/>
-            </a:schemeClr>
-          </a:lnRef>
-          <a:fillRef idx="1">
-            <a:schemeClr val="accent1"/>
-          </a:fillRef>
-          <a:effectRef idx="0">
-            <a:schemeClr val="accent1"/>
-          </a:effectRef>
-          <a:fontRef idx="minor">
-            <a:schemeClr val="lt1"/>
-          </a:fontRef>
-        </p:style>
-        <p:txBody>
-          <a:bodyPr rtlCol="0" anchor="ctr"/>
-          <a:lstStyle/>
-          <a:p>
-            <a:pPr algn="ctr"/>
-            <a:endParaRPr lang="en-US"/>
-          </a:p>
-        </p:txBody>
-      </p:sp>
-    </p:spTree>
-    <p:extLst>
-      <p:ext uri="{BB962C8B-B14F-4D97-AF65-F5344CB8AC3E}">
-        <p14:creationId xmlns:p14="http://schemas.microsoft.com/office/powerpoint/2010/main" val="109633865"/>
-      </p:ext>
-    </p:extLst>
-  </p:cSld>
-  <p:clrMapOvr>
-    <a:masterClrMapping/>
-  </p:clrMapOvr>
-</p:sld>
-</file>
-
-<file path=ppt/slides/slide16.xml><?xml version="1.0" encoding="utf-8"?>
-<p:sld xmlns:a="http://schemas.openxmlformats.org/drawingml/2006/main" xmlns:r="http://schemas.openxmlformats.org/officeDocument/2006/relationships" xmlns:p="http://schemas.openxmlformats.org/presentationml/2006/main">
-  <p:cSld>
-    <p:spTree>
-      <p:nvGrpSpPr>
-        <p:cNvPr id="1" name=""/>
-        <p:cNvGrpSpPr/>
-        <p:nvPr/>
-      </p:nvGrpSpPr>
-      <p:grpSpPr>
-        <a:xfrm>
-          <a:off x="0" y="0"/>
-          <a:ext cx="0" cy="0"/>
-          <a:chOff x="0" y="0"/>
-          <a:chExt cx="0" cy="0"/>
-        </a:xfrm>
-      </p:grpSpPr>
-      <p:sp>
-        <p:nvSpPr>
-          <p:cNvPr id="2" name="Title 1"/>
-          <p:cNvSpPr>
-            <a:spLocks noGrp="1"/>
-          </p:cNvSpPr>
-          <p:nvPr>
-            <p:ph type="title"/>
-          </p:nvPr>
-        </p:nvSpPr>
-        <p:spPr>
-          <a:xfrm>
-            <a:off x="457200" y="345783"/>
-            <a:ext cx="8229600" cy="715962"/>
-          </a:xfrm>
-        </p:spPr>
-        <p:txBody>
-          <a:bodyPr/>
-          <a:lstStyle/>
-          <a:p>
-            <a:r>
-              <a:rPr lang="en-US" dirty="0"/>
-              <a:t>Conditional Independence cont.</a:t>
-            </a:r>
-          </a:p>
-        </p:txBody>
-      </p:sp>
-      <p:pic>
-        <p:nvPicPr>
-          <p:cNvPr id="22530" name="Picture 2" descr="A network where X and Z depend on Y."/>
-          <p:cNvPicPr>
-            <a:picLocks noChangeAspect="1" noChangeArrowheads="1"/>
-          </p:cNvPicPr>
-          <p:nvPr/>
-        </p:nvPicPr>
-        <p:blipFill>
-          <a:blip r:embed="rId3" cstate="print"/>
-          <a:srcRect/>
-          <a:stretch>
-            <a:fillRect/>
-          </a:stretch>
-        </p:blipFill>
-        <p:spPr bwMode="auto">
-          <a:xfrm>
-            <a:off x="1607874" y="1905000"/>
-            <a:ext cx="1592526" cy="2667000"/>
-          </a:xfrm>
-          <a:prstGeom prst="rect">
-            <a:avLst/>
-          </a:prstGeom>
-          <a:noFill/>
-          <a:ln w="9525">
-            <a:noFill/>
-            <a:miter lim="800000"/>
-            <a:headEnd/>
-            <a:tailEnd/>
-          </a:ln>
-        </p:spPr>
-      </p:pic>
-      <p:sp>
-        <p:nvSpPr>
-          <p:cNvPr id="3" name="Content Placeholder 2"/>
-          <p:cNvSpPr>
-            <a:spLocks noGrp="1"/>
-          </p:cNvSpPr>
-          <p:nvPr>
-            <p:ph sz="half" idx="1"/>
-          </p:nvPr>
-        </p:nvSpPr>
-        <p:spPr>
-          <a:xfrm>
-            <a:off x="457200" y="1553995"/>
-            <a:ext cx="4038600" cy="4923005"/>
-          </a:xfrm>
-        </p:spPr>
-        <p:txBody>
-          <a:bodyPr>
-            <a:noAutofit/>
-          </a:bodyPr>
-          <a:lstStyle/>
-          <a:p>
-            <a:r>
-              <a:rPr lang="en-US" sz="1800" i="1" dirty="0"/>
-              <a:t>Common cause</a:t>
-            </a:r>
-          </a:p>
-          <a:p>
-            <a:endParaRPr lang="en-US" sz="1800" dirty="0"/>
-          </a:p>
-          <a:p>
-            <a:endParaRPr lang="en-US" sz="1800" dirty="0"/>
-          </a:p>
-          <a:p>
-            <a:endParaRPr lang="en-US" sz="1800" dirty="0"/>
-          </a:p>
-          <a:p>
-            <a:endParaRPr lang="en-US" sz="1800" dirty="0"/>
-          </a:p>
-          <a:p>
-            <a:endParaRPr lang="en-US" sz="1800" dirty="0"/>
-          </a:p>
-          <a:p>
-            <a:endParaRPr lang="en-US" sz="1800" dirty="0"/>
-          </a:p>
-          <a:p>
-            <a:endParaRPr lang="en-US" sz="1800" dirty="0"/>
-          </a:p>
-          <a:p>
-            <a:pPr marL="0" indent="0">
-              <a:buNone/>
-            </a:pPr>
-            <a:endParaRPr lang="en-US" sz="1800" dirty="0"/>
-          </a:p>
-          <a:p>
-            <a:r>
-              <a:rPr lang="en-US" sz="1800" dirty="0"/>
-              <a:t>Are X and Z independent?</a:t>
-            </a:r>
-          </a:p>
-          <a:p>
-            <a:pPr lvl="1"/>
-            <a:r>
-              <a:rPr lang="en-US" dirty="0">
-                <a:solidFill>
-                  <a:srgbClr val="0066FF"/>
-                </a:solidFill>
-              </a:rPr>
-              <a:t>No</a:t>
-            </a:r>
-          </a:p>
-          <a:p>
-            <a:r>
-              <a:rPr lang="en-US" sz="1800" dirty="0"/>
-              <a:t>Are they conditionally independent given Y?</a:t>
-            </a:r>
-          </a:p>
-          <a:p>
-            <a:pPr lvl="1"/>
-            <a:r>
-              <a:rPr lang="en-US" dirty="0">
-                <a:solidFill>
-                  <a:srgbClr val="0066FF"/>
-                </a:solidFill>
-              </a:rPr>
-              <a:t>Yes</a:t>
-            </a:r>
-          </a:p>
-        </p:txBody>
-      </p:sp>
-      <p:pic>
-        <p:nvPicPr>
-          <p:cNvPr id="22531" name="Picture 3" descr="A network where Y depends on X and Z."/>
-          <p:cNvPicPr>
-            <a:picLocks noChangeAspect="1" noChangeArrowheads="1"/>
-          </p:cNvPicPr>
-          <p:nvPr/>
-        </p:nvPicPr>
-        <p:blipFill>
-          <a:blip r:embed="rId4" cstate="print"/>
-          <a:srcRect/>
-          <a:stretch>
-            <a:fillRect/>
-          </a:stretch>
-        </p:blipFill>
-        <p:spPr bwMode="auto">
-          <a:xfrm>
-            <a:off x="5410200" y="1828800"/>
-            <a:ext cx="1728019" cy="2819400"/>
-          </a:xfrm>
-          <a:prstGeom prst="rect">
-            <a:avLst/>
-          </a:prstGeom>
-          <a:noFill/>
-          <a:ln w="9525">
-            <a:noFill/>
-            <a:miter lim="800000"/>
-            <a:headEnd/>
-            <a:tailEnd/>
-          </a:ln>
-        </p:spPr>
-      </p:pic>
-      <p:sp>
-        <p:nvSpPr>
-          <p:cNvPr id="5" name="Content Placeholder 4"/>
-          <p:cNvSpPr>
-            <a:spLocks noGrp="1"/>
-          </p:cNvSpPr>
-          <p:nvPr>
-            <p:ph sz="half" idx="2"/>
-          </p:nvPr>
-        </p:nvSpPr>
-        <p:spPr>
-          <a:xfrm>
-            <a:off x="4648200" y="1553995"/>
-            <a:ext cx="4038600" cy="4525963"/>
-          </a:xfrm>
-        </p:spPr>
-        <p:txBody>
-          <a:bodyPr>
-            <a:noAutofit/>
-          </a:bodyPr>
-          <a:lstStyle/>
-          <a:p>
-            <a:r>
-              <a:rPr lang="en-US" sz="1800" i="1" dirty="0"/>
-              <a:t>Common effect</a:t>
-            </a:r>
-          </a:p>
-          <a:p>
-            <a:endParaRPr lang="en-US" sz="1800" dirty="0"/>
-          </a:p>
-          <a:p>
-            <a:endParaRPr lang="en-US" sz="1800" dirty="0"/>
-          </a:p>
-          <a:p>
-            <a:endParaRPr lang="en-US" sz="1800" dirty="0"/>
-          </a:p>
-          <a:p>
-            <a:endParaRPr lang="en-US" sz="1800" dirty="0"/>
-          </a:p>
-          <a:p>
-            <a:pPr marL="0" indent="0">
-              <a:buNone/>
-            </a:pPr>
-            <a:endParaRPr lang="en-US" sz="1800" dirty="0"/>
-          </a:p>
-          <a:p>
-            <a:endParaRPr lang="en-US" sz="1800" dirty="0"/>
-          </a:p>
-          <a:p>
-            <a:endParaRPr lang="en-US" sz="1800" dirty="0"/>
-          </a:p>
-          <a:p>
-            <a:endParaRPr lang="en-US" sz="1800" dirty="0"/>
-          </a:p>
-          <a:p>
-            <a:r>
-              <a:rPr lang="en-US" sz="1800" dirty="0"/>
-              <a:t>Are X and Z independent?</a:t>
-            </a:r>
-          </a:p>
-          <a:p>
-            <a:pPr lvl="1"/>
-            <a:r>
-              <a:rPr lang="en-US" dirty="0">
-                <a:solidFill>
-                  <a:srgbClr val="0066FF"/>
-                </a:solidFill>
-              </a:rPr>
-              <a:t>Yes</a:t>
-            </a:r>
-          </a:p>
-          <a:p>
-            <a:r>
-              <a:rPr lang="en-US" sz="1800" dirty="0"/>
-              <a:t>Are they conditionally independent given Y?</a:t>
-            </a:r>
-          </a:p>
-          <a:p>
-            <a:pPr lvl="1"/>
-            <a:r>
-              <a:rPr lang="en-US" dirty="0">
-                <a:solidFill>
-                  <a:srgbClr val="0066FF"/>
-                </a:solidFill>
-              </a:rPr>
-              <a:t>No</a:t>
-            </a:r>
-          </a:p>
-        </p:txBody>
-      </p:sp>
-    </p:spTree>
-  </p:cSld>
-  <p:clrMapOvr>
-    <a:masterClrMapping/>
-  </p:clrMapOvr>
-  <p:timing>
-    <p:tnLst>
-      <p:par>
-        <p:cTn id="1" dur="indefinite" restart="never" nodeType="tmRoot">
-          <p:childTnLst>
-            <p:seq concurrent="1" nextAc="seek">
-              <p:cTn id="2" dur="indefinite" nodeType="mainSeq">
-                <p:childTnLst>
-                  <p:par>
-                    <p:cTn id="3" fill="hold">
-                      <p:stCondLst>
-                        <p:cond delay="indefinite"/>
-                      </p:stCondLst>
-                      <p:childTnLst>
-                        <p:par>
-                          <p:cTn id="4" fill="hold">
-                            <p:stCondLst>
-                              <p:cond delay="0"/>
-                            </p:stCondLst>
-                            <p:childTnLst>
-                              <p:par>
-                                <p:cTn id="5" presetID="1" presetClass="entr" presetSubtype="0" fill="hold" nodeType="clickEffect">
-                                  <p:stCondLst>
-                                    <p:cond delay="0"/>
-                                  </p:stCondLst>
-                                  <p:childTnLst>
-                                    <p:set>
-                                      <p:cBhvr>
-                                        <p:cTn id="6" dur="1" fill="hold">
-                                          <p:stCondLst>
-                                            <p:cond delay="0"/>
-                                          </p:stCondLst>
-                                        </p:cTn>
-                                        <p:tgtEl>
-                                          <p:spTgt spid="22531"/>
-                                        </p:tgtEl>
-                                        <p:attrNameLst>
-                                          <p:attrName>style.visibility</p:attrName>
-                                        </p:attrNameLst>
-                                      </p:cBhvr>
-                                      <p:to>
-                                        <p:strVal val="visible"/>
-                                      </p:to>
-                                    </p:set>
-                                  </p:childTnLst>
-                                </p:cTn>
-                              </p:par>
-                              <p:par>
-                                <p:cTn id="7" presetID="1" presetClass="entr" presetSubtype="0" fill="hold" grpId="0" nodeType="withEffect">
-                                  <p:stCondLst>
-                                    <p:cond delay="0"/>
-                                  </p:stCondLst>
-                                  <p:childTnLst>
-                                    <p:set>
-                                      <p:cBhvr>
-                                        <p:cTn id="8" dur="1" fill="hold">
-                                          <p:stCondLst>
-                                            <p:cond delay="0"/>
-                                          </p:stCondLst>
-                                        </p:cTn>
-                                        <p:tgtEl>
-                                          <p:spTgt spid="5">
-                                            <p:txEl>
-                                              <p:pRg st="0" end="0"/>
-                                            </p:txEl>
-                                          </p:spTgt>
-                                        </p:tgtEl>
-                                        <p:attrNameLst>
-                                          <p:attrName>style.visibility</p:attrName>
-                                        </p:attrNameLst>
-                                      </p:cBhvr>
-                                      <p:to>
-                                        <p:strVal val="visible"/>
-                                      </p:to>
-                                    </p:set>
-                                  </p:childTnLst>
-                                </p:cTn>
-                              </p:par>
-                              <p:par>
-                                <p:cTn id="9" presetID="1" presetClass="entr" presetSubtype="0" fill="hold" grpId="0" nodeType="withEffect">
-                                  <p:stCondLst>
-                                    <p:cond delay="0"/>
-                                  </p:stCondLst>
-                                  <p:childTnLst>
-                                    <p:set>
-                                      <p:cBhvr>
-                                        <p:cTn id="10" dur="1" fill="hold">
-                                          <p:stCondLst>
-                                            <p:cond delay="0"/>
-                                          </p:stCondLst>
-                                        </p:cTn>
-                                        <p:tgtEl>
-                                          <p:spTgt spid="5">
-                                            <p:txEl>
-                                              <p:pRg st="9" end="9"/>
-                                            </p:txEl>
-                                          </p:spTgt>
-                                        </p:tgtEl>
-                                        <p:attrNameLst>
-                                          <p:attrName>style.visibility</p:attrName>
-                                        </p:attrNameLst>
-                                      </p:cBhvr>
-                                      <p:to>
-                                        <p:strVal val="visible"/>
-                                      </p:to>
-                                    </p:set>
-                                  </p:childTnLst>
-                                </p:cTn>
-                              </p:par>
-                              <p:par>
-                                <p:cTn id="11" presetID="1" presetClass="entr" presetSubtype="0" fill="hold" grpId="0" nodeType="withEffect">
-                                  <p:stCondLst>
-                                    <p:cond delay="0"/>
-                                  </p:stCondLst>
-                                  <p:childTnLst>
-                                    <p:set>
-                                      <p:cBhvr>
-                                        <p:cTn id="12" dur="1" fill="hold">
-                                          <p:stCondLst>
-                                            <p:cond delay="0"/>
-                                          </p:stCondLst>
-                                        </p:cTn>
-                                        <p:tgtEl>
-                                          <p:spTgt spid="5">
-                                            <p:txEl>
-                                              <p:pRg st="10" end="10"/>
-                                            </p:txEl>
-                                          </p:spTgt>
-                                        </p:tgtEl>
-                                        <p:attrNameLst>
-                                          <p:attrName>style.visibility</p:attrName>
-                                        </p:attrNameLst>
-                                      </p:cBhvr>
-                                      <p:to>
-                                        <p:strVal val="visible"/>
-                                      </p:to>
-                                    </p:set>
-                                  </p:childTnLst>
-                                </p:cTn>
-                              </p:par>
-                              <p:par>
-                                <p:cTn id="13" presetID="1" presetClass="entr" presetSubtype="0" fill="hold" grpId="0" nodeType="withEffect">
-                                  <p:stCondLst>
-                                    <p:cond delay="0"/>
-                                  </p:stCondLst>
-                                  <p:childTnLst>
-                                    <p:set>
-                                      <p:cBhvr>
-                                        <p:cTn id="14" dur="1" fill="hold">
-                                          <p:stCondLst>
-                                            <p:cond delay="0"/>
-                                          </p:stCondLst>
-                                        </p:cTn>
-                                        <p:tgtEl>
-                                          <p:spTgt spid="5">
-                                            <p:txEl>
-                                              <p:pRg st="11" end="11"/>
-                                            </p:txEl>
-                                          </p:spTgt>
-                                        </p:tgtEl>
-                                        <p:attrNameLst>
-                                          <p:attrName>style.visibility</p:attrName>
-                                        </p:attrNameLst>
-                                      </p:cBhvr>
-                                      <p:to>
-                                        <p:strVal val="visible"/>
-                                      </p:to>
-                                    </p:set>
-                                  </p:childTnLst>
-                                </p:cTn>
-                              </p:par>
-                              <p:par>
-                                <p:cTn id="15" presetID="1" presetClass="entr" presetSubtype="0" fill="hold" grpId="0" nodeType="withEffect">
-                                  <p:stCondLst>
-                                    <p:cond delay="0"/>
-                                  </p:stCondLst>
-                                  <p:childTnLst>
-                                    <p:set>
-                                      <p:cBhvr>
-                                        <p:cTn id="16" dur="1" fill="hold">
-                                          <p:stCondLst>
-                                            <p:cond delay="0"/>
-                                          </p:stCondLst>
-                                        </p:cTn>
-                                        <p:tgtEl>
-                                          <p:spTgt spid="5">
-                                            <p:txEl>
-                                              <p:pRg st="12" end="12"/>
-                                            </p:txEl>
-                                          </p:spTgt>
-                                        </p:tgtEl>
-                                        <p:attrNameLst>
-                                          <p:attrName>style.visibility</p:attrName>
-                                        </p:attrNameLst>
-                                      </p:cBhvr>
-                                      <p:to>
-                                        <p:strVal val="visible"/>
-                                      </p:to>
-                                    </p:set>
-                                  </p:childTnLst>
-                                </p:cTn>
-                              </p:par>
-                            </p:childTnLst>
-                          </p:cTn>
-                        </p:par>
-                      </p:childTnLst>
-                    </p:cTn>
-                  </p:par>
-                </p:childTnLst>
-              </p:cTn>
-              <p:prevCondLst>
-                <p:cond evt="onPrev" delay="0">
-                  <p:tgtEl>
-                    <p:sldTgt/>
-                  </p:tgtEl>
-                </p:cond>
-              </p:prevCondLst>
-              <p:nextCondLst>
-                <p:cond evt="onNext" delay="0">
-                  <p:tgtEl>
-                    <p:sldTgt/>
-                  </p:tgtEl>
-                </p:cond>
-              </p:nextCondLst>
-            </p:seq>
-          </p:childTnLst>
-        </p:cTn>
-      </p:par>
-    </p:tnLst>
-    <p:bldLst>
-      <p:bldP spid="5" grpId="0" uiExpand="1" build="p"/>
-    </p:bldLst>
-  </p:timing>
-</p:sld>
-</file>
-
 <file path=ppt/slides/slide17.xml><?xml version="1.0" encoding="utf-8"?>
 <p:sld xmlns:a="http://schemas.openxmlformats.org/drawingml/2006/main" xmlns:r="http://schemas.openxmlformats.org/officeDocument/2006/relationships" xmlns:p="http://schemas.openxmlformats.org/presentationml/2006/main">
   <p:cSld>
@@ -21563,8 +21598,8 @@
           </a:p>
         </p:txBody>
       </p:sp>
-      <mc:AlternateContent xmlns:mc="http://schemas.openxmlformats.org/markup-compatibility/2006" xmlns:a14="http://schemas.microsoft.com/office/drawing/2010/main">
-        <mc:Choice Requires="a14">
+      <mc:AlternateContent xmlns:mc="http://schemas.openxmlformats.org/markup-compatibility/2006">
+        <mc:Choice xmlns:a14="http://schemas.microsoft.com/office/drawing/2010/main" Requires="a14">
           <p:sp>
             <p:nvSpPr>
               <p:cNvPr id="9219" name="Rectangle 3"/>
@@ -21583,18 +21618,18 @@
             </p:spPr>
             <p:txBody>
               <a:bodyPr>
-                <a:normAutofit fontScale="92500" lnSpcReduction="20000"/>
+                <a:noAutofit/>
               </a:bodyPr>
               <a:lstStyle/>
               <a:p>
                 <a:r>
-                  <a:rPr lang="en-US" sz="2400" dirty="0"/>
+                  <a:rPr lang="en-US" sz="1600" dirty="0"/>
                   <a:t>For a network with </a:t>
                 </a:r>
                 <a14:m>
                   <m:oMath xmlns:m="http://schemas.openxmlformats.org/officeDocument/2006/math">
                     <m:r>
-                      <a:rPr lang="en-US" sz="2400" i="1" dirty="0" smtClean="0">
+                      <a:rPr lang="en-US" sz="1600" i="1" dirty="0" smtClean="0">
                         <a:latin typeface="Cambria Math" panose="02040503050406030204" pitchFamily="18" charset="0"/>
                       </a:rPr>
                       <m:t>𝑛</m:t>
@@ -21602,13 +21637,13 @@
                   </m:oMath>
                 </a14:m>
                 <a:r>
-                  <a:rPr lang="en-US" sz="2400" dirty="0"/>
+                  <a:rPr lang="en-US" sz="1600" dirty="0"/>
                   <a:t> Boolean variables, the full joint distribution requires </a:t>
                 </a:r>
                 <a14:m>
                   <m:oMath xmlns:m="http://schemas.openxmlformats.org/officeDocument/2006/math">
                     <m:r>
-                      <a:rPr lang="en-US" sz="2400" i="1" dirty="0">
+                      <a:rPr lang="en-US" sz="1600" i="1" dirty="0">
                         <a:solidFill>
                           <a:srgbClr val="0066FF"/>
                         </a:solidFill>
@@ -21617,7 +21652,7 @@
                       <m:t>𝑂</m:t>
                     </m:r>
                     <m:r>
-                      <a:rPr lang="en-US" sz="2400" i="1" dirty="0">
+                      <a:rPr lang="en-US" sz="1600" i="1" dirty="0">
                         <a:solidFill>
                           <a:srgbClr val="0066FF"/>
                         </a:solidFill>
@@ -21626,7 +21661,7 @@
                       <m:t>(2</m:t>
                     </m:r>
                     <m:r>
-                      <a:rPr lang="en-US" sz="2400" i="1" baseline="30000" dirty="0">
+                      <a:rPr lang="en-US" sz="1600" i="1" baseline="30000" dirty="0">
                         <a:solidFill>
                           <a:srgbClr val="0066FF"/>
                         </a:solidFill>
@@ -21635,7 +21670,7 @@
                       <m:t>𝑛</m:t>
                     </m:r>
                     <m:r>
-                      <a:rPr lang="en-US" sz="2400" i="1" dirty="0">
+                      <a:rPr lang="en-US" sz="1600" i="1" dirty="0">
                         <a:solidFill>
                           <a:srgbClr val="0066FF"/>
                         </a:solidFill>
@@ -21644,7 +21679,7 @@
                       <m:t>)</m:t>
                     </m:r>
                     <m:r>
-                      <a:rPr lang="en-US" sz="2400" i="1" dirty="0">
+                      <a:rPr lang="en-US" sz="1600" i="1" dirty="0">
                         <a:latin typeface="Cambria Math" panose="02040503050406030204" pitchFamily="18" charset="0"/>
                       </a:rPr>
                       <m:t> </m:t>
@@ -21652,81 +21687,93 @@
                   </m:oMath>
                 </a14:m>
                 <a:r>
-                  <a:rPr lang="en-US" sz="2400" dirty="0"/>
+                  <a:rPr lang="en-US" sz="1600" dirty="0"/>
                   <a:t>probabilities.</a:t>
                 </a:r>
                 <a:br>
-                  <a:rPr lang="en-US" sz="2400" dirty="0"/>
+                  <a:rPr lang="en-US" sz="1600" dirty="0"/>
                 </a:br>
                 <a:r>
-                  <a:rPr lang="en-US" sz="2400" dirty="0"/>
+                  <a:rPr lang="en-US" sz="1600" dirty="0"/>
                   <a:t>Example: Burglary network</a:t>
                 </a:r>
                 <a:br>
-                  <a:rPr lang="en-US" sz="2400" dirty="0"/>
+                  <a:rPr lang="en-US" sz="1600" dirty="0"/>
                 </a:br>
                 <a:r>
-                  <a:rPr lang="en-US" sz="2400" dirty="0"/>
-                  <a:t>                    </a:t>
-                </a:r>
-                <a:r>
-                  <a:rPr lang="en-US" dirty="0"/>
-                  <a:t>Complete joint probability specification </a:t>
+                  <a:rPr lang="en-US" sz="1600" dirty="0"/>
+                  <a:t>                    Complete joint probability specification </a:t>
                 </a:r>
                 <a14:m>
                   <m:oMath xmlns:m="http://schemas.openxmlformats.org/officeDocument/2006/math">
                     <m:r>
-                      <a:rPr lang="en-US" i="1" dirty="0" smtClean="0">
+                      <a:rPr lang="en-US" sz="1600" i="1" dirty="0" smtClean="0">
                         <a:latin typeface="Cambria Math" panose="02040503050406030204" pitchFamily="18" charset="0"/>
                       </a:rPr>
                       <m:t>2</m:t>
                     </m:r>
                     <m:r>
-                      <a:rPr lang="en-US" i="1" baseline="30000" dirty="0">
+                      <a:rPr lang="en-US" sz="1600" i="1" baseline="30000" dirty="0">
                         <a:latin typeface="Cambria Math" panose="02040503050406030204" pitchFamily="18" charset="0"/>
                       </a:rPr>
                       <m:t>5</m:t>
                     </m:r>
                     <m:r>
-                      <a:rPr lang="en-US" i="1" dirty="0">
+                      <a:rPr lang="en-US" sz="1600" i="1" dirty="0">
                         <a:latin typeface="Cambria Math" panose="02040503050406030204" pitchFamily="18" charset="0"/>
                       </a:rPr>
                       <m:t>−1</m:t>
                     </m:r>
                     <m:r>
-                      <a:rPr lang="en-US" b="0" i="1" dirty="0" smtClean="0">
+                      <a:rPr lang="en-US" sz="1600" b="0" i="1" dirty="0" smtClean="0">
                         <a:latin typeface="Cambria Math" panose="02040503050406030204" pitchFamily="18" charset="0"/>
                       </a:rPr>
                       <m:t>=</m:t>
                     </m:r>
                     <m:r>
-                      <a:rPr lang="en-US" i="1" dirty="0">
+                      <a:rPr lang="en-US" sz="1600" i="1" dirty="0">
                         <a:latin typeface="Cambria Math" panose="02040503050406030204" pitchFamily="18" charset="0"/>
                       </a:rPr>
-                      <m:t> 31</m:t>
+                      <m:t> </m:t>
+                    </m:r>
+                    <m:r>
+                      <a:rPr lang="en-US" sz="1600" b="1" i="1" dirty="0">
+                        <a:latin typeface="Cambria Math" panose="02040503050406030204" pitchFamily="18" charset="0"/>
+                      </a:rPr>
+                      <m:t>𝟑𝟏</m:t>
                     </m:r>
                   </m:oMath>
                 </a14:m>
-                <a:endParaRPr lang="en-US" sz="2400" dirty="0"/>
+                <a:r>
+                  <a:rPr lang="en-US" sz="1600" b="1" dirty="0"/>
+                  <a:t> </a:t>
+                </a:r>
+                <a:r>
+                  <a:rPr lang="en-US" sz="1600" dirty="0"/>
+                  <a:t>probabilities</a:t>
+                </a:r>
               </a:p>
               <a:p>
-                <a:endParaRPr lang="en-US" sz="2400" dirty="0"/>
+                <a:pPr marL="0" indent="0">
+                  <a:buNone/>
+                </a:pPr>
+                <a:endParaRPr lang="en-US" sz="1600" dirty="0"/>
               </a:p>
               <a:p>
                 <a:r>
-                  <a:rPr lang="en-US" sz="2400" dirty="0"/>
+                  <a:rPr lang="en-US" sz="1600" dirty="0"/>
                   <a:t>If each variable </a:t>
                 </a:r>
                 <a14:m>
                   <m:oMath xmlns:m="http://schemas.openxmlformats.org/officeDocument/2006/math">
                     <m:r>
-                      <a:rPr lang="en-US" sz="2400" i="1" dirty="0" smtClean="0">
+                      <a:rPr lang="en-US" sz="1600" i="1" dirty="0" smtClean="0">
                         <a:latin typeface="Cambria Math" panose="02040503050406030204" pitchFamily="18" charset="0"/>
                       </a:rPr>
                       <m:t>𝑋</m:t>
                     </m:r>
                     <m:r>
-                      <a:rPr lang="en-US" sz="2400" i="1" baseline="-25000" dirty="0">
+                      <a:rPr lang="en-US" sz="1600" i="1" baseline="-25000" dirty="0">
                         <a:latin typeface="Cambria Math" panose="02040503050406030204" pitchFamily="18" charset="0"/>
                       </a:rPr>
                       <m:t>𝑖</m:t>
@@ -21734,13 +21781,13 @@
                   </m:oMath>
                 </a14:m>
                 <a:r>
-                  <a:rPr lang="en-US" sz="2400" dirty="0"/>
+                  <a:rPr lang="en-US" sz="1600" dirty="0"/>
                   <a:t> has at most </a:t>
                 </a:r>
                 <a14:m>
                   <m:oMath xmlns:m="http://schemas.openxmlformats.org/officeDocument/2006/math">
                     <m:r>
-                      <a:rPr lang="en-US" sz="2400" i="1" dirty="0" smtClean="0">
+                      <a:rPr lang="en-US" sz="1600" i="1" dirty="0" smtClean="0">
                         <a:latin typeface="Cambria Math" panose="02040503050406030204" pitchFamily="18" charset="0"/>
                       </a:rPr>
                       <m:t>𝑘</m:t>
@@ -21748,13 +21795,13 @@
                   </m:oMath>
                 </a14:m>
                 <a:r>
-                  <a:rPr lang="en-US" sz="2400" dirty="0"/>
+                  <a:rPr lang="en-US" sz="1600" dirty="0"/>
                   <a:t> Boolean parents, then each conditional probability table (CPT) has at most </a:t>
                 </a:r>
                 <a14:m>
                   <m:oMath xmlns:m="http://schemas.openxmlformats.org/officeDocument/2006/math">
                     <m:r>
-                      <a:rPr lang="en-US" sz="2000" i="1" dirty="0" smtClean="0">
+                      <a:rPr lang="en-US" sz="1600" i="1" dirty="0" smtClean="0">
                         <a:solidFill>
                           <a:srgbClr val="0066FF"/>
                         </a:solidFill>
@@ -21763,7 +21810,7 @@
                       <m:t>2</m:t>
                     </m:r>
                     <m:r>
-                      <a:rPr lang="en-US" sz="2000" i="1" baseline="30000" dirty="0">
+                      <a:rPr lang="en-US" sz="1600" i="1" baseline="30000" dirty="0">
                         <a:solidFill>
                           <a:srgbClr val="0066FF"/>
                         </a:solidFill>
@@ -21774,7 +21821,7 @@
                   </m:oMath>
                 </a14:m>
                 <a:r>
-                  <a:rPr lang="en-US" sz="2000" dirty="0">
+                  <a:rPr lang="en-US" sz="1600" dirty="0">
                     <a:solidFill>
                       <a:srgbClr val="0066FF"/>
                     </a:solidFill>
@@ -21782,20 +21829,19 @@
                   <a:t> </a:t>
                 </a:r>
                 <a:r>
-                  <a:rPr lang="en-US" sz="2000" dirty="0"/>
+                  <a:rPr lang="en-US" sz="1600" dirty="0"/>
                   <a:t>rows.</a:t>
                 </a:r>
-                <a:endParaRPr lang="en-US" sz="2400" dirty="0"/>
               </a:p>
               <a:p>
                 <a:r>
-                  <a:rPr lang="en-US" sz="2400" dirty="0"/>
+                  <a:rPr lang="en-US" sz="1600" dirty="0"/>
                   <a:t>The CPTs for all </a:t>
                 </a:r>
                 <a14:m>
                   <m:oMath xmlns:m="http://schemas.openxmlformats.org/officeDocument/2006/math">
                     <m:r>
-                      <a:rPr lang="en-US" sz="2400" i="1" dirty="0" smtClean="0">
+                      <a:rPr lang="en-US" sz="1600" i="1" dirty="0" smtClean="0">
                         <a:latin typeface="Cambria Math" panose="02040503050406030204" pitchFamily="18" charset="0"/>
                       </a:rPr>
                       <m:t>𝑛</m:t>
@@ -21803,13 +21849,13 @@
                   </m:oMath>
                 </a14:m>
                 <a:r>
-                  <a:rPr lang="en-US" sz="2400" dirty="0"/>
+                  <a:rPr lang="en-US" sz="1600" dirty="0"/>
                   <a:t> nodes contain then at most </a:t>
                 </a:r>
                 <a14:m>
                   <m:oMath xmlns:m="http://schemas.openxmlformats.org/officeDocument/2006/math">
                     <m:r>
-                      <a:rPr lang="en-US" sz="2400" i="1" dirty="0">
+                      <a:rPr lang="en-US" sz="1600" i="1" dirty="0">
                         <a:solidFill>
                           <a:srgbClr val="0066FF"/>
                         </a:solidFill>
@@ -21818,7 +21864,7 @@
                       <m:t>𝑂</m:t>
                     </m:r>
                     <m:r>
-                      <a:rPr lang="en-US" sz="2400" i="1" dirty="0">
+                      <a:rPr lang="en-US" sz="1600" i="1" dirty="0">
                         <a:solidFill>
                           <a:srgbClr val="0066FF"/>
                         </a:solidFill>
@@ -21827,7 +21873,7 @@
                       <m:t>(</m:t>
                     </m:r>
                     <m:r>
-                      <a:rPr lang="en-US" sz="2400" i="1" dirty="0">
+                      <a:rPr lang="en-US" sz="1600" i="1" dirty="0">
                         <a:solidFill>
                           <a:srgbClr val="0066FF"/>
                         </a:solidFill>
@@ -21836,7 +21882,7 @@
                       <m:t>𝑛</m:t>
                     </m:r>
                     <m:r>
-                      <a:rPr lang="en-US" sz="2400" i="1" dirty="0">
+                      <a:rPr lang="en-US" sz="1600" i="1" dirty="0">
                         <a:solidFill>
                           <a:srgbClr val="0066FF"/>
                         </a:solidFill>
@@ -21846,7 +21892,7 @@
                       <m:t>×</m:t>
                     </m:r>
                     <m:r>
-                      <a:rPr lang="en-US" sz="2400" i="1" dirty="0">
+                      <a:rPr lang="en-US" sz="1600" i="1" dirty="0">
                         <a:solidFill>
                           <a:srgbClr val="0066FF"/>
                         </a:solidFill>
@@ -21855,7 +21901,7 @@
                       <m:t>2</m:t>
                     </m:r>
                     <m:r>
-                      <a:rPr lang="en-US" sz="2400" i="1" baseline="30000" dirty="0">
+                      <a:rPr lang="en-US" sz="1600" i="1" baseline="30000" dirty="0">
                         <a:solidFill>
                           <a:srgbClr val="0066FF"/>
                         </a:solidFill>
@@ -21864,7 +21910,7 @@
                       <m:t>𝑘</m:t>
                     </m:r>
                     <m:r>
-                      <a:rPr lang="en-US" sz="2400" i="1" dirty="0">
+                      <a:rPr lang="en-US" sz="1600" i="1" dirty="0">
                         <a:solidFill>
                           <a:srgbClr val="0066FF"/>
                         </a:solidFill>
@@ -21875,19 +21921,19 @@
                   </m:oMath>
                 </a14:m>
                 <a:r>
-                  <a:rPr lang="en-US" sz="2400" dirty="0"/>
+                  <a:rPr lang="en-US" sz="1600" dirty="0"/>
                   <a:t> probabilities.</a:t>
                 </a:r>
               </a:p>
               <a:p>
                 <a:r>
-                  <a:rPr lang="en-US" sz="2400" dirty="0"/>
+                  <a:rPr lang="en-US" sz="1600" dirty="0"/>
                   <a:t>This reduces the complexity from exponential to linear in </a:t>
                 </a:r>
                 <a14:m>
                   <m:oMath xmlns:m="http://schemas.openxmlformats.org/officeDocument/2006/math">
                     <m:r>
-                      <a:rPr lang="en-US" sz="2400" i="1" dirty="0" smtClean="0">
+                      <a:rPr lang="en-US" sz="1600" i="1" dirty="0" smtClean="0">
                         <a:latin typeface="Cambria Math" panose="02040503050406030204" pitchFamily="18" charset="0"/>
                       </a:rPr>
                       <m:t>𝑛</m:t>
@@ -21895,64 +21941,79 @@
                   </m:oMath>
                 </a14:m>
                 <a:r>
-                  <a:rPr lang="en-US" sz="2400" dirty="0"/>
-                  <a:t> and makes it vert compact!</a:t>
+                  <a:rPr lang="en-US" sz="1600" dirty="0"/>
+                  <a:t> and makes it very compact!</a:t>
                 </a:r>
               </a:p>
               <a:p>
-                <a:endParaRPr lang="en-US" sz="2400" dirty="0"/>
+                <a:endParaRPr lang="en-US" sz="1600" dirty="0"/>
               </a:p>
               <a:p>
                 <a:r>
-                  <a:rPr lang="en-US" sz="2400" dirty="0"/>
-                  <a:t>Example: </a:t>
-                </a:r>
-                <a:r>
-                  <a:rPr lang="en-US" sz="2000" dirty="0"/>
-                  <a:t>Burglary network </a:t>
+                  <a:rPr lang="en-US" sz="1600" dirty="0"/>
+                  <a:t>Example: Burglary network </a:t>
                 </a:r>
                 <a:br>
-                  <a:rPr lang="en-US" sz="2000" dirty="0"/>
+                  <a:rPr lang="en-US" sz="1600" dirty="0"/>
                 </a:br>
                 <a:r>
-                  <a:rPr lang="en-US" sz="2000" dirty="0"/>
-                  <a:t>		</a:t>
-                </a:r>
-                <a:r>
-                  <a:rPr lang="en-US" dirty="0"/>
-                  <a:t>Using CPTs: </a:t>
+                  <a:rPr lang="en-US" sz="1600" dirty="0"/>
+                  <a:t>		Using CPTs: </a:t>
                 </a:r>
                 <a14:m>
                   <m:oMath xmlns:m="http://schemas.openxmlformats.org/officeDocument/2006/math">
                     <m:r>
-                      <a:rPr lang="en-US" sz="1800" i="1" dirty="0" smtClean="0">
+                      <a:rPr lang="en-US" sz="1600" i="1" dirty="0" smtClean="0">
                         <a:latin typeface="Cambria Math" panose="02040503050406030204" pitchFamily="18" charset="0"/>
                       </a:rPr>
                       <m:t>1</m:t>
                     </m:r>
                     <m:r>
-                      <a:rPr lang="en-US" sz="1800" b="0" i="1" dirty="0" smtClean="0">
+                      <a:rPr lang="en-US" sz="1600" b="0" i="1" dirty="0" smtClean="0">
                         <a:latin typeface="Cambria Math" panose="02040503050406030204" pitchFamily="18" charset="0"/>
                       </a:rPr>
                       <m:t>+</m:t>
                     </m:r>
                     <m:r>
-                      <a:rPr lang="en-US" sz="1800" i="1" dirty="0" smtClean="0">
+                      <a:rPr lang="en-US" sz="1600" i="1" dirty="0" smtClean="0">
                         <a:latin typeface="Cambria Math" panose="02040503050406030204" pitchFamily="18" charset="0"/>
                       </a:rPr>
-                      <m:t>1+4+2+2=10</m:t>
+                      <m:t>1+4+2+2=</m:t>
+                    </m:r>
+                    <m:r>
+                      <a:rPr lang="en-US" sz="1600" b="1" i="1" dirty="0" smtClean="0">
+                        <a:latin typeface="Cambria Math" panose="02040503050406030204" pitchFamily="18" charset="0"/>
+                      </a:rPr>
+                      <m:t>𝟏𝟎</m:t>
                     </m:r>
                   </m:oMath>
                 </a14:m>
                 <a:r>
-                  <a:rPr lang="en-US" dirty="0"/>
-                  <a:t> probabilities</a:t>
+                  <a:rPr lang="en-US" sz="1600" b="1" dirty="0"/>
+                  <a:t> </a:t>
+                </a:r>
+                <a:r>
+                  <a:rPr lang="en-US" sz="1600" dirty="0"/>
+                  <a:t>probabilities</a:t>
+                </a:r>
+              </a:p>
+              <a:p>
+                <a:endParaRPr lang="en-US" sz="1600" dirty="0"/>
+              </a:p>
+              <a:p>
+                <a:r>
+                  <a:rPr lang="en-US" sz="1600" b="1" dirty="0"/>
+                  <a:t>Note</a:t>
+                </a:r>
+                <a:r>
+                  <a:rPr lang="en-US" sz="1600" dirty="0"/>
+                  <a:t>: The Bayesian network stores all information needed for the complete joint probability. It let’s us make optimal Bayesian decisions.</a:t>
                 </a:r>
               </a:p>
             </p:txBody>
           </p:sp>
         </mc:Choice>
-        <mc:Fallback xmlns="">
+        <mc:Fallback>
           <p:sp>
             <p:nvSpPr>
               <p:cNvPr id="9219" name="Rectangle 3"/>
@@ -21971,7 +22032,7 @@
               <a:blipFill>
                 <a:blip r:embed="rId3"/>
                 <a:stretch>
-                  <a:fillRect l="-850" t="-2967"/>
+                  <a:fillRect l="-309" t="-890" b="-4154"/>
                 </a:stretch>
               </a:blipFill>
             </p:spPr>
@@ -22169,6 +22230,55 @@
                                           <p:spTgt spid="9219">
                                             <p:txEl>
                                               <p:pRg st="6" end="6"/>
+                                            </p:txEl>
+                                          </p:spTgt>
+                                        </p:tgtEl>
+                                        <p:attrNameLst>
+                                          <p:attrName>style.visibility</p:attrName>
+                                        </p:attrNameLst>
+                                      </p:cBhvr>
+                                      <p:to>
+                                        <p:strVal val="visible"/>
+                                      </p:to>
+                                    </p:set>
+                                  </p:childTnLst>
+                                </p:cTn>
+                              </p:par>
+                            </p:childTnLst>
+                          </p:cTn>
+                        </p:par>
+                      </p:childTnLst>
+                    </p:cTn>
+                  </p:par>
+                  <p:par>
+                    <p:cTn id="15" fill="hold">
+                      <p:stCondLst>
+                        <p:cond delay="indefinite"/>
+                      </p:stCondLst>
+                      <p:childTnLst>
+                        <p:par>
+                          <p:cTn id="16" fill="hold">
+                            <p:stCondLst>
+                              <p:cond delay="0"/>
+                            </p:stCondLst>
+                            <p:childTnLst>
+                              <p:par>
+                                <p:cTn id="17" presetID="1" presetClass="entr" presetSubtype="0" fill="hold" nodeType="clickEffect">
+                                  <p:stCondLst>
+                                    <p:cond delay="0"/>
+                                  </p:stCondLst>
+                                  <p:childTnLst>
+                                    <p:set>
+                                      <p:cBhvr>
+                                        <p:cTn id="18" dur="1" fill="hold">
+                                          <p:stCondLst>
+                                            <p:cond delay="0"/>
+                                          </p:stCondLst>
+                                        </p:cTn>
+                                        <p:tgtEl>
+                                          <p:spTgt spid="9219">
+                                            <p:txEl>
+                                              <p:pRg st="8" end="8"/>
                                             </p:txEl>
                                           </p:spTgt>
                                         </p:tgtEl>
@@ -23016,6 +23126,60 @@
           </p:txBody>
         </p:sp>
       </p:grpSp>
+      <p:sp>
+        <p:nvSpPr>
+          <p:cNvPr id="3" name="Rectangle 2">
+            <a:extLst>
+              <a:ext uri="{FF2B5EF4-FFF2-40B4-BE49-F238E27FC236}">
+                <a16:creationId xmlns:a16="http://schemas.microsoft.com/office/drawing/2014/main" id="{8E7C9372-A478-70C7-A902-24D222CA3C87}"/>
+              </a:ext>
+            </a:extLst>
+          </p:cNvPr>
+          <p:cNvSpPr/>
+          <p:nvPr/>
+        </p:nvSpPr>
+        <p:spPr>
+          <a:xfrm>
+            <a:off x="628650" y="1752600"/>
+            <a:ext cx="7143750" cy="2285998"/>
+          </a:xfrm>
+          <a:prstGeom prst="rect">
+            <a:avLst/>
+          </a:prstGeom>
+          <a:noFill/>
+          <a:ln w="9525" cap="flat" cmpd="sng" algn="ctr">
+            <a:solidFill>
+              <a:schemeClr val="accent2"/>
+            </a:solidFill>
+            <a:prstDash val="solid"/>
+            <a:round/>
+            <a:headEnd type="none" w="med" len="med"/>
+            <a:tailEnd type="none" w="med" len="med"/>
+          </a:ln>
+        </p:spPr>
+        <p:style>
+          <a:lnRef idx="0">
+            <a:scrgbClr r="0" g="0" b="0"/>
+          </a:lnRef>
+          <a:fillRef idx="0">
+            <a:scrgbClr r="0" g="0" b="0"/>
+          </a:fillRef>
+          <a:effectRef idx="0">
+            <a:scrgbClr r="0" g="0" b="0"/>
+          </a:effectRef>
+          <a:fontRef idx="minor">
+            <a:schemeClr val="accent2"/>
+          </a:fontRef>
+        </p:style>
+        <p:txBody>
+          <a:bodyPr rtlCol="0" anchor="ctr"/>
+          <a:lstStyle/>
+          <a:p>
+            <a:pPr algn="ctr"/>
+            <a:endParaRPr lang="en-US"/>
+          </a:p>
+        </p:txBody>
+      </p:sp>
     </p:spTree>
   </p:cSld>
   <p:clrMapOvr>
@@ -23196,13 +23360,13 @@
         </p:spPr>
         <p:txBody>
           <a:bodyPr>
-            <a:normAutofit fontScale="90000"/>
+            <a:normAutofit/>
           </a:bodyPr>
           <a:lstStyle/>
           <a:p>
             <a:r>
               <a:rPr lang="en-US" sz="3600" dirty="0"/>
-              <a:t>A more realistic Bayes Network: Car diagnosis</a:t>
+              <a:t>A Larger Bayes Network: Car diagnosis</a:t>
             </a:r>
           </a:p>
         </p:txBody>
@@ -25545,7 +25709,7 @@
         </p:spPr>
         <p:txBody>
           <a:bodyPr>
-            <a:normAutofit fontScale="92500" lnSpcReduction="20000"/>
+            <a:normAutofit fontScale="77500" lnSpcReduction="20000"/>
           </a:bodyPr>
           <a:lstStyle/>
           <a:p>
@@ -25559,7 +25723,7 @@
             </a:r>
             <a:r>
               <a:rPr lang="en-US" sz="2400" dirty="0"/>
-              <a:t> used to calculated conditional probabilities needed for inference (prediction).</a:t>
+              <a:t> used to calculate conditional probabilities needed for inference (prediction).</a:t>
             </a:r>
           </a:p>
           <a:p>
@@ -25577,7 +25741,13 @@
             </a:r>
             <a:r>
               <a:rPr lang="en-US" sz="2400" dirty="0"/>
-              <a:t>(induced by causality) reduces the number of needed parameters and creates a compact network. </a:t>
+              <a:t>(induced by causality) reduce the number of needed parameters and create a compact network. </a:t>
+            </a:r>
+          </a:p>
+          <a:p>
+            <a:r>
+              <a:rPr lang="en-US" sz="2400" dirty="0"/>
+              <a:t>Bayesian networks still let us make optimal decisions as long as independence assumptions hold.</a:t>
             </a:r>
           </a:p>
           <a:p>
@@ -25983,39 +26153,26 @@
                                   </p:childTnLst>
                                 </p:cTn>
                               </p:par>
+                            </p:childTnLst>
+                          </p:cTn>
+                        </p:par>
+                      </p:childTnLst>
+                    </p:cTn>
+                  </p:par>
+                  <p:par>
+                    <p:cTn id="15" fill="hold">
+                      <p:stCondLst>
+                        <p:cond delay="indefinite"/>
+                      </p:stCondLst>
+                      <p:childTnLst>
+                        <p:par>
+                          <p:cTn id="16" fill="hold">
+                            <p:stCondLst>
+                              <p:cond delay="0"/>
+                            </p:stCondLst>
+                            <p:childTnLst>
                               <p:par>
-                                <p:cTn id="15" presetID="1" presetClass="entr" presetSubtype="0" fill="hold" grpId="0" nodeType="withEffect">
-                                  <p:stCondLst>
-                                    <p:cond delay="0"/>
-                                  </p:stCondLst>
-                                  <p:childTnLst>
-                                    <p:set>
-                                      <p:cBhvr>
-                                        <p:cTn id="16" dur="1" fill="hold">
-                                          <p:stCondLst>
-                                            <p:cond delay="0"/>
-                                          </p:stCondLst>
-                                        </p:cTn>
-                                        <p:tgtEl>
-                                          <p:spTgt spid="13315">
-                                            <p:txEl>
-                                              <p:pRg st="3" end="3"/>
-                                            </p:txEl>
-                                          </p:spTgt>
-                                        </p:tgtEl>
-                                        <p:attrNameLst>
-                                          <p:attrName>style.visibility</p:attrName>
-                                        </p:attrNameLst>
-                                      </p:cBhvr>
-                                      <p:to>
-                                        <p:strVal val="visible"/>
-                                      </p:to>
-                                    </p:set>
-                                  </p:childTnLst>
-                                </p:cTn>
-                              </p:par>
-                              <p:par>
-                                <p:cTn id="17" presetID="1" presetClass="entr" presetSubtype="0" fill="hold" grpId="0" nodeType="withEffect">
+                                <p:cTn id="17" presetID="1" presetClass="entr" presetSubtype="0" fill="hold" grpId="0" nodeType="clickEffect">
                                   <p:stCondLst>
                                     <p:cond delay="0"/>
                                   </p:stCondLst>
@@ -26030,7 +26187,7 @@
                                         <p:tgtEl>
                                           <p:spTgt spid="13315">
                                             <p:txEl>
-                                              <p:pRg st="4" end="4"/>
+                                              <p:pRg st="3" end="3"/>
                                             </p:txEl>
                                           </p:spTgt>
                                         </p:tgtEl>
@@ -26061,6 +26218,37 @@
                                         <p:tgtEl>
                                           <p:spTgt spid="13315">
                                             <p:txEl>
+                                              <p:pRg st="4" end="4"/>
+                                            </p:txEl>
+                                          </p:spTgt>
+                                        </p:tgtEl>
+                                        <p:attrNameLst>
+                                          <p:attrName>style.visibility</p:attrName>
+                                        </p:attrNameLst>
+                                      </p:cBhvr>
+                                      <p:to>
+                                        <p:strVal val="visible"/>
+                                      </p:to>
+                                    </p:set>
+                                  </p:childTnLst>
+                                </p:cTn>
+                              </p:par>
+                              <p:par>
+                                <p:cTn id="21" presetID="1" presetClass="entr" presetSubtype="0" fill="hold" grpId="0" nodeType="withEffect">
+                                  <p:stCondLst>
+                                    <p:cond delay="0"/>
+                                  </p:stCondLst>
+                                  <p:childTnLst>
+                                    <p:set>
+                                      <p:cBhvr>
+                                        <p:cTn id="22" dur="1" fill="hold">
+                                          <p:stCondLst>
+                                            <p:cond delay="0"/>
+                                          </p:stCondLst>
+                                        </p:cTn>
+                                        <p:tgtEl>
+                                          <p:spTgt spid="13315">
+                                            <p:txEl>
                                               <p:pRg st="5" end="5"/>
                                             </p:txEl>
                                           </p:spTgt>
@@ -26077,14 +26265,45 @@
                                 </p:cTn>
                               </p:par>
                               <p:par>
-                                <p:cTn id="21" presetID="1" presetClass="entr" presetSubtype="0" fill="hold" nodeType="withEffect">
+                                <p:cTn id="23" presetID="1" presetClass="entr" presetSubtype="0" fill="hold" grpId="0" nodeType="withEffect">
                                   <p:stCondLst>
                                     <p:cond delay="0"/>
                                   </p:stCondLst>
                                   <p:childTnLst>
                                     <p:set>
                                       <p:cBhvr>
-                                        <p:cTn id="22" dur="1" fill="hold">
+                                        <p:cTn id="24" dur="1" fill="hold">
+                                          <p:stCondLst>
+                                            <p:cond delay="0"/>
+                                          </p:stCondLst>
+                                        </p:cTn>
+                                        <p:tgtEl>
+                                          <p:spTgt spid="13315">
+                                            <p:txEl>
+                                              <p:pRg st="6" end="6"/>
+                                            </p:txEl>
+                                          </p:spTgt>
+                                        </p:tgtEl>
+                                        <p:attrNameLst>
+                                          <p:attrName>style.visibility</p:attrName>
+                                        </p:attrNameLst>
+                                      </p:cBhvr>
+                                      <p:to>
+                                        <p:strVal val="visible"/>
+                                      </p:to>
+                                    </p:set>
+                                  </p:childTnLst>
+                                </p:cTn>
+                              </p:par>
+                              <p:par>
+                                <p:cTn id="25" presetID="1" presetClass="entr" presetSubtype="0" fill="hold" nodeType="withEffect">
+                                  <p:stCondLst>
+                                    <p:cond delay="0"/>
+                                  </p:stCondLst>
+                                  <p:childTnLst>
+                                    <p:set>
+                                      <p:cBhvr>
+                                        <p:cTn id="26" dur="1" fill="hold">
                                           <p:stCondLst>
                                             <p:cond delay="0"/>
                                           </p:stCondLst>
@@ -31613,7 +31832,7 @@
             <p:ph idx="1"/>
             <p:extLst>
               <p:ext uri="{D42A27DB-BD31-4B8C-83A1-F6EECF244321}">
-                <p14:modId xmlns:p14="http://schemas.microsoft.com/office/powerpoint/2010/main" val="1431986769"/>
+                <p14:modId xmlns:p14="http://schemas.microsoft.com/office/powerpoint/2010/main" val="1354286541"/>
               </p:ext>
             </p:extLst>
           </p:nvPr>
@@ -34039,8 +34258,8 @@
           </a:p>
         </p:txBody>
       </p:sp>
-      <mc:AlternateContent xmlns:mc="http://schemas.openxmlformats.org/markup-compatibility/2006" xmlns:a14="http://schemas.microsoft.com/office/drawing/2010/main">
-        <mc:Choice Requires="a14">
+      <mc:AlternateContent xmlns:mc="http://schemas.openxmlformats.org/markup-compatibility/2006">
+        <mc:Choice xmlns:a14="http://schemas.microsoft.com/office/drawing/2010/main" Requires="a14">
           <p:sp>
             <p:nvSpPr>
               <p:cNvPr id="3" name="Content Placeholder 2"/>
@@ -34108,17 +34327,17 @@
                         <m:accPr>
                           <m:chr m:val="̂"/>
                           <m:ctrlPr>
-                            <a:rPr lang="en-US" sz="2800" b="0" i="1" smtClean="0">
+                            <a:rPr lang="en-US" sz="2800" b="1" i="1" smtClean="0">
                               <a:latin typeface="Cambria Math" panose="02040503050406030204" pitchFamily="18" charset="0"/>
                             </a:rPr>
                           </m:ctrlPr>
                         </m:accPr>
                         <m:e>
                           <m:r>
-                            <a:rPr lang="en-US" sz="2800" b="0" i="1" smtClean="0">
+                            <a:rPr lang="en-US" sz="2800" b="1" i="1" smtClean="0">
                               <a:latin typeface="Cambria Math" panose="02040503050406030204" pitchFamily="18" charset="0"/>
                             </a:rPr>
-                            <m:t>𝑃</m:t>
+                            <m:t>𝑷</m:t>
                           </m:r>
                         </m:e>
                       </m:acc>
@@ -34144,13 +34363,129 @@
                             <m:t>|</m:t>
                           </m:r>
                           <m:r>
-                            <a:rPr lang="en-US" sz="2800" b="0" i="1" smtClean="0">
+                            <a:rPr lang="en-US" sz="2800" b="1" i="1" smtClean="0">
                               <a:latin typeface="Cambria Math" panose="02040503050406030204" pitchFamily="18" charset="0"/>
                             </a:rPr>
-                            <m:t>𝑒</m:t>
+                            <m:t>𝒆</m:t>
                           </m:r>
                         </m:e>
                       </m:d>
+                      <m:r>
+                        <a:rPr lang="en-US" sz="2800" b="0" i="1" smtClean="0">
+                          <a:latin typeface="Cambria Math" panose="02040503050406030204" pitchFamily="18" charset="0"/>
+                        </a:rPr>
+                        <m:t>=</m:t>
+                      </m:r>
+                      <m:f>
+                        <m:fPr>
+                          <m:ctrlPr>
+                            <a:rPr lang="en-US" sz="2800" i="1">
+                              <a:latin typeface="Cambria Math" panose="02040503050406030204" pitchFamily="18" charset="0"/>
+                            </a:rPr>
+                          </m:ctrlPr>
+                        </m:fPr>
+                        <m:num>
+                          <m:sSub>
+                            <m:sSubPr>
+                              <m:ctrlPr>
+                                <a:rPr lang="en-US" sz="2800" i="1">
+                                  <a:latin typeface="Cambria Math" panose="02040503050406030204" pitchFamily="18" charset="0"/>
+                                </a:rPr>
+                              </m:ctrlPr>
+                            </m:sSubPr>
+                            <m:e>
+                              <m:r>
+                                <a:rPr lang="en-US" sz="2800" b="1" i="1">
+                                  <a:latin typeface="Cambria Math" panose="02040503050406030204" pitchFamily="18" charset="0"/>
+                                </a:rPr>
+                                <m:t>𝑵</m:t>
+                              </m:r>
+                            </m:e>
+                            <m:sub>
+                              <m:r>
+                                <a:rPr lang="en-US" sz="2800" i="1">
+                                  <a:latin typeface="Cambria Math" panose="02040503050406030204" pitchFamily="18" charset="0"/>
+                                </a:rPr>
+                                <m:t>𝑃𝑆</m:t>
+                              </m:r>
+                            </m:sub>
+                          </m:sSub>
+                          <m:r>
+                            <a:rPr lang="en-US" sz="2800" i="1">
+                              <a:latin typeface="Cambria Math" panose="02040503050406030204" pitchFamily="18" charset="0"/>
+                            </a:rPr>
+                            <m:t>(</m:t>
+                          </m:r>
+                          <m:r>
+                            <a:rPr lang="en-US" sz="2800" i="1">
+                              <a:latin typeface="Cambria Math" panose="02040503050406030204" pitchFamily="18" charset="0"/>
+                            </a:rPr>
+                            <m:t>𝑋</m:t>
+                          </m:r>
+                          <m:r>
+                            <a:rPr lang="en-US" sz="2800" i="1">
+                              <a:latin typeface="Cambria Math" panose="02040503050406030204" pitchFamily="18" charset="0"/>
+                            </a:rPr>
+                            <m:t>,</m:t>
+                          </m:r>
+                          <m:r>
+                            <a:rPr lang="en-US" sz="2800" b="1" i="1">
+                              <a:latin typeface="Cambria Math" panose="02040503050406030204" pitchFamily="18" charset="0"/>
+                            </a:rPr>
+                            <m:t>𝒆</m:t>
+                          </m:r>
+                          <m:r>
+                            <a:rPr lang="en-US" sz="2800" i="1">
+                              <a:latin typeface="Cambria Math" panose="02040503050406030204" pitchFamily="18" charset="0"/>
+                            </a:rPr>
+                            <m:t>)</m:t>
+                          </m:r>
+                        </m:num>
+                        <m:den>
+                          <m:sSub>
+                            <m:sSubPr>
+                              <m:ctrlPr>
+                                <a:rPr lang="en-US" sz="2800" i="1">
+                                  <a:latin typeface="Cambria Math" panose="02040503050406030204" pitchFamily="18" charset="0"/>
+                                </a:rPr>
+                              </m:ctrlPr>
+                            </m:sSubPr>
+                            <m:e>
+                              <m:r>
+                                <a:rPr lang="en-US" sz="2800" i="1">
+                                  <a:latin typeface="Cambria Math" panose="02040503050406030204" pitchFamily="18" charset="0"/>
+                                </a:rPr>
+                                <m:t>𝑁</m:t>
+                              </m:r>
+                            </m:e>
+                            <m:sub>
+                              <m:r>
+                                <a:rPr lang="en-US" sz="2800" i="1">
+                                  <a:latin typeface="Cambria Math" panose="02040503050406030204" pitchFamily="18" charset="0"/>
+                                </a:rPr>
+                                <m:t>𝑃𝑆</m:t>
+                              </m:r>
+                            </m:sub>
+                          </m:sSub>
+                          <m:d>
+                            <m:dPr>
+                              <m:ctrlPr>
+                                <a:rPr lang="en-US" sz="2800" i="1">
+                                  <a:latin typeface="Cambria Math" panose="02040503050406030204" pitchFamily="18" charset="0"/>
+                                </a:rPr>
+                              </m:ctrlPr>
+                            </m:dPr>
+                            <m:e>
+                              <m:r>
+                                <a:rPr lang="en-US" sz="2800" b="1" i="1">
+                                  <a:latin typeface="Cambria Math" panose="02040503050406030204" pitchFamily="18" charset="0"/>
+                                </a:rPr>
+                                <m:t>𝒆</m:t>
+                              </m:r>
+                            </m:e>
+                          </m:d>
+                        </m:den>
+                      </m:f>
                       <m:r>
                         <a:rPr lang="en-US" sz="2800" b="0" i="1" smtClean="0">
                           <a:latin typeface="Cambria Math" panose="02040503050406030204" pitchFamily="18" charset="0"/>
@@ -34173,10 +34508,10 @@
                         </m:sSubPr>
                         <m:e>
                           <m:r>
-                            <a:rPr lang="en-US" sz="2800" b="0" i="1" smtClean="0">
+                            <a:rPr lang="en-US" sz="2800" b="1" i="1" smtClean="0">
                               <a:latin typeface="Cambria Math" panose="02040503050406030204" pitchFamily="18" charset="0"/>
                             </a:rPr>
-                            <m:t>𝑁</m:t>
+                            <m:t>𝑵</m:t>
                           </m:r>
                         </m:e>
                         <m:sub>
@@ -34210,129 +34545,13 @@
                             <m:t>,</m:t>
                           </m:r>
                           <m:r>
-                            <a:rPr lang="en-US" sz="2800" b="0" i="1" smtClean="0">
+                            <a:rPr lang="en-US" sz="2800" b="1" i="1" smtClean="0">
                               <a:latin typeface="Cambria Math" panose="02040503050406030204" pitchFamily="18" charset="0"/>
                             </a:rPr>
-                            <m:t>𝑒</m:t>
+                            <m:t>𝒆</m:t>
                           </m:r>
                         </m:e>
                       </m:d>
-                      <m:r>
-                        <a:rPr lang="en-US" sz="2800" b="0" i="1" smtClean="0">
-                          <a:latin typeface="Cambria Math" panose="02040503050406030204" pitchFamily="18" charset="0"/>
-                        </a:rPr>
-                        <m:t>=</m:t>
-                      </m:r>
-                      <m:f>
-                        <m:fPr>
-                          <m:ctrlPr>
-                            <a:rPr lang="en-US" sz="2800" b="0" i="1" smtClean="0">
-                              <a:latin typeface="Cambria Math" panose="02040503050406030204" pitchFamily="18" charset="0"/>
-                            </a:rPr>
-                          </m:ctrlPr>
-                        </m:fPr>
-                        <m:num>
-                          <m:sSub>
-                            <m:sSubPr>
-                              <m:ctrlPr>
-                                <a:rPr lang="en-US" sz="2800" b="0" i="1" smtClean="0">
-                                  <a:latin typeface="Cambria Math" panose="02040503050406030204" pitchFamily="18" charset="0"/>
-                                </a:rPr>
-                              </m:ctrlPr>
-                            </m:sSubPr>
-                            <m:e>
-                              <m:r>
-                                <a:rPr lang="en-US" sz="2800" b="0" i="1" smtClean="0">
-                                  <a:latin typeface="Cambria Math" panose="02040503050406030204" pitchFamily="18" charset="0"/>
-                                </a:rPr>
-                                <m:t>𝑁</m:t>
-                              </m:r>
-                            </m:e>
-                            <m:sub>
-                              <m:r>
-                                <a:rPr lang="en-US" sz="2800" b="0" i="1" smtClean="0">
-                                  <a:latin typeface="Cambria Math" panose="02040503050406030204" pitchFamily="18" charset="0"/>
-                                </a:rPr>
-                                <m:t>𝑃𝑆</m:t>
-                              </m:r>
-                            </m:sub>
-                          </m:sSub>
-                          <m:r>
-                            <a:rPr lang="en-US" sz="2800" b="0" i="1" smtClean="0">
-                              <a:latin typeface="Cambria Math" panose="02040503050406030204" pitchFamily="18" charset="0"/>
-                            </a:rPr>
-                            <m:t>(</m:t>
-                          </m:r>
-                          <m:r>
-                            <a:rPr lang="en-US" sz="2800" b="0" i="1" smtClean="0">
-                              <a:latin typeface="Cambria Math" panose="02040503050406030204" pitchFamily="18" charset="0"/>
-                            </a:rPr>
-                            <m:t>𝑋</m:t>
-                          </m:r>
-                          <m:r>
-                            <a:rPr lang="en-US" sz="2800" b="0" i="1" smtClean="0">
-                              <a:latin typeface="Cambria Math" panose="02040503050406030204" pitchFamily="18" charset="0"/>
-                            </a:rPr>
-                            <m:t>,</m:t>
-                          </m:r>
-                          <m:r>
-                            <a:rPr lang="en-US" sz="2800" b="0" i="1" smtClean="0">
-                              <a:latin typeface="Cambria Math" panose="02040503050406030204" pitchFamily="18" charset="0"/>
-                            </a:rPr>
-                            <m:t>𝑒</m:t>
-                          </m:r>
-                          <m:r>
-                            <a:rPr lang="en-US" sz="2800" b="0" i="1" smtClean="0">
-                              <a:latin typeface="Cambria Math" panose="02040503050406030204" pitchFamily="18" charset="0"/>
-                            </a:rPr>
-                            <m:t>)</m:t>
-                          </m:r>
-                        </m:num>
-                        <m:den>
-                          <m:sSub>
-                            <m:sSubPr>
-                              <m:ctrlPr>
-                                <a:rPr lang="en-US" sz="2800" b="0" i="1" smtClean="0">
-                                  <a:latin typeface="Cambria Math" panose="02040503050406030204" pitchFamily="18" charset="0"/>
-                                </a:rPr>
-                              </m:ctrlPr>
-                            </m:sSubPr>
-                            <m:e>
-                              <m:r>
-                                <a:rPr lang="en-US" sz="2800" b="0" i="1" smtClean="0">
-                                  <a:latin typeface="Cambria Math" panose="02040503050406030204" pitchFamily="18" charset="0"/>
-                                </a:rPr>
-                                <m:t>𝑁</m:t>
-                              </m:r>
-                            </m:e>
-                            <m:sub>
-                              <m:r>
-                                <a:rPr lang="en-US" sz="2800" b="0" i="1" smtClean="0">
-                                  <a:latin typeface="Cambria Math" panose="02040503050406030204" pitchFamily="18" charset="0"/>
-                                </a:rPr>
-                                <m:t>𝑃𝑆</m:t>
-                              </m:r>
-                            </m:sub>
-                          </m:sSub>
-                          <m:d>
-                            <m:dPr>
-                              <m:ctrlPr>
-                                <a:rPr lang="en-US" sz="2800" b="0" i="1" smtClean="0">
-                                  <a:latin typeface="Cambria Math" panose="02040503050406030204" pitchFamily="18" charset="0"/>
-                                </a:rPr>
-                              </m:ctrlPr>
-                            </m:dPr>
-                            <m:e>
-                              <m:r>
-                                <a:rPr lang="en-US" sz="2800" b="0" i="1" smtClean="0">
-                                  <a:latin typeface="Cambria Math" panose="02040503050406030204" pitchFamily="18" charset="0"/>
-                                </a:rPr>
-                                <m:t>𝑒</m:t>
-                              </m:r>
-                            </m:e>
-                          </m:d>
-                        </m:den>
-                      </m:f>
                     </m:oMath>
                   </m:oMathPara>
                 </a14:m>
@@ -34351,7 +34570,15 @@
                 </a:r>
                 <a:r>
                   <a:rPr lang="en-US" sz="2400" dirty="0"/>
-                  <a:t>: What if e is a rare event? </a:t>
+                  <a:t>: What if </a:t>
+                </a:r>
+                <a:r>
+                  <a:rPr lang="en-US" sz="2400" b="1" dirty="0"/>
+                  <a:t>e</a:t>
+                </a:r>
+                <a:r>
+                  <a:rPr lang="en-US" sz="2400" dirty="0"/>
+                  <a:t> is a rare event? </a:t>
                 </a:r>
               </a:p>
               <a:p>
@@ -34389,7 +34616,7 @@
             </p:txBody>
           </p:sp>
         </mc:Choice>
-        <mc:Fallback xmlns="">
+        <mc:Fallback>
           <p:sp>
             <p:nvSpPr>
               <p:cNvPr id="3" name="Content Placeholder 2"/>
@@ -34423,6 +34650,58 @@
           </p:sp>
         </mc:Fallback>
       </mc:AlternateContent>
+      <p:sp>
+        <p:nvSpPr>
+          <p:cNvPr id="4" name="Speech Bubble: Rectangle 3">
+            <a:extLst>
+              <a:ext uri="{FF2B5EF4-FFF2-40B4-BE49-F238E27FC236}">
+                <a16:creationId xmlns:a16="http://schemas.microsoft.com/office/drawing/2014/main" id="{0A8F87A3-E058-CDDE-6C4A-C41616EB981E}"/>
+              </a:ext>
+            </a:extLst>
+          </p:cNvPr>
+          <p:cNvSpPr/>
+          <p:nvPr/>
+        </p:nvSpPr>
+        <p:spPr>
+          <a:xfrm>
+            <a:off x="7239000" y="4343400"/>
+            <a:ext cx="1219200" cy="457200"/>
+          </a:xfrm>
+          <a:prstGeom prst="wedgeRectCallout">
+            <a:avLst>
+              <a:gd name="adj1" fmla="val -183179"/>
+              <a:gd name="adj2" fmla="val -126500"/>
+            </a:avLst>
+          </a:prstGeom>
+        </p:spPr>
+        <p:style>
+          <a:lnRef idx="2">
+            <a:schemeClr val="accent3">
+              <a:shade val="15000"/>
+            </a:schemeClr>
+          </a:lnRef>
+          <a:fillRef idx="1">
+            <a:schemeClr val="accent3"/>
+          </a:fillRef>
+          <a:effectRef idx="0">
+            <a:schemeClr val="accent3"/>
+          </a:effectRef>
+          <a:fontRef idx="minor">
+            <a:schemeClr val="lt1"/>
+          </a:fontRef>
+        </p:style>
+        <p:txBody>
+          <a:bodyPr rtlCol="0" anchor="ctr"/>
+          <a:lstStyle/>
+          <a:p>
+            <a:pPr algn="ctr"/>
+            <a:r>
+              <a:rPr lang="en-US" sz="1400" dirty="0"/>
+              <a:t>Normalization trick</a:t>
+            </a:r>
+          </a:p>
+        </p:txBody>
+      </p:sp>
     </p:spTree>
     <p:extLst>
       <p:ext uri="{BB962C8B-B14F-4D97-AF65-F5344CB8AC3E}">
@@ -34433,147 +34712,6 @@
   <p:clrMapOvr>
     <a:masterClrMapping/>
   </p:clrMapOvr>
-  <p:timing>
-    <p:tnLst>
-      <p:par>
-        <p:cTn id="1" dur="indefinite" restart="never" nodeType="tmRoot">
-          <p:childTnLst>
-            <p:seq concurrent="1" nextAc="seek">
-              <p:cTn id="2" dur="indefinite" nodeType="mainSeq">
-                <p:childTnLst>
-                  <p:par>
-                    <p:cTn id="3" fill="hold">
-                      <p:stCondLst>
-                        <p:cond delay="indefinite"/>
-                      </p:stCondLst>
-                      <p:childTnLst>
-                        <p:par>
-                          <p:cTn id="4" fill="hold">
-                            <p:stCondLst>
-                              <p:cond delay="0"/>
-                            </p:stCondLst>
-                            <p:childTnLst>
-                              <p:par>
-                                <p:cTn id="5" presetID="1" presetClass="entr" presetSubtype="0" fill="hold" nodeType="clickEffect">
-                                  <p:stCondLst>
-                                    <p:cond delay="0"/>
-                                  </p:stCondLst>
-                                  <p:childTnLst>
-                                    <p:set>
-                                      <p:cBhvr>
-                                        <p:cTn id="6" dur="1" fill="hold">
-                                          <p:stCondLst>
-                                            <p:cond delay="0"/>
-                                          </p:stCondLst>
-                                        </p:cTn>
-                                        <p:tgtEl>
-                                          <p:spTgt spid="3">
-                                            <p:txEl>
-                                              <p:pRg st="5" end="5"/>
-                                            </p:txEl>
-                                          </p:spTgt>
-                                        </p:tgtEl>
-                                        <p:attrNameLst>
-                                          <p:attrName>style.visibility</p:attrName>
-                                        </p:attrNameLst>
-                                      </p:cBhvr>
-                                      <p:to>
-                                        <p:strVal val="visible"/>
-                                      </p:to>
-                                    </p:set>
-                                  </p:childTnLst>
-                                </p:cTn>
-                              </p:par>
-                              <p:par>
-                                <p:cTn id="7" presetID="1" presetClass="entr" presetSubtype="0" fill="hold" nodeType="withEffect">
-                                  <p:stCondLst>
-                                    <p:cond delay="0"/>
-                                  </p:stCondLst>
-                                  <p:childTnLst>
-                                    <p:set>
-                                      <p:cBhvr>
-                                        <p:cTn id="8" dur="1" fill="hold">
-                                          <p:stCondLst>
-                                            <p:cond delay="0"/>
-                                          </p:stCondLst>
-                                        </p:cTn>
-                                        <p:tgtEl>
-                                          <p:spTgt spid="3">
-                                            <p:txEl>
-                                              <p:pRg st="6" end="6"/>
-                                            </p:txEl>
-                                          </p:spTgt>
-                                        </p:tgtEl>
-                                        <p:attrNameLst>
-                                          <p:attrName>style.visibility</p:attrName>
-                                        </p:attrNameLst>
-                                      </p:cBhvr>
-                                      <p:to>
-                                        <p:strVal val="visible"/>
-                                      </p:to>
-                                    </p:set>
-                                  </p:childTnLst>
-                                </p:cTn>
-                              </p:par>
-                              <p:par>
-                                <p:cTn id="9" presetID="1" presetClass="entr" presetSubtype="0" fill="hold" nodeType="withEffect">
-                                  <p:stCondLst>
-                                    <p:cond delay="0"/>
-                                  </p:stCondLst>
-                                  <p:childTnLst>
-                                    <p:set>
-                                      <p:cBhvr>
-                                        <p:cTn id="10" dur="1" fill="hold">
-                                          <p:stCondLst>
-                                            <p:cond delay="0"/>
-                                          </p:stCondLst>
-                                        </p:cTn>
-                                        <p:tgtEl>
-                                          <p:spTgt spid="3">
-                                            <p:txEl>
-                                              <p:pRg st="7" end="7"/>
-                                            </p:txEl>
-                                          </p:spTgt>
-                                        </p:tgtEl>
-                                        <p:attrNameLst>
-                                          <p:attrName>style.visibility</p:attrName>
-                                        </p:attrNameLst>
-                                      </p:cBhvr>
-                                      <p:to>
-                                        <p:strVal val="visible"/>
-                                      </p:to>
-                                    </p:set>
-                                  </p:childTnLst>
-                                </p:cTn>
-                              </p:par>
-                            </p:childTnLst>
-                          </p:cTn>
-                        </p:par>
-                      </p:childTnLst>
-                    </p:cTn>
-                  </p:par>
-                </p:childTnLst>
-              </p:cTn>
-              <p:prevCondLst>
-                <p:cond evt="onPrev" delay="0">
-                  <p:tgtEl>
-                    <p:sldTgt/>
-                  </p:tgtEl>
-                </p:cond>
-              </p:prevCondLst>
-              <p:nextCondLst>
-                <p:cond evt="onNext" delay="0">
-                  <p:tgtEl>
-                    <p:sldTgt/>
-                  </p:tgtEl>
-                </p:cond>
-              </p:nextCondLst>
-            </p:seq>
-          </p:childTnLst>
-        </p:cTn>
-      </p:par>
-    </p:tnLst>
-  </p:timing>
 </p:sld>
 </file>
 
@@ -34804,8 +34942,8 @@
           </a:p>
         </p:txBody>
       </p:sp>
-      <mc:AlternateContent xmlns:mc="http://schemas.openxmlformats.org/markup-compatibility/2006" xmlns:a14="http://schemas.microsoft.com/office/drawing/2010/main">
-        <mc:Choice Requires="a14">
+      <mc:AlternateContent xmlns:mc="http://schemas.openxmlformats.org/markup-compatibility/2006">
+        <mc:Choice xmlns:a14="http://schemas.microsoft.com/office/drawing/2010/main" Requires="a14">
           <p:sp>
             <p:nvSpPr>
               <p:cNvPr id="3" name="Content Placeholder 2"/>
@@ -34818,13 +34956,13 @@
             </p:nvSpPr>
             <p:spPr>
               <a:xfrm>
-                <a:off x="628650" y="1825625"/>
-                <a:ext cx="5086350" cy="4351338"/>
+                <a:off x="628650" y="1825624"/>
+                <a:ext cx="5086350" cy="4422775"/>
               </a:xfrm>
             </p:spPr>
             <p:txBody>
               <a:bodyPr>
-                <a:normAutofit fontScale="70000" lnSpcReduction="20000"/>
+                <a:normAutofit fontScale="62500" lnSpcReduction="20000"/>
               </a:bodyPr>
               <a:lstStyle/>
               <a:p>
@@ -34837,7 +34975,7 @@
                 </a:r>
                 <a:r>
                   <a:rPr lang="en-US" sz="2400" dirty="0"/>
-                  <a:t>: Avoid throw out samples like in rejection sampling.</a:t>
+                  <a:t>: Avoid throwing out samples like in rejection sampling.</a:t>
                 </a:r>
               </a:p>
               <a:p>
@@ -34966,7 +35104,7 @@
                 </a:pPr>
                 <a:r>
                   <a:rPr lang="en-US" sz="2400" dirty="0"/>
-                  <a:t>Note: Fixing the evidence breaks the dependence of the evidence variable on the evidence parents!</a:t>
+                  <a:t>Note: Fixing the evidence breaks the dependence between the evidence variable and the evidence parents!</a:t>
                 </a:r>
               </a:p>
               <a:p>
@@ -35127,7 +35265,7 @@
                 </a:pPr>
                 <a:r>
                   <a:rPr lang="en-US" sz="2400" dirty="0"/>
-                  <a:t>The right weight is the chance that we see the evidence given its parent (to fix the broken dependence).</a:t>
+                  <a:t>The right weight to fix the broken dependence is the chance that we see the evidence given its parent.</a:t>
                 </a:r>
               </a:p>
               <a:p>
@@ -35346,16 +35484,10 @@
                 </a14:m>
                 <a:endParaRPr lang="en-US" sz="2400" dirty="0"/>
               </a:p>
-              <a:p>
-                <a:pPr marL="0" indent="0">
-                  <a:buNone/>
-                </a:pPr>
-                <a:endParaRPr lang="en-US" sz="2400" dirty="0"/>
-              </a:p>
             </p:txBody>
           </p:sp>
         </mc:Choice>
-        <mc:Fallback xmlns="">
+        <mc:Fallback>
           <p:sp>
             <p:nvSpPr>
               <p:cNvPr id="3" name="Content Placeholder 2"/>
@@ -35368,13 +35500,13 @@
             </p:nvSpPr>
             <p:spPr>
               <a:xfrm>
-                <a:off x="628650" y="1825625"/>
-                <a:ext cx="5086350" cy="4351338"/>
+                <a:off x="628650" y="1825624"/>
+                <a:ext cx="5086350" cy="4422775"/>
               </a:xfrm>
               <a:blipFill>
                 <a:blip r:embed="rId3"/>
                 <a:stretch>
-                  <a:fillRect l="-719" t="-1961" r="-1677"/>
+                  <a:fillRect l="-479" t="-1515" r="-120"/>
                 </a:stretch>
               </a:blipFill>
             </p:spPr>
@@ -35754,8 +35886,8 @@
         </p:nvCxnSpPr>
         <p:spPr>
           <a:xfrm flipV="1">
-            <a:off x="4876800" y="3250643"/>
-            <a:ext cx="2890015" cy="2311957"/>
+            <a:off x="4648200" y="3250643"/>
+            <a:ext cx="3118615" cy="1930957"/>
           </a:xfrm>
           <a:prstGeom prst="straightConnector1">
             <a:avLst/>
@@ -36649,7 +36781,7 @@
           <a:p>
             <a:r>
               <a:rPr lang="en-US" dirty="0"/>
-              <a:t>The MC’s stationary distribution turns out to be the posterior distribution of the non-evidence variables.</a:t>
+              <a:t>The MC is constructed such that its stationary distribution is the posterior distribution of the non-evidence variables.</a:t>
             </a:r>
           </a:p>
           <a:p>
@@ -36663,7 +36795,7 @@
             </a:r>
             <a:r>
               <a:rPr lang="en-US" dirty="0"/>
-              <a:t>simulation by counting how often each state is reached and normalize to obtain probability estimates.</a:t>
+              <a:t>simulation by counting how often each state is reached in a random walk and normalizing to obtain probability estimates.</a:t>
             </a:r>
           </a:p>
           <a:p>
@@ -36679,7 +36811,7 @@
             </a:pPr>
             <a:r>
               <a:rPr lang="en-US" dirty="0"/>
-              <a:t>Gibbs sampling works well for BNs since we have </a:t>
+              <a:t>Gibbs sampling works well for BNs since it needs conditional probabilities and we have </a:t>
             </a:r>
             <a:r>
               <a:rPr lang="en-US" dirty="0" err="1"/>
@@ -36701,12 +36833,6 @@
             <a:pPr marL="0" indent="0">
               <a:buNone/>
             </a:pPr>
-            <a:endParaRPr lang="en-US" dirty="0"/>
-          </a:p>
-          <a:p>
-            <a:pPr marL="0" indent="0">
-              <a:buNone/>
-            </a:pPr>
             <a:endParaRPr lang="en-US" i="1" dirty="0"/>
           </a:p>
           <a:p>
@@ -36719,7 +36845,7 @@
             </a:r>
             <a:r>
               <a:rPr lang="en-US" dirty="0"/>
-              <a:t>Simulated annealing local search belongs to the family of MCMC algorithms.</a:t>
+              <a:t>Simulated annealing local search also belongs to the family of MCMC algorithms.</a:t>
             </a:r>
           </a:p>
         </p:txBody>
@@ -37077,7 +37203,7 @@
                                         <p:tgtEl>
                                           <p:spTgt spid="3">
                                             <p:txEl>
-                                              <p:pRg st="9" end="9"/>
+                                              <p:pRg st="8" end="8"/>
                                             </p:txEl>
                                           </p:spTgt>
                                         </p:tgtEl>
@@ -37171,8 +37297,8 @@
           </a:p>
         </p:txBody>
       </p:sp>
-      <mc:AlternateContent xmlns:mc="http://schemas.openxmlformats.org/markup-compatibility/2006" xmlns:a14="http://schemas.microsoft.com/office/drawing/2010/main">
-        <mc:Choice Requires="a14">
+      <mc:AlternateContent xmlns:mc="http://schemas.openxmlformats.org/markup-compatibility/2006">
+        <mc:Choice xmlns:a14="http://schemas.microsoft.com/office/drawing/2010/main" Requires="a14">
           <p:sp>
             <p:nvSpPr>
               <p:cNvPr id="3" name="Content Placeholder 2">
@@ -37197,7 +37323,7 @@
             </p:spPr>
             <p:txBody>
               <a:bodyPr>
-                <a:normAutofit fontScale="85000" lnSpcReduction="20000"/>
+                <a:normAutofit fontScale="77500" lnSpcReduction="20000"/>
               </a:bodyPr>
               <a:lstStyle/>
               <a:p>
@@ -37283,7 +37409,7 @@
                 </a14:m>
                 <a:r>
                   <a:rPr lang="en-US" dirty="0"/>
-                  <a:t>. It makes sure that the new value is consistent with the other values. The Markov blanket of a variable consists of all variables it can be dependent of (parents, children and parents of children).</a:t>
+                  <a:t>. It makes sure that the new value is consistent with the other values. The Markov blanket of a variable consists of all variables it can be dependent of (parents, children, and parents of children). This ensures that the MC’s stationary distribution gives the desired probability.</a:t>
                 </a:r>
               </a:p>
               <a:p>
@@ -37678,7 +37804,7 @@
             </p:txBody>
           </p:sp>
         </mc:Choice>
-        <mc:Fallback xmlns="">
+        <mc:Fallback>
           <p:sp>
             <p:nvSpPr>
               <p:cNvPr id="3" name="Content Placeholder 2">
@@ -37703,7 +37829,7 @@
               <a:blipFill>
                 <a:blip r:embed="rId2"/>
                 <a:stretch>
-                  <a:fillRect l="-472" t="-5862" r="-943" b="-54828"/>
+                  <a:fillRect l="-314" t="-4483" r="-472" b="-43103"/>
                 </a:stretch>
               </a:blipFill>
             </p:spPr>
@@ -37936,6 +38062,58 @@
           </p:txBody>
         </p:sp>
       </p:grpSp>
+      <p:sp>
+        <p:nvSpPr>
+          <p:cNvPr id="9" name="Speech Bubble: Rectangle 8">
+            <a:extLst>
+              <a:ext uri="{FF2B5EF4-FFF2-40B4-BE49-F238E27FC236}">
+                <a16:creationId xmlns:a16="http://schemas.microsoft.com/office/drawing/2014/main" id="{2A99B935-4113-A26D-1D44-EAC017DFCA98}"/>
+              </a:ext>
+            </a:extLst>
+          </p:cNvPr>
+          <p:cNvSpPr/>
+          <p:nvPr/>
+        </p:nvSpPr>
+        <p:spPr>
+          <a:xfrm>
+            <a:off x="7580091" y="4130400"/>
+            <a:ext cx="1397653" cy="441599"/>
+          </a:xfrm>
+          <a:prstGeom prst="wedgeRectCallout">
+            <a:avLst>
+              <a:gd name="adj1" fmla="val -356909"/>
+              <a:gd name="adj2" fmla="val -55070"/>
+            </a:avLst>
+          </a:prstGeom>
+        </p:spPr>
+        <p:style>
+          <a:lnRef idx="2">
+            <a:schemeClr val="accent1">
+              <a:shade val="15000"/>
+            </a:schemeClr>
+          </a:lnRef>
+          <a:fillRef idx="1">
+            <a:schemeClr val="accent1"/>
+          </a:fillRef>
+          <a:effectRef idx="0">
+            <a:schemeClr val="accent1"/>
+          </a:effectRef>
+          <a:fontRef idx="minor">
+            <a:schemeClr val="lt1"/>
+          </a:fontRef>
+        </p:style>
+        <p:txBody>
+          <a:bodyPr rtlCol="0" anchor="ctr"/>
+          <a:lstStyle/>
+          <a:p>
+            <a:pPr algn="ctr"/>
+            <a:r>
+              <a:rPr lang="en-US" sz="1600" dirty="0"/>
+              <a:t>Convert to probabilities</a:t>
+            </a:r>
+          </a:p>
+        </p:txBody>
+      </p:sp>
     </p:spTree>
     <p:extLst>
       <p:ext uri="{BB962C8B-B14F-4D97-AF65-F5344CB8AC3E}">
@@ -37999,8 +38177,8 @@
           </a:p>
         </p:txBody>
       </p:sp>
-      <mc:AlternateContent xmlns:mc="http://schemas.openxmlformats.org/markup-compatibility/2006" xmlns:a14="http://schemas.microsoft.com/office/drawing/2010/main">
-        <mc:Choice Requires="a14">
+      <mc:AlternateContent xmlns:mc="http://schemas.openxmlformats.org/markup-compatibility/2006">
+        <mc:Choice xmlns:a14="http://schemas.microsoft.com/office/drawing/2010/main" Requires="a14">
           <p:sp>
             <p:nvSpPr>
               <p:cNvPr id="3" name="Content Placeholder 2">
@@ -38025,7 +38203,7 @@
             </p:spPr>
             <p:txBody>
               <a:bodyPr>
-                <a:normAutofit lnSpcReduction="10000"/>
+                <a:normAutofit fontScale="92500" lnSpcReduction="10000"/>
               </a:bodyPr>
               <a:lstStyle/>
               <a:p>
@@ -38146,12 +38324,6 @@
                 <a:pPr marL="0" indent="0">
                   <a:buNone/>
                 </a:pPr>
-                <a:endParaRPr lang="en-US" sz="1700" dirty="0"/>
-              </a:p>
-              <a:p>
-                <a:pPr marL="0" indent="0">
-                  <a:buNone/>
-                </a:pPr>
                 <a:r>
                   <a:rPr lang="en-US" sz="1700" dirty="0"/>
                   <a:t>Determine states and calculate transition probabilities of the Markov chain for changing one variable using </a:t>
@@ -38247,8 +38419,8 @@
                   </m:oMath>
                 </a14:m>
                 <a:r>
-                  <a:rPr lang="en-US" sz="1400" dirty="0"/>
-                  <a:t>.</a:t>
+                  <a:rPr lang="en-US" sz="1700" dirty="0"/>
+                  <a:t>. This will repair all dependencies broken by fixing the evidence. </a:t>
                 </a:r>
               </a:p>
               <a:p>
@@ -38263,7 +38435,7 @@
                 </a:pPr>
                 <a:r>
                   <a:rPr lang="en-US" sz="1700" dirty="0"/>
-                  <a:t>The algorithm randomly wanders around in this graph using the stated transition probabilities.</a:t>
+                  <a:t>The algorithm randomly wanders around in this graph using the stated transition probabilities. This will produce the stationary distribution.</a:t>
                 </a:r>
               </a:p>
               <a:p>
@@ -38376,16 +38548,22 @@
                             </m:dPr>
                             <m:e>
                               <m:r>
+                                <a:rPr lang="en-US" sz="1700" b="0" i="1" dirty="0" smtClean="0">
+                                  <a:latin typeface="Cambria Math" panose="02040503050406030204" pitchFamily="18" charset="0"/>
+                                </a:rPr>
+                                <m:t>13+7</m:t>
+                              </m:r>
+                              <m:r>
                                 <a:rPr lang="en-US" sz="1700" i="1" dirty="0">
                                   <a:latin typeface="Cambria Math" panose="02040503050406030204" pitchFamily="18" charset="0"/>
                                 </a:rPr>
-                                <m:t>20,6</m:t>
+                                <m:t>,</m:t>
                               </m:r>
                               <m:r>
                                 <a:rPr lang="en-US" sz="1700" b="0" i="1" dirty="0" smtClean="0">
                                   <a:latin typeface="Cambria Math" panose="02040503050406030204" pitchFamily="18" charset="0"/>
                                 </a:rPr>
-                                <m:t>0</m:t>
+                                <m:t> 2+58</m:t>
                               </m:r>
                             </m:e>
                           </m:d>
@@ -38412,7 +38590,19 @@
                             <a:rPr lang="en-US" sz="1700" i="1" dirty="0">
                               <a:latin typeface="Cambria Math" panose="02040503050406030204" pitchFamily="18" charset="0"/>
                             </a:rPr>
-                            <m:t>0.25,0.75</m:t>
+                            <m:t>0.25,</m:t>
+                          </m:r>
+                          <m:r>
+                            <a:rPr lang="en-US" sz="1700" b="0" i="1" dirty="0" smtClean="0">
+                              <a:latin typeface="Cambria Math" panose="02040503050406030204" pitchFamily="18" charset="0"/>
+                            </a:rPr>
+                            <m:t> </m:t>
+                          </m:r>
+                          <m:r>
+                            <a:rPr lang="en-US" sz="1700" i="1" dirty="0">
+                              <a:latin typeface="Cambria Math" panose="02040503050406030204" pitchFamily="18" charset="0"/>
+                            </a:rPr>
+                            <m:t>0.75</m:t>
                           </m:r>
                         </m:e>
                       </m:d>
@@ -38511,17 +38701,6 @@
                   <a:rPr lang="en-US" sz="1500" dirty="0"/>
                   <a:t> </a:t>
                 </a:r>
-              </a:p>
-              <a:p>
-                <a:pPr marL="0" indent="0">
-                  <a:buNone/>
-                </a:pPr>
-                <a:endParaRPr lang="en-US" dirty="0"/>
-              </a:p>
-              <a:p>
-                <a:pPr marL="0" indent="0">
-                  <a:buNone/>
-                </a:pPr>
                 <a:endParaRPr lang="en-US" dirty="0"/>
               </a:p>
               <a:p>
@@ -38539,7 +38718,7 @@
             </p:txBody>
           </p:sp>
         </mc:Choice>
-        <mc:Fallback xmlns="">
+        <mc:Fallback>
           <p:sp>
             <p:nvSpPr>
               <p:cNvPr id="3" name="Content Placeholder 2">
@@ -38564,7 +38743,7 @@
               <a:blipFill>
                 <a:blip r:embed="rId2"/>
                 <a:stretch>
-                  <a:fillRect l="-908" t="-1303"/>
+                  <a:fillRect l="-778" t="-1185" r="-259"/>
                 </a:stretch>
               </a:blipFill>
             </p:spPr>
@@ -39044,7 +39223,7 @@
         </p:nvSpPr>
         <p:spPr>
           <a:xfrm>
-            <a:off x="6407597" y="3031716"/>
+            <a:off x="6407597" y="3042257"/>
             <a:ext cx="983803" cy="505336"/>
           </a:xfrm>
           <a:prstGeom prst="downArrow">
@@ -39134,110 +39313,6 @@
         </p:pic>
         <p:sp>
           <p:nvSpPr>
-            <p:cNvPr id="4" name="Oval 3">
-              <a:extLst>
-                <a:ext uri="{FF2B5EF4-FFF2-40B4-BE49-F238E27FC236}">
-                  <a16:creationId xmlns:a16="http://schemas.microsoft.com/office/drawing/2014/main" id="{CE50C877-3FB6-A069-44E2-79A5D33DF7DA}"/>
-                </a:ext>
-              </a:extLst>
-            </p:cNvPr>
-            <p:cNvSpPr/>
-            <p:nvPr/>
-          </p:nvSpPr>
-          <p:spPr>
-            <a:xfrm>
-              <a:off x="5729486" y="3657600"/>
-              <a:ext cx="1204714" cy="2341423"/>
-            </a:xfrm>
-            <a:prstGeom prst="ellipse">
-              <a:avLst/>
-            </a:prstGeom>
-            <a:solidFill>
-              <a:schemeClr val="accent6">
-                <a:alpha val="50000"/>
-              </a:schemeClr>
-            </a:solidFill>
-            <a:ln>
-              <a:noFill/>
-            </a:ln>
-          </p:spPr>
-          <p:style>
-            <a:lnRef idx="0">
-              <a:scrgbClr r="0" g="0" b="0"/>
-            </a:lnRef>
-            <a:fillRef idx="0">
-              <a:scrgbClr r="0" g="0" b="0"/>
-            </a:fillRef>
-            <a:effectRef idx="0">
-              <a:scrgbClr r="0" g="0" b="0"/>
-            </a:effectRef>
-            <a:fontRef idx="minor">
-              <a:schemeClr val="lt1"/>
-            </a:fontRef>
-          </p:style>
-          <p:txBody>
-            <a:bodyPr rtlCol="0" anchor="ctr"/>
-            <a:lstStyle/>
-            <a:p>
-              <a:pPr algn="ctr"/>
-              <a:endParaRPr lang="en-US"/>
-            </a:p>
-          </p:txBody>
-        </p:sp>
-        <p:sp>
-          <p:nvSpPr>
-            <p:cNvPr id="6" name="Oval 5">
-              <a:extLst>
-                <a:ext uri="{FF2B5EF4-FFF2-40B4-BE49-F238E27FC236}">
-                  <a16:creationId xmlns:a16="http://schemas.microsoft.com/office/drawing/2014/main" id="{FEA012B2-212A-D8C3-44A7-1E672FF2195D}"/>
-                </a:ext>
-              </a:extLst>
-            </p:cNvPr>
-            <p:cNvSpPr/>
-            <p:nvPr/>
-          </p:nvSpPr>
-          <p:spPr>
-            <a:xfrm>
-              <a:off x="7298295" y="3613845"/>
-              <a:ext cx="1204714" cy="2341423"/>
-            </a:xfrm>
-            <a:prstGeom prst="ellipse">
-              <a:avLst/>
-            </a:prstGeom>
-            <a:solidFill>
-              <a:schemeClr val="accent6">
-                <a:alpha val="50000"/>
-              </a:schemeClr>
-            </a:solidFill>
-            <a:ln>
-              <a:noFill/>
-            </a:ln>
-          </p:spPr>
-          <p:style>
-            <a:lnRef idx="0">
-              <a:scrgbClr r="0" g="0" b="0"/>
-            </a:lnRef>
-            <a:fillRef idx="0">
-              <a:scrgbClr r="0" g="0" b="0"/>
-            </a:fillRef>
-            <a:effectRef idx="0">
-              <a:scrgbClr r="0" g="0" b="0"/>
-            </a:effectRef>
-            <a:fontRef idx="minor">
-              <a:schemeClr val="lt1"/>
-            </a:fontRef>
-          </p:style>
-          <p:txBody>
-            <a:bodyPr rtlCol="0" anchor="ctr"/>
-            <a:lstStyle/>
-            <a:p>
-              <a:pPr algn="ctr"/>
-              <a:endParaRPr lang="en-US"/>
-            </a:p>
-          </p:txBody>
-        </p:sp>
-        <p:sp>
-          <p:nvSpPr>
             <p:cNvPr id="7" name="TextBox 6">
               <a:extLst>
                 <a:ext uri="{FF2B5EF4-FFF2-40B4-BE49-F238E27FC236}">
@@ -39274,77 +39349,267 @@
             </a:p>
           </p:txBody>
         </p:sp>
-        <p:sp>
-          <p:nvSpPr>
-            <p:cNvPr id="8" name="TextBox 7">
-              <a:extLst>
-                <a:ext uri="{FF2B5EF4-FFF2-40B4-BE49-F238E27FC236}">
-                  <a16:creationId xmlns:a16="http://schemas.microsoft.com/office/drawing/2014/main" id="{A9184829-011D-3B2A-B827-3891852135FB}"/>
-                </a:ext>
-              </a:extLst>
-            </p:cNvPr>
-            <p:cNvSpPr txBox="1"/>
-            <p:nvPr/>
-          </p:nvSpPr>
-          <p:spPr>
-            <a:xfrm>
-              <a:off x="5818587" y="4403556"/>
-              <a:ext cx="1080911" cy="369332"/>
-            </a:xfrm>
-            <a:prstGeom prst="rect">
-              <a:avLst/>
-            </a:prstGeom>
+      </p:grpSp>
+      <p:sp>
+        <p:nvSpPr>
+          <p:cNvPr id="19" name="Oval 18">
+            <a:extLst>
+              <a:ext uri="{FF2B5EF4-FFF2-40B4-BE49-F238E27FC236}">
+                <a16:creationId xmlns:a16="http://schemas.microsoft.com/office/drawing/2014/main" id="{CE50C877-3FB6-A069-44E2-79A5D33DF7DA}"/>
+              </a:ext>
+            </a:extLst>
+          </p:cNvPr>
+          <p:cNvSpPr/>
+          <p:nvPr/>
+        </p:nvSpPr>
+        <p:spPr>
+          <a:xfrm>
+            <a:off x="5752484" y="3678969"/>
+            <a:ext cx="1204714" cy="2341423"/>
+          </a:xfrm>
+          <a:prstGeom prst="ellipse">
+            <a:avLst/>
+          </a:prstGeom>
+          <a:solidFill>
+            <a:schemeClr val="accent6">
+              <a:alpha val="50000"/>
+            </a:schemeClr>
+          </a:solidFill>
+          <a:ln>
             <a:noFill/>
-          </p:spPr>
-          <p:txBody>
-            <a:bodyPr wrap="square" rtlCol="0">
-              <a:spAutoFit/>
-            </a:bodyPr>
-            <a:lstStyle/>
-            <a:p>
-              <a:r>
-                <a:rPr lang="en-US" dirty="0"/>
-                <a:t>20 visits</a:t>
-              </a:r>
-            </a:p>
-          </p:txBody>
-        </p:sp>
-        <p:sp>
-          <p:nvSpPr>
-            <p:cNvPr id="11" name="TextBox 10">
-              <a:extLst>
-                <a:ext uri="{FF2B5EF4-FFF2-40B4-BE49-F238E27FC236}">
-                  <a16:creationId xmlns:a16="http://schemas.microsoft.com/office/drawing/2014/main" id="{11BA2DC7-4877-B22F-2B55-C6DD696AABCA}"/>
-                </a:ext>
-              </a:extLst>
-            </p:cNvPr>
-            <p:cNvSpPr txBox="1"/>
-            <p:nvPr/>
-          </p:nvSpPr>
-          <p:spPr>
-            <a:xfrm>
-              <a:off x="7399331" y="4381945"/>
-              <a:ext cx="1080911" cy="369332"/>
-            </a:xfrm>
-            <a:prstGeom prst="rect">
-              <a:avLst/>
-            </a:prstGeom>
+          </a:ln>
+        </p:spPr>
+        <p:style>
+          <a:lnRef idx="0">
+            <a:scrgbClr r="0" g="0" b="0"/>
+          </a:lnRef>
+          <a:fillRef idx="0">
+            <a:scrgbClr r="0" g="0" b="0"/>
+          </a:fillRef>
+          <a:effectRef idx="0">
+            <a:scrgbClr r="0" g="0" b="0"/>
+          </a:effectRef>
+          <a:fontRef idx="minor">
+            <a:schemeClr val="lt1"/>
+          </a:fontRef>
+        </p:style>
+        <p:txBody>
+          <a:bodyPr rtlCol="0" anchor="ctr"/>
+          <a:lstStyle/>
+          <a:p>
+            <a:pPr algn="ctr"/>
+            <a:endParaRPr lang="en-US" dirty="0"/>
+          </a:p>
+        </p:txBody>
+      </p:sp>
+      <p:sp>
+        <p:nvSpPr>
+          <p:cNvPr id="28" name="TextBox 27">
+            <a:extLst>
+              <a:ext uri="{FF2B5EF4-FFF2-40B4-BE49-F238E27FC236}">
+                <a16:creationId xmlns:a16="http://schemas.microsoft.com/office/drawing/2014/main" id="{A9184829-011D-3B2A-B827-3891852135FB}"/>
+              </a:ext>
+            </a:extLst>
+          </p:cNvPr>
+          <p:cNvSpPr txBox="1"/>
+          <p:nvPr/>
+        </p:nvSpPr>
+        <p:spPr>
+          <a:xfrm>
+            <a:off x="5874946" y="4100087"/>
+            <a:ext cx="1080911" cy="369332"/>
+          </a:xfrm>
+          <a:prstGeom prst="rect">
+            <a:avLst/>
+          </a:prstGeom>
+          <a:noFill/>
+        </p:spPr>
+        <p:txBody>
+          <a:bodyPr wrap="square" rtlCol="0">
+            <a:spAutoFit/>
+          </a:bodyPr>
+          <a:lstStyle/>
+          <a:p>
+            <a:r>
+              <a:rPr lang="en-US" b="1" dirty="0">
+                <a:solidFill>
+                  <a:srgbClr val="FF0000"/>
+                </a:solidFill>
+              </a:rPr>
+              <a:t>13 visits</a:t>
+            </a:r>
+          </a:p>
+        </p:txBody>
+      </p:sp>
+      <p:sp>
+        <p:nvSpPr>
+          <p:cNvPr id="30" name="TextBox 29">
+            <a:extLst>
+              <a:ext uri="{FF2B5EF4-FFF2-40B4-BE49-F238E27FC236}">
+                <a16:creationId xmlns:a16="http://schemas.microsoft.com/office/drawing/2014/main" id="{3BA6741C-DED9-71F8-D9BB-8162F8EE2B32}"/>
+              </a:ext>
+            </a:extLst>
+          </p:cNvPr>
+          <p:cNvSpPr txBox="1"/>
+          <p:nvPr/>
+        </p:nvSpPr>
+        <p:spPr>
+          <a:xfrm>
+            <a:off x="5867141" y="5032833"/>
+            <a:ext cx="1080911" cy="369332"/>
+          </a:xfrm>
+          <a:prstGeom prst="rect">
+            <a:avLst/>
+          </a:prstGeom>
+          <a:noFill/>
+        </p:spPr>
+        <p:txBody>
+          <a:bodyPr wrap="square" rtlCol="0">
+            <a:spAutoFit/>
+          </a:bodyPr>
+          <a:lstStyle/>
+          <a:p>
+            <a:r>
+              <a:rPr lang="en-US" b="1" dirty="0">
+                <a:solidFill>
+                  <a:srgbClr val="FF0000"/>
+                </a:solidFill>
+              </a:rPr>
+              <a:t>7 visits</a:t>
+            </a:r>
+          </a:p>
+        </p:txBody>
+      </p:sp>
+      <p:sp>
+        <p:nvSpPr>
+          <p:cNvPr id="18" name="Oval 17">
+            <a:extLst>
+              <a:ext uri="{FF2B5EF4-FFF2-40B4-BE49-F238E27FC236}">
+                <a16:creationId xmlns:a16="http://schemas.microsoft.com/office/drawing/2014/main" id="{FEA012B2-212A-D8C3-44A7-1E672FF2195D}"/>
+              </a:ext>
+            </a:extLst>
+          </p:cNvPr>
+          <p:cNvSpPr/>
+          <p:nvPr/>
+        </p:nvSpPr>
+        <p:spPr>
+          <a:xfrm>
+            <a:off x="7291596" y="3656761"/>
+            <a:ext cx="1204714" cy="2341423"/>
+          </a:xfrm>
+          <a:prstGeom prst="ellipse">
+            <a:avLst/>
+          </a:prstGeom>
+          <a:solidFill>
+            <a:schemeClr val="accent6">
+              <a:alpha val="50000"/>
+            </a:schemeClr>
+          </a:solidFill>
+          <a:ln>
             <a:noFill/>
-          </p:spPr>
-          <p:txBody>
-            <a:bodyPr wrap="square" rtlCol="0">
-              <a:spAutoFit/>
-            </a:bodyPr>
-            <a:lstStyle/>
-            <a:p>
-              <a:r>
-                <a:rPr lang="en-US" dirty="0"/>
-                <a:t>60 visits</a:t>
-              </a:r>
-            </a:p>
-          </p:txBody>
-        </p:sp>
-      </p:grpSp>
+          </a:ln>
+        </p:spPr>
+        <p:style>
+          <a:lnRef idx="0">
+            <a:scrgbClr r="0" g="0" b="0"/>
+          </a:lnRef>
+          <a:fillRef idx="0">
+            <a:scrgbClr r="0" g="0" b="0"/>
+          </a:fillRef>
+          <a:effectRef idx="0">
+            <a:scrgbClr r="0" g="0" b="0"/>
+          </a:effectRef>
+          <a:fontRef idx="minor">
+            <a:schemeClr val="lt1"/>
+          </a:fontRef>
+        </p:style>
+        <p:txBody>
+          <a:bodyPr rtlCol="0" anchor="ctr"/>
+          <a:lstStyle/>
+          <a:p>
+            <a:pPr algn="ctr"/>
+            <a:endParaRPr lang="en-US" dirty="0"/>
+          </a:p>
+        </p:txBody>
+      </p:sp>
+      <p:sp>
+        <p:nvSpPr>
+          <p:cNvPr id="32" name="TextBox 31">
+            <a:extLst>
+              <a:ext uri="{FF2B5EF4-FFF2-40B4-BE49-F238E27FC236}">
+                <a16:creationId xmlns:a16="http://schemas.microsoft.com/office/drawing/2014/main" id="{ACBF448C-96AE-FEE5-B6E3-41E8409E92B7}"/>
+              </a:ext>
+            </a:extLst>
+          </p:cNvPr>
+          <p:cNvSpPr txBox="1"/>
+          <p:nvPr/>
+        </p:nvSpPr>
+        <p:spPr>
+          <a:xfrm>
+            <a:off x="7482655" y="5074854"/>
+            <a:ext cx="1080911" cy="369332"/>
+          </a:xfrm>
+          <a:prstGeom prst="rect">
+            <a:avLst/>
+          </a:prstGeom>
+          <a:noFill/>
+        </p:spPr>
+        <p:txBody>
+          <a:bodyPr wrap="square" rtlCol="0">
+            <a:spAutoFit/>
+          </a:bodyPr>
+          <a:lstStyle/>
+          <a:p>
+            <a:r>
+              <a:rPr lang="en-US" b="1" dirty="0">
+                <a:solidFill>
+                  <a:srgbClr val="FF0000"/>
+                </a:solidFill>
+              </a:rPr>
+              <a:t>58 visits</a:t>
+            </a:r>
+          </a:p>
+        </p:txBody>
+      </p:sp>
+      <p:sp>
+        <p:nvSpPr>
+          <p:cNvPr id="16" name="TextBox 15">
+            <a:extLst>
+              <a:ext uri="{FF2B5EF4-FFF2-40B4-BE49-F238E27FC236}">
+                <a16:creationId xmlns:a16="http://schemas.microsoft.com/office/drawing/2014/main" id="{11BA2DC7-4877-B22F-2B55-C6DD696AABCA}"/>
+              </a:ext>
+            </a:extLst>
+          </p:cNvPr>
+          <p:cNvSpPr txBox="1"/>
+          <p:nvPr/>
+        </p:nvSpPr>
+        <p:spPr>
+          <a:xfrm>
+            <a:off x="7534676" y="4109342"/>
+            <a:ext cx="1080911" cy="369332"/>
+          </a:xfrm>
+          <a:prstGeom prst="rect">
+            <a:avLst/>
+          </a:prstGeom>
+          <a:noFill/>
+        </p:spPr>
+        <p:txBody>
+          <a:bodyPr wrap="square" rtlCol="0">
+            <a:spAutoFit/>
+          </a:bodyPr>
+          <a:lstStyle/>
+          <a:p>
+            <a:r>
+              <a:rPr lang="en-US" b="1" dirty="0">
+                <a:solidFill>
+                  <a:srgbClr val="FF0000"/>
+                </a:solidFill>
+              </a:rPr>
+              <a:t>2 visits</a:t>
+            </a:r>
+          </a:p>
+        </p:txBody>
+      </p:sp>
     </p:spTree>
     <p:extLst>
       <p:ext uri="{BB962C8B-B14F-4D97-AF65-F5344CB8AC3E}">
@@ -39379,7 +39644,7 @@
                             </p:stCondLst>
                             <p:childTnLst>
                               <p:par>
-                                <p:cTn id="5" presetID="1" presetClass="entr" presetSubtype="0" fill="hold" grpId="0" nodeType="withEffect">
+                                <p:cTn id="5" presetID="1" presetClass="entr" presetSubtype="0" fill="hold" nodeType="withEffect">
                                   <p:stCondLst>
                                     <p:cond delay="0"/>
                                   </p:stCondLst>
@@ -39387,6 +39652,33 @@
                                     <p:set>
                                       <p:cBhvr>
                                         <p:cTn id="6" dur="1" fill="hold">
+                                          <p:stCondLst>
+                                            <p:cond delay="0"/>
+                                          </p:stCondLst>
+                                        </p:cTn>
+                                        <p:tgtEl>
+                                          <p:spTgt spid="15"/>
+                                        </p:tgtEl>
+                                        <p:attrNameLst>
+                                          <p:attrName>style.visibility</p:attrName>
+                                        </p:attrNameLst>
+                                      </p:cBhvr>
+                                      <p:to>
+                                        <p:strVal val="visible"/>
+                                      </p:to>
+                                    </p:set>
+                                  </p:childTnLst>
+                                </p:cTn>
+                              </p:par>
+                              <p:par>
+                                <p:cTn id="7" presetID="1" presetClass="entr" presetSubtype="0" fill="hold" grpId="0" nodeType="withEffect">
+                                  <p:stCondLst>
+                                    <p:cond delay="0"/>
+                                  </p:stCondLst>
+                                  <p:childTnLst>
+                                    <p:set>
+                                      <p:cBhvr>
+                                        <p:cTn id="8" dur="1" fill="hold">
                                           <p:stCondLst>
                                             <p:cond delay="0"/>
                                           </p:stCondLst>
@@ -39406,20 +39698,155 @@
                                 </p:cTn>
                               </p:par>
                               <p:par>
-                                <p:cTn id="7" presetID="1" presetClass="entr" presetSubtype="0" fill="hold" nodeType="withEffect">
+                                <p:cTn id="9" presetID="1" presetClass="entr" presetSubtype="0" fill="hold" grpId="0" nodeType="withEffect">
                                   <p:stCondLst>
                                     <p:cond delay="0"/>
                                   </p:stCondLst>
                                   <p:childTnLst>
                                     <p:set>
                                       <p:cBhvr>
-                                        <p:cTn id="8" dur="1" fill="hold">
+                                        <p:cTn id="10" dur="1" fill="hold">
                                           <p:stCondLst>
                                             <p:cond delay="0"/>
                                           </p:stCondLst>
                                         </p:cTn>
                                         <p:tgtEl>
-                                          <p:spTgt spid="15"/>
+                                          <p:spTgt spid="28"/>
+                                        </p:tgtEl>
+                                        <p:attrNameLst>
+                                          <p:attrName>style.visibility</p:attrName>
+                                        </p:attrNameLst>
+                                      </p:cBhvr>
+                                      <p:to>
+                                        <p:strVal val="visible"/>
+                                      </p:to>
+                                    </p:set>
+                                  </p:childTnLst>
+                                </p:cTn>
+                              </p:par>
+                              <p:par>
+                                <p:cTn id="11" presetID="1" presetClass="entr" presetSubtype="0" fill="hold" grpId="0" nodeType="withEffect">
+                                  <p:stCondLst>
+                                    <p:cond delay="0"/>
+                                  </p:stCondLst>
+                                  <p:childTnLst>
+                                    <p:set>
+                                      <p:cBhvr>
+                                        <p:cTn id="12" dur="1" fill="hold">
+                                          <p:stCondLst>
+                                            <p:cond delay="0"/>
+                                          </p:stCondLst>
+                                        </p:cTn>
+                                        <p:tgtEl>
+                                          <p:spTgt spid="30"/>
+                                        </p:tgtEl>
+                                        <p:attrNameLst>
+                                          <p:attrName>style.visibility</p:attrName>
+                                        </p:attrNameLst>
+                                      </p:cBhvr>
+                                      <p:to>
+                                        <p:strVal val="visible"/>
+                                      </p:to>
+                                    </p:set>
+                                  </p:childTnLst>
+                                </p:cTn>
+                              </p:par>
+                              <p:par>
+                                <p:cTn id="13" presetID="1" presetClass="entr" presetSubtype="0" fill="hold" grpId="0" nodeType="withEffect">
+                                  <p:stCondLst>
+                                    <p:cond delay="0"/>
+                                  </p:stCondLst>
+                                  <p:childTnLst>
+                                    <p:set>
+                                      <p:cBhvr>
+                                        <p:cTn id="14" dur="1" fill="hold">
+                                          <p:stCondLst>
+                                            <p:cond delay="0"/>
+                                          </p:stCondLst>
+                                        </p:cTn>
+                                        <p:tgtEl>
+                                          <p:spTgt spid="16"/>
+                                        </p:tgtEl>
+                                        <p:attrNameLst>
+                                          <p:attrName>style.visibility</p:attrName>
+                                        </p:attrNameLst>
+                                      </p:cBhvr>
+                                      <p:to>
+                                        <p:strVal val="visible"/>
+                                      </p:to>
+                                    </p:set>
+                                  </p:childTnLst>
+                                </p:cTn>
+                              </p:par>
+                              <p:par>
+                                <p:cTn id="15" presetID="1" presetClass="entr" presetSubtype="0" fill="hold" grpId="0" nodeType="withEffect">
+                                  <p:stCondLst>
+                                    <p:cond delay="0"/>
+                                  </p:stCondLst>
+                                  <p:childTnLst>
+                                    <p:set>
+                                      <p:cBhvr>
+                                        <p:cTn id="16" dur="1" fill="hold">
+                                          <p:stCondLst>
+                                            <p:cond delay="0"/>
+                                          </p:stCondLst>
+                                        </p:cTn>
+                                        <p:tgtEl>
+                                          <p:spTgt spid="32"/>
+                                        </p:tgtEl>
+                                        <p:attrNameLst>
+                                          <p:attrName>style.visibility</p:attrName>
+                                        </p:attrNameLst>
+                                      </p:cBhvr>
+                                      <p:to>
+                                        <p:strVal val="visible"/>
+                                      </p:to>
+                                    </p:set>
+                                  </p:childTnLst>
+                                </p:cTn>
+                              </p:par>
+                              <p:par>
+                                <p:cTn id="17" presetID="1" presetClass="entr" presetSubtype="0" fill="hold" grpId="0" nodeType="withEffect">
+                                  <p:stCondLst>
+                                    <p:cond delay="0"/>
+                                  </p:stCondLst>
+                                  <p:childTnLst>
+                                    <p:set>
+                                      <p:cBhvr>
+                                        <p:cTn id="18" dur="1" fill="hold">
+                                          <p:stCondLst>
+                                            <p:cond delay="0"/>
+                                          </p:stCondLst>
+                                        </p:cTn>
+                                        <p:tgtEl>
+                                          <p:spTgt spid="19"/>
+                                        </p:tgtEl>
+                                        <p:attrNameLst>
+                                          <p:attrName>style.visibility</p:attrName>
+                                        </p:attrNameLst>
+                                      </p:cBhvr>
+                                      <p:to>
+                                        <p:strVal val="visible"/>
+                                      </p:to>
+                                    </p:set>
+                                  </p:childTnLst>
+                                </p:cTn>
+                              </p:par>
+                              <p:par>
+                                <p:cTn id="19" presetID="1" presetClass="entr" presetSubtype="0" fill="hold" grpId="0" nodeType="withEffect">
+                                  <p:stCondLst>
+                                    <p:cond delay="0"/>
+                                  </p:stCondLst>
+                                  <p:childTnLst>
+                                    <p:set>
+                                      <p:cBhvr>
+                                        <p:cTn id="20" dur="1" fill="hold">
+                                          <p:stCondLst>
+                                            <p:cond delay="0"/>
+                                          </p:stCondLst>
+                                        </p:cTn>
+                                        <p:tgtEl>
+                                          <p:spTgt spid="18"/>
                                         </p:tgtEl>
                                         <p:attrNameLst>
                                           <p:attrName>style.visibility</p:attrName>
@@ -39461,6 +39888,12 @@
     </p:tnLst>
     <p:bldLst>
       <p:bldP spid="26" grpId="0" animBg="1"/>
+      <p:bldP spid="19" grpId="0" animBg="1"/>
+      <p:bldP spid="28" grpId="0"/>
+      <p:bldP spid="30" grpId="0"/>
+      <p:bldP spid="18" grpId="0" animBg="1"/>
+      <p:bldP spid="32" grpId="0"/>
+      <p:bldP spid="16" grpId="0"/>
     </p:bldLst>
   </p:timing>
 </p:sld>
@@ -40444,7 +40877,7 @@
         </p:spPr>
         <p:txBody>
           <a:bodyPr>
-            <a:normAutofit fontScale="92500" lnSpcReduction="20000"/>
+            <a:normAutofit fontScale="85000" lnSpcReduction="20000"/>
           </a:bodyPr>
           <a:lstStyle/>
           <a:p>
@@ -40500,7 +40933,7 @@
             </a:pPr>
             <a:r>
               <a:rPr lang="en-US" sz="2800" b="1" dirty="0"/>
-              <a:t>Arcs:</a:t>
+              <a:t>Edges:</a:t>
             </a:r>
             <a:r>
               <a:rPr lang="en-US" sz="2800" dirty="0"/>
@@ -40612,7 +41045,7 @@
             </a:r>
             <a:r>
               <a:rPr lang="en-US" sz="2400" dirty="0"/>
-              <a:t> graph (DAG)</a:t>
+              <a:t> graph (DAG).</a:t>
             </a:r>
           </a:p>
           <a:p>
@@ -40628,16 +41061,12 @@
               <a:buNone/>
             </a:pPr>
             <a:r>
-              <a:rPr lang="en-US" sz="2700" dirty="0"/>
-              <a:t>A network with all random variables assigned represents a </a:t>
-            </a:r>
-            <a:r>
               <a:rPr lang="en-US" sz="2700" b="1" dirty="0"/>
-              <a:t>state of the system</a:t>
+              <a:t>Relationship to states in AI</a:t>
             </a:r>
             <a:r>
               <a:rPr lang="en-US" sz="2700" dirty="0"/>
-              <a:t>.</a:t>
+              <a:t>: A network can be seen as a factored state representation. If we assign a value to all random variables, then we have a state of the system.</a:t>
             </a:r>
           </a:p>
         </p:txBody>
@@ -41162,33 +41591,15 @@
                                   </p:childTnLst>
                                 </p:cTn>
                               </p:par>
-                            </p:childTnLst>
-                          </p:cTn>
-                        </p:par>
-                      </p:childTnLst>
-                    </p:cTn>
-                  </p:par>
-                  <p:par>
-                    <p:cTn id="17" fill="hold">
-                      <p:stCondLst>
-                        <p:cond delay="indefinite"/>
-                      </p:stCondLst>
-                      <p:childTnLst>
-                        <p:par>
-                          <p:cTn id="18" fill="hold">
-                            <p:stCondLst>
-                              <p:cond delay="0"/>
-                            </p:stCondLst>
-                            <p:childTnLst>
                               <p:par>
-                                <p:cTn id="19" presetID="1" presetClass="entr" presetSubtype="0" fill="hold" nodeType="clickEffect">
+                                <p:cTn id="17" presetID="1" presetClass="entr" presetSubtype="0" fill="hold" nodeType="withEffect">
                                   <p:stCondLst>
                                     <p:cond delay="0"/>
                                   </p:stCondLst>
                                   <p:childTnLst>
                                     <p:set>
                                       <p:cBhvr>
-                                        <p:cTn id="20" dur="1" fill="hold">
+                                        <p:cTn id="18" dur="1" fill="hold">
                                           <p:stCondLst>
                                             <p:cond delay="0"/>
                                           </p:stCondLst>
@@ -42026,11 +42437,227 @@
           </a:p>
         </p:txBody>
       </p:sp>
+      <p:grpSp>
+        <p:nvGrpSpPr>
+          <p:cNvPr id="17" name="Group 16">
+            <a:extLst>
+              <a:ext uri="{FF2B5EF4-FFF2-40B4-BE49-F238E27FC236}">
+                <a16:creationId xmlns:a16="http://schemas.microsoft.com/office/drawing/2014/main" id="{B553DF30-3FA6-7793-E8D6-450A9978717F}"/>
+              </a:ext>
+            </a:extLst>
+          </p:cNvPr>
+          <p:cNvGrpSpPr/>
+          <p:nvPr/>
+        </p:nvGrpSpPr>
+        <p:grpSpPr>
+          <a:xfrm>
+            <a:off x="3048000" y="3810000"/>
+            <a:ext cx="3124200" cy="990600"/>
+            <a:chOff x="3048000" y="3810000"/>
+            <a:chExt cx="3124200" cy="990600"/>
+          </a:xfrm>
+        </p:grpSpPr>
+        <p:cxnSp>
+          <p:nvCxnSpPr>
+            <p:cNvPr id="11" name="Straight Arrow Connector 10">
+              <a:extLst>
+                <a:ext uri="{FF2B5EF4-FFF2-40B4-BE49-F238E27FC236}">
+                  <a16:creationId xmlns:a16="http://schemas.microsoft.com/office/drawing/2014/main" id="{B7D9DFC1-D1AC-576D-3BCD-5130452221A0}"/>
+                </a:ext>
+              </a:extLst>
+            </p:cNvPr>
+            <p:cNvCxnSpPr/>
+            <p:nvPr/>
+          </p:nvCxnSpPr>
+          <p:spPr>
+            <a:xfrm>
+              <a:off x="3048000" y="3810000"/>
+              <a:ext cx="762000" cy="914400"/>
+            </a:xfrm>
+            <a:prstGeom prst="straightConnector1">
+              <a:avLst/>
+            </a:prstGeom>
+            <a:ln>
+              <a:headEnd type="triangle" w="med" len="med"/>
+              <a:tailEnd type="triangle" w="med" len="med"/>
+            </a:ln>
+          </p:spPr>
+          <p:style>
+            <a:lnRef idx="1">
+              <a:schemeClr val="accent1"/>
+            </a:lnRef>
+            <a:fillRef idx="0">
+              <a:schemeClr val="accent1"/>
+            </a:fillRef>
+            <a:effectRef idx="0">
+              <a:schemeClr val="accent1"/>
+            </a:effectRef>
+            <a:fontRef idx="minor">
+              <a:schemeClr val="tx1"/>
+            </a:fontRef>
+          </p:style>
+        </p:cxnSp>
+        <p:cxnSp>
+          <p:nvCxnSpPr>
+            <p:cNvPr id="14" name="Straight Arrow Connector 13">
+              <a:extLst>
+                <a:ext uri="{FF2B5EF4-FFF2-40B4-BE49-F238E27FC236}">
+                  <a16:creationId xmlns:a16="http://schemas.microsoft.com/office/drawing/2014/main" id="{C32F5828-7F0A-5334-8721-A59463C32453}"/>
+                </a:ext>
+              </a:extLst>
+            </p:cNvPr>
+            <p:cNvCxnSpPr/>
+            <p:nvPr/>
+          </p:nvCxnSpPr>
+          <p:spPr>
+            <a:xfrm>
+              <a:off x="4343400" y="3886200"/>
+              <a:ext cx="152400" cy="914400"/>
+            </a:xfrm>
+            <a:prstGeom prst="straightConnector1">
+              <a:avLst/>
+            </a:prstGeom>
+            <a:ln>
+              <a:headEnd type="triangle" w="med" len="med"/>
+              <a:tailEnd type="triangle" w="med" len="med"/>
+            </a:ln>
+          </p:spPr>
+          <p:style>
+            <a:lnRef idx="1">
+              <a:schemeClr val="accent1"/>
+            </a:lnRef>
+            <a:fillRef idx="0">
+              <a:schemeClr val="accent1"/>
+            </a:fillRef>
+            <a:effectRef idx="0">
+              <a:schemeClr val="accent1"/>
+            </a:effectRef>
+            <a:fontRef idx="minor">
+              <a:schemeClr val="tx1"/>
+            </a:fontRef>
+          </p:style>
+        </p:cxnSp>
+        <p:cxnSp>
+          <p:nvCxnSpPr>
+            <p:cNvPr id="16" name="Straight Arrow Connector 15">
+              <a:extLst>
+                <a:ext uri="{FF2B5EF4-FFF2-40B4-BE49-F238E27FC236}">
+                  <a16:creationId xmlns:a16="http://schemas.microsoft.com/office/drawing/2014/main" id="{24B27D94-624B-4578-743B-FD612CAEF350}"/>
+                </a:ext>
+              </a:extLst>
+            </p:cNvPr>
+            <p:cNvCxnSpPr/>
+            <p:nvPr/>
+          </p:nvCxnSpPr>
+          <p:spPr>
+            <a:xfrm flipH="1">
+              <a:off x="5334002" y="3810000"/>
+              <a:ext cx="838198" cy="990600"/>
+            </a:xfrm>
+            <a:prstGeom prst="straightConnector1">
+              <a:avLst/>
+            </a:prstGeom>
+            <a:ln>
+              <a:headEnd type="triangle" w="med" len="med"/>
+              <a:tailEnd type="triangle" w="med" len="med"/>
+            </a:ln>
+          </p:spPr>
+          <p:style>
+            <a:lnRef idx="1">
+              <a:schemeClr val="accent1"/>
+            </a:lnRef>
+            <a:fillRef idx="0">
+              <a:schemeClr val="accent1"/>
+            </a:fillRef>
+            <a:effectRef idx="0">
+              <a:schemeClr val="accent1"/>
+            </a:effectRef>
+            <a:fontRef idx="minor">
+              <a:schemeClr val="tx1"/>
+            </a:fontRef>
+          </p:style>
+        </p:cxnSp>
+      </p:grpSp>
     </p:spTree>
   </p:cSld>
   <p:clrMapOvr>
     <a:masterClrMapping/>
   </p:clrMapOvr>
+  <p:timing>
+    <p:tnLst>
+      <p:par>
+        <p:cTn id="1" dur="indefinite" restart="never" nodeType="tmRoot">
+          <p:childTnLst>
+            <p:seq concurrent="1" nextAc="seek">
+              <p:cTn id="2" dur="indefinite" nodeType="mainSeq">
+                <p:childTnLst>
+                  <p:par>
+                    <p:cTn id="3" fill="hold">
+                      <p:stCondLst>
+                        <p:cond delay="indefinite"/>
+                      </p:stCondLst>
+                      <p:childTnLst>
+                        <p:par>
+                          <p:cTn id="4" fill="hold">
+                            <p:stCondLst>
+                              <p:cond delay="0"/>
+                            </p:stCondLst>
+                            <p:childTnLst>
+                              <p:par>
+                                <p:cTn id="5" presetID="1" presetClass="entr" presetSubtype="0" fill="hold" nodeType="clickEffect">
+                                  <p:stCondLst>
+                                    <p:cond delay="0"/>
+                                  </p:stCondLst>
+                                  <p:childTnLst>
+                                    <p:set>
+                                      <p:cBhvr>
+                                        <p:cTn id="6" dur="1" fill="hold">
+                                          <p:stCondLst>
+                                            <p:cond delay="0"/>
+                                          </p:stCondLst>
+                                        </p:cTn>
+                                        <p:tgtEl>
+                                          <p:spTgt spid="17"/>
+                                        </p:tgtEl>
+                                        <p:attrNameLst>
+                                          <p:attrName>style.visibility</p:attrName>
+                                        </p:attrNameLst>
+                                      </p:cBhvr>
+                                      <p:to>
+                                        <p:strVal val="visible"/>
+                                      </p:to>
+                                    </p:set>
+                                  </p:childTnLst>
+                                </p:cTn>
+                              </p:par>
+                            </p:childTnLst>
+                          </p:cTn>
+                        </p:par>
+                      </p:childTnLst>
+                    </p:cTn>
+                  </p:par>
+                </p:childTnLst>
+              </p:cTn>
+              <p:prevCondLst>
+                <p:cond evt="onPrev" delay="0">
+                  <p:tgtEl>
+                    <p:sldTgt/>
+                  </p:tgtEl>
+                </p:cond>
+              </p:prevCondLst>
+              <p:nextCondLst>
+                <p:cond evt="onNext" delay="0">
+                  <p:tgtEl>
+                    <p:sldTgt/>
+                  </p:tgtEl>
+                </p:cond>
+              </p:nextCondLst>
+            </p:seq>
+          </p:childTnLst>
+        </p:cTn>
+      </p:par>
+    </p:tnLst>
+  </p:timing>
 </p:sld>
 </file>
 
@@ -42073,8 +42700,8 @@
           </a:p>
         </p:txBody>
       </p:sp>
-      <mc:AlternateContent xmlns:mc="http://schemas.openxmlformats.org/markup-compatibility/2006" xmlns:a14="http://schemas.microsoft.com/office/drawing/2010/main">
-        <mc:Choice Requires="a14">
+      <mc:AlternateContent xmlns:mc="http://schemas.openxmlformats.org/markup-compatibility/2006">
+        <mc:Choice xmlns:a14="http://schemas.microsoft.com/office/drawing/2010/main" Requires="a14">
           <p:sp>
             <p:nvSpPr>
               <p:cNvPr id="19" name="Content Placeholder 18"/>
@@ -42087,7 +42714,7 @@
             </p:nvSpPr>
             <p:spPr>
               <a:xfrm>
-                <a:off x="628650" y="1690690"/>
+                <a:off x="628650" y="1564869"/>
                 <a:ext cx="7886700" cy="1645546"/>
               </a:xfrm>
             </p:spPr>
@@ -42203,7 +42830,7 @@
             </p:txBody>
           </p:sp>
         </mc:Choice>
-        <mc:Fallback xmlns="">
+        <mc:Fallback>
           <p:sp>
             <p:nvSpPr>
               <p:cNvPr id="19" name="Content Placeholder 18"/>
@@ -42216,7 +42843,7 @@
             </p:nvSpPr>
             <p:spPr>
               <a:xfrm>
-                <a:off x="628650" y="1690690"/>
+                <a:off x="628650" y="1564869"/>
                 <a:ext cx="7886700" cy="1645546"/>
               </a:xfrm>
               <a:blipFill>
@@ -42258,7 +42885,7 @@
         </p:nvGrpSpPr>
         <p:grpSpPr>
           <a:xfrm>
-            <a:off x="2514600" y="3352800"/>
+            <a:off x="2514600" y="3124200"/>
             <a:ext cx="4114800" cy="2306029"/>
             <a:chOff x="2552700" y="4018571"/>
             <a:chExt cx="4114800" cy="2306029"/>
@@ -43285,11 +43912,234 @@
           </p:sp>
         </mc:Fallback>
       </mc:AlternateContent>
+      <p:grpSp>
+        <p:nvGrpSpPr>
+          <p:cNvPr id="23" name="Group 22">
+            <a:extLst>
+              <a:ext uri="{FF2B5EF4-FFF2-40B4-BE49-F238E27FC236}">
+                <a16:creationId xmlns:a16="http://schemas.microsoft.com/office/drawing/2014/main" id="{5EF87A7B-7D4D-9772-2765-5AD0F053F221}"/>
+              </a:ext>
+            </a:extLst>
+          </p:cNvPr>
+          <p:cNvGrpSpPr/>
+          <p:nvPr/>
+        </p:nvGrpSpPr>
+        <p:grpSpPr>
+          <a:xfrm>
+            <a:off x="3048000" y="5430229"/>
+            <a:ext cx="3429000" cy="513371"/>
+            <a:chOff x="3048000" y="5430229"/>
+            <a:chExt cx="3429000" cy="513371"/>
+          </a:xfrm>
+        </p:grpSpPr>
+        <p:cxnSp>
+          <p:nvCxnSpPr>
+            <p:cNvPr id="10" name="Straight Arrow Connector 9">
+              <a:extLst>
+                <a:ext uri="{FF2B5EF4-FFF2-40B4-BE49-F238E27FC236}">
+                  <a16:creationId xmlns:a16="http://schemas.microsoft.com/office/drawing/2014/main" id="{E6DB3DB4-EA97-9B0A-4AD5-17A1DD991733}"/>
+                </a:ext>
+              </a:extLst>
+            </p:cNvPr>
+            <p:cNvCxnSpPr>
+              <a:cxnSpLocks/>
+              <a:endCxn id="11" idx="0"/>
+            </p:cNvCxnSpPr>
+            <p:nvPr/>
+          </p:nvCxnSpPr>
+          <p:spPr>
+            <a:xfrm>
+              <a:off x="3048000" y="5430229"/>
+              <a:ext cx="1524000" cy="513371"/>
+            </a:xfrm>
+            <a:prstGeom prst="straightConnector1">
+              <a:avLst/>
+            </a:prstGeom>
+            <a:ln>
+              <a:headEnd type="triangle" w="med" len="med"/>
+              <a:tailEnd type="triangle" w="med" len="med"/>
+            </a:ln>
+          </p:spPr>
+          <p:style>
+            <a:lnRef idx="1">
+              <a:schemeClr val="accent1"/>
+            </a:lnRef>
+            <a:fillRef idx="0">
+              <a:schemeClr val="accent1"/>
+            </a:fillRef>
+            <a:effectRef idx="0">
+              <a:schemeClr val="accent1"/>
+            </a:effectRef>
+            <a:fontRef idx="minor">
+              <a:schemeClr val="tx1"/>
+            </a:fontRef>
+          </p:style>
+        </p:cxnSp>
+        <p:cxnSp>
+          <p:nvCxnSpPr>
+            <p:cNvPr id="17" name="Straight Arrow Connector 16">
+              <a:extLst>
+                <a:ext uri="{FF2B5EF4-FFF2-40B4-BE49-F238E27FC236}">
+                  <a16:creationId xmlns:a16="http://schemas.microsoft.com/office/drawing/2014/main" id="{FBD6E393-F49B-2423-6601-D843755831BD}"/>
+                </a:ext>
+              </a:extLst>
+            </p:cNvPr>
+            <p:cNvCxnSpPr>
+              <a:cxnSpLocks/>
+            </p:cNvCxnSpPr>
+            <p:nvPr/>
+          </p:nvCxnSpPr>
+          <p:spPr>
+            <a:xfrm>
+              <a:off x="4572000" y="5430229"/>
+              <a:ext cx="925483" cy="513371"/>
+            </a:xfrm>
+            <a:prstGeom prst="straightConnector1">
+              <a:avLst/>
+            </a:prstGeom>
+            <a:ln>
+              <a:headEnd type="triangle" w="med" len="med"/>
+              <a:tailEnd type="triangle" w="med" len="med"/>
+            </a:ln>
+          </p:spPr>
+          <p:style>
+            <a:lnRef idx="1">
+              <a:schemeClr val="accent1"/>
+            </a:lnRef>
+            <a:fillRef idx="0">
+              <a:schemeClr val="accent1"/>
+            </a:fillRef>
+            <a:effectRef idx="0">
+              <a:schemeClr val="accent1"/>
+            </a:effectRef>
+            <a:fontRef idx="minor">
+              <a:schemeClr val="tx1"/>
+            </a:fontRef>
+          </p:style>
+        </p:cxnSp>
+        <p:cxnSp>
+          <p:nvCxnSpPr>
+            <p:cNvPr id="21" name="Straight Arrow Connector 20">
+              <a:extLst>
+                <a:ext uri="{FF2B5EF4-FFF2-40B4-BE49-F238E27FC236}">
+                  <a16:creationId xmlns:a16="http://schemas.microsoft.com/office/drawing/2014/main" id="{5A78C40C-480C-1476-9647-D4C43AA1465C}"/>
+                </a:ext>
+              </a:extLst>
+            </p:cNvPr>
+            <p:cNvCxnSpPr>
+              <a:cxnSpLocks/>
+            </p:cNvCxnSpPr>
+            <p:nvPr/>
+          </p:nvCxnSpPr>
+          <p:spPr>
+            <a:xfrm>
+              <a:off x="6324600" y="5486400"/>
+              <a:ext cx="152400" cy="457200"/>
+            </a:xfrm>
+            <a:prstGeom prst="straightConnector1">
+              <a:avLst/>
+            </a:prstGeom>
+            <a:ln>
+              <a:headEnd type="triangle" w="med" len="med"/>
+              <a:tailEnd type="triangle" w="med" len="med"/>
+            </a:ln>
+          </p:spPr>
+          <p:style>
+            <a:lnRef idx="1">
+              <a:schemeClr val="accent1"/>
+            </a:lnRef>
+            <a:fillRef idx="0">
+              <a:schemeClr val="accent1"/>
+            </a:fillRef>
+            <a:effectRef idx="0">
+              <a:schemeClr val="accent1"/>
+            </a:effectRef>
+            <a:fontRef idx="minor">
+              <a:schemeClr val="tx1"/>
+            </a:fontRef>
+          </p:style>
+        </p:cxnSp>
+      </p:grpSp>
     </p:spTree>
   </p:cSld>
   <p:clrMapOvr>
     <a:masterClrMapping/>
   </p:clrMapOvr>
+  <p:timing>
+    <p:tnLst>
+      <p:par>
+        <p:cTn id="1" dur="indefinite" restart="never" nodeType="tmRoot">
+          <p:childTnLst>
+            <p:seq concurrent="1" nextAc="seek">
+              <p:cTn id="2" dur="indefinite" nodeType="mainSeq">
+                <p:childTnLst>
+                  <p:par>
+                    <p:cTn id="3" fill="hold">
+                      <p:stCondLst>
+                        <p:cond delay="indefinite"/>
+                      </p:stCondLst>
+                      <p:childTnLst>
+                        <p:par>
+                          <p:cTn id="4" fill="hold">
+                            <p:stCondLst>
+                              <p:cond delay="0"/>
+                            </p:stCondLst>
+                            <p:childTnLst>
+                              <p:par>
+                                <p:cTn id="5" presetID="1" presetClass="entr" presetSubtype="0" fill="hold" nodeType="clickEffect">
+                                  <p:stCondLst>
+                                    <p:cond delay="0"/>
+                                  </p:stCondLst>
+                                  <p:childTnLst>
+                                    <p:set>
+                                      <p:cBhvr>
+                                        <p:cTn id="6" dur="1" fill="hold">
+                                          <p:stCondLst>
+                                            <p:cond delay="0"/>
+                                          </p:stCondLst>
+                                        </p:cTn>
+                                        <p:tgtEl>
+                                          <p:spTgt spid="23"/>
+                                        </p:tgtEl>
+                                        <p:attrNameLst>
+                                          <p:attrName>style.visibility</p:attrName>
+                                        </p:attrNameLst>
+                                      </p:cBhvr>
+                                      <p:to>
+                                        <p:strVal val="visible"/>
+                                      </p:to>
+                                    </p:set>
+                                  </p:childTnLst>
+                                </p:cTn>
+                              </p:par>
+                            </p:childTnLst>
+                          </p:cTn>
+                        </p:par>
+                      </p:childTnLst>
+                    </p:cTn>
+                  </p:par>
+                </p:childTnLst>
+              </p:cTn>
+              <p:prevCondLst>
+                <p:cond evt="onPrev" delay="0">
+                  <p:tgtEl>
+                    <p:sldTgt/>
+                  </p:tgtEl>
+                </p:cond>
+              </p:prevCondLst>
+              <p:nextCondLst>
+                <p:cond evt="onNext" delay="0">
+                  <p:tgtEl>
+                    <p:sldTgt/>
+                  </p:tgtEl>
+                </p:cond>
+              </p:nextCondLst>
+            </p:seq>
+          </p:childTnLst>
+        </p:cTn>
+      </p:par>
+    </p:tnLst>
+  </p:timing>
 </p:sld>
 </file>
 
@@ -43312,7 +44162,7 @@
       </p:grpSpPr>
       <p:sp>
         <p:nvSpPr>
-          <p:cNvPr id="7170" name="Rectangle 2"/>
+          <p:cNvPr id="5122" name="Rectangle 2"/>
           <p:cNvSpPr>
             <a:spLocks noGrp="1" noChangeArrowheads="1"/>
           </p:cNvSpPr>
@@ -43327,147 +44177,845 @@
           <a:p>
             <a:r>
               <a:rPr lang="en-US" dirty="0"/>
-              <a:t>Example: Burglar Alarm</a:t>
+              <a:t>Causal Chains: Dependence</a:t>
+            </a:r>
+          </a:p>
+        </p:txBody>
+      </p:sp>
+      <mc:AlternateContent xmlns:mc="http://schemas.openxmlformats.org/markup-compatibility/2006" xmlns:a14="http://schemas.microsoft.com/office/drawing/2010/main">
+        <mc:Choice Requires="a14">
+          <p:sp>
+            <p:nvSpPr>
+              <p:cNvPr id="5123" name="Rectangle 3"/>
+              <p:cNvSpPr>
+                <a:spLocks noGrp="1" noChangeArrowheads="1"/>
+              </p:cNvSpPr>
+              <p:nvPr>
+                <p:ph idx="1"/>
+              </p:nvPr>
+            </p:nvSpPr>
+            <p:spPr>
+              <a:xfrm>
+                <a:off x="628650" y="1828799"/>
+                <a:ext cx="7886700" cy="4724401"/>
+              </a:xfrm>
+            </p:spPr>
+            <p:txBody>
+              <a:bodyPr>
+                <a:normAutofit/>
+              </a:bodyPr>
+              <a:lstStyle/>
+              <a:p>
+                <a:r>
+                  <a:rPr lang="en-US" sz="2400" dirty="0"/>
+                  <a:t>Example: </a:t>
+                </a:r>
+                <a:r>
+                  <a:rPr lang="en-US" sz="2400" i="1" dirty="0"/>
+                  <a:t>causal chain</a:t>
+                </a:r>
+              </a:p>
+              <a:p>
+                <a:endParaRPr lang="en-US" sz="2400" i="1" dirty="0"/>
+              </a:p>
+              <a:p>
+                <a:pPr marL="0" indent="0">
+                  <a:buNone/>
+                </a:pPr>
+                <a:endParaRPr lang="en-US" sz="2400" i="1" dirty="0"/>
+              </a:p>
+              <a:p>
+                <a:pPr marL="0" indent="0">
+                  <a:buNone/>
+                </a:pPr>
+                <a:endParaRPr lang="en-US" sz="2400" dirty="0"/>
+              </a:p>
+              <a:p>
+                <a:r>
+                  <a:rPr lang="en-US" sz="2400" dirty="0"/>
+                  <a:t>Are X and Z independent?</a:t>
+                </a:r>
+              </a:p>
+              <a:p>
+                <a:endParaRPr lang="en-US" sz="2400" dirty="0"/>
+              </a:p>
+              <a:p>
+                <a:pPr marL="0" indent="0">
+                  <a:buNone/>
+                </a:pPr>
+                <a:r>
+                  <a:rPr lang="en-US" sz="2000" b="0" dirty="0"/>
+                  <a:t>1. Conditioning: 	    </a:t>
+                </a:r>
+                <a14:m>
+                  <m:oMath xmlns:m="http://schemas.openxmlformats.org/officeDocument/2006/math">
+                    <m:r>
+                      <a:rPr lang="en-US" sz="2000" b="0" i="1" smtClean="0">
+                        <a:latin typeface="Cambria Math" panose="02040503050406030204" pitchFamily="18" charset="0"/>
+                      </a:rPr>
+                      <m:t>𝑃</m:t>
+                    </m:r>
+                    <m:d>
+                      <m:dPr>
+                        <m:ctrlPr>
+                          <a:rPr lang="en-US" sz="2000" b="0" i="1" smtClean="0">
+                            <a:latin typeface="Cambria Math" panose="02040503050406030204" pitchFamily="18" charset="0"/>
+                          </a:rPr>
+                        </m:ctrlPr>
+                      </m:dPr>
+                      <m:e>
+                        <m:r>
+                          <a:rPr lang="en-US" sz="2000" b="0" i="1" smtClean="0">
+                            <a:latin typeface="Cambria Math" panose="02040503050406030204" pitchFamily="18" charset="0"/>
+                          </a:rPr>
+                          <m:t>𝑋</m:t>
+                        </m:r>
+                        <m:r>
+                          <a:rPr lang="en-US" sz="2000" b="0" i="1" smtClean="0">
+                            <a:latin typeface="Cambria Math" panose="02040503050406030204" pitchFamily="18" charset="0"/>
+                          </a:rPr>
+                          <m:t>,</m:t>
+                        </m:r>
+                        <m:r>
+                          <a:rPr lang="en-US" sz="2000" b="0" i="1" smtClean="0">
+                            <a:latin typeface="Cambria Math" panose="02040503050406030204" pitchFamily="18" charset="0"/>
+                          </a:rPr>
+                          <m:t>𝑌</m:t>
+                        </m:r>
+                        <m:r>
+                          <a:rPr lang="en-US" sz="2000" b="0" i="1" smtClean="0">
+                            <a:latin typeface="Cambria Math" panose="02040503050406030204" pitchFamily="18" charset="0"/>
+                          </a:rPr>
+                          <m:t>,</m:t>
+                        </m:r>
+                        <m:r>
+                          <a:rPr lang="en-US" sz="2000" b="0" i="1" smtClean="0">
+                            <a:latin typeface="Cambria Math" panose="02040503050406030204" pitchFamily="18" charset="0"/>
+                          </a:rPr>
+                          <m:t>𝑍</m:t>
+                        </m:r>
+                      </m:e>
+                    </m:d>
+                    <m:r>
+                      <a:rPr lang="en-US" sz="2000" b="0" i="1" smtClean="0">
+                        <a:latin typeface="Cambria Math" panose="02040503050406030204" pitchFamily="18" charset="0"/>
+                      </a:rPr>
+                      <m:t>=</m:t>
+                    </m:r>
+                    <m:r>
+                      <a:rPr lang="en-US" sz="2000" b="0" i="1" smtClean="0">
+                        <a:latin typeface="Cambria Math" panose="02040503050406030204" pitchFamily="18" charset="0"/>
+                      </a:rPr>
+                      <m:t>𝑃</m:t>
+                    </m:r>
+                    <m:d>
+                      <m:dPr>
+                        <m:ctrlPr>
+                          <a:rPr lang="en-US" sz="2000" b="0" i="1" smtClean="0">
+                            <a:latin typeface="Cambria Math" panose="02040503050406030204" pitchFamily="18" charset="0"/>
+                          </a:rPr>
+                        </m:ctrlPr>
+                      </m:dPr>
+                      <m:e>
+                        <m:r>
+                          <a:rPr lang="en-US" sz="2000" b="0" i="1" smtClean="0">
+                            <a:latin typeface="Cambria Math" panose="02040503050406030204" pitchFamily="18" charset="0"/>
+                          </a:rPr>
+                          <m:t>𝑋</m:t>
+                        </m:r>
+                      </m:e>
+                    </m:d>
+                    <m:r>
+                      <a:rPr lang="en-US" sz="2000" b="0" i="1" smtClean="0">
+                        <a:latin typeface="Cambria Math" panose="02040503050406030204" pitchFamily="18" charset="0"/>
+                      </a:rPr>
+                      <m:t>𝑃</m:t>
+                    </m:r>
+                    <m:d>
+                      <m:dPr>
+                        <m:ctrlPr>
+                          <a:rPr lang="en-US" sz="2000" b="0" i="1" smtClean="0">
+                            <a:latin typeface="Cambria Math" panose="02040503050406030204" pitchFamily="18" charset="0"/>
+                          </a:rPr>
+                        </m:ctrlPr>
+                      </m:dPr>
+                      <m:e>
+                        <m:r>
+                          <a:rPr lang="en-US" sz="2000" b="0" i="1" smtClean="0">
+                            <a:latin typeface="Cambria Math" panose="02040503050406030204" pitchFamily="18" charset="0"/>
+                          </a:rPr>
+                          <m:t>𝑌</m:t>
+                        </m:r>
+                      </m:e>
+                      <m:e>
+                        <m:r>
+                          <a:rPr lang="en-US" sz="2000" b="0" i="1" smtClean="0">
+                            <a:latin typeface="Cambria Math" panose="02040503050406030204" pitchFamily="18" charset="0"/>
+                          </a:rPr>
+                          <m:t>𝑋</m:t>
+                        </m:r>
+                      </m:e>
+                    </m:d>
+                    <m:r>
+                      <a:rPr lang="en-US" sz="2000" b="0" i="1" smtClean="0">
+                        <a:latin typeface="Cambria Math" panose="02040503050406030204" pitchFamily="18" charset="0"/>
+                      </a:rPr>
+                      <m:t>𝑃</m:t>
+                    </m:r>
+                    <m:d>
+                      <m:dPr>
+                        <m:ctrlPr>
+                          <a:rPr lang="en-US" sz="2000" b="0" i="1" smtClean="0">
+                            <a:latin typeface="Cambria Math" panose="02040503050406030204" pitchFamily="18" charset="0"/>
+                          </a:rPr>
+                        </m:ctrlPr>
+                      </m:dPr>
+                      <m:e>
+                        <m:r>
+                          <a:rPr lang="en-US" sz="2000" b="0" i="1" smtClean="0">
+                            <a:latin typeface="Cambria Math" panose="02040503050406030204" pitchFamily="18" charset="0"/>
+                          </a:rPr>
+                          <m:t>𝑍</m:t>
+                        </m:r>
+                      </m:e>
+                      <m:e>
+                        <m:r>
+                          <a:rPr lang="en-US" sz="2000" b="0" i="1" smtClean="0">
+                            <a:latin typeface="Cambria Math" panose="02040503050406030204" pitchFamily="18" charset="0"/>
+                          </a:rPr>
+                          <m:t>𝑌</m:t>
+                        </m:r>
+                      </m:e>
+                    </m:d>
+                  </m:oMath>
+                </a14:m>
+                <a:endParaRPr lang="en-US" sz="2000" b="0" dirty="0"/>
+              </a:p>
+              <a:p>
+                <a:pPr marL="0" indent="0">
+                  <a:buNone/>
+                </a:pPr>
+                <a:r>
+                  <a:rPr lang="en-US" sz="2000" dirty="0"/>
+                  <a:t>2. Marginalize over </a:t>
+                </a:r>
+                <a14:m>
+                  <m:oMath xmlns:m="http://schemas.openxmlformats.org/officeDocument/2006/math">
+                    <m:r>
+                      <a:rPr lang="en-US" sz="2000" i="1" dirty="0" smtClean="0">
+                        <a:latin typeface="Cambria Math" panose="02040503050406030204" pitchFamily="18" charset="0"/>
+                      </a:rPr>
+                      <m:t>𝑦</m:t>
+                    </m:r>
+                  </m:oMath>
+                </a14:m>
+                <a:r>
+                  <a:rPr lang="en-US" sz="2000" dirty="0"/>
+                  <a:t>: </a:t>
+                </a:r>
+                <a14:m>
+                  <m:oMath xmlns:m="http://schemas.openxmlformats.org/officeDocument/2006/math">
+                    <m:r>
+                      <a:rPr lang="en-US" sz="2000" b="0" i="1" smtClean="0">
+                        <a:latin typeface="Cambria Math" panose="02040503050406030204" pitchFamily="18" charset="0"/>
+                      </a:rPr>
+                      <m:t>𝑃</m:t>
+                    </m:r>
+                    <m:d>
+                      <m:dPr>
+                        <m:ctrlPr>
+                          <a:rPr lang="en-US" sz="2000" b="0" i="1" smtClean="0">
+                            <a:latin typeface="Cambria Math" panose="02040503050406030204" pitchFamily="18" charset="0"/>
+                          </a:rPr>
+                        </m:ctrlPr>
+                      </m:dPr>
+                      <m:e>
+                        <m:r>
+                          <a:rPr lang="en-US" sz="2000" b="0" i="1" smtClean="0">
+                            <a:latin typeface="Cambria Math" panose="02040503050406030204" pitchFamily="18" charset="0"/>
+                          </a:rPr>
+                          <m:t>𝑋</m:t>
+                        </m:r>
+                        <m:r>
+                          <a:rPr lang="en-US" sz="2000" b="0" i="1" smtClean="0">
+                            <a:latin typeface="Cambria Math" panose="02040503050406030204" pitchFamily="18" charset="0"/>
+                          </a:rPr>
+                          <m:t>,</m:t>
+                        </m:r>
+                        <m:r>
+                          <a:rPr lang="en-US" sz="2000" b="0" i="1" smtClean="0">
+                            <a:latin typeface="Cambria Math" panose="02040503050406030204" pitchFamily="18" charset="0"/>
+                          </a:rPr>
+                          <m:t>𝑍</m:t>
+                        </m:r>
+                      </m:e>
+                    </m:d>
+                    <m:r>
+                      <a:rPr lang="en-US" sz="2000" b="0" i="1" smtClean="0">
+                        <a:latin typeface="Cambria Math" panose="02040503050406030204" pitchFamily="18" charset="0"/>
+                      </a:rPr>
+                      <m:t>=</m:t>
+                    </m:r>
+                    <m:nary>
+                      <m:naryPr>
+                        <m:chr m:val="∑"/>
+                        <m:supHide m:val="on"/>
+                        <m:ctrlPr>
+                          <a:rPr lang="en-US" sz="2000" b="0" i="1" smtClean="0">
+                            <a:latin typeface="Cambria Math" panose="02040503050406030204" pitchFamily="18" charset="0"/>
+                          </a:rPr>
+                        </m:ctrlPr>
+                      </m:naryPr>
+                      <m:sub>
+                        <m:r>
+                          <m:rPr>
+                            <m:brk m:alnAt="7"/>
+                          </m:rPr>
+                          <a:rPr lang="en-US" sz="2000" b="0" i="1" smtClean="0">
+                            <a:latin typeface="Cambria Math" panose="02040503050406030204" pitchFamily="18" charset="0"/>
+                          </a:rPr>
+                          <m:t>𝑦</m:t>
+                        </m:r>
+                      </m:sub>
+                      <m:sup/>
+                      <m:e>
+                        <m:r>
+                          <a:rPr lang="en-US" sz="2000" b="0" i="1" smtClean="0">
+                            <a:latin typeface="Cambria Math" panose="02040503050406030204" pitchFamily="18" charset="0"/>
+                          </a:rPr>
+                          <m:t>𝑃</m:t>
+                        </m:r>
+                        <m:d>
+                          <m:dPr>
+                            <m:ctrlPr>
+                              <a:rPr lang="en-US" sz="2000" b="0" i="1" smtClean="0">
+                                <a:latin typeface="Cambria Math" panose="02040503050406030204" pitchFamily="18" charset="0"/>
+                              </a:rPr>
+                            </m:ctrlPr>
+                          </m:dPr>
+                          <m:e>
+                            <m:r>
+                              <a:rPr lang="en-US" sz="2000" b="0" i="1" smtClean="0">
+                                <a:latin typeface="Cambria Math" panose="02040503050406030204" pitchFamily="18" charset="0"/>
+                              </a:rPr>
+                              <m:t>𝑋</m:t>
+                            </m:r>
+                          </m:e>
+                        </m:d>
+                        <m:r>
+                          <a:rPr lang="en-US" sz="2000" b="0" i="1" smtClean="0">
+                            <a:latin typeface="Cambria Math" panose="02040503050406030204" pitchFamily="18" charset="0"/>
+                          </a:rPr>
+                          <m:t>𝑃</m:t>
+                        </m:r>
+                        <m:d>
+                          <m:dPr>
+                            <m:ctrlPr>
+                              <a:rPr lang="en-US" sz="2000" b="0" i="1" smtClean="0">
+                                <a:latin typeface="Cambria Math" panose="02040503050406030204" pitchFamily="18" charset="0"/>
+                              </a:rPr>
+                            </m:ctrlPr>
+                          </m:dPr>
+                          <m:e>
+                            <m:r>
+                              <a:rPr lang="en-US" sz="2000" b="0" i="1" smtClean="0">
+                                <a:latin typeface="Cambria Math" panose="02040503050406030204" pitchFamily="18" charset="0"/>
+                              </a:rPr>
+                              <m:t>𝑦</m:t>
+                            </m:r>
+                          </m:e>
+                          <m:e>
+                            <m:r>
+                              <a:rPr lang="en-US" sz="2000" b="0" i="1" smtClean="0">
+                                <a:latin typeface="Cambria Math" panose="02040503050406030204" pitchFamily="18" charset="0"/>
+                              </a:rPr>
+                              <m:t>𝑋</m:t>
+                            </m:r>
+                          </m:e>
+                        </m:d>
+                        <m:r>
+                          <a:rPr lang="en-US" sz="2000" b="0" i="1" smtClean="0">
+                            <a:latin typeface="Cambria Math" panose="02040503050406030204" pitchFamily="18" charset="0"/>
+                          </a:rPr>
+                          <m:t>𝑃</m:t>
+                        </m:r>
+                        <m:d>
+                          <m:dPr>
+                            <m:ctrlPr>
+                              <a:rPr lang="en-US" sz="2000" b="0" i="1" smtClean="0">
+                                <a:latin typeface="Cambria Math" panose="02040503050406030204" pitchFamily="18" charset="0"/>
+                              </a:rPr>
+                            </m:ctrlPr>
+                          </m:dPr>
+                          <m:e>
+                            <m:r>
+                              <a:rPr lang="en-US" sz="2000" b="0" i="1" smtClean="0">
+                                <a:latin typeface="Cambria Math" panose="02040503050406030204" pitchFamily="18" charset="0"/>
+                              </a:rPr>
+                              <m:t>𝑍</m:t>
+                            </m:r>
+                          </m:e>
+                          <m:e>
+                            <m:r>
+                              <a:rPr lang="en-US" sz="2000" b="0" i="1" smtClean="0">
+                                <a:latin typeface="Cambria Math" panose="02040503050406030204" pitchFamily="18" charset="0"/>
+                              </a:rPr>
+                              <m:t>𝑦</m:t>
+                            </m:r>
+                          </m:e>
+                        </m:d>
+                      </m:e>
+                    </m:nary>
+                  </m:oMath>
+                </a14:m>
+                <a:br>
+                  <a:rPr lang="en-US" sz="2000" b="0" i="1" dirty="0">
+                    <a:latin typeface="Cambria Math" panose="02040503050406030204" pitchFamily="18" charset="0"/>
+                  </a:rPr>
+                </a:br>
+                <a:r>
+                  <a:rPr lang="en-US" sz="2000" b="0" i="1" dirty="0">
+                    <a:latin typeface="Cambria Math" panose="02040503050406030204" pitchFamily="18" charset="0"/>
+                  </a:rPr>
+                  <a:t>				 </a:t>
+                </a:r>
+                <a14:m>
+                  <m:oMath xmlns:m="http://schemas.openxmlformats.org/officeDocument/2006/math">
+                    <m:r>
+                      <a:rPr lang="en-US" sz="2000" i="1">
+                        <a:latin typeface="Cambria Math" panose="02040503050406030204" pitchFamily="18" charset="0"/>
+                      </a:rPr>
+                      <m:t>=</m:t>
+                    </m:r>
+                    <m:r>
+                      <a:rPr lang="en-US" sz="2000" b="0" i="1" smtClean="0">
+                        <a:latin typeface="Cambria Math" panose="02040503050406030204" pitchFamily="18" charset="0"/>
+                      </a:rPr>
+                      <m:t> </m:t>
+                    </m:r>
+                    <m:r>
+                      <a:rPr lang="en-US" sz="2000" b="0" i="1" smtClean="0">
+                        <a:latin typeface="Cambria Math" panose="02040503050406030204" pitchFamily="18" charset="0"/>
+                      </a:rPr>
+                      <m:t>𝑃</m:t>
+                    </m:r>
+                    <m:d>
+                      <m:dPr>
+                        <m:ctrlPr>
+                          <a:rPr lang="en-US" sz="2000" b="0" i="1" smtClean="0">
+                            <a:latin typeface="Cambria Math" panose="02040503050406030204" pitchFamily="18" charset="0"/>
+                          </a:rPr>
+                        </m:ctrlPr>
+                      </m:dPr>
+                      <m:e>
+                        <m:r>
+                          <a:rPr lang="en-US" sz="2000" b="0" i="1" smtClean="0">
+                            <a:latin typeface="Cambria Math" panose="02040503050406030204" pitchFamily="18" charset="0"/>
+                          </a:rPr>
+                          <m:t>𝑋</m:t>
+                        </m:r>
+                      </m:e>
+                    </m:d>
+                    <m:nary>
+                      <m:naryPr>
+                        <m:chr m:val="∑"/>
+                        <m:supHide m:val="on"/>
+                        <m:ctrlPr>
+                          <a:rPr lang="en-US" sz="2000" b="0" i="1" smtClean="0">
+                            <a:latin typeface="Cambria Math" panose="02040503050406030204" pitchFamily="18" charset="0"/>
+                          </a:rPr>
+                        </m:ctrlPr>
+                      </m:naryPr>
+                      <m:sub>
+                        <m:r>
+                          <a:rPr lang="en-US" sz="2000" b="0" i="1" smtClean="0">
+                            <a:latin typeface="Cambria Math" panose="02040503050406030204" pitchFamily="18" charset="0"/>
+                          </a:rPr>
+                          <m:t>𝑦</m:t>
+                        </m:r>
+                      </m:sub>
+                      <m:sup/>
+                      <m:e>
+                        <m:r>
+                          <a:rPr lang="en-US" sz="2000" b="0" i="1" smtClean="0">
+                            <a:latin typeface="Cambria Math" panose="02040503050406030204" pitchFamily="18" charset="0"/>
+                          </a:rPr>
+                          <m:t>𝑃</m:t>
+                        </m:r>
+                        <m:d>
+                          <m:dPr>
+                            <m:ctrlPr>
+                              <a:rPr lang="en-US" sz="2000" b="0" i="1" smtClean="0">
+                                <a:latin typeface="Cambria Math" panose="02040503050406030204" pitchFamily="18" charset="0"/>
+                              </a:rPr>
+                            </m:ctrlPr>
+                          </m:dPr>
+                          <m:e>
+                            <m:r>
+                              <a:rPr lang="en-US" sz="2000" b="0" i="1" smtClean="0">
+                                <a:latin typeface="Cambria Math" panose="02040503050406030204" pitchFamily="18" charset="0"/>
+                              </a:rPr>
+                              <m:t>𝑍</m:t>
+                            </m:r>
+                          </m:e>
+                          <m:e>
+                            <m:r>
+                              <a:rPr lang="en-US" sz="2000" b="0" i="1" smtClean="0">
+                                <a:latin typeface="Cambria Math" panose="02040503050406030204" pitchFamily="18" charset="0"/>
+                              </a:rPr>
+                              <m:t>𝑦</m:t>
+                            </m:r>
+                          </m:e>
+                        </m:d>
+                        <m:r>
+                          <a:rPr lang="en-US" sz="2000" b="0" i="1" smtClean="0">
+                            <a:latin typeface="Cambria Math" panose="02040503050406030204" pitchFamily="18" charset="0"/>
+                          </a:rPr>
+                          <m:t>𝑃</m:t>
+                        </m:r>
+                        <m:d>
+                          <m:dPr>
+                            <m:ctrlPr>
+                              <a:rPr lang="en-US" sz="2000" b="0" i="1" smtClean="0">
+                                <a:latin typeface="Cambria Math" panose="02040503050406030204" pitchFamily="18" charset="0"/>
+                              </a:rPr>
+                            </m:ctrlPr>
+                          </m:dPr>
+                          <m:e>
+                            <m:r>
+                              <a:rPr lang="en-US" sz="2000" b="0" i="1" smtClean="0">
+                                <a:latin typeface="Cambria Math" panose="02040503050406030204" pitchFamily="18" charset="0"/>
+                              </a:rPr>
+                              <m:t>𝑦</m:t>
+                            </m:r>
+                          </m:e>
+                          <m:e>
+                            <m:r>
+                              <a:rPr lang="en-US" sz="2000" b="0" i="1" smtClean="0">
+                                <a:latin typeface="Cambria Math" panose="02040503050406030204" pitchFamily="18" charset="0"/>
+                              </a:rPr>
+                              <m:t>𝑋</m:t>
+                            </m:r>
+                          </m:e>
+                        </m:d>
+                        <m:r>
+                          <a:rPr lang="en-US" sz="2000" i="1">
+                            <a:latin typeface="Cambria Math" panose="02040503050406030204" pitchFamily="18" charset="0"/>
+                          </a:rPr>
+                          <m:t>≠</m:t>
+                        </m:r>
+                        <m:r>
+                          <a:rPr lang="en-US" sz="2000" i="1">
+                            <a:latin typeface="Cambria Math" panose="02040503050406030204" pitchFamily="18" charset="0"/>
+                          </a:rPr>
+                          <m:t>𝑃</m:t>
+                        </m:r>
+                        <m:r>
+                          <a:rPr lang="en-US" sz="2000" i="1">
+                            <a:latin typeface="Cambria Math" panose="02040503050406030204" pitchFamily="18" charset="0"/>
+                          </a:rPr>
+                          <m:t>(</m:t>
+                        </m:r>
+                        <m:r>
+                          <a:rPr lang="en-US" sz="2000" i="1">
+                            <a:latin typeface="Cambria Math" panose="02040503050406030204" pitchFamily="18" charset="0"/>
+                          </a:rPr>
+                          <m:t>𝑋</m:t>
+                        </m:r>
+                        <m:r>
+                          <a:rPr lang="en-US" sz="2000" i="1">
+                            <a:latin typeface="Cambria Math" panose="02040503050406030204" pitchFamily="18" charset="0"/>
+                          </a:rPr>
+                          <m:t>)</m:t>
+                        </m:r>
+                        <m:r>
+                          <a:rPr lang="en-US" sz="2000" i="1">
+                            <a:latin typeface="Cambria Math" panose="02040503050406030204" pitchFamily="18" charset="0"/>
+                          </a:rPr>
+                          <m:t>𝑃</m:t>
+                        </m:r>
+                        <m:r>
+                          <a:rPr lang="en-US" sz="2000" i="1">
+                            <a:latin typeface="Cambria Math" panose="02040503050406030204" pitchFamily="18" charset="0"/>
+                          </a:rPr>
+                          <m:t>(</m:t>
+                        </m:r>
+                        <m:r>
+                          <a:rPr lang="en-US" sz="2000" i="1">
+                            <a:latin typeface="Cambria Math" panose="02040503050406030204" pitchFamily="18" charset="0"/>
+                          </a:rPr>
+                          <m:t>𝑍</m:t>
+                        </m:r>
+                        <m:r>
+                          <a:rPr lang="en-US" sz="2000" i="1">
+                            <a:latin typeface="Cambria Math" panose="02040503050406030204" pitchFamily="18" charset="0"/>
+                          </a:rPr>
+                          <m:t>)</m:t>
+                        </m:r>
+                        <m:r>
+                          <m:rPr>
+                            <m:nor/>
+                          </m:rPr>
+                          <a:rPr lang="en-US" sz="2000" dirty="0"/>
+                          <m:t> </m:t>
+                        </m:r>
+                      </m:e>
+                    </m:nary>
+                  </m:oMath>
+                </a14:m>
+                <a:endParaRPr lang="en-US" sz="2400" dirty="0"/>
+              </a:p>
+            </p:txBody>
+          </p:sp>
+        </mc:Choice>
+        <mc:Fallback xmlns="">
+          <p:sp>
+            <p:nvSpPr>
+              <p:cNvPr id="5123" name="Rectangle 3"/>
+              <p:cNvSpPr>
+                <a:spLocks noGrp="1" noRot="1" noChangeAspect="1" noMove="1" noResize="1" noEditPoints="1" noAdjustHandles="1" noChangeArrowheads="1" noChangeShapeType="1" noTextEdit="1"/>
+              </p:cNvSpPr>
+              <p:nvPr>
+                <p:ph idx="1"/>
+              </p:nvPr>
+            </p:nvSpPr>
+            <p:spPr>
+              <a:xfrm>
+                <a:off x="628650" y="1828799"/>
+                <a:ext cx="7886700" cy="4724401"/>
+              </a:xfrm>
+              <a:blipFill>
+                <a:blip r:embed="rId3"/>
+                <a:stretch>
+                  <a:fillRect l="-1005" t="-1806"/>
+                </a:stretch>
+              </a:blipFill>
+            </p:spPr>
+            <p:txBody>
+              <a:bodyPr/>
+              <a:lstStyle/>
+              <a:p>
+                <a:r>
+                  <a:rPr lang="en-US">
+                    <a:noFill/>
+                  </a:rPr>
+                  <a:t> </a:t>
+                </a:r>
+              </a:p>
+            </p:txBody>
+          </p:sp>
+        </mc:Fallback>
+      </mc:AlternateContent>
+      <p:pic>
+        <p:nvPicPr>
+          <p:cNvPr id="99330" name="Picture 2" descr="A network with a chain of variables where y depends on X and Z depends on Y."/>
+          <p:cNvPicPr>
+            <a:picLocks noChangeAspect="1" noChangeArrowheads="1"/>
+          </p:cNvPicPr>
+          <p:nvPr/>
+        </p:nvPicPr>
+        <p:blipFill>
+          <a:blip r:embed="rId4" cstate="print"/>
+          <a:srcRect/>
+          <a:stretch>
+            <a:fillRect/>
+          </a:stretch>
+        </p:blipFill>
+        <p:spPr bwMode="auto">
+          <a:xfrm>
+            <a:off x="1897856" y="2188354"/>
+            <a:ext cx="5348288" cy="1124398"/>
+          </a:xfrm>
+          <a:prstGeom prst="rect">
+            <a:avLst/>
+          </a:prstGeom>
+          <a:noFill/>
+          <a:ln w="9525">
+            <a:noFill/>
+            <a:miter lim="800000"/>
+            <a:headEnd/>
+            <a:tailEnd/>
+          </a:ln>
+        </p:spPr>
+      </p:pic>
+      <p:sp>
+        <p:nvSpPr>
+          <p:cNvPr id="2" name="TextBox 1">
+            <a:extLst>
+              <a:ext uri="{FF2B5EF4-FFF2-40B4-BE49-F238E27FC236}">
+                <a16:creationId xmlns:a16="http://schemas.microsoft.com/office/drawing/2014/main" id="{E2097FF4-44EE-4BC5-A50B-D1D4FB13CB36}"/>
+              </a:ext>
+            </a:extLst>
+          </p:cNvPr>
+          <p:cNvSpPr txBox="1"/>
+          <p:nvPr/>
+        </p:nvSpPr>
+        <p:spPr>
+          <a:xfrm>
+            <a:off x="5553785" y="5784988"/>
+            <a:ext cx="1821140" cy="707886"/>
+          </a:xfrm>
+          <a:prstGeom prst="rect">
+            <a:avLst/>
+          </a:prstGeom>
+          <a:noFill/>
+        </p:spPr>
+        <p:txBody>
+          <a:bodyPr wrap="none" rtlCol="0">
+            <a:spAutoFit/>
+          </a:bodyPr>
+          <a:lstStyle/>
+          <a:p>
+            <a:pPr algn="ctr"/>
+            <a:r>
+              <a:rPr lang="en-US" sz="2000" dirty="0">
+                <a:solidFill>
+                  <a:srgbClr val="FF0000"/>
+                </a:solidFill>
+              </a:rPr>
+              <a:t>X and Z are </a:t>
+            </a:r>
+            <a:r>
+              <a:rPr lang="en-US" sz="2000" b="1" dirty="0">
+                <a:solidFill>
+                  <a:srgbClr val="FF0000"/>
+                </a:solidFill>
+              </a:rPr>
+              <a:t>not</a:t>
+            </a:r>
+            <a:r>
+              <a:rPr lang="en-US" sz="2000" dirty="0">
+                <a:solidFill>
+                  <a:srgbClr val="FF0000"/>
+                </a:solidFill>
+              </a:rPr>
+              <a:t> </a:t>
+            </a:r>
+            <a:br>
+              <a:rPr lang="en-US" sz="2000" dirty="0">
+                <a:solidFill>
+                  <a:srgbClr val="FF0000"/>
+                </a:solidFill>
+              </a:rPr>
+            </a:br>
+            <a:r>
+              <a:rPr lang="en-US" sz="2000" dirty="0">
+                <a:solidFill>
+                  <a:srgbClr val="FF0000"/>
+                </a:solidFill>
+              </a:rPr>
+              <a:t>independent!</a:t>
             </a:r>
           </a:p>
         </p:txBody>
       </p:sp>
       <p:sp>
         <p:nvSpPr>
-          <p:cNvPr id="7171" name="Rectangle 3"/>
-          <p:cNvSpPr>
-            <a:spLocks noGrp="1" noChangeArrowheads="1"/>
-          </p:cNvSpPr>
-          <p:nvPr>
-            <p:ph idx="1"/>
-          </p:nvPr>
+          <p:cNvPr id="3" name="Arrow: Right 2">
+            <a:extLst>
+              <a:ext uri="{FF2B5EF4-FFF2-40B4-BE49-F238E27FC236}">
+                <a16:creationId xmlns:a16="http://schemas.microsoft.com/office/drawing/2014/main" id="{AF61CCA0-C66D-47C6-AD21-7D26CC7B9EDB}"/>
+              </a:ext>
+              <a:ext uri="{C183D7F6-B498-43B3-948B-1728B52AA6E4}">
+                <adec:decorative xmlns:adec="http://schemas.microsoft.com/office/drawing/2017/decorative" val="1"/>
+              </a:ext>
+            </a:extLst>
+          </p:cNvPr>
+          <p:cNvSpPr/>
+          <p:nvPr/>
+        </p:nvSpPr>
+        <p:spPr>
+          <a:xfrm rot="5400000">
+            <a:off x="6306400" y="5434727"/>
+            <a:ext cx="315911" cy="284443"/>
+          </a:xfrm>
+          <a:prstGeom prst="rightArrow">
+            <a:avLst/>
+          </a:prstGeom>
+        </p:spPr>
+        <p:style>
+          <a:lnRef idx="2">
+            <a:schemeClr val="accent1">
+              <a:shade val="50000"/>
+            </a:schemeClr>
+          </a:lnRef>
+          <a:fillRef idx="1">
+            <a:schemeClr val="accent1"/>
+          </a:fillRef>
+          <a:effectRef idx="0">
+            <a:schemeClr val="accent1"/>
+          </a:effectRef>
+          <a:fontRef idx="minor">
+            <a:schemeClr val="lt1"/>
+          </a:fontRef>
+        </p:style>
+        <p:txBody>
+          <a:bodyPr rtlCol="0" anchor="ctr"/>
+          <a:lstStyle/>
+          <a:p>
+            <a:pPr algn="ctr"/>
+            <a:endParaRPr lang="en-US"/>
+          </a:p>
+        </p:txBody>
+      </p:sp>
+      <p:sp>
+        <p:nvSpPr>
+          <p:cNvPr id="4" name="Speech Bubble: Rectangle with Corners Rounded 3">
+            <a:extLst>
+              <a:ext uri="{FF2B5EF4-FFF2-40B4-BE49-F238E27FC236}">
+                <a16:creationId xmlns:a16="http://schemas.microsoft.com/office/drawing/2014/main" id="{7FA4BCAF-0241-4B29-5F11-9F3BCA262A93}"/>
+              </a:ext>
+            </a:extLst>
+          </p:cNvPr>
+          <p:cNvSpPr/>
+          <p:nvPr/>
         </p:nvSpPr>
         <p:spPr>
           <a:xfrm>
-            <a:off x="628650" y="1825625"/>
-            <a:ext cx="7886700" cy="4575176"/>
+            <a:off x="7543800" y="4343400"/>
+            <a:ext cx="1371600" cy="535205"/>
           </a:xfrm>
+          <a:prstGeom prst="wedgeRoundRectCallout">
+            <a:avLst>
+              <a:gd name="adj1" fmla="val -117577"/>
+              <a:gd name="adj2" fmla="val 68571"/>
+              <a:gd name="adj3" fmla="val 16667"/>
+            </a:avLst>
+          </a:prstGeom>
         </p:spPr>
+        <p:style>
+          <a:lnRef idx="2">
+            <a:schemeClr val="accent1">
+              <a:shade val="15000"/>
+            </a:schemeClr>
+          </a:lnRef>
+          <a:fillRef idx="1">
+            <a:schemeClr val="accent1"/>
+          </a:fillRef>
+          <a:effectRef idx="0">
+            <a:schemeClr val="accent1"/>
+          </a:effectRef>
+          <a:fontRef idx="minor">
+            <a:schemeClr val="lt1"/>
+          </a:fontRef>
+        </p:style>
         <p:txBody>
-          <a:bodyPr>
-            <a:normAutofit lnSpcReduction="10000"/>
-          </a:bodyPr>
+          <a:bodyPr rtlCol="0" anchor="ctr"/>
           <a:lstStyle/>
           <a:p>
             <a:r>
-              <a:rPr lang="en-US" b="1" dirty="0"/>
-              <a:t>Description</a:t>
-            </a:r>
-            <a:r>
-              <a:rPr lang="en-US" dirty="0"/>
-              <a:t>: I have a burglar alarm that is sometimes set off by minor earthquakes. My two neighbors, John and Mary, promised to call me at work if they hear the alarm</a:t>
-            </a:r>
-          </a:p>
-          <a:p>
-            <a:r>
-              <a:rPr lang="en-US" dirty="0"/>
-              <a:t>Example inference task: suppose Mary calls and John doesn’t call. What is the probability of a burglary?</a:t>
-            </a:r>
-          </a:p>
-          <a:p>
-            <a:endParaRPr lang="en-US" dirty="0"/>
-          </a:p>
-          <a:p>
-            <a:r>
-              <a:rPr lang="en-US" dirty="0"/>
-              <a:t>What are the random variables? </a:t>
-            </a:r>
-          </a:p>
-          <a:p>
-            <a:pPr lvl="1"/>
-            <a:r>
-              <a:rPr lang="en-US" dirty="0">
-                <a:solidFill>
-                  <a:schemeClr val="accent5">
-                    <a:lumMod val="75000"/>
-                  </a:schemeClr>
-                </a:solidFill>
-              </a:rPr>
-              <a:t>Burglary, Earthquake, Alarm, </a:t>
-            </a:r>
-            <a:r>
-              <a:rPr lang="en-US" dirty="0" err="1">
-                <a:solidFill>
-                  <a:schemeClr val="accent5">
-                    <a:lumMod val="75000"/>
-                  </a:schemeClr>
-                </a:solidFill>
-              </a:rPr>
-              <a:t>JohnCalls</a:t>
-            </a:r>
-            <a:r>
-              <a:rPr lang="en-US" dirty="0">
-                <a:solidFill>
-                  <a:schemeClr val="accent5">
-                    <a:lumMod val="75000"/>
-                  </a:schemeClr>
-                </a:solidFill>
-              </a:rPr>
-              <a:t>, </a:t>
-            </a:r>
-            <a:r>
-              <a:rPr lang="en-US" dirty="0" err="1">
-                <a:solidFill>
-                  <a:schemeClr val="accent5">
-                    <a:lumMod val="75000"/>
-                  </a:schemeClr>
-                </a:solidFill>
-              </a:rPr>
-              <a:t>MaryCalls</a:t>
-            </a:r>
-            <a:endParaRPr lang="en-US" dirty="0">
-              <a:solidFill>
-                <a:schemeClr val="accent5">
-                  <a:lumMod val="75000"/>
-                </a:schemeClr>
-              </a:solidFill>
-            </a:endParaRPr>
-          </a:p>
-          <a:p>
-            <a:endParaRPr lang="en-US" dirty="0"/>
-          </a:p>
-          <a:p>
-            <a:r>
-              <a:rPr lang="en-US" dirty="0"/>
-              <a:t>What are the direct influence relationships?</a:t>
-            </a:r>
-          </a:p>
-          <a:p>
-            <a:pPr lvl="1"/>
-            <a:r>
-              <a:rPr lang="en-US" dirty="0"/>
-              <a:t>A burglar can set off the alarm</a:t>
-            </a:r>
-          </a:p>
-          <a:p>
-            <a:pPr lvl="1"/>
-            <a:r>
-              <a:rPr lang="en-US" dirty="0"/>
-              <a:t>An earthquake can set off the alarm</a:t>
-            </a:r>
-          </a:p>
-          <a:p>
-            <a:pPr lvl="1"/>
-            <a:r>
-              <a:rPr lang="en-US" dirty="0"/>
-              <a:t>The alarm can cause Mary to call</a:t>
-            </a:r>
-          </a:p>
-          <a:p>
-            <a:pPr lvl="1"/>
-            <a:r>
-              <a:rPr lang="en-US" dirty="0"/>
-              <a:t>The alarm can cause John to call</a:t>
+              <a:rPr lang="en-US" sz="1400" dirty="0"/>
+              <a:t>We are not interested in y. </a:t>
             </a:r>
           </a:p>
         </p:txBody>
       </p:sp>
     </p:spTree>
+    <p:extLst>
+      <p:ext uri="{BB962C8B-B14F-4D97-AF65-F5344CB8AC3E}">
+        <p14:creationId xmlns:p14="http://schemas.microsoft.com/office/powerpoint/2010/main" val="1498710684"/>
+      </p:ext>
+    </p:extLst>
   </p:cSld>
   <p:clrMapOvr>
     <a:masterClrMapping/>

--- a/slides/13_bayes_nets.pptx
+++ b/slides/13_bayes_nets.pptx
@@ -9137,7 +9137,7 @@
             <a:fld id="{71CA99E0-E95C-4F1B-B0F2-4565A2B40149}" type="datetimeFigureOut">
               <a:rPr lang="en-US" smtClean="0"/>
               <a:pPr/>
-              <a:t>4/11/2025</a:t>
+              <a:t>4/21/2025</a:t>
             </a:fld>
             <a:endParaRPr lang="en-US"/>
           </a:p>
@@ -15552,8 +15552,42 @@
                   </a:outerShdw>
                 </a:effectLst>
               </a:rPr>
-              <a:t>Probabilistic Reasoning</a:t>
+              <a:t>Probabilistic Reasoning:</a:t>
             </a:r>
+            <a:br>
+              <a:rPr lang="en-US" sz="2400" b="1" dirty="0">
+                <a:effectLst>
+                  <a:outerShdw blurRad="38100" dist="38100" dir="2700000" algn="tl">
+                    <a:srgbClr val="000000">
+                      <a:alpha val="43137"/>
+                    </a:srgbClr>
+                  </a:outerShdw>
+                </a:effectLst>
+              </a:rPr>
+            </a:br>
+            <a:r>
+              <a:rPr lang="en-US" sz="2000" b="1" dirty="0">
+                <a:effectLst>
+                  <a:outerShdw blurRad="38100" dist="38100" dir="2700000" algn="tl">
+                    <a:srgbClr val="000000">
+                      <a:alpha val="43137"/>
+                    </a:srgbClr>
+                  </a:outerShdw>
+                </a:effectLst>
+              </a:rPr>
+              <a:t>Bayesian Networks</a:t>
+            </a:r>
+            <a:br>
+              <a:rPr lang="en-US" sz="2400" b="1" dirty="0">
+                <a:effectLst>
+                  <a:outerShdw blurRad="38100" dist="38100" dir="2700000" algn="tl">
+                    <a:srgbClr val="000000">
+                      <a:alpha val="43137"/>
+                    </a:srgbClr>
+                  </a:outerShdw>
+                </a:effectLst>
+              </a:rPr>
+            </a:br>
             <a:br>
               <a:rPr lang="en-US" sz="2400" b="1" dirty="0">
                 <a:effectLst>
@@ -21598,8 +21632,8 @@
           </a:p>
         </p:txBody>
       </p:sp>
-      <mc:AlternateContent xmlns:mc="http://schemas.openxmlformats.org/markup-compatibility/2006">
-        <mc:Choice xmlns:a14="http://schemas.microsoft.com/office/drawing/2010/main" Requires="a14">
+      <mc:AlternateContent xmlns:mc="http://schemas.openxmlformats.org/markup-compatibility/2006" xmlns:a14="http://schemas.microsoft.com/office/drawing/2010/main">
+        <mc:Choice Requires="a14">
           <p:sp>
             <p:nvSpPr>
               <p:cNvPr id="9219" name="Rectangle 3"/>
@@ -22013,7 +22047,7 @@
             </p:txBody>
           </p:sp>
         </mc:Choice>
-        <mc:Fallback>
+        <mc:Fallback xmlns="">
           <p:sp>
             <p:nvSpPr>
               <p:cNvPr id="9219" name="Rectangle 3"/>
@@ -34258,8 +34292,8 @@
           </a:p>
         </p:txBody>
       </p:sp>
-      <mc:AlternateContent xmlns:mc="http://schemas.openxmlformats.org/markup-compatibility/2006">
-        <mc:Choice xmlns:a14="http://schemas.microsoft.com/office/drawing/2010/main" Requires="a14">
+      <mc:AlternateContent xmlns:mc="http://schemas.openxmlformats.org/markup-compatibility/2006" xmlns:a14="http://schemas.microsoft.com/office/drawing/2010/main">
+        <mc:Choice Requires="a14">
           <p:sp>
             <p:nvSpPr>
               <p:cNvPr id="3" name="Content Placeholder 2"/>
@@ -34616,7 +34650,7 @@
             </p:txBody>
           </p:sp>
         </mc:Choice>
-        <mc:Fallback>
+        <mc:Fallback xmlns="">
           <p:sp>
             <p:nvSpPr>
               <p:cNvPr id="3" name="Content Placeholder 2"/>
@@ -34942,8 +34976,8 @@
           </a:p>
         </p:txBody>
       </p:sp>
-      <mc:AlternateContent xmlns:mc="http://schemas.openxmlformats.org/markup-compatibility/2006">
-        <mc:Choice xmlns:a14="http://schemas.microsoft.com/office/drawing/2010/main" Requires="a14">
+      <mc:AlternateContent xmlns:mc="http://schemas.openxmlformats.org/markup-compatibility/2006" xmlns:a14="http://schemas.microsoft.com/office/drawing/2010/main">
+        <mc:Choice Requires="a14">
           <p:sp>
             <p:nvSpPr>
               <p:cNvPr id="3" name="Content Placeholder 2"/>
@@ -35487,7 +35521,7 @@
             </p:txBody>
           </p:sp>
         </mc:Choice>
-        <mc:Fallback>
+        <mc:Fallback xmlns="">
           <p:sp>
             <p:nvSpPr>
               <p:cNvPr id="3" name="Content Placeholder 2"/>
@@ -37297,8 +37331,8 @@
           </a:p>
         </p:txBody>
       </p:sp>
-      <mc:AlternateContent xmlns:mc="http://schemas.openxmlformats.org/markup-compatibility/2006">
-        <mc:Choice xmlns:a14="http://schemas.microsoft.com/office/drawing/2010/main" Requires="a14">
+      <mc:AlternateContent xmlns:mc="http://schemas.openxmlformats.org/markup-compatibility/2006" xmlns:a14="http://schemas.microsoft.com/office/drawing/2010/main">
+        <mc:Choice Requires="a14">
           <p:sp>
             <p:nvSpPr>
               <p:cNvPr id="3" name="Content Placeholder 2">
@@ -37804,7 +37838,7 @@
             </p:txBody>
           </p:sp>
         </mc:Choice>
-        <mc:Fallback>
+        <mc:Fallback xmlns="">
           <p:sp>
             <p:nvSpPr>
               <p:cNvPr id="3" name="Content Placeholder 2">
@@ -38177,8 +38211,8 @@
           </a:p>
         </p:txBody>
       </p:sp>
-      <mc:AlternateContent xmlns:mc="http://schemas.openxmlformats.org/markup-compatibility/2006">
-        <mc:Choice xmlns:a14="http://schemas.microsoft.com/office/drawing/2010/main" Requires="a14">
+      <mc:AlternateContent xmlns:mc="http://schemas.openxmlformats.org/markup-compatibility/2006" xmlns:a14="http://schemas.microsoft.com/office/drawing/2010/main">
+        <mc:Choice Requires="a14">
           <p:sp>
             <p:nvSpPr>
               <p:cNvPr id="3" name="Content Placeholder 2">
@@ -38718,7 +38752,7 @@
             </p:txBody>
           </p:sp>
         </mc:Choice>
-        <mc:Fallback>
+        <mc:Fallback xmlns="">
           <p:sp>
             <p:nvSpPr>
               <p:cNvPr id="3" name="Content Placeholder 2">
@@ -42700,8 +42734,8 @@
           </a:p>
         </p:txBody>
       </p:sp>
-      <mc:AlternateContent xmlns:mc="http://schemas.openxmlformats.org/markup-compatibility/2006">
-        <mc:Choice xmlns:a14="http://schemas.microsoft.com/office/drawing/2010/main" Requires="a14">
+      <mc:AlternateContent xmlns:mc="http://schemas.openxmlformats.org/markup-compatibility/2006" xmlns:a14="http://schemas.microsoft.com/office/drawing/2010/main">
+        <mc:Choice Requires="a14">
           <p:sp>
             <p:nvSpPr>
               <p:cNvPr id="19" name="Content Placeholder 18"/>
@@ -42830,7 +42864,7 @@
             </p:txBody>
           </p:sp>
         </mc:Choice>
-        <mc:Fallback>
+        <mc:Fallback xmlns="">
           <p:sp>
             <p:nvSpPr>
               <p:cNvPr id="19" name="Content Placeholder 18"/>

--- a/slides/13_bayes_nets.pptx
+++ b/slides/13_bayes_nets.pptx
@@ -9281,7 +9281,7 @@
             <a:fld id="{71CA99E0-E95C-4F1B-B0F2-4565A2B40149}" type="datetimeFigureOut">
               <a:rPr lang="en-US" smtClean="0"/>
               <a:pPr/>
-              <a:t>6/9/2025</a:t>
+              <a:t>11/13/2025</a:t>
             </a:fld>
             <a:endParaRPr lang="en-US"/>
           </a:p>
@@ -20568,8 +20568,8 @@
           </a:p>
         </p:txBody>
       </p:sp>
-      <mc:AlternateContent xmlns:mc="http://schemas.openxmlformats.org/markup-compatibility/2006">
-        <mc:Choice xmlns:a14="http://schemas.microsoft.com/office/drawing/2010/main" Requires="a14">
+      <mc:AlternateContent xmlns:mc="http://schemas.openxmlformats.org/markup-compatibility/2006" xmlns:a14="http://schemas.microsoft.com/office/drawing/2010/main">
+        <mc:Choice Requires="a14">
           <p:sp>
             <p:nvSpPr>
               <p:cNvPr id="5123" name="Rectangle 3"/>
@@ -20719,7 +20719,7 @@
             </p:txBody>
           </p:sp>
         </mc:Choice>
-        <mc:Fallback>
+        <mc:Fallback xmlns="">
           <p:sp>
             <p:nvSpPr>
               <p:cNvPr id="5123" name="Rectangle 3"/>
@@ -21431,8 +21431,8 @@
               </a:p>
             </p:txBody>
           </p:sp>
-          <mc:AlternateContent xmlns:mc="http://schemas.openxmlformats.org/markup-compatibility/2006">
-            <mc:Choice xmlns:a14="http://schemas.microsoft.com/office/drawing/2010/main" Requires="a14">
+          <mc:AlternateContent xmlns:mc="http://schemas.openxmlformats.org/markup-compatibility/2006" xmlns:a14="http://schemas.microsoft.com/office/drawing/2010/main">
+            <mc:Choice Requires="a14">
               <p:sp>
                 <p:nvSpPr>
                   <p:cNvPr id="23" name="Rectangle 22"/>
@@ -21566,7 +21566,7 @@
                 </p:txBody>
               </p:sp>
             </mc:Choice>
-            <mc:Fallback>
+            <mc:Fallback xmlns="">
               <p:sp>
                 <p:nvSpPr>
                   <p:cNvPr id="23" name="Rectangle 22"/>
@@ -21913,8 +21913,8 @@
           </a:p>
         </p:txBody>
       </p:sp>
-      <mc:AlternateContent xmlns:mc="http://schemas.openxmlformats.org/markup-compatibility/2006">
-        <mc:Choice xmlns:a14="http://schemas.microsoft.com/office/drawing/2010/main" Requires="a14">
+      <mc:AlternateContent xmlns:mc="http://schemas.openxmlformats.org/markup-compatibility/2006" xmlns:a14="http://schemas.microsoft.com/office/drawing/2010/main">
+        <mc:Choice Requires="a14">
           <p:sp>
             <p:nvSpPr>
               <p:cNvPr id="10243" name="Rectangle 3"/>
@@ -22530,7 +22530,7 @@
             </p:txBody>
           </p:sp>
         </mc:Choice>
-        <mc:Fallback>
+        <mc:Fallback xmlns="">
           <p:sp>
             <p:nvSpPr>
               <p:cNvPr id="10243" name="Rectangle 3"/>
@@ -22758,8 +22758,8 @@
             </a:p>
           </p:txBody>
         </p:sp>
-        <mc:AlternateContent xmlns:mc="http://schemas.openxmlformats.org/markup-compatibility/2006">
-          <mc:Choice xmlns:a14="http://schemas.microsoft.com/office/drawing/2010/main" Requires="a14">
+        <mc:AlternateContent xmlns:mc="http://schemas.openxmlformats.org/markup-compatibility/2006" xmlns:a14="http://schemas.microsoft.com/office/drawing/2010/main">
+          <mc:Choice Requires="a14">
             <p:sp>
               <p:nvSpPr>
                 <p:cNvPr id="10" name="TextBox 9">
@@ -23045,7 +23045,7 @@
               </p:txBody>
             </p:sp>
           </mc:Choice>
-          <mc:Fallback>
+          <mc:Fallback xmlns="">
             <p:sp>
               <p:nvSpPr>
                 <p:cNvPr id="10" name="TextBox 9">
@@ -23653,19 +23653,67 @@
                       <a:srgbClr val="FF0000"/>
                     </a:solidFill>
                   </a:rPr>
-                  <a:t>This reduces the space complexity from exponential to linear in </a:t>
+                  <a:t>This reduces the space complexity from </a:t>
                 </a:r>
                 <a14:m>
                   <m:oMath xmlns:m="http://schemas.openxmlformats.org/officeDocument/2006/math">
                     <m:r>
-                      <a:rPr lang="en-US" sz="1600" b="1" i="1" dirty="0" smtClean="0">
+                      <a:rPr lang="en-US" sz="1600" b="1" i="1">
                         <a:solidFill>
                           <a:srgbClr val="FF0000"/>
                         </a:solidFill>
                         <a:latin typeface="Cambria Math" panose="02040503050406030204" pitchFamily="18" charset="0"/>
                       </a:rPr>
-                      <m:t>𝒏</m:t>
+                      <m:t>𝑶</m:t>
                     </m:r>
+                    <m:d>
+                      <m:dPr>
+                        <m:ctrlPr>
+                          <a:rPr lang="en-US" sz="1600" b="1" i="1">
+                            <a:solidFill>
+                              <a:srgbClr val="FF0000"/>
+                            </a:solidFill>
+                            <a:latin typeface="Cambria Math" panose="02040503050406030204" pitchFamily="18" charset="0"/>
+                          </a:rPr>
+                        </m:ctrlPr>
+                      </m:dPr>
+                      <m:e>
+                        <m:sSup>
+                          <m:sSupPr>
+                            <m:ctrlPr>
+                              <a:rPr lang="en-US" sz="1600" b="1" i="1">
+                                <a:solidFill>
+                                  <a:srgbClr val="FF0000"/>
+                                </a:solidFill>
+                                <a:latin typeface="Cambria Math" panose="02040503050406030204" pitchFamily="18" charset="0"/>
+                              </a:rPr>
+                            </m:ctrlPr>
+                          </m:sSupPr>
+                          <m:e>
+                            <m:r>
+                              <a:rPr lang="en-US" sz="1600" b="1" i="1">
+                                <a:solidFill>
+                                  <a:srgbClr val="FF0000"/>
+                                </a:solidFill>
+                                <a:latin typeface="Cambria Math" panose="02040503050406030204" pitchFamily="18" charset="0"/>
+                              </a:rPr>
+                              <m:t>𝟐</m:t>
+                            </m:r>
+                          </m:e>
+                          <m:sup>
+                            <m:r>
+                              <a:rPr lang="en-US" sz="1600" b="1" i="1">
+                                <a:solidFill>
+                                  <a:srgbClr val="FF0000"/>
+                                </a:solidFill>
+                                <a:latin typeface="Cambria Math" panose="02040503050406030204" pitchFamily="18" charset="0"/>
+                              </a:rPr>
+                              <m:t>𝒏</m:t>
+                            </m:r>
+                          </m:sup>
+                        </m:sSup>
+                      </m:e>
+                    </m:d>
                   </m:oMath>
                 </a14:m>
                 <a:r>
@@ -23674,7 +23722,51 @@
                       <a:srgbClr val="FF0000"/>
                     </a:solidFill>
                   </a:rPr>
-                  <a:t> and makes it very compact!</a:t>
+                  <a:t> to </a:t>
+                </a:r>
+                <a14:m>
+                  <m:oMath xmlns:m="http://schemas.openxmlformats.org/officeDocument/2006/math">
+                    <m:r>
+                      <a:rPr lang="en-US" sz="1600" b="1" i="1">
+                        <a:solidFill>
+                          <a:srgbClr val="FF0000"/>
+                        </a:solidFill>
+                        <a:latin typeface="Cambria Math" panose="02040503050406030204" pitchFamily="18" charset="0"/>
+                      </a:rPr>
+                      <m:t>𝑶</m:t>
+                    </m:r>
+                    <m:d>
+                      <m:dPr>
+                        <m:ctrlPr>
+                          <a:rPr lang="en-US" sz="1600" b="1" i="1">
+                            <a:solidFill>
+                              <a:srgbClr val="FF0000"/>
+                            </a:solidFill>
+                            <a:latin typeface="Cambria Math" panose="02040503050406030204" pitchFamily="18" charset="0"/>
+                          </a:rPr>
+                        </m:ctrlPr>
+                      </m:dPr>
+                      <m:e>
+                        <m:r>
+                          <a:rPr lang="en-US" sz="1600" b="1" i="1">
+                            <a:solidFill>
+                              <a:srgbClr val="FF0000"/>
+                            </a:solidFill>
+                            <a:latin typeface="Cambria Math" panose="02040503050406030204" pitchFamily="18" charset="0"/>
+                          </a:rPr>
+                          <m:t>𝒏</m:t>
+                        </m:r>
+                      </m:e>
+                    </m:d>
+                  </m:oMath>
+                </a14:m>
+                <a:r>
+                  <a:rPr lang="en-US" sz="1600" b="1" dirty="0">
+                    <a:solidFill>
+                      <a:srgbClr val="FF0000"/>
+                    </a:solidFill>
+                  </a:rPr>
+                  <a:t> and lets us store very large networks!</a:t>
                 </a:r>
               </a:p>
               <a:p>
@@ -23715,7 +23807,7 @@
               <a:blipFill>
                 <a:blip r:embed="rId3"/>
                 <a:stretch>
-                  <a:fillRect l="-486" t="-836" r="-243"/>
+                  <a:fillRect l="-486" t="-836"/>
                 </a:stretch>
               </a:blipFill>
             </p:spPr>
@@ -23896,55 +23988,6 @@
                                     <p:set>
                                       <p:cBhvr>
                                         <p:cTn id="14" dur="1" fill="hold">
-                                          <p:stCondLst>
-                                            <p:cond delay="0"/>
-                                          </p:stCondLst>
-                                        </p:cTn>
-                                        <p:tgtEl>
-                                          <p:spTgt spid="9219">
-                                            <p:txEl>
-                                              <p:pRg st="4" end="4"/>
-                                            </p:txEl>
-                                          </p:spTgt>
-                                        </p:tgtEl>
-                                        <p:attrNameLst>
-                                          <p:attrName>style.visibility</p:attrName>
-                                        </p:attrNameLst>
-                                      </p:cBhvr>
-                                      <p:to>
-                                        <p:strVal val="visible"/>
-                                      </p:to>
-                                    </p:set>
-                                  </p:childTnLst>
-                                </p:cTn>
-                              </p:par>
-                            </p:childTnLst>
-                          </p:cTn>
-                        </p:par>
-                      </p:childTnLst>
-                    </p:cTn>
-                  </p:par>
-                  <p:par>
-                    <p:cTn id="15" fill="hold">
-                      <p:stCondLst>
-                        <p:cond delay="indefinite"/>
-                      </p:stCondLst>
-                      <p:childTnLst>
-                        <p:par>
-                          <p:cTn id="16" fill="hold">
-                            <p:stCondLst>
-                              <p:cond delay="0"/>
-                            </p:stCondLst>
-                            <p:childTnLst>
-                              <p:par>
-                                <p:cTn id="17" presetID="1" presetClass="entr" presetSubtype="0" fill="hold" nodeType="clickEffect">
-                                  <p:stCondLst>
-                                    <p:cond delay="0"/>
-                                  </p:stCondLst>
-                                  <p:childTnLst>
-                                    <p:set>
-                                      <p:cBhvr>
-                                        <p:cTn id="18" dur="1" fill="hold">
                                           <p:stCondLst>
                                             <p:cond delay="0"/>
                                           </p:stCondLst>
@@ -24433,8 +24476,8 @@
           </a:p>
         </p:txBody>
       </p:sp>
-      <mc:AlternateContent xmlns:mc="http://schemas.openxmlformats.org/markup-compatibility/2006">
-        <mc:Choice xmlns:a14="http://schemas.microsoft.com/office/drawing/2010/main" Requires="a14">
+      <mc:AlternateContent xmlns:mc="http://schemas.openxmlformats.org/markup-compatibility/2006" xmlns:a14="http://schemas.microsoft.com/office/drawing/2010/main">
+        <mc:Choice Requires="a14">
           <p:sp>
             <p:nvSpPr>
               <p:cNvPr id="30722" name="Content Placeholder 2"/>
@@ -26346,7 +26389,7 @@
             </p:txBody>
           </p:sp>
         </mc:Choice>
-        <mc:Fallback>
+        <mc:Fallback xmlns="">
           <p:sp>
             <p:nvSpPr>
               <p:cNvPr id="30722" name="Content Placeholder 2"/>
@@ -26436,8 +26479,8 @@
           </a:p>
         </p:txBody>
       </p:sp>
-      <mc:AlternateContent xmlns:mc="http://schemas.openxmlformats.org/markup-compatibility/2006">
-        <mc:Choice xmlns:a14="http://schemas.microsoft.com/office/drawing/2010/main" Requires="a14">
+      <mc:AlternateContent xmlns:mc="http://schemas.openxmlformats.org/markup-compatibility/2006" xmlns:a14="http://schemas.microsoft.com/office/drawing/2010/main">
+        <mc:Choice Requires="a14">
           <p:sp>
             <p:nvSpPr>
               <p:cNvPr id="11267" name="Rectangle 3"/>
@@ -26982,7 +27025,7 @@
             </p:txBody>
           </p:sp>
         </mc:Choice>
-        <mc:Fallback>
+        <mc:Fallback xmlns="">
           <p:sp>
             <p:nvSpPr>
               <p:cNvPr id="11267" name="Rectangle 3"/>
@@ -27712,8 +27755,8 @@
           </a:p>
         </p:txBody>
       </p:sp>
-      <mc:AlternateContent xmlns:mc="http://schemas.openxmlformats.org/markup-compatibility/2006">
-        <mc:Choice xmlns:a14="http://schemas.microsoft.com/office/drawing/2010/main" Requires="a14">
+      <mc:AlternateContent xmlns:mc="http://schemas.openxmlformats.org/markup-compatibility/2006" xmlns:a14="http://schemas.microsoft.com/office/drawing/2010/main">
+        <mc:Choice Requires="a14">
           <p:sp>
             <p:nvSpPr>
               <p:cNvPr id="5" name="TextBox 4">
@@ -28032,7 +28075,7 @@
             </p:txBody>
           </p:sp>
         </mc:Choice>
-        <mc:Fallback>
+        <mc:Fallback xmlns="">
           <p:sp>
             <p:nvSpPr>
               <p:cNvPr id="5" name="TextBox 4">
@@ -29741,8 +29784,8 @@
           </a:p>
         </p:txBody>
       </p:sp>
-      <mc:AlternateContent xmlns:mc="http://schemas.openxmlformats.org/markup-compatibility/2006">
-        <mc:Choice xmlns:a14="http://schemas.microsoft.com/office/drawing/2010/main" Requires="a14">
+      <mc:AlternateContent xmlns:mc="http://schemas.openxmlformats.org/markup-compatibility/2006" xmlns:a14="http://schemas.microsoft.com/office/drawing/2010/main">
+        <mc:Choice Requires="a14">
           <p:sp>
             <p:nvSpPr>
               <p:cNvPr id="3" name="Content Placeholder 2"/>
@@ -30536,7 +30579,7 @@
             </p:txBody>
           </p:sp>
         </mc:Choice>
-        <mc:Fallback>
+        <mc:Fallback xmlns="">
           <p:sp>
             <p:nvSpPr>
               <p:cNvPr id="3" name="Content Placeholder 2"/>
@@ -33413,8 +33456,8 @@
           </a:p>
         </p:txBody>
       </p:sp>
-      <mc:AlternateContent xmlns:mc="http://schemas.openxmlformats.org/markup-compatibility/2006">
-        <mc:Choice xmlns:a14="http://schemas.microsoft.com/office/drawing/2010/main" Requires="a14">
+      <mc:AlternateContent xmlns:mc="http://schemas.openxmlformats.org/markup-compatibility/2006" xmlns:a14="http://schemas.microsoft.com/office/drawing/2010/main">
+        <mc:Choice Requires="a14">
           <p:sp>
             <p:nvSpPr>
               <p:cNvPr id="3" name="Content Placeholder 2"/>
@@ -33565,7 +33608,7 @@
             </p:txBody>
           </p:sp>
         </mc:Choice>
-        <mc:Fallback>
+        <mc:Fallback xmlns="">
           <p:sp>
             <p:nvSpPr>
               <p:cNvPr id="3" name="Content Placeholder 2"/>
@@ -35230,6 +35273,60 @@
           </a:p>
         </p:txBody>
       </p:sp>
+      <p:sp>
+        <p:nvSpPr>
+          <p:cNvPr id="3" name="TextBox 2">
+            <a:extLst>
+              <a:ext uri="{FF2B5EF4-FFF2-40B4-BE49-F238E27FC236}">
+                <a16:creationId xmlns:a16="http://schemas.microsoft.com/office/drawing/2014/main" id="{A8E25CB5-E12C-43B2-8EA5-59C23476CC56}"/>
+              </a:ext>
+            </a:extLst>
+          </p:cNvPr>
+          <p:cNvSpPr txBox="1"/>
+          <p:nvPr/>
+        </p:nvSpPr>
+        <p:spPr>
+          <a:xfrm>
+            <a:off x="628650" y="5819783"/>
+            <a:ext cx="2146146" cy="646331"/>
+          </a:xfrm>
+          <a:prstGeom prst="rect">
+            <a:avLst/>
+          </a:prstGeom>
+        </p:spPr>
+        <p:style>
+          <a:lnRef idx="2">
+            <a:schemeClr val="accent2">
+              <a:shade val="15000"/>
+            </a:schemeClr>
+          </a:lnRef>
+          <a:fillRef idx="1">
+            <a:schemeClr val="accent2"/>
+          </a:fillRef>
+          <a:effectRef idx="0">
+            <a:schemeClr val="accent2"/>
+          </a:effectRef>
+          <a:fontRef idx="minor">
+            <a:schemeClr val="lt1"/>
+          </a:fontRef>
+        </p:style>
+        <p:txBody>
+          <a:bodyPr wrap="square" rtlCol="0">
+            <a:spAutoFit/>
+          </a:bodyPr>
+          <a:lstStyle/>
+          <a:p>
+            <a:r>
+              <a:rPr lang="en-US" b="1" dirty="0"/>
+              <a:t>Note</a:t>
+            </a:r>
+            <a:r>
+              <a:rPr lang="en-US" dirty="0"/>
+              <a:t>: This looks like playouts in games!</a:t>
+            </a:r>
+          </a:p>
+        </p:txBody>
+      </p:sp>
     </p:spTree>
     <p:extLst>
       <p:ext uri="{BB962C8B-B14F-4D97-AF65-F5344CB8AC3E}">
@@ -36412,8 +36509,8 @@
           </a:p>
         </p:txBody>
       </p:sp>
-      <mc:AlternateContent xmlns:mc="http://schemas.openxmlformats.org/markup-compatibility/2006">
-        <mc:Choice xmlns:a14="http://schemas.microsoft.com/office/drawing/2010/main" Requires="a14">
+      <mc:AlternateContent xmlns:mc="http://schemas.openxmlformats.org/markup-compatibility/2006" xmlns:a14="http://schemas.microsoft.com/office/drawing/2010/main">
+        <mc:Choice Requires="a14">
           <p:sp>
             <p:nvSpPr>
               <p:cNvPr id="3" name="Content Placeholder 2"/>
@@ -37198,7 +37295,7 @@
             </p:txBody>
           </p:sp>
         </mc:Choice>
-        <mc:Fallback>
+        <mc:Fallback xmlns="">
           <p:sp>
             <p:nvSpPr>
               <p:cNvPr id="3" name="Content Placeholder 2"/>
@@ -37436,8 +37533,8 @@
           </a:p>
         </p:txBody>
       </p:sp>
-      <mc:AlternateContent xmlns:mc="http://schemas.openxmlformats.org/markup-compatibility/2006">
-        <mc:Choice xmlns:a14="http://schemas.microsoft.com/office/drawing/2010/main" Requires="a14">
+      <mc:AlternateContent xmlns:mc="http://schemas.openxmlformats.org/markup-compatibility/2006" xmlns:a14="http://schemas.microsoft.com/office/drawing/2010/main">
+        <mc:Choice Requires="a14">
           <p:sp>
             <p:nvSpPr>
               <p:cNvPr id="3" name="Content Placeholder 2"/>
@@ -37787,7 +37884,7 @@
             </p:txBody>
           </p:sp>
         </mc:Choice>
-        <mc:Fallback>
+        <mc:Fallback xmlns="">
           <p:sp>
             <p:nvSpPr>
               <p:cNvPr id="3" name="Content Placeholder 2"/>
@@ -38503,8 +38600,8 @@
           </a:p>
         </p:txBody>
       </p:sp>
-      <mc:AlternateContent xmlns:mc="http://schemas.openxmlformats.org/markup-compatibility/2006">
-        <mc:Choice xmlns:a14="http://schemas.microsoft.com/office/drawing/2010/main" Requires="a14">
+      <mc:AlternateContent xmlns:mc="http://schemas.openxmlformats.org/markup-compatibility/2006" xmlns:a14="http://schemas.microsoft.com/office/drawing/2010/main">
+        <mc:Choice Requires="a14">
           <p:sp>
             <p:nvSpPr>
               <p:cNvPr id="3" name="Content Placeholder 2"/>
@@ -39061,7 +39158,7 @@
             </p:txBody>
           </p:sp>
         </mc:Choice>
-        <mc:Fallback>
+        <mc:Fallback xmlns="">
           <p:sp>
             <p:nvSpPr>
               <p:cNvPr id="3" name="Content Placeholder 2"/>
@@ -41031,8 +41128,8 @@
           </a:p>
         </p:txBody>
       </p:sp>
-      <mc:AlternateContent xmlns:mc="http://schemas.openxmlformats.org/markup-compatibility/2006">
-        <mc:Choice xmlns:a14="http://schemas.microsoft.com/office/drawing/2010/main" Requires="a14">
+      <mc:AlternateContent xmlns:mc="http://schemas.openxmlformats.org/markup-compatibility/2006" xmlns:a14="http://schemas.microsoft.com/office/drawing/2010/main">
+        <mc:Choice Requires="a14">
           <p:sp>
             <p:nvSpPr>
               <p:cNvPr id="3" name="Content Placeholder 2">
@@ -41559,7 +41656,7 @@
             </p:txBody>
           </p:sp>
         </mc:Choice>
-        <mc:Fallback>
+        <mc:Fallback xmlns="">
           <p:sp>
             <p:nvSpPr>
               <p:cNvPr id="3" name="Content Placeholder 2">
@@ -41932,8 +42029,8 @@
           </a:p>
         </p:txBody>
       </p:sp>
-      <mc:AlternateContent xmlns:mc="http://schemas.openxmlformats.org/markup-compatibility/2006">
-        <mc:Choice xmlns:a14="http://schemas.microsoft.com/office/drawing/2010/main" Requires="a14">
+      <mc:AlternateContent xmlns:mc="http://schemas.openxmlformats.org/markup-compatibility/2006" xmlns:a14="http://schemas.microsoft.com/office/drawing/2010/main">
+        <mc:Choice Requires="a14">
           <p:sp>
             <p:nvSpPr>
               <p:cNvPr id="3" name="Content Placeholder 2">
@@ -42272,13 +42369,7 @@
                       <a:rPr lang="en-US" sz="1700" i="1" dirty="0" smtClean="0">
                         <a:latin typeface="Cambria Math" panose="02040503050406030204" pitchFamily="18" charset="0"/>
                       </a:rPr>
-                      <m:t>𝑟</m:t>
-                    </m:r>
-                    <m:r>
-                      <a:rPr lang="en-US" sz="1700" i="1" dirty="0" smtClean="0">
-                        <a:latin typeface="Cambria Math" panose="02040503050406030204" pitchFamily="18" charset="0"/>
-                      </a:rPr>
-                      <m:t>𝑎𝑖𝑛</m:t>
+                      <m:t>𝑟𝑎𝑖𝑛</m:t>
                     </m:r>
                     <m:r>
                       <a:rPr lang="en-US" sz="1700" i="1" dirty="0" smtClean="0">
@@ -42540,7 +42631,7 @@
             </p:txBody>
           </p:sp>
         </mc:Choice>
-        <mc:Fallback>
+        <mc:Fallback xmlns="">
           <p:sp>
             <p:nvSpPr>
               <p:cNvPr id="3" name="Content Placeholder 2">
@@ -46820,8 +46911,8 @@
           </a:p>
         </p:txBody>
       </p:sp>
-      <mc:AlternateContent xmlns:mc="http://schemas.openxmlformats.org/markup-compatibility/2006">
-        <mc:Choice xmlns:a14="http://schemas.microsoft.com/office/drawing/2010/main" Requires="a14">
+      <mc:AlternateContent xmlns:mc="http://schemas.openxmlformats.org/markup-compatibility/2006" xmlns:a14="http://schemas.microsoft.com/office/drawing/2010/main">
+        <mc:Choice Requires="a14">
           <p:sp>
             <p:nvSpPr>
               <p:cNvPr id="19" name="Content Placeholder 18"/>
@@ -46950,7 +47041,7 @@
             </p:txBody>
           </p:sp>
         </mc:Choice>
-        <mc:Fallback>
+        <mc:Fallback xmlns="">
           <p:sp>
             <p:nvSpPr>
               <p:cNvPr id="19" name="Content Placeholder 18"/>
@@ -47411,8 +47502,8 @@
             </a:p>
           </p:txBody>
         </p:sp>
-        <mc:AlternateContent xmlns:mc="http://schemas.openxmlformats.org/markup-compatibility/2006">
-          <mc:Choice xmlns:a14="http://schemas.microsoft.com/office/drawing/2010/main" Requires="a14">
+        <mc:AlternateContent xmlns:mc="http://schemas.openxmlformats.org/markup-compatibility/2006" xmlns:a14="http://schemas.microsoft.com/office/drawing/2010/main">
+          <mc:Choice Requires="a14">
             <p:sp>
               <p:nvSpPr>
                 <p:cNvPr id="8" name="Oval 7"/>
@@ -47482,7 +47573,7 @@
               </p:txBody>
             </p:sp>
           </mc:Choice>
-          <mc:Fallback>
+          <mc:Fallback xmlns="">
             <p:sp>
               <p:nvSpPr>
                 <p:cNvPr id="8" name="Oval 7"/>
@@ -47649,8 +47740,8 @@
           </p:style>
         </p:cxnSp>
       </p:grpSp>
-      <mc:AlternateContent xmlns:mc="http://schemas.openxmlformats.org/markup-compatibility/2006">
-        <mc:Choice xmlns:a14="http://schemas.microsoft.com/office/drawing/2010/main" Requires="a14">
+      <mc:AlternateContent xmlns:mc="http://schemas.openxmlformats.org/markup-compatibility/2006" xmlns:a14="http://schemas.microsoft.com/office/drawing/2010/main">
+        <mc:Choice Requires="a14">
           <p:sp>
             <p:nvSpPr>
               <p:cNvPr id="11" name="TextBox 10">
@@ -47987,7 +48078,7 @@
             </p:txBody>
           </p:sp>
         </mc:Choice>
-        <mc:Fallback>
+        <mc:Fallback xmlns="">
           <p:sp>
             <p:nvSpPr>
               <p:cNvPr id="11" name="TextBox 10">

--- a/slides/13_bayes_nets.pptx
+++ b/slides/13_bayes_nets.pptx
@@ -5,7 +5,7 @@
     <p:sldMasterId id="2147483672" r:id="rId1"/>
   </p:sldMasterIdLst>
   <p:notesMasterIdLst>
-    <p:notesMasterId r:id="rId48"/>
+    <p:notesMasterId r:id="rId50"/>
   </p:notesMasterIdLst>
   <p:sldIdLst>
     <p:sldId id="294" r:id="rId2"/>
@@ -38,22 +38,24 @@
     <p:sldId id="413" r:id="rId29"/>
     <p:sldId id="411" r:id="rId30"/>
     <p:sldId id="291" r:id="rId31"/>
-    <p:sldId id="407" r:id="rId32"/>
-    <p:sldId id="305" r:id="rId33"/>
-    <p:sldId id="306" r:id="rId34"/>
-    <p:sldId id="307" r:id="rId35"/>
-    <p:sldId id="297" r:id="rId36"/>
-    <p:sldId id="298" r:id="rId37"/>
-    <p:sldId id="299" r:id="rId38"/>
-    <p:sldId id="317" r:id="rId39"/>
-    <p:sldId id="318" r:id="rId40"/>
-    <p:sldId id="408" r:id="rId41"/>
-    <p:sldId id="319" r:id="rId42"/>
-    <p:sldId id="418" r:id="rId43"/>
-    <p:sldId id="320" r:id="rId44"/>
-    <p:sldId id="321" r:id="rId45"/>
-    <p:sldId id="409" r:id="rId46"/>
-    <p:sldId id="322" r:id="rId47"/>
+    <p:sldId id="419" r:id="rId32"/>
+    <p:sldId id="407" r:id="rId33"/>
+    <p:sldId id="305" r:id="rId34"/>
+    <p:sldId id="306" r:id="rId35"/>
+    <p:sldId id="307" r:id="rId36"/>
+    <p:sldId id="297" r:id="rId37"/>
+    <p:sldId id="298" r:id="rId38"/>
+    <p:sldId id="299" r:id="rId39"/>
+    <p:sldId id="317" r:id="rId40"/>
+    <p:sldId id="420" r:id="rId41"/>
+    <p:sldId id="318" r:id="rId42"/>
+    <p:sldId id="408" r:id="rId43"/>
+    <p:sldId id="319" r:id="rId44"/>
+    <p:sldId id="418" r:id="rId45"/>
+    <p:sldId id="320" r:id="rId46"/>
+    <p:sldId id="321" r:id="rId47"/>
+    <p:sldId id="409" r:id="rId48"/>
+    <p:sldId id="322" r:id="rId49"/>
   </p:sldIdLst>
   <p:sldSz cx="9144000" cy="6858000" type="screen4x3"/>
   <p:notesSz cx="7315200" cy="9601200"/>
@@ -203,6 +205,7 @@
           <p14:sldIdLst>
             <p14:sldId id="411"/>
             <p14:sldId id="291"/>
+            <p14:sldId id="419"/>
             <p14:sldId id="407"/>
             <p14:sldId id="305"/>
             <p14:sldId id="306"/>
@@ -211,6 +214,7 @@
             <p14:sldId id="298"/>
             <p14:sldId id="299"/>
             <p14:sldId id="317"/>
+            <p14:sldId id="420"/>
             <p14:sldId id="318"/>
             <p14:sldId id="408"/>
             <p14:sldId id="319"/>
@@ -9281,7 +9285,7 @@
             <a:fld id="{71CA99E0-E95C-4F1B-B0F2-4565A2B40149}" type="datetimeFigureOut">
               <a:rPr lang="en-US" smtClean="0"/>
               <a:pPr/>
-              <a:t>11/13/2025</a:t>
+              <a:t>11/17/2025</a:t>
             </a:fld>
             <a:endParaRPr lang="en-US"/>
           </a:p>
@@ -10934,7 +10938,7 @@
             <a:fld id="{C6A2EA70-8A4C-40BF-A25E-4BD4BBF0DDA4}" type="slidenum">
               <a:rPr lang="en-US" smtClean="0"/>
               <a:pPr/>
-              <a:t>32</a:t>
+              <a:t>33</a:t>
             </a:fld>
             <a:endParaRPr lang="en-US"/>
           </a:p>
@@ -11016,7 +11020,7 @@
             <a:fld id="{C6A2EA70-8A4C-40BF-A25E-4BD4BBF0DDA4}" type="slidenum">
               <a:rPr lang="en-US" smtClean="0"/>
               <a:pPr/>
-              <a:t>33</a:t>
+              <a:t>34</a:t>
             </a:fld>
             <a:endParaRPr lang="en-US"/>
           </a:p>
@@ -11098,7 +11102,7 @@
             <a:fld id="{C6A2EA70-8A4C-40BF-A25E-4BD4BBF0DDA4}" type="slidenum">
               <a:rPr lang="en-US" smtClean="0"/>
               <a:pPr/>
-              <a:t>34</a:t>
+              <a:t>35</a:t>
             </a:fld>
             <a:endParaRPr lang="en-US"/>
           </a:p>
@@ -11180,7 +11184,7 @@
             <a:fld id="{C6A2EA70-8A4C-40BF-A25E-4BD4BBF0DDA4}" type="slidenum">
               <a:rPr lang="en-US" smtClean="0"/>
               <a:pPr/>
-              <a:t>35</a:t>
+              <a:t>36</a:t>
             </a:fld>
             <a:endParaRPr lang="en-US"/>
           </a:p>
@@ -11262,7 +11266,7 @@
             <a:fld id="{C6A2EA70-8A4C-40BF-A25E-4BD4BBF0DDA4}" type="slidenum">
               <a:rPr lang="en-US" smtClean="0"/>
               <a:pPr/>
-              <a:t>36</a:t>
+              <a:t>37</a:t>
             </a:fld>
             <a:endParaRPr lang="en-US"/>
           </a:p>
@@ -11344,7 +11348,7 @@
             <a:fld id="{C6A2EA70-8A4C-40BF-A25E-4BD4BBF0DDA4}" type="slidenum">
               <a:rPr lang="en-US" smtClean="0"/>
               <a:pPr/>
-              <a:t>37</a:t>
+              <a:t>38</a:t>
             </a:fld>
             <a:endParaRPr lang="en-US"/>
           </a:p>
@@ -11508,7 +11512,7 @@
             <a:fld id="{C6A2EA70-8A4C-40BF-A25E-4BD4BBF0DDA4}" type="slidenum">
               <a:rPr lang="en-US" smtClean="0"/>
               <a:pPr/>
-              <a:t>38</a:t>
+              <a:t>39</a:t>
             </a:fld>
             <a:endParaRPr lang="en-US"/>
           </a:p>
@@ -11595,7 +11599,7 @@
             <a:fld id="{C6A2EA70-8A4C-40BF-A25E-4BD4BBF0DDA4}" type="slidenum">
               <a:rPr lang="en-US" smtClean="0"/>
               <a:pPr/>
-              <a:t>39</a:t>
+              <a:t>41</a:t>
             </a:fld>
             <a:endParaRPr lang="en-US"/>
           </a:p>
@@ -11682,7 +11686,7 @@
             <a:fld id="{C6A2EA70-8A4C-40BF-A25E-4BD4BBF0DDA4}" type="slidenum">
               <a:rPr lang="en-US" smtClean="0"/>
               <a:pPr/>
-              <a:t>41</a:t>
+              <a:t>43</a:t>
             </a:fld>
             <a:endParaRPr lang="en-US"/>
           </a:p>
@@ -23213,8 +23217,8 @@
           </a:p>
         </p:txBody>
       </p:sp>
-      <mc:AlternateContent xmlns:mc="http://schemas.openxmlformats.org/markup-compatibility/2006">
-        <mc:Choice xmlns:a14="http://schemas.microsoft.com/office/drawing/2010/main" Requires="a14">
+      <mc:AlternateContent xmlns:mc="http://schemas.openxmlformats.org/markup-compatibility/2006" xmlns:a14="http://schemas.microsoft.com/office/drawing/2010/main">
+        <mc:Choice Requires="a14">
           <p:sp>
             <p:nvSpPr>
               <p:cNvPr id="9219" name="Rectangle 3"/>
@@ -23788,7 +23792,7 @@
             </p:txBody>
           </p:sp>
         </mc:Choice>
-        <mc:Fallback>
+        <mc:Fallback xmlns="">
           <p:sp>
             <p:nvSpPr>
               <p:cNvPr id="9219" name="Rectangle 3"/>
@@ -35028,6 +35032,107 @@
       </p:grpSpPr>
       <p:sp>
         <p:nvSpPr>
+          <p:cNvPr id="4" name="Title 3">
+            <a:extLst>
+              <a:ext uri="{FF2B5EF4-FFF2-40B4-BE49-F238E27FC236}">
+                <a16:creationId xmlns:a16="http://schemas.microsoft.com/office/drawing/2014/main" id="{B9344724-5811-7FC9-D721-1CC26B8FA08B}"/>
+              </a:ext>
+            </a:extLst>
+          </p:cNvPr>
+          <p:cNvSpPr>
+            <a:spLocks noGrp="1"/>
+          </p:cNvSpPr>
+          <p:nvPr>
+            <p:ph type="title"/>
+          </p:nvPr>
+        </p:nvSpPr>
+        <p:spPr/>
+        <p:txBody>
+          <a:bodyPr/>
+          <a:lstStyle/>
+          <a:p>
+            <a:r>
+              <a:rPr lang="en-US" dirty="0"/>
+              <a:t>Estimating </a:t>
+            </a:r>
+            <a:r>
+              <a:rPr lang="en-US" b="1" dirty="0"/>
+              <a:t>Joint and </a:t>
+            </a:r>
+            <a:br>
+              <a:rPr lang="en-US" b="1" dirty="0"/>
+            </a:br>
+            <a:r>
+              <a:rPr lang="en-US" b="1" dirty="0"/>
+              <a:t>Marginal Probability Distributions </a:t>
+            </a:r>
+            <a:br>
+              <a:rPr lang="en-US" dirty="0"/>
+            </a:br>
+            <a:r>
+              <a:rPr lang="en-US" dirty="0"/>
+              <a:t>from BNs</a:t>
+            </a:r>
+          </a:p>
+        </p:txBody>
+      </p:sp>
+      <p:sp>
+        <p:nvSpPr>
+          <p:cNvPr id="5" name="Text Placeholder 4">
+            <a:extLst>
+              <a:ext uri="{FF2B5EF4-FFF2-40B4-BE49-F238E27FC236}">
+                <a16:creationId xmlns:a16="http://schemas.microsoft.com/office/drawing/2014/main" id="{39E4928C-1D50-1957-C3A6-34166C1A2703}"/>
+              </a:ext>
+            </a:extLst>
+          </p:cNvPr>
+          <p:cNvSpPr>
+            <a:spLocks noGrp="1"/>
+          </p:cNvSpPr>
+          <p:nvPr>
+            <p:ph type="body" idx="1"/>
+          </p:nvPr>
+        </p:nvSpPr>
+        <p:spPr/>
+        <p:txBody>
+          <a:bodyPr/>
+          <a:lstStyle/>
+          <a:p>
+            <a:endParaRPr lang="en-US"/>
+          </a:p>
+        </p:txBody>
+      </p:sp>
+    </p:spTree>
+    <p:extLst>
+      <p:ext uri="{BB962C8B-B14F-4D97-AF65-F5344CB8AC3E}">
+        <p14:creationId xmlns:p14="http://schemas.microsoft.com/office/powerpoint/2010/main" val="3318817501"/>
+      </p:ext>
+    </p:extLst>
+  </p:cSld>
+  <p:clrMapOvr>
+    <a:masterClrMapping/>
+  </p:clrMapOvr>
+</p:sld>
+</file>
+
+<file path=ppt/slides/slide32.xml><?xml version="1.0" encoding="utf-8"?>
+<p:sld xmlns:a="http://schemas.openxmlformats.org/drawingml/2006/main" xmlns:r="http://schemas.openxmlformats.org/officeDocument/2006/relationships" xmlns:p="http://schemas.openxmlformats.org/presentationml/2006/main">
+  <p:cSld>
+    <p:spTree>
+      <p:nvGrpSpPr>
+        <p:cNvPr id="1" name=""/>
+        <p:cNvGrpSpPr/>
+        <p:nvPr/>
+      </p:nvGrpSpPr>
+      <p:grpSpPr>
+        <a:xfrm>
+          <a:off x="0" y="0"/>
+          <a:ext cx="0" cy="0"/>
+          <a:chOff x="0" y="0"/>
+          <a:chExt cx="0" cy="0"/>
+        </a:xfrm>
+      </p:grpSpPr>
+      <p:sp>
+        <p:nvSpPr>
           <p:cNvPr id="2" name="Title 1">
             <a:extLst>
               <a:ext uri="{FF2B5EF4-FFF2-40B4-BE49-F238E27FC236}">
@@ -35340,7 +35445,7 @@
 </p:sld>
 </file>
 
-<file path=ppt/slides/slide32.xml><?xml version="1.0" encoding="utf-8"?>
+<file path=ppt/slides/slide33.xml><?xml version="1.0" encoding="utf-8"?>
 <p:sld xmlns:a="http://schemas.openxmlformats.org/drawingml/2006/main" xmlns:r="http://schemas.openxmlformats.org/officeDocument/2006/relationships" xmlns:p="http://schemas.openxmlformats.org/presentationml/2006/main">
   <p:cSld>
     <p:spTree>
@@ -35550,7 +35655,7 @@
 </p:sld>
 </file>
 
-<file path=ppt/slides/slide33.xml><?xml version="1.0" encoding="utf-8"?>
+<file path=ppt/slides/slide34.xml><?xml version="1.0" encoding="utf-8"?>
 <p:sld xmlns:a="http://schemas.openxmlformats.org/drawingml/2006/main" xmlns:r="http://schemas.openxmlformats.org/officeDocument/2006/relationships" xmlns:p="http://schemas.openxmlformats.org/presentationml/2006/main">
   <p:cSld>
     <p:spTree>
@@ -35771,7 +35876,7 @@
 </p:sld>
 </file>
 
-<file path=ppt/slides/slide34.xml><?xml version="1.0" encoding="utf-8"?>
+<file path=ppt/slides/slide35.xml><?xml version="1.0" encoding="utf-8"?>
 <p:sld xmlns:a="http://schemas.openxmlformats.org/drawingml/2006/main" xmlns:r="http://schemas.openxmlformats.org/officeDocument/2006/relationships" xmlns:p="http://schemas.openxmlformats.org/presentationml/2006/main">
   <p:cSld>
     <p:spTree>
@@ -35929,7 +36034,7 @@
 </p:sld>
 </file>
 
-<file path=ppt/slides/slide35.xml><?xml version="1.0" encoding="utf-8"?>
+<file path=ppt/slides/slide36.xml><?xml version="1.0" encoding="utf-8"?>
 <p:sld xmlns:a="http://schemas.openxmlformats.org/drawingml/2006/main" xmlns:r="http://schemas.openxmlformats.org/officeDocument/2006/relationships" xmlns:p="http://schemas.openxmlformats.org/presentationml/2006/main">
   <p:cSld>
     <p:spTree>
@@ -36087,7 +36192,7 @@
 </p:sld>
 </file>
 
-<file path=ppt/slides/slide36.xml><?xml version="1.0" encoding="utf-8"?>
+<file path=ppt/slides/slide37.xml><?xml version="1.0" encoding="utf-8"?>
 <p:sld xmlns:a="http://schemas.openxmlformats.org/drawingml/2006/main" xmlns:r="http://schemas.openxmlformats.org/officeDocument/2006/relationships" xmlns:p="http://schemas.openxmlformats.org/presentationml/2006/main">
   <p:cSld>
     <p:spTree>
@@ -36245,7 +36350,7 @@
 </p:sld>
 </file>
 
-<file path=ppt/slides/slide37.xml><?xml version="1.0" encoding="utf-8"?>
+<file path=ppt/slides/slide38.xml><?xml version="1.0" encoding="utf-8"?>
 <p:sld xmlns:a="http://schemas.openxmlformats.org/drawingml/2006/main" xmlns:r="http://schemas.openxmlformats.org/officeDocument/2006/relationships" xmlns:p="http://schemas.openxmlformats.org/presentationml/2006/main">
   <p:cSld>
     <p:spTree>
@@ -36470,7 +36575,7 @@
 </p:sld>
 </file>
 
-<file path=ppt/slides/slide38.xml><?xml version="1.0" encoding="utf-8"?>
+<file path=ppt/slides/slide39.xml><?xml version="1.0" encoding="utf-8"?>
 <p:sld xmlns:a="http://schemas.openxmlformats.org/drawingml/2006/main" xmlns:r="http://schemas.openxmlformats.org/officeDocument/2006/relationships" xmlns:p="http://schemas.openxmlformats.org/presentationml/2006/main">
   <p:cSld>
     <p:spTree>
@@ -37487,506 +37592,6 @@
 </p:sld>
 </file>
 
-<file path=ppt/slides/slide39.xml><?xml version="1.0" encoding="utf-8"?>
-<p:sld xmlns:a="http://schemas.openxmlformats.org/drawingml/2006/main" xmlns:r="http://schemas.openxmlformats.org/officeDocument/2006/relationships" xmlns:p="http://schemas.openxmlformats.org/presentationml/2006/main">
-  <p:cSld>
-    <p:spTree>
-      <p:nvGrpSpPr>
-        <p:cNvPr id="1" name=""/>
-        <p:cNvGrpSpPr/>
-        <p:nvPr/>
-      </p:nvGrpSpPr>
-      <p:grpSpPr>
-        <a:xfrm>
-          <a:off x="0" y="0"/>
-          <a:ext cx="0" cy="0"/>
-          <a:chOff x="0" y="0"/>
-          <a:chExt cx="0" cy="0"/>
-        </a:xfrm>
-      </p:grpSpPr>
-      <p:sp>
-        <p:nvSpPr>
-          <p:cNvPr id="2" name="Title 1"/>
-          <p:cNvSpPr>
-            <a:spLocks noGrp="1"/>
-          </p:cNvSpPr>
-          <p:nvPr>
-            <p:ph type="title"/>
-          </p:nvPr>
-        </p:nvSpPr>
-        <p:spPr/>
-        <p:txBody>
-          <a:bodyPr/>
-          <a:lstStyle/>
-          <a:p>
-            <a:r>
-              <a:rPr lang="en-US" dirty="0"/>
-              <a:t>Estimating Conditional Probabilities: </a:t>
-            </a:r>
-            <a:br>
-              <a:rPr lang="en-US" dirty="0"/>
-            </a:br>
-            <a:r>
-              <a:rPr lang="en-US" b="1" dirty="0"/>
-              <a:t>Rejection Sampling</a:t>
-            </a:r>
-          </a:p>
-        </p:txBody>
-      </p:sp>
-      <mc:AlternateContent xmlns:mc="http://schemas.openxmlformats.org/markup-compatibility/2006" xmlns:a14="http://schemas.microsoft.com/office/drawing/2010/main">
-        <mc:Choice Requires="a14">
-          <p:sp>
-            <p:nvSpPr>
-              <p:cNvPr id="3" name="Content Placeholder 2"/>
-              <p:cNvSpPr>
-                <a:spLocks noGrp="1"/>
-              </p:cNvSpPr>
-              <p:nvPr>
-                <p:ph idx="1"/>
-              </p:nvPr>
-            </p:nvSpPr>
-            <p:spPr>
-              <a:xfrm>
-                <a:off x="628650" y="1825625"/>
-                <a:ext cx="7886700" cy="3584575"/>
-              </a:xfrm>
-            </p:spPr>
-            <p:txBody>
-              <a:bodyPr>
-                <a:normAutofit lnSpcReduction="10000"/>
-              </a:bodyPr>
-              <a:lstStyle/>
-              <a:p>
-                <a:pPr marL="0" indent="0">
-                  <a:buNone/>
-                </a:pPr>
-                <a:r>
-                  <a:rPr lang="en-US" dirty="0"/>
-                  <a:t>Sample N times and </a:t>
-                </a:r>
-                <a:r>
-                  <a:rPr lang="en-US" b="1" dirty="0">
-                    <a:solidFill>
-                      <a:srgbClr val="FF0000"/>
-                    </a:solidFill>
-                  </a:rPr>
-                  <a:t>ignore the samples that are not consistent with the evidence e</a:t>
-                </a:r>
-                <a:r>
-                  <a:rPr lang="en-US" dirty="0"/>
-                  <a:t>.</a:t>
-                </a:r>
-              </a:p>
-              <a:p>
-                <a:pPr marL="0" indent="0">
-                  <a:buNone/>
-                </a:pPr>
-                <a:endParaRPr lang="en-US" dirty="0"/>
-              </a:p>
-              <a:p>
-                <a:pPr marL="0" indent="0">
-                  <a:buNone/>
-                </a:pPr>
-                <a:endParaRPr lang="en-US" dirty="0"/>
-              </a:p>
-              <a:p>
-                <a:pPr marL="0" indent="0" algn="ctr">
-                  <a:buNone/>
-                </a:pPr>
-                <a14:m>
-                  <m:oMathPara xmlns:m="http://schemas.openxmlformats.org/officeDocument/2006/math">
-                    <m:oMathParaPr>
-                      <m:jc m:val="centerGroup"/>
-                    </m:oMathParaPr>
-                    <m:oMath xmlns:m="http://schemas.openxmlformats.org/officeDocument/2006/math">
-                      <m:acc>
-                        <m:accPr>
-                          <m:chr m:val="̂"/>
-                          <m:ctrlPr>
-                            <a:rPr lang="en-US" b="1" i="1">
-                              <a:latin typeface="Cambria Math" panose="02040503050406030204" pitchFamily="18" charset="0"/>
-                            </a:rPr>
-                          </m:ctrlPr>
-                        </m:accPr>
-                        <m:e>
-                          <m:r>
-                            <a:rPr lang="en-US" b="1" i="1">
-                              <a:latin typeface="Cambria Math" panose="02040503050406030204" pitchFamily="18" charset="0"/>
-                            </a:rPr>
-                            <m:t>𝑷</m:t>
-                          </m:r>
-                        </m:e>
-                      </m:acc>
-                      <m:d>
-                        <m:dPr>
-                          <m:ctrlPr>
-                            <a:rPr lang="en-US" i="1">
-                              <a:latin typeface="Cambria Math" panose="02040503050406030204" pitchFamily="18" charset="0"/>
-                            </a:rPr>
-                          </m:ctrlPr>
-                        </m:dPr>
-                        <m:e>
-                          <m:r>
-                            <a:rPr lang="en-US" i="1">
-                              <a:latin typeface="Cambria Math" panose="02040503050406030204" pitchFamily="18" charset="0"/>
-                            </a:rPr>
-                            <m:t>𝑋</m:t>
-                          </m:r>
-                          <m:r>
-                            <a:rPr lang="en-US" i="1">
-                              <a:latin typeface="Cambria Math" panose="02040503050406030204" pitchFamily="18" charset="0"/>
-                            </a:rPr>
-                            <m:t>|</m:t>
-                          </m:r>
-                          <m:r>
-                            <a:rPr lang="en-US" b="1" i="1">
-                              <a:latin typeface="Cambria Math" panose="02040503050406030204" pitchFamily="18" charset="0"/>
-                            </a:rPr>
-                            <m:t>𝒆</m:t>
-                          </m:r>
-                        </m:e>
-                      </m:d>
-                      <m:r>
-                        <a:rPr lang="en-US" i="1">
-                          <a:latin typeface="Cambria Math" panose="02040503050406030204" pitchFamily="18" charset="0"/>
-                        </a:rPr>
-                        <m:t>=</m:t>
-                      </m:r>
-                      <m:f>
-                        <m:fPr>
-                          <m:ctrlPr>
-                            <a:rPr lang="en-US" i="1">
-                              <a:latin typeface="Cambria Math" panose="02040503050406030204" pitchFamily="18" charset="0"/>
-                            </a:rPr>
-                          </m:ctrlPr>
-                        </m:fPr>
-                        <m:num>
-                          <m:sSub>
-                            <m:sSubPr>
-                              <m:ctrlPr>
-                                <a:rPr lang="en-US" i="1">
-                                  <a:latin typeface="Cambria Math" panose="02040503050406030204" pitchFamily="18" charset="0"/>
-                                </a:rPr>
-                              </m:ctrlPr>
-                            </m:sSubPr>
-                            <m:e>
-                              <m:r>
-                                <a:rPr lang="en-US" b="1" i="1">
-                                  <a:latin typeface="Cambria Math" panose="02040503050406030204" pitchFamily="18" charset="0"/>
-                                </a:rPr>
-                                <m:t>𝑵</m:t>
-                              </m:r>
-                            </m:e>
-                            <m:sub>
-                              <m:r>
-                                <a:rPr lang="en-US" i="1">
-                                  <a:latin typeface="Cambria Math" panose="02040503050406030204" pitchFamily="18" charset="0"/>
-                                </a:rPr>
-                                <m:t>𝑃𝑆</m:t>
-                              </m:r>
-                            </m:sub>
-                          </m:sSub>
-                          <m:r>
-                            <a:rPr lang="en-US" i="1">
-                              <a:latin typeface="Cambria Math" panose="02040503050406030204" pitchFamily="18" charset="0"/>
-                            </a:rPr>
-                            <m:t>(</m:t>
-                          </m:r>
-                          <m:r>
-                            <a:rPr lang="en-US" i="1">
-                              <a:latin typeface="Cambria Math" panose="02040503050406030204" pitchFamily="18" charset="0"/>
-                            </a:rPr>
-                            <m:t>𝑋</m:t>
-                          </m:r>
-                          <m:r>
-                            <a:rPr lang="en-US" i="1">
-                              <a:latin typeface="Cambria Math" panose="02040503050406030204" pitchFamily="18" charset="0"/>
-                            </a:rPr>
-                            <m:t>,</m:t>
-                          </m:r>
-                          <m:r>
-                            <a:rPr lang="en-US" b="1" i="1">
-                              <a:latin typeface="Cambria Math" panose="02040503050406030204" pitchFamily="18" charset="0"/>
-                            </a:rPr>
-                            <m:t>𝒆</m:t>
-                          </m:r>
-                          <m:r>
-                            <a:rPr lang="en-US" i="1">
-                              <a:latin typeface="Cambria Math" panose="02040503050406030204" pitchFamily="18" charset="0"/>
-                            </a:rPr>
-                            <m:t>)</m:t>
-                          </m:r>
-                        </m:num>
-                        <m:den>
-                          <m:sSub>
-                            <m:sSubPr>
-                              <m:ctrlPr>
-                                <a:rPr lang="en-US" i="1">
-                                  <a:latin typeface="Cambria Math" panose="02040503050406030204" pitchFamily="18" charset="0"/>
-                                </a:rPr>
-                              </m:ctrlPr>
-                            </m:sSubPr>
-                            <m:e>
-                              <m:r>
-                                <a:rPr lang="en-US" i="1">
-                                  <a:latin typeface="Cambria Math" panose="02040503050406030204" pitchFamily="18" charset="0"/>
-                                </a:rPr>
-                                <m:t>𝑁</m:t>
-                              </m:r>
-                            </m:e>
-                            <m:sub>
-                              <m:r>
-                                <a:rPr lang="en-US" i="1">
-                                  <a:latin typeface="Cambria Math" panose="02040503050406030204" pitchFamily="18" charset="0"/>
-                                </a:rPr>
-                                <m:t>𝑃𝑆</m:t>
-                              </m:r>
-                            </m:sub>
-                          </m:sSub>
-                          <m:d>
-                            <m:dPr>
-                              <m:ctrlPr>
-                                <a:rPr lang="en-US" i="1">
-                                  <a:latin typeface="Cambria Math" panose="02040503050406030204" pitchFamily="18" charset="0"/>
-                                </a:rPr>
-                              </m:ctrlPr>
-                            </m:dPr>
-                            <m:e>
-                              <m:r>
-                                <a:rPr lang="en-US" b="1" i="1">
-                                  <a:latin typeface="Cambria Math" panose="02040503050406030204" pitchFamily="18" charset="0"/>
-                                </a:rPr>
-                                <m:t>𝒆</m:t>
-                              </m:r>
-                            </m:e>
-                          </m:d>
-                        </m:den>
-                      </m:f>
-                      <m:r>
-                        <a:rPr lang="en-US" i="1">
-                          <a:latin typeface="Cambria Math" panose="02040503050406030204" pitchFamily="18" charset="0"/>
-                        </a:rPr>
-                        <m:t>=</m:t>
-                      </m:r>
-                      <m:r>
-                        <a:rPr lang="en-US" i="1">
-                          <a:latin typeface="Cambria Math" panose="02040503050406030204" pitchFamily="18" charset="0"/>
-                        </a:rPr>
-                        <m:t>𝛼</m:t>
-                      </m:r>
-                      <m:sSub>
-                        <m:sSubPr>
-                          <m:ctrlPr>
-                            <a:rPr lang="en-US" i="1">
-                              <a:latin typeface="Cambria Math" panose="02040503050406030204" pitchFamily="18" charset="0"/>
-                            </a:rPr>
-                          </m:ctrlPr>
-                        </m:sSubPr>
-                        <m:e>
-                          <m:r>
-                            <a:rPr lang="en-US" b="1" i="1">
-                              <a:latin typeface="Cambria Math" panose="02040503050406030204" pitchFamily="18" charset="0"/>
-                            </a:rPr>
-                            <m:t>𝑵</m:t>
-                          </m:r>
-                        </m:e>
-                        <m:sub>
-                          <m:r>
-                            <a:rPr lang="en-US" i="1">
-                              <a:latin typeface="Cambria Math" panose="02040503050406030204" pitchFamily="18" charset="0"/>
-                            </a:rPr>
-                            <m:t>𝑃𝑆</m:t>
-                          </m:r>
-                        </m:sub>
-                      </m:sSub>
-                      <m:d>
-                        <m:dPr>
-                          <m:ctrlPr>
-                            <a:rPr lang="en-US" i="1">
-                              <a:latin typeface="Cambria Math" panose="02040503050406030204" pitchFamily="18" charset="0"/>
-                            </a:rPr>
-                          </m:ctrlPr>
-                        </m:dPr>
-                        <m:e>
-                          <m:r>
-                            <a:rPr lang="en-US" i="1">
-                              <a:latin typeface="Cambria Math" panose="02040503050406030204" pitchFamily="18" charset="0"/>
-                            </a:rPr>
-                            <m:t>𝑋</m:t>
-                          </m:r>
-                          <m:r>
-                            <a:rPr lang="en-US" i="1">
-                              <a:latin typeface="Cambria Math" panose="02040503050406030204" pitchFamily="18" charset="0"/>
-                            </a:rPr>
-                            <m:t>,</m:t>
-                          </m:r>
-                          <m:r>
-                            <a:rPr lang="en-US" b="1" i="1">
-                              <a:latin typeface="Cambria Math" panose="02040503050406030204" pitchFamily="18" charset="0"/>
-                            </a:rPr>
-                            <m:t>𝒆</m:t>
-                          </m:r>
-                        </m:e>
-                      </m:d>
-                    </m:oMath>
-                  </m:oMathPara>
-                </a14:m>
-                <a:endParaRPr lang="en-US" dirty="0"/>
-              </a:p>
-              <a:p>
-                <a:endParaRPr lang="en-US" dirty="0"/>
-              </a:p>
-              <a:p>
-                <a:pPr marL="0" indent="0">
-                  <a:buNone/>
-                </a:pPr>
-                <a:r>
-                  <a:rPr lang="en-US" b="1" dirty="0"/>
-                  <a:t>Issue</a:t>
-                </a:r>
-                <a:r>
-                  <a:rPr lang="en-US" dirty="0"/>
-                  <a:t>: What if e is a rare event? </a:t>
-                </a:r>
-              </a:p>
-              <a:p>
-                <a:pPr lvl="1"/>
-                <a:r>
-                  <a:rPr lang="en-US" dirty="0"/>
-                  <a:t>Example: burglary </a:t>
-                </a:r>
-                <a:r>
-                  <a:rPr lang="en-US" dirty="0">
-                    <a:sym typeface="Symbol"/>
-                  </a:rPr>
-                  <a:t> earthquake</a:t>
-                </a:r>
-              </a:p>
-              <a:p>
-                <a:pPr lvl="1"/>
-                <a:r>
-                  <a:rPr lang="en-US" dirty="0">
-                    <a:sym typeface="Symbol"/>
-                  </a:rPr>
-                  <a:t>Rejection sampling ends up throwing away most of the samples. This is very inefficient!</a:t>
-                </a:r>
-                <a:endParaRPr lang="en-US" dirty="0"/>
-              </a:p>
-              <a:p>
-                <a:endParaRPr lang="en-US" sz="2800" dirty="0"/>
-              </a:p>
-              <a:p>
-                <a:pPr marL="0" indent="0">
-                  <a:buNone/>
-                </a:pPr>
-                <a:endParaRPr lang="en-US" sz="2800" dirty="0"/>
-              </a:p>
-            </p:txBody>
-          </p:sp>
-        </mc:Choice>
-        <mc:Fallback xmlns="">
-          <p:sp>
-            <p:nvSpPr>
-              <p:cNvPr id="3" name="Content Placeholder 2"/>
-              <p:cNvSpPr>
-                <a:spLocks noGrp="1" noRot="1" noChangeAspect="1" noMove="1" noResize="1" noEditPoints="1" noAdjustHandles="1" noChangeArrowheads="1" noChangeShapeType="1" noTextEdit="1"/>
-              </p:cNvSpPr>
-              <p:nvPr>
-                <p:ph idx="1"/>
-              </p:nvPr>
-            </p:nvSpPr>
-            <p:spPr>
-              <a:xfrm>
-                <a:off x="628650" y="1825625"/>
-                <a:ext cx="7886700" cy="3584575"/>
-              </a:xfrm>
-              <a:blipFill>
-                <a:blip r:embed="rId3"/>
-                <a:stretch>
-                  <a:fillRect l="-927" t="-2547"/>
-                </a:stretch>
-              </a:blipFill>
-            </p:spPr>
-            <p:txBody>
-              <a:bodyPr/>
-              <a:lstStyle/>
-              <a:p>
-                <a:r>
-                  <a:rPr lang="en-US">
-                    <a:noFill/>
-                  </a:rPr>
-                  <a:t> </a:t>
-                </a:r>
-              </a:p>
-            </p:txBody>
-          </p:sp>
-        </mc:Fallback>
-      </mc:AlternateContent>
-      <p:sp>
-        <p:nvSpPr>
-          <p:cNvPr id="4" name="Speech Bubble: Rectangle 3">
-            <a:extLst>
-              <a:ext uri="{FF2B5EF4-FFF2-40B4-BE49-F238E27FC236}">
-                <a16:creationId xmlns:a16="http://schemas.microsoft.com/office/drawing/2014/main" id="{0A8F87A3-E058-CDDE-6C4A-C41616EB981E}"/>
-              </a:ext>
-            </a:extLst>
-          </p:cNvPr>
-          <p:cNvSpPr/>
-          <p:nvPr/>
-        </p:nvSpPr>
-        <p:spPr>
-          <a:xfrm>
-            <a:off x="7010400" y="3886200"/>
-            <a:ext cx="1219200" cy="457200"/>
-          </a:xfrm>
-          <a:prstGeom prst="wedgeRectCallout">
-            <a:avLst>
-              <a:gd name="adj1" fmla="val -183179"/>
-              <a:gd name="adj2" fmla="val -126500"/>
-            </a:avLst>
-          </a:prstGeom>
-        </p:spPr>
-        <p:style>
-          <a:lnRef idx="2">
-            <a:schemeClr val="accent3">
-              <a:shade val="15000"/>
-            </a:schemeClr>
-          </a:lnRef>
-          <a:fillRef idx="1">
-            <a:schemeClr val="accent3"/>
-          </a:fillRef>
-          <a:effectRef idx="0">
-            <a:schemeClr val="accent3"/>
-          </a:effectRef>
-          <a:fontRef idx="minor">
-            <a:schemeClr val="lt1"/>
-          </a:fontRef>
-        </p:style>
-        <p:txBody>
-          <a:bodyPr rtlCol="0" anchor="ctr"/>
-          <a:lstStyle/>
-          <a:p>
-            <a:pPr algn="ctr"/>
-            <a:r>
-              <a:rPr lang="en-US" sz="1400" dirty="0"/>
-              <a:t>Normalization trick</a:t>
-            </a:r>
-          </a:p>
-        </p:txBody>
-      </p:sp>
-    </p:spTree>
-    <p:extLst>
-      <p:ext uri="{BB962C8B-B14F-4D97-AF65-F5344CB8AC3E}">
-        <p14:creationId xmlns:p14="http://schemas.microsoft.com/office/powerpoint/2010/main" val="4109309758"/>
-      </p:ext>
-    </p:extLst>
-  </p:cSld>
-  <p:clrMapOvr>
-    <a:masterClrMapping/>
-  </p:clrMapOvr>
-</p:sld>
-</file>
-
 <file path=ppt/slides/slide4.xml><?xml version="1.0" encoding="utf-8"?>
 <p:sld xmlns:a="http://schemas.openxmlformats.org/drawingml/2006/main" xmlns:r="http://schemas.openxmlformats.org/officeDocument/2006/relationships" xmlns:p="http://schemas.openxmlformats.org/presentationml/2006/main">
   <p:cSld>
@@ -38378,6 +37983,1276 @@
   <p:cSld>
     <p:spTree>
       <p:nvGrpSpPr>
+        <p:cNvPr id="1" name="">
+          <a:extLst>
+            <a:ext uri="{FF2B5EF4-FFF2-40B4-BE49-F238E27FC236}">
+              <a16:creationId xmlns:a16="http://schemas.microsoft.com/office/drawing/2014/main" id="{4A4F1D80-69E7-F100-E481-E549C595D03F}"/>
+            </a:ext>
+          </a:extLst>
+        </p:cNvPr>
+        <p:cNvGrpSpPr/>
+        <p:nvPr/>
+      </p:nvGrpSpPr>
+      <p:grpSpPr>
+        <a:xfrm>
+          <a:off x="0" y="0"/>
+          <a:ext cx="0" cy="0"/>
+          <a:chOff x="0" y="0"/>
+          <a:chExt cx="0" cy="0"/>
+        </a:xfrm>
+      </p:grpSpPr>
+      <p:sp>
+        <p:nvSpPr>
+          <p:cNvPr id="4" name="Title 3">
+            <a:extLst>
+              <a:ext uri="{FF2B5EF4-FFF2-40B4-BE49-F238E27FC236}">
+                <a16:creationId xmlns:a16="http://schemas.microsoft.com/office/drawing/2014/main" id="{514E567D-5B13-2B71-5511-B574C0DA809A}"/>
+              </a:ext>
+            </a:extLst>
+          </p:cNvPr>
+          <p:cNvSpPr>
+            <a:spLocks noGrp="1"/>
+          </p:cNvSpPr>
+          <p:nvPr>
+            <p:ph type="title"/>
+          </p:nvPr>
+        </p:nvSpPr>
+        <p:spPr/>
+        <p:txBody>
+          <a:bodyPr>
+            <a:normAutofit/>
+          </a:bodyPr>
+          <a:lstStyle/>
+          <a:p>
+            <a:r>
+              <a:rPr lang="en-US" sz="4000" dirty="0"/>
+              <a:t>Estimating </a:t>
+            </a:r>
+            <a:br>
+              <a:rPr lang="en-US" sz="4000" dirty="0"/>
+            </a:br>
+            <a:r>
+              <a:rPr lang="en-US" sz="4000" b="1" dirty="0"/>
+              <a:t>Conditional Probability Distributions </a:t>
+            </a:r>
+            <a:br>
+              <a:rPr lang="en-US" sz="4000" dirty="0"/>
+            </a:br>
+            <a:r>
+              <a:rPr lang="en-US" sz="4000" dirty="0"/>
+              <a:t>from BNs</a:t>
+            </a:r>
+          </a:p>
+        </p:txBody>
+      </p:sp>
+      <p:sp>
+        <p:nvSpPr>
+          <p:cNvPr id="5" name="Text Placeholder 4">
+            <a:extLst>
+              <a:ext uri="{FF2B5EF4-FFF2-40B4-BE49-F238E27FC236}">
+                <a16:creationId xmlns:a16="http://schemas.microsoft.com/office/drawing/2014/main" id="{8870DFCB-1794-B707-9C01-FED592346816}"/>
+              </a:ext>
+            </a:extLst>
+          </p:cNvPr>
+          <p:cNvSpPr>
+            <a:spLocks noGrp="1"/>
+          </p:cNvSpPr>
+          <p:nvPr>
+            <p:ph type="body" idx="1"/>
+          </p:nvPr>
+        </p:nvSpPr>
+        <p:spPr/>
+        <p:txBody>
+          <a:bodyPr/>
+          <a:lstStyle/>
+          <a:p>
+            <a:r>
+              <a:rPr lang="en-US" dirty="0"/>
+              <a:t>Estimate posterior probabilities for decision making </a:t>
+            </a:r>
+          </a:p>
+        </p:txBody>
+      </p:sp>
+    </p:spTree>
+    <p:extLst>
+      <p:ext uri="{BB962C8B-B14F-4D97-AF65-F5344CB8AC3E}">
+        <p14:creationId xmlns:p14="http://schemas.microsoft.com/office/powerpoint/2010/main" val="2370319908"/>
+      </p:ext>
+    </p:extLst>
+  </p:cSld>
+  <p:clrMapOvr>
+    <a:masterClrMapping/>
+  </p:clrMapOvr>
+</p:sld>
+</file>
+
+<file path=ppt/slides/slide41.xml><?xml version="1.0" encoding="utf-8"?>
+<p:sld xmlns:a="http://schemas.openxmlformats.org/drawingml/2006/main" xmlns:r="http://schemas.openxmlformats.org/officeDocument/2006/relationships" xmlns:p="http://schemas.openxmlformats.org/presentationml/2006/main">
+  <p:cSld>
+    <p:spTree>
+      <p:nvGrpSpPr>
+        <p:cNvPr id="1" name=""/>
+        <p:cNvGrpSpPr/>
+        <p:nvPr/>
+      </p:nvGrpSpPr>
+      <p:grpSpPr>
+        <a:xfrm>
+          <a:off x="0" y="0"/>
+          <a:ext cx="0" cy="0"/>
+          <a:chOff x="0" y="0"/>
+          <a:chExt cx="0" cy="0"/>
+        </a:xfrm>
+      </p:grpSpPr>
+      <p:pic>
+        <p:nvPicPr>
+          <p:cNvPr id="5" name="Picture 4">
+            <a:extLst>
+              <a:ext uri="{FF2B5EF4-FFF2-40B4-BE49-F238E27FC236}">
+                <a16:creationId xmlns:a16="http://schemas.microsoft.com/office/drawing/2014/main" id="{49DB5346-3E5F-1B61-5554-C12DEDAE522F}"/>
+              </a:ext>
+              <a:ext uri="{C183D7F6-B498-43B3-948B-1728B52AA6E4}">
+                <adec:decorative xmlns:adec="http://schemas.microsoft.com/office/drawing/2017/decorative" val="1"/>
+              </a:ext>
+            </a:extLst>
+          </p:cNvPr>
+          <p:cNvPicPr>
+            <a:picLocks noChangeAspect="1"/>
+          </p:cNvPicPr>
+          <p:nvPr/>
+        </p:nvPicPr>
+        <p:blipFill>
+          <a:blip r:embed="rId3"/>
+          <a:stretch>
+            <a:fillRect/>
+          </a:stretch>
+        </p:blipFill>
+        <p:spPr>
+          <a:xfrm>
+            <a:off x="5847090" y="2692256"/>
+            <a:ext cx="3041806" cy="2794144"/>
+          </a:xfrm>
+          <a:prstGeom prst="rect">
+            <a:avLst/>
+          </a:prstGeom>
+        </p:spPr>
+      </p:pic>
+      <p:sp>
+        <p:nvSpPr>
+          <p:cNvPr id="2" name="Title 1"/>
+          <p:cNvSpPr>
+            <a:spLocks noGrp="1"/>
+          </p:cNvSpPr>
+          <p:nvPr>
+            <p:ph type="title"/>
+          </p:nvPr>
+        </p:nvSpPr>
+        <p:spPr>
+          <a:xfrm>
+            <a:off x="628650" y="365126"/>
+            <a:ext cx="5543550" cy="1325563"/>
+          </a:xfrm>
+        </p:spPr>
+        <p:txBody>
+          <a:bodyPr>
+            <a:noAutofit/>
+          </a:bodyPr>
+          <a:lstStyle/>
+          <a:p>
+            <a:r>
+              <a:rPr lang="en-US" sz="2800" dirty="0"/>
+              <a:t>Estimating Conditional Probabilities: </a:t>
+            </a:r>
+            <a:br>
+              <a:rPr lang="en-US" sz="2800" dirty="0"/>
+            </a:br>
+            <a:r>
+              <a:rPr lang="en-US" sz="2800" b="1" dirty="0"/>
+              <a:t>Rejection Sampling</a:t>
+            </a:r>
+          </a:p>
+        </p:txBody>
+      </p:sp>
+      <mc:AlternateContent xmlns:mc="http://schemas.openxmlformats.org/markup-compatibility/2006">
+        <mc:Choice xmlns:a14="http://schemas.microsoft.com/office/drawing/2010/main" Requires="a14">
+          <p:sp>
+            <p:nvSpPr>
+              <p:cNvPr id="3" name="Content Placeholder 2"/>
+              <p:cNvSpPr>
+                <a:spLocks noGrp="1"/>
+              </p:cNvSpPr>
+              <p:nvPr>
+                <p:ph idx="1"/>
+              </p:nvPr>
+            </p:nvSpPr>
+            <p:spPr>
+              <a:xfrm>
+                <a:off x="628650" y="1825625"/>
+                <a:ext cx="4672435" cy="4270375"/>
+              </a:xfrm>
+            </p:spPr>
+            <p:txBody>
+              <a:bodyPr>
+                <a:normAutofit fontScale="77500" lnSpcReduction="20000"/>
+              </a:bodyPr>
+              <a:lstStyle/>
+              <a:p>
+                <a:pPr marL="0" indent="0">
+                  <a:buNone/>
+                </a:pPr>
+                <a:r>
+                  <a:rPr lang="en-US" dirty="0"/>
+                  <a:t>To react to observed evidence, we want to estimate conditional probabilities. At this point, the </a:t>
+                </a:r>
+                <a:r>
+                  <a:rPr lang="en-US" b="1" dirty="0"/>
+                  <a:t>evidence</a:t>
+                </a:r>
+                <a:r>
+                  <a:rPr lang="en-US" dirty="0"/>
+                  <a:t> variables are no longer random but </a:t>
+                </a:r>
+                <a:r>
+                  <a:rPr lang="en-US" b="1" dirty="0"/>
+                  <a:t>fixed</a:t>
+                </a:r>
+                <a:r>
+                  <a:rPr lang="en-US" dirty="0"/>
+                  <a:t>.</a:t>
+                </a:r>
+              </a:p>
+              <a:p>
+                <a:pPr marL="0" indent="0">
+                  <a:buNone/>
+                </a:pPr>
+                <a:r>
+                  <a:rPr lang="en-US" b="1" dirty="0"/>
+                  <a:t>Issue</a:t>
+                </a:r>
+                <a:r>
+                  <a:rPr lang="en-US" dirty="0"/>
+                  <a:t>: Prior samples ignore the relationship to the fixed evidence.</a:t>
+                </a:r>
+              </a:p>
+              <a:p>
+                <a:pPr marL="0" indent="0">
+                  <a:buNone/>
+                </a:pPr>
+                <a:r>
+                  <a:rPr lang="en-US" b="1" dirty="0"/>
+                  <a:t>Idea</a:t>
+                </a:r>
+                <a:r>
+                  <a:rPr lang="en-US" dirty="0"/>
+                  <a:t>: Sample N times and </a:t>
+                </a:r>
+                <a:r>
+                  <a:rPr lang="en-US" b="1" dirty="0">
+                    <a:solidFill>
+                      <a:srgbClr val="FF0000"/>
+                    </a:solidFill>
+                  </a:rPr>
+                  <a:t>ignore the samples </a:t>
+                </a:r>
+                <a:br>
+                  <a:rPr lang="en-US" b="1" dirty="0">
+                    <a:solidFill>
+                      <a:srgbClr val="FF0000"/>
+                    </a:solidFill>
+                  </a:rPr>
+                </a:br>
+                <a:r>
+                  <a:rPr lang="en-US" b="1" dirty="0">
+                    <a:solidFill>
+                      <a:srgbClr val="FF0000"/>
+                    </a:solidFill>
+                  </a:rPr>
+                  <a:t>that are not consistent with the evidence e</a:t>
+                </a:r>
+                <a:r>
+                  <a:rPr lang="en-US" dirty="0"/>
+                  <a:t>.</a:t>
+                </a:r>
+              </a:p>
+              <a:p>
+                <a:pPr marL="0" indent="0">
+                  <a:buNone/>
+                </a:pPr>
+                <a:endParaRPr lang="en-US" dirty="0"/>
+              </a:p>
+              <a:p>
+                <a:pPr marL="0" indent="0">
+                  <a:buNone/>
+                </a:pPr>
+                <a:endParaRPr lang="en-US" dirty="0"/>
+              </a:p>
+              <a:p>
+                <a:pPr marL="0" indent="0" algn="ctr">
+                  <a:buNone/>
+                </a:pPr>
+                <a14:m>
+                  <m:oMathPara xmlns:m="http://schemas.openxmlformats.org/officeDocument/2006/math">
+                    <m:oMathParaPr>
+                      <m:jc m:val="centerGroup"/>
+                    </m:oMathParaPr>
+                    <m:oMath xmlns:m="http://schemas.openxmlformats.org/officeDocument/2006/math">
+                      <m:acc>
+                        <m:accPr>
+                          <m:chr m:val="̂"/>
+                          <m:ctrlPr>
+                            <a:rPr lang="en-US" b="1" i="1">
+                              <a:latin typeface="Cambria Math" panose="02040503050406030204" pitchFamily="18" charset="0"/>
+                            </a:rPr>
+                          </m:ctrlPr>
+                        </m:accPr>
+                        <m:e>
+                          <m:r>
+                            <a:rPr lang="en-US" b="1" i="1">
+                              <a:latin typeface="Cambria Math" panose="02040503050406030204" pitchFamily="18" charset="0"/>
+                            </a:rPr>
+                            <m:t>𝑷</m:t>
+                          </m:r>
+                        </m:e>
+                      </m:acc>
+                      <m:d>
+                        <m:dPr>
+                          <m:ctrlPr>
+                            <a:rPr lang="en-US" i="1">
+                              <a:latin typeface="Cambria Math" panose="02040503050406030204" pitchFamily="18" charset="0"/>
+                            </a:rPr>
+                          </m:ctrlPr>
+                        </m:dPr>
+                        <m:e>
+                          <m:r>
+                            <a:rPr lang="en-US" i="1">
+                              <a:latin typeface="Cambria Math" panose="02040503050406030204" pitchFamily="18" charset="0"/>
+                            </a:rPr>
+                            <m:t>𝑋</m:t>
+                          </m:r>
+                          <m:r>
+                            <a:rPr lang="en-US" i="1">
+                              <a:latin typeface="Cambria Math" panose="02040503050406030204" pitchFamily="18" charset="0"/>
+                            </a:rPr>
+                            <m:t>|</m:t>
+                          </m:r>
+                          <m:r>
+                            <a:rPr lang="en-US" b="1" i="1">
+                              <a:latin typeface="Cambria Math" panose="02040503050406030204" pitchFamily="18" charset="0"/>
+                            </a:rPr>
+                            <m:t>𝒆</m:t>
+                          </m:r>
+                        </m:e>
+                      </m:d>
+                      <m:r>
+                        <a:rPr lang="en-US" i="1">
+                          <a:latin typeface="Cambria Math" panose="02040503050406030204" pitchFamily="18" charset="0"/>
+                        </a:rPr>
+                        <m:t>=</m:t>
+                      </m:r>
+                      <m:f>
+                        <m:fPr>
+                          <m:ctrlPr>
+                            <a:rPr lang="en-US" i="1">
+                              <a:latin typeface="Cambria Math" panose="02040503050406030204" pitchFamily="18" charset="0"/>
+                            </a:rPr>
+                          </m:ctrlPr>
+                        </m:fPr>
+                        <m:num>
+                          <m:sSub>
+                            <m:sSubPr>
+                              <m:ctrlPr>
+                                <a:rPr lang="en-US" i="1">
+                                  <a:latin typeface="Cambria Math" panose="02040503050406030204" pitchFamily="18" charset="0"/>
+                                </a:rPr>
+                              </m:ctrlPr>
+                            </m:sSubPr>
+                            <m:e>
+                              <m:r>
+                                <a:rPr lang="en-US" b="1" i="1">
+                                  <a:latin typeface="Cambria Math" panose="02040503050406030204" pitchFamily="18" charset="0"/>
+                                </a:rPr>
+                                <m:t>𝑵</m:t>
+                              </m:r>
+                            </m:e>
+                            <m:sub>
+                              <m:r>
+                                <a:rPr lang="en-US" i="1">
+                                  <a:latin typeface="Cambria Math" panose="02040503050406030204" pitchFamily="18" charset="0"/>
+                                </a:rPr>
+                                <m:t>𝑃𝑆</m:t>
+                              </m:r>
+                            </m:sub>
+                          </m:sSub>
+                          <m:r>
+                            <a:rPr lang="en-US" i="1">
+                              <a:latin typeface="Cambria Math" panose="02040503050406030204" pitchFamily="18" charset="0"/>
+                            </a:rPr>
+                            <m:t>(</m:t>
+                          </m:r>
+                          <m:r>
+                            <a:rPr lang="en-US" i="1">
+                              <a:latin typeface="Cambria Math" panose="02040503050406030204" pitchFamily="18" charset="0"/>
+                            </a:rPr>
+                            <m:t>𝑋</m:t>
+                          </m:r>
+                          <m:r>
+                            <a:rPr lang="en-US" i="1">
+                              <a:latin typeface="Cambria Math" panose="02040503050406030204" pitchFamily="18" charset="0"/>
+                            </a:rPr>
+                            <m:t>,</m:t>
+                          </m:r>
+                          <m:r>
+                            <a:rPr lang="en-US" b="1" i="1">
+                              <a:latin typeface="Cambria Math" panose="02040503050406030204" pitchFamily="18" charset="0"/>
+                            </a:rPr>
+                            <m:t>𝒆</m:t>
+                          </m:r>
+                          <m:r>
+                            <a:rPr lang="en-US" i="1">
+                              <a:latin typeface="Cambria Math" panose="02040503050406030204" pitchFamily="18" charset="0"/>
+                            </a:rPr>
+                            <m:t>)</m:t>
+                          </m:r>
+                        </m:num>
+                        <m:den>
+                          <m:sSub>
+                            <m:sSubPr>
+                              <m:ctrlPr>
+                                <a:rPr lang="en-US" i="1">
+                                  <a:latin typeface="Cambria Math" panose="02040503050406030204" pitchFamily="18" charset="0"/>
+                                </a:rPr>
+                              </m:ctrlPr>
+                            </m:sSubPr>
+                            <m:e>
+                              <m:r>
+                                <a:rPr lang="en-US" i="1">
+                                  <a:latin typeface="Cambria Math" panose="02040503050406030204" pitchFamily="18" charset="0"/>
+                                </a:rPr>
+                                <m:t>𝑁</m:t>
+                              </m:r>
+                            </m:e>
+                            <m:sub>
+                              <m:r>
+                                <a:rPr lang="en-US" i="1">
+                                  <a:latin typeface="Cambria Math" panose="02040503050406030204" pitchFamily="18" charset="0"/>
+                                </a:rPr>
+                                <m:t>𝑃𝑆</m:t>
+                              </m:r>
+                            </m:sub>
+                          </m:sSub>
+                          <m:d>
+                            <m:dPr>
+                              <m:ctrlPr>
+                                <a:rPr lang="en-US" i="1">
+                                  <a:latin typeface="Cambria Math" panose="02040503050406030204" pitchFamily="18" charset="0"/>
+                                </a:rPr>
+                              </m:ctrlPr>
+                            </m:dPr>
+                            <m:e>
+                              <m:r>
+                                <a:rPr lang="en-US" b="1" i="1">
+                                  <a:latin typeface="Cambria Math" panose="02040503050406030204" pitchFamily="18" charset="0"/>
+                                </a:rPr>
+                                <m:t>𝒆</m:t>
+                              </m:r>
+                            </m:e>
+                          </m:d>
+                        </m:den>
+                      </m:f>
+                      <m:r>
+                        <a:rPr lang="en-US" i="1">
+                          <a:latin typeface="Cambria Math" panose="02040503050406030204" pitchFamily="18" charset="0"/>
+                        </a:rPr>
+                        <m:t>=</m:t>
+                      </m:r>
+                      <m:r>
+                        <a:rPr lang="en-US" i="1">
+                          <a:latin typeface="Cambria Math" panose="02040503050406030204" pitchFamily="18" charset="0"/>
+                        </a:rPr>
+                        <m:t>𝛼</m:t>
+                      </m:r>
+                      <m:sSub>
+                        <m:sSubPr>
+                          <m:ctrlPr>
+                            <a:rPr lang="en-US" i="1">
+                              <a:latin typeface="Cambria Math" panose="02040503050406030204" pitchFamily="18" charset="0"/>
+                            </a:rPr>
+                          </m:ctrlPr>
+                        </m:sSubPr>
+                        <m:e>
+                          <m:r>
+                            <a:rPr lang="en-US" b="1" i="1">
+                              <a:latin typeface="Cambria Math" panose="02040503050406030204" pitchFamily="18" charset="0"/>
+                            </a:rPr>
+                            <m:t>𝑵</m:t>
+                          </m:r>
+                        </m:e>
+                        <m:sub>
+                          <m:r>
+                            <a:rPr lang="en-US" i="1">
+                              <a:latin typeface="Cambria Math" panose="02040503050406030204" pitchFamily="18" charset="0"/>
+                            </a:rPr>
+                            <m:t>𝑃𝑆</m:t>
+                          </m:r>
+                        </m:sub>
+                      </m:sSub>
+                      <m:d>
+                        <m:dPr>
+                          <m:ctrlPr>
+                            <a:rPr lang="en-US" i="1">
+                              <a:latin typeface="Cambria Math" panose="02040503050406030204" pitchFamily="18" charset="0"/>
+                            </a:rPr>
+                          </m:ctrlPr>
+                        </m:dPr>
+                        <m:e>
+                          <m:r>
+                            <a:rPr lang="en-US" i="1">
+                              <a:latin typeface="Cambria Math" panose="02040503050406030204" pitchFamily="18" charset="0"/>
+                            </a:rPr>
+                            <m:t>𝑋</m:t>
+                          </m:r>
+                          <m:r>
+                            <a:rPr lang="en-US" i="1">
+                              <a:latin typeface="Cambria Math" panose="02040503050406030204" pitchFamily="18" charset="0"/>
+                            </a:rPr>
+                            <m:t>,</m:t>
+                          </m:r>
+                          <m:r>
+                            <a:rPr lang="en-US" b="1" i="1">
+                              <a:latin typeface="Cambria Math" panose="02040503050406030204" pitchFamily="18" charset="0"/>
+                            </a:rPr>
+                            <m:t>𝒆</m:t>
+                          </m:r>
+                        </m:e>
+                      </m:d>
+                    </m:oMath>
+                  </m:oMathPara>
+                </a14:m>
+                <a:endParaRPr lang="en-US" dirty="0"/>
+              </a:p>
+              <a:p>
+                <a:endParaRPr lang="en-US" dirty="0"/>
+              </a:p>
+              <a:p>
+                <a:pPr marL="0" indent="0">
+                  <a:buNone/>
+                </a:pPr>
+                <a:r>
+                  <a:rPr lang="en-US" b="1" dirty="0"/>
+                  <a:t>Shortcoming</a:t>
+                </a:r>
+                <a:r>
+                  <a:rPr lang="en-US" dirty="0"/>
+                  <a:t>: </a:t>
+                </a:r>
+              </a:p>
+              <a:p>
+                <a:r>
+                  <a:rPr lang="en-US" dirty="0"/>
+                  <a:t>Throwing away samples is not very efficient.</a:t>
+                </a:r>
+              </a:p>
+              <a:p>
+                <a:r>
+                  <a:rPr lang="en-US" dirty="0"/>
+                  <a:t>What if e is a rare event? Example: burglary </a:t>
+                </a:r>
+                <a:r>
+                  <a:rPr lang="en-US" dirty="0">
+                    <a:sym typeface="Symbol"/>
+                  </a:rPr>
+                  <a:t> earthquake</a:t>
+                </a:r>
+                <a:br>
+                  <a:rPr lang="en-US" dirty="0">
+                    <a:sym typeface="Symbol"/>
+                  </a:rPr>
+                </a:br>
+                <a:r>
+                  <a:rPr lang="en-US" dirty="0">
+                    <a:sym typeface="Symbol"/>
+                  </a:rPr>
+                  <a:t>Rejection sampling ends up throwing away most of the samples. This is extremely inefficient!</a:t>
+                </a:r>
+                <a:endParaRPr lang="en-US" sz="2800" dirty="0"/>
+              </a:p>
+            </p:txBody>
+          </p:sp>
+        </mc:Choice>
+        <mc:Fallback>
+          <p:sp>
+            <p:nvSpPr>
+              <p:cNvPr id="3" name="Content Placeholder 2"/>
+              <p:cNvSpPr>
+                <a:spLocks noGrp="1" noRot="1" noChangeAspect="1" noMove="1" noResize="1" noEditPoints="1" noAdjustHandles="1" noChangeArrowheads="1" noChangeShapeType="1" noTextEdit="1"/>
+              </p:cNvSpPr>
+              <p:nvPr>
+                <p:ph idx="1"/>
+              </p:nvPr>
+            </p:nvSpPr>
+            <p:spPr>
+              <a:xfrm>
+                <a:off x="628650" y="1825625"/>
+                <a:ext cx="4672435" cy="4270375"/>
+              </a:xfrm>
+              <a:blipFill>
+                <a:blip r:embed="rId4"/>
+                <a:stretch>
+                  <a:fillRect l="-652" t="-1854"/>
+                </a:stretch>
+              </a:blipFill>
+            </p:spPr>
+            <p:txBody>
+              <a:bodyPr/>
+              <a:lstStyle/>
+              <a:p>
+                <a:r>
+                  <a:rPr lang="en-US">
+                    <a:noFill/>
+                  </a:rPr>
+                  <a:t> </a:t>
+                </a:r>
+              </a:p>
+            </p:txBody>
+          </p:sp>
+        </mc:Fallback>
+      </mc:AlternateContent>
+      <p:sp>
+        <p:nvSpPr>
+          <p:cNvPr id="4" name="Speech Bubble: Rectangle 3">
+            <a:extLst>
+              <a:ext uri="{FF2B5EF4-FFF2-40B4-BE49-F238E27FC236}">
+                <a16:creationId xmlns:a16="http://schemas.microsoft.com/office/drawing/2014/main" id="{0A8F87A3-E058-CDDE-6C4A-C41616EB981E}"/>
+              </a:ext>
+            </a:extLst>
+          </p:cNvPr>
+          <p:cNvSpPr/>
+          <p:nvPr/>
+        </p:nvSpPr>
+        <p:spPr>
+          <a:xfrm>
+            <a:off x="4742837" y="4638465"/>
+            <a:ext cx="1219200" cy="457200"/>
+          </a:xfrm>
+          <a:prstGeom prst="wedgeRectCallout">
+            <a:avLst>
+              <a:gd name="adj1" fmla="val -145679"/>
+              <a:gd name="adj2" fmla="val -156935"/>
+            </a:avLst>
+          </a:prstGeom>
+        </p:spPr>
+        <p:style>
+          <a:lnRef idx="2">
+            <a:schemeClr val="accent3">
+              <a:shade val="15000"/>
+            </a:schemeClr>
+          </a:lnRef>
+          <a:fillRef idx="1">
+            <a:schemeClr val="accent3"/>
+          </a:fillRef>
+          <a:effectRef idx="0">
+            <a:schemeClr val="accent3"/>
+          </a:effectRef>
+          <a:fontRef idx="minor">
+            <a:schemeClr val="lt1"/>
+          </a:fontRef>
+        </p:style>
+        <p:txBody>
+          <a:bodyPr rtlCol="0" anchor="ctr"/>
+          <a:lstStyle/>
+          <a:p>
+            <a:pPr algn="ctr"/>
+            <a:r>
+              <a:rPr lang="en-US" sz="1400" dirty="0"/>
+              <a:t>Normalization trick</a:t>
+            </a:r>
+          </a:p>
+        </p:txBody>
+      </p:sp>
+      <p:grpSp>
+        <p:nvGrpSpPr>
+          <p:cNvPr id="7" name="Group 6">
+            <a:extLst>
+              <a:ext uri="{FF2B5EF4-FFF2-40B4-BE49-F238E27FC236}">
+                <a16:creationId xmlns:a16="http://schemas.microsoft.com/office/drawing/2014/main" id="{FC2D2376-5D87-4ED4-E801-42709E93F81A}"/>
+              </a:ext>
+            </a:extLst>
+          </p:cNvPr>
+          <p:cNvGrpSpPr/>
+          <p:nvPr/>
+        </p:nvGrpSpPr>
+        <p:grpSpPr>
+          <a:xfrm>
+            <a:off x="7772400" y="3743536"/>
+            <a:ext cx="1219200" cy="1278673"/>
+            <a:chOff x="7924800" y="3581400"/>
+            <a:chExt cx="1295400" cy="1232687"/>
+          </a:xfrm>
+        </p:grpSpPr>
+        <p:sp>
+          <p:nvSpPr>
+            <p:cNvPr id="8" name="TextBox 7">
+              <a:extLst>
+                <a:ext uri="{FF2B5EF4-FFF2-40B4-BE49-F238E27FC236}">
+                  <a16:creationId xmlns:a16="http://schemas.microsoft.com/office/drawing/2014/main" id="{F66145BD-EFFA-3677-B2FA-A1740A6CC109}"/>
+                </a:ext>
+              </a:extLst>
+            </p:cNvPr>
+            <p:cNvSpPr txBox="1"/>
+            <p:nvPr/>
+          </p:nvSpPr>
+          <p:spPr>
+            <a:xfrm>
+              <a:off x="7924800" y="4191000"/>
+              <a:ext cx="1295400" cy="623087"/>
+            </a:xfrm>
+            <a:prstGeom prst="rect">
+              <a:avLst/>
+            </a:prstGeom>
+            <a:noFill/>
+          </p:spPr>
+          <p:txBody>
+            <a:bodyPr wrap="square" rtlCol="0">
+              <a:spAutoFit/>
+            </a:bodyPr>
+            <a:lstStyle/>
+            <a:p>
+              <a:pPr algn="ctr"/>
+              <a:r>
+                <a:rPr lang="en-US" b="1" dirty="0">
+                  <a:solidFill>
+                    <a:srgbClr val="FF0000"/>
+                  </a:solidFill>
+                </a:rPr>
+                <a:t>Evidence: true</a:t>
+              </a:r>
+            </a:p>
+          </p:txBody>
+        </p:sp>
+        <p:grpSp>
+          <p:nvGrpSpPr>
+            <p:cNvPr id="9" name="Group 8">
+              <a:extLst>
+                <a:ext uri="{FF2B5EF4-FFF2-40B4-BE49-F238E27FC236}">
+                  <a16:creationId xmlns:a16="http://schemas.microsoft.com/office/drawing/2014/main" id="{FD17C42A-140C-EB1C-8B3F-40689396CFA3}"/>
+                </a:ext>
+                <a:ext uri="{C183D7F6-B498-43B3-948B-1728B52AA6E4}">
+                  <adec:decorative xmlns:adec="http://schemas.microsoft.com/office/drawing/2017/decorative" val="1"/>
+                </a:ext>
+              </a:extLst>
+            </p:cNvPr>
+            <p:cNvGrpSpPr/>
+            <p:nvPr/>
+          </p:nvGrpSpPr>
+          <p:grpSpPr>
+            <a:xfrm>
+              <a:off x="8229600" y="3581400"/>
+              <a:ext cx="755806" cy="685800"/>
+              <a:chOff x="8305800" y="3657600"/>
+              <a:chExt cx="679606" cy="533400"/>
+            </a:xfrm>
+          </p:grpSpPr>
+          <p:cxnSp>
+            <p:nvCxnSpPr>
+              <p:cNvPr id="10" name="Straight Connector 9">
+                <a:extLst>
+                  <a:ext uri="{FF2B5EF4-FFF2-40B4-BE49-F238E27FC236}">
+                    <a16:creationId xmlns:a16="http://schemas.microsoft.com/office/drawing/2014/main" id="{DA6C76C9-B670-E20A-9BF1-BF841B1EFC89}"/>
+                  </a:ext>
+                </a:extLst>
+              </p:cNvPr>
+              <p:cNvCxnSpPr/>
+              <p:nvPr/>
+            </p:nvCxnSpPr>
+            <p:spPr>
+              <a:xfrm flipH="1">
+                <a:off x="8305800" y="3657600"/>
+                <a:ext cx="679606" cy="533400"/>
+              </a:xfrm>
+              <a:prstGeom prst="line">
+                <a:avLst/>
+              </a:prstGeom>
+              <a:ln w="28575">
+                <a:solidFill>
+                  <a:srgbClr val="FF0000"/>
+                </a:solidFill>
+              </a:ln>
+            </p:spPr>
+            <p:style>
+              <a:lnRef idx="1">
+                <a:schemeClr val="accent1"/>
+              </a:lnRef>
+              <a:fillRef idx="0">
+                <a:schemeClr val="accent1"/>
+              </a:fillRef>
+              <a:effectRef idx="0">
+                <a:schemeClr val="accent1"/>
+              </a:effectRef>
+              <a:fontRef idx="minor">
+                <a:schemeClr val="tx1"/>
+              </a:fontRef>
+            </p:style>
+          </p:cxnSp>
+          <p:cxnSp>
+            <p:nvCxnSpPr>
+              <p:cNvPr id="11" name="Straight Connector 10">
+                <a:extLst>
+                  <a:ext uri="{FF2B5EF4-FFF2-40B4-BE49-F238E27FC236}">
+                    <a16:creationId xmlns:a16="http://schemas.microsoft.com/office/drawing/2014/main" id="{9E0A73FA-9767-3F82-37B5-EBE6D1169E10}"/>
+                  </a:ext>
+                </a:extLst>
+              </p:cNvPr>
+              <p:cNvCxnSpPr>
+                <a:cxnSpLocks/>
+              </p:cNvCxnSpPr>
+              <p:nvPr/>
+            </p:nvCxnSpPr>
+            <p:spPr>
+              <a:xfrm>
+                <a:off x="8305800" y="3657600"/>
+                <a:ext cx="644603" cy="533400"/>
+              </a:xfrm>
+              <a:prstGeom prst="line">
+                <a:avLst/>
+              </a:prstGeom>
+              <a:ln w="28575">
+                <a:solidFill>
+                  <a:srgbClr val="FF0000"/>
+                </a:solidFill>
+              </a:ln>
+            </p:spPr>
+            <p:style>
+              <a:lnRef idx="1">
+                <a:schemeClr val="accent1"/>
+              </a:lnRef>
+              <a:fillRef idx="0">
+                <a:schemeClr val="accent1"/>
+              </a:fillRef>
+              <a:effectRef idx="0">
+                <a:schemeClr val="accent1"/>
+              </a:effectRef>
+              <a:fontRef idx="minor">
+                <a:schemeClr val="tx1"/>
+              </a:fontRef>
+            </p:style>
+          </p:cxnSp>
+        </p:grpSp>
+      </p:grpSp>
+      <mc:AlternateContent xmlns:mc="http://schemas.openxmlformats.org/markup-compatibility/2006">
+        <mc:Choice xmlns:a14="http://schemas.microsoft.com/office/drawing/2010/main" Requires="a14">
+          <p:sp>
+            <p:nvSpPr>
+              <p:cNvPr id="12" name="TextBox 11">
+                <a:extLst>
+                  <a:ext uri="{FF2B5EF4-FFF2-40B4-BE49-F238E27FC236}">
+                    <a16:creationId xmlns:a16="http://schemas.microsoft.com/office/drawing/2014/main" id="{A6917E57-D988-3076-45F2-E0EEDCEECD56}"/>
+                  </a:ext>
+                </a:extLst>
+              </p:cNvPr>
+              <p:cNvSpPr txBox="1"/>
+              <p:nvPr/>
+            </p:nvSpPr>
+            <p:spPr>
+              <a:xfrm>
+                <a:off x="5638800" y="1647242"/>
+                <a:ext cx="3250096" cy="923330"/>
+              </a:xfrm>
+              <a:prstGeom prst="rect">
+                <a:avLst/>
+              </a:prstGeom>
+              <a:noFill/>
+            </p:spPr>
+            <p:txBody>
+              <a:bodyPr wrap="square" rtlCol="0">
+                <a:spAutoFit/>
+              </a:bodyPr>
+              <a:lstStyle/>
+              <a:p>
+                <a:pPr algn="ctr"/>
+                <a:r>
+                  <a:rPr lang="en-US" b="1" dirty="0"/>
+                  <a:t>Example</a:t>
+                </a:r>
+                <a:r>
+                  <a:rPr lang="en-US" dirty="0"/>
+                  <a:t>: We observe rain and wonder about </a:t>
+                </a:r>
+                <a14:m>
+                  <m:oMath xmlns:m="http://schemas.openxmlformats.org/officeDocument/2006/math">
+                    <m:r>
+                      <a:rPr lang="en-US" b="1" i="1" smtClean="0">
+                        <a:latin typeface="Cambria Math" panose="02040503050406030204" pitchFamily="18" charset="0"/>
+                      </a:rPr>
+                      <m:t>𝑷</m:t>
+                    </m:r>
+                    <m:d>
+                      <m:dPr>
+                        <m:endChr m:val="|"/>
+                        <m:ctrlPr>
+                          <a:rPr lang="en-US" b="0" i="1" smtClean="0">
+                            <a:latin typeface="Cambria Math" panose="02040503050406030204" pitchFamily="18" charset="0"/>
+                          </a:rPr>
+                        </m:ctrlPr>
+                      </m:dPr>
+                      <m:e>
+                        <m:r>
+                          <a:rPr lang="en-US" b="0" i="1" smtClean="0">
+                            <a:latin typeface="Cambria Math" panose="02040503050406030204" pitchFamily="18" charset="0"/>
+                          </a:rPr>
+                          <m:t>𝑊𝑒𝑡𝐺𝑟𝑎𝑠𝑠</m:t>
+                        </m:r>
+                        <m:r>
+                          <a:rPr lang="en-US" b="0" i="1" smtClean="0">
+                            <a:latin typeface="Cambria Math" panose="02040503050406030204" pitchFamily="18" charset="0"/>
+                          </a:rPr>
+                          <m:t> </m:t>
+                        </m:r>
+                      </m:e>
+                    </m:d>
+                    <m:r>
+                      <a:rPr lang="en-US" b="0" i="1" smtClean="0">
+                        <a:latin typeface="Cambria Math" panose="02040503050406030204" pitchFamily="18" charset="0"/>
+                      </a:rPr>
+                      <m:t>𝑅𝑎𝑖𝑛</m:t>
+                    </m:r>
+                    <m:r>
+                      <a:rPr lang="en-US" b="0" i="1" smtClean="0">
+                        <a:latin typeface="Cambria Math" panose="02040503050406030204" pitchFamily="18" charset="0"/>
+                      </a:rPr>
+                      <m:t>=</m:t>
+                    </m:r>
+                    <m:r>
+                      <a:rPr lang="en-US" b="0" i="1" smtClean="0">
+                        <a:latin typeface="Cambria Math" panose="02040503050406030204" pitchFamily="18" charset="0"/>
+                      </a:rPr>
+                      <m:t>𝑡𝑟𝑢𝑒</m:t>
+                    </m:r>
+                    <m:r>
+                      <a:rPr lang="en-US" b="0" i="1" smtClean="0">
+                        <a:latin typeface="Cambria Math" panose="02040503050406030204" pitchFamily="18" charset="0"/>
+                      </a:rPr>
+                      <m:t>)</m:t>
+                    </m:r>
+                  </m:oMath>
+                </a14:m>
+                <a:endParaRPr lang="en-US" dirty="0"/>
+              </a:p>
+            </p:txBody>
+          </p:sp>
+        </mc:Choice>
+        <mc:Fallback>
+          <p:sp>
+            <p:nvSpPr>
+              <p:cNvPr id="12" name="TextBox 11">
+                <a:extLst>
+                  <a:ext uri="{FF2B5EF4-FFF2-40B4-BE49-F238E27FC236}">
+                    <a16:creationId xmlns:a16="http://schemas.microsoft.com/office/drawing/2014/main" id="{A6917E57-D988-3076-45F2-E0EEDCEECD56}"/>
+                  </a:ext>
+                </a:extLst>
+              </p:cNvPr>
+              <p:cNvSpPr txBox="1">
+                <a:spLocks noRot="1" noChangeAspect="1" noMove="1" noResize="1" noEditPoints="1" noAdjustHandles="1" noChangeArrowheads="1" noChangeShapeType="1" noTextEdit="1"/>
+              </p:cNvSpPr>
+              <p:nvPr/>
+            </p:nvSpPr>
+            <p:spPr>
+              <a:xfrm>
+                <a:off x="5638800" y="1647242"/>
+                <a:ext cx="3250096" cy="923330"/>
+              </a:xfrm>
+              <a:prstGeom prst="rect">
+                <a:avLst/>
+              </a:prstGeom>
+              <a:blipFill>
+                <a:blip r:embed="rId5"/>
+                <a:stretch>
+                  <a:fillRect t="-3289" b="-4605"/>
+                </a:stretch>
+              </a:blipFill>
+            </p:spPr>
+            <p:txBody>
+              <a:bodyPr/>
+              <a:lstStyle/>
+              <a:p>
+                <a:r>
+                  <a:rPr lang="en-US">
+                    <a:noFill/>
+                  </a:rPr>
+                  <a:t> </a:t>
+                </a:r>
+              </a:p>
+            </p:txBody>
+          </p:sp>
+        </mc:Fallback>
+      </mc:AlternateContent>
+    </p:spTree>
+    <p:extLst>
+      <p:ext uri="{BB962C8B-B14F-4D97-AF65-F5344CB8AC3E}">
+        <p14:creationId xmlns:p14="http://schemas.microsoft.com/office/powerpoint/2010/main" val="4109309758"/>
+      </p:ext>
+    </p:extLst>
+  </p:cSld>
+  <p:clrMapOvr>
+    <a:masterClrMapping/>
+  </p:clrMapOvr>
+  <p:timing>
+    <p:tnLst>
+      <p:par>
+        <p:cTn id="1" dur="indefinite" restart="never" nodeType="tmRoot">
+          <p:childTnLst>
+            <p:seq concurrent="1" nextAc="seek">
+              <p:cTn id="2" dur="indefinite" nodeType="mainSeq">
+                <p:childTnLst>
+                  <p:par>
+                    <p:cTn id="3" fill="hold">
+                      <p:stCondLst>
+                        <p:cond delay="indefinite"/>
+                      </p:stCondLst>
+                      <p:childTnLst>
+                        <p:par>
+                          <p:cTn id="4" fill="hold">
+                            <p:stCondLst>
+                              <p:cond delay="0"/>
+                            </p:stCondLst>
+                            <p:childTnLst>
+                              <p:par>
+                                <p:cTn id="5" presetID="1" presetClass="entr" presetSubtype="0" fill="hold" nodeType="clickEffect">
+                                  <p:stCondLst>
+                                    <p:cond delay="0"/>
+                                  </p:stCondLst>
+                                  <p:childTnLst>
+                                    <p:set>
+                                      <p:cBhvr>
+                                        <p:cTn id="6" dur="1" fill="hold">
+                                          <p:stCondLst>
+                                            <p:cond delay="0"/>
+                                          </p:stCondLst>
+                                        </p:cTn>
+                                        <p:tgtEl>
+                                          <p:spTgt spid="3">
+                                            <p:txEl>
+                                              <p:pRg st="2" end="2"/>
+                                            </p:txEl>
+                                          </p:spTgt>
+                                        </p:tgtEl>
+                                        <p:attrNameLst>
+                                          <p:attrName>style.visibility</p:attrName>
+                                        </p:attrNameLst>
+                                      </p:cBhvr>
+                                      <p:to>
+                                        <p:strVal val="visible"/>
+                                      </p:to>
+                                    </p:set>
+                                  </p:childTnLst>
+                                </p:cTn>
+                              </p:par>
+                              <p:par>
+                                <p:cTn id="7" presetID="1" presetClass="entr" presetSubtype="0" fill="hold" nodeType="withEffect">
+                                  <p:stCondLst>
+                                    <p:cond delay="0"/>
+                                  </p:stCondLst>
+                                  <p:childTnLst>
+                                    <p:set>
+                                      <p:cBhvr>
+                                        <p:cTn id="8" dur="1" fill="hold">
+                                          <p:stCondLst>
+                                            <p:cond delay="0"/>
+                                          </p:stCondLst>
+                                        </p:cTn>
+                                        <p:tgtEl>
+                                          <p:spTgt spid="3">
+                                            <p:txEl>
+                                              <p:pRg st="5" end="5"/>
+                                            </p:txEl>
+                                          </p:spTgt>
+                                        </p:tgtEl>
+                                        <p:attrNameLst>
+                                          <p:attrName>style.visibility</p:attrName>
+                                        </p:attrNameLst>
+                                      </p:cBhvr>
+                                      <p:to>
+                                        <p:strVal val="visible"/>
+                                      </p:to>
+                                    </p:set>
+                                  </p:childTnLst>
+                                </p:cTn>
+                              </p:par>
+                              <p:par>
+                                <p:cTn id="9" presetID="1" presetClass="entr" presetSubtype="0" fill="hold" grpId="0" nodeType="withEffect">
+                                  <p:stCondLst>
+                                    <p:cond delay="0"/>
+                                  </p:stCondLst>
+                                  <p:childTnLst>
+                                    <p:set>
+                                      <p:cBhvr>
+                                        <p:cTn id="10" dur="1" fill="hold">
+                                          <p:stCondLst>
+                                            <p:cond delay="0"/>
+                                          </p:stCondLst>
+                                        </p:cTn>
+                                        <p:tgtEl>
+                                          <p:spTgt spid="4"/>
+                                        </p:tgtEl>
+                                        <p:attrNameLst>
+                                          <p:attrName>style.visibility</p:attrName>
+                                        </p:attrNameLst>
+                                      </p:cBhvr>
+                                      <p:to>
+                                        <p:strVal val="visible"/>
+                                      </p:to>
+                                    </p:set>
+                                  </p:childTnLst>
+                                </p:cTn>
+                              </p:par>
+                            </p:childTnLst>
+                          </p:cTn>
+                        </p:par>
+                      </p:childTnLst>
+                    </p:cTn>
+                  </p:par>
+                  <p:par>
+                    <p:cTn id="11" fill="hold">
+                      <p:stCondLst>
+                        <p:cond delay="indefinite"/>
+                      </p:stCondLst>
+                      <p:childTnLst>
+                        <p:par>
+                          <p:cTn id="12" fill="hold">
+                            <p:stCondLst>
+                              <p:cond delay="0"/>
+                            </p:stCondLst>
+                            <p:childTnLst>
+                              <p:par>
+                                <p:cTn id="13" presetID="1" presetClass="entr" presetSubtype="0" fill="hold" nodeType="clickEffect">
+                                  <p:stCondLst>
+                                    <p:cond delay="0"/>
+                                  </p:stCondLst>
+                                  <p:childTnLst>
+                                    <p:set>
+                                      <p:cBhvr>
+                                        <p:cTn id="14" dur="1" fill="hold">
+                                          <p:stCondLst>
+                                            <p:cond delay="0"/>
+                                          </p:stCondLst>
+                                        </p:cTn>
+                                        <p:tgtEl>
+                                          <p:spTgt spid="3">
+                                            <p:txEl>
+                                              <p:pRg st="7" end="7"/>
+                                            </p:txEl>
+                                          </p:spTgt>
+                                        </p:tgtEl>
+                                        <p:attrNameLst>
+                                          <p:attrName>style.visibility</p:attrName>
+                                        </p:attrNameLst>
+                                      </p:cBhvr>
+                                      <p:to>
+                                        <p:strVal val="visible"/>
+                                      </p:to>
+                                    </p:set>
+                                  </p:childTnLst>
+                                </p:cTn>
+                              </p:par>
+                              <p:par>
+                                <p:cTn id="15" presetID="1" presetClass="entr" presetSubtype="0" fill="hold" nodeType="withEffect">
+                                  <p:stCondLst>
+                                    <p:cond delay="0"/>
+                                  </p:stCondLst>
+                                  <p:childTnLst>
+                                    <p:set>
+                                      <p:cBhvr>
+                                        <p:cTn id="16" dur="1" fill="hold">
+                                          <p:stCondLst>
+                                            <p:cond delay="0"/>
+                                          </p:stCondLst>
+                                        </p:cTn>
+                                        <p:tgtEl>
+                                          <p:spTgt spid="3">
+                                            <p:txEl>
+                                              <p:pRg st="8" end="8"/>
+                                            </p:txEl>
+                                          </p:spTgt>
+                                        </p:tgtEl>
+                                        <p:attrNameLst>
+                                          <p:attrName>style.visibility</p:attrName>
+                                        </p:attrNameLst>
+                                      </p:cBhvr>
+                                      <p:to>
+                                        <p:strVal val="visible"/>
+                                      </p:to>
+                                    </p:set>
+                                  </p:childTnLst>
+                                </p:cTn>
+                              </p:par>
+                              <p:par>
+                                <p:cTn id="17" presetID="1" presetClass="entr" presetSubtype="0" fill="hold" nodeType="withEffect">
+                                  <p:stCondLst>
+                                    <p:cond delay="0"/>
+                                  </p:stCondLst>
+                                  <p:childTnLst>
+                                    <p:set>
+                                      <p:cBhvr>
+                                        <p:cTn id="18" dur="1" fill="hold">
+                                          <p:stCondLst>
+                                            <p:cond delay="0"/>
+                                          </p:stCondLst>
+                                        </p:cTn>
+                                        <p:tgtEl>
+                                          <p:spTgt spid="3">
+                                            <p:txEl>
+                                              <p:pRg st="9" end="9"/>
+                                            </p:txEl>
+                                          </p:spTgt>
+                                        </p:tgtEl>
+                                        <p:attrNameLst>
+                                          <p:attrName>style.visibility</p:attrName>
+                                        </p:attrNameLst>
+                                      </p:cBhvr>
+                                      <p:to>
+                                        <p:strVal val="visible"/>
+                                      </p:to>
+                                    </p:set>
+                                  </p:childTnLst>
+                                </p:cTn>
+                              </p:par>
+                            </p:childTnLst>
+                          </p:cTn>
+                        </p:par>
+                      </p:childTnLst>
+                    </p:cTn>
+                  </p:par>
+                </p:childTnLst>
+              </p:cTn>
+              <p:prevCondLst>
+                <p:cond evt="onPrev" delay="0">
+                  <p:tgtEl>
+                    <p:sldTgt/>
+                  </p:tgtEl>
+                </p:cond>
+              </p:prevCondLst>
+              <p:nextCondLst>
+                <p:cond evt="onNext" delay="0">
+                  <p:tgtEl>
+                    <p:sldTgt/>
+                  </p:tgtEl>
+                </p:cond>
+              </p:nextCondLst>
+            </p:seq>
+          </p:childTnLst>
+        </p:cTn>
+      </p:par>
+    </p:tnLst>
+    <p:bldLst>
+      <p:bldP spid="4" grpId="0" animBg="1"/>
+    </p:bldLst>
+  </p:timing>
+</p:sld>
+</file>
+
+<file path=ppt/slides/slide42.xml><?xml version="1.0" encoding="utf-8"?>
+<p:sld xmlns:a="http://schemas.openxmlformats.org/drawingml/2006/main" xmlns:r="http://schemas.openxmlformats.org/officeDocument/2006/relationships" xmlns:p="http://schemas.openxmlformats.org/presentationml/2006/main">
+  <p:cSld>
+    <p:spTree>
+      <p:nvGrpSpPr>
         <p:cNvPr id="1" name=""/>
         <p:cNvGrpSpPr/>
         <p:nvPr/>
@@ -38550,7 +39425,7 @@
 </p:sld>
 </file>
 
-<file path=ppt/slides/slide41.xml><?xml version="1.0" encoding="utf-8"?>
+<file path=ppt/slides/slide43.xml><?xml version="1.0" encoding="utf-8"?>
 <p:sld xmlns:a="http://schemas.openxmlformats.org/drawingml/2006/main" xmlns:r="http://schemas.openxmlformats.org/officeDocument/2006/relationships" xmlns:p="http://schemas.openxmlformats.org/presentationml/2006/main">
   <p:cSld>
     <p:spTree>
@@ -40071,7 +40946,7 @@
 </p:sld>
 </file>
 
-<file path=ppt/slides/slide42.xml><?xml version="1.0" encoding="utf-8"?>
+<file path=ppt/slides/slide44.xml><?xml version="1.0" encoding="utf-8"?>
 <p:sld xmlns:a="http://schemas.openxmlformats.org/drawingml/2006/main" xmlns:r="http://schemas.openxmlformats.org/officeDocument/2006/relationships" xmlns:p="http://schemas.openxmlformats.org/presentationml/2006/main">
   <p:cSld>
     <p:bg>
@@ -40473,7 +41348,7 @@
 </p:sld>
 </file>
 
-<file path=ppt/slides/slide43.xml><?xml version="1.0" encoding="utf-8"?>
+<file path=ppt/slides/slide45.xml><?xml version="1.0" encoding="utf-8"?>
 <p:sld xmlns:a="http://schemas.openxmlformats.org/drawingml/2006/main" xmlns:r="http://schemas.openxmlformats.org/officeDocument/2006/relationships" xmlns:p="http://schemas.openxmlformats.org/presentationml/2006/main">
   <p:cSld>
     <p:spTree>
@@ -41083,7 +41958,7 @@
 </p:sld>
 </file>
 
-<file path=ppt/slides/slide44.xml><?xml version="1.0" encoding="utf-8"?>
+<file path=ppt/slides/slide46.xml><?xml version="1.0" encoding="utf-8"?>
 <p:sld xmlns:a="http://schemas.openxmlformats.org/drawingml/2006/main" xmlns:r="http://schemas.openxmlformats.org/officeDocument/2006/relationships" xmlns:p="http://schemas.openxmlformats.org/presentationml/2006/main">
   <p:cSld>
     <p:spTree>
@@ -41979,7 +42854,7 @@
 </p:sld>
 </file>
 
-<file path=ppt/slides/slide45.xml><?xml version="1.0" encoding="utf-8"?>
+<file path=ppt/slides/slide47.xml><?xml version="1.0" encoding="utf-8"?>
 <p:sld xmlns:a="http://schemas.openxmlformats.org/drawingml/2006/main" xmlns:r="http://schemas.openxmlformats.org/officeDocument/2006/relationships" xmlns:p="http://schemas.openxmlformats.org/presentationml/2006/main">
   <p:cSld>
     <p:spTree>
@@ -42029,8 +42904,8 @@
           </a:p>
         </p:txBody>
       </p:sp>
-      <mc:AlternateContent xmlns:mc="http://schemas.openxmlformats.org/markup-compatibility/2006" xmlns:a14="http://schemas.microsoft.com/office/drawing/2010/main">
-        <mc:Choice Requires="a14">
+      <mc:AlternateContent xmlns:mc="http://schemas.openxmlformats.org/markup-compatibility/2006">
+        <mc:Choice xmlns:a14="http://schemas.microsoft.com/office/drawing/2010/main" Requires="a14">
           <p:sp>
             <p:nvSpPr>
               <p:cNvPr id="3" name="Content Placeholder 2">
@@ -42063,8 +42938,12 @@
                   <a:buNone/>
                 </a:pPr>
                 <a:r>
+                  <a:rPr lang="en-US" sz="1700" b="1" dirty="0"/>
+                  <a:t>Example</a:t>
+                </a:r>
+                <a:r>
                   <a:rPr lang="en-US" sz="1700" dirty="0"/>
-                  <a:t>Find</a:t>
+                  <a:t>: We observe sprinkler and wet grass. Find</a:t>
                 </a:r>
               </a:p>
               <a:p>
@@ -42366,10 +43245,16 @@
                 <a14:m>
                   <m:oMath xmlns:m="http://schemas.openxmlformats.org/officeDocument/2006/math">
                     <m:r>
+                      <a:rPr lang="en-US" sz="1700" b="0" i="1" dirty="0" smtClean="0">
+                        <a:latin typeface="Cambria Math" panose="02040503050406030204" pitchFamily="18" charset="0"/>
+                      </a:rPr>
+                      <m:t>𝑅</m:t>
+                    </m:r>
+                    <m:r>
                       <a:rPr lang="en-US" sz="1700" i="1" dirty="0" smtClean="0">
                         <a:latin typeface="Cambria Math" panose="02040503050406030204" pitchFamily="18" charset="0"/>
                       </a:rPr>
-                      <m:t>𝑟𝑎𝑖𝑛</m:t>
+                      <m:t>𝑎𝑖𝑛</m:t>
                     </m:r>
                     <m:r>
                       <a:rPr lang="en-US" sz="1700" i="1" dirty="0" smtClean="0">
@@ -42631,7 +43516,7 @@
             </p:txBody>
           </p:sp>
         </mc:Choice>
-        <mc:Fallback xmlns="">
+        <mc:Fallback>
           <p:sp>
             <p:nvSpPr>
               <p:cNvPr id="3" name="Content Placeholder 2">
@@ -43189,9 +44074,9 @@
         <p:grpSpPr>
           <a:xfrm>
             <a:off x="5486400" y="3602177"/>
-            <a:ext cx="3505200" cy="3091755"/>
+            <a:ext cx="3505200" cy="2876311"/>
             <a:chOff x="5486400" y="3602177"/>
-            <a:chExt cx="3505200" cy="3091755"/>
+            <a:chExt cx="3505200" cy="2876311"/>
           </a:xfrm>
         </p:grpSpPr>
         <p:pic>
@@ -43239,7 +44124,7 @@
           <p:spPr>
             <a:xfrm>
               <a:off x="5486400" y="5955268"/>
-              <a:ext cx="3505200" cy="738664"/>
+              <a:ext cx="3505200" cy="523220"/>
             </a:xfrm>
             <a:prstGeom prst="rect">
               <a:avLst/>
@@ -43257,7 +44142,7 @@
               </a:pPr>
               <a:r>
                 <a:rPr lang="en-US" sz="1400" dirty="0"/>
-                <a:t>Note the self-loops: the state stays the same when the resampled value is same it already has. </a:t>
+                <a:t>Note the self-loops: the state stays the same when the resampled value is the same. </a:t>
               </a:r>
             </a:p>
           </p:txBody>
@@ -43575,7 +44460,7 @@
                             </p:stCondLst>
                             <p:childTnLst>
                               <p:par>
-                                <p:cTn id="5" presetID="1" presetClass="entr" presetSubtype="0" fill="hold" grpId="0" nodeType="clickEffect">
+                                <p:cTn id="5" presetID="1" presetClass="entr" presetSubtype="0" fill="hold" nodeType="clickEffect">
                                   <p:stCondLst>
                                     <p:cond delay="0"/>
                                   </p:stCondLst>
@@ -43588,11 +44473,7 @@
                                           </p:stCondLst>
                                         </p:cTn>
                                         <p:tgtEl>
-                                          <p:spTgt spid="3">
-                                            <p:txEl>
-                                              <p:pRg st="5" end="5"/>
-                                            </p:txEl>
-                                          </p:spTgt>
+                                          <p:spTgt spid="15"/>
                                         </p:tgtEl>
                                         <p:attrNameLst>
                                           <p:attrName>style.visibility</p:attrName>
@@ -43605,26 +44486,35 @@
                                   </p:childTnLst>
                                 </p:cTn>
                               </p:par>
-                            </p:childTnLst>
-                          </p:cTn>
-                        </p:par>
-                      </p:childTnLst>
-                    </p:cTn>
-                  </p:par>
-                  <p:par>
-                    <p:cTn id="7" fill="hold">
-                      <p:stCondLst>
-                        <p:cond delay="indefinite"/>
-                      </p:stCondLst>
-                      <p:childTnLst>
-                        <p:par>
-                          <p:cTn id="8" fill="hold">
-                            <p:stCondLst>
-                              <p:cond delay="0"/>
-                            </p:stCondLst>
-                            <p:childTnLst>
                               <p:par>
-                                <p:cTn id="9" presetID="1" presetClass="entr" presetSubtype="0" fill="hold" nodeType="clickEffect">
+                                <p:cTn id="7" presetID="1" presetClass="entr" presetSubtype="0" fill="hold" grpId="0" nodeType="withEffect">
+                                  <p:stCondLst>
+                                    <p:cond delay="0"/>
+                                  </p:stCondLst>
+                                  <p:childTnLst>
+                                    <p:set>
+                                      <p:cBhvr>
+                                        <p:cTn id="8" dur="1" fill="hold">
+                                          <p:stCondLst>
+                                            <p:cond delay="0"/>
+                                          </p:stCondLst>
+                                        </p:cTn>
+                                        <p:tgtEl>
+                                          <p:spTgt spid="26"/>
+                                        </p:tgtEl>
+                                        <p:attrNameLst>
+                                          <p:attrName>style.visibility</p:attrName>
+                                        </p:attrNameLst>
+                                      </p:cBhvr>
+                                      <p:to>
+                                        <p:strVal val="visible"/>
+                                      </p:to>
+                                    </p:set>
+                                  </p:childTnLst>
+                                </p:cTn>
+                              </p:par>
+                              <p:par>
+                                <p:cTn id="9" presetID="1" presetClass="entr" presetSubtype="0" fill="hold" nodeType="withEffect">
                                   <p:stCondLst>
                                     <p:cond delay="0"/>
                                   </p:stCondLst>
@@ -43637,7 +44527,7 @@
                                           </p:stCondLst>
                                         </p:cTn>
                                         <p:tgtEl>
-                                          <p:spTgt spid="15"/>
+                                          <p:spTgt spid="4"/>
                                         </p:tgtEl>
                                         <p:attrNameLst>
                                           <p:attrName>style.visibility</p:attrName>
@@ -43664,158 +44554,6 @@
                                           </p:stCondLst>
                                         </p:cTn>
                                         <p:tgtEl>
-                                          <p:spTgt spid="26"/>
-                                        </p:tgtEl>
-                                        <p:attrNameLst>
-                                          <p:attrName>style.visibility</p:attrName>
-                                        </p:attrNameLst>
-                                      </p:cBhvr>
-                                      <p:to>
-                                        <p:strVal val="visible"/>
-                                      </p:to>
-                                    </p:set>
-                                  </p:childTnLst>
-                                </p:cTn>
-                              </p:par>
-                            </p:childTnLst>
-                          </p:cTn>
-                        </p:par>
-                      </p:childTnLst>
-                    </p:cTn>
-                  </p:par>
-                  <p:par>
-                    <p:cTn id="13" fill="hold">
-                      <p:stCondLst>
-                        <p:cond delay="indefinite"/>
-                      </p:stCondLst>
-                      <p:childTnLst>
-                        <p:par>
-                          <p:cTn id="14" fill="hold">
-                            <p:stCondLst>
-                              <p:cond delay="0"/>
-                            </p:stCondLst>
-                            <p:childTnLst>
-                              <p:par>
-                                <p:cTn id="15" presetID="1" presetClass="entr" presetSubtype="0" fill="hold" grpId="0" nodeType="clickEffect">
-                                  <p:stCondLst>
-                                    <p:cond delay="0"/>
-                                  </p:stCondLst>
-                                  <p:childTnLst>
-                                    <p:set>
-                                      <p:cBhvr>
-                                        <p:cTn id="16" dur="1" fill="hold">
-                                          <p:stCondLst>
-                                            <p:cond delay="0"/>
-                                          </p:stCondLst>
-                                        </p:cTn>
-                                        <p:tgtEl>
-                                          <p:spTgt spid="3">
-                                            <p:txEl>
-                                              <p:pRg st="7" end="7"/>
-                                            </p:txEl>
-                                          </p:spTgt>
-                                        </p:tgtEl>
-                                        <p:attrNameLst>
-                                          <p:attrName>style.visibility</p:attrName>
-                                        </p:attrNameLst>
-                                      </p:cBhvr>
-                                      <p:to>
-                                        <p:strVal val="visible"/>
-                                      </p:to>
-                                    </p:set>
-                                  </p:childTnLst>
-                                </p:cTn>
-                              </p:par>
-                              <p:par>
-                                <p:cTn id="17" presetID="1" presetClass="entr" presetSubtype="0" fill="hold" nodeType="withEffect">
-                                  <p:stCondLst>
-                                    <p:cond delay="0"/>
-                                  </p:stCondLst>
-                                  <p:childTnLst>
-                                    <p:set>
-                                      <p:cBhvr>
-                                        <p:cTn id="18" dur="1" fill="hold">
-                                          <p:stCondLst>
-                                            <p:cond delay="0"/>
-                                          </p:stCondLst>
-                                        </p:cTn>
-                                        <p:tgtEl>
-                                          <p:spTgt spid="4"/>
-                                        </p:tgtEl>
-                                        <p:attrNameLst>
-                                          <p:attrName>style.visibility</p:attrName>
-                                        </p:attrNameLst>
-                                      </p:cBhvr>
-                                      <p:to>
-                                        <p:strVal val="visible"/>
-                                      </p:to>
-                                    </p:set>
-                                  </p:childTnLst>
-                                </p:cTn>
-                              </p:par>
-                            </p:childTnLst>
-                          </p:cTn>
-                        </p:par>
-                      </p:childTnLst>
-                    </p:cTn>
-                  </p:par>
-                  <p:par>
-                    <p:cTn id="19" fill="hold">
-                      <p:stCondLst>
-                        <p:cond delay="indefinite"/>
-                      </p:stCondLst>
-                      <p:childTnLst>
-                        <p:par>
-                          <p:cTn id="20" fill="hold">
-                            <p:stCondLst>
-                              <p:cond delay="0"/>
-                            </p:stCondLst>
-                            <p:childTnLst>
-                              <p:par>
-                                <p:cTn id="21" presetID="1" presetClass="entr" presetSubtype="0" fill="hold" grpId="0" nodeType="clickEffect">
-                                  <p:stCondLst>
-                                    <p:cond delay="0"/>
-                                  </p:stCondLst>
-                                  <p:childTnLst>
-                                    <p:set>
-                                      <p:cBhvr>
-                                        <p:cTn id="22" dur="1" fill="hold">
-                                          <p:stCondLst>
-                                            <p:cond delay="0"/>
-                                          </p:stCondLst>
-                                        </p:cTn>
-                                        <p:tgtEl>
-                                          <p:spTgt spid="3">
-                                            <p:txEl>
-                                              <p:pRg st="9" end="9"/>
-                                            </p:txEl>
-                                          </p:spTgt>
-                                        </p:tgtEl>
-                                        <p:attrNameLst>
-                                          <p:attrName>style.visibility</p:attrName>
-                                        </p:attrNameLst>
-                                      </p:cBhvr>
-                                      <p:to>
-                                        <p:strVal val="visible"/>
-                                      </p:to>
-                                    </p:set>
-                                  </p:childTnLst>
-                                </p:cTn>
-                              </p:par>
-                              <p:par>
-                                <p:cTn id="23" presetID="1" presetClass="entr" presetSubtype="0" fill="hold" grpId="0" nodeType="withEffect">
-                                  <p:stCondLst>
-                                    <p:cond delay="0"/>
-                                  </p:stCondLst>
-                                  <p:childTnLst>
-                                    <p:set>
-                                      <p:cBhvr>
-                                        <p:cTn id="24" dur="1" fill="hold">
-                                          <p:stCondLst>
-                                            <p:cond delay="0"/>
-                                          </p:stCondLst>
-                                        </p:cTn>
-                                        <p:tgtEl>
                                           <p:spTgt spid="19"/>
                                         </p:tgtEl>
                                         <p:attrNameLst>
@@ -43830,167 +44568,20 @@
                                 </p:cTn>
                               </p:par>
                               <p:par>
-                                <p:cTn id="25" presetID="1" presetClass="entr" presetSubtype="0" fill="hold" grpId="0" nodeType="withEffect">
+                                <p:cTn id="13" presetID="1" presetClass="entr" presetSubtype="0" fill="hold" grpId="0" nodeType="withEffect">
                                   <p:stCondLst>
                                     <p:cond delay="0"/>
                                   </p:stCondLst>
                                   <p:childTnLst>
                                     <p:set>
                                       <p:cBhvr>
-                                        <p:cTn id="26" dur="1" fill="hold">
+                                        <p:cTn id="14" dur="1" fill="hold">
                                           <p:stCondLst>
                                             <p:cond delay="0"/>
                                           </p:stCondLst>
                                         </p:cTn>
                                         <p:tgtEl>
                                           <p:spTgt spid="18"/>
-                                        </p:tgtEl>
-                                        <p:attrNameLst>
-                                          <p:attrName>style.visibility</p:attrName>
-                                        </p:attrNameLst>
-                                      </p:cBhvr>
-                                      <p:to>
-                                        <p:strVal val="visible"/>
-                                      </p:to>
-                                    </p:set>
-                                  </p:childTnLst>
-                                </p:cTn>
-                              </p:par>
-                            </p:childTnLst>
-                          </p:cTn>
-                        </p:par>
-                      </p:childTnLst>
-                    </p:cTn>
-                  </p:par>
-                  <p:par>
-                    <p:cTn id="27" fill="hold">
-                      <p:stCondLst>
-                        <p:cond delay="indefinite"/>
-                      </p:stCondLst>
-                      <p:childTnLst>
-                        <p:par>
-                          <p:cTn id="28" fill="hold">
-                            <p:stCondLst>
-                              <p:cond delay="0"/>
-                            </p:stCondLst>
-                            <p:childTnLst>
-                              <p:par>
-                                <p:cTn id="29" presetID="1" presetClass="entr" presetSubtype="0" fill="hold" grpId="0" nodeType="clickEffect">
-                                  <p:stCondLst>
-                                    <p:cond delay="0"/>
-                                  </p:stCondLst>
-                                  <p:childTnLst>
-                                    <p:set>
-                                      <p:cBhvr>
-                                        <p:cTn id="30" dur="1" fill="hold">
-                                          <p:stCondLst>
-                                            <p:cond delay="0"/>
-                                          </p:stCondLst>
-                                        </p:cTn>
-                                        <p:tgtEl>
-                                          <p:spTgt spid="3">
-                                            <p:txEl>
-                                              <p:pRg st="11" end="11"/>
-                                            </p:txEl>
-                                          </p:spTgt>
-                                        </p:tgtEl>
-                                        <p:attrNameLst>
-                                          <p:attrName>style.visibility</p:attrName>
-                                        </p:attrNameLst>
-                                      </p:cBhvr>
-                                      <p:to>
-                                        <p:strVal val="visible"/>
-                                      </p:to>
-                                    </p:set>
-                                  </p:childTnLst>
-                                </p:cTn>
-                              </p:par>
-                            </p:childTnLst>
-                          </p:cTn>
-                        </p:par>
-                      </p:childTnLst>
-                    </p:cTn>
-                  </p:par>
-                  <p:par>
-                    <p:cTn id="31" fill="hold">
-                      <p:stCondLst>
-                        <p:cond delay="indefinite"/>
-                      </p:stCondLst>
-                      <p:childTnLst>
-                        <p:par>
-                          <p:cTn id="32" fill="hold">
-                            <p:stCondLst>
-                              <p:cond delay="0"/>
-                            </p:stCondLst>
-                            <p:childTnLst>
-                              <p:par>
-                                <p:cTn id="33" presetID="1" presetClass="entr" presetSubtype="0" fill="hold" grpId="0" nodeType="clickEffect">
-                                  <p:stCondLst>
-                                    <p:cond delay="0"/>
-                                  </p:stCondLst>
-                                  <p:childTnLst>
-                                    <p:set>
-                                      <p:cBhvr>
-                                        <p:cTn id="34" dur="1" fill="hold">
-                                          <p:stCondLst>
-                                            <p:cond delay="0"/>
-                                          </p:stCondLst>
-                                        </p:cTn>
-                                        <p:tgtEl>
-                                          <p:spTgt spid="3">
-                                            <p:txEl>
-                                              <p:pRg st="13" end="13"/>
-                                            </p:txEl>
-                                          </p:spTgt>
-                                        </p:tgtEl>
-                                        <p:attrNameLst>
-                                          <p:attrName>style.visibility</p:attrName>
-                                        </p:attrNameLst>
-                                      </p:cBhvr>
-                                      <p:to>
-                                        <p:strVal val="visible"/>
-                                      </p:to>
-                                    </p:set>
-                                  </p:childTnLst>
-                                </p:cTn>
-                              </p:par>
-                            </p:childTnLst>
-                          </p:cTn>
-                        </p:par>
-                      </p:childTnLst>
-                    </p:cTn>
-                  </p:par>
-                  <p:par>
-                    <p:cTn id="35" fill="hold">
-                      <p:stCondLst>
-                        <p:cond delay="indefinite"/>
-                      </p:stCondLst>
-                      <p:childTnLst>
-                        <p:par>
-                          <p:cTn id="36" fill="hold">
-                            <p:stCondLst>
-                              <p:cond delay="0"/>
-                            </p:stCondLst>
-                            <p:childTnLst>
-                              <p:par>
-                                <p:cTn id="37" presetID="1" presetClass="entr" presetSubtype="0" fill="hold" grpId="0" nodeType="clickEffect">
-                                  <p:stCondLst>
-                                    <p:cond delay="0"/>
-                                  </p:stCondLst>
-                                  <p:childTnLst>
-                                    <p:set>
-                                      <p:cBhvr>
-                                        <p:cTn id="38" dur="1" fill="hold">
-                                          <p:stCondLst>
-                                            <p:cond delay="0"/>
-                                          </p:stCondLst>
-                                        </p:cTn>
-                                        <p:tgtEl>
-                                          <p:spTgt spid="3">
-                                            <p:txEl>
-                                              <p:pRg st="14" end="14"/>
-                                            </p:txEl>
-                                          </p:spTgt>
                                         </p:tgtEl>
                                         <p:attrNameLst>
                                           <p:attrName>style.visibility</p:attrName>
@@ -44031,7 +44622,6 @@
       </p:par>
     </p:tnLst>
     <p:bldLst>
-      <p:bldP spid="3" grpId="0" uiExpand="1" build="p"/>
       <p:bldP spid="26" grpId="0" animBg="1"/>
       <p:bldP spid="19" grpId="0" animBg="1"/>
       <p:bldP spid="18" grpId="0" animBg="1"/>
@@ -44040,7 +44630,7 @@
 </p:sld>
 </file>
 
-<file path=ppt/slides/slide46.xml><?xml version="1.0" encoding="utf-8"?>
+<file path=ppt/slides/slide48.xml><?xml version="1.0" encoding="utf-8"?>
 <p:sld xmlns:a="http://schemas.openxmlformats.org/drawingml/2006/main" xmlns:r="http://schemas.openxmlformats.org/officeDocument/2006/relationships" xmlns:p="http://schemas.openxmlformats.org/presentationml/2006/main">
   <p:cSld>
     <p:bg>
@@ -48663,81 +49253,6 @@
   <p:clrMapOvr>
     <a:masterClrMapping/>
   </p:clrMapOvr>
-  <p:timing>
-    <p:tnLst>
-      <p:par>
-        <p:cTn id="1" dur="indefinite" restart="never" nodeType="tmRoot">
-          <p:childTnLst>
-            <p:seq concurrent="1" nextAc="seek">
-              <p:cTn id="2" dur="indefinite" nodeType="mainSeq">
-                <p:childTnLst>
-                  <p:par>
-                    <p:cTn id="3" fill="hold">
-                      <p:stCondLst>
-                        <p:cond delay="indefinite"/>
-                      </p:stCondLst>
-                      <p:childTnLst>
-                        <p:par>
-                          <p:cTn id="4" fill="hold">
-                            <p:stCondLst>
-                              <p:cond delay="0"/>
-                            </p:stCondLst>
-                            <p:childTnLst>
-                              <p:par>
-                                <p:cTn id="5" presetID="1" presetClass="entr" presetSubtype="0" fill="hold" nodeType="clickEffect">
-                                  <p:stCondLst>
-                                    <p:cond delay="0"/>
-                                  </p:stCondLst>
-                                  <p:childTnLst>
-                                    <p:set>
-                                      <p:cBhvr>
-                                        <p:cTn id="6" dur="1" fill="hold">
-                                          <p:stCondLst>
-                                            <p:cond delay="0"/>
-                                          </p:stCondLst>
-                                        </p:cTn>
-                                        <p:tgtEl>
-                                          <p:spTgt spid="6"/>
-                                        </p:tgtEl>
-                                        <p:attrNameLst>
-                                          <p:attrName>style.visibility</p:attrName>
-                                        </p:attrNameLst>
-                                      </p:cBhvr>
-                                      <p:to>
-                                        <p:strVal val="visible"/>
-                                      </p:to>
-                                    </p:set>
-                                  </p:childTnLst>
-                                </p:cTn>
-                              </p:par>
-                            </p:childTnLst>
-                          </p:cTn>
-                        </p:par>
-                      </p:childTnLst>
-                    </p:cTn>
-                  </p:par>
-                </p:childTnLst>
-              </p:cTn>
-              <p:prevCondLst>
-                <p:cond evt="onPrev" delay="0">
-                  <p:tgtEl>
-                    <p:sldTgt/>
-                  </p:tgtEl>
-                </p:cond>
-              </p:prevCondLst>
-              <p:nextCondLst>
-                <p:cond evt="onNext" delay="0">
-                  <p:tgtEl>
-                    <p:sldTgt/>
-                  </p:tgtEl>
-                </p:cond>
-              </p:nextCondLst>
-            </p:seq>
-          </p:childTnLst>
-        </p:cTn>
-      </p:par>
-    </p:tnLst>
-  </p:timing>
 </p:sld>
 </file>
 
